--- a/docs/figures/flowchart.pptx
+++ b/docs/figures/flowchart.pptx
@@ -193,7 +193,7 @@
           <a:p>
             <a:fld id="{B47AD5B4-42A6-4969-BF71-1B0ECAB6BD54}" type="datetimeFigureOut">
               <a:rPr lang="en-US" smtClean="0"/>
-              <a:t>8/25/2016</a:t>
+              <a:t>8/29/2016</a:t>
             </a:fld>
             <a:endParaRPr lang="en-US"/>
           </a:p>
@@ -846,7 +846,7 @@
           <a:p>
             <a:fld id="{9933A24F-1A97-48E4-8DAB-46DD861E305E}" type="datetimeFigureOut">
               <a:rPr lang="en-US" smtClean="0"/>
-              <a:t>8/25/2016</a:t>
+              <a:t>8/29/2016</a:t>
             </a:fld>
             <a:endParaRPr lang="en-US"/>
           </a:p>
@@ -1016,7 +1016,7 @@
           <a:p>
             <a:fld id="{9933A24F-1A97-48E4-8DAB-46DD861E305E}" type="datetimeFigureOut">
               <a:rPr lang="en-US" smtClean="0"/>
-              <a:t>8/25/2016</a:t>
+              <a:t>8/29/2016</a:t>
             </a:fld>
             <a:endParaRPr lang="en-US"/>
           </a:p>
@@ -1196,7 +1196,7 @@
           <a:p>
             <a:fld id="{9933A24F-1A97-48E4-8DAB-46DD861E305E}" type="datetimeFigureOut">
               <a:rPr lang="en-US" smtClean="0"/>
-              <a:t>8/25/2016</a:t>
+              <a:t>8/29/2016</a:t>
             </a:fld>
             <a:endParaRPr lang="en-US"/>
           </a:p>
@@ -1466,7 +1466,7 @@
           <a:p>
             <a:fld id="{9933A24F-1A97-48E4-8DAB-46DD861E305E}" type="datetimeFigureOut">
               <a:rPr lang="en-US" smtClean="0"/>
-              <a:t>8/25/2016</a:t>
+              <a:t>8/29/2016</a:t>
             </a:fld>
             <a:endParaRPr lang="en-US"/>
           </a:p>
@@ -1712,7 +1712,7 @@
           <a:p>
             <a:fld id="{9933A24F-1A97-48E4-8DAB-46DD861E305E}" type="datetimeFigureOut">
               <a:rPr lang="en-US" smtClean="0"/>
-              <a:t>8/25/2016</a:t>
+              <a:t>8/29/2016</a:t>
             </a:fld>
             <a:endParaRPr lang="en-US"/>
           </a:p>
@@ -2000,7 +2000,7 @@
           <a:p>
             <a:fld id="{9933A24F-1A97-48E4-8DAB-46DD861E305E}" type="datetimeFigureOut">
               <a:rPr lang="en-US" smtClean="0"/>
-              <a:t>8/25/2016</a:t>
+              <a:t>8/29/2016</a:t>
             </a:fld>
             <a:endParaRPr lang="en-US"/>
           </a:p>
@@ -2422,7 +2422,7 @@
           <a:p>
             <a:fld id="{9933A24F-1A97-48E4-8DAB-46DD861E305E}" type="datetimeFigureOut">
               <a:rPr lang="en-US" smtClean="0"/>
-              <a:t>8/25/2016</a:t>
+              <a:t>8/29/2016</a:t>
             </a:fld>
             <a:endParaRPr lang="en-US"/>
           </a:p>
@@ -2540,7 +2540,7 @@
           <a:p>
             <a:fld id="{9933A24F-1A97-48E4-8DAB-46DD861E305E}" type="datetimeFigureOut">
               <a:rPr lang="en-US" smtClean="0"/>
-              <a:t>8/25/2016</a:t>
+              <a:t>8/29/2016</a:t>
             </a:fld>
             <a:endParaRPr lang="en-US"/>
           </a:p>
@@ -2635,7 +2635,7 @@
           <a:p>
             <a:fld id="{9933A24F-1A97-48E4-8DAB-46DD861E305E}" type="datetimeFigureOut">
               <a:rPr lang="en-US" smtClean="0"/>
-              <a:t>8/25/2016</a:t>
+              <a:t>8/29/2016</a:t>
             </a:fld>
             <a:endParaRPr lang="en-US"/>
           </a:p>
@@ -2912,7 +2912,7 @@
           <a:p>
             <a:fld id="{9933A24F-1A97-48E4-8DAB-46DD861E305E}" type="datetimeFigureOut">
               <a:rPr lang="en-US" smtClean="0"/>
-              <a:t>8/25/2016</a:t>
+              <a:t>8/29/2016</a:t>
             </a:fld>
             <a:endParaRPr lang="en-US"/>
           </a:p>
@@ -3165,7 +3165,7 @@
           <a:p>
             <a:fld id="{9933A24F-1A97-48E4-8DAB-46DD861E305E}" type="datetimeFigureOut">
               <a:rPr lang="en-US" smtClean="0"/>
-              <a:t>8/25/2016</a:t>
+              <a:t>8/29/2016</a:t>
             </a:fld>
             <a:endParaRPr lang="en-US"/>
           </a:p>
@@ -3378,7 +3378,7 @@
           <a:p>
             <a:fld id="{9933A24F-1A97-48E4-8DAB-46DD861E305E}" type="datetimeFigureOut">
               <a:rPr lang="en-US" smtClean="0"/>
-              <a:t>8/25/2016</a:t>
+              <a:t>8/29/2016</a:t>
             </a:fld>
             <a:endParaRPr lang="en-US"/>
           </a:p>
@@ -8108,8 +8108,8 @@
         </p:nvGrpSpPr>
         <p:grpSpPr>
           <a:xfrm>
-            <a:off x="3191907" y="562409"/>
-            <a:ext cx="2460213" cy="1498439"/>
+            <a:off x="3059832" y="562409"/>
+            <a:ext cx="3168351" cy="1498439"/>
             <a:chOff x="4690610" y="2744313"/>
             <a:chExt cx="2736305" cy="1329294"/>
           </a:xfrm>
@@ -8920,7 +8920,7 @@
                 </a:buClr>
               </a:pPr>
               <a:r>
-                <a:rPr lang="en-US" altLang="ko-KR" sz="1000" dirty="0" smtClean="0">
+                <a:rPr lang="en-US" altLang="ko-KR" sz="1100" dirty="0" smtClean="0">
                   <a:solidFill>
                     <a:srgbClr val="003B6E"/>
                   </a:solidFill>
@@ -8928,106 +8928,21 @@
                   <a:ea typeface="Gulim" pitchFamily="34" charset="-127"/>
                   <a:cs typeface="Arial Unicode MS" pitchFamily="34" charset="-128"/>
                 </a:rPr>
-                <a:t>Simple Random Sampling (SRS)</a:t>
-              </a:r>
-            </a:p>
-            <a:p>
-              <a:pPr marL="85725" indent="-85725" eaLnBrk="1" hangingPunct="1">
-                <a:spcBef>
-                  <a:spcPts val="0"/>
-                </a:spcBef>
-                <a:buClr>
-                  <a:srgbClr val="000000"/>
-                </a:buClr>
-              </a:pPr>
-              <a:r>
-                <a:rPr lang="en-US" altLang="ko-KR" sz="1000" dirty="0" smtClean="0">
-                  <a:solidFill>
-                    <a:srgbClr val="003B6E"/>
-                  </a:solidFill>
-                  <a:latin typeface="+mn-lt"/>
-                  <a:ea typeface="Gulim" pitchFamily="34" charset="-127"/>
-                  <a:cs typeface="Arial Unicode MS" pitchFamily="34" charset="-128"/>
-                </a:rPr>
-                <a:t>Latin Hypercube Sampling (LHS)</a:t>
-              </a:r>
-            </a:p>
-            <a:p>
-              <a:pPr marL="85725" indent="-85725" eaLnBrk="1" hangingPunct="1">
-                <a:spcBef>
-                  <a:spcPts val="0"/>
-                </a:spcBef>
-                <a:buClr>
-                  <a:srgbClr val="000000"/>
-                </a:buClr>
-              </a:pPr>
-              <a:r>
-                <a:rPr lang="en-US" altLang="ko-KR" sz="1000" i="1" dirty="0">
-                  <a:solidFill>
-                    <a:srgbClr val="003B6E"/>
-                  </a:solidFill>
-                  <a:latin typeface="+mn-lt"/>
-                  <a:ea typeface="Gulim" pitchFamily="34" charset="-127"/>
-                  <a:cs typeface="Arial Unicode MS" pitchFamily="34" charset="-128"/>
-                </a:rPr>
-                <a:t>L</a:t>
+                <a:t>Simple Random Sampling (</a:t>
               </a:r>
               <a:r>
-                <a:rPr lang="en-US" altLang="ko-KR" sz="1000" i="1" baseline="30000" dirty="0" smtClean="0">
+                <a:rPr lang="en-US" altLang="ko-KR" sz="1100" dirty="0" smtClean="0">
                   <a:solidFill>
                     <a:srgbClr val="003B6E"/>
                   </a:solidFill>
-                  <a:latin typeface="+mn-lt"/>
+                  <a:latin typeface="Courier New" panose="02070309020205020404" pitchFamily="49" charset="0"/>
                   <a:ea typeface="Gulim" pitchFamily="34" charset="-127"/>
-                  <a:cs typeface="Arial Unicode MS" pitchFamily="34" charset="-128"/>
+                  <a:cs typeface="Courier New" panose="02070309020205020404" pitchFamily="49" charset="0"/>
                 </a:rPr>
-                <a:t>2</a:t>
+                <a:t>SRS</a:t>
               </a:r>
               <a:r>
-                <a:rPr lang="en-US" altLang="ko-KR" sz="1000" dirty="0" smtClean="0">
-                  <a:solidFill>
-                    <a:srgbClr val="003B6E"/>
-                  </a:solidFill>
-                  <a:latin typeface="+mn-lt"/>
-                  <a:ea typeface="Gulim" pitchFamily="34" charset="-127"/>
-                  <a:cs typeface="Arial Unicode MS" pitchFamily="34" charset="-128"/>
-                </a:rPr>
-                <a:t>-discrepancy optimized (space-filling) </a:t>
-              </a:r>
-              <a:br>
-                <a:rPr lang="en-US" altLang="ko-KR" sz="1000" dirty="0" smtClean="0">
-                  <a:solidFill>
-                    <a:srgbClr val="003B6E"/>
-                  </a:solidFill>
-                  <a:latin typeface="+mn-lt"/>
-                  <a:ea typeface="Gulim" pitchFamily="34" charset="-127"/>
-                  <a:cs typeface="Arial Unicode MS" pitchFamily="34" charset="-128"/>
-                </a:rPr>
-              </a:br>
-              <a:r>
-                <a:rPr lang="en-US" altLang="ko-KR" sz="1000" dirty="0" smtClean="0">
-                  <a:solidFill>
-                    <a:srgbClr val="003B6E"/>
-                  </a:solidFill>
-                  <a:latin typeface="+mn-lt"/>
-                  <a:ea typeface="Gulim" pitchFamily="34" charset="-127"/>
-                  <a:cs typeface="Arial Unicode MS" pitchFamily="34" charset="-128"/>
-                </a:rPr>
-                <a:t>Latin Hypercube Sampling (</a:t>
-              </a:r>
-              <a:r>
-                <a:rPr lang="en-US" altLang="ko-KR" sz="1000" dirty="0" err="1" smtClean="0">
-                  <a:solidFill>
-                    <a:srgbClr val="003B6E"/>
-                  </a:solidFill>
-                  <a:latin typeface="+mn-lt"/>
-                  <a:ea typeface="Gulim" pitchFamily="34" charset="-127"/>
-                  <a:cs typeface="Arial Unicode MS" pitchFamily="34" charset="-128"/>
-                </a:rPr>
-                <a:t>optLHS</a:t>
-              </a:r>
-              <a:r>
-                <a:rPr lang="en-US" altLang="ko-KR" sz="1000" dirty="0" smtClean="0">
+                <a:rPr lang="en-US" altLang="ko-KR" sz="1100" dirty="0" smtClean="0">
                   <a:solidFill>
                     <a:srgbClr val="003B6E"/>
                   </a:solidFill>
@@ -9048,7 +8963,7 @@
                 </a:buClr>
               </a:pPr>
               <a:r>
-                <a:rPr lang="en-US" altLang="ko-KR" sz="1000" dirty="0" err="1" smtClean="0">
+                <a:rPr lang="en-US" altLang="ko-KR" sz="1100" dirty="0" smtClean="0">
                   <a:solidFill>
                     <a:srgbClr val="003B6E"/>
                   </a:solidFill>
@@ -9056,32 +8971,21 @@
                   <a:ea typeface="Gulim" pitchFamily="34" charset="-127"/>
                   <a:cs typeface="Arial Unicode MS" pitchFamily="34" charset="-128"/>
                 </a:rPr>
-                <a:t>Sobol</a:t>
+                <a:t>Latin Hypercube Sampling (</a:t>
               </a:r>
               <a:r>
-                <a:rPr lang="en-US" altLang="ko-KR" sz="1000" dirty="0" smtClean="0">
+                <a:rPr lang="en-US" altLang="ko-KR" sz="1100" dirty="0" smtClean="0">
                   <a:solidFill>
                     <a:srgbClr val="003B6E"/>
                   </a:solidFill>
-                  <a:latin typeface="+mn-lt"/>
+                  <a:latin typeface="Courier New" panose="02070309020205020404" pitchFamily="49" charset="0"/>
                   <a:ea typeface="Gulim" pitchFamily="34" charset="-127"/>
-                  <a:cs typeface="Arial Unicode MS" pitchFamily="34" charset="-128"/>
+                  <a:cs typeface="Courier New" panose="02070309020205020404" pitchFamily="49" charset="0"/>
                 </a:rPr>
-                <a:t>’ sequence launcher (</a:t>
+                <a:t>LHS</a:t>
               </a:r>
               <a:r>
-                <a:rPr lang="en-US" altLang="ko-KR" sz="1000" dirty="0" err="1" smtClean="0">
-                  <a:solidFill>
-                    <a:srgbClr val="003B6E"/>
-                  </a:solidFill>
-                  <a:latin typeface="+mn-lt"/>
-                  <a:ea typeface="Gulim" pitchFamily="34" charset="-127"/>
-                  <a:cs typeface="Arial Unicode MS" pitchFamily="34" charset="-128"/>
-                </a:rPr>
-                <a:t>sobol</a:t>
-              </a:r>
-              <a:r>
-                <a:rPr lang="en-US" altLang="ko-KR" sz="1000" dirty="0" smtClean="0">
+                <a:rPr lang="en-US" altLang="ko-KR" sz="1100" dirty="0" smtClean="0">
                   <a:solidFill>
                     <a:srgbClr val="003B6E"/>
                   </a:solidFill>
@@ -9102,7 +9006,7 @@
                 </a:buClr>
               </a:pPr>
               <a:r>
-                <a:rPr lang="en-US" altLang="ko-KR" sz="1000" dirty="0" smtClean="0">
+                <a:rPr lang="en-US" altLang="ko-KR" sz="1100" i="1" dirty="0">
                   <a:solidFill>
                     <a:srgbClr val="003B6E"/>
                   </a:solidFill>
@@ -9110,9 +9014,182 @@
                   <a:ea typeface="Gulim" pitchFamily="34" charset="-127"/>
                   <a:cs typeface="Arial Unicode MS" pitchFamily="34" charset="-128"/>
                 </a:rPr>
-                <a:t>Validation points generator</a:t>
+                <a:t>L</a:t>
               </a:r>
-              <a:endParaRPr lang="en-US" altLang="ko-KR" sz="1000" dirty="0">
+              <a:r>
+                <a:rPr lang="en-US" altLang="ko-KR" sz="1100" i="1" baseline="30000" dirty="0" smtClean="0">
+                  <a:solidFill>
+                    <a:srgbClr val="003B6E"/>
+                  </a:solidFill>
+                  <a:latin typeface="+mn-lt"/>
+                  <a:ea typeface="Gulim" pitchFamily="34" charset="-127"/>
+                  <a:cs typeface="Arial Unicode MS" pitchFamily="34" charset="-128"/>
+                </a:rPr>
+                <a:t>2</a:t>
+              </a:r>
+              <a:r>
+                <a:rPr lang="en-US" altLang="ko-KR" sz="1100" dirty="0" smtClean="0">
+                  <a:solidFill>
+                    <a:srgbClr val="003B6E"/>
+                  </a:solidFill>
+                  <a:latin typeface="+mn-lt"/>
+                  <a:ea typeface="Gulim" pitchFamily="34" charset="-127"/>
+                  <a:cs typeface="Arial Unicode MS" pitchFamily="34" charset="-128"/>
+                </a:rPr>
+                <a:t>-discrepancy optimized (space-filling) </a:t>
+              </a:r>
+              <a:br>
+                <a:rPr lang="en-US" altLang="ko-KR" sz="1100" dirty="0" smtClean="0">
+                  <a:solidFill>
+                    <a:srgbClr val="003B6E"/>
+                  </a:solidFill>
+                  <a:latin typeface="+mn-lt"/>
+                  <a:ea typeface="Gulim" pitchFamily="34" charset="-127"/>
+                  <a:cs typeface="Arial Unicode MS" pitchFamily="34" charset="-128"/>
+                </a:rPr>
+              </a:br>
+              <a:r>
+                <a:rPr lang="en-US" altLang="ko-KR" sz="1100" dirty="0" smtClean="0">
+                  <a:solidFill>
+                    <a:srgbClr val="003B6E"/>
+                  </a:solidFill>
+                  <a:latin typeface="+mn-lt"/>
+                  <a:ea typeface="Gulim" pitchFamily="34" charset="-127"/>
+                  <a:cs typeface="Arial Unicode MS" pitchFamily="34" charset="-128"/>
+                </a:rPr>
+                <a:t>Latin Hypercube Sampling (</a:t>
+              </a:r>
+              <a:r>
+                <a:rPr lang="en-US" altLang="ko-KR" sz="1100" dirty="0" err="1" smtClean="0">
+                  <a:solidFill>
+                    <a:srgbClr val="003B6E"/>
+                  </a:solidFill>
+                  <a:latin typeface="Courier New" panose="02070309020205020404" pitchFamily="49" charset="0"/>
+                  <a:ea typeface="Gulim" pitchFamily="34" charset="-127"/>
+                  <a:cs typeface="Courier New" panose="02070309020205020404" pitchFamily="49" charset="0"/>
+                </a:rPr>
+                <a:t>optLHS</a:t>
+              </a:r>
+              <a:r>
+                <a:rPr lang="en-US" altLang="ko-KR" sz="1100" dirty="0" smtClean="0">
+                  <a:solidFill>
+                    <a:srgbClr val="003B6E"/>
+                  </a:solidFill>
+                  <a:latin typeface="+mn-lt"/>
+                  <a:ea typeface="Gulim" pitchFamily="34" charset="-127"/>
+                  <a:cs typeface="Arial Unicode MS" pitchFamily="34" charset="-128"/>
+                </a:rPr>
+                <a:t>)</a:t>
+              </a:r>
+            </a:p>
+            <a:p>
+              <a:pPr marL="85725" indent="-85725" eaLnBrk="1" hangingPunct="1">
+                <a:spcBef>
+                  <a:spcPts val="0"/>
+                </a:spcBef>
+                <a:buClr>
+                  <a:srgbClr val="000000"/>
+                </a:buClr>
+              </a:pPr>
+              <a:r>
+                <a:rPr lang="en-US" altLang="ko-KR" sz="1100" dirty="0" err="1" smtClean="0">
+                  <a:solidFill>
+                    <a:srgbClr val="003B6E"/>
+                  </a:solidFill>
+                  <a:latin typeface="+mn-lt"/>
+                  <a:ea typeface="Gulim" pitchFamily="34" charset="-127"/>
+                  <a:cs typeface="Arial Unicode MS" pitchFamily="34" charset="-128"/>
+                </a:rPr>
+                <a:t>Sobol</a:t>
+              </a:r>
+              <a:r>
+                <a:rPr lang="en-US" altLang="ko-KR" sz="1100" dirty="0" smtClean="0">
+                  <a:solidFill>
+                    <a:srgbClr val="003B6E"/>
+                  </a:solidFill>
+                  <a:latin typeface="+mn-lt"/>
+                  <a:ea typeface="Gulim" pitchFamily="34" charset="-127"/>
+                  <a:cs typeface="Arial Unicode MS" pitchFamily="34" charset="-128"/>
+                </a:rPr>
+                <a:t>’ sequence launcher (</a:t>
+              </a:r>
+              <a:r>
+                <a:rPr lang="en-US" altLang="ko-KR" sz="1100" dirty="0" err="1" smtClean="0">
+                  <a:solidFill>
+                    <a:srgbClr val="003B6E"/>
+                  </a:solidFill>
+                  <a:latin typeface="Courier New" panose="02070309020205020404" pitchFamily="49" charset="0"/>
+                  <a:ea typeface="Gulim" pitchFamily="34" charset="-127"/>
+                  <a:cs typeface="Courier New" panose="02070309020205020404" pitchFamily="49" charset="0"/>
+                </a:rPr>
+                <a:t>sobol</a:t>
+              </a:r>
+              <a:r>
+                <a:rPr lang="en-US" altLang="ko-KR" sz="1100" dirty="0" smtClean="0">
+                  <a:solidFill>
+                    <a:srgbClr val="003B6E"/>
+                  </a:solidFill>
+                  <a:latin typeface="+mn-lt"/>
+                  <a:ea typeface="Gulim" pitchFamily="34" charset="-127"/>
+                  <a:cs typeface="Arial Unicode MS" pitchFamily="34" charset="-128"/>
+                </a:rPr>
+                <a:t>)</a:t>
+              </a:r>
+            </a:p>
+            <a:p>
+              <a:pPr marL="85725" indent="-85725" eaLnBrk="1" hangingPunct="1">
+                <a:spcBef>
+                  <a:spcPts val="0"/>
+                </a:spcBef>
+                <a:buClr>
+                  <a:srgbClr val="000000"/>
+                </a:buClr>
+              </a:pPr>
+              <a:r>
+                <a:rPr lang="en-US" altLang="ko-KR" sz="1100" dirty="0" smtClean="0">
+                  <a:solidFill>
+                    <a:srgbClr val="003B6E"/>
+                  </a:solidFill>
+                  <a:latin typeface="+mn-lt"/>
+                  <a:ea typeface="Gulim" pitchFamily="34" charset="-127"/>
+                  <a:cs typeface="Arial Unicode MS" pitchFamily="34" charset="-128"/>
+                </a:rPr>
+                <a:t>Validation points </a:t>
+              </a:r>
+              <a:r>
+                <a:rPr lang="en-US" altLang="ko-KR" sz="1100" dirty="0" smtClean="0">
+                  <a:solidFill>
+                    <a:srgbClr val="003B6E"/>
+                  </a:solidFill>
+                  <a:latin typeface="+mn-lt"/>
+                  <a:ea typeface="Gulim" pitchFamily="34" charset="-127"/>
+                  <a:cs typeface="Arial Unicode MS" pitchFamily="34" charset="-128"/>
+                </a:rPr>
+                <a:t>generator (</a:t>
+              </a:r>
+              <a:r>
+                <a:rPr lang="en-US" altLang="ko-KR" sz="1100" dirty="0" err="1" smtClean="0">
+                  <a:solidFill>
+                    <a:srgbClr val="003B6E"/>
+                  </a:solidFill>
+                  <a:latin typeface="Courier New" panose="02070309020205020404" pitchFamily="49" charset="0"/>
+                  <a:ea typeface="Gulim" pitchFamily="34" charset="-127"/>
+                  <a:cs typeface="Courier New" panose="02070309020205020404" pitchFamily="49" charset="0"/>
+                </a:rPr>
+                <a:t>valid_points</a:t>
+              </a:r>
+              <a:r>
+                <a:rPr lang="en-US" altLang="ko-KR" sz="1100" dirty="0" smtClean="0">
+                  <a:solidFill>
+                    <a:srgbClr val="003B6E"/>
+                  </a:solidFill>
+                  <a:latin typeface="+mn-lt"/>
+                  <a:ea typeface="Gulim" pitchFamily="34" charset="-127"/>
+                  <a:cs typeface="Arial Unicode MS" pitchFamily="34" charset="-128"/>
+                </a:rPr>
+                <a:t>)</a:t>
+              </a:r>
+              <a:endParaRPr lang="en-US" altLang="ko-KR" sz="1100" dirty="0">
                 <a:solidFill>
                   <a:srgbClr val="003B6E"/>
                 </a:solidFill>
@@ -9132,7 +9209,7 @@
         </p:nvGrpSpPr>
         <p:grpSpPr>
           <a:xfrm>
-            <a:off x="6703031" y="773361"/>
+            <a:off x="7135079" y="773361"/>
             <a:ext cx="1469369" cy="999455"/>
             <a:chOff x="3227276" y="2065138"/>
             <a:chExt cx="1052334" cy="715790"/>
@@ -9340,7 +9417,7 @@
         </p:nvSpPr>
         <p:spPr>
           <a:xfrm>
-            <a:off x="6738898" y="1094587"/>
+            <a:off x="7170946" y="1094587"/>
             <a:ext cx="1130871" cy="400110"/>
           </a:xfrm>
           <a:prstGeom prst="rect">
@@ -9380,8 +9457,8 @@
         </p:nvSpPr>
         <p:spPr>
           <a:xfrm>
-            <a:off x="20070" y="4107068"/>
-            <a:ext cx="2175666" cy="369332"/>
+            <a:off x="20069" y="4107068"/>
+            <a:ext cx="2118268" cy="369332"/>
           </a:xfrm>
           <a:prstGeom prst="rect">
             <a:avLst/>
@@ -9389,6 +9466,7 @@
           <a:solidFill>
             <a:schemeClr val="bg1">
               <a:lumMod val="95000"/>
+              <a:alpha val="75000"/>
             </a:schemeClr>
           </a:solidFill>
           <a:ln w="9525">
@@ -9418,8 +9496,8 @@
         </p:nvSpPr>
         <p:spPr>
           <a:xfrm>
-            <a:off x="20071" y="112857"/>
-            <a:ext cx="2175665" cy="369332"/>
+            <a:off x="20070" y="112857"/>
+            <a:ext cx="2118267" cy="369332"/>
           </a:xfrm>
           <a:prstGeom prst="rect">
             <a:avLst/>
@@ -9427,6 +9505,7 @@
           <a:solidFill>
             <a:schemeClr val="bg1">
               <a:lumMod val="95000"/>
+              <a:alpha val="75000"/>
             </a:schemeClr>
           </a:solidFill>
           <a:ln w="9525">
@@ -9443,8 +9522,11 @@
               <a:rPr lang="en-US" b="1" dirty="0" smtClean="0">
                 <a:latin typeface="+mj-lt"/>
               </a:rPr>
-              <a:t>Generate Samples</a:t>
+              <a:t>Samples Generation</a:t>
             </a:r>
+            <a:endParaRPr lang="en-US" b="1" dirty="0" smtClean="0">
+              <a:latin typeface="+mj-lt"/>
+            </a:endParaRPr>
           </a:p>
         </p:txBody>
       </p:sp>
@@ -9517,10 +9599,10 @@
         </p:nvGrpSpPr>
         <p:grpSpPr>
           <a:xfrm>
-            <a:off x="3211192" y="2893965"/>
-            <a:ext cx="2440928" cy="823066"/>
-            <a:chOff x="179512" y="1188853"/>
-            <a:chExt cx="2098973" cy="871996"/>
+            <a:off x="4879780" y="2708921"/>
+            <a:ext cx="1348404" cy="943172"/>
+            <a:chOff x="-476249" y="1232645"/>
+            <a:chExt cx="2098972" cy="999242"/>
           </a:xfrm>
         </p:grpSpPr>
         <p:sp>
@@ -9533,8 +9615,8 @@
           </p:nvSpPr>
           <p:spPr bwMode="auto">
             <a:xfrm>
-              <a:off x="179512" y="1188853"/>
-              <a:ext cx="2098973" cy="871996"/>
+              <a:off x="-476249" y="1232645"/>
+              <a:ext cx="2098972" cy="999242"/>
             </a:xfrm>
             <a:prstGeom prst="rect">
               <a:avLst/>
@@ -9914,7 +9996,7 @@
                 <a:buNone/>
               </a:pPr>
               <a:r>
-                <a:rPr lang="en-US" altLang="ko-KR" sz="1400" dirty="0" smtClean="0">
+                <a:rPr lang="en-US" altLang="ko-KR" sz="1300" dirty="0" smtClean="0">
                   <a:solidFill>
                     <a:srgbClr val="C50006"/>
                   </a:solidFill>
@@ -9922,10 +10004,10 @@
                   <a:ea typeface="Gulim" pitchFamily="34" charset="-127"/>
                   <a:cs typeface="Arial Unicode MS" pitchFamily="34" charset="-128"/>
                 </a:rPr>
-                <a:t>Computer Codes + </a:t>
+                <a:t>Computer </a:t>
               </a:r>
-              <a:br>
-                <a:rPr lang="en-US" altLang="ko-KR" sz="1400" dirty="0" smtClean="0">
+              <a:r>
+                <a:rPr lang="en-US" altLang="ko-KR" sz="1300" dirty="0" smtClean="0">
                   <a:solidFill>
                     <a:srgbClr val="C50006"/>
                   </a:solidFill>
@@ -9933,9 +10015,22 @@
                   <a:ea typeface="Gulim" pitchFamily="34" charset="-127"/>
                   <a:cs typeface="Arial Unicode MS" pitchFamily="34" charset="-128"/>
                 </a:rPr>
-              </a:br>
+                <a:t>Codes</a:t>
+              </a:r>
+            </a:p>
+            <a:p>
+              <a:pPr eaLnBrk="1" hangingPunct="1">
+                <a:lnSpc>
+                  <a:spcPct val="100000"/>
+                </a:lnSpc>
+                <a:buClr>
+                  <a:srgbClr val="000000"/>
+                </a:buClr>
+                <a:buFont typeface="Times New Roman" pitchFamily="18" charset="0"/>
+                <a:buNone/>
+              </a:pPr>
               <a:r>
-                <a:rPr lang="en-US" altLang="ko-KR" sz="1400" dirty="0" smtClean="0">
+                <a:rPr lang="en-US" altLang="ko-KR" sz="1100" dirty="0">
                   <a:solidFill>
                     <a:srgbClr val="C50006"/>
                   </a:solidFill>
@@ -9943,7 +10038,7 @@
                   <a:ea typeface="Gulim" pitchFamily="34" charset="-127"/>
                   <a:cs typeface="Arial Unicode MS" pitchFamily="34" charset="-128"/>
                 </a:rPr>
-                <a:t>Post-processing (</a:t>
+                <a:t>o</a:t>
               </a:r>
               <a:r>
                 <a:rPr lang="en-US" altLang="ko-KR" sz="1100" dirty="0" smtClean="0">
@@ -9954,20 +10049,9 @@
                   <a:ea typeface="Gulim" pitchFamily="34" charset="-127"/>
                   <a:cs typeface="Arial Unicode MS" pitchFamily="34" charset="-128"/>
                 </a:rPr>
-                <a:t>feature extraction</a:t>
+                <a:t>r generic functions</a:t>
               </a:r>
-              <a:r>
-                <a:rPr lang="en-US" altLang="ko-KR" sz="1400" dirty="0" smtClean="0">
-                  <a:solidFill>
-                    <a:srgbClr val="C50006"/>
-                  </a:solidFill>
-                  <a:latin typeface="+mn-lt"/>
-                  <a:ea typeface="Gulim" pitchFamily="34" charset="-127"/>
-                  <a:cs typeface="Arial Unicode MS" pitchFamily="34" charset="-128"/>
-                </a:rPr>
-                <a:t>)</a:t>
-              </a:r>
-              <a:endParaRPr lang="en-US" altLang="ko-KR" sz="1400" dirty="0">
+              <a:endParaRPr lang="en-US" altLang="ko-KR" sz="1300" dirty="0">
                 <a:solidFill>
                   <a:srgbClr val="C50006"/>
                 </a:solidFill>
@@ -9988,15 +10072,15 @@
           </p:nvSpPr>
           <p:spPr bwMode="auto">
             <a:xfrm>
-              <a:off x="234748" y="1777301"/>
-              <a:ext cx="1997952" cy="228169"/>
+              <a:off x="-394899" y="1732266"/>
+              <a:ext cx="1913339" cy="469083"/>
             </a:xfrm>
             <a:prstGeom prst="rect">
               <a:avLst/>
             </a:prstGeom>
             <a:solidFill>
               <a:schemeClr val="bg1">
-                <a:lumMod val="85000"/>
+                <a:lumMod val="95000"/>
               </a:schemeClr>
             </a:solidFill>
             <a:ln w="9360">
@@ -10367,7 +10451,7 @@
                 <a:buNone/>
               </a:pPr>
               <a:r>
-                <a:rPr lang="en-US" altLang="ko-KR" sz="1050" dirty="0" smtClean="0">
+                <a:rPr lang="en-US" altLang="ko-KR" sz="1100" i="1" dirty="0" smtClean="0">
                   <a:solidFill>
                     <a:srgbClr val="003B6E"/>
                   </a:solidFill>
@@ -10377,7 +10461,7 @@
                 </a:rPr>
                 <a:t>Externally Implemented</a:t>
               </a:r>
-              <a:endParaRPr lang="en-US" altLang="ko-KR" sz="1050" dirty="0">
+              <a:endParaRPr lang="en-US" altLang="ko-KR" sz="1100" i="1" dirty="0">
                 <a:solidFill>
                   <a:srgbClr val="003B6E"/>
                 </a:solidFill>
@@ -10397,7 +10481,7 @@
         </p:nvSpPr>
         <p:spPr>
           <a:xfrm rot="10800000">
-            <a:off x="5963579" y="2015055"/>
+            <a:off x="6447558" y="2015055"/>
             <a:ext cx="1560749" cy="1531562"/>
           </a:xfrm>
           <a:prstGeom prst="bentArrow">
@@ -10454,7 +10538,7 @@
         </p:nvSpPr>
         <p:spPr bwMode="auto">
           <a:xfrm rot="10800000">
-            <a:off x="2504446" y="3046996"/>
+            <a:off x="2504446" y="2966331"/>
             <a:ext cx="476985" cy="484632"/>
           </a:xfrm>
           <a:prstGeom prst="stripedRightArrow">
@@ -10520,7 +10604,7 @@
         </p:nvGrpSpPr>
         <p:grpSpPr>
           <a:xfrm>
-            <a:off x="971600" y="2861593"/>
+            <a:off x="971600" y="2780928"/>
             <a:ext cx="1469369" cy="999455"/>
             <a:chOff x="1031714" y="2676548"/>
             <a:chExt cx="1469369" cy="999455"/>
@@ -10783,7 +10867,7 @@
         </p:nvSpPr>
         <p:spPr>
           <a:xfrm>
-            <a:off x="429990" y="2545159"/>
+            <a:off x="429990" y="2492896"/>
             <a:ext cx="1621730" cy="307777"/>
           </a:xfrm>
           <a:prstGeom prst="rect">
@@ -10809,21 +10893,1140 @@
       </p:sp>
       <p:grpSp>
         <p:nvGrpSpPr>
-          <p:cNvPr id="73" name="Group 72"/>
+          <p:cNvPr id="2" name="Group 1"/>
           <p:cNvGrpSpPr/>
           <p:nvPr/>
         </p:nvGrpSpPr>
         <p:grpSpPr>
           <a:xfrm>
-            <a:off x="3211191" y="4437112"/>
-            <a:ext cx="2440928" cy="2016224"/>
-            <a:chOff x="4690610" y="2310280"/>
-            <a:chExt cx="2676156" cy="1763328"/>
+            <a:off x="3059835" y="4291735"/>
+            <a:ext cx="3168350" cy="2233609"/>
+            <a:chOff x="3211191" y="4437112"/>
+            <a:chExt cx="2440928" cy="2083388"/>
           </a:xfrm>
         </p:grpSpPr>
+        <p:grpSp>
+          <p:nvGrpSpPr>
+            <p:cNvPr id="73" name="Group 72"/>
+            <p:cNvGrpSpPr/>
+            <p:nvPr/>
+          </p:nvGrpSpPr>
+          <p:grpSpPr>
+            <a:xfrm>
+              <a:off x="3211191" y="4437112"/>
+              <a:ext cx="2440928" cy="2083388"/>
+              <a:chOff x="4690611" y="2310279"/>
+              <a:chExt cx="2676155" cy="1822067"/>
+            </a:xfrm>
+          </p:grpSpPr>
+          <p:sp>
+            <p:nvSpPr>
+              <p:cNvPr id="74" name="Text Box 11"/>
+              <p:cNvSpPr txBox="1">
+                <a:spLocks noChangeArrowheads="1"/>
+              </p:cNvSpPr>
+              <p:nvPr/>
+            </p:nvSpPr>
+            <p:spPr bwMode="auto">
+              <a:xfrm>
+                <a:off x="4690611" y="2310279"/>
+                <a:ext cx="2676155" cy="1822067"/>
+              </a:xfrm>
+              <a:prstGeom prst="rect">
+                <a:avLst/>
+              </a:prstGeom>
+              <a:solidFill>
+                <a:srgbClr val="FFFFFF"/>
+              </a:solidFill>
+              <a:ln w="6350">
+                <a:solidFill>
+                  <a:srgbClr val="C50006"/>
+                </a:solidFill>
+                <a:miter lim="800000"/>
+                <a:headEnd/>
+                <a:tailEnd/>
+              </a:ln>
+            </p:spPr>
+            <p:txBody>
+              <a:bodyPr lIns="90000" tIns="46800" rIns="90000" bIns="46800"/>
+              <a:lstStyle>
+                <a:lvl1pPr defTabSz="457200">
+                  <a:buChar char="•"/>
+                  <a:tabLst>
+                    <a:tab pos="0" algn="l"/>
+                    <a:tab pos="457200" algn="l"/>
+                    <a:tab pos="914400" algn="l"/>
+                    <a:tab pos="1371600" algn="l"/>
+                    <a:tab pos="1828800" algn="l"/>
+                    <a:tab pos="2286000" algn="l"/>
+                    <a:tab pos="2743200" algn="l"/>
+                    <a:tab pos="3200400" algn="l"/>
+                    <a:tab pos="3657600" algn="l"/>
+                    <a:tab pos="4114800" algn="l"/>
+                    <a:tab pos="4572000" algn="l"/>
+                    <a:tab pos="5029200" algn="l"/>
+                    <a:tab pos="5486400" algn="l"/>
+                    <a:tab pos="5943600" algn="l"/>
+                    <a:tab pos="6400800" algn="l"/>
+                    <a:tab pos="6858000" algn="l"/>
+                    <a:tab pos="7315200" algn="l"/>
+                    <a:tab pos="7772400" algn="l"/>
+                    <a:tab pos="8229600" algn="l"/>
+                    <a:tab pos="8686800" algn="l"/>
+                    <a:tab pos="9144000" algn="l"/>
+                  </a:tabLst>
+                  <a:defRPr sz="2400">
+                    <a:solidFill>
+                      <a:schemeClr val="tx1"/>
+                    </a:solidFill>
+                    <a:latin typeface="Arial Narrow" pitchFamily="34" charset="0"/>
+                    <a:ea typeface="ヒラギノ角ゴ Pro W3" charset="-128"/>
+                  </a:defRPr>
+                </a:lvl1pPr>
+                <a:lvl2pPr marL="742950" indent="-285750" defTabSz="457200">
+                  <a:buClr>
+                    <a:schemeClr val="tx1"/>
+                  </a:buClr>
+                  <a:buSzPct val="120000"/>
+                  <a:buChar char="•"/>
+                  <a:tabLst>
+                    <a:tab pos="0" algn="l"/>
+                    <a:tab pos="457200" algn="l"/>
+                    <a:tab pos="914400" algn="l"/>
+                    <a:tab pos="1371600" algn="l"/>
+                    <a:tab pos="1828800" algn="l"/>
+                    <a:tab pos="2286000" algn="l"/>
+                    <a:tab pos="2743200" algn="l"/>
+                    <a:tab pos="3200400" algn="l"/>
+                    <a:tab pos="3657600" algn="l"/>
+                    <a:tab pos="4114800" algn="l"/>
+                    <a:tab pos="4572000" algn="l"/>
+                    <a:tab pos="5029200" algn="l"/>
+                    <a:tab pos="5486400" algn="l"/>
+                    <a:tab pos="5943600" algn="l"/>
+                    <a:tab pos="6400800" algn="l"/>
+                    <a:tab pos="6858000" algn="l"/>
+                    <a:tab pos="7315200" algn="l"/>
+                    <a:tab pos="7772400" algn="l"/>
+                    <a:tab pos="8229600" algn="l"/>
+                    <a:tab pos="8686800" algn="l"/>
+                    <a:tab pos="9144000" algn="l"/>
+                  </a:tabLst>
+                  <a:defRPr sz="2400">
+                    <a:solidFill>
+                      <a:schemeClr val="tx1"/>
+                    </a:solidFill>
+                    <a:latin typeface="Arial Narrow" pitchFamily="34" charset="0"/>
+                    <a:ea typeface="ヒラギノ角ゴ Pro W3" charset="-128"/>
+                  </a:defRPr>
+                </a:lvl2pPr>
+                <a:lvl3pPr marL="1143000" indent="-228600" defTabSz="457200">
+                  <a:buFont typeface="Times" pitchFamily="18" charset="0"/>
+                  <a:buChar char="–"/>
+                  <a:tabLst>
+                    <a:tab pos="0" algn="l"/>
+                    <a:tab pos="457200" algn="l"/>
+                    <a:tab pos="914400" algn="l"/>
+                    <a:tab pos="1371600" algn="l"/>
+                    <a:tab pos="1828800" algn="l"/>
+                    <a:tab pos="2286000" algn="l"/>
+                    <a:tab pos="2743200" algn="l"/>
+                    <a:tab pos="3200400" algn="l"/>
+                    <a:tab pos="3657600" algn="l"/>
+                    <a:tab pos="4114800" algn="l"/>
+                    <a:tab pos="4572000" algn="l"/>
+                    <a:tab pos="5029200" algn="l"/>
+                    <a:tab pos="5486400" algn="l"/>
+                    <a:tab pos="5943600" algn="l"/>
+                    <a:tab pos="6400800" algn="l"/>
+                    <a:tab pos="6858000" algn="l"/>
+                    <a:tab pos="7315200" algn="l"/>
+                    <a:tab pos="7772400" algn="l"/>
+                    <a:tab pos="8229600" algn="l"/>
+                    <a:tab pos="8686800" algn="l"/>
+                    <a:tab pos="9144000" algn="l"/>
+                  </a:tabLst>
+                  <a:defRPr sz="1700">
+                    <a:solidFill>
+                      <a:schemeClr val="tx1"/>
+                    </a:solidFill>
+                    <a:latin typeface="Arial Narrow" pitchFamily="34" charset="0"/>
+                    <a:ea typeface="MS PGothic" pitchFamily="34" charset="-128"/>
+                  </a:defRPr>
+                </a:lvl3pPr>
+                <a:lvl4pPr marL="1600200" indent="-228600" defTabSz="457200">
+                  <a:buFont typeface="Lucida Grande" charset="0"/>
+                  <a:buChar char="–"/>
+                  <a:tabLst>
+                    <a:tab pos="0" algn="l"/>
+                    <a:tab pos="457200" algn="l"/>
+                    <a:tab pos="914400" algn="l"/>
+                    <a:tab pos="1371600" algn="l"/>
+                    <a:tab pos="1828800" algn="l"/>
+                    <a:tab pos="2286000" algn="l"/>
+                    <a:tab pos="2743200" algn="l"/>
+                    <a:tab pos="3200400" algn="l"/>
+                    <a:tab pos="3657600" algn="l"/>
+                    <a:tab pos="4114800" algn="l"/>
+                    <a:tab pos="4572000" algn="l"/>
+                    <a:tab pos="5029200" algn="l"/>
+                    <a:tab pos="5486400" algn="l"/>
+                    <a:tab pos="5943600" algn="l"/>
+                    <a:tab pos="6400800" algn="l"/>
+                    <a:tab pos="6858000" algn="l"/>
+                    <a:tab pos="7315200" algn="l"/>
+                    <a:tab pos="7772400" algn="l"/>
+                    <a:tab pos="8229600" algn="l"/>
+                    <a:tab pos="8686800" algn="l"/>
+                    <a:tab pos="9144000" algn="l"/>
+                  </a:tabLst>
+                  <a:defRPr sz="2400">
+                    <a:solidFill>
+                      <a:schemeClr val="tx1"/>
+                    </a:solidFill>
+                    <a:latin typeface="Arial Narrow" pitchFamily="34" charset="0"/>
+                    <a:ea typeface="MS PGothic" pitchFamily="34" charset="-128"/>
+                  </a:defRPr>
+                </a:lvl4pPr>
+                <a:lvl5pPr marL="2057400" indent="-228600" defTabSz="457200">
+                  <a:buFont typeface="Lucida Grande" charset="0"/>
+                  <a:buChar char="–"/>
+                  <a:tabLst>
+                    <a:tab pos="0" algn="l"/>
+                    <a:tab pos="457200" algn="l"/>
+                    <a:tab pos="914400" algn="l"/>
+                    <a:tab pos="1371600" algn="l"/>
+                    <a:tab pos="1828800" algn="l"/>
+                    <a:tab pos="2286000" algn="l"/>
+                    <a:tab pos="2743200" algn="l"/>
+                    <a:tab pos="3200400" algn="l"/>
+                    <a:tab pos="3657600" algn="l"/>
+                    <a:tab pos="4114800" algn="l"/>
+                    <a:tab pos="4572000" algn="l"/>
+                    <a:tab pos="5029200" algn="l"/>
+                    <a:tab pos="5486400" algn="l"/>
+                    <a:tab pos="5943600" algn="l"/>
+                    <a:tab pos="6400800" algn="l"/>
+                    <a:tab pos="6858000" algn="l"/>
+                    <a:tab pos="7315200" algn="l"/>
+                    <a:tab pos="7772400" algn="l"/>
+                    <a:tab pos="8229600" algn="l"/>
+                    <a:tab pos="8686800" algn="l"/>
+                    <a:tab pos="9144000" algn="l"/>
+                  </a:tabLst>
+                  <a:defRPr sz="2400">
+                    <a:solidFill>
+                      <a:schemeClr val="tx1"/>
+                    </a:solidFill>
+                    <a:latin typeface="Arial Narrow" pitchFamily="34" charset="0"/>
+                    <a:ea typeface="ヒラギノ角ゴ Pro W3" charset="-128"/>
+                  </a:defRPr>
+                </a:lvl5pPr>
+                <a:lvl6pPr marL="2514600" indent="-228600" defTabSz="457200" eaLnBrk="0" fontAlgn="base" hangingPunct="0">
+                  <a:lnSpc>
+                    <a:spcPct val="110000"/>
+                  </a:lnSpc>
+                  <a:spcBef>
+                    <a:spcPct val="0"/>
+                  </a:spcBef>
+                  <a:spcAft>
+                    <a:spcPct val="0"/>
+                  </a:spcAft>
+                  <a:buFont typeface="Lucida Grande" charset="0"/>
+                  <a:buChar char="–"/>
+                  <a:tabLst>
+                    <a:tab pos="0" algn="l"/>
+                    <a:tab pos="457200" algn="l"/>
+                    <a:tab pos="914400" algn="l"/>
+                    <a:tab pos="1371600" algn="l"/>
+                    <a:tab pos="1828800" algn="l"/>
+                    <a:tab pos="2286000" algn="l"/>
+                    <a:tab pos="2743200" algn="l"/>
+                    <a:tab pos="3200400" algn="l"/>
+                    <a:tab pos="3657600" algn="l"/>
+                    <a:tab pos="4114800" algn="l"/>
+                    <a:tab pos="4572000" algn="l"/>
+                    <a:tab pos="5029200" algn="l"/>
+                    <a:tab pos="5486400" algn="l"/>
+                    <a:tab pos="5943600" algn="l"/>
+                    <a:tab pos="6400800" algn="l"/>
+                    <a:tab pos="6858000" algn="l"/>
+                    <a:tab pos="7315200" algn="l"/>
+                    <a:tab pos="7772400" algn="l"/>
+                    <a:tab pos="8229600" algn="l"/>
+                    <a:tab pos="8686800" algn="l"/>
+                    <a:tab pos="9144000" algn="l"/>
+                  </a:tabLst>
+                  <a:defRPr sz="2400">
+                    <a:solidFill>
+                      <a:schemeClr val="tx1"/>
+                    </a:solidFill>
+                    <a:latin typeface="Arial Narrow" pitchFamily="34" charset="0"/>
+                    <a:ea typeface="ヒラギノ角ゴ Pro W3" charset="-128"/>
+                  </a:defRPr>
+                </a:lvl6pPr>
+                <a:lvl7pPr marL="2971800" indent="-228600" defTabSz="457200" eaLnBrk="0" fontAlgn="base" hangingPunct="0">
+                  <a:lnSpc>
+                    <a:spcPct val="110000"/>
+                  </a:lnSpc>
+                  <a:spcBef>
+                    <a:spcPct val="0"/>
+                  </a:spcBef>
+                  <a:spcAft>
+                    <a:spcPct val="0"/>
+                  </a:spcAft>
+                  <a:buFont typeface="Lucida Grande" charset="0"/>
+                  <a:buChar char="–"/>
+                  <a:tabLst>
+                    <a:tab pos="0" algn="l"/>
+                    <a:tab pos="457200" algn="l"/>
+                    <a:tab pos="914400" algn="l"/>
+                    <a:tab pos="1371600" algn="l"/>
+                    <a:tab pos="1828800" algn="l"/>
+                    <a:tab pos="2286000" algn="l"/>
+                    <a:tab pos="2743200" algn="l"/>
+                    <a:tab pos="3200400" algn="l"/>
+                    <a:tab pos="3657600" algn="l"/>
+                    <a:tab pos="4114800" algn="l"/>
+                    <a:tab pos="4572000" algn="l"/>
+                    <a:tab pos="5029200" algn="l"/>
+                    <a:tab pos="5486400" algn="l"/>
+                    <a:tab pos="5943600" algn="l"/>
+                    <a:tab pos="6400800" algn="l"/>
+                    <a:tab pos="6858000" algn="l"/>
+                    <a:tab pos="7315200" algn="l"/>
+                    <a:tab pos="7772400" algn="l"/>
+                    <a:tab pos="8229600" algn="l"/>
+                    <a:tab pos="8686800" algn="l"/>
+                    <a:tab pos="9144000" algn="l"/>
+                  </a:tabLst>
+                  <a:defRPr sz="2400">
+                    <a:solidFill>
+                      <a:schemeClr val="tx1"/>
+                    </a:solidFill>
+                    <a:latin typeface="Arial Narrow" pitchFamily="34" charset="0"/>
+                    <a:ea typeface="ヒラギノ角ゴ Pro W3" charset="-128"/>
+                  </a:defRPr>
+                </a:lvl7pPr>
+                <a:lvl8pPr marL="3429000" indent="-228600" defTabSz="457200" eaLnBrk="0" fontAlgn="base" hangingPunct="0">
+                  <a:lnSpc>
+                    <a:spcPct val="110000"/>
+                  </a:lnSpc>
+                  <a:spcBef>
+                    <a:spcPct val="0"/>
+                  </a:spcBef>
+                  <a:spcAft>
+                    <a:spcPct val="0"/>
+                  </a:spcAft>
+                  <a:buFont typeface="Lucida Grande" charset="0"/>
+                  <a:buChar char="–"/>
+                  <a:tabLst>
+                    <a:tab pos="0" algn="l"/>
+                    <a:tab pos="457200" algn="l"/>
+                    <a:tab pos="914400" algn="l"/>
+                    <a:tab pos="1371600" algn="l"/>
+                    <a:tab pos="1828800" algn="l"/>
+                    <a:tab pos="2286000" algn="l"/>
+                    <a:tab pos="2743200" algn="l"/>
+                    <a:tab pos="3200400" algn="l"/>
+                    <a:tab pos="3657600" algn="l"/>
+                    <a:tab pos="4114800" algn="l"/>
+                    <a:tab pos="4572000" algn="l"/>
+                    <a:tab pos="5029200" algn="l"/>
+                    <a:tab pos="5486400" algn="l"/>
+                    <a:tab pos="5943600" algn="l"/>
+                    <a:tab pos="6400800" algn="l"/>
+                    <a:tab pos="6858000" algn="l"/>
+                    <a:tab pos="7315200" algn="l"/>
+                    <a:tab pos="7772400" algn="l"/>
+                    <a:tab pos="8229600" algn="l"/>
+                    <a:tab pos="8686800" algn="l"/>
+                    <a:tab pos="9144000" algn="l"/>
+                  </a:tabLst>
+                  <a:defRPr sz="2400">
+                    <a:solidFill>
+                      <a:schemeClr val="tx1"/>
+                    </a:solidFill>
+                    <a:latin typeface="Arial Narrow" pitchFamily="34" charset="0"/>
+                    <a:ea typeface="ヒラギノ角ゴ Pro W3" charset="-128"/>
+                  </a:defRPr>
+                </a:lvl8pPr>
+                <a:lvl9pPr marL="3886200" indent="-228600" defTabSz="457200" eaLnBrk="0" fontAlgn="base" hangingPunct="0">
+                  <a:lnSpc>
+                    <a:spcPct val="110000"/>
+                  </a:lnSpc>
+                  <a:spcBef>
+                    <a:spcPct val="0"/>
+                  </a:spcBef>
+                  <a:spcAft>
+                    <a:spcPct val="0"/>
+                  </a:spcAft>
+                  <a:buFont typeface="Lucida Grande" charset="0"/>
+                  <a:buChar char="–"/>
+                  <a:tabLst>
+                    <a:tab pos="0" algn="l"/>
+                    <a:tab pos="457200" algn="l"/>
+                    <a:tab pos="914400" algn="l"/>
+                    <a:tab pos="1371600" algn="l"/>
+                    <a:tab pos="1828800" algn="l"/>
+                    <a:tab pos="2286000" algn="l"/>
+                    <a:tab pos="2743200" algn="l"/>
+                    <a:tab pos="3200400" algn="l"/>
+                    <a:tab pos="3657600" algn="l"/>
+                    <a:tab pos="4114800" algn="l"/>
+                    <a:tab pos="4572000" algn="l"/>
+                    <a:tab pos="5029200" algn="l"/>
+                    <a:tab pos="5486400" algn="l"/>
+                    <a:tab pos="5943600" algn="l"/>
+                    <a:tab pos="6400800" algn="l"/>
+                    <a:tab pos="6858000" algn="l"/>
+                    <a:tab pos="7315200" algn="l"/>
+                    <a:tab pos="7772400" algn="l"/>
+                    <a:tab pos="8229600" algn="l"/>
+                    <a:tab pos="8686800" algn="l"/>
+                    <a:tab pos="9144000" algn="l"/>
+                  </a:tabLst>
+                  <a:defRPr sz="2400">
+                    <a:solidFill>
+                      <a:schemeClr val="tx1"/>
+                    </a:solidFill>
+                    <a:latin typeface="Arial Narrow" pitchFamily="34" charset="0"/>
+                    <a:ea typeface="ヒラギノ角ゴ Pro W3" charset="-128"/>
+                  </a:defRPr>
+                </a:lvl9pPr>
+              </a:lstStyle>
+              <a:p>
+                <a:pPr eaLnBrk="1" hangingPunct="1">
+                  <a:lnSpc>
+                    <a:spcPct val="100000"/>
+                  </a:lnSpc>
+                  <a:buClr>
+                    <a:srgbClr val="000000"/>
+                  </a:buClr>
+                  <a:buFont typeface="Times New Roman" pitchFamily="18" charset="0"/>
+                  <a:buNone/>
+                </a:pPr>
+                <a:r>
+                  <a:rPr lang="en-US" altLang="ko-KR" sz="1400" dirty="0" smtClean="0">
+                    <a:solidFill>
+                      <a:srgbClr val="C50006"/>
+                    </a:solidFill>
+                    <a:latin typeface="+mn-lt"/>
+                    <a:ea typeface="Gulim" pitchFamily="34" charset="-127"/>
+                    <a:cs typeface="Arial Unicode MS" pitchFamily="34" charset="-128"/>
+                  </a:rPr>
+                  <a:t>Sensitivity Analysis </a:t>
+                </a:r>
+                <a:br>
+                  <a:rPr lang="en-US" altLang="ko-KR" sz="1400" dirty="0" smtClean="0">
+                    <a:solidFill>
+                      <a:srgbClr val="C50006"/>
+                    </a:solidFill>
+                    <a:latin typeface="+mn-lt"/>
+                    <a:ea typeface="Gulim" pitchFamily="34" charset="-127"/>
+                    <a:cs typeface="Arial Unicode MS" pitchFamily="34" charset="-128"/>
+                  </a:rPr>
+                </a:br>
+                <a:r>
+                  <a:rPr lang="en-US" altLang="ko-KR" sz="1400" dirty="0" smtClean="0">
+                    <a:solidFill>
+                      <a:srgbClr val="C50006"/>
+                    </a:solidFill>
+                    <a:latin typeface="+mn-lt"/>
+                    <a:ea typeface="Gulim" pitchFamily="34" charset="-127"/>
+                    <a:cs typeface="Arial Unicode MS" pitchFamily="34" charset="-128"/>
+                  </a:rPr>
+                  <a:t>Post-processor Modules</a:t>
+                </a:r>
+                <a:endParaRPr lang="en-US" altLang="ko-KR" sz="1400" dirty="0">
+                  <a:solidFill>
+                    <a:srgbClr val="C50006"/>
+                  </a:solidFill>
+                  <a:latin typeface="+mn-lt"/>
+                  <a:ea typeface="Gulim" pitchFamily="34" charset="-127"/>
+                  <a:cs typeface="Arial Unicode MS" pitchFamily="34" charset="-128"/>
+                </a:endParaRPr>
+              </a:p>
+            </p:txBody>
+          </p:sp>
+          <p:sp>
+            <p:nvSpPr>
+              <p:cNvPr id="75" name="Text Box 12"/>
+              <p:cNvSpPr txBox="1">
+                <a:spLocks noChangeArrowheads="1"/>
+              </p:cNvSpPr>
+              <p:nvPr/>
+            </p:nvSpPr>
+            <p:spPr bwMode="auto">
+              <a:xfrm>
+                <a:off x="4761034" y="2722575"/>
+                <a:ext cx="2547356" cy="456849"/>
+              </a:xfrm>
+              <a:prstGeom prst="rect">
+                <a:avLst/>
+              </a:prstGeom>
+              <a:solidFill>
+                <a:srgbClr val="FFF5D6"/>
+              </a:solidFill>
+              <a:ln w="9360">
+                <a:noFill/>
+                <a:miter lim="800000"/>
+                <a:headEnd/>
+                <a:tailEnd/>
+              </a:ln>
+            </p:spPr>
+            <p:txBody>
+              <a:bodyPr wrap="square" lIns="90000" tIns="46800" rIns="90000" bIns="46800" anchor="ctr">
+                <a:noAutofit/>
+              </a:bodyPr>
+              <a:lstStyle>
+                <a:lvl1pPr defTabSz="457200">
+                  <a:buChar char="•"/>
+                  <a:tabLst>
+                    <a:tab pos="0" algn="l"/>
+                    <a:tab pos="457200" algn="l"/>
+                    <a:tab pos="914400" algn="l"/>
+                    <a:tab pos="1371600" algn="l"/>
+                    <a:tab pos="1828800" algn="l"/>
+                    <a:tab pos="2286000" algn="l"/>
+                    <a:tab pos="2743200" algn="l"/>
+                    <a:tab pos="3200400" algn="l"/>
+                    <a:tab pos="3657600" algn="l"/>
+                    <a:tab pos="4114800" algn="l"/>
+                    <a:tab pos="4572000" algn="l"/>
+                    <a:tab pos="5029200" algn="l"/>
+                    <a:tab pos="5486400" algn="l"/>
+                    <a:tab pos="5943600" algn="l"/>
+                    <a:tab pos="6400800" algn="l"/>
+                    <a:tab pos="6858000" algn="l"/>
+                    <a:tab pos="7315200" algn="l"/>
+                    <a:tab pos="7772400" algn="l"/>
+                    <a:tab pos="8229600" algn="l"/>
+                    <a:tab pos="8686800" algn="l"/>
+                    <a:tab pos="9144000" algn="l"/>
+                  </a:tabLst>
+                  <a:defRPr sz="2400">
+                    <a:solidFill>
+                      <a:schemeClr val="tx1"/>
+                    </a:solidFill>
+                    <a:latin typeface="Arial Narrow" pitchFamily="34" charset="0"/>
+                    <a:ea typeface="ヒラギノ角ゴ Pro W3" charset="-128"/>
+                  </a:defRPr>
+                </a:lvl1pPr>
+                <a:lvl2pPr marL="742950" indent="-285750" defTabSz="457200">
+                  <a:buClr>
+                    <a:schemeClr val="tx1"/>
+                  </a:buClr>
+                  <a:buSzPct val="120000"/>
+                  <a:buChar char="•"/>
+                  <a:tabLst>
+                    <a:tab pos="0" algn="l"/>
+                    <a:tab pos="457200" algn="l"/>
+                    <a:tab pos="914400" algn="l"/>
+                    <a:tab pos="1371600" algn="l"/>
+                    <a:tab pos="1828800" algn="l"/>
+                    <a:tab pos="2286000" algn="l"/>
+                    <a:tab pos="2743200" algn="l"/>
+                    <a:tab pos="3200400" algn="l"/>
+                    <a:tab pos="3657600" algn="l"/>
+                    <a:tab pos="4114800" algn="l"/>
+                    <a:tab pos="4572000" algn="l"/>
+                    <a:tab pos="5029200" algn="l"/>
+                    <a:tab pos="5486400" algn="l"/>
+                    <a:tab pos="5943600" algn="l"/>
+                    <a:tab pos="6400800" algn="l"/>
+                    <a:tab pos="6858000" algn="l"/>
+                    <a:tab pos="7315200" algn="l"/>
+                    <a:tab pos="7772400" algn="l"/>
+                    <a:tab pos="8229600" algn="l"/>
+                    <a:tab pos="8686800" algn="l"/>
+                    <a:tab pos="9144000" algn="l"/>
+                  </a:tabLst>
+                  <a:defRPr sz="2400">
+                    <a:solidFill>
+                      <a:schemeClr val="tx1"/>
+                    </a:solidFill>
+                    <a:latin typeface="Arial Narrow" pitchFamily="34" charset="0"/>
+                    <a:ea typeface="ヒラギノ角ゴ Pro W3" charset="-128"/>
+                  </a:defRPr>
+                </a:lvl2pPr>
+                <a:lvl3pPr marL="1143000" indent="-228600" defTabSz="457200">
+                  <a:buFont typeface="Times" pitchFamily="18" charset="0"/>
+                  <a:buChar char="–"/>
+                  <a:tabLst>
+                    <a:tab pos="0" algn="l"/>
+                    <a:tab pos="457200" algn="l"/>
+                    <a:tab pos="914400" algn="l"/>
+                    <a:tab pos="1371600" algn="l"/>
+                    <a:tab pos="1828800" algn="l"/>
+                    <a:tab pos="2286000" algn="l"/>
+                    <a:tab pos="2743200" algn="l"/>
+                    <a:tab pos="3200400" algn="l"/>
+                    <a:tab pos="3657600" algn="l"/>
+                    <a:tab pos="4114800" algn="l"/>
+                    <a:tab pos="4572000" algn="l"/>
+                    <a:tab pos="5029200" algn="l"/>
+                    <a:tab pos="5486400" algn="l"/>
+                    <a:tab pos="5943600" algn="l"/>
+                    <a:tab pos="6400800" algn="l"/>
+                    <a:tab pos="6858000" algn="l"/>
+                    <a:tab pos="7315200" algn="l"/>
+                    <a:tab pos="7772400" algn="l"/>
+                    <a:tab pos="8229600" algn="l"/>
+                    <a:tab pos="8686800" algn="l"/>
+                    <a:tab pos="9144000" algn="l"/>
+                  </a:tabLst>
+                  <a:defRPr sz="1700">
+                    <a:solidFill>
+                      <a:schemeClr val="tx1"/>
+                    </a:solidFill>
+                    <a:latin typeface="Arial Narrow" pitchFamily="34" charset="0"/>
+                    <a:ea typeface="MS PGothic" pitchFamily="34" charset="-128"/>
+                  </a:defRPr>
+                </a:lvl3pPr>
+                <a:lvl4pPr marL="1600200" indent="-228600" defTabSz="457200">
+                  <a:buFont typeface="Lucida Grande" charset="0"/>
+                  <a:buChar char="–"/>
+                  <a:tabLst>
+                    <a:tab pos="0" algn="l"/>
+                    <a:tab pos="457200" algn="l"/>
+                    <a:tab pos="914400" algn="l"/>
+                    <a:tab pos="1371600" algn="l"/>
+                    <a:tab pos="1828800" algn="l"/>
+                    <a:tab pos="2286000" algn="l"/>
+                    <a:tab pos="2743200" algn="l"/>
+                    <a:tab pos="3200400" algn="l"/>
+                    <a:tab pos="3657600" algn="l"/>
+                    <a:tab pos="4114800" algn="l"/>
+                    <a:tab pos="4572000" algn="l"/>
+                    <a:tab pos="5029200" algn="l"/>
+                    <a:tab pos="5486400" algn="l"/>
+                    <a:tab pos="5943600" algn="l"/>
+                    <a:tab pos="6400800" algn="l"/>
+                    <a:tab pos="6858000" algn="l"/>
+                    <a:tab pos="7315200" algn="l"/>
+                    <a:tab pos="7772400" algn="l"/>
+                    <a:tab pos="8229600" algn="l"/>
+                    <a:tab pos="8686800" algn="l"/>
+                    <a:tab pos="9144000" algn="l"/>
+                  </a:tabLst>
+                  <a:defRPr sz="2400">
+                    <a:solidFill>
+                      <a:schemeClr val="tx1"/>
+                    </a:solidFill>
+                    <a:latin typeface="Arial Narrow" pitchFamily="34" charset="0"/>
+                    <a:ea typeface="MS PGothic" pitchFamily="34" charset="-128"/>
+                  </a:defRPr>
+                </a:lvl4pPr>
+                <a:lvl5pPr marL="2057400" indent="-228600" defTabSz="457200">
+                  <a:buFont typeface="Lucida Grande" charset="0"/>
+                  <a:buChar char="–"/>
+                  <a:tabLst>
+                    <a:tab pos="0" algn="l"/>
+                    <a:tab pos="457200" algn="l"/>
+                    <a:tab pos="914400" algn="l"/>
+                    <a:tab pos="1371600" algn="l"/>
+                    <a:tab pos="1828800" algn="l"/>
+                    <a:tab pos="2286000" algn="l"/>
+                    <a:tab pos="2743200" algn="l"/>
+                    <a:tab pos="3200400" algn="l"/>
+                    <a:tab pos="3657600" algn="l"/>
+                    <a:tab pos="4114800" algn="l"/>
+                    <a:tab pos="4572000" algn="l"/>
+                    <a:tab pos="5029200" algn="l"/>
+                    <a:tab pos="5486400" algn="l"/>
+                    <a:tab pos="5943600" algn="l"/>
+                    <a:tab pos="6400800" algn="l"/>
+                    <a:tab pos="6858000" algn="l"/>
+                    <a:tab pos="7315200" algn="l"/>
+                    <a:tab pos="7772400" algn="l"/>
+                    <a:tab pos="8229600" algn="l"/>
+                    <a:tab pos="8686800" algn="l"/>
+                    <a:tab pos="9144000" algn="l"/>
+                  </a:tabLst>
+                  <a:defRPr sz="2400">
+                    <a:solidFill>
+                      <a:schemeClr val="tx1"/>
+                    </a:solidFill>
+                    <a:latin typeface="Arial Narrow" pitchFamily="34" charset="0"/>
+                    <a:ea typeface="ヒラギノ角ゴ Pro W3" charset="-128"/>
+                  </a:defRPr>
+                </a:lvl5pPr>
+                <a:lvl6pPr marL="2514600" indent="-228600" defTabSz="457200" eaLnBrk="0" fontAlgn="base" hangingPunct="0">
+                  <a:lnSpc>
+                    <a:spcPct val="110000"/>
+                  </a:lnSpc>
+                  <a:spcBef>
+                    <a:spcPct val="0"/>
+                  </a:spcBef>
+                  <a:spcAft>
+                    <a:spcPct val="0"/>
+                  </a:spcAft>
+                  <a:buFont typeface="Lucida Grande" charset="0"/>
+                  <a:buChar char="–"/>
+                  <a:tabLst>
+                    <a:tab pos="0" algn="l"/>
+                    <a:tab pos="457200" algn="l"/>
+                    <a:tab pos="914400" algn="l"/>
+                    <a:tab pos="1371600" algn="l"/>
+                    <a:tab pos="1828800" algn="l"/>
+                    <a:tab pos="2286000" algn="l"/>
+                    <a:tab pos="2743200" algn="l"/>
+                    <a:tab pos="3200400" algn="l"/>
+                    <a:tab pos="3657600" algn="l"/>
+                    <a:tab pos="4114800" algn="l"/>
+                    <a:tab pos="4572000" algn="l"/>
+                    <a:tab pos="5029200" algn="l"/>
+                    <a:tab pos="5486400" algn="l"/>
+                    <a:tab pos="5943600" algn="l"/>
+                    <a:tab pos="6400800" algn="l"/>
+                    <a:tab pos="6858000" algn="l"/>
+                    <a:tab pos="7315200" algn="l"/>
+                    <a:tab pos="7772400" algn="l"/>
+                    <a:tab pos="8229600" algn="l"/>
+                    <a:tab pos="8686800" algn="l"/>
+                    <a:tab pos="9144000" algn="l"/>
+                  </a:tabLst>
+                  <a:defRPr sz="2400">
+                    <a:solidFill>
+                      <a:schemeClr val="tx1"/>
+                    </a:solidFill>
+                    <a:latin typeface="Arial Narrow" pitchFamily="34" charset="0"/>
+                    <a:ea typeface="ヒラギノ角ゴ Pro W3" charset="-128"/>
+                  </a:defRPr>
+                </a:lvl6pPr>
+                <a:lvl7pPr marL="2971800" indent="-228600" defTabSz="457200" eaLnBrk="0" fontAlgn="base" hangingPunct="0">
+                  <a:lnSpc>
+                    <a:spcPct val="110000"/>
+                  </a:lnSpc>
+                  <a:spcBef>
+                    <a:spcPct val="0"/>
+                  </a:spcBef>
+                  <a:spcAft>
+                    <a:spcPct val="0"/>
+                  </a:spcAft>
+                  <a:buFont typeface="Lucida Grande" charset="0"/>
+                  <a:buChar char="–"/>
+                  <a:tabLst>
+                    <a:tab pos="0" algn="l"/>
+                    <a:tab pos="457200" algn="l"/>
+                    <a:tab pos="914400" algn="l"/>
+                    <a:tab pos="1371600" algn="l"/>
+                    <a:tab pos="1828800" algn="l"/>
+                    <a:tab pos="2286000" algn="l"/>
+                    <a:tab pos="2743200" algn="l"/>
+                    <a:tab pos="3200400" algn="l"/>
+                    <a:tab pos="3657600" algn="l"/>
+                    <a:tab pos="4114800" algn="l"/>
+                    <a:tab pos="4572000" algn="l"/>
+                    <a:tab pos="5029200" algn="l"/>
+                    <a:tab pos="5486400" algn="l"/>
+                    <a:tab pos="5943600" algn="l"/>
+                    <a:tab pos="6400800" algn="l"/>
+                    <a:tab pos="6858000" algn="l"/>
+                    <a:tab pos="7315200" algn="l"/>
+                    <a:tab pos="7772400" algn="l"/>
+                    <a:tab pos="8229600" algn="l"/>
+                    <a:tab pos="8686800" algn="l"/>
+                    <a:tab pos="9144000" algn="l"/>
+                  </a:tabLst>
+                  <a:defRPr sz="2400">
+                    <a:solidFill>
+                      <a:schemeClr val="tx1"/>
+                    </a:solidFill>
+                    <a:latin typeface="Arial Narrow" pitchFamily="34" charset="0"/>
+                    <a:ea typeface="ヒラギノ角ゴ Pro W3" charset="-128"/>
+                  </a:defRPr>
+                </a:lvl7pPr>
+                <a:lvl8pPr marL="3429000" indent="-228600" defTabSz="457200" eaLnBrk="0" fontAlgn="base" hangingPunct="0">
+                  <a:lnSpc>
+                    <a:spcPct val="110000"/>
+                  </a:lnSpc>
+                  <a:spcBef>
+                    <a:spcPct val="0"/>
+                  </a:spcBef>
+                  <a:spcAft>
+                    <a:spcPct val="0"/>
+                  </a:spcAft>
+                  <a:buFont typeface="Lucida Grande" charset="0"/>
+                  <a:buChar char="–"/>
+                  <a:tabLst>
+                    <a:tab pos="0" algn="l"/>
+                    <a:tab pos="457200" algn="l"/>
+                    <a:tab pos="914400" algn="l"/>
+                    <a:tab pos="1371600" algn="l"/>
+                    <a:tab pos="1828800" algn="l"/>
+                    <a:tab pos="2286000" algn="l"/>
+                    <a:tab pos="2743200" algn="l"/>
+                    <a:tab pos="3200400" algn="l"/>
+                    <a:tab pos="3657600" algn="l"/>
+                    <a:tab pos="4114800" algn="l"/>
+                    <a:tab pos="4572000" algn="l"/>
+                    <a:tab pos="5029200" algn="l"/>
+                    <a:tab pos="5486400" algn="l"/>
+                    <a:tab pos="5943600" algn="l"/>
+                    <a:tab pos="6400800" algn="l"/>
+                    <a:tab pos="6858000" algn="l"/>
+                    <a:tab pos="7315200" algn="l"/>
+                    <a:tab pos="7772400" algn="l"/>
+                    <a:tab pos="8229600" algn="l"/>
+                    <a:tab pos="8686800" algn="l"/>
+                    <a:tab pos="9144000" algn="l"/>
+                  </a:tabLst>
+                  <a:defRPr sz="2400">
+                    <a:solidFill>
+                      <a:schemeClr val="tx1"/>
+                    </a:solidFill>
+                    <a:latin typeface="Arial Narrow" pitchFamily="34" charset="0"/>
+                    <a:ea typeface="ヒラギノ角ゴ Pro W3" charset="-128"/>
+                  </a:defRPr>
+                </a:lvl8pPr>
+                <a:lvl9pPr marL="3886200" indent="-228600" defTabSz="457200" eaLnBrk="0" fontAlgn="base" hangingPunct="0">
+                  <a:lnSpc>
+                    <a:spcPct val="110000"/>
+                  </a:lnSpc>
+                  <a:spcBef>
+                    <a:spcPct val="0"/>
+                  </a:spcBef>
+                  <a:spcAft>
+                    <a:spcPct val="0"/>
+                  </a:spcAft>
+                  <a:buFont typeface="Lucida Grande" charset="0"/>
+                  <a:buChar char="–"/>
+                  <a:tabLst>
+                    <a:tab pos="0" algn="l"/>
+                    <a:tab pos="457200" algn="l"/>
+                    <a:tab pos="914400" algn="l"/>
+                    <a:tab pos="1371600" algn="l"/>
+                    <a:tab pos="1828800" algn="l"/>
+                    <a:tab pos="2286000" algn="l"/>
+                    <a:tab pos="2743200" algn="l"/>
+                    <a:tab pos="3200400" algn="l"/>
+                    <a:tab pos="3657600" algn="l"/>
+                    <a:tab pos="4114800" algn="l"/>
+                    <a:tab pos="4572000" algn="l"/>
+                    <a:tab pos="5029200" algn="l"/>
+                    <a:tab pos="5486400" algn="l"/>
+                    <a:tab pos="5943600" algn="l"/>
+                    <a:tab pos="6400800" algn="l"/>
+                    <a:tab pos="6858000" algn="l"/>
+                    <a:tab pos="7315200" algn="l"/>
+                    <a:tab pos="7772400" algn="l"/>
+                    <a:tab pos="8229600" algn="l"/>
+                    <a:tab pos="8686800" algn="l"/>
+                    <a:tab pos="9144000" algn="l"/>
+                  </a:tabLst>
+                  <a:defRPr sz="2400">
+                    <a:solidFill>
+                      <a:schemeClr val="tx1"/>
+                    </a:solidFill>
+                    <a:latin typeface="Arial Narrow" pitchFamily="34" charset="0"/>
+                    <a:ea typeface="ヒラギノ角ゴ Pro W3" charset="-128"/>
+                  </a:defRPr>
+                </a:lvl9pPr>
+              </a:lstStyle>
+              <a:p>
+                <a:pPr marL="85725" indent="-85725" eaLnBrk="1" hangingPunct="1">
+                  <a:spcBef>
+                    <a:spcPts val="0"/>
+                  </a:spcBef>
+                  <a:buClr>
+                    <a:srgbClr val="000000"/>
+                  </a:buClr>
+                </a:pPr>
+                <a:r>
+                  <a:rPr lang="en-US" altLang="ko-KR" sz="1100" dirty="0" smtClean="0">
+                    <a:solidFill>
+                      <a:srgbClr val="003B6E"/>
+                    </a:solidFill>
+                    <a:latin typeface="+mn-lt"/>
+                    <a:ea typeface="Gulim" pitchFamily="34" charset="-127"/>
+                    <a:cs typeface="Arial Unicode MS" pitchFamily="34" charset="-128"/>
+                  </a:rPr>
+                  <a:t>1</a:t>
+                </a:r>
+                <a:r>
+                  <a:rPr lang="en-US" altLang="ko-KR" sz="1100" baseline="30000" dirty="0" smtClean="0">
+                    <a:solidFill>
+                      <a:srgbClr val="003B6E"/>
+                    </a:solidFill>
+                    <a:latin typeface="+mn-lt"/>
+                    <a:ea typeface="Gulim" pitchFamily="34" charset="-127"/>
+                    <a:cs typeface="Arial Unicode MS" pitchFamily="34" charset="-128"/>
+                  </a:rPr>
+                  <a:t>st</a:t>
+                </a:r>
+                <a:r>
+                  <a:rPr lang="en-US" altLang="ko-KR" sz="1100" dirty="0" smtClean="0">
+                    <a:solidFill>
+                      <a:srgbClr val="003B6E"/>
+                    </a:solidFill>
+                    <a:latin typeface="+mn-lt"/>
+                    <a:ea typeface="Gulim" pitchFamily="34" charset="-127"/>
+                    <a:cs typeface="Arial Unicode MS" pitchFamily="34" charset="-128"/>
+                  </a:rPr>
+                  <a:t> Order </a:t>
+                </a:r>
+                <a:r>
+                  <a:rPr lang="en-US" altLang="ko-KR" sz="1100" dirty="0" err="1" smtClean="0">
+                    <a:solidFill>
+                      <a:srgbClr val="003B6E"/>
+                    </a:solidFill>
+                    <a:latin typeface="+mn-lt"/>
+                    <a:ea typeface="Gulim" pitchFamily="34" charset="-127"/>
+                    <a:cs typeface="Arial Unicode MS" pitchFamily="34" charset="-128"/>
+                  </a:rPr>
+                  <a:t>Sobol</a:t>
+                </a:r>
+                <a:r>
+                  <a:rPr lang="en-US" altLang="ko-KR" sz="1100" dirty="0" smtClean="0">
+                    <a:solidFill>
+                      <a:srgbClr val="003B6E"/>
+                    </a:solidFill>
+                    <a:latin typeface="+mn-lt"/>
+                    <a:ea typeface="Gulim" pitchFamily="34" charset="-127"/>
+                    <a:cs typeface="Arial Unicode MS" pitchFamily="34" charset="-128"/>
+                  </a:rPr>
+                  <a:t>’ </a:t>
+                </a:r>
+                <a:r>
+                  <a:rPr lang="en-US" altLang="ko-KR" sz="1100" dirty="0" smtClean="0">
+                    <a:solidFill>
+                      <a:srgbClr val="003B6E"/>
+                    </a:solidFill>
+                    <a:latin typeface="+mn-lt"/>
+                    <a:ea typeface="Gulim" pitchFamily="34" charset="-127"/>
+                    <a:cs typeface="Arial Unicode MS" pitchFamily="34" charset="-128"/>
+                  </a:rPr>
+                  <a:t>Indices </a:t>
+                </a:r>
+                <a:r>
+                  <a:rPr lang="en-US" altLang="ko-KR" sz="1200" dirty="0" smtClean="0">
+                    <a:solidFill>
+                      <a:srgbClr val="003B6E"/>
+                    </a:solidFill>
+                    <a:latin typeface="+mj-lt"/>
+                    <a:ea typeface="Gulim" pitchFamily="34" charset="-127"/>
+                    <a:cs typeface="Arial Unicode MS" pitchFamily="34" charset="-128"/>
+                  </a:rPr>
+                  <a:t>(</a:t>
+                </a:r>
+                <a:r>
+                  <a:rPr lang="en-US" altLang="ko-KR" sz="1100" dirty="0" err="1">
+                    <a:solidFill>
+                      <a:srgbClr val="003B6E"/>
+                    </a:solidFill>
+                    <a:latin typeface="Courier New" panose="02070309020205020404" pitchFamily="49" charset="0"/>
+                    <a:ea typeface="Gulim" pitchFamily="34" charset="-127"/>
+                    <a:cs typeface="Courier New" panose="02070309020205020404" pitchFamily="49" charset="0"/>
+                  </a:rPr>
+                  <a:t>s</a:t>
+                </a:r>
+                <a:r>
+                  <a:rPr lang="en-US" altLang="ko-KR" sz="1100" dirty="0" err="1" smtClean="0">
+                    <a:solidFill>
+                      <a:srgbClr val="003B6E"/>
+                    </a:solidFill>
+                    <a:latin typeface="Courier New" panose="02070309020205020404" pitchFamily="49" charset="0"/>
+                    <a:ea typeface="Gulim" pitchFamily="34" charset="-127"/>
+                    <a:cs typeface="Courier New" panose="02070309020205020404" pitchFamily="49" charset="0"/>
+                  </a:rPr>
+                  <a:t>obo</a:t>
+                </a:r>
+                <a:r>
+                  <a:rPr lang="en-US" altLang="ko-KR" sz="1200" dirty="0" err="1" smtClean="0">
+                    <a:solidFill>
+                      <a:srgbClr val="003B6E"/>
+                    </a:solidFill>
+                    <a:latin typeface="+mj-lt"/>
+                    <a:ea typeface="Gulim" pitchFamily="34" charset="-127"/>
+                    <a:cs typeface="Arial Unicode MS" pitchFamily="34" charset="-128"/>
+                  </a:rPr>
+                  <a:t>l</a:t>
+                </a:r>
+                <a:r>
+                  <a:rPr lang="en-US" altLang="ko-KR" sz="1200" dirty="0" smtClean="0">
+                    <a:solidFill>
+                      <a:srgbClr val="003B6E"/>
+                    </a:solidFill>
+                    <a:latin typeface="+mj-lt"/>
+                    <a:ea typeface="Gulim" pitchFamily="34" charset="-127"/>
+                    <a:cs typeface="Arial Unicode MS" pitchFamily="34" charset="-128"/>
+                  </a:rPr>
+                  <a:t>)</a:t>
+                </a:r>
+              </a:p>
+              <a:p>
+                <a:pPr marL="85725" indent="-85725">
+                  <a:buClr>
+                    <a:srgbClr val="000000"/>
+                  </a:buClr>
+                </a:pPr>
+                <a:r>
+                  <a:rPr lang="en-US" altLang="ko-KR" sz="1100" dirty="0">
+                    <a:solidFill>
+                      <a:srgbClr val="003B6E"/>
+                    </a:solidFill>
+                    <a:latin typeface="+mn-lt"/>
+                    <a:ea typeface="Gulim" pitchFamily="34" charset="-127"/>
+                    <a:cs typeface="Arial Unicode MS" pitchFamily="34" charset="-128"/>
+                  </a:rPr>
+                  <a:t>Total Order </a:t>
+                </a:r>
+                <a:r>
+                  <a:rPr lang="en-US" altLang="ko-KR" sz="1100" dirty="0" err="1" smtClean="0">
+                    <a:solidFill>
+                      <a:srgbClr val="003B6E"/>
+                    </a:solidFill>
+                    <a:latin typeface="+mn-lt"/>
+                    <a:ea typeface="Gulim" pitchFamily="34" charset="-127"/>
+                    <a:cs typeface="Arial Unicode MS" pitchFamily="34" charset="-128"/>
+                  </a:rPr>
+                  <a:t>Sobol</a:t>
+                </a:r>
+                <a:r>
+                  <a:rPr lang="en-US" altLang="ko-KR" sz="1100" dirty="0" smtClean="0">
+                    <a:solidFill>
+                      <a:srgbClr val="003B6E"/>
+                    </a:solidFill>
+                    <a:latin typeface="+mn-lt"/>
+                    <a:ea typeface="Gulim" pitchFamily="34" charset="-127"/>
+                    <a:cs typeface="Arial Unicode MS" pitchFamily="34" charset="-128"/>
+                  </a:rPr>
+                  <a:t>’ </a:t>
+                </a:r>
+                <a:r>
+                  <a:rPr lang="en-US" altLang="ko-KR" sz="1100" dirty="0" smtClean="0">
+                    <a:solidFill>
+                      <a:srgbClr val="003B6E"/>
+                    </a:solidFill>
+                    <a:latin typeface="+mn-lt"/>
+                    <a:ea typeface="Gulim" pitchFamily="34" charset="-127"/>
+                    <a:cs typeface="Arial Unicode MS" pitchFamily="34" charset="-128"/>
+                  </a:rPr>
+                  <a:t>Indices </a:t>
+                </a:r>
+                <a:r>
+                  <a:rPr lang="en-US" altLang="ko-KR" sz="1100" dirty="0" smtClean="0">
+                    <a:solidFill>
+                      <a:srgbClr val="003B6E"/>
+                    </a:solidFill>
+                    <a:latin typeface="Courier New" panose="02070309020205020404" pitchFamily="49" charset="0"/>
+                    <a:ea typeface="Gulim" pitchFamily="34" charset="-127"/>
+                    <a:cs typeface="Courier New" panose="02070309020205020404" pitchFamily="49" charset="0"/>
+                  </a:rPr>
+                  <a:t>(</a:t>
+                </a:r>
+                <a:r>
+                  <a:rPr lang="en-US" altLang="ko-KR" sz="1100" dirty="0" err="1">
+                    <a:solidFill>
+                      <a:srgbClr val="003B6E"/>
+                    </a:solidFill>
+                    <a:latin typeface="Courier New" panose="02070309020205020404" pitchFamily="49" charset="0"/>
+                    <a:ea typeface="Gulim" pitchFamily="34" charset="-127"/>
+                    <a:cs typeface="Courier New" panose="02070309020205020404" pitchFamily="49" charset="0"/>
+                  </a:rPr>
+                  <a:t>s</a:t>
+                </a:r>
+                <a:r>
+                  <a:rPr lang="en-US" altLang="ko-KR" sz="1100" dirty="0" err="1" smtClean="0">
+                    <a:solidFill>
+                      <a:srgbClr val="003B6E"/>
+                    </a:solidFill>
+                    <a:latin typeface="Courier New" panose="02070309020205020404" pitchFamily="49" charset="0"/>
+                    <a:ea typeface="Gulim" pitchFamily="34" charset="-127"/>
+                    <a:cs typeface="Courier New" panose="02070309020205020404" pitchFamily="49" charset="0"/>
+                  </a:rPr>
+                  <a:t>obol</a:t>
+                </a:r>
+                <a:r>
+                  <a:rPr lang="en-US" altLang="ko-KR" sz="1100" dirty="0" smtClean="0">
+                    <a:solidFill>
+                      <a:srgbClr val="003B6E"/>
+                    </a:solidFill>
+                    <a:latin typeface="Courier New" panose="02070309020205020404" pitchFamily="49" charset="0"/>
+                    <a:ea typeface="Gulim" pitchFamily="34" charset="-127"/>
+                    <a:cs typeface="Courier New" panose="02070309020205020404" pitchFamily="49" charset="0"/>
+                  </a:rPr>
+                  <a:t>)</a:t>
+                </a:r>
+              </a:p>
+              <a:p>
+                <a:pPr marL="85725" indent="-85725">
+                  <a:buClr>
+                    <a:srgbClr val="000000"/>
+                  </a:buClr>
+                </a:pPr>
+                <a:r>
+                  <a:rPr lang="en-US" altLang="ko-KR" sz="1100" dirty="0">
+                    <a:solidFill>
+                      <a:srgbClr val="003B6E"/>
+                    </a:solidFill>
+                    <a:latin typeface="+mn-lt"/>
+                    <a:ea typeface="Gulim" pitchFamily="34" charset="-127"/>
+                    <a:cs typeface="Arial Unicode MS" pitchFamily="34" charset="-128"/>
+                  </a:rPr>
+                  <a:t>Morris Screening </a:t>
+                </a:r>
+                <a:r>
+                  <a:rPr lang="en-US" altLang="ko-KR" sz="1100" dirty="0" smtClean="0">
+                    <a:solidFill>
+                      <a:srgbClr val="003B6E"/>
+                    </a:solidFill>
+                    <a:latin typeface="+mn-lt"/>
+                    <a:ea typeface="Gulim" pitchFamily="34" charset="-127"/>
+                    <a:cs typeface="Arial Unicode MS" pitchFamily="34" charset="-128"/>
+                  </a:rPr>
+                  <a:t>Method </a:t>
+                </a:r>
+                <a:r>
+                  <a:rPr lang="en-US" altLang="ko-KR" sz="1100" dirty="0" smtClean="0">
+                    <a:solidFill>
+                      <a:srgbClr val="003B6E"/>
+                    </a:solidFill>
+                    <a:latin typeface="Courier New" panose="02070309020205020404" pitchFamily="49" charset="0"/>
+                    <a:ea typeface="Gulim" pitchFamily="34" charset="-127"/>
+                    <a:cs typeface="Courier New" panose="02070309020205020404" pitchFamily="49" charset="0"/>
+                  </a:rPr>
+                  <a:t>(</a:t>
+                </a:r>
+                <a:r>
+                  <a:rPr lang="en-US" altLang="ko-KR" sz="1100" dirty="0" err="1" smtClean="0">
+                    <a:solidFill>
+                      <a:srgbClr val="003B6E"/>
+                    </a:solidFill>
+                    <a:latin typeface="Courier New" panose="02070309020205020404" pitchFamily="49" charset="0"/>
+                    <a:ea typeface="Gulim" pitchFamily="34" charset="-127"/>
+                    <a:cs typeface="Courier New" panose="02070309020205020404" pitchFamily="49" charset="0"/>
+                  </a:rPr>
+                  <a:t>morris</a:t>
+                </a:r>
+                <a:r>
+                  <a:rPr lang="en-US" altLang="ko-KR" sz="1000" dirty="0" smtClean="0">
+                    <a:solidFill>
+                      <a:srgbClr val="003B6E"/>
+                    </a:solidFill>
+                    <a:latin typeface="Courier New" panose="02070309020205020404" pitchFamily="49" charset="0"/>
+                    <a:ea typeface="Gulim" pitchFamily="34" charset="-127"/>
+                    <a:cs typeface="Courier New" panose="02070309020205020404" pitchFamily="49" charset="0"/>
+                  </a:rPr>
+                  <a:t>)</a:t>
+                </a:r>
+                <a:endParaRPr lang="en-US" altLang="ko-KR" sz="1050" dirty="0">
+                  <a:solidFill>
+                    <a:srgbClr val="003B6E"/>
+                  </a:solidFill>
+                  <a:latin typeface="Courier New" panose="02070309020205020404" pitchFamily="49" charset="0"/>
+                  <a:ea typeface="Gulim" pitchFamily="34" charset="-127"/>
+                  <a:cs typeface="Courier New" panose="02070309020205020404" pitchFamily="49" charset="0"/>
+                </a:endParaRPr>
+              </a:p>
+            </p:txBody>
+          </p:sp>
+        </p:grpSp>
         <p:sp>
           <p:nvSpPr>
-            <p:cNvPr id="74" name="Text Box 11"/>
+            <p:cNvPr id="78" name="Text Box 12"/>
             <p:cNvSpPr txBox="1">
               <a:spLocks noChangeArrowheads="1"/>
             </p:cNvSpPr>
@@ -10831,26 +12034,31 @@
           </p:nvSpPr>
           <p:spPr bwMode="auto">
             <a:xfrm>
-              <a:off x="4690610" y="2310280"/>
-              <a:ext cx="2676156" cy="1763328"/>
+              <a:off x="3276870" y="5482447"/>
+              <a:ext cx="2322004" cy="986895"/>
             </a:xfrm>
             <a:prstGeom prst="rect">
               <a:avLst/>
             </a:prstGeom>
             <a:solidFill>
-              <a:srgbClr val="FFFFFF"/>
+              <a:schemeClr val="bg1">
+                <a:lumMod val="85000"/>
+              </a:schemeClr>
             </a:solidFill>
-            <a:ln w="6350">
+            <a:ln w="3175">
               <a:solidFill>
-                <a:srgbClr val="C50006"/>
+                <a:schemeClr val="tx1"/>
               </a:solidFill>
+              <a:prstDash val="dashDot"/>
               <a:miter lim="800000"/>
               <a:headEnd/>
               <a:tailEnd/>
             </a:ln>
           </p:spPr>
           <p:txBody>
-            <a:bodyPr lIns="90000" tIns="46800" rIns="90000" bIns="46800"/>
+            <a:bodyPr wrap="square" lIns="90000" tIns="46800" rIns="90000" bIns="46800" anchor="ctr">
+              <a:noAutofit/>
+            </a:bodyPr>
             <a:lstStyle>
               <a:lvl1pPr defTabSz="457200">
                 <a:buChar char="•"/>
@@ -11198,31 +12406,37 @@
               </a:lvl9pPr>
             </a:lstStyle>
             <a:p>
-              <a:pPr eaLnBrk="1" hangingPunct="1">
-                <a:lnSpc>
-                  <a:spcPct val="100000"/>
-                </a:lnSpc>
+              <a:pPr marL="92075" indent="-92075">
                 <a:buClr>
                   <a:srgbClr val="000000"/>
                 </a:buClr>
-                <a:buFont typeface="Times New Roman" pitchFamily="18" charset="0"/>
-                <a:buNone/>
               </a:pPr>
               <a:r>
-                <a:rPr lang="en-US" altLang="ko-KR" sz="1400" dirty="0" smtClean="0">
-                  <a:solidFill>
-                    <a:srgbClr val="C50006"/>
+                <a:rPr lang="en-US" altLang="ko-KR" sz="1050" dirty="0" smtClean="0">
+                  <a:solidFill>
+                    <a:srgbClr val="003B6E"/>
                   </a:solidFill>
                   <a:latin typeface="+mn-lt"/>
                   <a:ea typeface="Gulim" pitchFamily="34" charset="-127"/>
                   <a:cs typeface="Arial Unicode MS" pitchFamily="34" charset="-128"/>
                 </a:rPr>
-                <a:t>Sensitivity Analysis </a:t>
+                <a:t>Linear Model-Based Method </a:t>
+              </a:r>
+              <a:r>
+                <a:rPr lang="en-US" altLang="ko-KR" sz="1000" dirty="0" smtClean="0">
+                  <a:solidFill>
+                    <a:srgbClr val="003B6E"/>
+                  </a:solidFill>
+                  <a:latin typeface="+mn-lt"/>
+                  <a:ea typeface="Gulim" pitchFamily="34" charset="-127"/>
+                  <a:cs typeface="Arial Unicode MS" pitchFamily="34" charset="-128"/>
+                </a:rPr>
+                <a:t/>
               </a:r>
               <a:br>
-                <a:rPr lang="en-US" altLang="ko-KR" sz="1400" dirty="0" smtClean="0">
-                  <a:solidFill>
-                    <a:srgbClr val="C50006"/>
+                <a:rPr lang="en-US" altLang="ko-KR" sz="1000" dirty="0" smtClean="0">
+                  <a:solidFill>
+                    <a:srgbClr val="003B6E"/>
                   </a:solidFill>
                   <a:latin typeface="+mn-lt"/>
                   <a:ea typeface="Gulim" pitchFamily="34" charset="-127"/>
@@ -11230,408 +12444,126 @@
                 </a:rPr>
               </a:br>
               <a:r>
-                <a:rPr lang="en-US" altLang="ko-KR" sz="1400" dirty="0" smtClean="0">
-                  <a:solidFill>
-                    <a:srgbClr val="C50006"/>
+                <a:rPr lang="en-US" altLang="ko-KR" sz="900" dirty="0" smtClean="0">
+                  <a:solidFill>
+                    <a:srgbClr val="003B6E"/>
                   </a:solidFill>
                   <a:latin typeface="+mn-lt"/>
                   <a:ea typeface="Gulim" pitchFamily="34" charset="-127"/>
                   <a:cs typeface="Arial Unicode MS" pitchFamily="34" charset="-128"/>
                 </a:rPr>
-                <a:t>Post-processor Modules</a:t>
+                <a:t>Pearson Correlation </a:t>
               </a:r>
-              <a:endParaRPr lang="en-US" altLang="ko-KR" sz="1400" dirty="0">
+              <a:r>
+                <a:rPr lang="en-US" altLang="ko-KR" sz="900" dirty="0" smtClean="0">
+                  <a:solidFill>
+                    <a:srgbClr val="003B6E"/>
+                  </a:solidFill>
+                  <a:latin typeface="+mn-lt"/>
+                  <a:ea typeface="Gulim" pitchFamily="34" charset="-127"/>
+                  <a:cs typeface="Arial Unicode MS" pitchFamily="34" charset="-128"/>
+                </a:rPr>
+                <a:t>Coeff</a:t>
+              </a:r>
+              <a:r>
+                <a:rPr lang="en-US" altLang="ko-KR" sz="900" dirty="0" smtClean="0">
+                  <a:solidFill>
+                    <a:srgbClr val="003B6E"/>
+                  </a:solidFill>
+                  <a:latin typeface="+mn-lt"/>
+                  <a:ea typeface="Gulim" pitchFamily="34" charset="-127"/>
+                  <a:cs typeface="Arial Unicode MS" pitchFamily="34" charset="-128"/>
+                </a:rPr>
+                <a:t>icient</a:t>
+              </a:r>
+              <a:r>
+                <a:rPr lang="en-US" altLang="ko-KR" sz="900" dirty="0" smtClean="0">
+                  <a:solidFill>
+                    <a:srgbClr val="003B6E"/>
+                  </a:solidFill>
+                  <a:latin typeface="+mn-lt"/>
+                  <a:ea typeface="Gulim" pitchFamily="34" charset="-127"/>
+                  <a:cs typeface="Arial Unicode MS" pitchFamily="34" charset="-128"/>
+                </a:rPr>
+                <a:t> </a:t>
+              </a:r>
+              <a:r>
+                <a:rPr lang="en-US" altLang="ko-KR" sz="900" dirty="0" smtClean="0">
+                  <a:solidFill>
+                    <a:srgbClr val="003B6E"/>
+                  </a:solidFill>
+                  <a:latin typeface="+mn-lt"/>
+                  <a:ea typeface="Gulim" pitchFamily="34" charset="-127"/>
+                  <a:cs typeface="Arial Unicode MS" pitchFamily="34" charset="-128"/>
+                </a:rPr>
+                <a:t>(CC), Standardized Regression </a:t>
+              </a:r>
+              <a:r>
+                <a:rPr lang="en-US" altLang="ko-KR" sz="900" dirty="0" smtClean="0">
+                  <a:solidFill>
+                    <a:srgbClr val="003B6E"/>
+                  </a:solidFill>
+                  <a:latin typeface="+mn-lt"/>
+                  <a:ea typeface="Gulim" pitchFamily="34" charset="-127"/>
+                  <a:cs typeface="Arial Unicode MS" pitchFamily="34" charset="-128"/>
+                </a:rPr>
+                <a:t>Coeff</a:t>
+              </a:r>
+              <a:r>
+                <a:rPr lang="en-US" altLang="ko-KR" sz="900" dirty="0" smtClean="0">
+                  <a:solidFill>
+                    <a:srgbClr val="003B6E"/>
+                  </a:solidFill>
+                  <a:latin typeface="+mn-lt"/>
+                  <a:ea typeface="Gulim" pitchFamily="34" charset="-127"/>
+                  <a:cs typeface="Arial Unicode MS" pitchFamily="34" charset="-128"/>
+                </a:rPr>
+                <a:t>icient</a:t>
+              </a:r>
+              <a:r>
+                <a:rPr lang="en-US" altLang="ko-KR" sz="900" dirty="0" smtClean="0">
+                  <a:solidFill>
+                    <a:srgbClr val="003B6E"/>
+                  </a:solidFill>
+                  <a:latin typeface="+mn-lt"/>
+                  <a:ea typeface="Gulim" pitchFamily="34" charset="-127"/>
+                  <a:cs typeface="Arial Unicode MS" pitchFamily="34" charset="-128"/>
+                </a:rPr>
+                <a:t> </a:t>
+              </a:r>
+              <a:r>
+                <a:rPr lang="en-US" altLang="ko-KR" sz="900" dirty="0" smtClean="0">
+                  <a:solidFill>
+                    <a:srgbClr val="003B6E"/>
+                  </a:solidFill>
+                  <a:latin typeface="+mn-lt"/>
+                  <a:ea typeface="Gulim" pitchFamily="34" charset="-127"/>
+                  <a:cs typeface="Arial Unicode MS" pitchFamily="34" charset="-128"/>
+                </a:rPr>
+                <a:t>(SRCC), Partial  </a:t>
+              </a:r>
+              <a:r>
+                <a:rPr lang="en-US" altLang="ko-KR" sz="900" dirty="0" smtClean="0">
+                  <a:solidFill>
+                    <a:srgbClr val="003B6E"/>
+                  </a:solidFill>
+                  <a:latin typeface="+mn-lt"/>
+                  <a:ea typeface="Gulim" pitchFamily="34" charset="-127"/>
+                  <a:cs typeface="Arial Unicode MS" pitchFamily="34" charset="-128"/>
+                </a:rPr>
+                <a:t>Correlation Coefficient (PCC)</a:t>
+              </a:r>
+              <a:endParaRPr lang="en-US" altLang="ko-KR" sz="900" dirty="0">
                 <a:solidFill>
-                  <a:srgbClr val="C50006"/>
+                  <a:srgbClr val="003B6E"/>
                 </a:solidFill>
                 <a:latin typeface="+mn-lt"/>
                 <a:ea typeface="Gulim" pitchFamily="34" charset="-127"/>
                 <a:cs typeface="Arial Unicode MS" pitchFamily="34" charset="-128"/>
               </a:endParaRPr>
             </a:p>
-          </p:txBody>
-        </p:sp>
-        <p:sp>
-          <p:nvSpPr>
-            <p:cNvPr id="75" name="Text Box 12"/>
-            <p:cNvSpPr txBox="1">
-              <a:spLocks noChangeArrowheads="1"/>
-            </p:cNvSpPr>
-            <p:nvPr/>
-          </p:nvSpPr>
-          <p:spPr bwMode="auto">
-            <a:xfrm>
-              <a:off x="4762618" y="2798071"/>
-              <a:ext cx="2506402" cy="456849"/>
-            </a:xfrm>
-            <a:prstGeom prst="rect">
-              <a:avLst/>
-            </a:prstGeom>
-            <a:solidFill>
-              <a:srgbClr val="FFF5D6"/>
-            </a:solidFill>
-            <a:ln w="9360">
-              <a:noFill/>
-              <a:miter lim="800000"/>
-              <a:headEnd/>
-              <a:tailEnd/>
-            </a:ln>
-          </p:spPr>
-          <p:txBody>
-            <a:bodyPr wrap="square" lIns="90000" tIns="46800" rIns="90000" bIns="46800" anchor="ctr">
-              <a:noAutofit/>
-            </a:bodyPr>
-            <a:lstStyle>
-              <a:lvl1pPr defTabSz="457200">
-                <a:buChar char="•"/>
-                <a:tabLst>
-                  <a:tab pos="0" algn="l"/>
-                  <a:tab pos="457200" algn="l"/>
-                  <a:tab pos="914400" algn="l"/>
-                  <a:tab pos="1371600" algn="l"/>
-                  <a:tab pos="1828800" algn="l"/>
-                  <a:tab pos="2286000" algn="l"/>
-                  <a:tab pos="2743200" algn="l"/>
-                  <a:tab pos="3200400" algn="l"/>
-                  <a:tab pos="3657600" algn="l"/>
-                  <a:tab pos="4114800" algn="l"/>
-                  <a:tab pos="4572000" algn="l"/>
-                  <a:tab pos="5029200" algn="l"/>
-                  <a:tab pos="5486400" algn="l"/>
-                  <a:tab pos="5943600" algn="l"/>
-                  <a:tab pos="6400800" algn="l"/>
-                  <a:tab pos="6858000" algn="l"/>
-                  <a:tab pos="7315200" algn="l"/>
-                  <a:tab pos="7772400" algn="l"/>
-                  <a:tab pos="8229600" algn="l"/>
-                  <a:tab pos="8686800" algn="l"/>
-                  <a:tab pos="9144000" algn="l"/>
-                </a:tabLst>
-                <a:defRPr sz="2400">
-                  <a:solidFill>
-                    <a:schemeClr val="tx1"/>
-                  </a:solidFill>
-                  <a:latin typeface="Arial Narrow" pitchFamily="34" charset="0"/>
-                  <a:ea typeface="ヒラギノ角ゴ Pro W3" charset="-128"/>
-                </a:defRPr>
-              </a:lvl1pPr>
-              <a:lvl2pPr marL="742950" indent="-285750" defTabSz="457200">
-                <a:buClr>
-                  <a:schemeClr val="tx1"/>
-                </a:buClr>
-                <a:buSzPct val="120000"/>
-                <a:buChar char="•"/>
-                <a:tabLst>
-                  <a:tab pos="0" algn="l"/>
-                  <a:tab pos="457200" algn="l"/>
-                  <a:tab pos="914400" algn="l"/>
-                  <a:tab pos="1371600" algn="l"/>
-                  <a:tab pos="1828800" algn="l"/>
-                  <a:tab pos="2286000" algn="l"/>
-                  <a:tab pos="2743200" algn="l"/>
-                  <a:tab pos="3200400" algn="l"/>
-                  <a:tab pos="3657600" algn="l"/>
-                  <a:tab pos="4114800" algn="l"/>
-                  <a:tab pos="4572000" algn="l"/>
-                  <a:tab pos="5029200" algn="l"/>
-                  <a:tab pos="5486400" algn="l"/>
-                  <a:tab pos="5943600" algn="l"/>
-                  <a:tab pos="6400800" algn="l"/>
-                  <a:tab pos="6858000" algn="l"/>
-                  <a:tab pos="7315200" algn="l"/>
-                  <a:tab pos="7772400" algn="l"/>
-                  <a:tab pos="8229600" algn="l"/>
-                  <a:tab pos="8686800" algn="l"/>
-                  <a:tab pos="9144000" algn="l"/>
-                </a:tabLst>
-                <a:defRPr sz="2400">
-                  <a:solidFill>
-                    <a:schemeClr val="tx1"/>
-                  </a:solidFill>
-                  <a:latin typeface="Arial Narrow" pitchFamily="34" charset="0"/>
-                  <a:ea typeface="ヒラギノ角ゴ Pro W3" charset="-128"/>
-                </a:defRPr>
-              </a:lvl2pPr>
-              <a:lvl3pPr marL="1143000" indent="-228600" defTabSz="457200">
-                <a:buFont typeface="Times" pitchFamily="18" charset="0"/>
-                <a:buChar char="–"/>
-                <a:tabLst>
-                  <a:tab pos="0" algn="l"/>
-                  <a:tab pos="457200" algn="l"/>
-                  <a:tab pos="914400" algn="l"/>
-                  <a:tab pos="1371600" algn="l"/>
-                  <a:tab pos="1828800" algn="l"/>
-                  <a:tab pos="2286000" algn="l"/>
-                  <a:tab pos="2743200" algn="l"/>
-                  <a:tab pos="3200400" algn="l"/>
-                  <a:tab pos="3657600" algn="l"/>
-                  <a:tab pos="4114800" algn="l"/>
-                  <a:tab pos="4572000" algn="l"/>
-                  <a:tab pos="5029200" algn="l"/>
-                  <a:tab pos="5486400" algn="l"/>
-                  <a:tab pos="5943600" algn="l"/>
-                  <a:tab pos="6400800" algn="l"/>
-                  <a:tab pos="6858000" algn="l"/>
-                  <a:tab pos="7315200" algn="l"/>
-                  <a:tab pos="7772400" algn="l"/>
-                  <a:tab pos="8229600" algn="l"/>
-                  <a:tab pos="8686800" algn="l"/>
-                  <a:tab pos="9144000" algn="l"/>
-                </a:tabLst>
-                <a:defRPr sz="1700">
-                  <a:solidFill>
-                    <a:schemeClr val="tx1"/>
-                  </a:solidFill>
-                  <a:latin typeface="Arial Narrow" pitchFamily="34" charset="0"/>
-                  <a:ea typeface="MS PGothic" pitchFamily="34" charset="-128"/>
-                </a:defRPr>
-              </a:lvl3pPr>
-              <a:lvl4pPr marL="1600200" indent="-228600" defTabSz="457200">
-                <a:buFont typeface="Lucida Grande" charset="0"/>
-                <a:buChar char="–"/>
-                <a:tabLst>
-                  <a:tab pos="0" algn="l"/>
-                  <a:tab pos="457200" algn="l"/>
-                  <a:tab pos="914400" algn="l"/>
-                  <a:tab pos="1371600" algn="l"/>
-                  <a:tab pos="1828800" algn="l"/>
-                  <a:tab pos="2286000" algn="l"/>
-                  <a:tab pos="2743200" algn="l"/>
-                  <a:tab pos="3200400" algn="l"/>
-                  <a:tab pos="3657600" algn="l"/>
-                  <a:tab pos="4114800" algn="l"/>
-                  <a:tab pos="4572000" algn="l"/>
-                  <a:tab pos="5029200" algn="l"/>
-                  <a:tab pos="5486400" algn="l"/>
-                  <a:tab pos="5943600" algn="l"/>
-                  <a:tab pos="6400800" algn="l"/>
-                  <a:tab pos="6858000" algn="l"/>
-                  <a:tab pos="7315200" algn="l"/>
-                  <a:tab pos="7772400" algn="l"/>
-                  <a:tab pos="8229600" algn="l"/>
-                  <a:tab pos="8686800" algn="l"/>
-                  <a:tab pos="9144000" algn="l"/>
-                </a:tabLst>
-                <a:defRPr sz="2400">
-                  <a:solidFill>
-                    <a:schemeClr val="tx1"/>
-                  </a:solidFill>
-                  <a:latin typeface="Arial Narrow" pitchFamily="34" charset="0"/>
-                  <a:ea typeface="MS PGothic" pitchFamily="34" charset="-128"/>
-                </a:defRPr>
-              </a:lvl4pPr>
-              <a:lvl5pPr marL="2057400" indent="-228600" defTabSz="457200">
-                <a:buFont typeface="Lucida Grande" charset="0"/>
-                <a:buChar char="–"/>
-                <a:tabLst>
-                  <a:tab pos="0" algn="l"/>
-                  <a:tab pos="457200" algn="l"/>
-                  <a:tab pos="914400" algn="l"/>
-                  <a:tab pos="1371600" algn="l"/>
-                  <a:tab pos="1828800" algn="l"/>
-                  <a:tab pos="2286000" algn="l"/>
-                  <a:tab pos="2743200" algn="l"/>
-                  <a:tab pos="3200400" algn="l"/>
-                  <a:tab pos="3657600" algn="l"/>
-                  <a:tab pos="4114800" algn="l"/>
-                  <a:tab pos="4572000" algn="l"/>
-                  <a:tab pos="5029200" algn="l"/>
-                  <a:tab pos="5486400" algn="l"/>
-                  <a:tab pos="5943600" algn="l"/>
-                  <a:tab pos="6400800" algn="l"/>
-                  <a:tab pos="6858000" algn="l"/>
-                  <a:tab pos="7315200" algn="l"/>
-                  <a:tab pos="7772400" algn="l"/>
-                  <a:tab pos="8229600" algn="l"/>
-                  <a:tab pos="8686800" algn="l"/>
-                  <a:tab pos="9144000" algn="l"/>
-                </a:tabLst>
-                <a:defRPr sz="2400">
-                  <a:solidFill>
-                    <a:schemeClr val="tx1"/>
-                  </a:solidFill>
-                  <a:latin typeface="Arial Narrow" pitchFamily="34" charset="0"/>
-                  <a:ea typeface="ヒラギノ角ゴ Pro W3" charset="-128"/>
-                </a:defRPr>
-              </a:lvl5pPr>
-              <a:lvl6pPr marL="2514600" indent="-228600" defTabSz="457200" eaLnBrk="0" fontAlgn="base" hangingPunct="0">
-                <a:lnSpc>
-                  <a:spcPct val="110000"/>
-                </a:lnSpc>
-                <a:spcBef>
-                  <a:spcPct val="0"/>
-                </a:spcBef>
-                <a:spcAft>
-                  <a:spcPct val="0"/>
-                </a:spcAft>
-                <a:buFont typeface="Lucida Grande" charset="0"/>
-                <a:buChar char="–"/>
-                <a:tabLst>
-                  <a:tab pos="0" algn="l"/>
-                  <a:tab pos="457200" algn="l"/>
-                  <a:tab pos="914400" algn="l"/>
-                  <a:tab pos="1371600" algn="l"/>
-                  <a:tab pos="1828800" algn="l"/>
-                  <a:tab pos="2286000" algn="l"/>
-                  <a:tab pos="2743200" algn="l"/>
-                  <a:tab pos="3200400" algn="l"/>
-                  <a:tab pos="3657600" algn="l"/>
-                  <a:tab pos="4114800" algn="l"/>
-                  <a:tab pos="4572000" algn="l"/>
-                  <a:tab pos="5029200" algn="l"/>
-                  <a:tab pos="5486400" algn="l"/>
-                  <a:tab pos="5943600" algn="l"/>
-                  <a:tab pos="6400800" algn="l"/>
-                  <a:tab pos="6858000" algn="l"/>
-                  <a:tab pos="7315200" algn="l"/>
-                  <a:tab pos="7772400" algn="l"/>
-                  <a:tab pos="8229600" algn="l"/>
-                  <a:tab pos="8686800" algn="l"/>
-                  <a:tab pos="9144000" algn="l"/>
-                </a:tabLst>
-                <a:defRPr sz="2400">
-                  <a:solidFill>
-                    <a:schemeClr val="tx1"/>
-                  </a:solidFill>
-                  <a:latin typeface="Arial Narrow" pitchFamily="34" charset="0"/>
-                  <a:ea typeface="ヒラギノ角ゴ Pro W3" charset="-128"/>
-                </a:defRPr>
-              </a:lvl6pPr>
-              <a:lvl7pPr marL="2971800" indent="-228600" defTabSz="457200" eaLnBrk="0" fontAlgn="base" hangingPunct="0">
-                <a:lnSpc>
-                  <a:spcPct val="110000"/>
-                </a:lnSpc>
-                <a:spcBef>
-                  <a:spcPct val="0"/>
-                </a:spcBef>
-                <a:spcAft>
-                  <a:spcPct val="0"/>
-                </a:spcAft>
-                <a:buFont typeface="Lucida Grande" charset="0"/>
-                <a:buChar char="–"/>
-                <a:tabLst>
-                  <a:tab pos="0" algn="l"/>
-                  <a:tab pos="457200" algn="l"/>
-                  <a:tab pos="914400" algn="l"/>
-                  <a:tab pos="1371600" algn="l"/>
-                  <a:tab pos="1828800" algn="l"/>
-                  <a:tab pos="2286000" algn="l"/>
-                  <a:tab pos="2743200" algn="l"/>
-                  <a:tab pos="3200400" algn="l"/>
-                  <a:tab pos="3657600" algn="l"/>
-                  <a:tab pos="4114800" algn="l"/>
-                  <a:tab pos="4572000" algn="l"/>
-                  <a:tab pos="5029200" algn="l"/>
-                  <a:tab pos="5486400" algn="l"/>
-                  <a:tab pos="5943600" algn="l"/>
-                  <a:tab pos="6400800" algn="l"/>
-                  <a:tab pos="6858000" algn="l"/>
-                  <a:tab pos="7315200" algn="l"/>
-                  <a:tab pos="7772400" algn="l"/>
-                  <a:tab pos="8229600" algn="l"/>
-                  <a:tab pos="8686800" algn="l"/>
-                  <a:tab pos="9144000" algn="l"/>
-                </a:tabLst>
-                <a:defRPr sz="2400">
-                  <a:solidFill>
-                    <a:schemeClr val="tx1"/>
-                  </a:solidFill>
-                  <a:latin typeface="Arial Narrow" pitchFamily="34" charset="0"/>
-                  <a:ea typeface="ヒラギノ角ゴ Pro W3" charset="-128"/>
-                </a:defRPr>
-              </a:lvl7pPr>
-              <a:lvl8pPr marL="3429000" indent="-228600" defTabSz="457200" eaLnBrk="0" fontAlgn="base" hangingPunct="0">
-                <a:lnSpc>
-                  <a:spcPct val="110000"/>
-                </a:lnSpc>
-                <a:spcBef>
-                  <a:spcPct val="0"/>
-                </a:spcBef>
-                <a:spcAft>
-                  <a:spcPct val="0"/>
-                </a:spcAft>
-                <a:buFont typeface="Lucida Grande" charset="0"/>
-                <a:buChar char="–"/>
-                <a:tabLst>
-                  <a:tab pos="0" algn="l"/>
-                  <a:tab pos="457200" algn="l"/>
-                  <a:tab pos="914400" algn="l"/>
-                  <a:tab pos="1371600" algn="l"/>
-                  <a:tab pos="1828800" algn="l"/>
-                  <a:tab pos="2286000" algn="l"/>
-                  <a:tab pos="2743200" algn="l"/>
-                  <a:tab pos="3200400" algn="l"/>
-                  <a:tab pos="3657600" algn="l"/>
-                  <a:tab pos="4114800" algn="l"/>
-                  <a:tab pos="4572000" algn="l"/>
-                  <a:tab pos="5029200" algn="l"/>
-                  <a:tab pos="5486400" algn="l"/>
-                  <a:tab pos="5943600" algn="l"/>
-                  <a:tab pos="6400800" algn="l"/>
-                  <a:tab pos="6858000" algn="l"/>
-                  <a:tab pos="7315200" algn="l"/>
-                  <a:tab pos="7772400" algn="l"/>
-                  <a:tab pos="8229600" algn="l"/>
-                  <a:tab pos="8686800" algn="l"/>
-                  <a:tab pos="9144000" algn="l"/>
-                </a:tabLst>
-                <a:defRPr sz="2400">
-                  <a:solidFill>
-                    <a:schemeClr val="tx1"/>
-                  </a:solidFill>
-                  <a:latin typeface="Arial Narrow" pitchFamily="34" charset="0"/>
-                  <a:ea typeface="ヒラギノ角ゴ Pro W3" charset="-128"/>
-                </a:defRPr>
-              </a:lvl8pPr>
-              <a:lvl9pPr marL="3886200" indent="-228600" defTabSz="457200" eaLnBrk="0" fontAlgn="base" hangingPunct="0">
-                <a:lnSpc>
-                  <a:spcPct val="110000"/>
-                </a:lnSpc>
-                <a:spcBef>
-                  <a:spcPct val="0"/>
-                </a:spcBef>
-                <a:spcAft>
-                  <a:spcPct val="0"/>
-                </a:spcAft>
-                <a:buFont typeface="Lucida Grande" charset="0"/>
-                <a:buChar char="–"/>
-                <a:tabLst>
-                  <a:tab pos="0" algn="l"/>
-                  <a:tab pos="457200" algn="l"/>
-                  <a:tab pos="914400" algn="l"/>
-                  <a:tab pos="1371600" algn="l"/>
-                  <a:tab pos="1828800" algn="l"/>
-                  <a:tab pos="2286000" algn="l"/>
-                  <a:tab pos="2743200" algn="l"/>
-                  <a:tab pos="3200400" algn="l"/>
-                  <a:tab pos="3657600" algn="l"/>
-                  <a:tab pos="4114800" algn="l"/>
-                  <a:tab pos="4572000" algn="l"/>
-                  <a:tab pos="5029200" algn="l"/>
-                  <a:tab pos="5486400" algn="l"/>
-                  <a:tab pos="5943600" algn="l"/>
-                  <a:tab pos="6400800" algn="l"/>
-                  <a:tab pos="6858000" algn="l"/>
-                  <a:tab pos="7315200" algn="l"/>
-                  <a:tab pos="7772400" algn="l"/>
-                  <a:tab pos="8229600" algn="l"/>
-                  <a:tab pos="8686800" algn="l"/>
-                  <a:tab pos="9144000" algn="l"/>
-                </a:tabLst>
-                <a:defRPr sz="2400">
-                  <a:solidFill>
-                    <a:schemeClr val="tx1"/>
-                  </a:solidFill>
-                  <a:latin typeface="Arial Narrow" pitchFamily="34" charset="0"/>
-                  <a:ea typeface="ヒラギノ角ゴ Pro W3" charset="-128"/>
-                </a:defRPr>
-              </a:lvl9pPr>
-            </a:lstStyle>
             <a:p>
-              <a:pPr marL="85725" indent="-85725" eaLnBrk="1" hangingPunct="1">
-                <a:spcBef>
-                  <a:spcPts val="0"/>
-                </a:spcBef>
+              <a:pPr marL="92075" indent="-92075">
                 <a:buClr>
                   <a:srgbClr val="000000"/>
                 </a:buClr>
@@ -11641,114 +12573,88 @@
                   <a:solidFill>
                     <a:srgbClr val="003B6E"/>
                   </a:solidFill>
-                  <a:latin typeface="+mj-lt"/>
+                  <a:latin typeface="+mn-lt"/>
                   <a:ea typeface="Gulim" pitchFamily="34" charset="-127"/>
                   <a:cs typeface="Arial Unicode MS" pitchFamily="34" charset="-128"/>
                 </a:rPr>
-                <a:t>1</a:t>
+                <a:t>Rank-transformed methods</a:t>
               </a:r>
-              <a:r>
-                <a:rPr lang="en-US" altLang="ko-KR" sz="1100" baseline="30000" dirty="0" smtClean="0">
+              <a:br>
+                <a:rPr lang="en-US" altLang="ko-KR" sz="1100" dirty="0" smtClean="0">
                   <a:solidFill>
                     <a:srgbClr val="003B6E"/>
                   </a:solidFill>
-                  <a:latin typeface="+mj-lt"/>
+                  <a:latin typeface="+mn-lt"/>
                   <a:ea typeface="Gulim" pitchFamily="34" charset="-127"/>
                   <a:cs typeface="Arial Unicode MS" pitchFamily="34" charset="-128"/>
                 </a:rPr>
-                <a:t>st</a:t>
-              </a:r>
+              </a:br>
               <a:r>
-                <a:rPr lang="en-US" altLang="ko-KR" sz="1100" dirty="0" smtClean="0">
+                <a:rPr lang="en-US" altLang="ko-KR" sz="900" dirty="0" smtClean="0">
                   <a:solidFill>
                     <a:srgbClr val="003B6E"/>
                   </a:solidFill>
-                  <a:latin typeface="+mj-lt"/>
+                  <a:latin typeface="+mn-lt"/>
                   <a:ea typeface="Gulim" pitchFamily="34" charset="-127"/>
                   <a:cs typeface="Arial Unicode MS" pitchFamily="34" charset="-128"/>
                 </a:rPr>
-                <a:t> Order </a:t>
+                <a:t>Spearman CC, SR(</a:t>
               </a:r>
               <a:r>
-                <a:rPr lang="en-US" altLang="ko-KR" sz="1100" dirty="0" err="1" smtClean="0">
+                <a:rPr lang="en-US" altLang="ko-KR" sz="900" dirty="0" err="1" smtClean="0">
                   <a:solidFill>
                     <a:srgbClr val="003B6E"/>
                   </a:solidFill>
-                  <a:latin typeface="+mj-lt"/>
+                  <a:latin typeface="+mn-lt"/>
                   <a:ea typeface="Gulim" pitchFamily="34" charset="-127"/>
                   <a:cs typeface="Arial Unicode MS" pitchFamily="34" charset="-128"/>
                 </a:rPr>
-                <a:t>Sobol</a:t>
+                <a:t>ank</a:t>
               </a:r>
               <a:r>
-                <a:rPr lang="en-US" altLang="ko-KR" sz="1100" dirty="0" smtClean="0">
+                <a:rPr lang="en-US" altLang="ko-KR" sz="900" dirty="0" smtClean="0">
                   <a:solidFill>
                     <a:srgbClr val="003B6E"/>
                   </a:solidFill>
-                  <a:latin typeface="+mj-lt"/>
+                  <a:latin typeface="+mn-lt"/>
                   <a:ea typeface="Gulim" pitchFamily="34" charset="-127"/>
                   <a:cs typeface="Arial Unicode MS" pitchFamily="34" charset="-128"/>
                 </a:rPr>
-                <a:t> Indices </a:t>
+                <a:t>)RC,  PR(</a:t>
               </a:r>
               <a:r>
-                <a:rPr lang="en-US" altLang="ko-KR" sz="1050" dirty="0" smtClean="0">
+                <a:rPr lang="en-US" altLang="ko-KR" sz="900" dirty="0" err="1" smtClean="0">
                   <a:solidFill>
                     <a:srgbClr val="003B6E"/>
                   </a:solidFill>
-                  <a:latin typeface="+mj-lt"/>
+                  <a:latin typeface="+mn-lt"/>
                   <a:ea typeface="Gulim" pitchFamily="34" charset="-127"/>
                   <a:cs typeface="Arial Unicode MS" pitchFamily="34" charset="-128"/>
                 </a:rPr>
-                <a:t>(</a:t>
+                <a:t>ank</a:t>
               </a:r>
               <a:r>
-                <a:rPr lang="en-US" altLang="ko-KR" sz="1000" dirty="0" err="1">
+                <a:rPr lang="en-US" altLang="ko-KR" sz="900" dirty="0" smtClean="0">
                   <a:solidFill>
                     <a:srgbClr val="003B6E"/>
                   </a:solidFill>
-                  <a:latin typeface="Courier New" panose="02070309020205020404" pitchFamily="49" charset="0"/>
-                  <a:ea typeface="Gulim" pitchFamily="34" charset="-127"/>
-                  <a:cs typeface="Courier New" panose="02070309020205020404" pitchFamily="49" charset="0"/>
-                </a:rPr>
-                <a:t>s</a:t>
-              </a:r>
-              <a:r>
-                <a:rPr lang="en-US" altLang="ko-KR" sz="1000" dirty="0" err="1" smtClean="0">
-                  <a:solidFill>
-                    <a:srgbClr val="003B6E"/>
-                  </a:solidFill>
-                  <a:latin typeface="Courier New" panose="02070309020205020404" pitchFamily="49" charset="0"/>
-                  <a:ea typeface="Gulim" pitchFamily="34" charset="-127"/>
-                  <a:cs typeface="Courier New" panose="02070309020205020404" pitchFamily="49" charset="0"/>
-                </a:rPr>
-                <a:t>obo</a:t>
-              </a:r>
-              <a:r>
-                <a:rPr lang="en-US" altLang="ko-KR" sz="1050" dirty="0" err="1" smtClean="0">
-                  <a:solidFill>
-                    <a:srgbClr val="003B6E"/>
-                  </a:solidFill>
-                  <a:latin typeface="+mj-lt"/>
+                  <a:latin typeface="+mn-lt"/>
                   <a:ea typeface="Gulim" pitchFamily="34" charset="-127"/>
                   <a:cs typeface="Arial Unicode MS" pitchFamily="34" charset="-128"/>
                 </a:rPr>
-                <a:t>l</a:t>
+                <a:t>)CC</a:t>
               </a:r>
-              <a:r>
-                <a:rPr lang="en-US" altLang="ko-KR" sz="1050" dirty="0" smtClean="0">
-                  <a:solidFill>
-                    <a:srgbClr val="003B6E"/>
-                  </a:solidFill>
-                  <a:latin typeface="+mj-lt"/>
-                  <a:ea typeface="Gulim" pitchFamily="34" charset="-127"/>
-                  <a:cs typeface="Arial Unicode MS" pitchFamily="34" charset="-128"/>
-                </a:rPr>
-                <a:t>)</a:t>
-              </a:r>
+              <a:endParaRPr lang="en-US" altLang="ko-KR" sz="800" dirty="0" smtClean="0">
+                <a:solidFill>
+                  <a:srgbClr val="003B6E"/>
+                </a:solidFill>
+                <a:latin typeface="+mn-lt"/>
+                <a:ea typeface="Gulim" pitchFamily="34" charset="-127"/>
+                <a:cs typeface="Arial Unicode MS" pitchFamily="34" charset="-128"/>
+              </a:endParaRPr>
             </a:p>
             <a:p>
-              <a:pPr marL="85725" indent="-85725">
+              <a:pPr marL="92075" indent="-92075">
                 <a:buClr>
                   <a:srgbClr val="000000"/>
                 </a:buClr>
@@ -11758,738 +12664,27 @@
                   <a:solidFill>
                     <a:srgbClr val="003B6E"/>
                   </a:solidFill>
-                  <a:latin typeface="+mj-lt"/>
+                  <a:latin typeface="+mn-lt"/>
                   <a:ea typeface="Gulim" pitchFamily="34" charset="-127"/>
                   <a:cs typeface="Arial Unicode MS" pitchFamily="34" charset="-128"/>
                 </a:rPr>
-                <a:t>Total Order </a:t>
+                <a:t>e</a:t>
               </a:r>
               <a:r>
-                <a:rPr lang="en-US" altLang="ko-KR" sz="1100" dirty="0" err="1">
+                <a:rPr lang="en-US" altLang="ko-KR" sz="1100" dirty="0" smtClean="0">
                   <a:solidFill>
                     <a:srgbClr val="003B6E"/>
                   </a:solidFill>
-                  <a:latin typeface="+mj-lt"/>
+                  <a:latin typeface="+mn-lt"/>
                   <a:ea typeface="Gulim" pitchFamily="34" charset="-127"/>
                   <a:cs typeface="Arial Unicode MS" pitchFamily="34" charset="-128"/>
                 </a:rPr>
-                <a:t>Sobol</a:t>
+                <a:t>tc.</a:t>
               </a:r>
-              <a:r>
-                <a:rPr lang="en-US" altLang="ko-KR" sz="1100" dirty="0">
-                  <a:solidFill>
-                    <a:srgbClr val="003B6E"/>
-                  </a:solidFill>
-                  <a:latin typeface="+mj-lt"/>
-                  <a:ea typeface="Gulim" pitchFamily="34" charset="-127"/>
-                  <a:cs typeface="Arial Unicode MS" pitchFamily="34" charset="-128"/>
-                </a:rPr>
-                <a:t> </a:t>
-              </a:r>
-              <a:r>
-                <a:rPr lang="en-US" altLang="ko-KR" sz="1100" dirty="0" smtClean="0">
-                  <a:solidFill>
-                    <a:srgbClr val="003B6E"/>
-                  </a:solidFill>
-                  <a:latin typeface="+mj-lt"/>
-                  <a:ea typeface="Gulim" pitchFamily="34" charset="-127"/>
-                  <a:cs typeface="Arial Unicode MS" pitchFamily="34" charset="-128"/>
-                </a:rPr>
-                <a:t>Indices </a:t>
-              </a:r>
-              <a:r>
-                <a:rPr lang="en-US" altLang="ko-KR" sz="1000" dirty="0" smtClean="0">
-                  <a:solidFill>
-                    <a:srgbClr val="003B6E"/>
-                  </a:solidFill>
-                  <a:latin typeface="Courier New" panose="02070309020205020404" pitchFamily="49" charset="0"/>
-                  <a:ea typeface="Gulim" pitchFamily="34" charset="-127"/>
-                  <a:cs typeface="Courier New" panose="02070309020205020404" pitchFamily="49" charset="0"/>
-                </a:rPr>
-                <a:t>(</a:t>
-              </a:r>
-              <a:r>
-                <a:rPr lang="en-US" altLang="ko-KR" sz="1000" dirty="0" err="1">
-                  <a:solidFill>
-                    <a:srgbClr val="003B6E"/>
-                  </a:solidFill>
-                  <a:latin typeface="Courier New" panose="02070309020205020404" pitchFamily="49" charset="0"/>
-                  <a:ea typeface="Gulim" pitchFamily="34" charset="-127"/>
-                  <a:cs typeface="Courier New" panose="02070309020205020404" pitchFamily="49" charset="0"/>
-                </a:rPr>
-                <a:t>s</a:t>
-              </a:r>
-              <a:r>
-                <a:rPr lang="en-US" altLang="ko-KR" sz="1000" dirty="0" err="1" smtClean="0">
-                  <a:solidFill>
-                    <a:srgbClr val="003B6E"/>
-                  </a:solidFill>
-                  <a:latin typeface="Courier New" panose="02070309020205020404" pitchFamily="49" charset="0"/>
-                  <a:ea typeface="Gulim" pitchFamily="34" charset="-127"/>
-                  <a:cs typeface="Courier New" panose="02070309020205020404" pitchFamily="49" charset="0"/>
-                </a:rPr>
-                <a:t>obol</a:t>
-              </a:r>
-              <a:r>
-                <a:rPr lang="en-US" altLang="ko-KR" sz="1000" dirty="0" smtClean="0">
-                  <a:solidFill>
-                    <a:srgbClr val="003B6E"/>
-                  </a:solidFill>
-                  <a:latin typeface="Courier New" panose="02070309020205020404" pitchFamily="49" charset="0"/>
-                  <a:ea typeface="Gulim" pitchFamily="34" charset="-127"/>
-                  <a:cs typeface="Courier New" panose="02070309020205020404" pitchFamily="49" charset="0"/>
-                </a:rPr>
-                <a:t>)</a:t>
-              </a:r>
-            </a:p>
-            <a:p>
-              <a:pPr marL="85725" indent="-85725">
-                <a:buClr>
-                  <a:srgbClr val="000000"/>
-                </a:buClr>
-              </a:pPr>
-              <a:r>
-                <a:rPr lang="en-US" altLang="ko-KR" sz="1100" dirty="0">
-                  <a:solidFill>
-                    <a:srgbClr val="003B6E"/>
-                  </a:solidFill>
-                  <a:latin typeface="+mj-lt"/>
-                  <a:ea typeface="Gulim" pitchFamily="34" charset="-127"/>
-                  <a:cs typeface="Arial Unicode MS" pitchFamily="34" charset="-128"/>
-                </a:rPr>
-                <a:t>Morris Screening </a:t>
-              </a:r>
-              <a:r>
-                <a:rPr lang="en-US" altLang="ko-KR" sz="1100" dirty="0" smtClean="0">
-                  <a:solidFill>
-                    <a:srgbClr val="003B6E"/>
-                  </a:solidFill>
-                  <a:latin typeface="+mj-lt"/>
-                  <a:ea typeface="Gulim" pitchFamily="34" charset="-127"/>
-                  <a:cs typeface="Arial Unicode MS" pitchFamily="34" charset="-128"/>
-                </a:rPr>
-                <a:t>Method </a:t>
-              </a:r>
-              <a:r>
-                <a:rPr lang="en-US" altLang="ko-KR" sz="1000" dirty="0" smtClean="0">
-                  <a:solidFill>
-                    <a:srgbClr val="003B6E"/>
-                  </a:solidFill>
-                  <a:latin typeface="Courier New" panose="02070309020205020404" pitchFamily="49" charset="0"/>
-                  <a:ea typeface="Gulim" pitchFamily="34" charset="-127"/>
-                  <a:cs typeface="Courier New" panose="02070309020205020404" pitchFamily="49" charset="0"/>
-                </a:rPr>
-                <a:t>(</a:t>
-              </a:r>
-              <a:r>
-                <a:rPr lang="en-US" altLang="ko-KR" sz="1000" dirty="0" err="1" smtClean="0">
-                  <a:solidFill>
-                    <a:srgbClr val="003B6E"/>
-                  </a:solidFill>
-                  <a:latin typeface="Courier New" panose="02070309020205020404" pitchFamily="49" charset="0"/>
-                  <a:ea typeface="Gulim" pitchFamily="34" charset="-127"/>
-                  <a:cs typeface="Courier New" panose="02070309020205020404" pitchFamily="49" charset="0"/>
-                </a:rPr>
-                <a:t>morris</a:t>
-              </a:r>
-              <a:r>
-                <a:rPr lang="en-US" altLang="ko-KR" sz="1000" dirty="0" smtClean="0">
-                  <a:solidFill>
-                    <a:srgbClr val="003B6E"/>
-                  </a:solidFill>
-                  <a:latin typeface="Courier New" panose="02070309020205020404" pitchFamily="49" charset="0"/>
-                  <a:ea typeface="Gulim" pitchFamily="34" charset="-127"/>
-                  <a:cs typeface="Courier New" panose="02070309020205020404" pitchFamily="49" charset="0"/>
-                </a:rPr>
-                <a:t>)</a:t>
-              </a:r>
-              <a:endParaRPr lang="en-US" altLang="ko-KR" sz="1050" dirty="0">
-                <a:solidFill>
-                  <a:srgbClr val="003B6E"/>
-                </a:solidFill>
-                <a:latin typeface="Courier New" panose="02070309020205020404" pitchFamily="49" charset="0"/>
-                <a:ea typeface="Gulim" pitchFamily="34" charset="-127"/>
-                <a:cs typeface="Courier New" panose="02070309020205020404" pitchFamily="49" charset="0"/>
-              </a:endParaRPr>
             </a:p>
           </p:txBody>
         </p:sp>
       </p:grpSp>
-      <p:sp>
-        <p:nvSpPr>
-          <p:cNvPr id="78" name="Text Box 12"/>
-          <p:cNvSpPr txBox="1">
-            <a:spLocks noChangeArrowheads="1"/>
-          </p:cNvSpPr>
-          <p:nvPr/>
-        </p:nvSpPr>
-        <p:spPr bwMode="auto">
-          <a:xfrm>
-            <a:off x="3276870" y="5559267"/>
-            <a:ext cx="2286095" cy="822061"/>
-          </a:xfrm>
-          <a:prstGeom prst="rect">
-            <a:avLst/>
-          </a:prstGeom>
-          <a:solidFill>
-            <a:schemeClr val="bg1">
-              <a:lumMod val="85000"/>
-            </a:schemeClr>
-          </a:solidFill>
-          <a:ln w="3175">
-            <a:solidFill>
-              <a:schemeClr val="tx1"/>
-            </a:solidFill>
-            <a:prstDash val="dashDot"/>
-            <a:miter lim="800000"/>
-            <a:headEnd/>
-            <a:tailEnd/>
-          </a:ln>
-        </p:spPr>
-        <p:txBody>
-          <a:bodyPr wrap="square" lIns="90000" tIns="46800" rIns="90000" bIns="46800" anchor="ctr">
-            <a:noAutofit/>
-          </a:bodyPr>
-          <a:lstStyle>
-            <a:lvl1pPr defTabSz="457200">
-              <a:buChar char="•"/>
-              <a:tabLst>
-                <a:tab pos="0" algn="l"/>
-                <a:tab pos="457200" algn="l"/>
-                <a:tab pos="914400" algn="l"/>
-                <a:tab pos="1371600" algn="l"/>
-                <a:tab pos="1828800" algn="l"/>
-                <a:tab pos="2286000" algn="l"/>
-                <a:tab pos="2743200" algn="l"/>
-                <a:tab pos="3200400" algn="l"/>
-                <a:tab pos="3657600" algn="l"/>
-                <a:tab pos="4114800" algn="l"/>
-                <a:tab pos="4572000" algn="l"/>
-                <a:tab pos="5029200" algn="l"/>
-                <a:tab pos="5486400" algn="l"/>
-                <a:tab pos="5943600" algn="l"/>
-                <a:tab pos="6400800" algn="l"/>
-                <a:tab pos="6858000" algn="l"/>
-                <a:tab pos="7315200" algn="l"/>
-                <a:tab pos="7772400" algn="l"/>
-                <a:tab pos="8229600" algn="l"/>
-                <a:tab pos="8686800" algn="l"/>
-                <a:tab pos="9144000" algn="l"/>
-              </a:tabLst>
-              <a:defRPr sz="2400">
-                <a:solidFill>
-                  <a:schemeClr val="tx1"/>
-                </a:solidFill>
-                <a:latin typeface="Arial Narrow" pitchFamily="34" charset="0"/>
-                <a:ea typeface="ヒラギノ角ゴ Pro W3" charset="-128"/>
-              </a:defRPr>
-            </a:lvl1pPr>
-            <a:lvl2pPr marL="742950" indent="-285750" defTabSz="457200">
-              <a:buClr>
-                <a:schemeClr val="tx1"/>
-              </a:buClr>
-              <a:buSzPct val="120000"/>
-              <a:buChar char="•"/>
-              <a:tabLst>
-                <a:tab pos="0" algn="l"/>
-                <a:tab pos="457200" algn="l"/>
-                <a:tab pos="914400" algn="l"/>
-                <a:tab pos="1371600" algn="l"/>
-                <a:tab pos="1828800" algn="l"/>
-                <a:tab pos="2286000" algn="l"/>
-                <a:tab pos="2743200" algn="l"/>
-                <a:tab pos="3200400" algn="l"/>
-                <a:tab pos="3657600" algn="l"/>
-                <a:tab pos="4114800" algn="l"/>
-                <a:tab pos="4572000" algn="l"/>
-                <a:tab pos="5029200" algn="l"/>
-                <a:tab pos="5486400" algn="l"/>
-                <a:tab pos="5943600" algn="l"/>
-                <a:tab pos="6400800" algn="l"/>
-                <a:tab pos="6858000" algn="l"/>
-                <a:tab pos="7315200" algn="l"/>
-                <a:tab pos="7772400" algn="l"/>
-                <a:tab pos="8229600" algn="l"/>
-                <a:tab pos="8686800" algn="l"/>
-                <a:tab pos="9144000" algn="l"/>
-              </a:tabLst>
-              <a:defRPr sz="2400">
-                <a:solidFill>
-                  <a:schemeClr val="tx1"/>
-                </a:solidFill>
-                <a:latin typeface="Arial Narrow" pitchFamily="34" charset="0"/>
-                <a:ea typeface="ヒラギノ角ゴ Pro W3" charset="-128"/>
-              </a:defRPr>
-            </a:lvl2pPr>
-            <a:lvl3pPr marL="1143000" indent="-228600" defTabSz="457200">
-              <a:buFont typeface="Times" pitchFamily="18" charset="0"/>
-              <a:buChar char="–"/>
-              <a:tabLst>
-                <a:tab pos="0" algn="l"/>
-                <a:tab pos="457200" algn="l"/>
-                <a:tab pos="914400" algn="l"/>
-                <a:tab pos="1371600" algn="l"/>
-                <a:tab pos="1828800" algn="l"/>
-                <a:tab pos="2286000" algn="l"/>
-                <a:tab pos="2743200" algn="l"/>
-                <a:tab pos="3200400" algn="l"/>
-                <a:tab pos="3657600" algn="l"/>
-                <a:tab pos="4114800" algn="l"/>
-                <a:tab pos="4572000" algn="l"/>
-                <a:tab pos="5029200" algn="l"/>
-                <a:tab pos="5486400" algn="l"/>
-                <a:tab pos="5943600" algn="l"/>
-                <a:tab pos="6400800" algn="l"/>
-                <a:tab pos="6858000" algn="l"/>
-                <a:tab pos="7315200" algn="l"/>
-                <a:tab pos="7772400" algn="l"/>
-                <a:tab pos="8229600" algn="l"/>
-                <a:tab pos="8686800" algn="l"/>
-                <a:tab pos="9144000" algn="l"/>
-              </a:tabLst>
-              <a:defRPr sz="1700">
-                <a:solidFill>
-                  <a:schemeClr val="tx1"/>
-                </a:solidFill>
-                <a:latin typeface="Arial Narrow" pitchFamily="34" charset="0"/>
-                <a:ea typeface="MS PGothic" pitchFamily="34" charset="-128"/>
-              </a:defRPr>
-            </a:lvl3pPr>
-            <a:lvl4pPr marL="1600200" indent="-228600" defTabSz="457200">
-              <a:buFont typeface="Lucida Grande" charset="0"/>
-              <a:buChar char="–"/>
-              <a:tabLst>
-                <a:tab pos="0" algn="l"/>
-                <a:tab pos="457200" algn="l"/>
-                <a:tab pos="914400" algn="l"/>
-                <a:tab pos="1371600" algn="l"/>
-                <a:tab pos="1828800" algn="l"/>
-                <a:tab pos="2286000" algn="l"/>
-                <a:tab pos="2743200" algn="l"/>
-                <a:tab pos="3200400" algn="l"/>
-                <a:tab pos="3657600" algn="l"/>
-                <a:tab pos="4114800" algn="l"/>
-                <a:tab pos="4572000" algn="l"/>
-                <a:tab pos="5029200" algn="l"/>
-                <a:tab pos="5486400" algn="l"/>
-                <a:tab pos="5943600" algn="l"/>
-                <a:tab pos="6400800" algn="l"/>
-                <a:tab pos="6858000" algn="l"/>
-                <a:tab pos="7315200" algn="l"/>
-                <a:tab pos="7772400" algn="l"/>
-                <a:tab pos="8229600" algn="l"/>
-                <a:tab pos="8686800" algn="l"/>
-                <a:tab pos="9144000" algn="l"/>
-              </a:tabLst>
-              <a:defRPr sz="2400">
-                <a:solidFill>
-                  <a:schemeClr val="tx1"/>
-                </a:solidFill>
-                <a:latin typeface="Arial Narrow" pitchFamily="34" charset="0"/>
-                <a:ea typeface="MS PGothic" pitchFamily="34" charset="-128"/>
-              </a:defRPr>
-            </a:lvl4pPr>
-            <a:lvl5pPr marL="2057400" indent="-228600" defTabSz="457200">
-              <a:buFont typeface="Lucida Grande" charset="0"/>
-              <a:buChar char="–"/>
-              <a:tabLst>
-                <a:tab pos="0" algn="l"/>
-                <a:tab pos="457200" algn="l"/>
-                <a:tab pos="914400" algn="l"/>
-                <a:tab pos="1371600" algn="l"/>
-                <a:tab pos="1828800" algn="l"/>
-                <a:tab pos="2286000" algn="l"/>
-                <a:tab pos="2743200" algn="l"/>
-                <a:tab pos="3200400" algn="l"/>
-                <a:tab pos="3657600" algn="l"/>
-                <a:tab pos="4114800" algn="l"/>
-                <a:tab pos="4572000" algn="l"/>
-                <a:tab pos="5029200" algn="l"/>
-                <a:tab pos="5486400" algn="l"/>
-                <a:tab pos="5943600" algn="l"/>
-                <a:tab pos="6400800" algn="l"/>
-                <a:tab pos="6858000" algn="l"/>
-                <a:tab pos="7315200" algn="l"/>
-                <a:tab pos="7772400" algn="l"/>
-                <a:tab pos="8229600" algn="l"/>
-                <a:tab pos="8686800" algn="l"/>
-                <a:tab pos="9144000" algn="l"/>
-              </a:tabLst>
-              <a:defRPr sz="2400">
-                <a:solidFill>
-                  <a:schemeClr val="tx1"/>
-                </a:solidFill>
-                <a:latin typeface="Arial Narrow" pitchFamily="34" charset="0"/>
-                <a:ea typeface="ヒラギノ角ゴ Pro W3" charset="-128"/>
-              </a:defRPr>
-            </a:lvl5pPr>
-            <a:lvl6pPr marL="2514600" indent="-228600" defTabSz="457200" eaLnBrk="0" fontAlgn="base" hangingPunct="0">
-              <a:lnSpc>
-                <a:spcPct val="110000"/>
-              </a:lnSpc>
-              <a:spcBef>
-                <a:spcPct val="0"/>
-              </a:spcBef>
-              <a:spcAft>
-                <a:spcPct val="0"/>
-              </a:spcAft>
-              <a:buFont typeface="Lucida Grande" charset="0"/>
-              <a:buChar char="–"/>
-              <a:tabLst>
-                <a:tab pos="0" algn="l"/>
-                <a:tab pos="457200" algn="l"/>
-                <a:tab pos="914400" algn="l"/>
-                <a:tab pos="1371600" algn="l"/>
-                <a:tab pos="1828800" algn="l"/>
-                <a:tab pos="2286000" algn="l"/>
-                <a:tab pos="2743200" algn="l"/>
-                <a:tab pos="3200400" algn="l"/>
-                <a:tab pos="3657600" algn="l"/>
-                <a:tab pos="4114800" algn="l"/>
-                <a:tab pos="4572000" algn="l"/>
-                <a:tab pos="5029200" algn="l"/>
-                <a:tab pos="5486400" algn="l"/>
-                <a:tab pos="5943600" algn="l"/>
-                <a:tab pos="6400800" algn="l"/>
-                <a:tab pos="6858000" algn="l"/>
-                <a:tab pos="7315200" algn="l"/>
-                <a:tab pos="7772400" algn="l"/>
-                <a:tab pos="8229600" algn="l"/>
-                <a:tab pos="8686800" algn="l"/>
-                <a:tab pos="9144000" algn="l"/>
-              </a:tabLst>
-              <a:defRPr sz="2400">
-                <a:solidFill>
-                  <a:schemeClr val="tx1"/>
-                </a:solidFill>
-                <a:latin typeface="Arial Narrow" pitchFamily="34" charset="0"/>
-                <a:ea typeface="ヒラギノ角ゴ Pro W3" charset="-128"/>
-              </a:defRPr>
-            </a:lvl6pPr>
-            <a:lvl7pPr marL="2971800" indent="-228600" defTabSz="457200" eaLnBrk="0" fontAlgn="base" hangingPunct="0">
-              <a:lnSpc>
-                <a:spcPct val="110000"/>
-              </a:lnSpc>
-              <a:spcBef>
-                <a:spcPct val="0"/>
-              </a:spcBef>
-              <a:spcAft>
-                <a:spcPct val="0"/>
-              </a:spcAft>
-              <a:buFont typeface="Lucida Grande" charset="0"/>
-              <a:buChar char="–"/>
-              <a:tabLst>
-                <a:tab pos="0" algn="l"/>
-                <a:tab pos="457200" algn="l"/>
-                <a:tab pos="914400" algn="l"/>
-                <a:tab pos="1371600" algn="l"/>
-                <a:tab pos="1828800" algn="l"/>
-                <a:tab pos="2286000" algn="l"/>
-                <a:tab pos="2743200" algn="l"/>
-                <a:tab pos="3200400" algn="l"/>
-                <a:tab pos="3657600" algn="l"/>
-                <a:tab pos="4114800" algn="l"/>
-                <a:tab pos="4572000" algn="l"/>
-                <a:tab pos="5029200" algn="l"/>
-                <a:tab pos="5486400" algn="l"/>
-                <a:tab pos="5943600" algn="l"/>
-                <a:tab pos="6400800" algn="l"/>
-                <a:tab pos="6858000" algn="l"/>
-                <a:tab pos="7315200" algn="l"/>
-                <a:tab pos="7772400" algn="l"/>
-                <a:tab pos="8229600" algn="l"/>
-                <a:tab pos="8686800" algn="l"/>
-                <a:tab pos="9144000" algn="l"/>
-              </a:tabLst>
-              <a:defRPr sz="2400">
-                <a:solidFill>
-                  <a:schemeClr val="tx1"/>
-                </a:solidFill>
-                <a:latin typeface="Arial Narrow" pitchFamily="34" charset="0"/>
-                <a:ea typeface="ヒラギノ角ゴ Pro W3" charset="-128"/>
-              </a:defRPr>
-            </a:lvl7pPr>
-            <a:lvl8pPr marL="3429000" indent="-228600" defTabSz="457200" eaLnBrk="0" fontAlgn="base" hangingPunct="0">
-              <a:lnSpc>
-                <a:spcPct val="110000"/>
-              </a:lnSpc>
-              <a:spcBef>
-                <a:spcPct val="0"/>
-              </a:spcBef>
-              <a:spcAft>
-                <a:spcPct val="0"/>
-              </a:spcAft>
-              <a:buFont typeface="Lucida Grande" charset="0"/>
-              <a:buChar char="–"/>
-              <a:tabLst>
-                <a:tab pos="0" algn="l"/>
-                <a:tab pos="457200" algn="l"/>
-                <a:tab pos="914400" algn="l"/>
-                <a:tab pos="1371600" algn="l"/>
-                <a:tab pos="1828800" algn="l"/>
-                <a:tab pos="2286000" algn="l"/>
-                <a:tab pos="2743200" algn="l"/>
-                <a:tab pos="3200400" algn="l"/>
-                <a:tab pos="3657600" algn="l"/>
-                <a:tab pos="4114800" algn="l"/>
-                <a:tab pos="4572000" algn="l"/>
-                <a:tab pos="5029200" algn="l"/>
-                <a:tab pos="5486400" algn="l"/>
-                <a:tab pos="5943600" algn="l"/>
-                <a:tab pos="6400800" algn="l"/>
-                <a:tab pos="6858000" algn="l"/>
-                <a:tab pos="7315200" algn="l"/>
-                <a:tab pos="7772400" algn="l"/>
-                <a:tab pos="8229600" algn="l"/>
-                <a:tab pos="8686800" algn="l"/>
-                <a:tab pos="9144000" algn="l"/>
-              </a:tabLst>
-              <a:defRPr sz="2400">
-                <a:solidFill>
-                  <a:schemeClr val="tx1"/>
-                </a:solidFill>
-                <a:latin typeface="Arial Narrow" pitchFamily="34" charset="0"/>
-                <a:ea typeface="ヒラギノ角ゴ Pro W3" charset="-128"/>
-              </a:defRPr>
-            </a:lvl8pPr>
-            <a:lvl9pPr marL="3886200" indent="-228600" defTabSz="457200" eaLnBrk="0" fontAlgn="base" hangingPunct="0">
-              <a:lnSpc>
-                <a:spcPct val="110000"/>
-              </a:lnSpc>
-              <a:spcBef>
-                <a:spcPct val="0"/>
-              </a:spcBef>
-              <a:spcAft>
-                <a:spcPct val="0"/>
-              </a:spcAft>
-              <a:buFont typeface="Lucida Grande" charset="0"/>
-              <a:buChar char="–"/>
-              <a:tabLst>
-                <a:tab pos="0" algn="l"/>
-                <a:tab pos="457200" algn="l"/>
-                <a:tab pos="914400" algn="l"/>
-                <a:tab pos="1371600" algn="l"/>
-                <a:tab pos="1828800" algn="l"/>
-                <a:tab pos="2286000" algn="l"/>
-                <a:tab pos="2743200" algn="l"/>
-                <a:tab pos="3200400" algn="l"/>
-                <a:tab pos="3657600" algn="l"/>
-                <a:tab pos="4114800" algn="l"/>
-                <a:tab pos="4572000" algn="l"/>
-                <a:tab pos="5029200" algn="l"/>
-                <a:tab pos="5486400" algn="l"/>
-                <a:tab pos="5943600" algn="l"/>
-                <a:tab pos="6400800" algn="l"/>
-                <a:tab pos="6858000" algn="l"/>
-                <a:tab pos="7315200" algn="l"/>
-                <a:tab pos="7772400" algn="l"/>
-                <a:tab pos="8229600" algn="l"/>
-                <a:tab pos="8686800" algn="l"/>
-                <a:tab pos="9144000" algn="l"/>
-              </a:tabLst>
-              <a:defRPr sz="2400">
-                <a:solidFill>
-                  <a:schemeClr val="tx1"/>
-                </a:solidFill>
-                <a:latin typeface="Arial Narrow" pitchFamily="34" charset="0"/>
-                <a:ea typeface="ヒラギノ角ゴ Pro W3" charset="-128"/>
-              </a:defRPr>
-            </a:lvl9pPr>
-          </a:lstStyle>
-          <a:p>
-            <a:pPr marL="92075" indent="-92075">
-              <a:buClr>
-                <a:srgbClr val="000000"/>
-              </a:buClr>
-            </a:pPr>
-            <a:r>
-              <a:rPr lang="en-US" altLang="ko-KR" sz="1000" dirty="0" smtClean="0">
-                <a:solidFill>
-                  <a:srgbClr val="003B6E"/>
-                </a:solidFill>
-                <a:latin typeface="+mn-lt"/>
-                <a:ea typeface="Gulim" pitchFamily="34" charset="-127"/>
-                <a:cs typeface="Arial Unicode MS" pitchFamily="34" charset="-128"/>
-              </a:rPr>
-              <a:t>Linear Model-Based Method </a:t>
-            </a:r>
-            <a:br>
-              <a:rPr lang="en-US" altLang="ko-KR" sz="1000" dirty="0" smtClean="0">
-                <a:solidFill>
-                  <a:srgbClr val="003B6E"/>
-                </a:solidFill>
-                <a:latin typeface="+mn-lt"/>
-                <a:ea typeface="Gulim" pitchFamily="34" charset="-127"/>
-                <a:cs typeface="Arial Unicode MS" pitchFamily="34" charset="-128"/>
-              </a:rPr>
-            </a:br>
-            <a:r>
-              <a:rPr lang="en-US" altLang="ko-KR" sz="800" dirty="0" smtClean="0">
-                <a:solidFill>
-                  <a:srgbClr val="003B6E"/>
-                </a:solidFill>
-                <a:latin typeface="+mn-lt"/>
-                <a:ea typeface="Gulim" pitchFamily="34" charset="-127"/>
-                <a:cs typeface="Arial Unicode MS" pitchFamily="34" charset="-128"/>
-              </a:rPr>
-              <a:t>Pearson Correlation </a:t>
-            </a:r>
-            <a:r>
-              <a:rPr lang="en-US" altLang="ko-KR" sz="800" dirty="0" err="1" smtClean="0">
-                <a:solidFill>
-                  <a:srgbClr val="003B6E"/>
-                </a:solidFill>
-                <a:latin typeface="+mn-lt"/>
-                <a:ea typeface="Gulim" pitchFamily="34" charset="-127"/>
-                <a:cs typeface="Arial Unicode MS" pitchFamily="34" charset="-128"/>
-              </a:rPr>
-              <a:t>Coeff</a:t>
-            </a:r>
-            <a:r>
-              <a:rPr lang="en-US" altLang="ko-KR" sz="800" dirty="0" smtClean="0">
-                <a:solidFill>
-                  <a:srgbClr val="003B6E"/>
-                </a:solidFill>
-                <a:latin typeface="+mn-lt"/>
-                <a:ea typeface="Gulim" pitchFamily="34" charset="-127"/>
-                <a:cs typeface="Arial Unicode MS" pitchFamily="34" charset="-128"/>
-              </a:rPr>
-              <a:t>. (CC), Standardized Regression </a:t>
-            </a:r>
-            <a:r>
-              <a:rPr lang="en-US" altLang="ko-KR" sz="800" dirty="0" err="1" smtClean="0">
-                <a:solidFill>
-                  <a:srgbClr val="003B6E"/>
-                </a:solidFill>
-                <a:latin typeface="+mn-lt"/>
-                <a:ea typeface="Gulim" pitchFamily="34" charset="-127"/>
-                <a:cs typeface="Arial Unicode MS" pitchFamily="34" charset="-128"/>
-              </a:rPr>
-              <a:t>Coef</a:t>
-            </a:r>
-            <a:r>
-              <a:rPr lang="en-US" altLang="ko-KR" sz="800" dirty="0" smtClean="0">
-                <a:solidFill>
-                  <a:srgbClr val="003B6E"/>
-                </a:solidFill>
-                <a:latin typeface="+mn-lt"/>
-                <a:ea typeface="Gulim" pitchFamily="34" charset="-127"/>
-                <a:cs typeface="Arial Unicode MS" pitchFamily="34" charset="-128"/>
-              </a:rPr>
-              <a:t>. (SRCC), Partial  CC</a:t>
-            </a:r>
-            <a:endParaRPr lang="en-US" altLang="ko-KR" sz="800" dirty="0">
-              <a:solidFill>
-                <a:srgbClr val="003B6E"/>
-              </a:solidFill>
-              <a:latin typeface="+mn-lt"/>
-              <a:ea typeface="Gulim" pitchFamily="34" charset="-127"/>
-              <a:cs typeface="Arial Unicode MS" pitchFamily="34" charset="-128"/>
-            </a:endParaRPr>
-          </a:p>
-          <a:p>
-            <a:pPr marL="92075" indent="-92075">
-              <a:buClr>
-                <a:srgbClr val="000000"/>
-              </a:buClr>
-            </a:pPr>
-            <a:r>
-              <a:rPr lang="en-US" altLang="ko-KR" sz="1000" dirty="0" smtClean="0">
-                <a:solidFill>
-                  <a:srgbClr val="003B6E"/>
-                </a:solidFill>
-                <a:latin typeface="+mn-lt"/>
-                <a:ea typeface="Gulim" pitchFamily="34" charset="-127"/>
-                <a:cs typeface="Arial Unicode MS" pitchFamily="34" charset="-128"/>
-              </a:rPr>
-              <a:t>Rank-transformed methods</a:t>
-            </a:r>
-            <a:br>
-              <a:rPr lang="en-US" altLang="ko-KR" sz="1000" dirty="0" smtClean="0">
-                <a:solidFill>
-                  <a:srgbClr val="003B6E"/>
-                </a:solidFill>
-                <a:latin typeface="+mn-lt"/>
-                <a:ea typeface="Gulim" pitchFamily="34" charset="-127"/>
-                <a:cs typeface="Arial Unicode MS" pitchFamily="34" charset="-128"/>
-              </a:rPr>
-            </a:br>
-            <a:r>
-              <a:rPr lang="en-US" altLang="ko-KR" sz="800" dirty="0" smtClean="0">
-                <a:solidFill>
-                  <a:srgbClr val="003B6E"/>
-                </a:solidFill>
-                <a:latin typeface="+mn-lt"/>
-                <a:ea typeface="Gulim" pitchFamily="34" charset="-127"/>
-                <a:cs typeface="Arial Unicode MS" pitchFamily="34" charset="-128"/>
-              </a:rPr>
-              <a:t>Spearman CC, SR(</a:t>
-            </a:r>
-            <a:r>
-              <a:rPr lang="en-US" altLang="ko-KR" sz="800" dirty="0" err="1" smtClean="0">
-                <a:solidFill>
-                  <a:srgbClr val="003B6E"/>
-                </a:solidFill>
-                <a:latin typeface="+mn-lt"/>
-                <a:ea typeface="Gulim" pitchFamily="34" charset="-127"/>
-                <a:cs typeface="Arial Unicode MS" pitchFamily="34" charset="-128"/>
-              </a:rPr>
-              <a:t>ank</a:t>
-            </a:r>
-            <a:r>
-              <a:rPr lang="en-US" altLang="ko-KR" sz="800" dirty="0" smtClean="0">
-                <a:solidFill>
-                  <a:srgbClr val="003B6E"/>
-                </a:solidFill>
-                <a:latin typeface="+mn-lt"/>
-                <a:ea typeface="Gulim" pitchFamily="34" charset="-127"/>
-                <a:cs typeface="Arial Unicode MS" pitchFamily="34" charset="-128"/>
-              </a:rPr>
-              <a:t>)RC,  PR(</a:t>
-            </a:r>
-            <a:r>
-              <a:rPr lang="en-US" altLang="ko-KR" sz="800" dirty="0" err="1" smtClean="0">
-                <a:solidFill>
-                  <a:srgbClr val="003B6E"/>
-                </a:solidFill>
-                <a:latin typeface="+mn-lt"/>
-                <a:ea typeface="Gulim" pitchFamily="34" charset="-127"/>
-                <a:cs typeface="Arial Unicode MS" pitchFamily="34" charset="-128"/>
-              </a:rPr>
-              <a:t>ank</a:t>
-            </a:r>
-            <a:r>
-              <a:rPr lang="en-US" altLang="ko-KR" sz="800" dirty="0" smtClean="0">
-                <a:solidFill>
-                  <a:srgbClr val="003B6E"/>
-                </a:solidFill>
-                <a:latin typeface="+mn-lt"/>
-                <a:ea typeface="Gulim" pitchFamily="34" charset="-127"/>
-                <a:cs typeface="Arial Unicode MS" pitchFamily="34" charset="-128"/>
-              </a:rPr>
-              <a:t>)CC</a:t>
-            </a:r>
-          </a:p>
-          <a:p>
-            <a:pPr marL="92075" indent="-92075">
-              <a:buClr>
-                <a:srgbClr val="000000"/>
-              </a:buClr>
-            </a:pPr>
-            <a:r>
-              <a:rPr lang="en-US" altLang="ko-KR" sz="1000" dirty="0" smtClean="0">
-                <a:solidFill>
-                  <a:srgbClr val="003B6E"/>
-                </a:solidFill>
-                <a:latin typeface="+mn-lt"/>
-                <a:ea typeface="Gulim" pitchFamily="34" charset="-127"/>
-                <a:cs typeface="Arial Unicode MS" pitchFamily="34" charset="-128"/>
-              </a:rPr>
-              <a:t>Etc.</a:t>
-            </a:r>
-          </a:p>
-        </p:txBody>
-      </p:sp>
       <p:sp>
         <p:nvSpPr>
           <p:cNvPr id="81" name="Striped Right Arrow 80"/>
@@ -12564,7 +12759,7 @@
         </p:nvSpPr>
         <p:spPr bwMode="auto">
           <a:xfrm>
-            <a:off x="5868144" y="1002431"/>
+            <a:off x="6447558" y="1002431"/>
             <a:ext cx="476985" cy="484632"/>
           </a:xfrm>
           <a:prstGeom prst="stripedRightArrow">
@@ -12897,7 +13092,7 @@
           <a:p>
             <a:r>
               <a:rPr lang="en-US" sz="1400" b="1" dirty="0" smtClean="0"/>
-              <a:t>Design Matrix </a:t>
+              <a:t>Design Matrix</a:t>
             </a:r>
             <a:br>
               <a:rPr lang="en-US" sz="1400" b="1" dirty="0" smtClean="0"/>
@@ -12983,7 +13178,7 @@
         </p:nvSpPr>
         <p:spPr>
           <a:xfrm>
-            <a:off x="6350588" y="384919"/>
+            <a:off x="6782636" y="456927"/>
             <a:ext cx="1708348" cy="307777"/>
           </a:xfrm>
           <a:prstGeom prst="rect">
@@ -13016,8 +13211,8 @@
         </p:nvSpPr>
         <p:spPr bwMode="auto">
           <a:xfrm>
-            <a:off x="5911756" y="4955857"/>
-            <a:ext cx="705276" cy="811490"/>
+            <a:off x="6423833" y="5144720"/>
+            <a:ext cx="524431" cy="603410"/>
           </a:xfrm>
           <a:prstGeom prst="stripedRightArrow">
             <a:avLst>
@@ -13083,7 +13278,7 @@
         <p:spPr>
           <a:xfrm>
             <a:off x="20073" y="2123564"/>
-            <a:ext cx="2175663" cy="369332"/>
+            <a:ext cx="2118264" cy="369332"/>
           </a:xfrm>
           <a:prstGeom prst="rect">
             <a:avLst/>
@@ -13091,6 +13286,7 @@
           <a:solidFill>
             <a:schemeClr val="bg1">
               <a:lumMod val="95000"/>
+              <a:alpha val="75000"/>
             </a:schemeClr>
           </a:solidFill>
           <a:ln w="9525">
@@ -13109,112 +13305,130 @@
               </a:rPr>
               <a:t>Model Execution</a:t>
             </a:r>
-          </a:p>
-        </p:txBody>
-      </p:sp>
-      <p:sp>
-        <p:nvSpPr>
-          <p:cNvPr id="103" name="Flowchart: Document 102"/>
-          <p:cNvSpPr/>
-          <p:nvPr/>
-        </p:nvSpPr>
-        <p:spPr bwMode="auto">
-          <a:xfrm>
-            <a:off x="7089030" y="4927193"/>
-            <a:ext cx="1276772" cy="855439"/>
-          </a:xfrm>
-          <a:prstGeom prst="flowChartDocument">
-            <a:avLst/>
-          </a:prstGeom>
-          <a:solidFill>
-            <a:srgbClr val="0070C0"/>
-          </a:solidFill>
-          <a:ln w="9525" cap="flat" cmpd="sng" algn="ctr">
-            <a:noFill/>
-            <a:prstDash val="solid"/>
-            <a:round/>
-            <a:headEnd type="none" w="med" len="med"/>
-            <a:tailEnd type="none" w="med" len="med"/>
-          </a:ln>
-          <a:effectLst/>
-        </p:spPr>
-        <p:txBody>
-          <a:bodyPr vert="horz" wrap="square" lIns="91440" tIns="45720" rIns="91440" bIns="45720" numCol="1" rtlCol="0" anchor="t" anchorCtr="0" compatLnSpc="1">
-            <a:prstTxWarp prst="textNoShape">
-              <a:avLst/>
-            </a:prstTxWarp>
-          </a:bodyPr>
-          <a:lstStyle/>
-          <a:p>
-            <a:pPr marL="0" marR="0" indent="0" algn="l" defTabSz="914400" rtl="0" eaLnBrk="0" fontAlgn="base" latinLnBrk="0" hangingPunct="0">
-              <a:lnSpc>
-                <a:spcPct val="100000"/>
-              </a:lnSpc>
-              <a:spcBef>
-                <a:spcPct val="0"/>
-              </a:spcBef>
-              <a:spcAft>
-                <a:spcPct val="0"/>
-              </a:spcAft>
-              <a:buClrTx/>
-              <a:buSzTx/>
-              <a:buFontTx/>
-              <a:buNone/>
-              <a:tabLst/>
-            </a:pPr>
-            <a:endParaRPr kumimoji="0" lang="en-US" sz="2400" b="0" i="0" u="none" strike="noStrike" cap="none" normalizeH="0" baseline="0">
-              <a:ln>
-                <a:noFill/>
-              </a:ln>
-              <a:solidFill>
-                <a:schemeClr val="tx1"/>
-              </a:solidFill>
-              <a:effectLst/>
-              <a:latin typeface="Times" charset="0"/>
+            <a:endParaRPr lang="en-US" b="1" dirty="0" smtClean="0">
+              <a:latin typeface="+mj-lt"/>
             </a:endParaRPr>
           </a:p>
         </p:txBody>
       </p:sp>
-      <p:sp>
-        <p:nvSpPr>
-          <p:cNvPr id="106" name="Rectangle 105"/>
-          <p:cNvSpPr/>
+      <p:grpSp>
+        <p:nvGrpSpPr>
+          <p:cNvPr id="3" name="Group 2"/>
+          <p:cNvGrpSpPr/>
           <p:nvPr/>
-        </p:nvSpPr>
-        <p:spPr>
+        </p:nvGrpSpPr>
+        <p:grpSpPr>
           <a:xfrm>
-            <a:off x="7185545" y="5085184"/>
-            <a:ext cx="1130871" cy="400110"/>
+            <a:off x="7164288" y="5093841"/>
+            <a:ext cx="1276773" cy="855439"/>
+            <a:chOff x="7135079" y="4888324"/>
+            <a:chExt cx="1276773" cy="855439"/>
           </a:xfrm>
-          <a:prstGeom prst="rect">
-            <a:avLst/>
-          </a:prstGeom>
-        </p:spPr>
-        <p:txBody>
-          <a:bodyPr wrap="square">
-            <a:spAutoFit/>
-          </a:bodyPr>
-          <a:lstStyle/>
-          <a:p>
-            <a:pPr algn="ctr"/>
-            <a:r>
-              <a:rPr lang="en-US" sz="2000" b="1" dirty="0" smtClean="0">
+        </p:grpSpPr>
+        <p:sp>
+          <p:nvSpPr>
+            <p:cNvPr id="103" name="Flowchart: Document 102"/>
+            <p:cNvSpPr/>
+            <p:nvPr/>
+          </p:nvSpPr>
+          <p:spPr bwMode="auto">
+            <a:xfrm>
+              <a:off x="7135080" y="4888324"/>
+              <a:ext cx="1276772" cy="855439"/>
+            </a:xfrm>
+            <a:prstGeom prst="flowChartDocument">
+              <a:avLst/>
+            </a:prstGeom>
+            <a:solidFill>
+              <a:srgbClr val="0070C0"/>
+            </a:solidFill>
+            <a:ln w="9525" cap="flat" cmpd="sng" algn="ctr">
+              <a:noFill/>
+              <a:prstDash val="solid"/>
+              <a:round/>
+              <a:headEnd type="none" w="med" len="med"/>
+              <a:tailEnd type="none" w="med" len="med"/>
+            </a:ln>
+            <a:effectLst/>
+          </p:spPr>
+          <p:txBody>
+            <a:bodyPr vert="horz" wrap="square" lIns="91440" tIns="45720" rIns="91440" bIns="45720" numCol="1" rtlCol="0" anchor="t" anchorCtr="0" compatLnSpc="1">
+              <a:prstTxWarp prst="textNoShape">
+                <a:avLst/>
+              </a:prstTxWarp>
+            </a:bodyPr>
+            <a:lstStyle/>
+            <a:p>
+              <a:pPr marL="0" marR="0" indent="0" algn="l" defTabSz="914400" rtl="0" eaLnBrk="0" fontAlgn="base" latinLnBrk="0" hangingPunct="0">
+                <a:lnSpc>
+                  <a:spcPct val="100000"/>
+                </a:lnSpc>
+                <a:spcBef>
+                  <a:spcPct val="0"/>
+                </a:spcBef>
+                <a:spcAft>
+                  <a:spcPct val="0"/>
+                </a:spcAft>
+                <a:buClrTx/>
+                <a:buSzTx/>
+                <a:buFontTx/>
+                <a:buNone/>
+                <a:tabLst/>
+              </a:pPr>
+              <a:endParaRPr kumimoji="0" lang="en-US" sz="2400" b="0" i="0" u="none" strike="noStrike" cap="none" normalizeH="0" baseline="0">
+                <a:ln>
+                  <a:noFill/>
+                </a:ln>
+                <a:solidFill>
+                  <a:schemeClr val="tx1"/>
+                </a:solidFill>
+                <a:effectLst/>
+                <a:latin typeface="Times" charset="0"/>
+              </a:endParaRPr>
+            </a:p>
+          </p:txBody>
+        </p:sp>
+        <p:sp>
+          <p:nvSpPr>
+            <p:cNvPr id="106" name="Rectangle 105"/>
+            <p:cNvSpPr/>
+            <p:nvPr/>
+          </p:nvSpPr>
+          <p:spPr>
+            <a:xfrm>
+              <a:off x="7135079" y="5046315"/>
+              <a:ext cx="1263253" cy="400110"/>
+            </a:xfrm>
+            <a:prstGeom prst="rect">
+              <a:avLst/>
+            </a:prstGeom>
+          </p:spPr>
+          <p:txBody>
+            <a:bodyPr wrap="square">
+              <a:spAutoFit/>
+            </a:bodyPr>
+            <a:lstStyle/>
+            <a:p>
+              <a:pPr algn="ctr"/>
+              <a:r>
+                <a:rPr lang="en-US" sz="2000" b="1" dirty="0" smtClean="0">
+                  <a:solidFill>
+                    <a:schemeClr val="bg1"/>
+                  </a:solidFill>
+                  <a:latin typeface="+mn-lt"/>
+                </a:rPr>
+                <a:t>CSV</a:t>
+              </a:r>
+              <a:endParaRPr lang="en-US" sz="2000" b="1" dirty="0">
                 <a:solidFill>
                   <a:schemeClr val="bg1"/>
                 </a:solidFill>
                 <a:latin typeface="+mn-lt"/>
-              </a:rPr>
-              <a:t>CSV</a:t>
-            </a:r>
-            <a:endParaRPr lang="en-US" sz="2000" b="1" dirty="0">
-              <a:solidFill>
-                <a:schemeClr val="bg1"/>
-              </a:solidFill>
-              <a:latin typeface="+mn-lt"/>
-            </a:endParaRPr>
-          </a:p>
-        </p:txBody>
-      </p:sp>
+              </a:endParaRPr>
+            </a:p>
+          </p:txBody>
+        </p:sp>
+      </p:grpSp>
       <p:sp>
         <p:nvSpPr>
           <p:cNvPr id="107" name="TextBox 106"/>
@@ -13223,8 +13437,8 @@
         </p:nvSpPr>
         <p:spPr>
           <a:xfrm>
-            <a:off x="6823620" y="4365104"/>
-            <a:ext cx="1542182" cy="523220"/>
+            <a:off x="6782636" y="4694892"/>
+            <a:ext cx="1821812" cy="307777"/>
           </a:xfrm>
           <a:prstGeom prst="rect">
             <a:avLst/>
@@ -14058,6 +14272,1019 @@
           </a:p>
         </p:txBody>
       </p:sp>
+      <p:sp>
+        <p:nvSpPr>
+          <p:cNvPr id="50" name="TextBox 49"/>
+          <p:cNvSpPr txBox="1"/>
+          <p:nvPr/>
+        </p:nvSpPr>
+        <p:spPr>
+          <a:xfrm>
+            <a:off x="6660232" y="-27384"/>
+            <a:ext cx="2555775" cy="400110"/>
+          </a:xfrm>
+          <a:prstGeom prst="rect">
+            <a:avLst/>
+          </a:prstGeom>
+          <a:noFill/>
+          <a:ln w="9525">
+            <a:noFill/>
+          </a:ln>
+        </p:spPr>
+        <p:txBody>
+          <a:bodyPr wrap="square" rtlCol="0" anchor="ctr">
+            <a:spAutoFit/>
+          </a:bodyPr>
+          <a:lstStyle/>
+          <a:p>
+            <a:r>
+              <a:rPr lang="en-US" sz="2000" b="1" dirty="0" err="1" smtClean="0">
+                <a:latin typeface="Consolas" panose="020B0609020204030204" pitchFamily="49" charset="0"/>
+                <a:cs typeface="Consolas" panose="020B0609020204030204" pitchFamily="49" charset="0"/>
+              </a:rPr>
+              <a:t>gsa</a:t>
+            </a:r>
+            <a:r>
+              <a:rPr lang="en-US" sz="2000" b="1" dirty="0" smtClean="0">
+                <a:latin typeface="Consolas" panose="020B0609020204030204" pitchFamily="49" charset="0"/>
+                <a:cs typeface="Consolas" panose="020B0609020204030204" pitchFamily="49" charset="0"/>
+              </a:rPr>
+              <a:t>-module</a:t>
+            </a:r>
+            <a:r>
+              <a:rPr lang="en-US" sz="2000" b="1" dirty="0" smtClean="0">
+                <a:latin typeface="+mj-lt"/>
+              </a:rPr>
+              <a:t> package</a:t>
+            </a:r>
+            <a:endParaRPr lang="en-US" sz="2000" b="1" dirty="0" smtClean="0">
+              <a:latin typeface="+mj-lt"/>
+            </a:endParaRPr>
+          </a:p>
+        </p:txBody>
+      </p:sp>
+      <p:grpSp>
+        <p:nvGrpSpPr>
+          <p:cNvPr id="51" name="Group 50"/>
+          <p:cNvGrpSpPr/>
+          <p:nvPr/>
+        </p:nvGrpSpPr>
+        <p:grpSpPr>
+          <a:xfrm>
+            <a:off x="3059833" y="2708920"/>
+            <a:ext cx="1482811" cy="943173"/>
+            <a:chOff x="4690610" y="2744313"/>
+            <a:chExt cx="2736305" cy="1329294"/>
+          </a:xfrm>
+        </p:grpSpPr>
+        <p:sp>
+          <p:nvSpPr>
+            <p:cNvPr id="53" name="Text Box 11"/>
+            <p:cNvSpPr txBox="1">
+              <a:spLocks noChangeArrowheads="1"/>
+            </p:cNvSpPr>
+            <p:nvPr/>
+          </p:nvSpPr>
+          <p:spPr bwMode="auto">
+            <a:xfrm>
+              <a:off x="4690610" y="2744313"/>
+              <a:ext cx="2736305" cy="1329294"/>
+            </a:xfrm>
+            <a:prstGeom prst="rect">
+              <a:avLst/>
+            </a:prstGeom>
+            <a:solidFill>
+              <a:srgbClr val="FFFFFF"/>
+            </a:solidFill>
+            <a:ln w="6350">
+              <a:solidFill>
+                <a:srgbClr val="C50006"/>
+              </a:solidFill>
+              <a:miter lim="800000"/>
+              <a:headEnd/>
+              <a:tailEnd/>
+            </a:ln>
+          </p:spPr>
+          <p:txBody>
+            <a:bodyPr lIns="90000" tIns="46800" rIns="90000" bIns="46800"/>
+            <a:lstStyle>
+              <a:lvl1pPr defTabSz="457200">
+                <a:buChar char="•"/>
+                <a:tabLst>
+                  <a:tab pos="0" algn="l"/>
+                  <a:tab pos="457200" algn="l"/>
+                  <a:tab pos="914400" algn="l"/>
+                  <a:tab pos="1371600" algn="l"/>
+                  <a:tab pos="1828800" algn="l"/>
+                  <a:tab pos="2286000" algn="l"/>
+                  <a:tab pos="2743200" algn="l"/>
+                  <a:tab pos="3200400" algn="l"/>
+                  <a:tab pos="3657600" algn="l"/>
+                  <a:tab pos="4114800" algn="l"/>
+                  <a:tab pos="4572000" algn="l"/>
+                  <a:tab pos="5029200" algn="l"/>
+                  <a:tab pos="5486400" algn="l"/>
+                  <a:tab pos="5943600" algn="l"/>
+                  <a:tab pos="6400800" algn="l"/>
+                  <a:tab pos="6858000" algn="l"/>
+                  <a:tab pos="7315200" algn="l"/>
+                  <a:tab pos="7772400" algn="l"/>
+                  <a:tab pos="8229600" algn="l"/>
+                  <a:tab pos="8686800" algn="l"/>
+                  <a:tab pos="9144000" algn="l"/>
+                </a:tabLst>
+                <a:defRPr sz="2400">
+                  <a:solidFill>
+                    <a:schemeClr val="tx1"/>
+                  </a:solidFill>
+                  <a:latin typeface="Arial Narrow" pitchFamily="34" charset="0"/>
+                  <a:ea typeface="ヒラギノ角ゴ Pro W3" charset="-128"/>
+                </a:defRPr>
+              </a:lvl1pPr>
+              <a:lvl2pPr marL="742950" indent="-285750" defTabSz="457200">
+                <a:buClr>
+                  <a:schemeClr val="tx1"/>
+                </a:buClr>
+                <a:buSzPct val="120000"/>
+                <a:buChar char="•"/>
+                <a:tabLst>
+                  <a:tab pos="0" algn="l"/>
+                  <a:tab pos="457200" algn="l"/>
+                  <a:tab pos="914400" algn="l"/>
+                  <a:tab pos="1371600" algn="l"/>
+                  <a:tab pos="1828800" algn="l"/>
+                  <a:tab pos="2286000" algn="l"/>
+                  <a:tab pos="2743200" algn="l"/>
+                  <a:tab pos="3200400" algn="l"/>
+                  <a:tab pos="3657600" algn="l"/>
+                  <a:tab pos="4114800" algn="l"/>
+                  <a:tab pos="4572000" algn="l"/>
+                  <a:tab pos="5029200" algn="l"/>
+                  <a:tab pos="5486400" algn="l"/>
+                  <a:tab pos="5943600" algn="l"/>
+                  <a:tab pos="6400800" algn="l"/>
+                  <a:tab pos="6858000" algn="l"/>
+                  <a:tab pos="7315200" algn="l"/>
+                  <a:tab pos="7772400" algn="l"/>
+                  <a:tab pos="8229600" algn="l"/>
+                  <a:tab pos="8686800" algn="l"/>
+                  <a:tab pos="9144000" algn="l"/>
+                </a:tabLst>
+                <a:defRPr sz="2400">
+                  <a:solidFill>
+                    <a:schemeClr val="tx1"/>
+                  </a:solidFill>
+                  <a:latin typeface="Arial Narrow" pitchFamily="34" charset="0"/>
+                  <a:ea typeface="ヒラギノ角ゴ Pro W3" charset="-128"/>
+                </a:defRPr>
+              </a:lvl2pPr>
+              <a:lvl3pPr marL="1143000" indent="-228600" defTabSz="457200">
+                <a:buFont typeface="Times" pitchFamily="18" charset="0"/>
+                <a:buChar char="–"/>
+                <a:tabLst>
+                  <a:tab pos="0" algn="l"/>
+                  <a:tab pos="457200" algn="l"/>
+                  <a:tab pos="914400" algn="l"/>
+                  <a:tab pos="1371600" algn="l"/>
+                  <a:tab pos="1828800" algn="l"/>
+                  <a:tab pos="2286000" algn="l"/>
+                  <a:tab pos="2743200" algn="l"/>
+                  <a:tab pos="3200400" algn="l"/>
+                  <a:tab pos="3657600" algn="l"/>
+                  <a:tab pos="4114800" algn="l"/>
+                  <a:tab pos="4572000" algn="l"/>
+                  <a:tab pos="5029200" algn="l"/>
+                  <a:tab pos="5486400" algn="l"/>
+                  <a:tab pos="5943600" algn="l"/>
+                  <a:tab pos="6400800" algn="l"/>
+                  <a:tab pos="6858000" algn="l"/>
+                  <a:tab pos="7315200" algn="l"/>
+                  <a:tab pos="7772400" algn="l"/>
+                  <a:tab pos="8229600" algn="l"/>
+                  <a:tab pos="8686800" algn="l"/>
+                  <a:tab pos="9144000" algn="l"/>
+                </a:tabLst>
+                <a:defRPr sz="1700">
+                  <a:solidFill>
+                    <a:schemeClr val="tx1"/>
+                  </a:solidFill>
+                  <a:latin typeface="Arial Narrow" pitchFamily="34" charset="0"/>
+                  <a:ea typeface="MS PGothic" pitchFamily="34" charset="-128"/>
+                </a:defRPr>
+              </a:lvl3pPr>
+              <a:lvl4pPr marL="1600200" indent="-228600" defTabSz="457200">
+                <a:buFont typeface="Lucida Grande" charset="0"/>
+                <a:buChar char="–"/>
+                <a:tabLst>
+                  <a:tab pos="0" algn="l"/>
+                  <a:tab pos="457200" algn="l"/>
+                  <a:tab pos="914400" algn="l"/>
+                  <a:tab pos="1371600" algn="l"/>
+                  <a:tab pos="1828800" algn="l"/>
+                  <a:tab pos="2286000" algn="l"/>
+                  <a:tab pos="2743200" algn="l"/>
+                  <a:tab pos="3200400" algn="l"/>
+                  <a:tab pos="3657600" algn="l"/>
+                  <a:tab pos="4114800" algn="l"/>
+                  <a:tab pos="4572000" algn="l"/>
+                  <a:tab pos="5029200" algn="l"/>
+                  <a:tab pos="5486400" algn="l"/>
+                  <a:tab pos="5943600" algn="l"/>
+                  <a:tab pos="6400800" algn="l"/>
+                  <a:tab pos="6858000" algn="l"/>
+                  <a:tab pos="7315200" algn="l"/>
+                  <a:tab pos="7772400" algn="l"/>
+                  <a:tab pos="8229600" algn="l"/>
+                  <a:tab pos="8686800" algn="l"/>
+                  <a:tab pos="9144000" algn="l"/>
+                </a:tabLst>
+                <a:defRPr sz="2400">
+                  <a:solidFill>
+                    <a:schemeClr val="tx1"/>
+                  </a:solidFill>
+                  <a:latin typeface="Arial Narrow" pitchFamily="34" charset="0"/>
+                  <a:ea typeface="MS PGothic" pitchFamily="34" charset="-128"/>
+                </a:defRPr>
+              </a:lvl4pPr>
+              <a:lvl5pPr marL="2057400" indent="-228600" defTabSz="457200">
+                <a:buFont typeface="Lucida Grande" charset="0"/>
+                <a:buChar char="–"/>
+                <a:tabLst>
+                  <a:tab pos="0" algn="l"/>
+                  <a:tab pos="457200" algn="l"/>
+                  <a:tab pos="914400" algn="l"/>
+                  <a:tab pos="1371600" algn="l"/>
+                  <a:tab pos="1828800" algn="l"/>
+                  <a:tab pos="2286000" algn="l"/>
+                  <a:tab pos="2743200" algn="l"/>
+                  <a:tab pos="3200400" algn="l"/>
+                  <a:tab pos="3657600" algn="l"/>
+                  <a:tab pos="4114800" algn="l"/>
+                  <a:tab pos="4572000" algn="l"/>
+                  <a:tab pos="5029200" algn="l"/>
+                  <a:tab pos="5486400" algn="l"/>
+                  <a:tab pos="5943600" algn="l"/>
+                  <a:tab pos="6400800" algn="l"/>
+                  <a:tab pos="6858000" algn="l"/>
+                  <a:tab pos="7315200" algn="l"/>
+                  <a:tab pos="7772400" algn="l"/>
+                  <a:tab pos="8229600" algn="l"/>
+                  <a:tab pos="8686800" algn="l"/>
+                  <a:tab pos="9144000" algn="l"/>
+                </a:tabLst>
+                <a:defRPr sz="2400">
+                  <a:solidFill>
+                    <a:schemeClr val="tx1"/>
+                  </a:solidFill>
+                  <a:latin typeface="Arial Narrow" pitchFamily="34" charset="0"/>
+                  <a:ea typeface="ヒラギノ角ゴ Pro W3" charset="-128"/>
+                </a:defRPr>
+              </a:lvl5pPr>
+              <a:lvl6pPr marL="2514600" indent="-228600" defTabSz="457200" eaLnBrk="0" fontAlgn="base" hangingPunct="0">
+                <a:lnSpc>
+                  <a:spcPct val="110000"/>
+                </a:lnSpc>
+                <a:spcBef>
+                  <a:spcPct val="0"/>
+                </a:spcBef>
+                <a:spcAft>
+                  <a:spcPct val="0"/>
+                </a:spcAft>
+                <a:buFont typeface="Lucida Grande" charset="0"/>
+                <a:buChar char="–"/>
+                <a:tabLst>
+                  <a:tab pos="0" algn="l"/>
+                  <a:tab pos="457200" algn="l"/>
+                  <a:tab pos="914400" algn="l"/>
+                  <a:tab pos="1371600" algn="l"/>
+                  <a:tab pos="1828800" algn="l"/>
+                  <a:tab pos="2286000" algn="l"/>
+                  <a:tab pos="2743200" algn="l"/>
+                  <a:tab pos="3200400" algn="l"/>
+                  <a:tab pos="3657600" algn="l"/>
+                  <a:tab pos="4114800" algn="l"/>
+                  <a:tab pos="4572000" algn="l"/>
+                  <a:tab pos="5029200" algn="l"/>
+                  <a:tab pos="5486400" algn="l"/>
+                  <a:tab pos="5943600" algn="l"/>
+                  <a:tab pos="6400800" algn="l"/>
+                  <a:tab pos="6858000" algn="l"/>
+                  <a:tab pos="7315200" algn="l"/>
+                  <a:tab pos="7772400" algn="l"/>
+                  <a:tab pos="8229600" algn="l"/>
+                  <a:tab pos="8686800" algn="l"/>
+                  <a:tab pos="9144000" algn="l"/>
+                </a:tabLst>
+                <a:defRPr sz="2400">
+                  <a:solidFill>
+                    <a:schemeClr val="tx1"/>
+                  </a:solidFill>
+                  <a:latin typeface="Arial Narrow" pitchFamily="34" charset="0"/>
+                  <a:ea typeface="ヒラギノ角ゴ Pro W3" charset="-128"/>
+                </a:defRPr>
+              </a:lvl6pPr>
+              <a:lvl7pPr marL="2971800" indent="-228600" defTabSz="457200" eaLnBrk="0" fontAlgn="base" hangingPunct="0">
+                <a:lnSpc>
+                  <a:spcPct val="110000"/>
+                </a:lnSpc>
+                <a:spcBef>
+                  <a:spcPct val="0"/>
+                </a:spcBef>
+                <a:spcAft>
+                  <a:spcPct val="0"/>
+                </a:spcAft>
+                <a:buFont typeface="Lucida Grande" charset="0"/>
+                <a:buChar char="–"/>
+                <a:tabLst>
+                  <a:tab pos="0" algn="l"/>
+                  <a:tab pos="457200" algn="l"/>
+                  <a:tab pos="914400" algn="l"/>
+                  <a:tab pos="1371600" algn="l"/>
+                  <a:tab pos="1828800" algn="l"/>
+                  <a:tab pos="2286000" algn="l"/>
+                  <a:tab pos="2743200" algn="l"/>
+                  <a:tab pos="3200400" algn="l"/>
+                  <a:tab pos="3657600" algn="l"/>
+                  <a:tab pos="4114800" algn="l"/>
+                  <a:tab pos="4572000" algn="l"/>
+                  <a:tab pos="5029200" algn="l"/>
+                  <a:tab pos="5486400" algn="l"/>
+                  <a:tab pos="5943600" algn="l"/>
+                  <a:tab pos="6400800" algn="l"/>
+                  <a:tab pos="6858000" algn="l"/>
+                  <a:tab pos="7315200" algn="l"/>
+                  <a:tab pos="7772400" algn="l"/>
+                  <a:tab pos="8229600" algn="l"/>
+                  <a:tab pos="8686800" algn="l"/>
+                  <a:tab pos="9144000" algn="l"/>
+                </a:tabLst>
+                <a:defRPr sz="2400">
+                  <a:solidFill>
+                    <a:schemeClr val="tx1"/>
+                  </a:solidFill>
+                  <a:latin typeface="Arial Narrow" pitchFamily="34" charset="0"/>
+                  <a:ea typeface="ヒラギノ角ゴ Pro W3" charset="-128"/>
+                </a:defRPr>
+              </a:lvl7pPr>
+              <a:lvl8pPr marL="3429000" indent="-228600" defTabSz="457200" eaLnBrk="0" fontAlgn="base" hangingPunct="0">
+                <a:lnSpc>
+                  <a:spcPct val="110000"/>
+                </a:lnSpc>
+                <a:spcBef>
+                  <a:spcPct val="0"/>
+                </a:spcBef>
+                <a:spcAft>
+                  <a:spcPct val="0"/>
+                </a:spcAft>
+                <a:buFont typeface="Lucida Grande" charset="0"/>
+                <a:buChar char="–"/>
+                <a:tabLst>
+                  <a:tab pos="0" algn="l"/>
+                  <a:tab pos="457200" algn="l"/>
+                  <a:tab pos="914400" algn="l"/>
+                  <a:tab pos="1371600" algn="l"/>
+                  <a:tab pos="1828800" algn="l"/>
+                  <a:tab pos="2286000" algn="l"/>
+                  <a:tab pos="2743200" algn="l"/>
+                  <a:tab pos="3200400" algn="l"/>
+                  <a:tab pos="3657600" algn="l"/>
+                  <a:tab pos="4114800" algn="l"/>
+                  <a:tab pos="4572000" algn="l"/>
+                  <a:tab pos="5029200" algn="l"/>
+                  <a:tab pos="5486400" algn="l"/>
+                  <a:tab pos="5943600" algn="l"/>
+                  <a:tab pos="6400800" algn="l"/>
+                  <a:tab pos="6858000" algn="l"/>
+                  <a:tab pos="7315200" algn="l"/>
+                  <a:tab pos="7772400" algn="l"/>
+                  <a:tab pos="8229600" algn="l"/>
+                  <a:tab pos="8686800" algn="l"/>
+                  <a:tab pos="9144000" algn="l"/>
+                </a:tabLst>
+                <a:defRPr sz="2400">
+                  <a:solidFill>
+                    <a:schemeClr val="tx1"/>
+                  </a:solidFill>
+                  <a:latin typeface="Arial Narrow" pitchFamily="34" charset="0"/>
+                  <a:ea typeface="ヒラギノ角ゴ Pro W3" charset="-128"/>
+                </a:defRPr>
+              </a:lvl8pPr>
+              <a:lvl9pPr marL="3886200" indent="-228600" defTabSz="457200" eaLnBrk="0" fontAlgn="base" hangingPunct="0">
+                <a:lnSpc>
+                  <a:spcPct val="110000"/>
+                </a:lnSpc>
+                <a:spcBef>
+                  <a:spcPct val="0"/>
+                </a:spcBef>
+                <a:spcAft>
+                  <a:spcPct val="0"/>
+                </a:spcAft>
+                <a:buFont typeface="Lucida Grande" charset="0"/>
+                <a:buChar char="–"/>
+                <a:tabLst>
+                  <a:tab pos="0" algn="l"/>
+                  <a:tab pos="457200" algn="l"/>
+                  <a:tab pos="914400" algn="l"/>
+                  <a:tab pos="1371600" algn="l"/>
+                  <a:tab pos="1828800" algn="l"/>
+                  <a:tab pos="2286000" algn="l"/>
+                  <a:tab pos="2743200" algn="l"/>
+                  <a:tab pos="3200400" algn="l"/>
+                  <a:tab pos="3657600" algn="l"/>
+                  <a:tab pos="4114800" algn="l"/>
+                  <a:tab pos="4572000" algn="l"/>
+                  <a:tab pos="5029200" algn="l"/>
+                  <a:tab pos="5486400" algn="l"/>
+                  <a:tab pos="5943600" algn="l"/>
+                  <a:tab pos="6400800" algn="l"/>
+                  <a:tab pos="6858000" algn="l"/>
+                  <a:tab pos="7315200" algn="l"/>
+                  <a:tab pos="7772400" algn="l"/>
+                  <a:tab pos="8229600" algn="l"/>
+                  <a:tab pos="8686800" algn="l"/>
+                  <a:tab pos="9144000" algn="l"/>
+                </a:tabLst>
+                <a:defRPr sz="2400">
+                  <a:solidFill>
+                    <a:schemeClr val="tx1"/>
+                  </a:solidFill>
+                  <a:latin typeface="Arial Narrow" pitchFamily="34" charset="0"/>
+                  <a:ea typeface="ヒラギノ角ゴ Pro W3" charset="-128"/>
+                </a:defRPr>
+              </a:lvl9pPr>
+            </a:lstStyle>
+            <a:p>
+              <a:pPr eaLnBrk="1" hangingPunct="1">
+                <a:lnSpc>
+                  <a:spcPct val="100000"/>
+                </a:lnSpc>
+                <a:buClr>
+                  <a:srgbClr val="000000"/>
+                </a:buClr>
+                <a:buFont typeface="Times New Roman" pitchFamily="18" charset="0"/>
+                <a:buNone/>
+              </a:pPr>
+              <a:r>
+                <a:rPr lang="en-US" altLang="ko-KR" sz="1400" dirty="0" err="1">
+                  <a:solidFill>
+                    <a:srgbClr val="C50006"/>
+                  </a:solidFill>
+                  <a:latin typeface="Courier New" panose="02070309020205020404" pitchFamily="49" charset="0"/>
+                  <a:ea typeface="Gulim" pitchFamily="34" charset="-127"/>
+                  <a:cs typeface="Courier New" panose="02070309020205020404" pitchFamily="49" charset="0"/>
+                </a:rPr>
+                <a:t>q</a:t>
+              </a:r>
+              <a:r>
+                <a:rPr lang="en-US" altLang="ko-KR" sz="1400" dirty="0" err="1" smtClean="0">
+                  <a:solidFill>
+                    <a:srgbClr val="C50006"/>
+                  </a:solidFill>
+                  <a:latin typeface="Courier New" panose="02070309020205020404" pitchFamily="49" charset="0"/>
+                  <a:ea typeface="Gulim" pitchFamily="34" charset="-127"/>
+                  <a:cs typeface="Courier New" panose="02070309020205020404" pitchFamily="49" charset="0"/>
+                </a:rPr>
+                <a:t>oi</a:t>
+              </a:r>
+              <a:r>
+                <a:rPr lang="en-US" altLang="ko-KR" sz="1400" dirty="0" smtClean="0">
+                  <a:solidFill>
+                    <a:srgbClr val="C50006"/>
+                  </a:solidFill>
+                  <a:latin typeface="+mn-lt"/>
+                  <a:ea typeface="Gulim" pitchFamily="34" charset="-127"/>
+                  <a:cs typeface="Arial Unicode MS" pitchFamily="34" charset="-128"/>
+                </a:rPr>
+                <a:t> Module</a:t>
+              </a:r>
+              <a:endParaRPr lang="en-US" altLang="ko-KR" sz="1400" dirty="0">
+                <a:solidFill>
+                  <a:srgbClr val="C50006"/>
+                </a:solidFill>
+                <a:latin typeface="+mn-lt"/>
+                <a:ea typeface="Gulim" pitchFamily="34" charset="-127"/>
+                <a:cs typeface="Arial Unicode MS" pitchFamily="34" charset="-128"/>
+              </a:endParaRPr>
+            </a:p>
+          </p:txBody>
+        </p:sp>
+        <p:sp>
+          <p:nvSpPr>
+            <p:cNvPr id="55" name="Text Box 12"/>
+            <p:cNvSpPr txBox="1">
+              <a:spLocks noChangeArrowheads="1"/>
+            </p:cNvSpPr>
+            <p:nvPr/>
+          </p:nvSpPr>
+          <p:spPr bwMode="auto">
+            <a:xfrm>
+              <a:off x="4762617" y="3197432"/>
+              <a:ext cx="2604608" cy="835551"/>
+            </a:xfrm>
+            <a:prstGeom prst="rect">
+              <a:avLst/>
+            </a:prstGeom>
+            <a:solidFill>
+              <a:srgbClr val="FFF5D6"/>
+            </a:solidFill>
+            <a:ln w="9360">
+              <a:noFill/>
+              <a:miter lim="800000"/>
+              <a:headEnd/>
+              <a:tailEnd/>
+            </a:ln>
+          </p:spPr>
+          <p:txBody>
+            <a:bodyPr wrap="square" lIns="90000" tIns="46800" rIns="90000" bIns="46800" anchor="ctr">
+              <a:noAutofit/>
+            </a:bodyPr>
+            <a:lstStyle>
+              <a:lvl1pPr defTabSz="457200">
+                <a:buChar char="•"/>
+                <a:tabLst>
+                  <a:tab pos="0" algn="l"/>
+                  <a:tab pos="457200" algn="l"/>
+                  <a:tab pos="914400" algn="l"/>
+                  <a:tab pos="1371600" algn="l"/>
+                  <a:tab pos="1828800" algn="l"/>
+                  <a:tab pos="2286000" algn="l"/>
+                  <a:tab pos="2743200" algn="l"/>
+                  <a:tab pos="3200400" algn="l"/>
+                  <a:tab pos="3657600" algn="l"/>
+                  <a:tab pos="4114800" algn="l"/>
+                  <a:tab pos="4572000" algn="l"/>
+                  <a:tab pos="5029200" algn="l"/>
+                  <a:tab pos="5486400" algn="l"/>
+                  <a:tab pos="5943600" algn="l"/>
+                  <a:tab pos="6400800" algn="l"/>
+                  <a:tab pos="6858000" algn="l"/>
+                  <a:tab pos="7315200" algn="l"/>
+                  <a:tab pos="7772400" algn="l"/>
+                  <a:tab pos="8229600" algn="l"/>
+                  <a:tab pos="8686800" algn="l"/>
+                  <a:tab pos="9144000" algn="l"/>
+                </a:tabLst>
+                <a:defRPr sz="2400">
+                  <a:solidFill>
+                    <a:schemeClr val="tx1"/>
+                  </a:solidFill>
+                  <a:latin typeface="Arial Narrow" pitchFamily="34" charset="0"/>
+                  <a:ea typeface="ヒラギノ角ゴ Pro W3" charset="-128"/>
+                </a:defRPr>
+              </a:lvl1pPr>
+              <a:lvl2pPr marL="742950" indent="-285750" defTabSz="457200">
+                <a:buClr>
+                  <a:schemeClr val="tx1"/>
+                </a:buClr>
+                <a:buSzPct val="120000"/>
+                <a:buChar char="•"/>
+                <a:tabLst>
+                  <a:tab pos="0" algn="l"/>
+                  <a:tab pos="457200" algn="l"/>
+                  <a:tab pos="914400" algn="l"/>
+                  <a:tab pos="1371600" algn="l"/>
+                  <a:tab pos="1828800" algn="l"/>
+                  <a:tab pos="2286000" algn="l"/>
+                  <a:tab pos="2743200" algn="l"/>
+                  <a:tab pos="3200400" algn="l"/>
+                  <a:tab pos="3657600" algn="l"/>
+                  <a:tab pos="4114800" algn="l"/>
+                  <a:tab pos="4572000" algn="l"/>
+                  <a:tab pos="5029200" algn="l"/>
+                  <a:tab pos="5486400" algn="l"/>
+                  <a:tab pos="5943600" algn="l"/>
+                  <a:tab pos="6400800" algn="l"/>
+                  <a:tab pos="6858000" algn="l"/>
+                  <a:tab pos="7315200" algn="l"/>
+                  <a:tab pos="7772400" algn="l"/>
+                  <a:tab pos="8229600" algn="l"/>
+                  <a:tab pos="8686800" algn="l"/>
+                  <a:tab pos="9144000" algn="l"/>
+                </a:tabLst>
+                <a:defRPr sz="2400">
+                  <a:solidFill>
+                    <a:schemeClr val="tx1"/>
+                  </a:solidFill>
+                  <a:latin typeface="Arial Narrow" pitchFamily="34" charset="0"/>
+                  <a:ea typeface="ヒラギノ角ゴ Pro W3" charset="-128"/>
+                </a:defRPr>
+              </a:lvl2pPr>
+              <a:lvl3pPr marL="1143000" indent="-228600" defTabSz="457200">
+                <a:buFont typeface="Times" pitchFamily="18" charset="0"/>
+                <a:buChar char="–"/>
+                <a:tabLst>
+                  <a:tab pos="0" algn="l"/>
+                  <a:tab pos="457200" algn="l"/>
+                  <a:tab pos="914400" algn="l"/>
+                  <a:tab pos="1371600" algn="l"/>
+                  <a:tab pos="1828800" algn="l"/>
+                  <a:tab pos="2286000" algn="l"/>
+                  <a:tab pos="2743200" algn="l"/>
+                  <a:tab pos="3200400" algn="l"/>
+                  <a:tab pos="3657600" algn="l"/>
+                  <a:tab pos="4114800" algn="l"/>
+                  <a:tab pos="4572000" algn="l"/>
+                  <a:tab pos="5029200" algn="l"/>
+                  <a:tab pos="5486400" algn="l"/>
+                  <a:tab pos="5943600" algn="l"/>
+                  <a:tab pos="6400800" algn="l"/>
+                  <a:tab pos="6858000" algn="l"/>
+                  <a:tab pos="7315200" algn="l"/>
+                  <a:tab pos="7772400" algn="l"/>
+                  <a:tab pos="8229600" algn="l"/>
+                  <a:tab pos="8686800" algn="l"/>
+                  <a:tab pos="9144000" algn="l"/>
+                </a:tabLst>
+                <a:defRPr sz="1700">
+                  <a:solidFill>
+                    <a:schemeClr val="tx1"/>
+                  </a:solidFill>
+                  <a:latin typeface="Arial Narrow" pitchFamily="34" charset="0"/>
+                  <a:ea typeface="MS PGothic" pitchFamily="34" charset="-128"/>
+                </a:defRPr>
+              </a:lvl3pPr>
+              <a:lvl4pPr marL="1600200" indent="-228600" defTabSz="457200">
+                <a:buFont typeface="Lucida Grande" charset="0"/>
+                <a:buChar char="–"/>
+                <a:tabLst>
+                  <a:tab pos="0" algn="l"/>
+                  <a:tab pos="457200" algn="l"/>
+                  <a:tab pos="914400" algn="l"/>
+                  <a:tab pos="1371600" algn="l"/>
+                  <a:tab pos="1828800" algn="l"/>
+                  <a:tab pos="2286000" algn="l"/>
+                  <a:tab pos="2743200" algn="l"/>
+                  <a:tab pos="3200400" algn="l"/>
+                  <a:tab pos="3657600" algn="l"/>
+                  <a:tab pos="4114800" algn="l"/>
+                  <a:tab pos="4572000" algn="l"/>
+                  <a:tab pos="5029200" algn="l"/>
+                  <a:tab pos="5486400" algn="l"/>
+                  <a:tab pos="5943600" algn="l"/>
+                  <a:tab pos="6400800" algn="l"/>
+                  <a:tab pos="6858000" algn="l"/>
+                  <a:tab pos="7315200" algn="l"/>
+                  <a:tab pos="7772400" algn="l"/>
+                  <a:tab pos="8229600" algn="l"/>
+                  <a:tab pos="8686800" algn="l"/>
+                  <a:tab pos="9144000" algn="l"/>
+                </a:tabLst>
+                <a:defRPr sz="2400">
+                  <a:solidFill>
+                    <a:schemeClr val="tx1"/>
+                  </a:solidFill>
+                  <a:latin typeface="Arial Narrow" pitchFamily="34" charset="0"/>
+                  <a:ea typeface="MS PGothic" pitchFamily="34" charset="-128"/>
+                </a:defRPr>
+              </a:lvl4pPr>
+              <a:lvl5pPr marL="2057400" indent="-228600" defTabSz="457200">
+                <a:buFont typeface="Lucida Grande" charset="0"/>
+                <a:buChar char="–"/>
+                <a:tabLst>
+                  <a:tab pos="0" algn="l"/>
+                  <a:tab pos="457200" algn="l"/>
+                  <a:tab pos="914400" algn="l"/>
+                  <a:tab pos="1371600" algn="l"/>
+                  <a:tab pos="1828800" algn="l"/>
+                  <a:tab pos="2286000" algn="l"/>
+                  <a:tab pos="2743200" algn="l"/>
+                  <a:tab pos="3200400" algn="l"/>
+                  <a:tab pos="3657600" algn="l"/>
+                  <a:tab pos="4114800" algn="l"/>
+                  <a:tab pos="4572000" algn="l"/>
+                  <a:tab pos="5029200" algn="l"/>
+                  <a:tab pos="5486400" algn="l"/>
+                  <a:tab pos="5943600" algn="l"/>
+                  <a:tab pos="6400800" algn="l"/>
+                  <a:tab pos="6858000" algn="l"/>
+                  <a:tab pos="7315200" algn="l"/>
+                  <a:tab pos="7772400" algn="l"/>
+                  <a:tab pos="8229600" algn="l"/>
+                  <a:tab pos="8686800" algn="l"/>
+                  <a:tab pos="9144000" algn="l"/>
+                </a:tabLst>
+                <a:defRPr sz="2400">
+                  <a:solidFill>
+                    <a:schemeClr val="tx1"/>
+                  </a:solidFill>
+                  <a:latin typeface="Arial Narrow" pitchFamily="34" charset="0"/>
+                  <a:ea typeface="ヒラギノ角ゴ Pro W3" charset="-128"/>
+                </a:defRPr>
+              </a:lvl5pPr>
+              <a:lvl6pPr marL="2514600" indent="-228600" defTabSz="457200" eaLnBrk="0" fontAlgn="base" hangingPunct="0">
+                <a:lnSpc>
+                  <a:spcPct val="110000"/>
+                </a:lnSpc>
+                <a:spcBef>
+                  <a:spcPct val="0"/>
+                </a:spcBef>
+                <a:spcAft>
+                  <a:spcPct val="0"/>
+                </a:spcAft>
+                <a:buFont typeface="Lucida Grande" charset="0"/>
+                <a:buChar char="–"/>
+                <a:tabLst>
+                  <a:tab pos="0" algn="l"/>
+                  <a:tab pos="457200" algn="l"/>
+                  <a:tab pos="914400" algn="l"/>
+                  <a:tab pos="1371600" algn="l"/>
+                  <a:tab pos="1828800" algn="l"/>
+                  <a:tab pos="2286000" algn="l"/>
+                  <a:tab pos="2743200" algn="l"/>
+                  <a:tab pos="3200400" algn="l"/>
+                  <a:tab pos="3657600" algn="l"/>
+                  <a:tab pos="4114800" algn="l"/>
+                  <a:tab pos="4572000" algn="l"/>
+                  <a:tab pos="5029200" algn="l"/>
+                  <a:tab pos="5486400" algn="l"/>
+                  <a:tab pos="5943600" algn="l"/>
+                  <a:tab pos="6400800" algn="l"/>
+                  <a:tab pos="6858000" algn="l"/>
+                  <a:tab pos="7315200" algn="l"/>
+                  <a:tab pos="7772400" algn="l"/>
+                  <a:tab pos="8229600" algn="l"/>
+                  <a:tab pos="8686800" algn="l"/>
+                  <a:tab pos="9144000" algn="l"/>
+                </a:tabLst>
+                <a:defRPr sz="2400">
+                  <a:solidFill>
+                    <a:schemeClr val="tx1"/>
+                  </a:solidFill>
+                  <a:latin typeface="Arial Narrow" pitchFamily="34" charset="0"/>
+                  <a:ea typeface="ヒラギノ角ゴ Pro W3" charset="-128"/>
+                </a:defRPr>
+              </a:lvl6pPr>
+              <a:lvl7pPr marL="2971800" indent="-228600" defTabSz="457200" eaLnBrk="0" fontAlgn="base" hangingPunct="0">
+                <a:lnSpc>
+                  <a:spcPct val="110000"/>
+                </a:lnSpc>
+                <a:spcBef>
+                  <a:spcPct val="0"/>
+                </a:spcBef>
+                <a:spcAft>
+                  <a:spcPct val="0"/>
+                </a:spcAft>
+                <a:buFont typeface="Lucida Grande" charset="0"/>
+                <a:buChar char="–"/>
+                <a:tabLst>
+                  <a:tab pos="0" algn="l"/>
+                  <a:tab pos="457200" algn="l"/>
+                  <a:tab pos="914400" algn="l"/>
+                  <a:tab pos="1371600" algn="l"/>
+                  <a:tab pos="1828800" algn="l"/>
+                  <a:tab pos="2286000" algn="l"/>
+                  <a:tab pos="2743200" algn="l"/>
+                  <a:tab pos="3200400" algn="l"/>
+                  <a:tab pos="3657600" algn="l"/>
+                  <a:tab pos="4114800" algn="l"/>
+                  <a:tab pos="4572000" algn="l"/>
+                  <a:tab pos="5029200" algn="l"/>
+                  <a:tab pos="5486400" algn="l"/>
+                  <a:tab pos="5943600" algn="l"/>
+                  <a:tab pos="6400800" algn="l"/>
+                  <a:tab pos="6858000" algn="l"/>
+                  <a:tab pos="7315200" algn="l"/>
+                  <a:tab pos="7772400" algn="l"/>
+                  <a:tab pos="8229600" algn="l"/>
+                  <a:tab pos="8686800" algn="l"/>
+                  <a:tab pos="9144000" algn="l"/>
+                </a:tabLst>
+                <a:defRPr sz="2400">
+                  <a:solidFill>
+                    <a:schemeClr val="tx1"/>
+                  </a:solidFill>
+                  <a:latin typeface="Arial Narrow" pitchFamily="34" charset="0"/>
+                  <a:ea typeface="ヒラギノ角ゴ Pro W3" charset="-128"/>
+                </a:defRPr>
+              </a:lvl7pPr>
+              <a:lvl8pPr marL="3429000" indent="-228600" defTabSz="457200" eaLnBrk="0" fontAlgn="base" hangingPunct="0">
+                <a:lnSpc>
+                  <a:spcPct val="110000"/>
+                </a:lnSpc>
+                <a:spcBef>
+                  <a:spcPct val="0"/>
+                </a:spcBef>
+                <a:spcAft>
+                  <a:spcPct val="0"/>
+                </a:spcAft>
+                <a:buFont typeface="Lucida Grande" charset="0"/>
+                <a:buChar char="–"/>
+                <a:tabLst>
+                  <a:tab pos="0" algn="l"/>
+                  <a:tab pos="457200" algn="l"/>
+                  <a:tab pos="914400" algn="l"/>
+                  <a:tab pos="1371600" algn="l"/>
+                  <a:tab pos="1828800" algn="l"/>
+                  <a:tab pos="2286000" algn="l"/>
+                  <a:tab pos="2743200" algn="l"/>
+                  <a:tab pos="3200400" algn="l"/>
+                  <a:tab pos="3657600" algn="l"/>
+                  <a:tab pos="4114800" algn="l"/>
+                  <a:tab pos="4572000" algn="l"/>
+                  <a:tab pos="5029200" algn="l"/>
+                  <a:tab pos="5486400" algn="l"/>
+                  <a:tab pos="5943600" algn="l"/>
+                  <a:tab pos="6400800" algn="l"/>
+                  <a:tab pos="6858000" algn="l"/>
+                  <a:tab pos="7315200" algn="l"/>
+                  <a:tab pos="7772400" algn="l"/>
+                  <a:tab pos="8229600" algn="l"/>
+                  <a:tab pos="8686800" algn="l"/>
+                  <a:tab pos="9144000" algn="l"/>
+                </a:tabLst>
+                <a:defRPr sz="2400">
+                  <a:solidFill>
+                    <a:schemeClr val="tx1"/>
+                  </a:solidFill>
+                  <a:latin typeface="Arial Narrow" pitchFamily="34" charset="0"/>
+                  <a:ea typeface="ヒラギノ角ゴ Pro W3" charset="-128"/>
+                </a:defRPr>
+              </a:lvl8pPr>
+              <a:lvl9pPr marL="3886200" indent="-228600" defTabSz="457200" eaLnBrk="0" fontAlgn="base" hangingPunct="0">
+                <a:lnSpc>
+                  <a:spcPct val="110000"/>
+                </a:lnSpc>
+                <a:spcBef>
+                  <a:spcPct val="0"/>
+                </a:spcBef>
+                <a:spcAft>
+                  <a:spcPct val="0"/>
+                </a:spcAft>
+                <a:buFont typeface="Lucida Grande" charset="0"/>
+                <a:buChar char="–"/>
+                <a:tabLst>
+                  <a:tab pos="0" algn="l"/>
+                  <a:tab pos="457200" algn="l"/>
+                  <a:tab pos="914400" algn="l"/>
+                  <a:tab pos="1371600" algn="l"/>
+                  <a:tab pos="1828800" algn="l"/>
+                  <a:tab pos="2286000" algn="l"/>
+                  <a:tab pos="2743200" algn="l"/>
+                  <a:tab pos="3200400" algn="l"/>
+                  <a:tab pos="3657600" algn="l"/>
+                  <a:tab pos="4114800" algn="l"/>
+                  <a:tab pos="4572000" algn="l"/>
+                  <a:tab pos="5029200" algn="l"/>
+                  <a:tab pos="5486400" algn="l"/>
+                  <a:tab pos="5943600" algn="l"/>
+                  <a:tab pos="6400800" algn="l"/>
+                  <a:tab pos="6858000" algn="l"/>
+                  <a:tab pos="7315200" algn="l"/>
+                  <a:tab pos="7772400" algn="l"/>
+                  <a:tab pos="8229600" algn="l"/>
+                  <a:tab pos="8686800" algn="l"/>
+                  <a:tab pos="9144000" algn="l"/>
+                </a:tabLst>
+                <a:defRPr sz="2400">
+                  <a:solidFill>
+                    <a:schemeClr val="tx1"/>
+                  </a:solidFill>
+                  <a:latin typeface="Arial Narrow" pitchFamily="34" charset="0"/>
+                  <a:ea typeface="ヒラギノ角ゴ Pro W3" charset="-128"/>
+                </a:defRPr>
+              </a:lvl9pPr>
+            </a:lstStyle>
+            <a:p>
+              <a:pPr marL="85725" indent="-85725" eaLnBrk="1" hangingPunct="1">
+                <a:spcBef>
+                  <a:spcPts val="0"/>
+                </a:spcBef>
+                <a:buClr>
+                  <a:srgbClr val="000000"/>
+                </a:buClr>
+              </a:pPr>
+              <a:r>
+                <a:rPr lang="en-US" altLang="ko-KR" sz="1000" dirty="0" smtClean="0">
+                  <a:solidFill>
+                    <a:srgbClr val="003B6E"/>
+                  </a:solidFill>
+                  <a:latin typeface="+mn-lt"/>
+                  <a:ea typeface="Gulim" pitchFamily="34" charset="-127"/>
+                  <a:cs typeface="Arial Unicode MS" pitchFamily="34" charset="-128"/>
+                </a:rPr>
+                <a:t>Extract features from the raw output</a:t>
+              </a:r>
+            </a:p>
+            <a:p>
+              <a:pPr marL="85725" indent="-85725" eaLnBrk="1" hangingPunct="1">
+                <a:spcBef>
+                  <a:spcPts val="0"/>
+                </a:spcBef>
+                <a:buClr>
+                  <a:srgbClr val="000000"/>
+                </a:buClr>
+              </a:pPr>
+              <a:r>
+                <a:rPr lang="en-US" altLang="ko-KR" sz="1000" dirty="0" smtClean="0">
+                  <a:solidFill>
+                    <a:srgbClr val="003B6E"/>
+                  </a:solidFill>
+                  <a:latin typeface="+mn-lt"/>
+                  <a:ea typeface="Gulim" pitchFamily="34" charset="-127"/>
+                  <a:cs typeface="Arial Unicode MS" pitchFamily="34" charset="-128"/>
+                </a:rPr>
+                <a:t>Max., min., </a:t>
+              </a:r>
+              <a:r>
+                <a:rPr lang="en-US" altLang="ko-KR" sz="1000" dirty="0" err="1" smtClean="0">
+                  <a:solidFill>
+                    <a:srgbClr val="003B6E"/>
+                  </a:solidFill>
+                  <a:latin typeface="+mn-lt"/>
+                  <a:ea typeface="Gulim" pitchFamily="34" charset="-127"/>
+                  <a:cs typeface="Arial Unicode MS" pitchFamily="34" charset="-128"/>
+                </a:rPr>
+                <a:t>ave</a:t>
+              </a:r>
+              <a:r>
+                <a:rPr lang="en-US" altLang="ko-KR" sz="1000" dirty="0" smtClean="0">
+                  <a:solidFill>
+                    <a:srgbClr val="003B6E"/>
+                  </a:solidFill>
+                  <a:latin typeface="+mn-lt"/>
+                  <a:ea typeface="Gulim" pitchFamily="34" charset="-127"/>
+                  <a:cs typeface="Arial Unicode MS" pitchFamily="34" charset="-128"/>
+                </a:rPr>
+                <a:t>, etc.</a:t>
+              </a:r>
+              <a:endParaRPr lang="en-US" altLang="ko-KR" sz="1000" dirty="0">
+                <a:solidFill>
+                  <a:srgbClr val="003B6E"/>
+                </a:solidFill>
+                <a:latin typeface="+mn-lt"/>
+                <a:ea typeface="Gulim" pitchFamily="34" charset="-127"/>
+                <a:cs typeface="Arial Unicode MS" pitchFamily="34" charset="-128"/>
+              </a:endParaRPr>
+            </a:p>
+          </p:txBody>
+        </p:sp>
+      </p:grpSp>
+      <p:sp>
+        <p:nvSpPr>
+          <p:cNvPr id="56" name="Striped Right Arrow 55"/>
+          <p:cNvSpPr/>
+          <p:nvPr/>
+        </p:nvSpPr>
+        <p:spPr bwMode="auto">
+          <a:xfrm rot="10800000">
+            <a:off x="4564584" y="3033879"/>
+            <a:ext cx="288343" cy="292966"/>
+          </a:xfrm>
+          <a:prstGeom prst="stripedRightArrow">
+            <a:avLst>
+              <a:gd name="adj1" fmla="val 50000"/>
+              <a:gd name="adj2" fmla="val 51196"/>
+            </a:avLst>
+          </a:prstGeom>
+          <a:solidFill>
+            <a:srgbClr val="C50006"/>
+          </a:solidFill>
+          <a:ln w="9525" cap="flat" cmpd="sng" algn="ctr">
+            <a:noFill/>
+            <a:prstDash val="solid"/>
+            <a:round/>
+            <a:headEnd type="none" w="med" len="med"/>
+            <a:tailEnd type="none" w="med" len="med"/>
+          </a:ln>
+          <a:effectLst/>
+        </p:spPr>
+        <p:txBody>
+          <a:bodyPr vert="horz" wrap="square" lIns="91440" tIns="45720" rIns="91440" bIns="45720" numCol="1" rtlCol="0" anchor="t" anchorCtr="0" compatLnSpc="1">
+            <a:prstTxWarp prst="textNoShape">
+              <a:avLst/>
+            </a:prstTxWarp>
+          </a:bodyPr>
+          <a:lstStyle/>
+          <a:p>
+            <a:pPr marL="0" marR="0" indent="0" algn="l" defTabSz="914400" rtl="0" eaLnBrk="0" fontAlgn="base" latinLnBrk="0" hangingPunct="0">
+              <a:lnSpc>
+                <a:spcPct val="100000"/>
+              </a:lnSpc>
+              <a:spcBef>
+                <a:spcPct val="0"/>
+              </a:spcBef>
+              <a:spcAft>
+                <a:spcPct val="0"/>
+              </a:spcAft>
+              <a:buClrTx/>
+              <a:buSzTx/>
+              <a:buFontTx/>
+              <a:buNone/>
+              <a:tabLst/>
+            </a:pPr>
+            <a:endParaRPr kumimoji="0" lang="en-US" sz="2400" b="0" i="0" u="none" strike="noStrike" cap="none" normalizeH="0" baseline="0">
+              <a:ln>
+                <a:noFill/>
+              </a:ln>
+              <a:solidFill>
+                <a:schemeClr val="tx1"/>
+              </a:solidFill>
+              <a:effectLst/>
+              <a:latin typeface="Times" charset="0"/>
+            </a:endParaRPr>
+          </a:p>
+        </p:txBody>
+      </p:sp>
     </p:spTree>
     <p:extLst>
       <p:ext uri="{BB962C8B-B14F-4D97-AF65-F5344CB8AC3E}">

--- a/docs/figures/flowchart.pptx
+++ b/docs/figures/flowchart.pptx
@@ -5,12 +5,13 @@
     <p:sldMasterId id="2147483648" r:id="rId1"/>
   </p:sldMasterIdLst>
   <p:notesMasterIdLst>
-    <p:notesMasterId r:id="rId5"/>
+    <p:notesMasterId r:id="rId6"/>
   </p:notesMasterIdLst>
   <p:sldIdLst>
     <p:sldId id="258" r:id="rId2"/>
     <p:sldId id="259" r:id="rId3"/>
-    <p:sldId id="260" r:id="rId4"/>
+    <p:sldId id="261" r:id="rId4"/>
+    <p:sldId id="260" r:id="rId5"/>
   </p:sldIdLst>
   <p:sldSz cx="9144000" cy="6858000" type="screen4x3"/>
   <p:notesSz cx="6858000" cy="9144000"/>
@@ -111,7 +112,7 @@
   </p:defaultTextStyle>
   <p:extLst>
     <p:ext uri="{EFAFB233-063F-42B5-8137-9DF3F51BA10A}">
-      <p15:sldGuideLst xmlns:p15="http://schemas.microsoft.com/office/powerpoint/2012/main">
+      <p15:sldGuideLst xmlns:p15="http://schemas.microsoft.com/office/powerpoint/2012/main" xmlns="">
         <p15:guide id="1" orient="horz" pos="2160">
           <p15:clr>
             <a:srgbClr val="A4A3A4"/>
@@ -210,7 +211,7 @@
           <a:p>
             <a:fld id="{B47AD5B4-42A6-4969-BF71-1B0ECAB6BD54}" type="datetimeFigureOut">
               <a:rPr lang="en-US" smtClean="0"/>
-              <a:t>8/30/2016</a:t>
+              <a:t>9/6/2016</a:t>
             </a:fld>
             <a:endParaRPr lang="en-US"/>
           </a:p>
@@ -743,6 +744,124 @@
             </a:r>
             <a:r>
               <a:rPr lang="en-US" baseline="0" dirty="0"/>
+              <a:t> </a:t>
+            </a:r>
+            <a:r>
+              <a:rPr lang="en-US" baseline="0"/>
+              <a:t>(</a:t>
+            </a:r>
+            <a:r>
+              <a:rPr lang="en-US" baseline="0" smtClean="0"/>
+              <a:t>v0.4.0</a:t>
+            </a:r>
+            <a:r>
+              <a:rPr lang="en-US" baseline="0" dirty="0"/>
+              <a:t>)</a:t>
+            </a:r>
+            <a:endParaRPr lang="en-US" dirty="0"/>
+          </a:p>
+        </p:txBody>
+      </p:sp>
+      <p:sp>
+        <p:nvSpPr>
+          <p:cNvPr id="4" name="Slide Number Placeholder 3"/>
+          <p:cNvSpPr>
+            <a:spLocks noGrp="1"/>
+          </p:cNvSpPr>
+          <p:nvPr>
+            <p:ph type="sldNum" sz="quarter" idx="10"/>
+          </p:nvPr>
+        </p:nvSpPr>
+        <p:spPr/>
+        <p:txBody>
+          <a:bodyPr/>
+          <a:lstStyle/>
+          <a:p>
+            <a:pPr>
+              <a:defRPr/>
+            </a:pPr>
+            <a:fld id="{EC696245-F065-0B47-B74E-D5003861FD61}" type="slidenum">
+              <a:rPr lang="de-DE" smtClean="0"/>
+              <a:pPr>
+                <a:defRPr/>
+              </a:pPr>
+              <a:t>3</a:t>
+            </a:fld>
+            <a:endParaRPr lang="de-DE" dirty="0"/>
+          </a:p>
+        </p:txBody>
+      </p:sp>
+    </p:spTree>
+    <p:extLst>
+      <p:ext uri="{BB962C8B-B14F-4D97-AF65-F5344CB8AC3E}">
+        <p14:creationId xmlns:p14="http://schemas.microsoft.com/office/powerpoint/2010/main" val="3414547091"/>
+      </p:ext>
+    </p:extLst>
+  </p:cSld>
+  <p:clrMapOvr>
+    <a:masterClrMapping/>
+  </p:clrMapOvr>
+</p:notes>
+</file>
+
+<file path=ppt/notesSlides/notesSlide4.xml><?xml version="1.0" encoding="utf-8"?>
+<p:notes xmlns:a="http://schemas.openxmlformats.org/drawingml/2006/main" xmlns:r="http://schemas.openxmlformats.org/officeDocument/2006/relationships" xmlns:p="http://schemas.openxmlformats.org/presentationml/2006/main">
+  <p:cSld>
+    <p:spTree>
+      <p:nvGrpSpPr>
+        <p:cNvPr id="1" name=""/>
+        <p:cNvGrpSpPr/>
+        <p:nvPr/>
+      </p:nvGrpSpPr>
+      <p:grpSpPr>
+        <a:xfrm>
+          <a:off x="0" y="0"/>
+          <a:ext cx="0" cy="0"/>
+          <a:chOff x="0" y="0"/>
+          <a:chExt cx="0" cy="0"/>
+        </a:xfrm>
+      </p:grpSpPr>
+      <p:sp>
+        <p:nvSpPr>
+          <p:cNvPr id="2" name="Slide Image Placeholder 1"/>
+          <p:cNvSpPr>
+            <a:spLocks noGrp="1" noRot="1" noChangeAspect="1"/>
+          </p:cNvSpPr>
+          <p:nvPr>
+            <p:ph type="sldImg"/>
+          </p:nvPr>
+        </p:nvSpPr>
+        <p:spPr/>
+      </p:sp>
+      <p:sp>
+        <p:nvSpPr>
+          <p:cNvPr id="3" name="Notes Placeholder 2"/>
+          <p:cNvSpPr>
+            <a:spLocks noGrp="1"/>
+          </p:cNvSpPr>
+          <p:nvPr>
+            <p:ph type="body" idx="1"/>
+          </p:nvPr>
+        </p:nvSpPr>
+        <p:spPr/>
+        <p:txBody>
+          <a:bodyPr/>
+          <a:lstStyle/>
+          <a:p>
+            <a:r>
+              <a:rPr lang="en-US" dirty="0"/>
+              <a:t>Generic</a:t>
+            </a:r>
+            <a:r>
+              <a:rPr lang="en-US" baseline="0" dirty="0"/>
+              <a:t> flowchart of trace-</a:t>
+            </a:r>
+            <a:r>
+              <a:rPr lang="en-US" baseline="0" dirty="0" err="1"/>
+              <a:t>simexp</a:t>
+            </a:r>
+            <a:r>
+              <a:rPr lang="en-US" baseline="0" dirty="0"/>
               <a:t> future release</a:t>
             </a:r>
             <a:endParaRPr lang="en-US" dirty="0"/>
@@ -772,7 +891,7 @@
               <a:pPr>
                 <a:defRPr/>
               </a:pPr>
-              <a:t>3</a:t>
+              <a:t>4</a:t>
             </a:fld>
             <a:endParaRPr lang="de-DE" dirty="0"/>
           </a:p>
@@ -970,7 +1089,7 @@
           <a:p>
             <a:fld id="{9933A24F-1A97-48E4-8DAB-46DD861E305E}" type="datetimeFigureOut">
               <a:rPr lang="en-US" smtClean="0"/>
-              <a:t>8/30/2016</a:t>
+              <a:t>9/6/2016</a:t>
             </a:fld>
             <a:endParaRPr lang="en-US"/>
           </a:p>
@@ -1138,7 +1257,7 @@
           <a:p>
             <a:fld id="{9933A24F-1A97-48E4-8DAB-46DD861E305E}" type="datetimeFigureOut">
               <a:rPr lang="en-US" smtClean="0"/>
-              <a:t>8/30/2016</a:t>
+              <a:t>9/6/2016</a:t>
             </a:fld>
             <a:endParaRPr lang="en-US"/>
           </a:p>
@@ -1316,7 +1435,7 @@
           <a:p>
             <a:fld id="{9933A24F-1A97-48E4-8DAB-46DD861E305E}" type="datetimeFigureOut">
               <a:rPr lang="en-US" smtClean="0"/>
-              <a:t>8/30/2016</a:t>
+              <a:t>9/6/2016</a:t>
             </a:fld>
             <a:endParaRPr lang="en-US"/>
           </a:p>
@@ -1577,7 +1696,7 @@
           <a:p>
             <a:fld id="{9933A24F-1A97-48E4-8DAB-46DD861E305E}" type="datetimeFigureOut">
               <a:rPr lang="en-US" smtClean="0"/>
-              <a:t>8/30/2016</a:t>
+              <a:t>9/6/2016</a:t>
             </a:fld>
             <a:endParaRPr lang="en-US"/>
           </a:p>
@@ -1822,7 +1941,7 @@
           <a:p>
             <a:fld id="{9933A24F-1A97-48E4-8DAB-46DD861E305E}" type="datetimeFigureOut">
               <a:rPr lang="en-US" smtClean="0"/>
-              <a:t>8/30/2016</a:t>
+              <a:t>9/6/2016</a:t>
             </a:fld>
             <a:endParaRPr lang="en-US"/>
           </a:p>
@@ -2107,7 +2226,7 @@
           <a:p>
             <a:fld id="{9933A24F-1A97-48E4-8DAB-46DD861E305E}" type="datetimeFigureOut">
               <a:rPr lang="en-US" smtClean="0"/>
-              <a:t>8/30/2016</a:t>
+              <a:t>9/6/2016</a:t>
             </a:fld>
             <a:endParaRPr lang="en-US"/>
           </a:p>
@@ -2526,7 +2645,7 @@
           <a:p>
             <a:fld id="{9933A24F-1A97-48E4-8DAB-46DD861E305E}" type="datetimeFigureOut">
               <a:rPr lang="en-US" smtClean="0"/>
-              <a:t>8/30/2016</a:t>
+              <a:t>9/6/2016</a:t>
             </a:fld>
             <a:endParaRPr lang="en-US"/>
           </a:p>
@@ -2643,7 +2762,7 @@
           <a:p>
             <a:fld id="{9933A24F-1A97-48E4-8DAB-46DD861E305E}" type="datetimeFigureOut">
               <a:rPr lang="en-US" smtClean="0"/>
-              <a:t>8/30/2016</a:t>
+              <a:t>9/6/2016</a:t>
             </a:fld>
             <a:endParaRPr lang="en-US"/>
           </a:p>
@@ -2738,7 +2857,7 @@
           <a:p>
             <a:fld id="{9933A24F-1A97-48E4-8DAB-46DD861E305E}" type="datetimeFigureOut">
               <a:rPr lang="en-US" smtClean="0"/>
-              <a:t>8/30/2016</a:t>
+              <a:t>9/6/2016</a:t>
             </a:fld>
             <a:endParaRPr lang="en-US"/>
           </a:p>
@@ -3013,7 +3132,7 @@
           <a:p>
             <a:fld id="{9933A24F-1A97-48E4-8DAB-46DD861E305E}" type="datetimeFigureOut">
               <a:rPr lang="en-US" smtClean="0"/>
-              <a:t>8/30/2016</a:t>
+              <a:t>9/6/2016</a:t>
             </a:fld>
             <a:endParaRPr lang="en-US"/>
           </a:p>
@@ -3265,7 +3384,7 @@
           <a:p>
             <a:fld id="{9933A24F-1A97-48E4-8DAB-46DD861E305E}" type="datetimeFigureOut">
               <a:rPr lang="en-US" smtClean="0"/>
-              <a:t>8/30/2016</a:t>
+              <a:t>9/6/2016</a:t>
             </a:fld>
             <a:endParaRPr lang="en-US"/>
           </a:p>
@@ -3476,7 +3595,7 @@
           <a:p>
             <a:fld id="{9933A24F-1A97-48E4-8DAB-46DD861E305E}" type="datetimeFigureOut">
               <a:rPr lang="en-US" smtClean="0"/>
-              <a:t>8/30/2016</a:t>
+              <a:t>9/6/2016</a:t>
             </a:fld>
             <a:endParaRPr lang="en-US"/>
           </a:p>
@@ -7301,6 +7420,14 @@
               </a:rPr>
               <a:t>Aptplot</a:t>
             </a:r>
+            <a:r>
+              <a:rPr lang="en-US" dirty="0">
+                <a:solidFill>
+                  <a:schemeClr val="tx1"/>
+                </a:solidFill>
+              </a:rPr>
+              <a:t/>
+            </a:r>
             <a:br>
               <a:rPr lang="en-US" dirty="0">
                 <a:solidFill>
@@ -7551,6 +7678,16 @@
               </a:rPr>
               <a:t>prepro</a:t>
             </a:r>
+            <a:r>
+              <a:rPr lang="en-US" dirty="0">
+                <a:solidFill>
+                  <a:schemeClr val="tx1"/>
+                </a:solidFill>
+                <a:latin typeface="Consolas" panose="020B0609020204030204" pitchFamily="49" charset="0"/>
+                <a:cs typeface="Consolas" panose="020B0609020204030204" pitchFamily="49" charset="0"/>
+              </a:rPr>
+              <a:t/>
+            </a:r>
             <a:br>
               <a:rPr lang="en-US" dirty="0">
                 <a:solidFill>
@@ -7623,6 +7760,15 @@
                 <a:cs typeface="Consolas" panose="020B0609020204030204" pitchFamily="49" charset="0"/>
               </a:rPr>
               <a:t>exec</a:t>
+            </a:r>
+            <a:r>
+              <a:rPr lang="en-US" b="1" dirty="0">
+                <a:solidFill>
+                  <a:schemeClr val="tx1"/>
+                </a:solidFill>
+                <a:latin typeface="Calibri Light" panose="020F0302020204030204" pitchFamily="34" charset="0"/>
+              </a:rPr>
+              <a:t/>
             </a:r>
             <a:br>
               <a:rPr lang="en-US" b="1" dirty="0">
@@ -7890,6 +8036,15 @@
                 <a:cs typeface="Consolas" panose="020B0609020204030204" pitchFamily="49" charset="0"/>
               </a:rPr>
               <a:t>postpro</a:t>
+            </a:r>
+            <a:r>
+              <a:rPr lang="en-US" b="1" dirty="0">
+                <a:solidFill>
+                  <a:schemeClr val="tx1"/>
+                </a:solidFill>
+                <a:latin typeface="Calibri Light" panose="020F0302020204030204" pitchFamily="34" charset="0"/>
+              </a:rPr>
+              <a:t/>
             </a:r>
             <a:br>
               <a:rPr lang="en-US" b="1" dirty="0">
@@ -12077,6 +12232,17 @@
                 </a:rPr>
                 <a:t>Linear Model-Based Method </a:t>
               </a:r>
+              <a:r>
+                <a:rPr lang="en-US" altLang="ko-KR" sz="1000" dirty="0">
+                  <a:solidFill>
+                    <a:srgbClr val="003B6E"/>
+                  </a:solidFill>
+                  <a:latin typeface="+mn-lt"/>
+                  <a:ea typeface="Gulim" pitchFamily="34" charset="-127"/>
+                  <a:cs typeface="Arial Unicode MS" pitchFamily="34" charset="-128"/>
+                </a:rPr>
+                <a:t/>
+              </a:r>
               <a:br>
                 <a:rPr lang="en-US" altLang="ko-KR" sz="1000" dirty="0">
                   <a:solidFill>
@@ -14634,6 +14800,6807 @@
 </file>
 
 <file path=ppt/slides/slide3.xml><?xml version="1.0" encoding="utf-8"?>
+<p:sld xmlns:a="http://schemas.openxmlformats.org/drawingml/2006/main" xmlns:r="http://schemas.openxmlformats.org/officeDocument/2006/relationships" xmlns:p="http://schemas.openxmlformats.org/presentationml/2006/main">
+  <p:cSld>
+    <p:spTree>
+      <p:nvGrpSpPr>
+        <p:cNvPr id="1" name=""/>
+        <p:cNvGrpSpPr/>
+        <p:nvPr/>
+      </p:nvGrpSpPr>
+      <p:grpSpPr>
+        <a:xfrm>
+          <a:off x="0" y="0"/>
+          <a:ext cx="0" cy="0"/>
+          <a:chOff x="0" y="0"/>
+          <a:chExt cx="0" cy="0"/>
+        </a:xfrm>
+      </p:grpSpPr>
+      <p:sp>
+        <p:nvSpPr>
+          <p:cNvPr id="80" name="Bent Arrow 79"/>
+          <p:cNvSpPr/>
+          <p:nvPr/>
+        </p:nvSpPr>
+        <p:spPr>
+          <a:xfrm flipV="1">
+            <a:off x="1572901" y="3933055"/>
+            <a:ext cx="1407041" cy="995087"/>
+          </a:xfrm>
+          <a:prstGeom prst="bentArrow">
+            <a:avLst>
+              <a:gd name="adj1" fmla="val 25000"/>
+              <a:gd name="adj2" fmla="val 24425"/>
+              <a:gd name="adj3" fmla="val 25000"/>
+              <a:gd name="adj4" fmla="val 43750"/>
+            </a:avLst>
+          </a:prstGeom>
+          <a:solidFill>
+            <a:srgbClr val="C00000"/>
+          </a:solidFill>
+          <a:ln>
+            <a:solidFill>
+              <a:schemeClr val="bg1"/>
+            </a:solidFill>
+          </a:ln>
+        </p:spPr>
+        <p:style>
+          <a:lnRef idx="2">
+            <a:schemeClr val="accent1">
+              <a:shade val="50000"/>
+            </a:schemeClr>
+          </a:lnRef>
+          <a:fillRef idx="1">
+            <a:schemeClr val="accent1"/>
+          </a:fillRef>
+          <a:effectRef idx="0">
+            <a:schemeClr val="accent1"/>
+          </a:effectRef>
+          <a:fontRef idx="minor">
+            <a:schemeClr val="lt1"/>
+          </a:fontRef>
+        </p:style>
+        <p:txBody>
+          <a:bodyPr rtlCol="0" anchor="ctr"/>
+          <a:lstStyle/>
+          <a:p>
+            <a:pPr algn="ctr"/>
+            <a:endParaRPr lang="en-US">
+              <a:solidFill>
+                <a:schemeClr val="tx1"/>
+              </a:solidFill>
+            </a:endParaRPr>
+          </a:p>
+        </p:txBody>
+      </p:sp>
+      <p:sp>
+        <p:nvSpPr>
+          <p:cNvPr id="4" name="Rectangle 3"/>
+          <p:cNvSpPr/>
+          <p:nvPr/>
+        </p:nvSpPr>
+        <p:spPr>
+          <a:xfrm>
+            <a:off x="3603008" y="560888"/>
+            <a:ext cx="1276772" cy="707886"/>
+          </a:xfrm>
+          <a:prstGeom prst="rect">
+            <a:avLst/>
+          </a:prstGeom>
+        </p:spPr>
+        <p:txBody>
+          <a:bodyPr wrap="square">
+            <a:spAutoFit/>
+          </a:bodyPr>
+          <a:lstStyle/>
+          <a:p>
+            <a:pPr algn="ctr"/>
+            <a:r>
+              <a:rPr lang="en-US" sz="2000" b="1" dirty="0">
+                <a:solidFill>
+                  <a:schemeClr val="bg1"/>
+                </a:solidFill>
+                <a:latin typeface="+mn-lt"/>
+              </a:rPr>
+              <a:t>TRACE </a:t>
+            </a:r>
+            <a:br>
+              <a:rPr lang="en-US" sz="2000" b="1" dirty="0">
+                <a:solidFill>
+                  <a:schemeClr val="bg1"/>
+                </a:solidFill>
+                <a:latin typeface="+mn-lt"/>
+              </a:rPr>
+            </a:br>
+            <a:r>
+              <a:rPr lang="en-US" sz="2000" b="1" dirty="0">
+                <a:solidFill>
+                  <a:schemeClr val="bg1"/>
+                </a:solidFill>
+                <a:latin typeface="+mn-lt"/>
+              </a:rPr>
+              <a:t>Launcher</a:t>
+            </a:r>
+          </a:p>
+        </p:txBody>
+      </p:sp>
+      <p:grpSp>
+        <p:nvGrpSpPr>
+          <p:cNvPr id="29" name="Group 28"/>
+          <p:cNvGrpSpPr/>
+          <p:nvPr/>
+        </p:nvGrpSpPr>
+        <p:grpSpPr>
+          <a:xfrm>
+            <a:off x="3059832" y="562409"/>
+            <a:ext cx="3312368" cy="1498439"/>
+            <a:chOff x="4690610" y="2744313"/>
+            <a:chExt cx="2736305" cy="1329294"/>
+          </a:xfrm>
+        </p:grpSpPr>
+        <p:sp>
+          <p:nvSpPr>
+            <p:cNvPr id="30" name="Text Box 11"/>
+            <p:cNvSpPr txBox="1">
+              <a:spLocks noChangeArrowheads="1"/>
+            </p:cNvSpPr>
+            <p:nvPr/>
+          </p:nvSpPr>
+          <p:spPr bwMode="auto">
+            <a:xfrm>
+              <a:off x="4690610" y="2744313"/>
+              <a:ext cx="2736305" cy="1329294"/>
+            </a:xfrm>
+            <a:prstGeom prst="rect">
+              <a:avLst/>
+            </a:prstGeom>
+            <a:solidFill>
+              <a:srgbClr val="FFFFFF"/>
+            </a:solidFill>
+            <a:ln w="6350">
+              <a:solidFill>
+                <a:srgbClr val="C50006"/>
+              </a:solidFill>
+              <a:miter lim="800000"/>
+              <a:headEnd/>
+              <a:tailEnd/>
+            </a:ln>
+          </p:spPr>
+          <p:txBody>
+            <a:bodyPr lIns="90000" tIns="46800" rIns="90000" bIns="46800"/>
+            <a:lstStyle>
+              <a:lvl1pPr defTabSz="457200">
+                <a:buChar char="•"/>
+                <a:tabLst>
+                  <a:tab pos="0" algn="l"/>
+                  <a:tab pos="457200" algn="l"/>
+                  <a:tab pos="914400" algn="l"/>
+                  <a:tab pos="1371600" algn="l"/>
+                  <a:tab pos="1828800" algn="l"/>
+                  <a:tab pos="2286000" algn="l"/>
+                  <a:tab pos="2743200" algn="l"/>
+                  <a:tab pos="3200400" algn="l"/>
+                  <a:tab pos="3657600" algn="l"/>
+                  <a:tab pos="4114800" algn="l"/>
+                  <a:tab pos="4572000" algn="l"/>
+                  <a:tab pos="5029200" algn="l"/>
+                  <a:tab pos="5486400" algn="l"/>
+                  <a:tab pos="5943600" algn="l"/>
+                  <a:tab pos="6400800" algn="l"/>
+                  <a:tab pos="6858000" algn="l"/>
+                  <a:tab pos="7315200" algn="l"/>
+                  <a:tab pos="7772400" algn="l"/>
+                  <a:tab pos="8229600" algn="l"/>
+                  <a:tab pos="8686800" algn="l"/>
+                  <a:tab pos="9144000" algn="l"/>
+                </a:tabLst>
+                <a:defRPr sz="2400">
+                  <a:solidFill>
+                    <a:schemeClr val="tx1"/>
+                  </a:solidFill>
+                  <a:latin typeface="Arial Narrow" pitchFamily="34" charset="0"/>
+                  <a:ea typeface="ヒラギノ角ゴ Pro W3" charset="-128"/>
+                </a:defRPr>
+              </a:lvl1pPr>
+              <a:lvl2pPr marL="742950" indent="-285750" defTabSz="457200">
+                <a:buClr>
+                  <a:schemeClr val="tx1"/>
+                </a:buClr>
+                <a:buSzPct val="120000"/>
+                <a:buChar char="•"/>
+                <a:tabLst>
+                  <a:tab pos="0" algn="l"/>
+                  <a:tab pos="457200" algn="l"/>
+                  <a:tab pos="914400" algn="l"/>
+                  <a:tab pos="1371600" algn="l"/>
+                  <a:tab pos="1828800" algn="l"/>
+                  <a:tab pos="2286000" algn="l"/>
+                  <a:tab pos="2743200" algn="l"/>
+                  <a:tab pos="3200400" algn="l"/>
+                  <a:tab pos="3657600" algn="l"/>
+                  <a:tab pos="4114800" algn="l"/>
+                  <a:tab pos="4572000" algn="l"/>
+                  <a:tab pos="5029200" algn="l"/>
+                  <a:tab pos="5486400" algn="l"/>
+                  <a:tab pos="5943600" algn="l"/>
+                  <a:tab pos="6400800" algn="l"/>
+                  <a:tab pos="6858000" algn="l"/>
+                  <a:tab pos="7315200" algn="l"/>
+                  <a:tab pos="7772400" algn="l"/>
+                  <a:tab pos="8229600" algn="l"/>
+                  <a:tab pos="8686800" algn="l"/>
+                  <a:tab pos="9144000" algn="l"/>
+                </a:tabLst>
+                <a:defRPr sz="2400">
+                  <a:solidFill>
+                    <a:schemeClr val="tx1"/>
+                  </a:solidFill>
+                  <a:latin typeface="Arial Narrow" pitchFamily="34" charset="0"/>
+                  <a:ea typeface="ヒラギノ角ゴ Pro W3" charset="-128"/>
+                </a:defRPr>
+              </a:lvl2pPr>
+              <a:lvl3pPr marL="1143000" indent="-228600" defTabSz="457200">
+                <a:buFont typeface="Times" pitchFamily="18" charset="0"/>
+                <a:buChar char="–"/>
+                <a:tabLst>
+                  <a:tab pos="0" algn="l"/>
+                  <a:tab pos="457200" algn="l"/>
+                  <a:tab pos="914400" algn="l"/>
+                  <a:tab pos="1371600" algn="l"/>
+                  <a:tab pos="1828800" algn="l"/>
+                  <a:tab pos="2286000" algn="l"/>
+                  <a:tab pos="2743200" algn="l"/>
+                  <a:tab pos="3200400" algn="l"/>
+                  <a:tab pos="3657600" algn="l"/>
+                  <a:tab pos="4114800" algn="l"/>
+                  <a:tab pos="4572000" algn="l"/>
+                  <a:tab pos="5029200" algn="l"/>
+                  <a:tab pos="5486400" algn="l"/>
+                  <a:tab pos="5943600" algn="l"/>
+                  <a:tab pos="6400800" algn="l"/>
+                  <a:tab pos="6858000" algn="l"/>
+                  <a:tab pos="7315200" algn="l"/>
+                  <a:tab pos="7772400" algn="l"/>
+                  <a:tab pos="8229600" algn="l"/>
+                  <a:tab pos="8686800" algn="l"/>
+                  <a:tab pos="9144000" algn="l"/>
+                </a:tabLst>
+                <a:defRPr sz="1700">
+                  <a:solidFill>
+                    <a:schemeClr val="tx1"/>
+                  </a:solidFill>
+                  <a:latin typeface="Arial Narrow" pitchFamily="34" charset="0"/>
+                  <a:ea typeface="MS PGothic" pitchFamily="34" charset="-128"/>
+                </a:defRPr>
+              </a:lvl3pPr>
+              <a:lvl4pPr marL="1600200" indent="-228600" defTabSz="457200">
+                <a:buFont typeface="Lucida Grande" charset="0"/>
+                <a:buChar char="–"/>
+                <a:tabLst>
+                  <a:tab pos="0" algn="l"/>
+                  <a:tab pos="457200" algn="l"/>
+                  <a:tab pos="914400" algn="l"/>
+                  <a:tab pos="1371600" algn="l"/>
+                  <a:tab pos="1828800" algn="l"/>
+                  <a:tab pos="2286000" algn="l"/>
+                  <a:tab pos="2743200" algn="l"/>
+                  <a:tab pos="3200400" algn="l"/>
+                  <a:tab pos="3657600" algn="l"/>
+                  <a:tab pos="4114800" algn="l"/>
+                  <a:tab pos="4572000" algn="l"/>
+                  <a:tab pos="5029200" algn="l"/>
+                  <a:tab pos="5486400" algn="l"/>
+                  <a:tab pos="5943600" algn="l"/>
+                  <a:tab pos="6400800" algn="l"/>
+                  <a:tab pos="6858000" algn="l"/>
+                  <a:tab pos="7315200" algn="l"/>
+                  <a:tab pos="7772400" algn="l"/>
+                  <a:tab pos="8229600" algn="l"/>
+                  <a:tab pos="8686800" algn="l"/>
+                  <a:tab pos="9144000" algn="l"/>
+                </a:tabLst>
+                <a:defRPr sz="2400">
+                  <a:solidFill>
+                    <a:schemeClr val="tx1"/>
+                  </a:solidFill>
+                  <a:latin typeface="Arial Narrow" pitchFamily="34" charset="0"/>
+                  <a:ea typeface="MS PGothic" pitchFamily="34" charset="-128"/>
+                </a:defRPr>
+              </a:lvl4pPr>
+              <a:lvl5pPr marL="2057400" indent="-228600" defTabSz="457200">
+                <a:buFont typeface="Lucida Grande" charset="0"/>
+                <a:buChar char="–"/>
+                <a:tabLst>
+                  <a:tab pos="0" algn="l"/>
+                  <a:tab pos="457200" algn="l"/>
+                  <a:tab pos="914400" algn="l"/>
+                  <a:tab pos="1371600" algn="l"/>
+                  <a:tab pos="1828800" algn="l"/>
+                  <a:tab pos="2286000" algn="l"/>
+                  <a:tab pos="2743200" algn="l"/>
+                  <a:tab pos="3200400" algn="l"/>
+                  <a:tab pos="3657600" algn="l"/>
+                  <a:tab pos="4114800" algn="l"/>
+                  <a:tab pos="4572000" algn="l"/>
+                  <a:tab pos="5029200" algn="l"/>
+                  <a:tab pos="5486400" algn="l"/>
+                  <a:tab pos="5943600" algn="l"/>
+                  <a:tab pos="6400800" algn="l"/>
+                  <a:tab pos="6858000" algn="l"/>
+                  <a:tab pos="7315200" algn="l"/>
+                  <a:tab pos="7772400" algn="l"/>
+                  <a:tab pos="8229600" algn="l"/>
+                  <a:tab pos="8686800" algn="l"/>
+                  <a:tab pos="9144000" algn="l"/>
+                </a:tabLst>
+                <a:defRPr sz="2400">
+                  <a:solidFill>
+                    <a:schemeClr val="tx1"/>
+                  </a:solidFill>
+                  <a:latin typeface="Arial Narrow" pitchFamily="34" charset="0"/>
+                  <a:ea typeface="ヒラギノ角ゴ Pro W3" charset="-128"/>
+                </a:defRPr>
+              </a:lvl5pPr>
+              <a:lvl6pPr marL="2514600" indent="-228600" defTabSz="457200" eaLnBrk="0" fontAlgn="base" hangingPunct="0">
+                <a:lnSpc>
+                  <a:spcPct val="110000"/>
+                </a:lnSpc>
+                <a:spcBef>
+                  <a:spcPct val="0"/>
+                </a:spcBef>
+                <a:spcAft>
+                  <a:spcPct val="0"/>
+                </a:spcAft>
+                <a:buFont typeface="Lucida Grande" charset="0"/>
+                <a:buChar char="–"/>
+                <a:tabLst>
+                  <a:tab pos="0" algn="l"/>
+                  <a:tab pos="457200" algn="l"/>
+                  <a:tab pos="914400" algn="l"/>
+                  <a:tab pos="1371600" algn="l"/>
+                  <a:tab pos="1828800" algn="l"/>
+                  <a:tab pos="2286000" algn="l"/>
+                  <a:tab pos="2743200" algn="l"/>
+                  <a:tab pos="3200400" algn="l"/>
+                  <a:tab pos="3657600" algn="l"/>
+                  <a:tab pos="4114800" algn="l"/>
+                  <a:tab pos="4572000" algn="l"/>
+                  <a:tab pos="5029200" algn="l"/>
+                  <a:tab pos="5486400" algn="l"/>
+                  <a:tab pos="5943600" algn="l"/>
+                  <a:tab pos="6400800" algn="l"/>
+                  <a:tab pos="6858000" algn="l"/>
+                  <a:tab pos="7315200" algn="l"/>
+                  <a:tab pos="7772400" algn="l"/>
+                  <a:tab pos="8229600" algn="l"/>
+                  <a:tab pos="8686800" algn="l"/>
+                  <a:tab pos="9144000" algn="l"/>
+                </a:tabLst>
+                <a:defRPr sz="2400">
+                  <a:solidFill>
+                    <a:schemeClr val="tx1"/>
+                  </a:solidFill>
+                  <a:latin typeface="Arial Narrow" pitchFamily="34" charset="0"/>
+                  <a:ea typeface="ヒラギノ角ゴ Pro W3" charset="-128"/>
+                </a:defRPr>
+              </a:lvl6pPr>
+              <a:lvl7pPr marL="2971800" indent="-228600" defTabSz="457200" eaLnBrk="0" fontAlgn="base" hangingPunct="0">
+                <a:lnSpc>
+                  <a:spcPct val="110000"/>
+                </a:lnSpc>
+                <a:spcBef>
+                  <a:spcPct val="0"/>
+                </a:spcBef>
+                <a:spcAft>
+                  <a:spcPct val="0"/>
+                </a:spcAft>
+                <a:buFont typeface="Lucida Grande" charset="0"/>
+                <a:buChar char="–"/>
+                <a:tabLst>
+                  <a:tab pos="0" algn="l"/>
+                  <a:tab pos="457200" algn="l"/>
+                  <a:tab pos="914400" algn="l"/>
+                  <a:tab pos="1371600" algn="l"/>
+                  <a:tab pos="1828800" algn="l"/>
+                  <a:tab pos="2286000" algn="l"/>
+                  <a:tab pos="2743200" algn="l"/>
+                  <a:tab pos="3200400" algn="l"/>
+                  <a:tab pos="3657600" algn="l"/>
+                  <a:tab pos="4114800" algn="l"/>
+                  <a:tab pos="4572000" algn="l"/>
+                  <a:tab pos="5029200" algn="l"/>
+                  <a:tab pos="5486400" algn="l"/>
+                  <a:tab pos="5943600" algn="l"/>
+                  <a:tab pos="6400800" algn="l"/>
+                  <a:tab pos="6858000" algn="l"/>
+                  <a:tab pos="7315200" algn="l"/>
+                  <a:tab pos="7772400" algn="l"/>
+                  <a:tab pos="8229600" algn="l"/>
+                  <a:tab pos="8686800" algn="l"/>
+                  <a:tab pos="9144000" algn="l"/>
+                </a:tabLst>
+                <a:defRPr sz="2400">
+                  <a:solidFill>
+                    <a:schemeClr val="tx1"/>
+                  </a:solidFill>
+                  <a:latin typeface="Arial Narrow" pitchFamily="34" charset="0"/>
+                  <a:ea typeface="ヒラギノ角ゴ Pro W3" charset="-128"/>
+                </a:defRPr>
+              </a:lvl7pPr>
+              <a:lvl8pPr marL="3429000" indent="-228600" defTabSz="457200" eaLnBrk="0" fontAlgn="base" hangingPunct="0">
+                <a:lnSpc>
+                  <a:spcPct val="110000"/>
+                </a:lnSpc>
+                <a:spcBef>
+                  <a:spcPct val="0"/>
+                </a:spcBef>
+                <a:spcAft>
+                  <a:spcPct val="0"/>
+                </a:spcAft>
+                <a:buFont typeface="Lucida Grande" charset="0"/>
+                <a:buChar char="–"/>
+                <a:tabLst>
+                  <a:tab pos="0" algn="l"/>
+                  <a:tab pos="457200" algn="l"/>
+                  <a:tab pos="914400" algn="l"/>
+                  <a:tab pos="1371600" algn="l"/>
+                  <a:tab pos="1828800" algn="l"/>
+                  <a:tab pos="2286000" algn="l"/>
+                  <a:tab pos="2743200" algn="l"/>
+                  <a:tab pos="3200400" algn="l"/>
+                  <a:tab pos="3657600" algn="l"/>
+                  <a:tab pos="4114800" algn="l"/>
+                  <a:tab pos="4572000" algn="l"/>
+                  <a:tab pos="5029200" algn="l"/>
+                  <a:tab pos="5486400" algn="l"/>
+                  <a:tab pos="5943600" algn="l"/>
+                  <a:tab pos="6400800" algn="l"/>
+                  <a:tab pos="6858000" algn="l"/>
+                  <a:tab pos="7315200" algn="l"/>
+                  <a:tab pos="7772400" algn="l"/>
+                  <a:tab pos="8229600" algn="l"/>
+                  <a:tab pos="8686800" algn="l"/>
+                  <a:tab pos="9144000" algn="l"/>
+                </a:tabLst>
+                <a:defRPr sz="2400">
+                  <a:solidFill>
+                    <a:schemeClr val="tx1"/>
+                  </a:solidFill>
+                  <a:latin typeface="Arial Narrow" pitchFamily="34" charset="0"/>
+                  <a:ea typeface="ヒラギノ角ゴ Pro W3" charset="-128"/>
+                </a:defRPr>
+              </a:lvl8pPr>
+              <a:lvl9pPr marL="3886200" indent="-228600" defTabSz="457200" eaLnBrk="0" fontAlgn="base" hangingPunct="0">
+                <a:lnSpc>
+                  <a:spcPct val="110000"/>
+                </a:lnSpc>
+                <a:spcBef>
+                  <a:spcPct val="0"/>
+                </a:spcBef>
+                <a:spcAft>
+                  <a:spcPct val="0"/>
+                </a:spcAft>
+                <a:buFont typeface="Lucida Grande" charset="0"/>
+                <a:buChar char="–"/>
+                <a:tabLst>
+                  <a:tab pos="0" algn="l"/>
+                  <a:tab pos="457200" algn="l"/>
+                  <a:tab pos="914400" algn="l"/>
+                  <a:tab pos="1371600" algn="l"/>
+                  <a:tab pos="1828800" algn="l"/>
+                  <a:tab pos="2286000" algn="l"/>
+                  <a:tab pos="2743200" algn="l"/>
+                  <a:tab pos="3200400" algn="l"/>
+                  <a:tab pos="3657600" algn="l"/>
+                  <a:tab pos="4114800" algn="l"/>
+                  <a:tab pos="4572000" algn="l"/>
+                  <a:tab pos="5029200" algn="l"/>
+                  <a:tab pos="5486400" algn="l"/>
+                  <a:tab pos="5943600" algn="l"/>
+                  <a:tab pos="6400800" algn="l"/>
+                  <a:tab pos="6858000" algn="l"/>
+                  <a:tab pos="7315200" algn="l"/>
+                  <a:tab pos="7772400" algn="l"/>
+                  <a:tab pos="8229600" algn="l"/>
+                  <a:tab pos="8686800" algn="l"/>
+                  <a:tab pos="9144000" algn="l"/>
+                </a:tabLst>
+                <a:defRPr sz="2400">
+                  <a:solidFill>
+                    <a:schemeClr val="tx1"/>
+                  </a:solidFill>
+                  <a:latin typeface="Arial Narrow" pitchFamily="34" charset="0"/>
+                  <a:ea typeface="ヒラギノ角ゴ Pro W3" charset="-128"/>
+                </a:defRPr>
+              </a:lvl9pPr>
+            </a:lstStyle>
+            <a:p>
+              <a:pPr eaLnBrk="1" hangingPunct="1">
+                <a:lnSpc>
+                  <a:spcPct val="100000"/>
+                </a:lnSpc>
+                <a:buClr>
+                  <a:srgbClr val="000000"/>
+                </a:buClr>
+                <a:buFont typeface="Times New Roman" pitchFamily="18" charset="0"/>
+                <a:buNone/>
+              </a:pPr>
+              <a:r>
+                <a:rPr lang="en-US" altLang="ko-KR" sz="1400">
+                  <a:solidFill>
+                    <a:srgbClr val="C50006"/>
+                  </a:solidFill>
+                  <a:latin typeface="Courier New" panose="02070309020205020404" pitchFamily="49" charset="0"/>
+                  <a:ea typeface="Gulim" pitchFamily="34" charset="-127"/>
+                  <a:cs typeface="Courier New" panose="02070309020205020404" pitchFamily="49" charset="0"/>
+                </a:rPr>
+                <a:t>samples</a:t>
+              </a:r>
+              <a:r>
+                <a:rPr lang="en-US" altLang="ko-KR" sz="1400">
+                  <a:solidFill>
+                    <a:srgbClr val="C50006"/>
+                  </a:solidFill>
+                  <a:latin typeface="+mn-lt"/>
+                  <a:ea typeface="Gulim" pitchFamily="34" charset="-127"/>
+                  <a:cs typeface="Arial Unicode MS" pitchFamily="34" charset="-128"/>
+                </a:rPr>
+                <a:t> </a:t>
+              </a:r>
+              <a:r>
+                <a:rPr lang="en-US" altLang="ko-KR" sz="1400" dirty="0">
+                  <a:solidFill>
+                    <a:srgbClr val="C50006"/>
+                  </a:solidFill>
+                  <a:latin typeface="+mn-lt"/>
+                  <a:ea typeface="Gulim" pitchFamily="34" charset="-127"/>
+                  <a:cs typeface="Arial Unicode MS" pitchFamily="34" charset="-128"/>
+                </a:rPr>
+                <a:t>Module</a:t>
+              </a:r>
+            </a:p>
+          </p:txBody>
+        </p:sp>
+        <p:sp>
+          <p:nvSpPr>
+            <p:cNvPr id="31" name="Text Box 12"/>
+            <p:cNvSpPr txBox="1">
+              <a:spLocks noChangeArrowheads="1"/>
+            </p:cNvSpPr>
+            <p:nvPr/>
+          </p:nvSpPr>
+          <p:spPr bwMode="auto">
+            <a:xfrm>
+              <a:off x="4762618" y="3063711"/>
+              <a:ext cx="2604610" cy="969272"/>
+            </a:xfrm>
+            <a:prstGeom prst="rect">
+              <a:avLst/>
+            </a:prstGeom>
+            <a:solidFill>
+              <a:srgbClr val="FFF5D6"/>
+            </a:solidFill>
+            <a:ln w="9360">
+              <a:noFill/>
+              <a:miter lim="800000"/>
+              <a:headEnd/>
+              <a:tailEnd/>
+            </a:ln>
+          </p:spPr>
+          <p:txBody>
+            <a:bodyPr wrap="square" lIns="90000" tIns="46800" rIns="90000" bIns="46800" anchor="ctr">
+              <a:noAutofit/>
+            </a:bodyPr>
+            <a:lstStyle>
+              <a:lvl1pPr defTabSz="457200">
+                <a:buChar char="•"/>
+                <a:tabLst>
+                  <a:tab pos="0" algn="l"/>
+                  <a:tab pos="457200" algn="l"/>
+                  <a:tab pos="914400" algn="l"/>
+                  <a:tab pos="1371600" algn="l"/>
+                  <a:tab pos="1828800" algn="l"/>
+                  <a:tab pos="2286000" algn="l"/>
+                  <a:tab pos="2743200" algn="l"/>
+                  <a:tab pos="3200400" algn="l"/>
+                  <a:tab pos="3657600" algn="l"/>
+                  <a:tab pos="4114800" algn="l"/>
+                  <a:tab pos="4572000" algn="l"/>
+                  <a:tab pos="5029200" algn="l"/>
+                  <a:tab pos="5486400" algn="l"/>
+                  <a:tab pos="5943600" algn="l"/>
+                  <a:tab pos="6400800" algn="l"/>
+                  <a:tab pos="6858000" algn="l"/>
+                  <a:tab pos="7315200" algn="l"/>
+                  <a:tab pos="7772400" algn="l"/>
+                  <a:tab pos="8229600" algn="l"/>
+                  <a:tab pos="8686800" algn="l"/>
+                  <a:tab pos="9144000" algn="l"/>
+                </a:tabLst>
+                <a:defRPr sz="2400">
+                  <a:solidFill>
+                    <a:schemeClr val="tx1"/>
+                  </a:solidFill>
+                  <a:latin typeface="Arial Narrow" pitchFamily="34" charset="0"/>
+                  <a:ea typeface="ヒラギノ角ゴ Pro W3" charset="-128"/>
+                </a:defRPr>
+              </a:lvl1pPr>
+              <a:lvl2pPr marL="742950" indent="-285750" defTabSz="457200">
+                <a:buClr>
+                  <a:schemeClr val="tx1"/>
+                </a:buClr>
+                <a:buSzPct val="120000"/>
+                <a:buChar char="•"/>
+                <a:tabLst>
+                  <a:tab pos="0" algn="l"/>
+                  <a:tab pos="457200" algn="l"/>
+                  <a:tab pos="914400" algn="l"/>
+                  <a:tab pos="1371600" algn="l"/>
+                  <a:tab pos="1828800" algn="l"/>
+                  <a:tab pos="2286000" algn="l"/>
+                  <a:tab pos="2743200" algn="l"/>
+                  <a:tab pos="3200400" algn="l"/>
+                  <a:tab pos="3657600" algn="l"/>
+                  <a:tab pos="4114800" algn="l"/>
+                  <a:tab pos="4572000" algn="l"/>
+                  <a:tab pos="5029200" algn="l"/>
+                  <a:tab pos="5486400" algn="l"/>
+                  <a:tab pos="5943600" algn="l"/>
+                  <a:tab pos="6400800" algn="l"/>
+                  <a:tab pos="6858000" algn="l"/>
+                  <a:tab pos="7315200" algn="l"/>
+                  <a:tab pos="7772400" algn="l"/>
+                  <a:tab pos="8229600" algn="l"/>
+                  <a:tab pos="8686800" algn="l"/>
+                  <a:tab pos="9144000" algn="l"/>
+                </a:tabLst>
+                <a:defRPr sz="2400">
+                  <a:solidFill>
+                    <a:schemeClr val="tx1"/>
+                  </a:solidFill>
+                  <a:latin typeface="Arial Narrow" pitchFamily="34" charset="0"/>
+                  <a:ea typeface="ヒラギノ角ゴ Pro W3" charset="-128"/>
+                </a:defRPr>
+              </a:lvl2pPr>
+              <a:lvl3pPr marL="1143000" indent="-228600" defTabSz="457200">
+                <a:buFont typeface="Times" pitchFamily="18" charset="0"/>
+                <a:buChar char="–"/>
+                <a:tabLst>
+                  <a:tab pos="0" algn="l"/>
+                  <a:tab pos="457200" algn="l"/>
+                  <a:tab pos="914400" algn="l"/>
+                  <a:tab pos="1371600" algn="l"/>
+                  <a:tab pos="1828800" algn="l"/>
+                  <a:tab pos="2286000" algn="l"/>
+                  <a:tab pos="2743200" algn="l"/>
+                  <a:tab pos="3200400" algn="l"/>
+                  <a:tab pos="3657600" algn="l"/>
+                  <a:tab pos="4114800" algn="l"/>
+                  <a:tab pos="4572000" algn="l"/>
+                  <a:tab pos="5029200" algn="l"/>
+                  <a:tab pos="5486400" algn="l"/>
+                  <a:tab pos="5943600" algn="l"/>
+                  <a:tab pos="6400800" algn="l"/>
+                  <a:tab pos="6858000" algn="l"/>
+                  <a:tab pos="7315200" algn="l"/>
+                  <a:tab pos="7772400" algn="l"/>
+                  <a:tab pos="8229600" algn="l"/>
+                  <a:tab pos="8686800" algn="l"/>
+                  <a:tab pos="9144000" algn="l"/>
+                </a:tabLst>
+                <a:defRPr sz="1700">
+                  <a:solidFill>
+                    <a:schemeClr val="tx1"/>
+                  </a:solidFill>
+                  <a:latin typeface="Arial Narrow" pitchFamily="34" charset="0"/>
+                  <a:ea typeface="MS PGothic" pitchFamily="34" charset="-128"/>
+                </a:defRPr>
+              </a:lvl3pPr>
+              <a:lvl4pPr marL="1600200" indent="-228600" defTabSz="457200">
+                <a:buFont typeface="Lucida Grande" charset="0"/>
+                <a:buChar char="–"/>
+                <a:tabLst>
+                  <a:tab pos="0" algn="l"/>
+                  <a:tab pos="457200" algn="l"/>
+                  <a:tab pos="914400" algn="l"/>
+                  <a:tab pos="1371600" algn="l"/>
+                  <a:tab pos="1828800" algn="l"/>
+                  <a:tab pos="2286000" algn="l"/>
+                  <a:tab pos="2743200" algn="l"/>
+                  <a:tab pos="3200400" algn="l"/>
+                  <a:tab pos="3657600" algn="l"/>
+                  <a:tab pos="4114800" algn="l"/>
+                  <a:tab pos="4572000" algn="l"/>
+                  <a:tab pos="5029200" algn="l"/>
+                  <a:tab pos="5486400" algn="l"/>
+                  <a:tab pos="5943600" algn="l"/>
+                  <a:tab pos="6400800" algn="l"/>
+                  <a:tab pos="6858000" algn="l"/>
+                  <a:tab pos="7315200" algn="l"/>
+                  <a:tab pos="7772400" algn="l"/>
+                  <a:tab pos="8229600" algn="l"/>
+                  <a:tab pos="8686800" algn="l"/>
+                  <a:tab pos="9144000" algn="l"/>
+                </a:tabLst>
+                <a:defRPr sz="2400">
+                  <a:solidFill>
+                    <a:schemeClr val="tx1"/>
+                  </a:solidFill>
+                  <a:latin typeface="Arial Narrow" pitchFamily="34" charset="0"/>
+                  <a:ea typeface="MS PGothic" pitchFamily="34" charset="-128"/>
+                </a:defRPr>
+              </a:lvl4pPr>
+              <a:lvl5pPr marL="2057400" indent="-228600" defTabSz="457200">
+                <a:buFont typeface="Lucida Grande" charset="0"/>
+                <a:buChar char="–"/>
+                <a:tabLst>
+                  <a:tab pos="0" algn="l"/>
+                  <a:tab pos="457200" algn="l"/>
+                  <a:tab pos="914400" algn="l"/>
+                  <a:tab pos="1371600" algn="l"/>
+                  <a:tab pos="1828800" algn="l"/>
+                  <a:tab pos="2286000" algn="l"/>
+                  <a:tab pos="2743200" algn="l"/>
+                  <a:tab pos="3200400" algn="l"/>
+                  <a:tab pos="3657600" algn="l"/>
+                  <a:tab pos="4114800" algn="l"/>
+                  <a:tab pos="4572000" algn="l"/>
+                  <a:tab pos="5029200" algn="l"/>
+                  <a:tab pos="5486400" algn="l"/>
+                  <a:tab pos="5943600" algn="l"/>
+                  <a:tab pos="6400800" algn="l"/>
+                  <a:tab pos="6858000" algn="l"/>
+                  <a:tab pos="7315200" algn="l"/>
+                  <a:tab pos="7772400" algn="l"/>
+                  <a:tab pos="8229600" algn="l"/>
+                  <a:tab pos="8686800" algn="l"/>
+                  <a:tab pos="9144000" algn="l"/>
+                </a:tabLst>
+                <a:defRPr sz="2400">
+                  <a:solidFill>
+                    <a:schemeClr val="tx1"/>
+                  </a:solidFill>
+                  <a:latin typeface="Arial Narrow" pitchFamily="34" charset="0"/>
+                  <a:ea typeface="ヒラギノ角ゴ Pro W3" charset="-128"/>
+                </a:defRPr>
+              </a:lvl5pPr>
+              <a:lvl6pPr marL="2514600" indent="-228600" defTabSz="457200" eaLnBrk="0" fontAlgn="base" hangingPunct="0">
+                <a:lnSpc>
+                  <a:spcPct val="110000"/>
+                </a:lnSpc>
+                <a:spcBef>
+                  <a:spcPct val="0"/>
+                </a:spcBef>
+                <a:spcAft>
+                  <a:spcPct val="0"/>
+                </a:spcAft>
+                <a:buFont typeface="Lucida Grande" charset="0"/>
+                <a:buChar char="–"/>
+                <a:tabLst>
+                  <a:tab pos="0" algn="l"/>
+                  <a:tab pos="457200" algn="l"/>
+                  <a:tab pos="914400" algn="l"/>
+                  <a:tab pos="1371600" algn="l"/>
+                  <a:tab pos="1828800" algn="l"/>
+                  <a:tab pos="2286000" algn="l"/>
+                  <a:tab pos="2743200" algn="l"/>
+                  <a:tab pos="3200400" algn="l"/>
+                  <a:tab pos="3657600" algn="l"/>
+                  <a:tab pos="4114800" algn="l"/>
+                  <a:tab pos="4572000" algn="l"/>
+                  <a:tab pos="5029200" algn="l"/>
+                  <a:tab pos="5486400" algn="l"/>
+                  <a:tab pos="5943600" algn="l"/>
+                  <a:tab pos="6400800" algn="l"/>
+                  <a:tab pos="6858000" algn="l"/>
+                  <a:tab pos="7315200" algn="l"/>
+                  <a:tab pos="7772400" algn="l"/>
+                  <a:tab pos="8229600" algn="l"/>
+                  <a:tab pos="8686800" algn="l"/>
+                  <a:tab pos="9144000" algn="l"/>
+                </a:tabLst>
+                <a:defRPr sz="2400">
+                  <a:solidFill>
+                    <a:schemeClr val="tx1"/>
+                  </a:solidFill>
+                  <a:latin typeface="Arial Narrow" pitchFamily="34" charset="0"/>
+                  <a:ea typeface="ヒラギノ角ゴ Pro W3" charset="-128"/>
+                </a:defRPr>
+              </a:lvl6pPr>
+              <a:lvl7pPr marL="2971800" indent="-228600" defTabSz="457200" eaLnBrk="0" fontAlgn="base" hangingPunct="0">
+                <a:lnSpc>
+                  <a:spcPct val="110000"/>
+                </a:lnSpc>
+                <a:spcBef>
+                  <a:spcPct val="0"/>
+                </a:spcBef>
+                <a:spcAft>
+                  <a:spcPct val="0"/>
+                </a:spcAft>
+                <a:buFont typeface="Lucida Grande" charset="0"/>
+                <a:buChar char="–"/>
+                <a:tabLst>
+                  <a:tab pos="0" algn="l"/>
+                  <a:tab pos="457200" algn="l"/>
+                  <a:tab pos="914400" algn="l"/>
+                  <a:tab pos="1371600" algn="l"/>
+                  <a:tab pos="1828800" algn="l"/>
+                  <a:tab pos="2286000" algn="l"/>
+                  <a:tab pos="2743200" algn="l"/>
+                  <a:tab pos="3200400" algn="l"/>
+                  <a:tab pos="3657600" algn="l"/>
+                  <a:tab pos="4114800" algn="l"/>
+                  <a:tab pos="4572000" algn="l"/>
+                  <a:tab pos="5029200" algn="l"/>
+                  <a:tab pos="5486400" algn="l"/>
+                  <a:tab pos="5943600" algn="l"/>
+                  <a:tab pos="6400800" algn="l"/>
+                  <a:tab pos="6858000" algn="l"/>
+                  <a:tab pos="7315200" algn="l"/>
+                  <a:tab pos="7772400" algn="l"/>
+                  <a:tab pos="8229600" algn="l"/>
+                  <a:tab pos="8686800" algn="l"/>
+                  <a:tab pos="9144000" algn="l"/>
+                </a:tabLst>
+                <a:defRPr sz="2400">
+                  <a:solidFill>
+                    <a:schemeClr val="tx1"/>
+                  </a:solidFill>
+                  <a:latin typeface="Arial Narrow" pitchFamily="34" charset="0"/>
+                  <a:ea typeface="ヒラギノ角ゴ Pro W3" charset="-128"/>
+                </a:defRPr>
+              </a:lvl7pPr>
+              <a:lvl8pPr marL="3429000" indent="-228600" defTabSz="457200" eaLnBrk="0" fontAlgn="base" hangingPunct="0">
+                <a:lnSpc>
+                  <a:spcPct val="110000"/>
+                </a:lnSpc>
+                <a:spcBef>
+                  <a:spcPct val="0"/>
+                </a:spcBef>
+                <a:spcAft>
+                  <a:spcPct val="0"/>
+                </a:spcAft>
+                <a:buFont typeface="Lucida Grande" charset="0"/>
+                <a:buChar char="–"/>
+                <a:tabLst>
+                  <a:tab pos="0" algn="l"/>
+                  <a:tab pos="457200" algn="l"/>
+                  <a:tab pos="914400" algn="l"/>
+                  <a:tab pos="1371600" algn="l"/>
+                  <a:tab pos="1828800" algn="l"/>
+                  <a:tab pos="2286000" algn="l"/>
+                  <a:tab pos="2743200" algn="l"/>
+                  <a:tab pos="3200400" algn="l"/>
+                  <a:tab pos="3657600" algn="l"/>
+                  <a:tab pos="4114800" algn="l"/>
+                  <a:tab pos="4572000" algn="l"/>
+                  <a:tab pos="5029200" algn="l"/>
+                  <a:tab pos="5486400" algn="l"/>
+                  <a:tab pos="5943600" algn="l"/>
+                  <a:tab pos="6400800" algn="l"/>
+                  <a:tab pos="6858000" algn="l"/>
+                  <a:tab pos="7315200" algn="l"/>
+                  <a:tab pos="7772400" algn="l"/>
+                  <a:tab pos="8229600" algn="l"/>
+                  <a:tab pos="8686800" algn="l"/>
+                  <a:tab pos="9144000" algn="l"/>
+                </a:tabLst>
+                <a:defRPr sz="2400">
+                  <a:solidFill>
+                    <a:schemeClr val="tx1"/>
+                  </a:solidFill>
+                  <a:latin typeface="Arial Narrow" pitchFamily="34" charset="0"/>
+                  <a:ea typeface="ヒラギノ角ゴ Pro W3" charset="-128"/>
+                </a:defRPr>
+              </a:lvl8pPr>
+              <a:lvl9pPr marL="3886200" indent="-228600" defTabSz="457200" eaLnBrk="0" fontAlgn="base" hangingPunct="0">
+                <a:lnSpc>
+                  <a:spcPct val="110000"/>
+                </a:lnSpc>
+                <a:spcBef>
+                  <a:spcPct val="0"/>
+                </a:spcBef>
+                <a:spcAft>
+                  <a:spcPct val="0"/>
+                </a:spcAft>
+                <a:buFont typeface="Lucida Grande" charset="0"/>
+                <a:buChar char="–"/>
+                <a:tabLst>
+                  <a:tab pos="0" algn="l"/>
+                  <a:tab pos="457200" algn="l"/>
+                  <a:tab pos="914400" algn="l"/>
+                  <a:tab pos="1371600" algn="l"/>
+                  <a:tab pos="1828800" algn="l"/>
+                  <a:tab pos="2286000" algn="l"/>
+                  <a:tab pos="2743200" algn="l"/>
+                  <a:tab pos="3200400" algn="l"/>
+                  <a:tab pos="3657600" algn="l"/>
+                  <a:tab pos="4114800" algn="l"/>
+                  <a:tab pos="4572000" algn="l"/>
+                  <a:tab pos="5029200" algn="l"/>
+                  <a:tab pos="5486400" algn="l"/>
+                  <a:tab pos="5943600" algn="l"/>
+                  <a:tab pos="6400800" algn="l"/>
+                  <a:tab pos="6858000" algn="l"/>
+                  <a:tab pos="7315200" algn="l"/>
+                  <a:tab pos="7772400" algn="l"/>
+                  <a:tab pos="8229600" algn="l"/>
+                  <a:tab pos="8686800" algn="l"/>
+                  <a:tab pos="9144000" algn="l"/>
+                </a:tabLst>
+                <a:defRPr sz="2400">
+                  <a:solidFill>
+                    <a:schemeClr val="tx1"/>
+                  </a:solidFill>
+                  <a:latin typeface="Arial Narrow" pitchFamily="34" charset="0"/>
+                  <a:ea typeface="ヒラギノ角ゴ Pro W3" charset="-128"/>
+                </a:defRPr>
+              </a:lvl9pPr>
+            </a:lstStyle>
+            <a:p>
+              <a:pPr marL="85725" indent="-85725" eaLnBrk="1" hangingPunct="1">
+                <a:spcBef>
+                  <a:spcPts val="0"/>
+                </a:spcBef>
+                <a:buClr>
+                  <a:srgbClr val="000000"/>
+                </a:buClr>
+              </a:pPr>
+              <a:r>
+                <a:rPr lang="en-US" altLang="ko-KR" sz="1100" dirty="0">
+                  <a:solidFill>
+                    <a:srgbClr val="003B6E"/>
+                  </a:solidFill>
+                  <a:latin typeface="+mn-lt"/>
+                  <a:ea typeface="Gulim" pitchFamily="34" charset="-127"/>
+                  <a:cs typeface="Arial Unicode MS" pitchFamily="34" charset="-128"/>
+                </a:rPr>
+                <a:t>Simple Random Sampling (</a:t>
+              </a:r>
+              <a:r>
+                <a:rPr lang="en-US" altLang="ko-KR" sz="1100" dirty="0" err="1">
+                  <a:solidFill>
+                    <a:srgbClr val="003B6E"/>
+                  </a:solidFill>
+                  <a:latin typeface="Courier New" panose="02070309020205020404" pitchFamily="49" charset="0"/>
+                  <a:ea typeface="Gulim" pitchFamily="34" charset="-127"/>
+                  <a:cs typeface="Courier New" panose="02070309020205020404" pitchFamily="49" charset="0"/>
+                </a:rPr>
+                <a:t>srs</a:t>
+              </a:r>
+              <a:r>
+                <a:rPr lang="en-US" altLang="ko-KR" sz="1100" dirty="0">
+                  <a:solidFill>
+                    <a:srgbClr val="003B6E"/>
+                  </a:solidFill>
+                  <a:latin typeface="+mn-lt"/>
+                  <a:ea typeface="Gulim" pitchFamily="34" charset="-127"/>
+                  <a:cs typeface="Arial Unicode MS" pitchFamily="34" charset="-128"/>
+                </a:rPr>
+                <a:t>)</a:t>
+              </a:r>
+            </a:p>
+            <a:p>
+              <a:pPr marL="85725" indent="-85725" eaLnBrk="1" hangingPunct="1">
+                <a:spcBef>
+                  <a:spcPts val="0"/>
+                </a:spcBef>
+                <a:buClr>
+                  <a:srgbClr val="000000"/>
+                </a:buClr>
+              </a:pPr>
+              <a:r>
+                <a:rPr lang="en-US" altLang="ko-KR" sz="1100" dirty="0">
+                  <a:solidFill>
+                    <a:srgbClr val="003B6E"/>
+                  </a:solidFill>
+                  <a:latin typeface="+mn-lt"/>
+                  <a:ea typeface="Gulim" pitchFamily="34" charset="-127"/>
+                  <a:cs typeface="Arial Unicode MS" pitchFamily="34" charset="-128"/>
+                </a:rPr>
+                <a:t>Latin Hypercube Sampling (</a:t>
+              </a:r>
+              <a:r>
+                <a:rPr lang="en-US" altLang="ko-KR" sz="1100" dirty="0" err="1">
+                  <a:solidFill>
+                    <a:srgbClr val="003B6E"/>
+                  </a:solidFill>
+                  <a:latin typeface="Courier New" panose="02070309020205020404" pitchFamily="49" charset="0"/>
+                  <a:ea typeface="Gulim" pitchFamily="34" charset="-127"/>
+                  <a:cs typeface="Courier New" panose="02070309020205020404" pitchFamily="49" charset="0"/>
+                </a:rPr>
+                <a:t>lhs</a:t>
+              </a:r>
+              <a:r>
+                <a:rPr lang="en-US" altLang="ko-KR" sz="1100" dirty="0">
+                  <a:solidFill>
+                    <a:srgbClr val="003B6E"/>
+                  </a:solidFill>
+                  <a:latin typeface="+mn-lt"/>
+                  <a:ea typeface="Gulim" pitchFamily="34" charset="-127"/>
+                  <a:cs typeface="Arial Unicode MS" pitchFamily="34" charset="-128"/>
+                </a:rPr>
+                <a:t>)</a:t>
+              </a:r>
+            </a:p>
+            <a:p>
+              <a:pPr marL="85725" indent="-85725" eaLnBrk="1" hangingPunct="1">
+                <a:spcBef>
+                  <a:spcPts val="0"/>
+                </a:spcBef>
+                <a:buClr>
+                  <a:srgbClr val="000000"/>
+                </a:buClr>
+              </a:pPr>
+              <a:r>
+                <a:rPr lang="en-US" altLang="ko-KR" sz="1100" i="1" dirty="0">
+                  <a:solidFill>
+                    <a:srgbClr val="003B6E"/>
+                  </a:solidFill>
+                  <a:latin typeface="+mn-lt"/>
+                  <a:ea typeface="Gulim" pitchFamily="34" charset="-127"/>
+                  <a:cs typeface="Arial Unicode MS" pitchFamily="34" charset="-128"/>
+                </a:rPr>
+                <a:t>L</a:t>
+              </a:r>
+              <a:r>
+                <a:rPr lang="en-US" altLang="ko-KR" sz="1100" i="1" baseline="30000" dirty="0">
+                  <a:solidFill>
+                    <a:srgbClr val="003B6E"/>
+                  </a:solidFill>
+                  <a:latin typeface="+mn-lt"/>
+                  <a:ea typeface="Gulim" pitchFamily="34" charset="-127"/>
+                  <a:cs typeface="Arial Unicode MS" pitchFamily="34" charset="-128"/>
+                </a:rPr>
+                <a:t>2</a:t>
+              </a:r>
+              <a:r>
+                <a:rPr lang="en-US" altLang="ko-KR" sz="1100" dirty="0">
+                  <a:solidFill>
+                    <a:srgbClr val="003B6E"/>
+                  </a:solidFill>
+                  <a:latin typeface="+mn-lt"/>
+                  <a:ea typeface="Gulim" pitchFamily="34" charset="-127"/>
+                  <a:cs typeface="Arial Unicode MS" pitchFamily="34" charset="-128"/>
+                </a:rPr>
+                <a:t>-discrepancy optimized (space-filling) </a:t>
+              </a:r>
+              <a:br>
+                <a:rPr lang="en-US" altLang="ko-KR" sz="1100" dirty="0">
+                  <a:solidFill>
+                    <a:srgbClr val="003B6E"/>
+                  </a:solidFill>
+                  <a:latin typeface="+mn-lt"/>
+                  <a:ea typeface="Gulim" pitchFamily="34" charset="-127"/>
+                  <a:cs typeface="Arial Unicode MS" pitchFamily="34" charset="-128"/>
+                </a:rPr>
+              </a:br>
+              <a:r>
+                <a:rPr lang="en-US" altLang="ko-KR" sz="1100" dirty="0">
+                  <a:solidFill>
+                    <a:srgbClr val="003B6E"/>
+                  </a:solidFill>
+                  <a:latin typeface="+mn-lt"/>
+                  <a:ea typeface="Gulim" pitchFamily="34" charset="-127"/>
+                  <a:cs typeface="Arial Unicode MS" pitchFamily="34" charset="-128"/>
+                </a:rPr>
+                <a:t>Latin Hypercube Sampling (</a:t>
+              </a:r>
+              <a:r>
+                <a:rPr lang="en-US" altLang="ko-KR" sz="1100" dirty="0" err="1">
+                  <a:solidFill>
+                    <a:srgbClr val="003B6E"/>
+                  </a:solidFill>
+                  <a:latin typeface="Courier New" panose="02070309020205020404" pitchFamily="49" charset="0"/>
+                  <a:ea typeface="Gulim" pitchFamily="34" charset="-127"/>
+                  <a:cs typeface="Courier New" panose="02070309020205020404" pitchFamily="49" charset="0"/>
+                </a:rPr>
+                <a:t>lhs</a:t>
+              </a:r>
+              <a:r>
+                <a:rPr lang="en-US" altLang="ko-KR" sz="1100" dirty="0">
+                  <a:solidFill>
+                    <a:srgbClr val="003B6E"/>
+                  </a:solidFill>
+                  <a:latin typeface="Courier New" panose="02070309020205020404" pitchFamily="49" charset="0"/>
+                  <a:ea typeface="Gulim" pitchFamily="34" charset="-127"/>
+                  <a:cs typeface="Courier New" panose="02070309020205020404" pitchFamily="49" charset="0"/>
+                </a:rPr>
+                <a:t>-opt</a:t>
+              </a:r>
+              <a:r>
+                <a:rPr lang="en-US" altLang="ko-KR" sz="1100" dirty="0">
+                  <a:solidFill>
+                    <a:srgbClr val="003B6E"/>
+                  </a:solidFill>
+                  <a:latin typeface="+mn-lt"/>
+                  <a:ea typeface="Gulim" pitchFamily="34" charset="-127"/>
+                  <a:cs typeface="Arial Unicode MS" pitchFamily="34" charset="-128"/>
+                </a:rPr>
+                <a:t>)</a:t>
+              </a:r>
+            </a:p>
+            <a:p>
+              <a:pPr marL="85725" indent="-85725" eaLnBrk="1" hangingPunct="1">
+                <a:spcBef>
+                  <a:spcPts val="0"/>
+                </a:spcBef>
+                <a:buClr>
+                  <a:srgbClr val="000000"/>
+                </a:buClr>
+              </a:pPr>
+              <a:r>
+                <a:rPr lang="en-US" altLang="ko-KR" sz="1100" dirty="0" err="1">
+                  <a:solidFill>
+                    <a:srgbClr val="003B6E"/>
+                  </a:solidFill>
+                  <a:latin typeface="+mn-lt"/>
+                  <a:ea typeface="Gulim" pitchFamily="34" charset="-127"/>
+                  <a:cs typeface="Arial Unicode MS" pitchFamily="34" charset="-128"/>
+                </a:rPr>
+                <a:t>Sobol</a:t>
+              </a:r>
+              <a:r>
+                <a:rPr lang="en-US" altLang="ko-KR" sz="1100" dirty="0">
+                  <a:solidFill>
+                    <a:srgbClr val="003B6E"/>
+                  </a:solidFill>
+                  <a:latin typeface="+mn-lt"/>
+                  <a:ea typeface="Gulim" pitchFamily="34" charset="-127"/>
+                  <a:cs typeface="Arial Unicode MS" pitchFamily="34" charset="-128"/>
+                </a:rPr>
+                <a:t>’ sequence launcher (</a:t>
+              </a:r>
+              <a:r>
+                <a:rPr lang="en-US" altLang="ko-KR" sz="1100" dirty="0" err="1">
+                  <a:solidFill>
+                    <a:srgbClr val="003B6E"/>
+                  </a:solidFill>
+                  <a:latin typeface="Courier New" panose="02070309020205020404" pitchFamily="49" charset="0"/>
+                  <a:ea typeface="Gulim" pitchFamily="34" charset="-127"/>
+                  <a:cs typeface="Courier New" panose="02070309020205020404" pitchFamily="49" charset="0"/>
+                </a:rPr>
+                <a:t>sobol</a:t>
+              </a:r>
+              <a:r>
+                <a:rPr lang="en-US" altLang="ko-KR" sz="1100" dirty="0" smtClean="0">
+                  <a:solidFill>
+                    <a:srgbClr val="003B6E"/>
+                  </a:solidFill>
+                  <a:latin typeface="+mn-lt"/>
+                  <a:ea typeface="Gulim" pitchFamily="34" charset="-127"/>
+                  <a:cs typeface="Arial Unicode MS" pitchFamily="34" charset="-128"/>
+                </a:rPr>
+                <a:t>)</a:t>
+              </a:r>
+            </a:p>
+            <a:p>
+              <a:pPr marL="85725" indent="-85725" eaLnBrk="1" hangingPunct="1">
+                <a:spcBef>
+                  <a:spcPts val="0"/>
+                </a:spcBef>
+                <a:buClr>
+                  <a:srgbClr val="000000"/>
+                </a:buClr>
+              </a:pPr>
+              <a:r>
+                <a:rPr lang="en-US" altLang="ko-KR" sz="1100" dirty="0" smtClean="0">
+                  <a:solidFill>
+                    <a:srgbClr val="003B6E"/>
+                  </a:solidFill>
+                  <a:latin typeface="+mn-lt"/>
+                  <a:ea typeface="Gulim" pitchFamily="34" charset="-127"/>
+                  <a:cs typeface="Arial Unicode MS" pitchFamily="34" charset="-128"/>
+                </a:rPr>
+                <a:t>Randomized </a:t>
+              </a:r>
+              <a:r>
+                <a:rPr lang="en-US" altLang="ko-KR" sz="1100" dirty="0" err="1" smtClean="0">
+                  <a:solidFill>
+                    <a:srgbClr val="003B6E"/>
+                  </a:solidFill>
+                  <a:latin typeface="+mn-lt"/>
+                  <a:ea typeface="Gulim" pitchFamily="34" charset="-127"/>
+                  <a:cs typeface="Arial Unicode MS" pitchFamily="34" charset="-128"/>
+                </a:rPr>
+                <a:t>Sobol</a:t>
+              </a:r>
+              <a:r>
+                <a:rPr lang="en-US" altLang="ko-KR" sz="1100" dirty="0" smtClean="0">
+                  <a:solidFill>
+                    <a:srgbClr val="003B6E"/>
+                  </a:solidFill>
+                  <a:latin typeface="+mn-lt"/>
+                  <a:ea typeface="Gulim" pitchFamily="34" charset="-127"/>
+                  <a:cs typeface="Arial Unicode MS" pitchFamily="34" charset="-128"/>
+                </a:rPr>
+                <a:t>’  seq. by random shift (</a:t>
+              </a:r>
+              <a:r>
+                <a:rPr lang="en-US" altLang="ko-KR" sz="1100" dirty="0" err="1" smtClean="0">
+                  <a:solidFill>
+                    <a:srgbClr val="003B6E"/>
+                  </a:solidFill>
+                  <a:latin typeface="Courier New" panose="02070309020205020404" pitchFamily="49" charset="0"/>
+                  <a:ea typeface="Gulim" pitchFamily="34" charset="-127"/>
+                  <a:cs typeface="Courier New" panose="02070309020205020404" pitchFamily="49" charset="0"/>
+                </a:rPr>
+                <a:t>sobol</a:t>
+              </a:r>
+              <a:r>
+                <a:rPr lang="en-US" altLang="ko-KR" sz="1100" dirty="0" smtClean="0">
+                  <a:solidFill>
+                    <a:srgbClr val="003B6E"/>
+                  </a:solidFill>
+                  <a:latin typeface="+mn-lt"/>
+                  <a:ea typeface="Gulim" pitchFamily="34" charset="-127"/>
+                  <a:cs typeface="Arial Unicode MS" pitchFamily="34" charset="-128"/>
+                </a:rPr>
+                <a:t>)</a:t>
+              </a:r>
+              <a:endParaRPr lang="en-US" altLang="ko-KR" sz="1100" dirty="0">
+                <a:solidFill>
+                  <a:srgbClr val="003B6E"/>
+                </a:solidFill>
+                <a:latin typeface="+mn-lt"/>
+                <a:ea typeface="Gulim" pitchFamily="34" charset="-127"/>
+                <a:cs typeface="Arial Unicode MS" pitchFamily="34" charset="-128"/>
+              </a:endParaRPr>
+            </a:p>
+          </p:txBody>
+        </p:sp>
+      </p:grpSp>
+      <p:sp>
+        <p:nvSpPr>
+          <p:cNvPr id="42" name="Flowchart: Document 41"/>
+          <p:cNvSpPr/>
+          <p:nvPr/>
+        </p:nvSpPr>
+        <p:spPr bwMode="auto">
+          <a:xfrm>
+            <a:off x="7126288" y="943592"/>
+            <a:ext cx="1276772" cy="855439"/>
+          </a:xfrm>
+          <a:prstGeom prst="flowChartDocument">
+            <a:avLst/>
+          </a:prstGeom>
+          <a:solidFill>
+            <a:srgbClr val="0070C0"/>
+          </a:solidFill>
+          <a:ln w="9525" cap="flat" cmpd="sng" algn="ctr">
+            <a:noFill/>
+            <a:prstDash val="solid"/>
+            <a:round/>
+            <a:headEnd type="none" w="med" len="med"/>
+            <a:tailEnd type="none" w="med" len="med"/>
+          </a:ln>
+          <a:effectLst/>
+        </p:spPr>
+        <p:txBody>
+          <a:bodyPr vert="horz" wrap="square" lIns="91440" tIns="45720" rIns="91440" bIns="45720" numCol="1" rtlCol="0" anchor="t" anchorCtr="0" compatLnSpc="1">
+            <a:prstTxWarp prst="textNoShape">
+              <a:avLst/>
+            </a:prstTxWarp>
+          </a:bodyPr>
+          <a:lstStyle/>
+          <a:p>
+            <a:pPr marL="0" marR="0" indent="0" algn="l" defTabSz="914400" rtl="0" eaLnBrk="0" fontAlgn="base" latinLnBrk="0" hangingPunct="0">
+              <a:lnSpc>
+                <a:spcPct val="100000"/>
+              </a:lnSpc>
+              <a:spcBef>
+                <a:spcPct val="0"/>
+              </a:spcBef>
+              <a:spcAft>
+                <a:spcPct val="0"/>
+              </a:spcAft>
+              <a:buClrTx/>
+              <a:buSzTx/>
+              <a:buFontTx/>
+              <a:buNone/>
+              <a:tabLst/>
+            </a:pPr>
+            <a:endParaRPr kumimoji="0" lang="en-US" sz="2400" b="0" i="0" u="none" strike="noStrike" cap="none" normalizeH="0" baseline="0">
+              <a:ln>
+                <a:noFill/>
+              </a:ln>
+              <a:solidFill>
+                <a:schemeClr val="tx1"/>
+              </a:solidFill>
+              <a:effectLst/>
+              <a:latin typeface="Times" charset="0"/>
+            </a:endParaRPr>
+          </a:p>
+        </p:txBody>
+      </p:sp>
+      <p:sp>
+        <p:nvSpPr>
+          <p:cNvPr id="49" name="Rectangle 48"/>
+          <p:cNvSpPr/>
+          <p:nvPr/>
+        </p:nvSpPr>
+        <p:spPr>
+          <a:xfrm>
+            <a:off x="7162156" y="1120798"/>
+            <a:ext cx="1130871" cy="400110"/>
+          </a:xfrm>
+          <a:prstGeom prst="rect">
+            <a:avLst/>
+          </a:prstGeom>
+        </p:spPr>
+        <p:txBody>
+          <a:bodyPr wrap="square">
+            <a:spAutoFit/>
+          </a:bodyPr>
+          <a:lstStyle/>
+          <a:p>
+            <a:pPr algn="ctr"/>
+            <a:r>
+              <a:rPr lang="en-US" sz="2000" b="1" dirty="0">
+                <a:solidFill>
+                  <a:schemeClr val="bg1"/>
+                </a:solidFill>
+                <a:latin typeface="+mn-lt"/>
+              </a:rPr>
+              <a:t>CSV</a:t>
+            </a:r>
+          </a:p>
+        </p:txBody>
+      </p:sp>
+      <p:sp>
+        <p:nvSpPr>
+          <p:cNvPr id="64" name="TextBox 63"/>
+          <p:cNvSpPr txBox="1"/>
+          <p:nvPr/>
+        </p:nvSpPr>
+        <p:spPr>
+          <a:xfrm>
+            <a:off x="20069" y="4107068"/>
+            <a:ext cx="2118268" cy="369332"/>
+          </a:xfrm>
+          <a:prstGeom prst="rect">
+            <a:avLst/>
+          </a:prstGeom>
+          <a:solidFill>
+            <a:schemeClr val="bg1">
+              <a:lumMod val="95000"/>
+              <a:alpha val="75000"/>
+            </a:schemeClr>
+          </a:solidFill>
+          <a:ln w="9525">
+            <a:noFill/>
+          </a:ln>
+        </p:spPr>
+        <p:txBody>
+          <a:bodyPr wrap="square" rtlCol="0" anchor="ctr">
+            <a:spAutoFit/>
+          </a:bodyPr>
+          <a:lstStyle/>
+          <a:p>
+            <a:r>
+              <a:rPr lang="en-US" b="1" dirty="0">
+                <a:latin typeface="+mj-lt"/>
+              </a:rPr>
+              <a:t>Sensitivity Analysis</a:t>
+            </a:r>
+          </a:p>
+        </p:txBody>
+      </p:sp>
+      <p:sp>
+        <p:nvSpPr>
+          <p:cNvPr id="65" name="TextBox 64"/>
+          <p:cNvSpPr txBox="1"/>
+          <p:nvPr/>
+        </p:nvSpPr>
+        <p:spPr>
+          <a:xfrm>
+            <a:off x="20070" y="112857"/>
+            <a:ext cx="2118267" cy="369332"/>
+          </a:xfrm>
+          <a:prstGeom prst="rect">
+            <a:avLst/>
+          </a:prstGeom>
+          <a:solidFill>
+            <a:schemeClr val="bg1">
+              <a:lumMod val="95000"/>
+              <a:alpha val="75000"/>
+            </a:schemeClr>
+          </a:solidFill>
+          <a:ln w="9525">
+            <a:noFill/>
+          </a:ln>
+        </p:spPr>
+        <p:txBody>
+          <a:bodyPr wrap="square" rtlCol="0" anchor="ctr">
+            <a:spAutoFit/>
+          </a:bodyPr>
+          <a:lstStyle/>
+          <a:p>
+            <a:r>
+              <a:rPr lang="en-US" b="1" dirty="0">
+                <a:latin typeface="+mj-lt"/>
+              </a:rPr>
+              <a:t>Samples Generation</a:t>
+            </a:r>
+          </a:p>
+        </p:txBody>
+      </p:sp>
+      <p:sp>
+        <p:nvSpPr>
+          <p:cNvPr id="37" name="Flowchart: Document 36"/>
+          <p:cNvSpPr/>
+          <p:nvPr/>
+        </p:nvSpPr>
+        <p:spPr>
+          <a:xfrm>
+            <a:off x="971600" y="816425"/>
+            <a:ext cx="1407198" cy="898112"/>
+          </a:xfrm>
+          <a:prstGeom prst="flowChartDocument">
+            <a:avLst/>
+          </a:prstGeom>
+          <a:solidFill>
+            <a:srgbClr val="FFEAA8"/>
+          </a:solidFill>
+          <a:ln>
+            <a:noFill/>
+          </a:ln>
+        </p:spPr>
+        <p:style>
+          <a:lnRef idx="2">
+            <a:schemeClr val="accent1">
+              <a:shade val="50000"/>
+            </a:schemeClr>
+          </a:lnRef>
+          <a:fillRef idx="1">
+            <a:schemeClr val="accent1"/>
+          </a:fillRef>
+          <a:effectRef idx="0">
+            <a:schemeClr val="accent1"/>
+          </a:effectRef>
+          <a:fontRef idx="minor">
+            <a:schemeClr val="lt1"/>
+          </a:fontRef>
+        </p:style>
+        <p:txBody>
+          <a:bodyPr rtlCol="0" anchor="ctr"/>
+          <a:lstStyle/>
+          <a:p>
+            <a:pPr algn="ctr"/>
+            <a:r>
+              <a:rPr lang="en-US" b="1" dirty="0">
+                <a:solidFill>
+                  <a:schemeClr val="tx1"/>
+                </a:solidFill>
+                <a:latin typeface="Calibri Light" panose="020F0302020204030204" pitchFamily="34" charset="0"/>
+                <a:cs typeface="Consolas" panose="020B0609020204030204" pitchFamily="49" charset="0"/>
+              </a:rPr>
+              <a:t>Driver Script Executables</a:t>
+            </a:r>
+            <a:endParaRPr lang="en-US" b="1" dirty="0">
+              <a:solidFill>
+                <a:schemeClr val="tx1"/>
+              </a:solidFill>
+              <a:latin typeface="Calibri Light" panose="020F0302020204030204" pitchFamily="34" charset="0"/>
+            </a:endParaRPr>
+          </a:p>
+        </p:txBody>
+      </p:sp>
+      <p:grpSp>
+        <p:nvGrpSpPr>
+          <p:cNvPr id="7" name="Group 6"/>
+          <p:cNvGrpSpPr/>
+          <p:nvPr/>
+        </p:nvGrpSpPr>
+        <p:grpSpPr>
+          <a:xfrm>
+            <a:off x="5004048" y="2708921"/>
+            <a:ext cx="1368152" cy="943172"/>
+            <a:chOff x="-394899" y="1232645"/>
+            <a:chExt cx="2129712" cy="999242"/>
+          </a:xfrm>
+        </p:grpSpPr>
+        <p:sp>
+          <p:nvSpPr>
+            <p:cNvPr id="44" name="Text Box 11"/>
+            <p:cNvSpPr txBox="1">
+              <a:spLocks noChangeArrowheads="1"/>
+            </p:cNvSpPr>
+            <p:nvPr/>
+          </p:nvSpPr>
+          <p:spPr bwMode="auto">
+            <a:xfrm>
+              <a:off x="-394899" y="1232645"/>
+              <a:ext cx="2129712" cy="999242"/>
+            </a:xfrm>
+            <a:prstGeom prst="rect">
+              <a:avLst/>
+            </a:prstGeom>
+            <a:solidFill>
+              <a:srgbClr val="FFFFFF"/>
+            </a:solidFill>
+            <a:ln w="6350">
+              <a:solidFill>
+                <a:schemeClr val="bg1">
+                  <a:lumMod val="50000"/>
+                </a:schemeClr>
+              </a:solidFill>
+              <a:prstDash val="dash"/>
+              <a:miter lim="800000"/>
+              <a:headEnd/>
+              <a:tailEnd/>
+            </a:ln>
+          </p:spPr>
+          <p:txBody>
+            <a:bodyPr lIns="90000" tIns="46800" rIns="90000" bIns="46800"/>
+            <a:lstStyle>
+              <a:lvl1pPr defTabSz="457200">
+                <a:buChar char="•"/>
+                <a:tabLst>
+                  <a:tab pos="0" algn="l"/>
+                  <a:tab pos="457200" algn="l"/>
+                  <a:tab pos="914400" algn="l"/>
+                  <a:tab pos="1371600" algn="l"/>
+                  <a:tab pos="1828800" algn="l"/>
+                  <a:tab pos="2286000" algn="l"/>
+                  <a:tab pos="2743200" algn="l"/>
+                  <a:tab pos="3200400" algn="l"/>
+                  <a:tab pos="3657600" algn="l"/>
+                  <a:tab pos="4114800" algn="l"/>
+                  <a:tab pos="4572000" algn="l"/>
+                  <a:tab pos="5029200" algn="l"/>
+                  <a:tab pos="5486400" algn="l"/>
+                  <a:tab pos="5943600" algn="l"/>
+                  <a:tab pos="6400800" algn="l"/>
+                  <a:tab pos="6858000" algn="l"/>
+                  <a:tab pos="7315200" algn="l"/>
+                  <a:tab pos="7772400" algn="l"/>
+                  <a:tab pos="8229600" algn="l"/>
+                  <a:tab pos="8686800" algn="l"/>
+                  <a:tab pos="9144000" algn="l"/>
+                </a:tabLst>
+                <a:defRPr sz="2400">
+                  <a:solidFill>
+                    <a:schemeClr val="tx1"/>
+                  </a:solidFill>
+                  <a:latin typeface="Arial Narrow" pitchFamily="34" charset="0"/>
+                  <a:ea typeface="ヒラギノ角ゴ Pro W3" charset="-128"/>
+                </a:defRPr>
+              </a:lvl1pPr>
+              <a:lvl2pPr marL="742950" indent="-285750" defTabSz="457200">
+                <a:buClr>
+                  <a:schemeClr val="tx1"/>
+                </a:buClr>
+                <a:buSzPct val="120000"/>
+                <a:buChar char="•"/>
+                <a:tabLst>
+                  <a:tab pos="0" algn="l"/>
+                  <a:tab pos="457200" algn="l"/>
+                  <a:tab pos="914400" algn="l"/>
+                  <a:tab pos="1371600" algn="l"/>
+                  <a:tab pos="1828800" algn="l"/>
+                  <a:tab pos="2286000" algn="l"/>
+                  <a:tab pos="2743200" algn="l"/>
+                  <a:tab pos="3200400" algn="l"/>
+                  <a:tab pos="3657600" algn="l"/>
+                  <a:tab pos="4114800" algn="l"/>
+                  <a:tab pos="4572000" algn="l"/>
+                  <a:tab pos="5029200" algn="l"/>
+                  <a:tab pos="5486400" algn="l"/>
+                  <a:tab pos="5943600" algn="l"/>
+                  <a:tab pos="6400800" algn="l"/>
+                  <a:tab pos="6858000" algn="l"/>
+                  <a:tab pos="7315200" algn="l"/>
+                  <a:tab pos="7772400" algn="l"/>
+                  <a:tab pos="8229600" algn="l"/>
+                  <a:tab pos="8686800" algn="l"/>
+                  <a:tab pos="9144000" algn="l"/>
+                </a:tabLst>
+                <a:defRPr sz="2400">
+                  <a:solidFill>
+                    <a:schemeClr val="tx1"/>
+                  </a:solidFill>
+                  <a:latin typeface="Arial Narrow" pitchFamily="34" charset="0"/>
+                  <a:ea typeface="ヒラギノ角ゴ Pro W3" charset="-128"/>
+                </a:defRPr>
+              </a:lvl2pPr>
+              <a:lvl3pPr marL="1143000" indent="-228600" defTabSz="457200">
+                <a:buFont typeface="Times" pitchFamily="18" charset="0"/>
+                <a:buChar char="–"/>
+                <a:tabLst>
+                  <a:tab pos="0" algn="l"/>
+                  <a:tab pos="457200" algn="l"/>
+                  <a:tab pos="914400" algn="l"/>
+                  <a:tab pos="1371600" algn="l"/>
+                  <a:tab pos="1828800" algn="l"/>
+                  <a:tab pos="2286000" algn="l"/>
+                  <a:tab pos="2743200" algn="l"/>
+                  <a:tab pos="3200400" algn="l"/>
+                  <a:tab pos="3657600" algn="l"/>
+                  <a:tab pos="4114800" algn="l"/>
+                  <a:tab pos="4572000" algn="l"/>
+                  <a:tab pos="5029200" algn="l"/>
+                  <a:tab pos="5486400" algn="l"/>
+                  <a:tab pos="5943600" algn="l"/>
+                  <a:tab pos="6400800" algn="l"/>
+                  <a:tab pos="6858000" algn="l"/>
+                  <a:tab pos="7315200" algn="l"/>
+                  <a:tab pos="7772400" algn="l"/>
+                  <a:tab pos="8229600" algn="l"/>
+                  <a:tab pos="8686800" algn="l"/>
+                  <a:tab pos="9144000" algn="l"/>
+                </a:tabLst>
+                <a:defRPr sz="1700">
+                  <a:solidFill>
+                    <a:schemeClr val="tx1"/>
+                  </a:solidFill>
+                  <a:latin typeface="Arial Narrow" pitchFamily="34" charset="0"/>
+                  <a:ea typeface="MS PGothic" pitchFamily="34" charset="-128"/>
+                </a:defRPr>
+              </a:lvl3pPr>
+              <a:lvl4pPr marL="1600200" indent="-228600" defTabSz="457200">
+                <a:buFont typeface="Lucida Grande" charset="0"/>
+                <a:buChar char="–"/>
+                <a:tabLst>
+                  <a:tab pos="0" algn="l"/>
+                  <a:tab pos="457200" algn="l"/>
+                  <a:tab pos="914400" algn="l"/>
+                  <a:tab pos="1371600" algn="l"/>
+                  <a:tab pos="1828800" algn="l"/>
+                  <a:tab pos="2286000" algn="l"/>
+                  <a:tab pos="2743200" algn="l"/>
+                  <a:tab pos="3200400" algn="l"/>
+                  <a:tab pos="3657600" algn="l"/>
+                  <a:tab pos="4114800" algn="l"/>
+                  <a:tab pos="4572000" algn="l"/>
+                  <a:tab pos="5029200" algn="l"/>
+                  <a:tab pos="5486400" algn="l"/>
+                  <a:tab pos="5943600" algn="l"/>
+                  <a:tab pos="6400800" algn="l"/>
+                  <a:tab pos="6858000" algn="l"/>
+                  <a:tab pos="7315200" algn="l"/>
+                  <a:tab pos="7772400" algn="l"/>
+                  <a:tab pos="8229600" algn="l"/>
+                  <a:tab pos="8686800" algn="l"/>
+                  <a:tab pos="9144000" algn="l"/>
+                </a:tabLst>
+                <a:defRPr sz="2400">
+                  <a:solidFill>
+                    <a:schemeClr val="tx1"/>
+                  </a:solidFill>
+                  <a:latin typeface="Arial Narrow" pitchFamily="34" charset="0"/>
+                  <a:ea typeface="MS PGothic" pitchFamily="34" charset="-128"/>
+                </a:defRPr>
+              </a:lvl4pPr>
+              <a:lvl5pPr marL="2057400" indent="-228600" defTabSz="457200">
+                <a:buFont typeface="Lucida Grande" charset="0"/>
+                <a:buChar char="–"/>
+                <a:tabLst>
+                  <a:tab pos="0" algn="l"/>
+                  <a:tab pos="457200" algn="l"/>
+                  <a:tab pos="914400" algn="l"/>
+                  <a:tab pos="1371600" algn="l"/>
+                  <a:tab pos="1828800" algn="l"/>
+                  <a:tab pos="2286000" algn="l"/>
+                  <a:tab pos="2743200" algn="l"/>
+                  <a:tab pos="3200400" algn="l"/>
+                  <a:tab pos="3657600" algn="l"/>
+                  <a:tab pos="4114800" algn="l"/>
+                  <a:tab pos="4572000" algn="l"/>
+                  <a:tab pos="5029200" algn="l"/>
+                  <a:tab pos="5486400" algn="l"/>
+                  <a:tab pos="5943600" algn="l"/>
+                  <a:tab pos="6400800" algn="l"/>
+                  <a:tab pos="6858000" algn="l"/>
+                  <a:tab pos="7315200" algn="l"/>
+                  <a:tab pos="7772400" algn="l"/>
+                  <a:tab pos="8229600" algn="l"/>
+                  <a:tab pos="8686800" algn="l"/>
+                  <a:tab pos="9144000" algn="l"/>
+                </a:tabLst>
+                <a:defRPr sz="2400">
+                  <a:solidFill>
+                    <a:schemeClr val="tx1"/>
+                  </a:solidFill>
+                  <a:latin typeface="Arial Narrow" pitchFamily="34" charset="0"/>
+                  <a:ea typeface="ヒラギノ角ゴ Pro W3" charset="-128"/>
+                </a:defRPr>
+              </a:lvl5pPr>
+              <a:lvl6pPr marL="2514600" indent="-228600" defTabSz="457200" eaLnBrk="0" fontAlgn="base" hangingPunct="0">
+                <a:lnSpc>
+                  <a:spcPct val="110000"/>
+                </a:lnSpc>
+                <a:spcBef>
+                  <a:spcPct val="0"/>
+                </a:spcBef>
+                <a:spcAft>
+                  <a:spcPct val="0"/>
+                </a:spcAft>
+                <a:buFont typeface="Lucida Grande" charset="0"/>
+                <a:buChar char="–"/>
+                <a:tabLst>
+                  <a:tab pos="0" algn="l"/>
+                  <a:tab pos="457200" algn="l"/>
+                  <a:tab pos="914400" algn="l"/>
+                  <a:tab pos="1371600" algn="l"/>
+                  <a:tab pos="1828800" algn="l"/>
+                  <a:tab pos="2286000" algn="l"/>
+                  <a:tab pos="2743200" algn="l"/>
+                  <a:tab pos="3200400" algn="l"/>
+                  <a:tab pos="3657600" algn="l"/>
+                  <a:tab pos="4114800" algn="l"/>
+                  <a:tab pos="4572000" algn="l"/>
+                  <a:tab pos="5029200" algn="l"/>
+                  <a:tab pos="5486400" algn="l"/>
+                  <a:tab pos="5943600" algn="l"/>
+                  <a:tab pos="6400800" algn="l"/>
+                  <a:tab pos="6858000" algn="l"/>
+                  <a:tab pos="7315200" algn="l"/>
+                  <a:tab pos="7772400" algn="l"/>
+                  <a:tab pos="8229600" algn="l"/>
+                  <a:tab pos="8686800" algn="l"/>
+                  <a:tab pos="9144000" algn="l"/>
+                </a:tabLst>
+                <a:defRPr sz="2400">
+                  <a:solidFill>
+                    <a:schemeClr val="tx1"/>
+                  </a:solidFill>
+                  <a:latin typeface="Arial Narrow" pitchFamily="34" charset="0"/>
+                  <a:ea typeface="ヒラギノ角ゴ Pro W3" charset="-128"/>
+                </a:defRPr>
+              </a:lvl6pPr>
+              <a:lvl7pPr marL="2971800" indent="-228600" defTabSz="457200" eaLnBrk="0" fontAlgn="base" hangingPunct="0">
+                <a:lnSpc>
+                  <a:spcPct val="110000"/>
+                </a:lnSpc>
+                <a:spcBef>
+                  <a:spcPct val="0"/>
+                </a:spcBef>
+                <a:spcAft>
+                  <a:spcPct val="0"/>
+                </a:spcAft>
+                <a:buFont typeface="Lucida Grande" charset="0"/>
+                <a:buChar char="–"/>
+                <a:tabLst>
+                  <a:tab pos="0" algn="l"/>
+                  <a:tab pos="457200" algn="l"/>
+                  <a:tab pos="914400" algn="l"/>
+                  <a:tab pos="1371600" algn="l"/>
+                  <a:tab pos="1828800" algn="l"/>
+                  <a:tab pos="2286000" algn="l"/>
+                  <a:tab pos="2743200" algn="l"/>
+                  <a:tab pos="3200400" algn="l"/>
+                  <a:tab pos="3657600" algn="l"/>
+                  <a:tab pos="4114800" algn="l"/>
+                  <a:tab pos="4572000" algn="l"/>
+                  <a:tab pos="5029200" algn="l"/>
+                  <a:tab pos="5486400" algn="l"/>
+                  <a:tab pos="5943600" algn="l"/>
+                  <a:tab pos="6400800" algn="l"/>
+                  <a:tab pos="6858000" algn="l"/>
+                  <a:tab pos="7315200" algn="l"/>
+                  <a:tab pos="7772400" algn="l"/>
+                  <a:tab pos="8229600" algn="l"/>
+                  <a:tab pos="8686800" algn="l"/>
+                  <a:tab pos="9144000" algn="l"/>
+                </a:tabLst>
+                <a:defRPr sz="2400">
+                  <a:solidFill>
+                    <a:schemeClr val="tx1"/>
+                  </a:solidFill>
+                  <a:latin typeface="Arial Narrow" pitchFamily="34" charset="0"/>
+                  <a:ea typeface="ヒラギノ角ゴ Pro W3" charset="-128"/>
+                </a:defRPr>
+              </a:lvl7pPr>
+              <a:lvl8pPr marL="3429000" indent="-228600" defTabSz="457200" eaLnBrk="0" fontAlgn="base" hangingPunct="0">
+                <a:lnSpc>
+                  <a:spcPct val="110000"/>
+                </a:lnSpc>
+                <a:spcBef>
+                  <a:spcPct val="0"/>
+                </a:spcBef>
+                <a:spcAft>
+                  <a:spcPct val="0"/>
+                </a:spcAft>
+                <a:buFont typeface="Lucida Grande" charset="0"/>
+                <a:buChar char="–"/>
+                <a:tabLst>
+                  <a:tab pos="0" algn="l"/>
+                  <a:tab pos="457200" algn="l"/>
+                  <a:tab pos="914400" algn="l"/>
+                  <a:tab pos="1371600" algn="l"/>
+                  <a:tab pos="1828800" algn="l"/>
+                  <a:tab pos="2286000" algn="l"/>
+                  <a:tab pos="2743200" algn="l"/>
+                  <a:tab pos="3200400" algn="l"/>
+                  <a:tab pos="3657600" algn="l"/>
+                  <a:tab pos="4114800" algn="l"/>
+                  <a:tab pos="4572000" algn="l"/>
+                  <a:tab pos="5029200" algn="l"/>
+                  <a:tab pos="5486400" algn="l"/>
+                  <a:tab pos="5943600" algn="l"/>
+                  <a:tab pos="6400800" algn="l"/>
+                  <a:tab pos="6858000" algn="l"/>
+                  <a:tab pos="7315200" algn="l"/>
+                  <a:tab pos="7772400" algn="l"/>
+                  <a:tab pos="8229600" algn="l"/>
+                  <a:tab pos="8686800" algn="l"/>
+                  <a:tab pos="9144000" algn="l"/>
+                </a:tabLst>
+                <a:defRPr sz="2400">
+                  <a:solidFill>
+                    <a:schemeClr val="tx1"/>
+                  </a:solidFill>
+                  <a:latin typeface="Arial Narrow" pitchFamily="34" charset="0"/>
+                  <a:ea typeface="ヒラギノ角ゴ Pro W3" charset="-128"/>
+                </a:defRPr>
+              </a:lvl8pPr>
+              <a:lvl9pPr marL="3886200" indent="-228600" defTabSz="457200" eaLnBrk="0" fontAlgn="base" hangingPunct="0">
+                <a:lnSpc>
+                  <a:spcPct val="110000"/>
+                </a:lnSpc>
+                <a:spcBef>
+                  <a:spcPct val="0"/>
+                </a:spcBef>
+                <a:spcAft>
+                  <a:spcPct val="0"/>
+                </a:spcAft>
+                <a:buFont typeface="Lucida Grande" charset="0"/>
+                <a:buChar char="–"/>
+                <a:tabLst>
+                  <a:tab pos="0" algn="l"/>
+                  <a:tab pos="457200" algn="l"/>
+                  <a:tab pos="914400" algn="l"/>
+                  <a:tab pos="1371600" algn="l"/>
+                  <a:tab pos="1828800" algn="l"/>
+                  <a:tab pos="2286000" algn="l"/>
+                  <a:tab pos="2743200" algn="l"/>
+                  <a:tab pos="3200400" algn="l"/>
+                  <a:tab pos="3657600" algn="l"/>
+                  <a:tab pos="4114800" algn="l"/>
+                  <a:tab pos="4572000" algn="l"/>
+                  <a:tab pos="5029200" algn="l"/>
+                  <a:tab pos="5486400" algn="l"/>
+                  <a:tab pos="5943600" algn="l"/>
+                  <a:tab pos="6400800" algn="l"/>
+                  <a:tab pos="6858000" algn="l"/>
+                  <a:tab pos="7315200" algn="l"/>
+                  <a:tab pos="7772400" algn="l"/>
+                  <a:tab pos="8229600" algn="l"/>
+                  <a:tab pos="8686800" algn="l"/>
+                  <a:tab pos="9144000" algn="l"/>
+                </a:tabLst>
+                <a:defRPr sz="2400">
+                  <a:solidFill>
+                    <a:schemeClr val="tx1"/>
+                  </a:solidFill>
+                  <a:latin typeface="Arial Narrow" pitchFamily="34" charset="0"/>
+                  <a:ea typeface="ヒラギノ角ゴ Pro W3" charset="-128"/>
+                </a:defRPr>
+              </a:lvl9pPr>
+            </a:lstStyle>
+            <a:p>
+              <a:pPr eaLnBrk="1" hangingPunct="1">
+                <a:lnSpc>
+                  <a:spcPct val="100000"/>
+                </a:lnSpc>
+                <a:buClr>
+                  <a:srgbClr val="000000"/>
+                </a:buClr>
+                <a:buFont typeface="Times New Roman" pitchFamily="18" charset="0"/>
+                <a:buNone/>
+              </a:pPr>
+              <a:r>
+                <a:rPr lang="en-US" altLang="ko-KR" sz="1300" dirty="0">
+                  <a:solidFill>
+                    <a:srgbClr val="C50006"/>
+                  </a:solidFill>
+                  <a:latin typeface="+mn-lt"/>
+                  <a:ea typeface="Gulim" pitchFamily="34" charset="-127"/>
+                  <a:cs typeface="Arial Unicode MS" pitchFamily="34" charset="-128"/>
+                </a:rPr>
+                <a:t>Computer Codes</a:t>
+              </a:r>
+            </a:p>
+            <a:p>
+              <a:pPr eaLnBrk="1" hangingPunct="1">
+                <a:lnSpc>
+                  <a:spcPct val="100000"/>
+                </a:lnSpc>
+                <a:buClr>
+                  <a:srgbClr val="000000"/>
+                </a:buClr>
+                <a:buFont typeface="Times New Roman" pitchFamily="18" charset="0"/>
+                <a:buNone/>
+              </a:pPr>
+              <a:r>
+                <a:rPr lang="en-US" altLang="ko-KR" sz="1100" dirty="0">
+                  <a:solidFill>
+                    <a:srgbClr val="C50006"/>
+                  </a:solidFill>
+                  <a:latin typeface="+mn-lt"/>
+                  <a:ea typeface="Gulim" pitchFamily="34" charset="-127"/>
+                  <a:cs typeface="Arial Unicode MS" pitchFamily="34" charset="-128"/>
+                </a:rPr>
+                <a:t>or generic functions</a:t>
+              </a:r>
+              <a:endParaRPr lang="en-US" altLang="ko-KR" sz="1300" dirty="0">
+                <a:solidFill>
+                  <a:srgbClr val="C50006"/>
+                </a:solidFill>
+                <a:latin typeface="+mn-lt"/>
+                <a:ea typeface="Gulim" pitchFamily="34" charset="-127"/>
+                <a:cs typeface="Arial Unicode MS" pitchFamily="34" charset="-128"/>
+              </a:endParaRPr>
+            </a:p>
+          </p:txBody>
+        </p:sp>
+        <p:sp>
+          <p:nvSpPr>
+            <p:cNvPr id="52" name="Text Box 12"/>
+            <p:cNvSpPr txBox="1">
+              <a:spLocks noChangeArrowheads="1"/>
+            </p:cNvSpPr>
+            <p:nvPr/>
+          </p:nvSpPr>
+          <p:spPr bwMode="auto">
+            <a:xfrm>
+              <a:off x="-282809" y="1732266"/>
+              <a:ext cx="1801248" cy="469083"/>
+            </a:xfrm>
+            <a:prstGeom prst="rect">
+              <a:avLst/>
+            </a:prstGeom>
+            <a:solidFill>
+              <a:schemeClr val="bg1">
+                <a:lumMod val="95000"/>
+              </a:schemeClr>
+            </a:solidFill>
+            <a:ln w="9360">
+              <a:noFill/>
+              <a:miter lim="800000"/>
+              <a:headEnd/>
+              <a:tailEnd/>
+            </a:ln>
+          </p:spPr>
+          <p:txBody>
+            <a:bodyPr wrap="square" lIns="90000" tIns="46800" rIns="90000" bIns="46800" anchor="ctr">
+              <a:noAutofit/>
+            </a:bodyPr>
+            <a:lstStyle>
+              <a:lvl1pPr defTabSz="457200">
+                <a:buChar char="•"/>
+                <a:tabLst>
+                  <a:tab pos="0" algn="l"/>
+                  <a:tab pos="457200" algn="l"/>
+                  <a:tab pos="914400" algn="l"/>
+                  <a:tab pos="1371600" algn="l"/>
+                  <a:tab pos="1828800" algn="l"/>
+                  <a:tab pos="2286000" algn="l"/>
+                  <a:tab pos="2743200" algn="l"/>
+                  <a:tab pos="3200400" algn="l"/>
+                  <a:tab pos="3657600" algn="l"/>
+                  <a:tab pos="4114800" algn="l"/>
+                  <a:tab pos="4572000" algn="l"/>
+                  <a:tab pos="5029200" algn="l"/>
+                  <a:tab pos="5486400" algn="l"/>
+                  <a:tab pos="5943600" algn="l"/>
+                  <a:tab pos="6400800" algn="l"/>
+                  <a:tab pos="6858000" algn="l"/>
+                  <a:tab pos="7315200" algn="l"/>
+                  <a:tab pos="7772400" algn="l"/>
+                  <a:tab pos="8229600" algn="l"/>
+                  <a:tab pos="8686800" algn="l"/>
+                  <a:tab pos="9144000" algn="l"/>
+                </a:tabLst>
+                <a:defRPr sz="2400">
+                  <a:solidFill>
+                    <a:schemeClr val="tx1"/>
+                  </a:solidFill>
+                  <a:latin typeface="Arial Narrow" pitchFamily="34" charset="0"/>
+                  <a:ea typeface="ヒラギノ角ゴ Pro W3" charset="-128"/>
+                </a:defRPr>
+              </a:lvl1pPr>
+              <a:lvl2pPr marL="742950" indent="-285750" defTabSz="457200">
+                <a:buClr>
+                  <a:schemeClr val="tx1"/>
+                </a:buClr>
+                <a:buSzPct val="120000"/>
+                <a:buChar char="•"/>
+                <a:tabLst>
+                  <a:tab pos="0" algn="l"/>
+                  <a:tab pos="457200" algn="l"/>
+                  <a:tab pos="914400" algn="l"/>
+                  <a:tab pos="1371600" algn="l"/>
+                  <a:tab pos="1828800" algn="l"/>
+                  <a:tab pos="2286000" algn="l"/>
+                  <a:tab pos="2743200" algn="l"/>
+                  <a:tab pos="3200400" algn="l"/>
+                  <a:tab pos="3657600" algn="l"/>
+                  <a:tab pos="4114800" algn="l"/>
+                  <a:tab pos="4572000" algn="l"/>
+                  <a:tab pos="5029200" algn="l"/>
+                  <a:tab pos="5486400" algn="l"/>
+                  <a:tab pos="5943600" algn="l"/>
+                  <a:tab pos="6400800" algn="l"/>
+                  <a:tab pos="6858000" algn="l"/>
+                  <a:tab pos="7315200" algn="l"/>
+                  <a:tab pos="7772400" algn="l"/>
+                  <a:tab pos="8229600" algn="l"/>
+                  <a:tab pos="8686800" algn="l"/>
+                  <a:tab pos="9144000" algn="l"/>
+                </a:tabLst>
+                <a:defRPr sz="2400">
+                  <a:solidFill>
+                    <a:schemeClr val="tx1"/>
+                  </a:solidFill>
+                  <a:latin typeface="Arial Narrow" pitchFamily="34" charset="0"/>
+                  <a:ea typeface="ヒラギノ角ゴ Pro W3" charset="-128"/>
+                </a:defRPr>
+              </a:lvl2pPr>
+              <a:lvl3pPr marL="1143000" indent="-228600" defTabSz="457200">
+                <a:buFont typeface="Times" pitchFamily="18" charset="0"/>
+                <a:buChar char="–"/>
+                <a:tabLst>
+                  <a:tab pos="0" algn="l"/>
+                  <a:tab pos="457200" algn="l"/>
+                  <a:tab pos="914400" algn="l"/>
+                  <a:tab pos="1371600" algn="l"/>
+                  <a:tab pos="1828800" algn="l"/>
+                  <a:tab pos="2286000" algn="l"/>
+                  <a:tab pos="2743200" algn="l"/>
+                  <a:tab pos="3200400" algn="l"/>
+                  <a:tab pos="3657600" algn="l"/>
+                  <a:tab pos="4114800" algn="l"/>
+                  <a:tab pos="4572000" algn="l"/>
+                  <a:tab pos="5029200" algn="l"/>
+                  <a:tab pos="5486400" algn="l"/>
+                  <a:tab pos="5943600" algn="l"/>
+                  <a:tab pos="6400800" algn="l"/>
+                  <a:tab pos="6858000" algn="l"/>
+                  <a:tab pos="7315200" algn="l"/>
+                  <a:tab pos="7772400" algn="l"/>
+                  <a:tab pos="8229600" algn="l"/>
+                  <a:tab pos="8686800" algn="l"/>
+                  <a:tab pos="9144000" algn="l"/>
+                </a:tabLst>
+                <a:defRPr sz="1700">
+                  <a:solidFill>
+                    <a:schemeClr val="tx1"/>
+                  </a:solidFill>
+                  <a:latin typeface="Arial Narrow" pitchFamily="34" charset="0"/>
+                  <a:ea typeface="MS PGothic" pitchFamily="34" charset="-128"/>
+                </a:defRPr>
+              </a:lvl3pPr>
+              <a:lvl4pPr marL="1600200" indent="-228600" defTabSz="457200">
+                <a:buFont typeface="Lucida Grande" charset="0"/>
+                <a:buChar char="–"/>
+                <a:tabLst>
+                  <a:tab pos="0" algn="l"/>
+                  <a:tab pos="457200" algn="l"/>
+                  <a:tab pos="914400" algn="l"/>
+                  <a:tab pos="1371600" algn="l"/>
+                  <a:tab pos="1828800" algn="l"/>
+                  <a:tab pos="2286000" algn="l"/>
+                  <a:tab pos="2743200" algn="l"/>
+                  <a:tab pos="3200400" algn="l"/>
+                  <a:tab pos="3657600" algn="l"/>
+                  <a:tab pos="4114800" algn="l"/>
+                  <a:tab pos="4572000" algn="l"/>
+                  <a:tab pos="5029200" algn="l"/>
+                  <a:tab pos="5486400" algn="l"/>
+                  <a:tab pos="5943600" algn="l"/>
+                  <a:tab pos="6400800" algn="l"/>
+                  <a:tab pos="6858000" algn="l"/>
+                  <a:tab pos="7315200" algn="l"/>
+                  <a:tab pos="7772400" algn="l"/>
+                  <a:tab pos="8229600" algn="l"/>
+                  <a:tab pos="8686800" algn="l"/>
+                  <a:tab pos="9144000" algn="l"/>
+                </a:tabLst>
+                <a:defRPr sz="2400">
+                  <a:solidFill>
+                    <a:schemeClr val="tx1"/>
+                  </a:solidFill>
+                  <a:latin typeface="Arial Narrow" pitchFamily="34" charset="0"/>
+                  <a:ea typeface="MS PGothic" pitchFamily="34" charset="-128"/>
+                </a:defRPr>
+              </a:lvl4pPr>
+              <a:lvl5pPr marL="2057400" indent="-228600" defTabSz="457200">
+                <a:buFont typeface="Lucida Grande" charset="0"/>
+                <a:buChar char="–"/>
+                <a:tabLst>
+                  <a:tab pos="0" algn="l"/>
+                  <a:tab pos="457200" algn="l"/>
+                  <a:tab pos="914400" algn="l"/>
+                  <a:tab pos="1371600" algn="l"/>
+                  <a:tab pos="1828800" algn="l"/>
+                  <a:tab pos="2286000" algn="l"/>
+                  <a:tab pos="2743200" algn="l"/>
+                  <a:tab pos="3200400" algn="l"/>
+                  <a:tab pos="3657600" algn="l"/>
+                  <a:tab pos="4114800" algn="l"/>
+                  <a:tab pos="4572000" algn="l"/>
+                  <a:tab pos="5029200" algn="l"/>
+                  <a:tab pos="5486400" algn="l"/>
+                  <a:tab pos="5943600" algn="l"/>
+                  <a:tab pos="6400800" algn="l"/>
+                  <a:tab pos="6858000" algn="l"/>
+                  <a:tab pos="7315200" algn="l"/>
+                  <a:tab pos="7772400" algn="l"/>
+                  <a:tab pos="8229600" algn="l"/>
+                  <a:tab pos="8686800" algn="l"/>
+                  <a:tab pos="9144000" algn="l"/>
+                </a:tabLst>
+                <a:defRPr sz="2400">
+                  <a:solidFill>
+                    <a:schemeClr val="tx1"/>
+                  </a:solidFill>
+                  <a:latin typeface="Arial Narrow" pitchFamily="34" charset="0"/>
+                  <a:ea typeface="ヒラギノ角ゴ Pro W3" charset="-128"/>
+                </a:defRPr>
+              </a:lvl5pPr>
+              <a:lvl6pPr marL="2514600" indent="-228600" defTabSz="457200" eaLnBrk="0" fontAlgn="base" hangingPunct="0">
+                <a:lnSpc>
+                  <a:spcPct val="110000"/>
+                </a:lnSpc>
+                <a:spcBef>
+                  <a:spcPct val="0"/>
+                </a:spcBef>
+                <a:spcAft>
+                  <a:spcPct val="0"/>
+                </a:spcAft>
+                <a:buFont typeface="Lucida Grande" charset="0"/>
+                <a:buChar char="–"/>
+                <a:tabLst>
+                  <a:tab pos="0" algn="l"/>
+                  <a:tab pos="457200" algn="l"/>
+                  <a:tab pos="914400" algn="l"/>
+                  <a:tab pos="1371600" algn="l"/>
+                  <a:tab pos="1828800" algn="l"/>
+                  <a:tab pos="2286000" algn="l"/>
+                  <a:tab pos="2743200" algn="l"/>
+                  <a:tab pos="3200400" algn="l"/>
+                  <a:tab pos="3657600" algn="l"/>
+                  <a:tab pos="4114800" algn="l"/>
+                  <a:tab pos="4572000" algn="l"/>
+                  <a:tab pos="5029200" algn="l"/>
+                  <a:tab pos="5486400" algn="l"/>
+                  <a:tab pos="5943600" algn="l"/>
+                  <a:tab pos="6400800" algn="l"/>
+                  <a:tab pos="6858000" algn="l"/>
+                  <a:tab pos="7315200" algn="l"/>
+                  <a:tab pos="7772400" algn="l"/>
+                  <a:tab pos="8229600" algn="l"/>
+                  <a:tab pos="8686800" algn="l"/>
+                  <a:tab pos="9144000" algn="l"/>
+                </a:tabLst>
+                <a:defRPr sz="2400">
+                  <a:solidFill>
+                    <a:schemeClr val="tx1"/>
+                  </a:solidFill>
+                  <a:latin typeface="Arial Narrow" pitchFamily="34" charset="0"/>
+                  <a:ea typeface="ヒラギノ角ゴ Pro W3" charset="-128"/>
+                </a:defRPr>
+              </a:lvl6pPr>
+              <a:lvl7pPr marL="2971800" indent="-228600" defTabSz="457200" eaLnBrk="0" fontAlgn="base" hangingPunct="0">
+                <a:lnSpc>
+                  <a:spcPct val="110000"/>
+                </a:lnSpc>
+                <a:spcBef>
+                  <a:spcPct val="0"/>
+                </a:spcBef>
+                <a:spcAft>
+                  <a:spcPct val="0"/>
+                </a:spcAft>
+                <a:buFont typeface="Lucida Grande" charset="0"/>
+                <a:buChar char="–"/>
+                <a:tabLst>
+                  <a:tab pos="0" algn="l"/>
+                  <a:tab pos="457200" algn="l"/>
+                  <a:tab pos="914400" algn="l"/>
+                  <a:tab pos="1371600" algn="l"/>
+                  <a:tab pos="1828800" algn="l"/>
+                  <a:tab pos="2286000" algn="l"/>
+                  <a:tab pos="2743200" algn="l"/>
+                  <a:tab pos="3200400" algn="l"/>
+                  <a:tab pos="3657600" algn="l"/>
+                  <a:tab pos="4114800" algn="l"/>
+                  <a:tab pos="4572000" algn="l"/>
+                  <a:tab pos="5029200" algn="l"/>
+                  <a:tab pos="5486400" algn="l"/>
+                  <a:tab pos="5943600" algn="l"/>
+                  <a:tab pos="6400800" algn="l"/>
+                  <a:tab pos="6858000" algn="l"/>
+                  <a:tab pos="7315200" algn="l"/>
+                  <a:tab pos="7772400" algn="l"/>
+                  <a:tab pos="8229600" algn="l"/>
+                  <a:tab pos="8686800" algn="l"/>
+                  <a:tab pos="9144000" algn="l"/>
+                </a:tabLst>
+                <a:defRPr sz="2400">
+                  <a:solidFill>
+                    <a:schemeClr val="tx1"/>
+                  </a:solidFill>
+                  <a:latin typeface="Arial Narrow" pitchFamily="34" charset="0"/>
+                  <a:ea typeface="ヒラギノ角ゴ Pro W3" charset="-128"/>
+                </a:defRPr>
+              </a:lvl7pPr>
+              <a:lvl8pPr marL="3429000" indent="-228600" defTabSz="457200" eaLnBrk="0" fontAlgn="base" hangingPunct="0">
+                <a:lnSpc>
+                  <a:spcPct val="110000"/>
+                </a:lnSpc>
+                <a:spcBef>
+                  <a:spcPct val="0"/>
+                </a:spcBef>
+                <a:spcAft>
+                  <a:spcPct val="0"/>
+                </a:spcAft>
+                <a:buFont typeface="Lucida Grande" charset="0"/>
+                <a:buChar char="–"/>
+                <a:tabLst>
+                  <a:tab pos="0" algn="l"/>
+                  <a:tab pos="457200" algn="l"/>
+                  <a:tab pos="914400" algn="l"/>
+                  <a:tab pos="1371600" algn="l"/>
+                  <a:tab pos="1828800" algn="l"/>
+                  <a:tab pos="2286000" algn="l"/>
+                  <a:tab pos="2743200" algn="l"/>
+                  <a:tab pos="3200400" algn="l"/>
+                  <a:tab pos="3657600" algn="l"/>
+                  <a:tab pos="4114800" algn="l"/>
+                  <a:tab pos="4572000" algn="l"/>
+                  <a:tab pos="5029200" algn="l"/>
+                  <a:tab pos="5486400" algn="l"/>
+                  <a:tab pos="5943600" algn="l"/>
+                  <a:tab pos="6400800" algn="l"/>
+                  <a:tab pos="6858000" algn="l"/>
+                  <a:tab pos="7315200" algn="l"/>
+                  <a:tab pos="7772400" algn="l"/>
+                  <a:tab pos="8229600" algn="l"/>
+                  <a:tab pos="8686800" algn="l"/>
+                  <a:tab pos="9144000" algn="l"/>
+                </a:tabLst>
+                <a:defRPr sz="2400">
+                  <a:solidFill>
+                    <a:schemeClr val="tx1"/>
+                  </a:solidFill>
+                  <a:latin typeface="Arial Narrow" pitchFamily="34" charset="0"/>
+                  <a:ea typeface="ヒラギノ角ゴ Pro W3" charset="-128"/>
+                </a:defRPr>
+              </a:lvl8pPr>
+              <a:lvl9pPr marL="3886200" indent="-228600" defTabSz="457200" eaLnBrk="0" fontAlgn="base" hangingPunct="0">
+                <a:lnSpc>
+                  <a:spcPct val="110000"/>
+                </a:lnSpc>
+                <a:spcBef>
+                  <a:spcPct val="0"/>
+                </a:spcBef>
+                <a:spcAft>
+                  <a:spcPct val="0"/>
+                </a:spcAft>
+                <a:buFont typeface="Lucida Grande" charset="0"/>
+                <a:buChar char="–"/>
+                <a:tabLst>
+                  <a:tab pos="0" algn="l"/>
+                  <a:tab pos="457200" algn="l"/>
+                  <a:tab pos="914400" algn="l"/>
+                  <a:tab pos="1371600" algn="l"/>
+                  <a:tab pos="1828800" algn="l"/>
+                  <a:tab pos="2286000" algn="l"/>
+                  <a:tab pos="2743200" algn="l"/>
+                  <a:tab pos="3200400" algn="l"/>
+                  <a:tab pos="3657600" algn="l"/>
+                  <a:tab pos="4114800" algn="l"/>
+                  <a:tab pos="4572000" algn="l"/>
+                  <a:tab pos="5029200" algn="l"/>
+                  <a:tab pos="5486400" algn="l"/>
+                  <a:tab pos="5943600" algn="l"/>
+                  <a:tab pos="6400800" algn="l"/>
+                  <a:tab pos="6858000" algn="l"/>
+                  <a:tab pos="7315200" algn="l"/>
+                  <a:tab pos="7772400" algn="l"/>
+                  <a:tab pos="8229600" algn="l"/>
+                  <a:tab pos="8686800" algn="l"/>
+                  <a:tab pos="9144000" algn="l"/>
+                </a:tabLst>
+                <a:defRPr sz="2400">
+                  <a:solidFill>
+                    <a:schemeClr val="tx1"/>
+                  </a:solidFill>
+                  <a:latin typeface="Arial Narrow" pitchFamily="34" charset="0"/>
+                  <a:ea typeface="ヒラギノ角ゴ Pro W3" charset="-128"/>
+                </a:defRPr>
+              </a:lvl9pPr>
+            </a:lstStyle>
+            <a:p>
+              <a:pPr eaLnBrk="1" hangingPunct="1">
+                <a:spcBef>
+                  <a:spcPts val="0"/>
+                </a:spcBef>
+                <a:buClr>
+                  <a:srgbClr val="000000"/>
+                </a:buClr>
+                <a:buNone/>
+              </a:pPr>
+              <a:r>
+                <a:rPr lang="en-US" altLang="ko-KR" sz="1100" i="1" dirty="0">
+                  <a:solidFill>
+                    <a:srgbClr val="003B6E"/>
+                  </a:solidFill>
+                  <a:latin typeface="+mn-lt"/>
+                  <a:ea typeface="Gulim" pitchFamily="34" charset="-127"/>
+                  <a:cs typeface="Arial Unicode MS" pitchFamily="34" charset="-128"/>
+                </a:rPr>
+                <a:t>Externally Implemented</a:t>
+              </a:r>
+            </a:p>
+          </p:txBody>
+        </p:sp>
+      </p:grpSp>
+      <p:sp>
+        <p:nvSpPr>
+          <p:cNvPr id="8" name="Bent Arrow 7"/>
+          <p:cNvSpPr/>
+          <p:nvPr/>
+        </p:nvSpPr>
+        <p:spPr>
+          <a:xfrm rot="10800000">
+            <a:off x="6447558" y="2015055"/>
+            <a:ext cx="1560749" cy="1531562"/>
+          </a:xfrm>
+          <a:prstGeom prst="bentArrow">
+            <a:avLst>
+              <a:gd name="adj1" fmla="val 25000"/>
+              <a:gd name="adj2" fmla="val 24425"/>
+              <a:gd name="adj3" fmla="val 25000"/>
+              <a:gd name="adj4" fmla="val 43750"/>
+            </a:avLst>
+          </a:prstGeom>
+          <a:solidFill>
+            <a:srgbClr val="C00000"/>
+          </a:solidFill>
+          <a:ln>
+            <a:solidFill>
+              <a:schemeClr val="bg1"/>
+            </a:solidFill>
+          </a:ln>
+        </p:spPr>
+        <p:style>
+          <a:lnRef idx="2">
+            <a:schemeClr val="accent1">
+              <a:shade val="50000"/>
+            </a:schemeClr>
+          </a:lnRef>
+          <a:fillRef idx="1">
+            <a:schemeClr val="accent1"/>
+          </a:fillRef>
+          <a:effectRef idx="0">
+            <a:schemeClr val="accent1"/>
+          </a:effectRef>
+          <a:fontRef idx="minor">
+            <a:schemeClr val="lt1"/>
+          </a:fontRef>
+        </p:style>
+        <p:txBody>
+          <a:bodyPr rtlCol="0" anchor="ctr"/>
+          <a:lstStyle/>
+          <a:p>
+            <a:pPr algn="ctr"/>
+            <a:endParaRPr lang="en-US">
+              <a:solidFill>
+                <a:schemeClr val="tx1"/>
+              </a:solidFill>
+            </a:endParaRPr>
+          </a:p>
+        </p:txBody>
+      </p:sp>
+      <p:sp>
+        <p:nvSpPr>
+          <p:cNvPr id="54" name="Striped Right Arrow 53"/>
+          <p:cNvSpPr/>
+          <p:nvPr/>
+        </p:nvSpPr>
+        <p:spPr bwMode="auto">
+          <a:xfrm rot="10800000">
+            <a:off x="2504446" y="2966331"/>
+            <a:ext cx="476985" cy="484632"/>
+          </a:xfrm>
+          <a:prstGeom prst="stripedRightArrow">
+            <a:avLst>
+              <a:gd name="adj1" fmla="val 50000"/>
+              <a:gd name="adj2" fmla="val 51196"/>
+            </a:avLst>
+          </a:prstGeom>
+          <a:solidFill>
+            <a:srgbClr val="C50006"/>
+          </a:solidFill>
+          <a:ln w="9525" cap="flat" cmpd="sng" algn="ctr">
+            <a:noFill/>
+            <a:prstDash val="solid"/>
+            <a:round/>
+            <a:headEnd type="none" w="med" len="med"/>
+            <a:tailEnd type="none" w="med" len="med"/>
+          </a:ln>
+          <a:effectLst/>
+        </p:spPr>
+        <p:txBody>
+          <a:bodyPr vert="horz" wrap="square" lIns="91440" tIns="45720" rIns="91440" bIns="45720" numCol="1" rtlCol="0" anchor="t" anchorCtr="0" compatLnSpc="1">
+            <a:prstTxWarp prst="textNoShape">
+              <a:avLst/>
+            </a:prstTxWarp>
+          </a:bodyPr>
+          <a:lstStyle/>
+          <a:p>
+            <a:pPr marL="0" marR="0" indent="0" algn="l" defTabSz="914400" rtl="0" eaLnBrk="0" fontAlgn="base" latinLnBrk="0" hangingPunct="0">
+              <a:lnSpc>
+                <a:spcPct val="100000"/>
+              </a:lnSpc>
+              <a:spcBef>
+                <a:spcPct val="0"/>
+              </a:spcBef>
+              <a:spcAft>
+                <a:spcPct val="0"/>
+              </a:spcAft>
+              <a:buClrTx/>
+              <a:buSzTx/>
+              <a:buFontTx/>
+              <a:buNone/>
+              <a:tabLst/>
+            </a:pPr>
+            <a:endParaRPr kumimoji="0" lang="en-US" sz="2400" b="0" i="0" u="none" strike="noStrike" cap="none" normalizeH="0" baseline="0">
+              <a:ln>
+                <a:noFill/>
+              </a:ln>
+              <a:solidFill>
+                <a:schemeClr val="tx1"/>
+              </a:solidFill>
+              <a:effectLst/>
+              <a:latin typeface="Times" charset="0"/>
+            </a:endParaRPr>
+          </a:p>
+        </p:txBody>
+      </p:sp>
+      <p:grpSp>
+        <p:nvGrpSpPr>
+          <p:cNvPr id="11" name="Group 10"/>
+          <p:cNvGrpSpPr/>
+          <p:nvPr/>
+        </p:nvGrpSpPr>
+        <p:grpSpPr>
+          <a:xfrm>
+            <a:off x="971600" y="2780928"/>
+            <a:ext cx="1469369" cy="999455"/>
+            <a:chOff x="1031714" y="2676548"/>
+            <a:chExt cx="1469369" cy="999455"/>
+          </a:xfrm>
+        </p:grpSpPr>
+        <p:grpSp>
+          <p:nvGrpSpPr>
+            <p:cNvPr id="66" name="Group 65"/>
+            <p:cNvGrpSpPr/>
+            <p:nvPr/>
+          </p:nvGrpSpPr>
+          <p:grpSpPr>
+            <a:xfrm>
+              <a:off x="1031714" y="2676548"/>
+              <a:ext cx="1469369" cy="999455"/>
+              <a:chOff x="3227276" y="2065138"/>
+              <a:chExt cx="1052334" cy="715790"/>
+            </a:xfrm>
+          </p:grpSpPr>
+          <p:sp>
+            <p:nvSpPr>
+              <p:cNvPr id="67" name="Flowchart: Document 66"/>
+              <p:cNvSpPr/>
+              <p:nvPr/>
+            </p:nvSpPr>
+            <p:spPr bwMode="auto">
+              <a:xfrm>
+                <a:off x="3227276" y="2168280"/>
+                <a:ext cx="914400" cy="612648"/>
+              </a:xfrm>
+              <a:prstGeom prst="flowChartDocument">
+                <a:avLst/>
+              </a:prstGeom>
+              <a:solidFill>
+                <a:srgbClr val="0070C0"/>
+              </a:solidFill>
+              <a:ln w="9525" cap="flat" cmpd="sng" algn="ctr">
+                <a:noFill/>
+                <a:prstDash val="solid"/>
+                <a:round/>
+                <a:headEnd type="none" w="med" len="med"/>
+                <a:tailEnd type="none" w="med" len="med"/>
+              </a:ln>
+              <a:effectLst/>
+            </p:spPr>
+            <p:txBody>
+              <a:bodyPr vert="horz" wrap="square" lIns="91440" tIns="45720" rIns="91440" bIns="45720" numCol="1" rtlCol="0" anchor="t" anchorCtr="0" compatLnSpc="1">
+                <a:prstTxWarp prst="textNoShape">
+                  <a:avLst/>
+                </a:prstTxWarp>
+              </a:bodyPr>
+              <a:lstStyle/>
+              <a:p>
+                <a:pPr marL="0" marR="0" indent="0" algn="l" defTabSz="914400" rtl="0" eaLnBrk="0" fontAlgn="base" latinLnBrk="0" hangingPunct="0">
+                  <a:lnSpc>
+                    <a:spcPct val="100000"/>
+                  </a:lnSpc>
+                  <a:spcBef>
+                    <a:spcPct val="0"/>
+                  </a:spcBef>
+                  <a:spcAft>
+                    <a:spcPct val="0"/>
+                  </a:spcAft>
+                  <a:buClrTx/>
+                  <a:buSzTx/>
+                  <a:buFontTx/>
+                  <a:buNone/>
+                  <a:tabLst/>
+                </a:pPr>
+                <a:endParaRPr kumimoji="0" lang="en-US" sz="2400" b="0" i="0" u="none" strike="noStrike" cap="none" normalizeH="0" baseline="0">
+                  <a:ln>
+                    <a:noFill/>
+                  </a:ln>
+                  <a:solidFill>
+                    <a:schemeClr val="tx1"/>
+                  </a:solidFill>
+                  <a:effectLst/>
+                  <a:latin typeface="Times" charset="0"/>
+                </a:endParaRPr>
+              </a:p>
+            </p:txBody>
+          </p:sp>
+          <p:sp>
+            <p:nvSpPr>
+              <p:cNvPr id="68" name="Flowchart: Document 67"/>
+              <p:cNvSpPr/>
+              <p:nvPr/>
+            </p:nvSpPr>
+            <p:spPr bwMode="auto">
+              <a:xfrm>
+                <a:off x="3313640" y="2116709"/>
+                <a:ext cx="914400" cy="612648"/>
+              </a:xfrm>
+              <a:prstGeom prst="flowChartDocument">
+                <a:avLst/>
+              </a:prstGeom>
+              <a:solidFill>
+                <a:srgbClr val="0070C0">
+                  <a:alpha val="20000"/>
+                </a:srgbClr>
+              </a:solidFill>
+              <a:ln w="9525" cap="flat" cmpd="sng" algn="ctr">
+                <a:noFill/>
+                <a:prstDash val="solid"/>
+                <a:round/>
+                <a:headEnd type="none" w="med" len="med"/>
+                <a:tailEnd type="none" w="med" len="med"/>
+              </a:ln>
+              <a:effectLst/>
+            </p:spPr>
+            <p:txBody>
+              <a:bodyPr vert="horz" wrap="square" lIns="91440" tIns="45720" rIns="91440" bIns="45720" numCol="1" rtlCol="0" anchor="t" anchorCtr="0" compatLnSpc="1">
+                <a:prstTxWarp prst="textNoShape">
+                  <a:avLst/>
+                </a:prstTxWarp>
+              </a:bodyPr>
+              <a:lstStyle/>
+              <a:p>
+                <a:pPr marL="0" marR="0" indent="0" algn="l" defTabSz="914400" rtl="0" eaLnBrk="0" fontAlgn="base" latinLnBrk="0" hangingPunct="0">
+                  <a:lnSpc>
+                    <a:spcPct val="100000"/>
+                  </a:lnSpc>
+                  <a:spcBef>
+                    <a:spcPct val="0"/>
+                  </a:spcBef>
+                  <a:spcAft>
+                    <a:spcPct val="0"/>
+                  </a:spcAft>
+                  <a:buClrTx/>
+                  <a:buSzTx/>
+                  <a:buFontTx/>
+                  <a:buNone/>
+                  <a:tabLst/>
+                </a:pPr>
+                <a:endParaRPr kumimoji="0" lang="en-US" sz="2400" b="0" i="0" u="none" strike="noStrike" cap="none" normalizeH="0" baseline="0">
+                  <a:ln>
+                    <a:noFill/>
+                  </a:ln>
+                  <a:solidFill>
+                    <a:schemeClr val="tx1"/>
+                  </a:solidFill>
+                  <a:effectLst/>
+                  <a:latin typeface="Times" charset="0"/>
+                </a:endParaRPr>
+              </a:p>
+            </p:txBody>
+          </p:sp>
+          <p:sp>
+            <p:nvSpPr>
+              <p:cNvPr id="69" name="Flowchart: Document 68"/>
+              <p:cNvSpPr/>
+              <p:nvPr/>
+            </p:nvSpPr>
+            <p:spPr bwMode="auto">
+              <a:xfrm>
+                <a:off x="3365210" y="2065138"/>
+                <a:ext cx="914400" cy="612648"/>
+              </a:xfrm>
+              <a:prstGeom prst="flowChartDocument">
+                <a:avLst/>
+              </a:prstGeom>
+              <a:solidFill>
+                <a:srgbClr val="0070C0">
+                  <a:alpha val="20000"/>
+                </a:srgbClr>
+              </a:solidFill>
+              <a:ln w="9525" cap="flat" cmpd="sng" algn="ctr">
+                <a:noFill/>
+                <a:prstDash val="solid"/>
+                <a:round/>
+                <a:headEnd type="none" w="med" len="med"/>
+                <a:tailEnd type="none" w="med" len="med"/>
+              </a:ln>
+              <a:effectLst/>
+            </p:spPr>
+            <p:txBody>
+              <a:bodyPr vert="horz" wrap="square" lIns="91440" tIns="45720" rIns="91440" bIns="45720" numCol="1" rtlCol="0" anchor="t" anchorCtr="0" compatLnSpc="1">
+                <a:prstTxWarp prst="textNoShape">
+                  <a:avLst/>
+                </a:prstTxWarp>
+              </a:bodyPr>
+              <a:lstStyle/>
+              <a:p>
+                <a:pPr marL="0" marR="0" indent="0" algn="l" defTabSz="914400" rtl="0" eaLnBrk="0" fontAlgn="base" latinLnBrk="0" hangingPunct="0">
+                  <a:lnSpc>
+                    <a:spcPct val="100000"/>
+                  </a:lnSpc>
+                  <a:spcBef>
+                    <a:spcPct val="0"/>
+                  </a:spcBef>
+                  <a:spcAft>
+                    <a:spcPct val="0"/>
+                  </a:spcAft>
+                  <a:buClrTx/>
+                  <a:buSzTx/>
+                  <a:buFontTx/>
+                  <a:buNone/>
+                  <a:tabLst/>
+                </a:pPr>
+                <a:endParaRPr kumimoji="0" lang="en-US" sz="2400" b="0" i="0" u="none" strike="noStrike" cap="none" normalizeH="0" baseline="0">
+                  <a:ln>
+                    <a:noFill/>
+                  </a:ln>
+                  <a:solidFill>
+                    <a:schemeClr val="tx1"/>
+                  </a:solidFill>
+                  <a:effectLst/>
+                  <a:latin typeface="Times" charset="0"/>
+                </a:endParaRPr>
+              </a:p>
+            </p:txBody>
+          </p:sp>
+        </p:grpSp>
+        <p:sp>
+          <p:nvSpPr>
+            <p:cNvPr id="70" name="Rectangle 69"/>
+            <p:cNvSpPr/>
+            <p:nvPr/>
+          </p:nvSpPr>
+          <p:spPr>
+            <a:xfrm>
+              <a:off x="1067581" y="3034518"/>
+              <a:ext cx="1130871" cy="400110"/>
+            </a:xfrm>
+            <a:prstGeom prst="rect">
+              <a:avLst/>
+            </a:prstGeom>
+          </p:spPr>
+          <p:txBody>
+            <a:bodyPr wrap="square">
+              <a:spAutoFit/>
+            </a:bodyPr>
+            <a:lstStyle/>
+            <a:p>
+              <a:pPr algn="ctr"/>
+              <a:r>
+                <a:rPr lang="en-US" sz="2000" b="1" dirty="0">
+                  <a:solidFill>
+                    <a:schemeClr val="bg1"/>
+                  </a:solidFill>
+                  <a:latin typeface="+mn-lt"/>
+                </a:rPr>
+                <a:t>CSV</a:t>
+              </a:r>
+            </a:p>
+          </p:txBody>
+        </p:sp>
+      </p:grpSp>
+      <p:sp>
+        <p:nvSpPr>
+          <p:cNvPr id="72" name="TextBox 71"/>
+          <p:cNvSpPr txBox="1"/>
+          <p:nvPr/>
+        </p:nvSpPr>
+        <p:spPr>
+          <a:xfrm>
+            <a:off x="429990" y="2492896"/>
+            <a:ext cx="1621730" cy="307777"/>
+          </a:xfrm>
+          <a:prstGeom prst="rect">
+            <a:avLst/>
+          </a:prstGeom>
+          <a:noFill/>
+          <a:ln w="9525">
+            <a:noFill/>
+          </a:ln>
+        </p:spPr>
+        <p:txBody>
+          <a:bodyPr wrap="square" rtlCol="0" anchor="ctr">
+            <a:spAutoFit/>
+          </a:bodyPr>
+          <a:lstStyle/>
+          <a:p>
+            <a:r>
+              <a:rPr lang="en-US" sz="1400" b="1" dirty="0"/>
+              <a:t>Model Outputs</a:t>
+            </a:r>
+          </a:p>
+        </p:txBody>
+      </p:sp>
+      <p:grpSp>
+        <p:nvGrpSpPr>
+          <p:cNvPr id="2" name="Group 1"/>
+          <p:cNvGrpSpPr/>
+          <p:nvPr/>
+        </p:nvGrpSpPr>
+        <p:grpSpPr>
+          <a:xfrm>
+            <a:off x="3059834" y="4291735"/>
+            <a:ext cx="3312365" cy="2233609"/>
+            <a:chOff x="3211191" y="4437112"/>
+            <a:chExt cx="2440928" cy="2083388"/>
+          </a:xfrm>
+        </p:grpSpPr>
+        <p:grpSp>
+          <p:nvGrpSpPr>
+            <p:cNvPr id="73" name="Group 72"/>
+            <p:cNvGrpSpPr/>
+            <p:nvPr/>
+          </p:nvGrpSpPr>
+          <p:grpSpPr>
+            <a:xfrm>
+              <a:off x="3211191" y="4437112"/>
+              <a:ext cx="2440928" cy="2083388"/>
+              <a:chOff x="4690611" y="2310279"/>
+              <a:chExt cx="2676155" cy="1822067"/>
+            </a:xfrm>
+          </p:grpSpPr>
+          <p:sp>
+            <p:nvSpPr>
+              <p:cNvPr id="74" name="Text Box 11"/>
+              <p:cNvSpPr txBox="1">
+                <a:spLocks noChangeArrowheads="1"/>
+              </p:cNvSpPr>
+              <p:nvPr/>
+            </p:nvSpPr>
+            <p:spPr bwMode="auto">
+              <a:xfrm>
+                <a:off x="4690611" y="2310279"/>
+                <a:ext cx="2676155" cy="1822067"/>
+              </a:xfrm>
+              <a:prstGeom prst="rect">
+                <a:avLst/>
+              </a:prstGeom>
+              <a:solidFill>
+                <a:srgbClr val="FFFFFF"/>
+              </a:solidFill>
+              <a:ln w="6350">
+                <a:solidFill>
+                  <a:schemeClr val="tx1"/>
+                </a:solidFill>
+                <a:prstDash val="dashDot"/>
+                <a:miter lim="800000"/>
+                <a:headEnd/>
+                <a:tailEnd/>
+              </a:ln>
+            </p:spPr>
+            <p:txBody>
+              <a:bodyPr lIns="90000" tIns="46800" rIns="90000" bIns="46800"/>
+              <a:lstStyle>
+                <a:lvl1pPr defTabSz="457200">
+                  <a:buChar char="•"/>
+                  <a:tabLst>
+                    <a:tab pos="0" algn="l"/>
+                    <a:tab pos="457200" algn="l"/>
+                    <a:tab pos="914400" algn="l"/>
+                    <a:tab pos="1371600" algn="l"/>
+                    <a:tab pos="1828800" algn="l"/>
+                    <a:tab pos="2286000" algn="l"/>
+                    <a:tab pos="2743200" algn="l"/>
+                    <a:tab pos="3200400" algn="l"/>
+                    <a:tab pos="3657600" algn="l"/>
+                    <a:tab pos="4114800" algn="l"/>
+                    <a:tab pos="4572000" algn="l"/>
+                    <a:tab pos="5029200" algn="l"/>
+                    <a:tab pos="5486400" algn="l"/>
+                    <a:tab pos="5943600" algn="l"/>
+                    <a:tab pos="6400800" algn="l"/>
+                    <a:tab pos="6858000" algn="l"/>
+                    <a:tab pos="7315200" algn="l"/>
+                    <a:tab pos="7772400" algn="l"/>
+                    <a:tab pos="8229600" algn="l"/>
+                    <a:tab pos="8686800" algn="l"/>
+                    <a:tab pos="9144000" algn="l"/>
+                  </a:tabLst>
+                  <a:defRPr sz="2400">
+                    <a:solidFill>
+                      <a:schemeClr val="tx1"/>
+                    </a:solidFill>
+                    <a:latin typeface="Arial Narrow" pitchFamily="34" charset="0"/>
+                    <a:ea typeface="ヒラギノ角ゴ Pro W3" charset="-128"/>
+                  </a:defRPr>
+                </a:lvl1pPr>
+                <a:lvl2pPr marL="742950" indent="-285750" defTabSz="457200">
+                  <a:buClr>
+                    <a:schemeClr val="tx1"/>
+                  </a:buClr>
+                  <a:buSzPct val="120000"/>
+                  <a:buChar char="•"/>
+                  <a:tabLst>
+                    <a:tab pos="0" algn="l"/>
+                    <a:tab pos="457200" algn="l"/>
+                    <a:tab pos="914400" algn="l"/>
+                    <a:tab pos="1371600" algn="l"/>
+                    <a:tab pos="1828800" algn="l"/>
+                    <a:tab pos="2286000" algn="l"/>
+                    <a:tab pos="2743200" algn="l"/>
+                    <a:tab pos="3200400" algn="l"/>
+                    <a:tab pos="3657600" algn="l"/>
+                    <a:tab pos="4114800" algn="l"/>
+                    <a:tab pos="4572000" algn="l"/>
+                    <a:tab pos="5029200" algn="l"/>
+                    <a:tab pos="5486400" algn="l"/>
+                    <a:tab pos="5943600" algn="l"/>
+                    <a:tab pos="6400800" algn="l"/>
+                    <a:tab pos="6858000" algn="l"/>
+                    <a:tab pos="7315200" algn="l"/>
+                    <a:tab pos="7772400" algn="l"/>
+                    <a:tab pos="8229600" algn="l"/>
+                    <a:tab pos="8686800" algn="l"/>
+                    <a:tab pos="9144000" algn="l"/>
+                  </a:tabLst>
+                  <a:defRPr sz="2400">
+                    <a:solidFill>
+                      <a:schemeClr val="tx1"/>
+                    </a:solidFill>
+                    <a:latin typeface="Arial Narrow" pitchFamily="34" charset="0"/>
+                    <a:ea typeface="ヒラギノ角ゴ Pro W3" charset="-128"/>
+                  </a:defRPr>
+                </a:lvl2pPr>
+                <a:lvl3pPr marL="1143000" indent="-228600" defTabSz="457200">
+                  <a:buFont typeface="Times" pitchFamily="18" charset="0"/>
+                  <a:buChar char="–"/>
+                  <a:tabLst>
+                    <a:tab pos="0" algn="l"/>
+                    <a:tab pos="457200" algn="l"/>
+                    <a:tab pos="914400" algn="l"/>
+                    <a:tab pos="1371600" algn="l"/>
+                    <a:tab pos="1828800" algn="l"/>
+                    <a:tab pos="2286000" algn="l"/>
+                    <a:tab pos="2743200" algn="l"/>
+                    <a:tab pos="3200400" algn="l"/>
+                    <a:tab pos="3657600" algn="l"/>
+                    <a:tab pos="4114800" algn="l"/>
+                    <a:tab pos="4572000" algn="l"/>
+                    <a:tab pos="5029200" algn="l"/>
+                    <a:tab pos="5486400" algn="l"/>
+                    <a:tab pos="5943600" algn="l"/>
+                    <a:tab pos="6400800" algn="l"/>
+                    <a:tab pos="6858000" algn="l"/>
+                    <a:tab pos="7315200" algn="l"/>
+                    <a:tab pos="7772400" algn="l"/>
+                    <a:tab pos="8229600" algn="l"/>
+                    <a:tab pos="8686800" algn="l"/>
+                    <a:tab pos="9144000" algn="l"/>
+                  </a:tabLst>
+                  <a:defRPr sz="1700">
+                    <a:solidFill>
+                      <a:schemeClr val="tx1"/>
+                    </a:solidFill>
+                    <a:latin typeface="Arial Narrow" pitchFamily="34" charset="0"/>
+                    <a:ea typeface="MS PGothic" pitchFamily="34" charset="-128"/>
+                  </a:defRPr>
+                </a:lvl3pPr>
+                <a:lvl4pPr marL="1600200" indent="-228600" defTabSz="457200">
+                  <a:buFont typeface="Lucida Grande" charset="0"/>
+                  <a:buChar char="–"/>
+                  <a:tabLst>
+                    <a:tab pos="0" algn="l"/>
+                    <a:tab pos="457200" algn="l"/>
+                    <a:tab pos="914400" algn="l"/>
+                    <a:tab pos="1371600" algn="l"/>
+                    <a:tab pos="1828800" algn="l"/>
+                    <a:tab pos="2286000" algn="l"/>
+                    <a:tab pos="2743200" algn="l"/>
+                    <a:tab pos="3200400" algn="l"/>
+                    <a:tab pos="3657600" algn="l"/>
+                    <a:tab pos="4114800" algn="l"/>
+                    <a:tab pos="4572000" algn="l"/>
+                    <a:tab pos="5029200" algn="l"/>
+                    <a:tab pos="5486400" algn="l"/>
+                    <a:tab pos="5943600" algn="l"/>
+                    <a:tab pos="6400800" algn="l"/>
+                    <a:tab pos="6858000" algn="l"/>
+                    <a:tab pos="7315200" algn="l"/>
+                    <a:tab pos="7772400" algn="l"/>
+                    <a:tab pos="8229600" algn="l"/>
+                    <a:tab pos="8686800" algn="l"/>
+                    <a:tab pos="9144000" algn="l"/>
+                  </a:tabLst>
+                  <a:defRPr sz="2400">
+                    <a:solidFill>
+                      <a:schemeClr val="tx1"/>
+                    </a:solidFill>
+                    <a:latin typeface="Arial Narrow" pitchFamily="34" charset="0"/>
+                    <a:ea typeface="MS PGothic" pitchFamily="34" charset="-128"/>
+                  </a:defRPr>
+                </a:lvl4pPr>
+                <a:lvl5pPr marL="2057400" indent="-228600" defTabSz="457200">
+                  <a:buFont typeface="Lucida Grande" charset="0"/>
+                  <a:buChar char="–"/>
+                  <a:tabLst>
+                    <a:tab pos="0" algn="l"/>
+                    <a:tab pos="457200" algn="l"/>
+                    <a:tab pos="914400" algn="l"/>
+                    <a:tab pos="1371600" algn="l"/>
+                    <a:tab pos="1828800" algn="l"/>
+                    <a:tab pos="2286000" algn="l"/>
+                    <a:tab pos="2743200" algn="l"/>
+                    <a:tab pos="3200400" algn="l"/>
+                    <a:tab pos="3657600" algn="l"/>
+                    <a:tab pos="4114800" algn="l"/>
+                    <a:tab pos="4572000" algn="l"/>
+                    <a:tab pos="5029200" algn="l"/>
+                    <a:tab pos="5486400" algn="l"/>
+                    <a:tab pos="5943600" algn="l"/>
+                    <a:tab pos="6400800" algn="l"/>
+                    <a:tab pos="6858000" algn="l"/>
+                    <a:tab pos="7315200" algn="l"/>
+                    <a:tab pos="7772400" algn="l"/>
+                    <a:tab pos="8229600" algn="l"/>
+                    <a:tab pos="8686800" algn="l"/>
+                    <a:tab pos="9144000" algn="l"/>
+                  </a:tabLst>
+                  <a:defRPr sz="2400">
+                    <a:solidFill>
+                      <a:schemeClr val="tx1"/>
+                    </a:solidFill>
+                    <a:latin typeface="Arial Narrow" pitchFamily="34" charset="0"/>
+                    <a:ea typeface="ヒラギノ角ゴ Pro W3" charset="-128"/>
+                  </a:defRPr>
+                </a:lvl5pPr>
+                <a:lvl6pPr marL="2514600" indent="-228600" defTabSz="457200" eaLnBrk="0" fontAlgn="base" hangingPunct="0">
+                  <a:lnSpc>
+                    <a:spcPct val="110000"/>
+                  </a:lnSpc>
+                  <a:spcBef>
+                    <a:spcPct val="0"/>
+                  </a:spcBef>
+                  <a:spcAft>
+                    <a:spcPct val="0"/>
+                  </a:spcAft>
+                  <a:buFont typeface="Lucida Grande" charset="0"/>
+                  <a:buChar char="–"/>
+                  <a:tabLst>
+                    <a:tab pos="0" algn="l"/>
+                    <a:tab pos="457200" algn="l"/>
+                    <a:tab pos="914400" algn="l"/>
+                    <a:tab pos="1371600" algn="l"/>
+                    <a:tab pos="1828800" algn="l"/>
+                    <a:tab pos="2286000" algn="l"/>
+                    <a:tab pos="2743200" algn="l"/>
+                    <a:tab pos="3200400" algn="l"/>
+                    <a:tab pos="3657600" algn="l"/>
+                    <a:tab pos="4114800" algn="l"/>
+                    <a:tab pos="4572000" algn="l"/>
+                    <a:tab pos="5029200" algn="l"/>
+                    <a:tab pos="5486400" algn="l"/>
+                    <a:tab pos="5943600" algn="l"/>
+                    <a:tab pos="6400800" algn="l"/>
+                    <a:tab pos="6858000" algn="l"/>
+                    <a:tab pos="7315200" algn="l"/>
+                    <a:tab pos="7772400" algn="l"/>
+                    <a:tab pos="8229600" algn="l"/>
+                    <a:tab pos="8686800" algn="l"/>
+                    <a:tab pos="9144000" algn="l"/>
+                  </a:tabLst>
+                  <a:defRPr sz="2400">
+                    <a:solidFill>
+                      <a:schemeClr val="tx1"/>
+                    </a:solidFill>
+                    <a:latin typeface="Arial Narrow" pitchFamily="34" charset="0"/>
+                    <a:ea typeface="ヒラギノ角ゴ Pro W3" charset="-128"/>
+                  </a:defRPr>
+                </a:lvl6pPr>
+                <a:lvl7pPr marL="2971800" indent="-228600" defTabSz="457200" eaLnBrk="0" fontAlgn="base" hangingPunct="0">
+                  <a:lnSpc>
+                    <a:spcPct val="110000"/>
+                  </a:lnSpc>
+                  <a:spcBef>
+                    <a:spcPct val="0"/>
+                  </a:spcBef>
+                  <a:spcAft>
+                    <a:spcPct val="0"/>
+                  </a:spcAft>
+                  <a:buFont typeface="Lucida Grande" charset="0"/>
+                  <a:buChar char="–"/>
+                  <a:tabLst>
+                    <a:tab pos="0" algn="l"/>
+                    <a:tab pos="457200" algn="l"/>
+                    <a:tab pos="914400" algn="l"/>
+                    <a:tab pos="1371600" algn="l"/>
+                    <a:tab pos="1828800" algn="l"/>
+                    <a:tab pos="2286000" algn="l"/>
+                    <a:tab pos="2743200" algn="l"/>
+                    <a:tab pos="3200400" algn="l"/>
+                    <a:tab pos="3657600" algn="l"/>
+                    <a:tab pos="4114800" algn="l"/>
+                    <a:tab pos="4572000" algn="l"/>
+                    <a:tab pos="5029200" algn="l"/>
+                    <a:tab pos="5486400" algn="l"/>
+                    <a:tab pos="5943600" algn="l"/>
+                    <a:tab pos="6400800" algn="l"/>
+                    <a:tab pos="6858000" algn="l"/>
+                    <a:tab pos="7315200" algn="l"/>
+                    <a:tab pos="7772400" algn="l"/>
+                    <a:tab pos="8229600" algn="l"/>
+                    <a:tab pos="8686800" algn="l"/>
+                    <a:tab pos="9144000" algn="l"/>
+                  </a:tabLst>
+                  <a:defRPr sz="2400">
+                    <a:solidFill>
+                      <a:schemeClr val="tx1"/>
+                    </a:solidFill>
+                    <a:latin typeface="Arial Narrow" pitchFamily="34" charset="0"/>
+                    <a:ea typeface="ヒラギノ角ゴ Pro W3" charset="-128"/>
+                  </a:defRPr>
+                </a:lvl7pPr>
+                <a:lvl8pPr marL="3429000" indent="-228600" defTabSz="457200" eaLnBrk="0" fontAlgn="base" hangingPunct="0">
+                  <a:lnSpc>
+                    <a:spcPct val="110000"/>
+                  </a:lnSpc>
+                  <a:spcBef>
+                    <a:spcPct val="0"/>
+                  </a:spcBef>
+                  <a:spcAft>
+                    <a:spcPct val="0"/>
+                  </a:spcAft>
+                  <a:buFont typeface="Lucida Grande" charset="0"/>
+                  <a:buChar char="–"/>
+                  <a:tabLst>
+                    <a:tab pos="0" algn="l"/>
+                    <a:tab pos="457200" algn="l"/>
+                    <a:tab pos="914400" algn="l"/>
+                    <a:tab pos="1371600" algn="l"/>
+                    <a:tab pos="1828800" algn="l"/>
+                    <a:tab pos="2286000" algn="l"/>
+                    <a:tab pos="2743200" algn="l"/>
+                    <a:tab pos="3200400" algn="l"/>
+                    <a:tab pos="3657600" algn="l"/>
+                    <a:tab pos="4114800" algn="l"/>
+                    <a:tab pos="4572000" algn="l"/>
+                    <a:tab pos="5029200" algn="l"/>
+                    <a:tab pos="5486400" algn="l"/>
+                    <a:tab pos="5943600" algn="l"/>
+                    <a:tab pos="6400800" algn="l"/>
+                    <a:tab pos="6858000" algn="l"/>
+                    <a:tab pos="7315200" algn="l"/>
+                    <a:tab pos="7772400" algn="l"/>
+                    <a:tab pos="8229600" algn="l"/>
+                    <a:tab pos="8686800" algn="l"/>
+                    <a:tab pos="9144000" algn="l"/>
+                  </a:tabLst>
+                  <a:defRPr sz="2400">
+                    <a:solidFill>
+                      <a:schemeClr val="tx1"/>
+                    </a:solidFill>
+                    <a:latin typeface="Arial Narrow" pitchFamily="34" charset="0"/>
+                    <a:ea typeface="ヒラギノ角ゴ Pro W3" charset="-128"/>
+                  </a:defRPr>
+                </a:lvl8pPr>
+                <a:lvl9pPr marL="3886200" indent="-228600" defTabSz="457200" eaLnBrk="0" fontAlgn="base" hangingPunct="0">
+                  <a:lnSpc>
+                    <a:spcPct val="110000"/>
+                  </a:lnSpc>
+                  <a:spcBef>
+                    <a:spcPct val="0"/>
+                  </a:spcBef>
+                  <a:spcAft>
+                    <a:spcPct val="0"/>
+                  </a:spcAft>
+                  <a:buFont typeface="Lucida Grande" charset="0"/>
+                  <a:buChar char="–"/>
+                  <a:tabLst>
+                    <a:tab pos="0" algn="l"/>
+                    <a:tab pos="457200" algn="l"/>
+                    <a:tab pos="914400" algn="l"/>
+                    <a:tab pos="1371600" algn="l"/>
+                    <a:tab pos="1828800" algn="l"/>
+                    <a:tab pos="2286000" algn="l"/>
+                    <a:tab pos="2743200" algn="l"/>
+                    <a:tab pos="3200400" algn="l"/>
+                    <a:tab pos="3657600" algn="l"/>
+                    <a:tab pos="4114800" algn="l"/>
+                    <a:tab pos="4572000" algn="l"/>
+                    <a:tab pos="5029200" algn="l"/>
+                    <a:tab pos="5486400" algn="l"/>
+                    <a:tab pos="5943600" algn="l"/>
+                    <a:tab pos="6400800" algn="l"/>
+                    <a:tab pos="6858000" algn="l"/>
+                    <a:tab pos="7315200" algn="l"/>
+                    <a:tab pos="7772400" algn="l"/>
+                    <a:tab pos="8229600" algn="l"/>
+                    <a:tab pos="8686800" algn="l"/>
+                    <a:tab pos="9144000" algn="l"/>
+                  </a:tabLst>
+                  <a:defRPr sz="2400">
+                    <a:solidFill>
+                      <a:schemeClr val="tx1"/>
+                    </a:solidFill>
+                    <a:latin typeface="Arial Narrow" pitchFamily="34" charset="0"/>
+                    <a:ea typeface="ヒラギノ角ゴ Pro W3" charset="-128"/>
+                  </a:defRPr>
+                </a:lvl9pPr>
+              </a:lstStyle>
+              <a:p>
+                <a:pPr eaLnBrk="1" hangingPunct="1">
+                  <a:lnSpc>
+                    <a:spcPct val="100000"/>
+                  </a:lnSpc>
+                  <a:buClr>
+                    <a:srgbClr val="000000"/>
+                  </a:buClr>
+                  <a:buFont typeface="Times New Roman" pitchFamily="18" charset="0"/>
+                  <a:buNone/>
+                </a:pPr>
+                <a:r>
+                  <a:rPr lang="en-US" altLang="ko-KR" sz="1400" dirty="0">
+                    <a:solidFill>
+                      <a:srgbClr val="C50006"/>
+                    </a:solidFill>
+                    <a:latin typeface="+mn-lt"/>
+                    <a:ea typeface="Gulim" pitchFamily="34" charset="-127"/>
+                    <a:cs typeface="Arial Unicode MS" pitchFamily="34" charset="-128"/>
+                  </a:rPr>
+                  <a:t>Sensitivity Analysis </a:t>
+                </a:r>
+                <a:br>
+                  <a:rPr lang="en-US" altLang="ko-KR" sz="1400" dirty="0">
+                    <a:solidFill>
+                      <a:srgbClr val="C50006"/>
+                    </a:solidFill>
+                    <a:latin typeface="+mn-lt"/>
+                    <a:ea typeface="Gulim" pitchFamily="34" charset="-127"/>
+                    <a:cs typeface="Arial Unicode MS" pitchFamily="34" charset="-128"/>
+                  </a:rPr>
+                </a:br>
+                <a:r>
+                  <a:rPr lang="en-US" altLang="ko-KR" sz="1400" dirty="0">
+                    <a:solidFill>
+                      <a:srgbClr val="C50006"/>
+                    </a:solidFill>
+                    <a:latin typeface="+mn-lt"/>
+                    <a:ea typeface="Gulim" pitchFamily="34" charset="-127"/>
+                    <a:cs typeface="Arial Unicode MS" pitchFamily="34" charset="-128"/>
+                  </a:rPr>
+                  <a:t>Post-processor Modules</a:t>
+                </a:r>
+              </a:p>
+            </p:txBody>
+          </p:sp>
+          <p:sp>
+            <p:nvSpPr>
+              <p:cNvPr id="75" name="Text Box 12"/>
+              <p:cNvSpPr txBox="1">
+                <a:spLocks noChangeArrowheads="1"/>
+              </p:cNvSpPr>
+              <p:nvPr/>
+            </p:nvSpPr>
+            <p:spPr bwMode="auto">
+              <a:xfrm>
+                <a:off x="4761034" y="2722575"/>
+                <a:ext cx="2547356" cy="456849"/>
+              </a:xfrm>
+              <a:prstGeom prst="rect">
+                <a:avLst/>
+              </a:prstGeom>
+              <a:solidFill>
+                <a:schemeClr val="bg1">
+                  <a:lumMod val="85000"/>
+                </a:schemeClr>
+              </a:solidFill>
+              <a:ln w="9360">
+                <a:solidFill>
+                  <a:schemeClr val="tx1"/>
+                </a:solidFill>
+                <a:prstDash val="dashDot"/>
+                <a:miter lim="800000"/>
+                <a:headEnd/>
+                <a:tailEnd/>
+              </a:ln>
+            </p:spPr>
+            <p:txBody>
+              <a:bodyPr wrap="square" lIns="90000" tIns="46800" rIns="90000" bIns="46800" anchor="ctr">
+                <a:noAutofit/>
+              </a:bodyPr>
+              <a:lstStyle>
+                <a:lvl1pPr defTabSz="457200">
+                  <a:buChar char="•"/>
+                  <a:tabLst>
+                    <a:tab pos="0" algn="l"/>
+                    <a:tab pos="457200" algn="l"/>
+                    <a:tab pos="914400" algn="l"/>
+                    <a:tab pos="1371600" algn="l"/>
+                    <a:tab pos="1828800" algn="l"/>
+                    <a:tab pos="2286000" algn="l"/>
+                    <a:tab pos="2743200" algn="l"/>
+                    <a:tab pos="3200400" algn="l"/>
+                    <a:tab pos="3657600" algn="l"/>
+                    <a:tab pos="4114800" algn="l"/>
+                    <a:tab pos="4572000" algn="l"/>
+                    <a:tab pos="5029200" algn="l"/>
+                    <a:tab pos="5486400" algn="l"/>
+                    <a:tab pos="5943600" algn="l"/>
+                    <a:tab pos="6400800" algn="l"/>
+                    <a:tab pos="6858000" algn="l"/>
+                    <a:tab pos="7315200" algn="l"/>
+                    <a:tab pos="7772400" algn="l"/>
+                    <a:tab pos="8229600" algn="l"/>
+                    <a:tab pos="8686800" algn="l"/>
+                    <a:tab pos="9144000" algn="l"/>
+                  </a:tabLst>
+                  <a:defRPr sz="2400">
+                    <a:solidFill>
+                      <a:schemeClr val="tx1"/>
+                    </a:solidFill>
+                    <a:latin typeface="Arial Narrow" pitchFamily="34" charset="0"/>
+                    <a:ea typeface="ヒラギノ角ゴ Pro W3" charset="-128"/>
+                  </a:defRPr>
+                </a:lvl1pPr>
+                <a:lvl2pPr marL="742950" indent="-285750" defTabSz="457200">
+                  <a:buClr>
+                    <a:schemeClr val="tx1"/>
+                  </a:buClr>
+                  <a:buSzPct val="120000"/>
+                  <a:buChar char="•"/>
+                  <a:tabLst>
+                    <a:tab pos="0" algn="l"/>
+                    <a:tab pos="457200" algn="l"/>
+                    <a:tab pos="914400" algn="l"/>
+                    <a:tab pos="1371600" algn="l"/>
+                    <a:tab pos="1828800" algn="l"/>
+                    <a:tab pos="2286000" algn="l"/>
+                    <a:tab pos="2743200" algn="l"/>
+                    <a:tab pos="3200400" algn="l"/>
+                    <a:tab pos="3657600" algn="l"/>
+                    <a:tab pos="4114800" algn="l"/>
+                    <a:tab pos="4572000" algn="l"/>
+                    <a:tab pos="5029200" algn="l"/>
+                    <a:tab pos="5486400" algn="l"/>
+                    <a:tab pos="5943600" algn="l"/>
+                    <a:tab pos="6400800" algn="l"/>
+                    <a:tab pos="6858000" algn="l"/>
+                    <a:tab pos="7315200" algn="l"/>
+                    <a:tab pos="7772400" algn="l"/>
+                    <a:tab pos="8229600" algn="l"/>
+                    <a:tab pos="8686800" algn="l"/>
+                    <a:tab pos="9144000" algn="l"/>
+                  </a:tabLst>
+                  <a:defRPr sz="2400">
+                    <a:solidFill>
+                      <a:schemeClr val="tx1"/>
+                    </a:solidFill>
+                    <a:latin typeface="Arial Narrow" pitchFamily="34" charset="0"/>
+                    <a:ea typeface="ヒラギノ角ゴ Pro W3" charset="-128"/>
+                  </a:defRPr>
+                </a:lvl2pPr>
+                <a:lvl3pPr marL="1143000" indent="-228600" defTabSz="457200">
+                  <a:buFont typeface="Times" pitchFamily="18" charset="0"/>
+                  <a:buChar char="–"/>
+                  <a:tabLst>
+                    <a:tab pos="0" algn="l"/>
+                    <a:tab pos="457200" algn="l"/>
+                    <a:tab pos="914400" algn="l"/>
+                    <a:tab pos="1371600" algn="l"/>
+                    <a:tab pos="1828800" algn="l"/>
+                    <a:tab pos="2286000" algn="l"/>
+                    <a:tab pos="2743200" algn="l"/>
+                    <a:tab pos="3200400" algn="l"/>
+                    <a:tab pos="3657600" algn="l"/>
+                    <a:tab pos="4114800" algn="l"/>
+                    <a:tab pos="4572000" algn="l"/>
+                    <a:tab pos="5029200" algn="l"/>
+                    <a:tab pos="5486400" algn="l"/>
+                    <a:tab pos="5943600" algn="l"/>
+                    <a:tab pos="6400800" algn="l"/>
+                    <a:tab pos="6858000" algn="l"/>
+                    <a:tab pos="7315200" algn="l"/>
+                    <a:tab pos="7772400" algn="l"/>
+                    <a:tab pos="8229600" algn="l"/>
+                    <a:tab pos="8686800" algn="l"/>
+                    <a:tab pos="9144000" algn="l"/>
+                  </a:tabLst>
+                  <a:defRPr sz="1700">
+                    <a:solidFill>
+                      <a:schemeClr val="tx1"/>
+                    </a:solidFill>
+                    <a:latin typeface="Arial Narrow" pitchFamily="34" charset="0"/>
+                    <a:ea typeface="MS PGothic" pitchFamily="34" charset="-128"/>
+                  </a:defRPr>
+                </a:lvl3pPr>
+                <a:lvl4pPr marL="1600200" indent="-228600" defTabSz="457200">
+                  <a:buFont typeface="Lucida Grande" charset="0"/>
+                  <a:buChar char="–"/>
+                  <a:tabLst>
+                    <a:tab pos="0" algn="l"/>
+                    <a:tab pos="457200" algn="l"/>
+                    <a:tab pos="914400" algn="l"/>
+                    <a:tab pos="1371600" algn="l"/>
+                    <a:tab pos="1828800" algn="l"/>
+                    <a:tab pos="2286000" algn="l"/>
+                    <a:tab pos="2743200" algn="l"/>
+                    <a:tab pos="3200400" algn="l"/>
+                    <a:tab pos="3657600" algn="l"/>
+                    <a:tab pos="4114800" algn="l"/>
+                    <a:tab pos="4572000" algn="l"/>
+                    <a:tab pos="5029200" algn="l"/>
+                    <a:tab pos="5486400" algn="l"/>
+                    <a:tab pos="5943600" algn="l"/>
+                    <a:tab pos="6400800" algn="l"/>
+                    <a:tab pos="6858000" algn="l"/>
+                    <a:tab pos="7315200" algn="l"/>
+                    <a:tab pos="7772400" algn="l"/>
+                    <a:tab pos="8229600" algn="l"/>
+                    <a:tab pos="8686800" algn="l"/>
+                    <a:tab pos="9144000" algn="l"/>
+                  </a:tabLst>
+                  <a:defRPr sz="2400">
+                    <a:solidFill>
+                      <a:schemeClr val="tx1"/>
+                    </a:solidFill>
+                    <a:latin typeface="Arial Narrow" pitchFamily="34" charset="0"/>
+                    <a:ea typeface="MS PGothic" pitchFamily="34" charset="-128"/>
+                  </a:defRPr>
+                </a:lvl4pPr>
+                <a:lvl5pPr marL="2057400" indent="-228600" defTabSz="457200">
+                  <a:buFont typeface="Lucida Grande" charset="0"/>
+                  <a:buChar char="–"/>
+                  <a:tabLst>
+                    <a:tab pos="0" algn="l"/>
+                    <a:tab pos="457200" algn="l"/>
+                    <a:tab pos="914400" algn="l"/>
+                    <a:tab pos="1371600" algn="l"/>
+                    <a:tab pos="1828800" algn="l"/>
+                    <a:tab pos="2286000" algn="l"/>
+                    <a:tab pos="2743200" algn="l"/>
+                    <a:tab pos="3200400" algn="l"/>
+                    <a:tab pos="3657600" algn="l"/>
+                    <a:tab pos="4114800" algn="l"/>
+                    <a:tab pos="4572000" algn="l"/>
+                    <a:tab pos="5029200" algn="l"/>
+                    <a:tab pos="5486400" algn="l"/>
+                    <a:tab pos="5943600" algn="l"/>
+                    <a:tab pos="6400800" algn="l"/>
+                    <a:tab pos="6858000" algn="l"/>
+                    <a:tab pos="7315200" algn="l"/>
+                    <a:tab pos="7772400" algn="l"/>
+                    <a:tab pos="8229600" algn="l"/>
+                    <a:tab pos="8686800" algn="l"/>
+                    <a:tab pos="9144000" algn="l"/>
+                  </a:tabLst>
+                  <a:defRPr sz="2400">
+                    <a:solidFill>
+                      <a:schemeClr val="tx1"/>
+                    </a:solidFill>
+                    <a:latin typeface="Arial Narrow" pitchFamily="34" charset="0"/>
+                    <a:ea typeface="ヒラギノ角ゴ Pro W3" charset="-128"/>
+                  </a:defRPr>
+                </a:lvl5pPr>
+                <a:lvl6pPr marL="2514600" indent="-228600" defTabSz="457200" eaLnBrk="0" fontAlgn="base" hangingPunct="0">
+                  <a:lnSpc>
+                    <a:spcPct val="110000"/>
+                  </a:lnSpc>
+                  <a:spcBef>
+                    <a:spcPct val="0"/>
+                  </a:spcBef>
+                  <a:spcAft>
+                    <a:spcPct val="0"/>
+                  </a:spcAft>
+                  <a:buFont typeface="Lucida Grande" charset="0"/>
+                  <a:buChar char="–"/>
+                  <a:tabLst>
+                    <a:tab pos="0" algn="l"/>
+                    <a:tab pos="457200" algn="l"/>
+                    <a:tab pos="914400" algn="l"/>
+                    <a:tab pos="1371600" algn="l"/>
+                    <a:tab pos="1828800" algn="l"/>
+                    <a:tab pos="2286000" algn="l"/>
+                    <a:tab pos="2743200" algn="l"/>
+                    <a:tab pos="3200400" algn="l"/>
+                    <a:tab pos="3657600" algn="l"/>
+                    <a:tab pos="4114800" algn="l"/>
+                    <a:tab pos="4572000" algn="l"/>
+                    <a:tab pos="5029200" algn="l"/>
+                    <a:tab pos="5486400" algn="l"/>
+                    <a:tab pos="5943600" algn="l"/>
+                    <a:tab pos="6400800" algn="l"/>
+                    <a:tab pos="6858000" algn="l"/>
+                    <a:tab pos="7315200" algn="l"/>
+                    <a:tab pos="7772400" algn="l"/>
+                    <a:tab pos="8229600" algn="l"/>
+                    <a:tab pos="8686800" algn="l"/>
+                    <a:tab pos="9144000" algn="l"/>
+                  </a:tabLst>
+                  <a:defRPr sz="2400">
+                    <a:solidFill>
+                      <a:schemeClr val="tx1"/>
+                    </a:solidFill>
+                    <a:latin typeface="Arial Narrow" pitchFamily="34" charset="0"/>
+                    <a:ea typeface="ヒラギノ角ゴ Pro W3" charset="-128"/>
+                  </a:defRPr>
+                </a:lvl6pPr>
+                <a:lvl7pPr marL="2971800" indent="-228600" defTabSz="457200" eaLnBrk="0" fontAlgn="base" hangingPunct="0">
+                  <a:lnSpc>
+                    <a:spcPct val="110000"/>
+                  </a:lnSpc>
+                  <a:spcBef>
+                    <a:spcPct val="0"/>
+                  </a:spcBef>
+                  <a:spcAft>
+                    <a:spcPct val="0"/>
+                  </a:spcAft>
+                  <a:buFont typeface="Lucida Grande" charset="0"/>
+                  <a:buChar char="–"/>
+                  <a:tabLst>
+                    <a:tab pos="0" algn="l"/>
+                    <a:tab pos="457200" algn="l"/>
+                    <a:tab pos="914400" algn="l"/>
+                    <a:tab pos="1371600" algn="l"/>
+                    <a:tab pos="1828800" algn="l"/>
+                    <a:tab pos="2286000" algn="l"/>
+                    <a:tab pos="2743200" algn="l"/>
+                    <a:tab pos="3200400" algn="l"/>
+                    <a:tab pos="3657600" algn="l"/>
+                    <a:tab pos="4114800" algn="l"/>
+                    <a:tab pos="4572000" algn="l"/>
+                    <a:tab pos="5029200" algn="l"/>
+                    <a:tab pos="5486400" algn="l"/>
+                    <a:tab pos="5943600" algn="l"/>
+                    <a:tab pos="6400800" algn="l"/>
+                    <a:tab pos="6858000" algn="l"/>
+                    <a:tab pos="7315200" algn="l"/>
+                    <a:tab pos="7772400" algn="l"/>
+                    <a:tab pos="8229600" algn="l"/>
+                    <a:tab pos="8686800" algn="l"/>
+                    <a:tab pos="9144000" algn="l"/>
+                  </a:tabLst>
+                  <a:defRPr sz="2400">
+                    <a:solidFill>
+                      <a:schemeClr val="tx1"/>
+                    </a:solidFill>
+                    <a:latin typeface="Arial Narrow" pitchFamily="34" charset="0"/>
+                    <a:ea typeface="ヒラギノ角ゴ Pro W3" charset="-128"/>
+                  </a:defRPr>
+                </a:lvl7pPr>
+                <a:lvl8pPr marL="3429000" indent="-228600" defTabSz="457200" eaLnBrk="0" fontAlgn="base" hangingPunct="0">
+                  <a:lnSpc>
+                    <a:spcPct val="110000"/>
+                  </a:lnSpc>
+                  <a:spcBef>
+                    <a:spcPct val="0"/>
+                  </a:spcBef>
+                  <a:spcAft>
+                    <a:spcPct val="0"/>
+                  </a:spcAft>
+                  <a:buFont typeface="Lucida Grande" charset="0"/>
+                  <a:buChar char="–"/>
+                  <a:tabLst>
+                    <a:tab pos="0" algn="l"/>
+                    <a:tab pos="457200" algn="l"/>
+                    <a:tab pos="914400" algn="l"/>
+                    <a:tab pos="1371600" algn="l"/>
+                    <a:tab pos="1828800" algn="l"/>
+                    <a:tab pos="2286000" algn="l"/>
+                    <a:tab pos="2743200" algn="l"/>
+                    <a:tab pos="3200400" algn="l"/>
+                    <a:tab pos="3657600" algn="l"/>
+                    <a:tab pos="4114800" algn="l"/>
+                    <a:tab pos="4572000" algn="l"/>
+                    <a:tab pos="5029200" algn="l"/>
+                    <a:tab pos="5486400" algn="l"/>
+                    <a:tab pos="5943600" algn="l"/>
+                    <a:tab pos="6400800" algn="l"/>
+                    <a:tab pos="6858000" algn="l"/>
+                    <a:tab pos="7315200" algn="l"/>
+                    <a:tab pos="7772400" algn="l"/>
+                    <a:tab pos="8229600" algn="l"/>
+                    <a:tab pos="8686800" algn="l"/>
+                    <a:tab pos="9144000" algn="l"/>
+                  </a:tabLst>
+                  <a:defRPr sz="2400">
+                    <a:solidFill>
+                      <a:schemeClr val="tx1"/>
+                    </a:solidFill>
+                    <a:latin typeface="Arial Narrow" pitchFamily="34" charset="0"/>
+                    <a:ea typeface="ヒラギノ角ゴ Pro W3" charset="-128"/>
+                  </a:defRPr>
+                </a:lvl8pPr>
+                <a:lvl9pPr marL="3886200" indent="-228600" defTabSz="457200" eaLnBrk="0" fontAlgn="base" hangingPunct="0">
+                  <a:lnSpc>
+                    <a:spcPct val="110000"/>
+                  </a:lnSpc>
+                  <a:spcBef>
+                    <a:spcPct val="0"/>
+                  </a:spcBef>
+                  <a:spcAft>
+                    <a:spcPct val="0"/>
+                  </a:spcAft>
+                  <a:buFont typeface="Lucida Grande" charset="0"/>
+                  <a:buChar char="–"/>
+                  <a:tabLst>
+                    <a:tab pos="0" algn="l"/>
+                    <a:tab pos="457200" algn="l"/>
+                    <a:tab pos="914400" algn="l"/>
+                    <a:tab pos="1371600" algn="l"/>
+                    <a:tab pos="1828800" algn="l"/>
+                    <a:tab pos="2286000" algn="l"/>
+                    <a:tab pos="2743200" algn="l"/>
+                    <a:tab pos="3200400" algn="l"/>
+                    <a:tab pos="3657600" algn="l"/>
+                    <a:tab pos="4114800" algn="l"/>
+                    <a:tab pos="4572000" algn="l"/>
+                    <a:tab pos="5029200" algn="l"/>
+                    <a:tab pos="5486400" algn="l"/>
+                    <a:tab pos="5943600" algn="l"/>
+                    <a:tab pos="6400800" algn="l"/>
+                    <a:tab pos="6858000" algn="l"/>
+                    <a:tab pos="7315200" algn="l"/>
+                    <a:tab pos="7772400" algn="l"/>
+                    <a:tab pos="8229600" algn="l"/>
+                    <a:tab pos="8686800" algn="l"/>
+                    <a:tab pos="9144000" algn="l"/>
+                  </a:tabLst>
+                  <a:defRPr sz="2400">
+                    <a:solidFill>
+                      <a:schemeClr val="tx1"/>
+                    </a:solidFill>
+                    <a:latin typeface="Arial Narrow" pitchFamily="34" charset="0"/>
+                    <a:ea typeface="ヒラギノ角ゴ Pro W3" charset="-128"/>
+                  </a:defRPr>
+                </a:lvl9pPr>
+              </a:lstStyle>
+              <a:p>
+                <a:pPr marL="85725" indent="-85725" eaLnBrk="1" hangingPunct="1">
+                  <a:spcBef>
+                    <a:spcPts val="0"/>
+                  </a:spcBef>
+                  <a:buClr>
+                    <a:srgbClr val="000000"/>
+                  </a:buClr>
+                </a:pPr>
+                <a:r>
+                  <a:rPr lang="en-US" altLang="ko-KR" sz="1100" dirty="0">
+                    <a:solidFill>
+                      <a:srgbClr val="003B6E"/>
+                    </a:solidFill>
+                    <a:latin typeface="+mn-lt"/>
+                    <a:ea typeface="Gulim" pitchFamily="34" charset="-127"/>
+                    <a:cs typeface="Arial Unicode MS" pitchFamily="34" charset="-128"/>
+                  </a:rPr>
+                  <a:t>1</a:t>
+                </a:r>
+                <a:r>
+                  <a:rPr lang="en-US" altLang="ko-KR" sz="1100" baseline="30000" dirty="0">
+                    <a:solidFill>
+                      <a:srgbClr val="003B6E"/>
+                    </a:solidFill>
+                    <a:latin typeface="+mn-lt"/>
+                    <a:ea typeface="Gulim" pitchFamily="34" charset="-127"/>
+                    <a:cs typeface="Arial Unicode MS" pitchFamily="34" charset="-128"/>
+                  </a:rPr>
+                  <a:t>st</a:t>
+                </a:r>
+                <a:r>
+                  <a:rPr lang="en-US" altLang="ko-KR" sz="1100" dirty="0">
+                    <a:solidFill>
+                      <a:srgbClr val="003B6E"/>
+                    </a:solidFill>
+                    <a:latin typeface="+mn-lt"/>
+                    <a:ea typeface="Gulim" pitchFamily="34" charset="-127"/>
+                    <a:cs typeface="Arial Unicode MS" pitchFamily="34" charset="-128"/>
+                  </a:rPr>
+                  <a:t> Order </a:t>
+                </a:r>
+                <a:r>
+                  <a:rPr lang="en-US" altLang="ko-KR" sz="1100" dirty="0" err="1">
+                    <a:solidFill>
+                      <a:srgbClr val="003B6E"/>
+                    </a:solidFill>
+                    <a:latin typeface="+mn-lt"/>
+                    <a:ea typeface="Gulim" pitchFamily="34" charset="-127"/>
+                    <a:cs typeface="Arial Unicode MS" pitchFamily="34" charset="-128"/>
+                  </a:rPr>
+                  <a:t>Sobol</a:t>
+                </a:r>
+                <a:r>
+                  <a:rPr lang="en-US" altLang="ko-KR" sz="1100" dirty="0">
+                    <a:solidFill>
+                      <a:srgbClr val="003B6E"/>
+                    </a:solidFill>
+                    <a:latin typeface="+mn-lt"/>
+                    <a:ea typeface="Gulim" pitchFamily="34" charset="-127"/>
+                    <a:cs typeface="Arial Unicode MS" pitchFamily="34" charset="-128"/>
+                  </a:rPr>
+                  <a:t>’ Indices </a:t>
+                </a:r>
+                <a:r>
+                  <a:rPr lang="en-US" altLang="ko-KR" sz="1200" dirty="0">
+                    <a:solidFill>
+                      <a:srgbClr val="003B6E"/>
+                    </a:solidFill>
+                    <a:latin typeface="+mj-lt"/>
+                    <a:ea typeface="Gulim" pitchFamily="34" charset="-127"/>
+                    <a:cs typeface="Arial Unicode MS" pitchFamily="34" charset="-128"/>
+                  </a:rPr>
+                  <a:t>(</a:t>
+                </a:r>
+                <a:r>
+                  <a:rPr lang="en-US" altLang="ko-KR" sz="1100" dirty="0" err="1">
+                    <a:solidFill>
+                      <a:srgbClr val="003B6E"/>
+                    </a:solidFill>
+                    <a:latin typeface="Courier New" panose="02070309020205020404" pitchFamily="49" charset="0"/>
+                    <a:ea typeface="Gulim" pitchFamily="34" charset="-127"/>
+                    <a:cs typeface="Courier New" panose="02070309020205020404" pitchFamily="49" charset="0"/>
+                  </a:rPr>
+                  <a:t>sobo</a:t>
+                </a:r>
+                <a:r>
+                  <a:rPr lang="en-US" altLang="ko-KR" sz="1200" dirty="0" err="1">
+                    <a:solidFill>
+                      <a:srgbClr val="003B6E"/>
+                    </a:solidFill>
+                    <a:latin typeface="+mj-lt"/>
+                    <a:ea typeface="Gulim" pitchFamily="34" charset="-127"/>
+                    <a:cs typeface="Arial Unicode MS" pitchFamily="34" charset="-128"/>
+                  </a:rPr>
+                  <a:t>l</a:t>
+                </a:r>
+                <a:r>
+                  <a:rPr lang="en-US" altLang="ko-KR" sz="1200" dirty="0">
+                    <a:solidFill>
+                      <a:srgbClr val="003B6E"/>
+                    </a:solidFill>
+                    <a:latin typeface="+mj-lt"/>
+                    <a:ea typeface="Gulim" pitchFamily="34" charset="-127"/>
+                    <a:cs typeface="Arial Unicode MS" pitchFamily="34" charset="-128"/>
+                  </a:rPr>
+                  <a:t>)</a:t>
+                </a:r>
+              </a:p>
+              <a:p>
+                <a:pPr marL="85725" indent="-85725">
+                  <a:buClr>
+                    <a:srgbClr val="000000"/>
+                  </a:buClr>
+                </a:pPr>
+                <a:r>
+                  <a:rPr lang="en-US" altLang="ko-KR" sz="1100" dirty="0">
+                    <a:solidFill>
+                      <a:srgbClr val="003B6E"/>
+                    </a:solidFill>
+                    <a:latin typeface="+mn-lt"/>
+                    <a:ea typeface="Gulim" pitchFamily="34" charset="-127"/>
+                    <a:cs typeface="Arial Unicode MS" pitchFamily="34" charset="-128"/>
+                  </a:rPr>
+                  <a:t>Total Order </a:t>
+                </a:r>
+                <a:r>
+                  <a:rPr lang="en-US" altLang="ko-KR" sz="1100" dirty="0" err="1">
+                    <a:solidFill>
+                      <a:srgbClr val="003B6E"/>
+                    </a:solidFill>
+                    <a:latin typeface="+mn-lt"/>
+                    <a:ea typeface="Gulim" pitchFamily="34" charset="-127"/>
+                    <a:cs typeface="Arial Unicode MS" pitchFamily="34" charset="-128"/>
+                  </a:rPr>
+                  <a:t>Sobol</a:t>
+                </a:r>
+                <a:r>
+                  <a:rPr lang="en-US" altLang="ko-KR" sz="1100" dirty="0">
+                    <a:solidFill>
+                      <a:srgbClr val="003B6E"/>
+                    </a:solidFill>
+                    <a:latin typeface="+mn-lt"/>
+                    <a:ea typeface="Gulim" pitchFamily="34" charset="-127"/>
+                    <a:cs typeface="Arial Unicode MS" pitchFamily="34" charset="-128"/>
+                  </a:rPr>
+                  <a:t>’ Indices </a:t>
+                </a:r>
+                <a:r>
+                  <a:rPr lang="en-US" altLang="ko-KR" sz="1100" dirty="0">
+                    <a:solidFill>
+                      <a:srgbClr val="003B6E"/>
+                    </a:solidFill>
+                    <a:latin typeface="Courier New" panose="02070309020205020404" pitchFamily="49" charset="0"/>
+                    <a:ea typeface="Gulim" pitchFamily="34" charset="-127"/>
+                    <a:cs typeface="Courier New" panose="02070309020205020404" pitchFamily="49" charset="0"/>
+                  </a:rPr>
+                  <a:t>(</a:t>
+                </a:r>
+                <a:r>
+                  <a:rPr lang="en-US" altLang="ko-KR" sz="1100" dirty="0" err="1">
+                    <a:solidFill>
+                      <a:srgbClr val="003B6E"/>
+                    </a:solidFill>
+                    <a:latin typeface="Courier New" panose="02070309020205020404" pitchFamily="49" charset="0"/>
+                    <a:ea typeface="Gulim" pitchFamily="34" charset="-127"/>
+                    <a:cs typeface="Courier New" panose="02070309020205020404" pitchFamily="49" charset="0"/>
+                  </a:rPr>
+                  <a:t>sobol</a:t>
+                </a:r>
+                <a:r>
+                  <a:rPr lang="en-US" altLang="ko-KR" sz="1100" dirty="0">
+                    <a:solidFill>
+                      <a:srgbClr val="003B6E"/>
+                    </a:solidFill>
+                    <a:latin typeface="Courier New" panose="02070309020205020404" pitchFamily="49" charset="0"/>
+                    <a:ea typeface="Gulim" pitchFamily="34" charset="-127"/>
+                    <a:cs typeface="Courier New" panose="02070309020205020404" pitchFamily="49" charset="0"/>
+                  </a:rPr>
+                  <a:t>)</a:t>
+                </a:r>
+              </a:p>
+              <a:p>
+                <a:pPr marL="85725" indent="-85725">
+                  <a:buClr>
+                    <a:srgbClr val="000000"/>
+                  </a:buClr>
+                </a:pPr>
+                <a:r>
+                  <a:rPr lang="en-US" altLang="ko-KR" sz="1100" dirty="0">
+                    <a:solidFill>
+                      <a:srgbClr val="003B6E"/>
+                    </a:solidFill>
+                    <a:latin typeface="+mn-lt"/>
+                    <a:ea typeface="Gulim" pitchFamily="34" charset="-127"/>
+                    <a:cs typeface="Arial Unicode MS" pitchFamily="34" charset="-128"/>
+                  </a:rPr>
+                  <a:t>Morris Screening Method </a:t>
+                </a:r>
+                <a:r>
+                  <a:rPr lang="en-US" altLang="ko-KR" sz="1100" dirty="0">
+                    <a:solidFill>
+                      <a:srgbClr val="003B6E"/>
+                    </a:solidFill>
+                    <a:latin typeface="Courier New" panose="02070309020205020404" pitchFamily="49" charset="0"/>
+                    <a:ea typeface="Gulim" pitchFamily="34" charset="-127"/>
+                    <a:cs typeface="Courier New" panose="02070309020205020404" pitchFamily="49" charset="0"/>
+                  </a:rPr>
+                  <a:t>(</a:t>
+                </a:r>
+                <a:r>
+                  <a:rPr lang="en-US" altLang="ko-KR" sz="1100" dirty="0" err="1">
+                    <a:solidFill>
+                      <a:srgbClr val="003B6E"/>
+                    </a:solidFill>
+                    <a:latin typeface="Courier New" panose="02070309020205020404" pitchFamily="49" charset="0"/>
+                    <a:ea typeface="Gulim" pitchFamily="34" charset="-127"/>
+                    <a:cs typeface="Courier New" panose="02070309020205020404" pitchFamily="49" charset="0"/>
+                  </a:rPr>
+                  <a:t>morris</a:t>
+                </a:r>
+                <a:r>
+                  <a:rPr lang="en-US" altLang="ko-KR" sz="1000" dirty="0">
+                    <a:solidFill>
+                      <a:srgbClr val="003B6E"/>
+                    </a:solidFill>
+                    <a:latin typeface="Courier New" panose="02070309020205020404" pitchFamily="49" charset="0"/>
+                    <a:ea typeface="Gulim" pitchFamily="34" charset="-127"/>
+                    <a:cs typeface="Courier New" panose="02070309020205020404" pitchFamily="49" charset="0"/>
+                  </a:rPr>
+                  <a:t>)</a:t>
+                </a:r>
+                <a:endParaRPr lang="en-US" altLang="ko-KR" sz="1050" dirty="0">
+                  <a:solidFill>
+                    <a:srgbClr val="003B6E"/>
+                  </a:solidFill>
+                  <a:latin typeface="Courier New" panose="02070309020205020404" pitchFamily="49" charset="0"/>
+                  <a:ea typeface="Gulim" pitchFamily="34" charset="-127"/>
+                  <a:cs typeface="Courier New" panose="02070309020205020404" pitchFamily="49" charset="0"/>
+                </a:endParaRPr>
+              </a:p>
+            </p:txBody>
+          </p:sp>
+        </p:grpSp>
+        <p:sp>
+          <p:nvSpPr>
+            <p:cNvPr id="78" name="Text Box 12"/>
+            <p:cNvSpPr txBox="1">
+              <a:spLocks noChangeArrowheads="1"/>
+            </p:cNvSpPr>
+            <p:nvPr/>
+          </p:nvSpPr>
+          <p:spPr bwMode="auto">
+            <a:xfrm>
+              <a:off x="3276870" y="5482447"/>
+              <a:ext cx="2322004" cy="986895"/>
+            </a:xfrm>
+            <a:prstGeom prst="rect">
+              <a:avLst/>
+            </a:prstGeom>
+            <a:solidFill>
+              <a:schemeClr val="bg1">
+                <a:lumMod val="85000"/>
+              </a:schemeClr>
+            </a:solidFill>
+            <a:ln w="3175">
+              <a:solidFill>
+                <a:schemeClr val="tx1"/>
+              </a:solidFill>
+              <a:prstDash val="dashDot"/>
+              <a:miter lim="800000"/>
+              <a:headEnd/>
+              <a:tailEnd/>
+            </a:ln>
+          </p:spPr>
+          <p:txBody>
+            <a:bodyPr wrap="square" lIns="90000" tIns="46800" rIns="90000" bIns="46800" anchor="ctr">
+              <a:noAutofit/>
+            </a:bodyPr>
+            <a:lstStyle>
+              <a:lvl1pPr defTabSz="457200">
+                <a:buChar char="•"/>
+                <a:tabLst>
+                  <a:tab pos="0" algn="l"/>
+                  <a:tab pos="457200" algn="l"/>
+                  <a:tab pos="914400" algn="l"/>
+                  <a:tab pos="1371600" algn="l"/>
+                  <a:tab pos="1828800" algn="l"/>
+                  <a:tab pos="2286000" algn="l"/>
+                  <a:tab pos="2743200" algn="l"/>
+                  <a:tab pos="3200400" algn="l"/>
+                  <a:tab pos="3657600" algn="l"/>
+                  <a:tab pos="4114800" algn="l"/>
+                  <a:tab pos="4572000" algn="l"/>
+                  <a:tab pos="5029200" algn="l"/>
+                  <a:tab pos="5486400" algn="l"/>
+                  <a:tab pos="5943600" algn="l"/>
+                  <a:tab pos="6400800" algn="l"/>
+                  <a:tab pos="6858000" algn="l"/>
+                  <a:tab pos="7315200" algn="l"/>
+                  <a:tab pos="7772400" algn="l"/>
+                  <a:tab pos="8229600" algn="l"/>
+                  <a:tab pos="8686800" algn="l"/>
+                  <a:tab pos="9144000" algn="l"/>
+                </a:tabLst>
+                <a:defRPr sz="2400">
+                  <a:solidFill>
+                    <a:schemeClr val="tx1"/>
+                  </a:solidFill>
+                  <a:latin typeface="Arial Narrow" pitchFamily="34" charset="0"/>
+                  <a:ea typeface="ヒラギノ角ゴ Pro W3" charset="-128"/>
+                </a:defRPr>
+              </a:lvl1pPr>
+              <a:lvl2pPr marL="742950" indent="-285750" defTabSz="457200">
+                <a:buClr>
+                  <a:schemeClr val="tx1"/>
+                </a:buClr>
+                <a:buSzPct val="120000"/>
+                <a:buChar char="•"/>
+                <a:tabLst>
+                  <a:tab pos="0" algn="l"/>
+                  <a:tab pos="457200" algn="l"/>
+                  <a:tab pos="914400" algn="l"/>
+                  <a:tab pos="1371600" algn="l"/>
+                  <a:tab pos="1828800" algn="l"/>
+                  <a:tab pos="2286000" algn="l"/>
+                  <a:tab pos="2743200" algn="l"/>
+                  <a:tab pos="3200400" algn="l"/>
+                  <a:tab pos="3657600" algn="l"/>
+                  <a:tab pos="4114800" algn="l"/>
+                  <a:tab pos="4572000" algn="l"/>
+                  <a:tab pos="5029200" algn="l"/>
+                  <a:tab pos="5486400" algn="l"/>
+                  <a:tab pos="5943600" algn="l"/>
+                  <a:tab pos="6400800" algn="l"/>
+                  <a:tab pos="6858000" algn="l"/>
+                  <a:tab pos="7315200" algn="l"/>
+                  <a:tab pos="7772400" algn="l"/>
+                  <a:tab pos="8229600" algn="l"/>
+                  <a:tab pos="8686800" algn="l"/>
+                  <a:tab pos="9144000" algn="l"/>
+                </a:tabLst>
+                <a:defRPr sz="2400">
+                  <a:solidFill>
+                    <a:schemeClr val="tx1"/>
+                  </a:solidFill>
+                  <a:latin typeface="Arial Narrow" pitchFamily="34" charset="0"/>
+                  <a:ea typeface="ヒラギノ角ゴ Pro W3" charset="-128"/>
+                </a:defRPr>
+              </a:lvl2pPr>
+              <a:lvl3pPr marL="1143000" indent="-228600" defTabSz="457200">
+                <a:buFont typeface="Times" pitchFamily="18" charset="0"/>
+                <a:buChar char="–"/>
+                <a:tabLst>
+                  <a:tab pos="0" algn="l"/>
+                  <a:tab pos="457200" algn="l"/>
+                  <a:tab pos="914400" algn="l"/>
+                  <a:tab pos="1371600" algn="l"/>
+                  <a:tab pos="1828800" algn="l"/>
+                  <a:tab pos="2286000" algn="l"/>
+                  <a:tab pos="2743200" algn="l"/>
+                  <a:tab pos="3200400" algn="l"/>
+                  <a:tab pos="3657600" algn="l"/>
+                  <a:tab pos="4114800" algn="l"/>
+                  <a:tab pos="4572000" algn="l"/>
+                  <a:tab pos="5029200" algn="l"/>
+                  <a:tab pos="5486400" algn="l"/>
+                  <a:tab pos="5943600" algn="l"/>
+                  <a:tab pos="6400800" algn="l"/>
+                  <a:tab pos="6858000" algn="l"/>
+                  <a:tab pos="7315200" algn="l"/>
+                  <a:tab pos="7772400" algn="l"/>
+                  <a:tab pos="8229600" algn="l"/>
+                  <a:tab pos="8686800" algn="l"/>
+                  <a:tab pos="9144000" algn="l"/>
+                </a:tabLst>
+                <a:defRPr sz="1700">
+                  <a:solidFill>
+                    <a:schemeClr val="tx1"/>
+                  </a:solidFill>
+                  <a:latin typeface="Arial Narrow" pitchFamily="34" charset="0"/>
+                  <a:ea typeface="MS PGothic" pitchFamily="34" charset="-128"/>
+                </a:defRPr>
+              </a:lvl3pPr>
+              <a:lvl4pPr marL="1600200" indent="-228600" defTabSz="457200">
+                <a:buFont typeface="Lucida Grande" charset="0"/>
+                <a:buChar char="–"/>
+                <a:tabLst>
+                  <a:tab pos="0" algn="l"/>
+                  <a:tab pos="457200" algn="l"/>
+                  <a:tab pos="914400" algn="l"/>
+                  <a:tab pos="1371600" algn="l"/>
+                  <a:tab pos="1828800" algn="l"/>
+                  <a:tab pos="2286000" algn="l"/>
+                  <a:tab pos="2743200" algn="l"/>
+                  <a:tab pos="3200400" algn="l"/>
+                  <a:tab pos="3657600" algn="l"/>
+                  <a:tab pos="4114800" algn="l"/>
+                  <a:tab pos="4572000" algn="l"/>
+                  <a:tab pos="5029200" algn="l"/>
+                  <a:tab pos="5486400" algn="l"/>
+                  <a:tab pos="5943600" algn="l"/>
+                  <a:tab pos="6400800" algn="l"/>
+                  <a:tab pos="6858000" algn="l"/>
+                  <a:tab pos="7315200" algn="l"/>
+                  <a:tab pos="7772400" algn="l"/>
+                  <a:tab pos="8229600" algn="l"/>
+                  <a:tab pos="8686800" algn="l"/>
+                  <a:tab pos="9144000" algn="l"/>
+                </a:tabLst>
+                <a:defRPr sz="2400">
+                  <a:solidFill>
+                    <a:schemeClr val="tx1"/>
+                  </a:solidFill>
+                  <a:latin typeface="Arial Narrow" pitchFamily="34" charset="0"/>
+                  <a:ea typeface="MS PGothic" pitchFamily="34" charset="-128"/>
+                </a:defRPr>
+              </a:lvl4pPr>
+              <a:lvl5pPr marL="2057400" indent="-228600" defTabSz="457200">
+                <a:buFont typeface="Lucida Grande" charset="0"/>
+                <a:buChar char="–"/>
+                <a:tabLst>
+                  <a:tab pos="0" algn="l"/>
+                  <a:tab pos="457200" algn="l"/>
+                  <a:tab pos="914400" algn="l"/>
+                  <a:tab pos="1371600" algn="l"/>
+                  <a:tab pos="1828800" algn="l"/>
+                  <a:tab pos="2286000" algn="l"/>
+                  <a:tab pos="2743200" algn="l"/>
+                  <a:tab pos="3200400" algn="l"/>
+                  <a:tab pos="3657600" algn="l"/>
+                  <a:tab pos="4114800" algn="l"/>
+                  <a:tab pos="4572000" algn="l"/>
+                  <a:tab pos="5029200" algn="l"/>
+                  <a:tab pos="5486400" algn="l"/>
+                  <a:tab pos="5943600" algn="l"/>
+                  <a:tab pos="6400800" algn="l"/>
+                  <a:tab pos="6858000" algn="l"/>
+                  <a:tab pos="7315200" algn="l"/>
+                  <a:tab pos="7772400" algn="l"/>
+                  <a:tab pos="8229600" algn="l"/>
+                  <a:tab pos="8686800" algn="l"/>
+                  <a:tab pos="9144000" algn="l"/>
+                </a:tabLst>
+                <a:defRPr sz="2400">
+                  <a:solidFill>
+                    <a:schemeClr val="tx1"/>
+                  </a:solidFill>
+                  <a:latin typeface="Arial Narrow" pitchFamily="34" charset="0"/>
+                  <a:ea typeface="ヒラギノ角ゴ Pro W3" charset="-128"/>
+                </a:defRPr>
+              </a:lvl5pPr>
+              <a:lvl6pPr marL="2514600" indent="-228600" defTabSz="457200" eaLnBrk="0" fontAlgn="base" hangingPunct="0">
+                <a:lnSpc>
+                  <a:spcPct val="110000"/>
+                </a:lnSpc>
+                <a:spcBef>
+                  <a:spcPct val="0"/>
+                </a:spcBef>
+                <a:spcAft>
+                  <a:spcPct val="0"/>
+                </a:spcAft>
+                <a:buFont typeface="Lucida Grande" charset="0"/>
+                <a:buChar char="–"/>
+                <a:tabLst>
+                  <a:tab pos="0" algn="l"/>
+                  <a:tab pos="457200" algn="l"/>
+                  <a:tab pos="914400" algn="l"/>
+                  <a:tab pos="1371600" algn="l"/>
+                  <a:tab pos="1828800" algn="l"/>
+                  <a:tab pos="2286000" algn="l"/>
+                  <a:tab pos="2743200" algn="l"/>
+                  <a:tab pos="3200400" algn="l"/>
+                  <a:tab pos="3657600" algn="l"/>
+                  <a:tab pos="4114800" algn="l"/>
+                  <a:tab pos="4572000" algn="l"/>
+                  <a:tab pos="5029200" algn="l"/>
+                  <a:tab pos="5486400" algn="l"/>
+                  <a:tab pos="5943600" algn="l"/>
+                  <a:tab pos="6400800" algn="l"/>
+                  <a:tab pos="6858000" algn="l"/>
+                  <a:tab pos="7315200" algn="l"/>
+                  <a:tab pos="7772400" algn="l"/>
+                  <a:tab pos="8229600" algn="l"/>
+                  <a:tab pos="8686800" algn="l"/>
+                  <a:tab pos="9144000" algn="l"/>
+                </a:tabLst>
+                <a:defRPr sz="2400">
+                  <a:solidFill>
+                    <a:schemeClr val="tx1"/>
+                  </a:solidFill>
+                  <a:latin typeface="Arial Narrow" pitchFamily="34" charset="0"/>
+                  <a:ea typeface="ヒラギノ角ゴ Pro W3" charset="-128"/>
+                </a:defRPr>
+              </a:lvl6pPr>
+              <a:lvl7pPr marL="2971800" indent="-228600" defTabSz="457200" eaLnBrk="0" fontAlgn="base" hangingPunct="0">
+                <a:lnSpc>
+                  <a:spcPct val="110000"/>
+                </a:lnSpc>
+                <a:spcBef>
+                  <a:spcPct val="0"/>
+                </a:spcBef>
+                <a:spcAft>
+                  <a:spcPct val="0"/>
+                </a:spcAft>
+                <a:buFont typeface="Lucida Grande" charset="0"/>
+                <a:buChar char="–"/>
+                <a:tabLst>
+                  <a:tab pos="0" algn="l"/>
+                  <a:tab pos="457200" algn="l"/>
+                  <a:tab pos="914400" algn="l"/>
+                  <a:tab pos="1371600" algn="l"/>
+                  <a:tab pos="1828800" algn="l"/>
+                  <a:tab pos="2286000" algn="l"/>
+                  <a:tab pos="2743200" algn="l"/>
+                  <a:tab pos="3200400" algn="l"/>
+                  <a:tab pos="3657600" algn="l"/>
+                  <a:tab pos="4114800" algn="l"/>
+                  <a:tab pos="4572000" algn="l"/>
+                  <a:tab pos="5029200" algn="l"/>
+                  <a:tab pos="5486400" algn="l"/>
+                  <a:tab pos="5943600" algn="l"/>
+                  <a:tab pos="6400800" algn="l"/>
+                  <a:tab pos="6858000" algn="l"/>
+                  <a:tab pos="7315200" algn="l"/>
+                  <a:tab pos="7772400" algn="l"/>
+                  <a:tab pos="8229600" algn="l"/>
+                  <a:tab pos="8686800" algn="l"/>
+                  <a:tab pos="9144000" algn="l"/>
+                </a:tabLst>
+                <a:defRPr sz="2400">
+                  <a:solidFill>
+                    <a:schemeClr val="tx1"/>
+                  </a:solidFill>
+                  <a:latin typeface="Arial Narrow" pitchFamily="34" charset="0"/>
+                  <a:ea typeface="ヒラギノ角ゴ Pro W3" charset="-128"/>
+                </a:defRPr>
+              </a:lvl7pPr>
+              <a:lvl8pPr marL="3429000" indent="-228600" defTabSz="457200" eaLnBrk="0" fontAlgn="base" hangingPunct="0">
+                <a:lnSpc>
+                  <a:spcPct val="110000"/>
+                </a:lnSpc>
+                <a:spcBef>
+                  <a:spcPct val="0"/>
+                </a:spcBef>
+                <a:spcAft>
+                  <a:spcPct val="0"/>
+                </a:spcAft>
+                <a:buFont typeface="Lucida Grande" charset="0"/>
+                <a:buChar char="–"/>
+                <a:tabLst>
+                  <a:tab pos="0" algn="l"/>
+                  <a:tab pos="457200" algn="l"/>
+                  <a:tab pos="914400" algn="l"/>
+                  <a:tab pos="1371600" algn="l"/>
+                  <a:tab pos="1828800" algn="l"/>
+                  <a:tab pos="2286000" algn="l"/>
+                  <a:tab pos="2743200" algn="l"/>
+                  <a:tab pos="3200400" algn="l"/>
+                  <a:tab pos="3657600" algn="l"/>
+                  <a:tab pos="4114800" algn="l"/>
+                  <a:tab pos="4572000" algn="l"/>
+                  <a:tab pos="5029200" algn="l"/>
+                  <a:tab pos="5486400" algn="l"/>
+                  <a:tab pos="5943600" algn="l"/>
+                  <a:tab pos="6400800" algn="l"/>
+                  <a:tab pos="6858000" algn="l"/>
+                  <a:tab pos="7315200" algn="l"/>
+                  <a:tab pos="7772400" algn="l"/>
+                  <a:tab pos="8229600" algn="l"/>
+                  <a:tab pos="8686800" algn="l"/>
+                  <a:tab pos="9144000" algn="l"/>
+                </a:tabLst>
+                <a:defRPr sz="2400">
+                  <a:solidFill>
+                    <a:schemeClr val="tx1"/>
+                  </a:solidFill>
+                  <a:latin typeface="Arial Narrow" pitchFamily="34" charset="0"/>
+                  <a:ea typeface="ヒラギノ角ゴ Pro W3" charset="-128"/>
+                </a:defRPr>
+              </a:lvl8pPr>
+              <a:lvl9pPr marL="3886200" indent="-228600" defTabSz="457200" eaLnBrk="0" fontAlgn="base" hangingPunct="0">
+                <a:lnSpc>
+                  <a:spcPct val="110000"/>
+                </a:lnSpc>
+                <a:spcBef>
+                  <a:spcPct val="0"/>
+                </a:spcBef>
+                <a:spcAft>
+                  <a:spcPct val="0"/>
+                </a:spcAft>
+                <a:buFont typeface="Lucida Grande" charset="0"/>
+                <a:buChar char="–"/>
+                <a:tabLst>
+                  <a:tab pos="0" algn="l"/>
+                  <a:tab pos="457200" algn="l"/>
+                  <a:tab pos="914400" algn="l"/>
+                  <a:tab pos="1371600" algn="l"/>
+                  <a:tab pos="1828800" algn="l"/>
+                  <a:tab pos="2286000" algn="l"/>
+                  <a:tab pos="2743200" algn="l"/>
+                  <a:tab pos="3200400" algn="l"/>
+                  <a:tab pos="3657600" algn="l"/>
+                  <a:tab pos="4114800" algn="l"/>
+                  <a:tab pos="4572000" algn="l"/>
+                  <a:tab pos="5029200" algn="l"/>
+                  <a:tab pos="5486400" algn="l"/>
+                  <a:tab pos="5943600" algn="l"/>
+                  <a:tab pos="6400800" algn="l"/>
+                  <a:tab pos="6858000" algn="l"/>
+                  <a:tab pos="7315200" algn="l"/>
+                  <a:tab pos="7772400" algn="l"/>
+                  <a:tab pos="8229600" algn="l"/>
+                  <a:tab pos="8686800" algn="l"/>
+                  <a:tab pos="9144000" algn="l"/>
+                </a:tabLst>
+                <a:defRPr sz="2400">
+                  <a:solidFill>
+                    <a:schemeClr val="tx1"/>
+                  </a:solidFill>
+                  <a:latin typeface="Arial Narrow" pitchFamily="34" charset="0"/>
+                  <a:ea typeface="ヒラギノ角ゴ Pro W3" charset="-128"/>
+                </a:defRPr>
+              </a:lvl9pPr>
+            </a:lstStyle>
+            <a:p>
+              <a:pPr marL="92075" indent="-92075">
+                <a:buClr>
+                  <a:srgbClr val="000000"/>
+                </a:buClr>
+              </a:pPr>
+              <a:r>
+                <a:rPr lang="en-US" altLang="ko-KR" sz="1050" dirty="0">
+                  <a:solidFill>
+                    <a:srgbClr val="003B6E"/>
+                  </a:solidFill>
+                  <a:latin typeface="+mn-lt"/>
+                  <a:ea typeface="Gulim" pitchFamily="34" charset="-127"/>
+                  <a:cs typeface="Arial Unicode MS" pitchFamily="34" charset="-128"/>
+                </a:rPr>
+                <a:t>Linear Model-Based Method </a:t>
+              </a:r>
+              <a:r>
+                <a:rPr lang="en-US" altLang="ko-KR" sz="1000" dirty="0">
+                  <a:solidFill>
+                    <a:srgbClr val="003B6E"/>
+                  </a:solidFill>
+                  <a:latin typeface="+mn-lt"/>
+                  <a:ea typeface="Gulim" pitchFamily="34" charset="-127"/>
+                  <a:cs typeface="Arial Unicode MS" pitchFamily="34" charset="-128"/>
+                </a:rPr>
+                <a:t/>
+              </a:r>
+              <a:br>
+                <a:rPr lang="en-US" altLang="ko-KR" sz="1000" dirty="0">
+                  <a:solidFill>
+                    <a:srgbClr val="003B6E"/>
+                  </a:solidFill>
+                  <a:latin typeface="+mn-lt"/>
+                  <a:ea typeface="Gulim" pitchFamily="34" charset="-127"/>
+                  <a:cs typeface="Arial Unicode MS" pitchFamily="34" charset="-128"/>
+                </a:rPr>
+              </a:br>
+              <a:r>
+                <a:rPr lang="en-US" altLang="ko-KR" sz="900" dirty="0">
+                  <a:solidFill>
+                    <a:srgbClr val="003B6E"/>
+                  </a:solidFill>
+                  <a:latin typeface="+mn-lt"/>
+                  <a:ea typeface="Gulim" pitchFamily="34" charset="-127"/>
+                  <a:cs typeface="Arial Unicode MS" pitchFamily="34" charset="-128"/>
+                </a:rPr>
+                <a:t>Pearson Correlation Coefficient (CC), Standardized Regression Coefficient (SRCC), Partial  Correlation Coefficient (PCC)</a:t>
+              </a:r>
+            </a:p>
+            <a:p>
+              <a:pPr marL="92075" indent="-92075">
+                <a:buClr>
+                  <a:srgbClr val="000000"/>
+                </a:buClr>
+              </a:pPr>
+              <a:r>
+                <a:rPr lang="en-US" altLang="ko-KR" sz="1100" dirty="0">
+                  <a:solidFill>
+                    <a:srgbClr val="003B6E"/>
+                  </a:solidFill>
+                  <a:latin typeface="+mn-lt"/>
+                  <a:ea typeface="Gulim" pitchFamily="34" charset="-127"/>
+                  <a:cs typeface="Arial Unicode MS" pitchFamily="34" charset="-128"/>
+                </a:rPr>
+                <a:t>Rank-transformed methods</a:t>
+              </a:r>
+              <a:br>
+                <a:rPr lang="en-US" altLang="ko-KR" sz="1100" dirty="0">
+                  <a:solidFill>
+                    <a:srgbClr val="003B6E"/>
+                  </a:solidFill>
+                  <a:latin typeface="+mn-lt"/>
+                  <a:ea typeface="Gulim" pitchFamily="34" charset="-127"/>
+                  <a:cs typeface="Arial Unicode MS" pitchFamily="34" charset="-128"/>
+                </a:rPr>
+              </a:br>
+              <a:r>
+                <a:rPr lang="en-US" altLang="ko-KR" sz="900" dirty="0">
+                  <a:solidFill>
+                    <a:srgbClr val="003B6E"/>
+                  </a:solidFill>
+                  <a:latin typeface="+mn-lt"/>
+                  <a:ea typeface="Gulim" pitchFamily="34" charset="-127"/>
+                  <a:cs typeface="Arial Unicode MS" pitchFamily="34" charset="-128"/>
+                </a:rPr>
+                <a:t>Spearman CC, SR(</a:t>
+              </a:r>
+              <a:r>
+                <a:rPr lang="en-US" altLang="ko-KR" sz="900" dirty="0" err="1">
+                  <a:solidFill>
+                    <a:srgbClr val="003B6E"/>
+                  </a:solidFill>
+                  <a:latin typeface="+mn-lt"/>
+                  <a:ea typeface="Gulim" pitchFamily="34" charset="-127"/>
+                  <a:cs typeface="Arial Unicode MS" pitchFamily="34" charset="-128"/>
+                </a:rPr>
+                <a:t>ank</a:t>
+              </a:r>
+              <a:r>
+                <a:rPr lang="en-US" altLang="ko-KR" sz="900" dirty="0">
+                  <a:solidFill>
+                    <a:srgbClr val="003B6E"/>
+                  </a:solidFill>
+                  <a:latin typeface="+mn-lt"/>
+                  <a:ea typeface="Gulim" pitchFamily="34" charset="-127"/>
+                  <a:cs typeface="Arial Unicode MS" pitchFamily="34" charset="-128"/>
+                </a:rPr>
+                <a:t>)RC,  PR(</a:t>
+              </a:r>
+              <a:r>
+                <a:rPr lang="en-US" altLang="ko-KR" sz="900" dirty="0" err="1">
+                  <a:solidFill>
+                    <a:srgbClr val="003B6E"/>
+                  </a:solidFill>
+                  <a:latin typeface="+mn-lt"/>
+                  <a:ea typeface="Gulim" pitchFamily="34" charset="-127"/>
+                  <a:cs typeface="Arial Unicode MS" pitchFamily="34" charset="-128"/>
+                </a:rPr>
+                <a:t>ank</a:t>
+              </a:r>
+              <a:r>
+                <a:rPr lang="en-US" altLang="ko-KR" sz="900" dirty="0">
+                  <a:solidFill>
+                    <a:srgbClr val="003B6E"/>
+                  </a:solidFill>
+                  <a:latin typeface="+mn-lt"/>
+                  <a:ea typeface="Gulim" pitchFamily="34" charset="-127"/>
+                  <a:cs typeface="Arial Unicode MS" pitchFamily="34" charset="-128"/>
+                </a:rPr>
+                <a:t>)CC</a:t>
+              </a:r>
+              <a:endParaRPr lang="en-US" altLang="ko-KR" sz="800" dirty="0">
+                <a:solidFill>
+                  <a:srgbClr val="003B6E"/>
+                </a:solidFill>
+                <a:latin typeface="+mn-lt"/>
+                <a:ea typeface="Gulim" pitchFamily="34" charset="-127"/>
+                <a:cs typeface="Arial Unicode MS" pitchFamily="34" charset="-128"/>
+              </a:endParaRPr>
+            </a:p>
+            <a:p>
+              <a:pPr marL="92075" indent="-92075">
+                <a:buClr>
+                  <a:srgbClr val="000000"/>
+                </a:buClr>
+              </a:pPr>
+              <a:r>
+                <a:rPr lang="en-US" altLang="ko-KR" sz="1100" dirty="0">
+                  <a:solidFill>
+                    <a:srgbClr val="003B6E"/>
+                  </a:solidFill>
+                  <a:latin typeface="+mn-lt"/>
+                  <a:ea typeface="Gulim" pitchFamily="34" charset="-127"/>
+                  <a:cs typeface="Arial Unicode MS" pitchFamily="34" charset="-128"/>
+                </a:rPr>
+                <a:t>etc.</a:t>
+              </a:r>
+            </a:p>
+          </p:txBody>
+        </p:sp>
+      </p:grpSp>
+      <p:sp>
+        <p:nvSpPr>
+          <p:cNvPr id="81" name="Striped Right Arrow 80"/>
+          <p:cNvSpPr/>
+          <p:nvPr/>
+        </p:nvSpPr>
+        <p:spPr bwMode="auto">
+          <a:xfrm>
+            <a:off x="2504446" y="963288"/>
+            <a:ext cx="476985" cy="484632"/>
+          </a:xfrm>
+          <a:prstGeom prst="stripedRightArrow">
+            <a:avLst>
+              <a:gd name="adj1" fmla="val 50000"/>
+              <a:gd name="adj2" fmla="val 51196"/>
+            </a:avLst>
+          </a:prstGeom>
+          <a:solidFill>
+            <a:srgbClr val="C50006"/>
+          </a:solidFill>
+          <a:ln w="9525" cap="flat" cmpd="sng" algn="ctr">
+            <a:noFill/>
+            <a:prstDash val="solid"/>
+            <a:round/>
+            <a:headEnd type="none" w="med" len="med"/>
+            <a:tailEnd type="none" w="med" len="med"/>
+          </a:ln>
+          <a:effectLst/>
+        </p:spPr>
+        <p:txBody>
+          <a:bodyPr vert="horz" wrap="square" lIns="91440" tIns="45720" rIns="91440" bIns="45720" numCol="1" rtlCol="0" anchor="t" anchorCtr="0" compatLnSpc="1">
+            <a:prstTxWarp prst="textNoShape">
+              <a:avLst/>
+            </a:prstTxWarp>
+          </a:bodyPr>
+          <a:lstStyle/>
+          <a:p>
+            <a:pPr marL="0" marR="0" indent="0" algn="l" defTabSz="914400" rtl="0" eaLnBrk="0" fontAlgn="base" latinLnBrk="0" hangingPunct="0">
+              <a:lnSpc>
+                <a:spcPct val="100000"/>
+              </a:lnSpc>
+              <a:spcBef>
+                <a:spcPct val="0"/>
+              </a:spcBef>
+              <a:spcAft>
+                <a:spcPct val="0"/>
+              </a:spcAft>
+              <a:buClrTx/>
+              <a:buSzTx/>
+              <a:buFontTx/>
+              <a:buNone/>
+              <a:tabLst/>
+            </a:pPr>
+            <a:endParaRPr kumimoji="0" lang="en-US" sz="2400" b="0" i="0" u="none" strike="noStrike" cap="none" normalizeH="0" baseline="0">
+              <a:ln>
+                <a:noFill/>
+              </a:ln>
+              <a:solidFill>
+                <a:schemeClr val="tx1"/>
+              </a:solidFill>
+              <a:effectLst/>
+              <a:latin typeface="Times" charset="0"/>
+            </a:endParaRPr>
+          </a:p>
+        </p:txBody>
+      </p:sp>
+      <p:sp>
+        <p:nvSpPr>
+          <p:cNvPr id="82" name="Striped Right Arrow 81"/>
+          <p:cNvSpPr/>
+          <p:nvPr/>
+        </p:nvSpPr>
+        <p:spPr bwMode="auto">
+          <a:xfrm>
+            <a:off x="6447558" y="1002431"/>
+            <a:ext cx="476985" cy="484632"/>
+          </a:xfrm>
+          <a:prstGeom prst="stripedRightArrow">
+            <a:avLst>
+              <a:gd name="adj1" fmla="val 50000"/>
+              <a:gd name="adj2" fmla="val 51196"/>
+            </a:avLst>
+          </a:prstGeom>
+          <a:solidFill>
+            <a:srgbClr val="C50006"/>
+          </a:solidFill>
+          <a:ln w="9525" cap="flat" cmpd="sng" algn="ctr">
+            <a:noFill/>
+            <a:prstDash val="solid"/>
+            <a:round/>
+            <a:headEnd type="none" w="med" len="med"/>
+            <a:tailEnd type="none" w="med" len="med"/>
+          </a:ln>
+          <a:effectLst/>
+        </p:spPr>
+        <p:txBody>
+          <a:bodyPr vert="horz" wrap="square" lIns="91440" tIns="45720" rIns="91440" bIns="45720" numCol="1" rtlCol="0" anchor="t" anchorCtr="0" compatLnSpc="1">
+            <a:prstTxWarp prst="textNoShape">
+              <a:avLst/>
+            </a:prstTxWarp>
+          </a:bodyPr>
+          <a:lstStyle/>
+          <a:p>
+            <a:pPr marL="0" marR="0" indent="0" algn="l" defTabSz="914400" rtl="0" eaLnBrk="0" fontAlgn="base" latinLnBrk="0" hangingPunct="0">
+              <a:lnSpc>
+                <a:spcPct val="100000"/>
+              </a:lnSpc>
+              <a:spcBef>
+                <a:spcPct val="0"/>
+              </a:spcBef>
+              <a:spcAft>
+                <a:spcPct val="0"/>
+              </a:spcAft>
+              <a:buClrTx/>
+              <a:buSzTx/>
+              <a:buFontTx/>
+              <a:buNone/>
+              <a:tabLst/>
+            </a:pPr>
+            <a:endParaRPr kumimoji="0" lang="en-US" sz="2400" b="0" i="0" u="none" strike="noStrike" cap="none" normalizeH="0" baseline="0">
+              <a:ln>
+                <a:noFill/>
+              </a:ln>
+              <a:solidFill>
+                <a:schemeClr val="tx1"/>
+              </a:solidFill>
+              <a:effectLst/>
+              <a:latin typeface="Times" charset="0"/>
+            </a:endParaRPr>
+          </a:p>
+        </p:txBody>
+      </p:sp>
+      <p:sp>
+        <p:nvSpPr>
+          <p:cNvPr id="88" name="Flowchart: Document 87"/>
+          <p:cNvSpPr/>
+          <p:nvPr/>
+        </p:nvSpPr>
+        <p:spPr bwMode="auto">
+          <a:xfrm>
+            <a:off x="971599" y="5373216"/>
+            <a:ext cx="1276772" cy="855439"/>
+          </a:xfrm>
+          <a:prstGeom prst="flowChartDocument">
+            <a:avLst/>
+          </a:prstGeom>
+          <a:solidFill>
+            <a:srgbClr val="0070C0"/>
+          </a:solidFill>
+          <a:ln w="9525" cap="flat" cmpd="sng" algn="ctr">
+            <a:noFill/>
+            <a:prstDash val="solid"/>
+            <a:round/>
+            <a:headEnd type="none" w="med" len="med"/>
+            <a:tailEnd type="none" w="med" len="med"/>
+          </a:ln>
+          <a:effectLst/>
+        </p:spPr>
+        <p:txBody>
+          <a:bodyPr vert="horz" wrap="square" lIns="91440" tIns="45720" rIns="91440" bIns="45720" numCol="1" rtlCol="0" anchor="t" anchorCtr="0" compatLnSpc="1">
+            <a:prstTxWarp prst="textNoShape">
+              <a:avLst/>
+            </a:prstTxWarp>
+          </a:bodyPr>
+          <a:lstStyle/>
+          <a:p>
+            <a:pPr marL="0" marR="0" indent="0" algn="l" defTabSz="914400" rtl="0" eaLnBrk="0" fontAlgn="base" latinLnBrk="0" hangingPunct="0">
+              <a:lnSpc>
+                <a:spcPct val="100000"/>
+              </a:lnSpc>
+              <a:spcBef>
+                <a:spcPct val="0"/>
+              </a:spcBef>
+              <a:spcAft>
+                <a:spcPct val="0"/>
+              </a:spcAft>
+              <a:buClrTx/>
+              <a:buSzTx/>
+              <a:buFontTx/>
+              <a:buNone/>
+              <a:tabLst/>
+            </a:pPr>
+            <a:endParaRPr kumimoji="0" lang="en-US" sz="2400" b="0" i="0" u="none" strike="noStrike" cap="none" normalizeH="0" baseline="0">
+              <a:ln>
+                <a:noFill/>
+              </a:ln>
+              <a:solidFill>
+                <a:schemeClr val="tx1"/>
+              </a:solidFill>
+              <a:effectLst/>
+              <a:latin typeface="Times" charset="0"/>
+            </a:endParaRPr>
+          </a:p>
+        </p:txBody>
+      </p:sp>
+      <p:sp>
+        <p:nvSpPr>
+          <p:cNvPr id="91" name="Rectangle 90"/>
+          <p:cNvSpPr/>
+          <p:nvPr/>
+        </p:nvSpPr>
+        <p:spPr>
+          <a:xfrm>
+            <a:off x="1007467" y="5560780"/>
+            <a:ext cx="1130871" cy="400110"/>
+          </a:xfrm>
+          <a:prstGeom prst="rect">
+            <a:avLst/>
+          </a:prstGeom>
+        </p:spPr>
+        <p:txBody>
+          <a:bodyPr wrap="square">
+            <a:spAutoFit/>
+          </a:bodyPr>
+          <a:lstStyle/>
+          <a:p>
+            <a:pPr algn="ctr"/>
+            <a:r>
+              <a:rPr lang="en-US" sz="2000" b="1" dirty="0">
+                <a:solidFill>
+                  <a:schemeClr val="bg1"/>
+                </a:solidFill>
+                <a:latin typeface="+mn-lt"/>
+              </a:rPr>
+              <a:t>CSV</a:t>
+            </a:r>
+          </a:p>
+        </p:txBody>
+      </p:sp>
+      <p:sp>
+        <p:nvSpPr>
+          <p:cNvPr id="92" name="TextBox 91"/>
+          <p:cNvSpPr txBox="1"/>
+          <p:nvPr/>
+        </p:nvSpPr>
+        <p:spPr>
+          <a:xfrm>
+            <a:off x="429990" y="4869159"/>
+            <a:ext cx="1708348" cy="492443"/>
+          </a:xfrm>
+          <a:prstGeom prst="rect">
+            <a:avLst/>
+          </a:prstGeom>
+          <a:noFill/>
+          <a:ln w="9525">
+            <a:noFill/>
+          </a:ln>
+        </p:spPr>
+        <p:txBody>
+          <a:bodyPr wrap="square" rtlCol="0" anchor="ctr">
+            <a:spAutoFit/>
+          </a:bodyPr>
+          <a:lstStyle/>
+          <a:p>
+            <a:r>
+              <a:rPr lang="en-US" sz="1400" b="1" dirty="0"/>
+              <a:t>Design Matrix</a:t>
+            </a:r>
+            <a:br>
+              <a:rPr lang="en-US" sz="1400" b="1" dirty="0"/>
+            </a:br>
+            <a:r>
+              <a:rPr lang="en-US" sz="1200" b="1" dirty="0"/>
+              <a:t>(previously generated)</a:t>
+            </a:r>
+          </a:p>
+        </p:txBody>
+      </p:sp>
+      <p:sp>
+        <p:nvSpPr>
+          <p:cNvPr id="94" name="Striped Right Arrow 93"/>
+          <p:cNvSpPr/>
+          <p:nvPr/>
+        </p:nvSpPr>
+        <p:spPr bwMode="auto">
+          <a:xfrm>
+            <a:off x="2504446" y="5549319"/>
+            <a:ext cx="476985" cy="484632"/>
+          </a:xfrm>
+          <a:prstGeom prst="stripedRightArrow">
+            <a:avLst>
+              <a:gd name="adj1" fmla="val 50000"/>
+              <a:gd name="adj2" fmla="val 51196"/>
+            </a:avLst>
+          </a:prstGeom>
+          <a:solidFill>
+            <a:srgbClr val="C50006"/>
+          </a:solidFill>
+          <a:ln w="9525" cap="flat" cmpd="sng" algn="ctr">
+            <a:noFill/>
+            <a:prstDash val="solid"/>
+            <a:round/>
+            <a:headEnd type="none" w="med" len="med"/>
+            <a:tailEnd type="none" w="med" len="med"/>
+          </a:ln>
+          <a:effectLst/>
+        </p:spPr>
+        <p:txBody>
+          <a:bodyPr vert="horz" wrap="square" lIns="91440" tIns="45720" rIns="91440" bIns="45720" numCol="1" rtlCol="0" anchor="t" anchorCtr="0" compatLnSpc="1">
+            <a:prstTxWarp prst="textNoShape">
+              <a:avLst/>
+            </a:prstTxWarp>
+          </a:bodyPr>
+          <a:lstStyle/>
+          <a:p>
+            <a:pPr marL="0" marR="0" indent="0" algn="l" defTabSz="914400" rtl="0" eaLnBrk="0" fontAlgn="base" latinLnBrk="0" hangingPunct="0">
+              <a:lnSpc>
+                <a:spcPct val="100000"/>
+              </a:lnSpc>
+              <a:spcBef>
+                <a:spcPct val="0"/>
+              </a:spcBef>
+              <a:spcAft>
+                <a:spcPct val="0"/>
+              </a:spcAft>
+              <a:buClrTx/>
+              <a:buSzTx/>
+              <a:buFontTx/>
+              <a:buNone/>
+              <a:tabLst/>
+            </a:pPr>
+            <a:endParaRPr kumimoji="0" lang="en-US" sz="2400" b="0" i="0" u="none" strike="noStrike" cap="none" normalizeH="0" baseline="0">
+              <a:ln>
+                <a:noFill/>
+              </a:ln>
+              <a:solidFill>
+                <a:schemeClr val="tx1"/>
+              </a:solidFill>
+              <a:effectLst/>
+              <a:latin typeface="Times" charset="0"/>
+            </a:endParaRPr>
+          </a:p>
+        </p:txBody>
+      </p:sp>
+      <p:sp>
+        <p:nvSpPr>
+          <p:cNvPr id="95" name="TextBox 94"/>
+          <p:cNvSpPr txBox="1"/>
+          <p:nvPr/>
+        </p:nvSpPr>
+        <p:spPr>
+          <a:xfrm>
+            <a:off x="6782636" y="456927"/>
+            <a:ext cx="1708348" cy="307777"/>
+          </a:xfrm>
+          <a:prstGeom prst="rect">
+            <a:avLst/>
+          </a:prstGeom>
+          <a:noFill/>
+          <a:ln w="9525">
+            <a:noFill/>
+          </a:ln>
+        </p:spPr>
+        <p:txBody>
+          <a:bodyPr wrap="square" rtlCol="0" anchor="ctr">
+            <a:spAutoFit/>
+          </a:bodyPr>
+          <a:lstStyle/>
+          <a:p>
+            <a:r>
+              <a:rPr lang="en-US" sz="1400" b="1" dirty="0"/>
+              <a:t>Design Matrix</a:t>
+            </a:r>
+            <a:endParaRPr lang="en-US" sz="1200" b="1" dirty="0"/>
+          </a:p>
+        </p:txBody>
+      </p:sp>
+      <p:sp>
+        <p:nvSpPr>
+          <p:cNvPr id="96" name="Striped Right Arrow 95"/>
+          <p:cNvSpPr/>
+          <p:nvPr/>
+        </p:nvSpPr>
+        <p:spPr bwMode="auto">
+          <a:xfrm>
+            <a:off x="6447558" y="5144720"/>
+            <a:ext cx="524431" cy="603410"/>
+          </a:xfrm>
+          <a:prstGeom prst="stripedRightArrow">
+            <a:avLst>
+              <a:gd name="adj1" fmla="val 50000"/>
+              <a:gd name="adj2" fmla="val 51196"/>
+            </a:avLst>
+          </a:prstGeom>
+          <a:solidFill>
+            <a:srgbClr val="C50006"/>
+          </a:solidFill>
+          <a:ln w="9525" cap="flat" cmpd="sng" algn="ctr">
+            <a:noFill/>
+            <a:prstDash val="solid"/>
+            <a:round/>
+            <a:headEnd type="none" w="med" len="med"/>
+            <a:tailEnd type="none" w="med" len="med"/>
+          </a:ln>
+          <a:effectLst/>
+        </p:spPr>
+        <p:txBody>
+          <a:bodyPr vert="horz" wrap="square" lIns="91440" tIns="45720" rIns="91440" bIns="45720" numCol="1" rtlCol="0" anchor="t" anchorCtr="0" compatLnSpc="1">
+            <a:prstTxWarp prst="textNoShape">
+              <a:avLst/>
+            </a:prstTxWarp>
+          </a:bodyPr>
+          <a:lstStyle/>
+          <a:p>
+            <a:pPr marL="0" marR="0" indent="0" algn="l" defTabSz="914400" rtl="0" eaLnBrk="0" fontAlgn="base" latinLnBrk="0" hangingPunct="0">
+              <a:lnSpc>
+                <a:spcPct val="100000"/>
+              </a:lnSpc>
+              <a:spcBef>
+                <a:spcPct val="0"/>
+              </a:spcBef>
+              <a:spcAft>
+                <a:spcPct val="0"/>
+              </a:spcAft>
+              <a:buClrTx/>
+              <a:buSzTx/>
+              <a:buFontTx/>
+              <a:buNone/>
+              <a:tabLst/>
+            </a:pPr>
+            <a:endParaRPr kumimoji="0" lang="en-US" sz="2400" b="0" i="0" u="none" strike="noStrike" cap="none" normalizeH="0" baseline="0">
+              <a:ln>
+                <a:noFill/>
+              </a:ln>
+              <a:solidFill>
+                <a:schemeClr val="tx1"/>
+              </a:solidFill>
+              <a:effectLst/>
+              <a:latin typeface="Times" charset="0"/>
+            </a:endParaRPr>
+          </a:p>
+        </p:txBody>
+      </p:sp>
+      <p:sp>
+        <p:nvSpPr>
+          <p:cNvPr id="97" name="TextBox 96"/>
+          <p:cNvSpPr txBox="1"/>
+          <p:nvPr/>
+        </p:nvSpPr>
+        <p:spPr>
+          <a:xfrm>
+            <a:off x="20073" y="2123564"/>
+            <a:ext cx="2118264" cy="369332"/>
+          </a:xfrm>
+          <a:prstGeom prst="rect">
+            <a:avLst/>
+          </a:prstGeom>
+          <a:solidFill>
+            <a:schemeClr val="bg1">
+              <a:lumMod val="95000"/>
+              <a:alpha val="75000"/>
+            </a:schemeClr>
+          </a:solidFill>
+          <a:ln w="9525">
+            <a:noFill/>
+          </a:ln>
+        </p:spPr>
+        <p:txBody>
+          <a:bodyPr wrap="square" rtlCol="0" anchor="ctr">
+            <a:spAutoFit/>
+          </a:bodyPr>
+          <a:lstStyle/>
+          <a:p>
+            <a:r>
+              <a:rPr lang="en-US" b="1" dirty="0">
+                <a:latin typeface="+mj-lt"/>
+              </a:rPr>
+              <a:t>Model Execution</a:t>
+            </a:r>
+          </a:p>
+        </p:txBody>
+      </p:sp>
+      <p:grpSp>
+        <p:nvGrpSpPr>
+          <p:cNvPr id="3" name="Group 2"/>
+          <p:cNvGrpSpPr/>
+          <p:nvPr/>
+        </p:nvGrpSpPr>
+        <p:grpSpPr>
+          <a:xfrm>
+            <a:off x="7164288" y="5093841"/>
+            <a:ext cx="1276773" cy="855439"/>
+            <a:chOff x="7135079" y="4888324"/>
+            <a:chExt cx="1276773" cy="855439"/>
+          </a:xfrm>
+        </p:grpSpPr>
+        <p:sp>
+          <p:nvSpPr>
+            <p:cNvPr id="103" name="Flowchart: Document 102"/>
+            <p:cNvSpPr/>
+            <p:nvPr/>
+          </p:nvSpPr>
+          <p:spPr bwMode="auto">
+            <a:xfrm>
+              <a:off x="7135080" y="4888324"/>
+              <a:ext cx="1276772" cy="855439"/>
+            </a:xfrm>
+            <a:prstGeom prst="flowChartDocument">
+              <a:avLst/>
+            </a:prstGeom>
+            <a:solidFill>
+              <a:srgbClr val="0070C0"/>
+            </a:solidFill>
+            <a:ln w="9525" cap="flat" cmpd="sng" algn="ctr">
+              <a:noFill/>
+              <a:prstDash val="solid"/>
+              <a:round/>
+              <a:headEnd type="none" w="med" len="med"/>
+              <a:tailEnd type="none" w="med" len="med"/>
+            </a:ln>
+            <a:effectLst/>
+          </p:spPr>
+          <p:txBody>
+            <a:bodyPr vert="horz" wrap="square" lIns="91440" tIns="45720" rIns="91440" bIns="45720" numCol="1" rtlCol="0" anchor="t" anchorCtr="0" compatLnSpc="1">
+              <a:prstTxWarp prst="textNoShape">
+                <a:avLst/>
+              </a:prstTxWarp>
+            </a:bodyPr>
+            <a:lstStyle/>
+            <a:p>
+              <a:pPr marL="0" marR="0" indent="0" algn="l" defTabSz="914400" rtl="0" eaLnBrk="0" fontAlgn="base" latinLnBrk="0" hangingPunct="0">
+                <a:lnSpc>
+                  <a:spcPct val="100000"/>
+                </a:lnSpc>
+                <a:spcBef>
+                  <a:spcPct val="0"/>
+                </a:spcBef>
+                <a:spcAft>
+                  <a:spcPct val="0"/>
+                </a:spcAft>
+                <a:buClrTx/>
+                <a:buSzTx/>
+                <a:buFontTx/>
+                <a:buNone/>
+                <a:tabLst/>
+              </a:pPr>
+              <a:endParaRPr kumimoji="0" lang="en-US" sz="2400" b="0" i="0" u="none" strike="noStrike" cap="none" normalizeH="0" baseline="0">
+                <a:ln>
+                  <a:noFill/>
+                </a:ln>
+                <a:solidFill>
+                  <a:schemeClr val="tx1"/>
+                </a:solidFill>
+                <a:effectLst/>
+                <a:latin typeface="Times" charset="0"/>
+              </a:endParaRPr>
+            </a:p>
+          </p:txBody>
+        </p:sp>
+        <p:sp>
+          <p:nvSpPr>
+            <p:cNvPr id="106" name="Rectangle 105"/>
+            <p:cNvSpPr/>
+            <p:nvPr/>
+          </p:nvSpPr>
+          <p:spPr>
+            <a:xfrm>
+              <a:off x="7135079" y="5046315"/>
+              <a:ext cx="1263253" cy="400110"/>
+            </a:xfrm>
+            <a:prstGeom prst="rect">
+              <a:avLst/>
+            </a:prstGeom>
+          </p:spPr>
+          <p:txBody>
+            <a:bodyPr wrap="square">
+              <a:spAutoFit/>
+            </a:bodyPr>
+            <a:lstStyle/>
+            <a:p>
+              <a:pPr algn="ctr"/>
+              <a:r>
+                <a:rPr lang="en-US" sz="2000" b="1" dirty="0">
+                  <a:solidFill>
+                    <a:schemeClr val="bg1"/>
+                  </a:solidFill>
+                  <a:latin typeface="+mn-lt"/>
+                </a:rPr>
+                <a:t>CSV</a:t>
+              </a:r>
+            </a:p>
+          </p:txBody>
+        </p:sp>
+      </p:grpSp>
+      <p:sp>
+        <p:nvSpPr>
+          <p:cNvPr id="107" name="TextBox 106"/>
+          <p:cNvSpPr txBox="1"/>
+          <p:nvPr/>
+        </p:nvSpPr>
+        <p:spPr>
+          <a:xfrm>
+            <a:off x="6782636" y="4694892"/>
+            <a:ext cx="1821812" cy="307777"/>
+          </a:xfrm>
+          <a:prstGeom prst="rect">
+            <a:avLst/>
+          </a:prstGeom>
+          <a:noFill/>
+          <a:ln w="9525">
+            <a:noFill/>
+          </a:ln>
+        </p:spPr>
+        <p:txBody>
+          <a:bodyPr wrap="square" rtlCol="0" anchor="ctr">
+            <a:spAutoFit/>
+          </a:bodyPr>
+          <a:lstStyle/>
+          <a:p>
+            <a:r>
+              <a:rPr lang="en-US" sz="1400" b="1" dirty="0"/>
+              <a:t>Sensitivity Measures</a:t>
+            </a:r>
+            <a:endParaRPr lang="en-US" sz="1200" b="1" dirty="0"/>
+          </a:p>
+        </p:txBody>
+      </p:sp>
+      <p:sp>
+        <p:nvSpPr>
+          <p:cNvPr id="108" name="Text Box 12"/>
+          <p:cNvSpPr txBox="1">
+            <a:spLocks noChangeArrowheads="1"/>
+          </p:cNvSpPr>
+          <p:nvPr/>
+        </p:nvSpPr>
+        <p:spPr bwMode="auto">
+          <a:xfrm>
+            <a:off x="7462007" y="6525344"/>
+            <a:ext cx="1582830" cy="288881"/>
+          </a:xfrm>
+          <a:prstGeom prst="rect">
+            <a:avLst/>
+          </a:prstGeom>
+          <a:solidFill>
+            <a:schemeClr val="bg1">
+              <a:lumMod val="85000"/>
+            </a:schemeClr>
+          </a:solidFill>
+          <a:ln w="3175">
+            <a:solidFill>
+              <a:schemeClr val="tx1"/>
+            </a:solidFill>
+            <a:prstDash val="dashDot"/>
+            <a:miter lim="800000"/>
+            <a:headEnd/>
+            <a:tailEnd/>
+          </a:ln>
+        </p:spPr>
+        <p:txBody>
+          <a:bodyPr wrap="square" lIns="90000" tIns="46800" rIns="90000" bIns="46800" anchor="ctr">
+            <a:noAutofit/>
+          </a:bodyPr>
+          <a:lstStyle>
+            <a:lvl1pPr defTabSz="457200">
+              <a:buChar char="•"/>
+              <a:tabLst>
+                <a:tab pos="0" algn="l"/>
+                <a:tab pos="457200" algn="l"/>
+                <a:tab pos="914400" algn="l"/>
+                <a:tab pos="1371600" algn="l"/>
+                <a:tab pos="1828800" algn="l"/>
+                <a:tab pos="2286000" algn="l"/>
+                <a:tab pos="2743200" algn="l"/>
+                <a:tab pos="3200400" algn="l"/>
+                <a:tab pos="3657600" algn="l"/>
+                <a:tab pos="4114800" algn="l"/>
+                <a:tab pos="4572000" algn="l"/>
+                <a:tab pos="5029200" algn="l"/>
+                <a:tab pos="5486400" algn="l"/>
+                <a:tab pos="5943600" algn="l"/>
+                <a:tab pos="6400800" algn="l"/>
+                <a:tab pos="6858000" algn="l"/>
+                <a:tab pos="7315200" algn="l"/>
+                <a:tab pos="7772400" algn="l"/>
+                <a:tab pos="8229600" algn="l"/>
+                <a:tab pos="8686800" algn="l"/>
+                <a:tab pos="9144000" algn="l"/>
+              </a:tabLst>
+              <a:defRPr sz="2400">
+                <a:solidFill>
+                  <a:schemeClr val="tx1"/>
+                </a:solidFill>
+                <a:latin typeface="Arial Narrow" pitchFamily="34" charset="0"/>
+                <a:ea typeface="ヒラギノ角ゴ Pro W3" charset="-128"/>
+              </a:defRPr>
+            </a:lvl1pPr>
+            <a:lvl2pPr marL="742950" indent="-285750" defTabSz="457200">
+              <a:buClr>
+                <a:schemeClr val="tx1"/>
+              </a:buClr>
+              <a:buSzPct val="120000"/>
+              <a:buChar char="•"/>
+              <a:tabLst>
+                <a:tab pos="0" algn="l"/>
+                <a:tab pos="457200" algn="l"/>
+                <a:tab pos="914400" algn="l"/>
+                <a:tab pos="1371600" algn="l"/>
+                <a:tab pos="1828800" algn="l"/>
+                <a:tab pos="2286000" algn="l"/>
+                <a:tab pos="2743200" algn="l"/>
+                <a:tab pos="3200400" algn="l"/>
+                <a:tab pos="3657600" algn="l"/>
+                <a:tab pos="4114800" algn="l"/>
+                <a:tab pos="4572000" algn="l"/>
+                <a:tab pos="5029200" algn="l"/>
+                <a:tab pos="5486400" algn="l"/>
+                <a:tab pos="5943600" algn="l"/>
+                <a:tab pos="6400800" algn="l"/>
+                <a:tab pos="6858000" algn="l"/>
+                <a:tab pos="7315200" algn="l"/>
+                <a:tab pos="7772400" algn="l"/>
+                <a:tab pos="8229600" algn="l"/>
+                <a:tab pos="8686800" algn="l"/>
+                <a:tab pos="9144000" algn="l"/>
+              </a:tabLst>
+              <a:defRPr sz="2400">
+                <a:solidFill>
+                  <a:schemeClr val="tx1"/>
+                </a:solidFill>
+                <a:latin typeface="Arial Narrow" pitchFamily="34" charset="0"/>
+                <a:ea typeface="ヒラギノ角ゴ Pro W3" charset="-128"/>
+              </a:defRPr>
+            </a:lvl2pPr>
+            <a:lvl3pPr marL="1143000" indent="-228600" defTabSz="457200">
+              <a:buFont typeface="Times" pitchFamily="18" charset="0"/>
+              <a:buChar char="–"/>
+              <a:tabLst>
+                <a:tab pos="0" algn="l"/>
+                <a:tab pos="457200" algn="l"/>
+                <a:tab pos="914400" algn="l"/>
+                <a:tab pos="1371600" algn="l"/>
+                <a:tab pos="1828800" algn="l"/>
+                <a:tab pos="2286000" algn="l"/>
+                <a:tab pos="2743200" algn="l"/>
+                <a:tab pos="3200400" algn="l"/>
+                <a:tab pos="3657600" algn="l"/>
+                <a:tab pos="4114800" algn="l"/>
+                <a:tab pos="4572000" algn="l"/>
+                <a:tab pos="5029200" algn="l"/>
+                <a:tab pos="5486400" algn="l"/>
+                <a:tab pos="5943600" algn="l"/>
+                <a:tab pos="6400800" algn="l"/>
+                <a:tab pos="6858000" algn="l"/>
+                <a:tab pos="7315200" algn="l"/>
+                <a:tab pos="7772400" algn="l"/>
+                <a:tab pos="8229600" algn="l"/>
+                <a:tab pos="8686800" algn="l"/>
+                <a:tab pos="9144000" algn="l"/>
+              </a:tabLst>
+              <a:defRPr sz="1700">
+                <a:solidFill>
+                  <a:schemeClr val="tx1"/>
+                </a:solidFill>
+                <a:latin typeface="Arial Narrow" pitchFamily="34" charset="0"/>
+                <a:ea typeface="MS PGothic" pitchFamily="34" charset="-128"/>
+              </a:defRPr>
+            </a:lvl3pPr>
+            <a:lvl4pPr marL="1600200" indent="-228600" defTabSz="457200">
+              <a:buFont typeface="Lucida Grande" charset="0"/>
+              <a:buChar char="–"/>
+              <a:tabLst>
+                <a:tab pos="0" algn="l"/>
+                <a:tab pos="457200" algn="l"/>
+                <a:tab pos="914400" algn="l"/>
+                <a:tab pos="1371600" algn="l"/>
+                <a:tab pos="1828800" algn="l"/>
+                <a:tab pos="2286000" algn="l"/>
+                <a:tab pos="2743200" algn="l"/>
+                <a:tab pos="3200400" algn="l"/>
+                <a:tab pos="3657600" algn="l"/>
+                <a:tab pos="4114800" algn="l"/>
+                <a:tab pos="4572000" algn="l"/>
+                <a:tab pos="5029200" algn="l"/>
+                <a:tab pos="5486400" algn="l"/>
+                <a:tab pos="5943600" algn="l"/>
+                <a:tab pos="6400800" algn="l"/>
+                <a:tab pos="6858000" algn="l"/>
+                <a:tab pos="7315200" algn="l"/>
+                <a:tab pos="7772400" algn="l"/>
+                <a:tab pos="8229600" algn="l"/>
+                <a:tab pos="8686800" algn="l"/>
+                <a:tab pos="9144000" algn="l"/>
+              </a:tabLst>
+              <a:defRPr sz="2400">
+                <a:solidFill>
+                  <a:schemeClr val="tx1"/>
+                </a:solidFill>
+                <a:latin typeface="Arial Narrow" pitchFamily="34" charset="0"/>
+                <a:ea typeface="MS PGothic" pitchFamily="34" charset="-128"/>
+              </a:defRPr>
+            </a:lvl4pPr>
+            <a:lvl5pPr marL="2057400" indent="-228600" defTabSz="457200">
+              <a:buFont typeface="Lucida Grande" charset="0"/>
+              <a:buChar char="–"/>
+              <a:tabLst>
+                <a:tab pos="0" algn="l"/>
+                <a:tab pos="457200" algn="l"/>
+                <a:tab pos="914400" algn="l"/>
+                <a:tab pos="1371600" algn="l"/>
+                <a:tab pos="1828800" algn="l"/>
+                <a:tab pos="2286000" algn="l"/>
+                <a:tab pos="2743200" algn="l"/>
+                <a:tab pos="3200400" algn="l"/>
+                <a:tab pos="3657600" algn="l"/>
+                <a:tab pos="4114800" algn="l"/>
+                <a:tab pos="4572000" algn="l"/>
+                <a:tab pos="5029200" algn="l"/>
+                <a:tab pos="5486400" algn="l"/>
+                <a:tab pos="5943600" algn="l"/>
+                <a:tab pos="6400800" algn="l"/>
+                <a:tab pos="6858000" algn="l"/>
+                <a:tab pos="7315200" algn="l"/>
+                <a:tab pos="7772400" algn="l"/>
+                <a:tab pos="8229600" algn="l"/>
+                <a:tab pos="8686800" algn="l"/>
+                <a:tab pos="9144000" algn="l"/>
+              </a:tabLst>
+              <a:defRPr sz="2400">
+                <a:solidFill>
+                  <a:schemeClr val="tx1"/>
+                </a:solidFill>
+                <a:latin typeface="Arial Narrow" pitchFamily="34" charset="0"/>
+                <a:ea typeface="ヒラギノ角ゴ Pro W3" charset="-128"/>
+              </a:defRPr>
+            </a:lvl5pPr>
+            <a:lvl6pPr marL="2514600" indent="-228600" defTabSz="457200" eaLnBrk="0" fontAlgn="base" hangingPunct="0">
+              <a:lnSpc>
+                <a:spcPct val="110000"/>
+              </a:lnSpc>
+              <a:spcBef>
+                <a:spcPct val="0"/>
+              </a:spcBef>
+              <a:spcAft>
+                <a:spcPct val="0"/>
+              </a:spcAft>
+              <a:buFont typeface="Lucida Grande" charset="0"/>
+              <a:buChar char="–"/>
+              <a:tabLst>
+                <a:tab pos="0" algn="l"/>
+                <a:tab pos="457200" algn="l"/>
+                <a:tab pos="914400" algn="l"/>
+                <a:tab pos="1371600" algn="l"/>
+                <a:tab pos="1828800" algn="l"/>
+                <a:tab pos="2286000" algn="l"/>
+                <a:tab pos="2743200" algn="l"/>
+                <a:tab pos="3200400" algn="l"/>
+                <a:tab pos="3657600" algn="l"/>
+                <a:tab pos="4114800" algn="l"/>
+                <a:tab pos="4572000" algn="l"/>
+                <a:tab pos="5029200" algn="l"/>
+                <a:tab pos="5486400" algn="l"/>
+                <a:tab pos="5943600" algn="l"/>
+                <a:tab pos="6400800" algn="l"/>
+                <a:tab pos="6858000" algn="l"/>
+                <a:tab pos="7315200" algn="l"/>
+                <a:tab pos="7772400" algn="l"/>
+                <a:tab pos="8229600" algn="l"/>
+                <a:tab pos="8686800" algn="l"/>
+                <a:tab pos="9144000" algn="l"/>
+              </a:tabLst>
+              <a:defRPr sz="2400">
+                <a:solidFill>
+                  <a:schemeClr val="tx1"/>
+                </a:solidFill>
+                <a:latin typeface="Arial Narrow" pitchFamily="34" charset="0"/>
+                <a:ea typeface="ヒラギノ角ゴ Pro W3" charset="-128"/>
+              </a:defRPr>
+            </a:lvl6pPr>
+            <a:lvl7pPr marL="2971800" indent="-228600" defTabSz="457200" eaLnBrk="0" fontAlgn="base" hangingPunct="0">
+              <a:lnSpc>
+                <a:spcPct val="110000"/>
+              </a:lnSpc>
+              <a:spcBef>
+                <a:spcPct val="0"/>
+              </a:spcBef>
+              <a:spcAft>
+                <a:spcPct val="0"/>
+              </a:spcAft>
+              <a:buFont typeface="Lucida Grande" charset="0"/>
+              <a:buChar char="–"/>
+              <a:tabLst>
+                <a:tab pos="0" algn="l"/>
+                <a:tab pos="457200" algn="l"/>
+                <a:tab pos="914400" algn="l"/>
+                <a:tab pos="1371600" algn="l"/>
+                <a:tab pos="1828800" algn="l"/>
+                <a:tab pos="2286000" algn="l"/>
+                <a:tab pos="2743200" algn="l"/>
+                <a:tab pos="3200400" algn="l"/>
+                <a:tab pos="3657600" algn="l"/>
+                <a:tab pos="4114800" algn="l"/>
+                <a:tab pos="4572000" algn="l"/>
+                <a:tab pos="5029200" algn="l"/>
+                <a:tab pos="5486400" algn="l"/>
+                <a:tab pos="5943600" algn="l"/>
+                <a:tab pos="6400800" algn="l"/>
+                <a:tab pos="6858000" algn="l"/>
+                <a:tab pos="7315200" algn="l"/>
+                <a:tab pos="7772400" algn="l"/>
+                <a:tab pos="8229600" algn="l"/>
+                <a:tab pos="8686800" algn="l"/>
+                <a:tab pos="9144000" algn="l"/>
+              </a:tabLst>
+              <a:defRPr sz="2400">
+                <a:solidFill>
+                  <a:schemeClr val="tx1"/>
+                </a:solidFill>
+                <a:latin typeface="Arial Narrow" pitchFamily="34" charset="0"/>
+                <a:ea typeface="ヒラギノ角ゴ Pro W3" charset="-128"/>
+              </a:defRPr>
+            </a:lvl7pPr>
+            <a:lvl8pPr marL="3429000" indent="-228600" defTabSz="457200" eaLnBrk="0" fontAlgn="base" hangingPunct="0">
+              <a:lnSpc>
+                <a:spcPct val="110000"/>
+              </a:lnSpc>
+              <a:spcBef>
+                <a:spcPct val="0"/>
+              </a:spcBef>
+              <a:spcAft>
+                <a:spcPct val="0"/>
+              </a:spcAft>
+              <a:buFont typeface="Lucida Grande" charset="0"/>
+              <a:buChar char="–"/>
+              <a:tabLst>
+                <a:tab pos="0" algn="l"/>
+                <a:tab pos="457200" algn="l"/>
+                <a:tab pos="914400" algn="l"/>
+                <a:tab pos="1371600" algn="l"/>
+                <a:tab pos="1828800" algn="l"/>
+                <a:tab pos="2286000" algn="l"/>
+                <a:tab pos="2743200" algn="l"/>
+                <a:tab pos="3200400" algn="l"/>
+                <a:tab pos="3657600" algn="l"/>
+                <a:tab pos="4114800" algn="l"/>
+                <a:tab pos="4572000" algn="l"/>
+                <a:tab pos="5029200" algn="l"/>
+                <a:tab pos="5486400" algn="l"/>
+                <a:tab pos="5943600" algn="l"/>
+                <a:tab pos="6400800" algn="l"/>
+                <a:tab pos="6858000" algn="l"/>
+                <a:tab pos="7315200" algn="l"/>
+                <a:tab pos="7772400" algn="l"/>
+                <a:tab pos="8229600" algn="l"/>
+                <a:tab pos="8686800" algn="l"/>
+                <a:tab pos="9144000" algn="l"/>
+              </a:tabLst>
+              <a:defRPr sz="2400">
+                <a:solidFill>
+                  <a:schemeClr val="tx1"/>
+                </a:solidFill>
+                <a:latin typeface="Arial Narrow" pitchFamily="34" charset="0"/>
+                <a:ea typeface="ヒラギノ角ゴ Pro W3" charset="-128"/>
+              </a:defRPr>
+            </a:lvl8pPr>
+            <a:lvl9pPr marL="3886200" indent="-228600" defTabSz="457200" eaLnBrk="0" fontAlgn="base" hangingPunct="0">
+              <a:lnSpc>
+                <a:spcPct val="110000"/>
+              </a:lnSpc>
+              <a:spcBef>
+                <a:spcPct val="0"/>
+              </a:spcBef>
+              <a:spcAft>
+                <a:spcPct val="0"/>
+              </a:spcAft>
+              <a:buFont typeface="Lucida Grande" charset="0"/>
+              <a:buChar char="–"/>
+              <a:tabLst>
+                <a:tab pos="0" algn="l"/>
+                <a:tab pos="457200" algn="l"/>
+                <a:tab pos="914400" algn="l"/>
+                <a:tab pos="1371600" algn="l"/>
+                <a:tab pos="1828800" algn="l"/>
+                <a:tab pos="2286000" algn="l"/>
+                <a:tab pos="2743200" algn="l"/>
+                <a:tab pos="3200400" algn="l"/>
+                <a:tab pos="3657600" algn="l"/>
+                <a:tab pos="4114800" algn="l"/>
+                <a:tab pos="4572000" algn="l"/>
+                <a:tab pos="5029200" algn="l"/>
+                <a:tab pos="5486400" algn="l"/>
+                <a:tab pos="5943600" algn="l"/>
+                <a:tab pos="6400800" algn="l"/>
+                <a:tab pos="6858000" algn="l"/>
+                <a:tab pos="7315200" algn="l"/>
+                <a:tab pos="7772400" algn="l"/>
+                <a:tab pos="8229600" algn="l"/>
+                <a:tab pos="8686800" algn="l"/>
+                <a:tab pos="9144000" algn="l"/>
+              </a:tabLst>
+              <a:defRPr sz="2400">
+                <a:solidFill>
+                  <a:schemeClr val="tx1"/>
+                </a:solidFill>
+                <a:latin typeface="Arial Narrow" pitchFamily="34" charset="0"/>
+                <a:ea typeface="ヒラギノ角ゴ Pro W3" charset="-128"/>
+              </a:defRPr>
+            </a:lvl9pPr>
+          </a:lstStyle>
+          <a:p>
+            <a:pPr>
+              <a:buClr>
+                <a:srgbClr val="000000"/>
+              </a:buClr>
+              <a:buNone/>
+            </a:pPr>
+            <a:r>
+              <a:rPr lang="en-US" altLang="ko-KR" sz="1200" b="1" dirty="0">
+                <a:solidFill>
+                  <a:srgbClr val="003B6E"/>
+                </a:solidFill>
+                <a:latin typeface="+mn-lt"/>
+                <a:ea typeface="Gulim" pitchFamily="34" charset="-127"/>
+                <a:cs typeface="Arial Unicode MS" pitchFamily="34" charset="-128"/>
+              </a:rPr>
+              <a:t>Future Development</a:t>
+            </a:r>
+          </a:p>
+        </p:txBody>
+      </p:sp>
+      <p:sp>
+        <p:nvSpPr>
+          <p:cNvPr id="109" name="Text Box 12"/>
+          <p:cNvSpPr txBox="1">
+            <a:spLocks noChangeArrowheads="1"/>
+          </p:cNvSpPr>
+          <p:nvPr/>
+        </p:nvSpPr>
+        <p:spPr bwMode="auto">
+          <a:xfrm>
+            <a:off x="7462007" y="6165304"/>
+            <a:ext cx="1582830" cy="305192"/>
+          </a:xfrm>
+          <a:prstGeom prst="rect">
+            <a:avLst/>
+          </a:prstGeom>
+          <a:solidFill>
+            <a:srgbClr val="FFF5D6"/>
+          </a:solidFill>
+          <a:ln w="9360">
+            <a:noFill/>
+            <a:miter lim="800000"/>
+            <a:headEnd/>
+            <a:tailEnd/>
+          </a:ln>
+        </p:spPr>
+        <p:txBody>
+          <a:bodyPr wrap="square" lIns="90000" tIns="46800" rIns="90000" bIns="46800" anchor="ctr">
+            <a:noAutofit/>
+          </a:bodyPr>
+          <a:lstStyle>
+            <a:lvl1pPr defTabSz="457200">
+              <a:buChar char="•"/>
+              <a:tabLst>
+                <a:tab pos="0" algn="l"/>
+                <a:tab pos="457200" algn="l"/>
+                <a:tab pos="914400" algn="l"/>
+                <a:tab pos="1371600" algn="l"/>
+                <a:tab pos="1828800" algn="l"/>
+                <a:tab pos="2286000" algn="l"/>
+                <a:tab pos="2743200" algn="l"/>
+                <a:tab pos="3200400" algn="l"/>
+                <a:tab pos="3657600" algn="l"/>
+                <a:tab pos="4114800" algn="l"/>
+                <a:tab pos="4572000" algn="l"/>
+                <a:tab pos="5029200" algn="l"/>
+                <a:tab pos="5486400" algn="l"/>
+                <a:tab pos="5943600" algn="l"/>
+                <a:tab pos="6400800" algn="l"/>
+                <a:tab pos="6858000" algn="l"/>
+                <a:tab pos="7315200" algn="l"/>
+                <a:tab pos="7772400" algn="l"/>
+                <a:tab pos="8229600" algn="l"/>
+                <a:tab pos="8686800" algn="l"/>
+                <a:tab pos="9144000" algn="l"/>
+              </a:tabLst>
+              <a:defRPr sz="2400">
+                <a:solidFill>
+                  <a:schemeClr val="tx1"/>
+                </a:solidFill>
+                <a:latin typeface="Arial Narrow" pitchFamily="34" charset="0"/>
+                <a:ea typeface="ヒラギノ角ゴ Pro W3" charset="-128"/>
+              </a:defRPr>
+            </a:lvl1pPr>
+            <a:lvl2pPr marL="742950" indent="-285750" defTabSz="457200">
+              <a:buClr>
+                <a:schemeClr val="tx1"/>
+              </a:buClr>
+              <a:buSzPct val="120000"/>
+              <a:buChar char="•"/>
+              <a:tabLst>
+                <a:tab pos="0" algn="l"/>
+                <a:tab pos="457200" algn="l"/>
+                <a:tab pos="914400" algn="l"/>
+                <a:tab pos="1371600" algn="l"/>
+                <a:tab pos="1828800" algn="l"/>
+                <a:tab pos="2286000" algn="l"/>
+                <a:tab pos="2743200" algn="l"/>
+                <a:tab pos="3200400" algn="l"/>
+                <a:tab pos="3657600" algn="l"/>
+                <a:tab pos="4114800" algn="l"/>
+                <a:tab pos="4572000" algn="l"/>
+                <a:tab pos="5029200" algn="l"/>
+                <a:tab pos="5486400" algn="l"/>
+                <a:tab pos="5943600" algn="l"/>
+                <a:tab pos="6400800" algn="l"/>
+                <a:tab pos="6858000" algn="l"/>
+                <a:tab pos="7315200" algn="l"/>
+                <a:tab pos="7772400" algn="l"/>
+                <a:tab pos="8229600" algn="l"/>
+                <a:tab pos="8686800" algn="l"/>
+                <a:tab pos="9144000" algn="l"/>
+              </a:tabLst>
+              <a:defRPr sz="2400">
+                <a:solidFill>
+                  <a:schemeClr val="tx1"/>
+                </a:solidFill>
+                <a:latin typeface="Arial Narrow" pitchFamily="34" charset="0"/>
+                <a:ea typeface="ヒラギノ角ゴ Pro W3" charset="-128"/>
+              </a:defRPr>
+            </a:lvl2pPr>
+            <a:lvl3pPr marL="1143000" indent="-228600" defTabSz="457200">
+              <a:buFont typeface="Times" pitchFamily="18" charset="0"/>
+              <a:buChar char="–"/>
+              <a:tabLst>
+                <a:tab pos="0" algn="l"/>
+                <a:tab pos="457200" algn="l"/>
+                <a:tab pos="914400" algn="l"/>
+                <a:tab pos="1371600" algn="l"/>
+                <a:tab pos="1828800" algn="l"/>
+                <a:tab pos="2286000" algn="l"/>
+                <a:tab pos="2743200" algn="l"/>
+                <a:tab pos="3200400" algn="l"/>
+                <a:tab pos="3657600" algn="l"/>
+                <a:tab pos="4114800" algn="l"/>
+                <a:tab pos="4572000" algn="l"/>
+                <a:tab pos="5029200" algn="l"/>
+                <a:tab pos="5486400" algn="l"/>
+                <a:tab pos="5943600" algn="l"/>
+                <a:tab pos="6400800" algn="l"/>
+                <a:tab pos="6858000" algn="l"/>
+                <a:tab pos="7315200" algn="l"/>
+                <a:tab pos="7772400" algn="l"/>
+                <a:tab pos="8229600" algn="l"/>
+                <a:tab pos="8686800" algn="l"/>
+                <a:tab pos="9144000" algn="l"/>
+              </a:tabLst>
+              <a:defRPr sz="1700">
+                <a:solidFill>
+                  <a:schemeClr val="tx1"/>
+                </a:solidFill>
+                <a:latin typeface="Arial Narrow" pitchFamily="34" charset="0"/>
+                <a:ea typeface="MS PGothic" pitchFamily="34" charset="-128"/>
+              </a:defRPr>
+            </a:lvl3pPr>
+            <a:lvl4pPr marL="1600200" indent="-228600" defTabSz="457200">
+              <a:buFont typeface="Lucida Grande" charset="0"/>
+              <a:buChar char="–"/>
+              <a:tabLst>
+                <a:tab pos="0" algn="l"/>
+                <a:tab pos="457200" algn="l"/>
+                <a:tab pos="914400" algn="l"/>
+                <a:tab pos="1371600" algn="l"/>
+                <a:tab pos="1828800" algn="l"/>
+                <a:tab pos="2286000" algn="l"/>
+                <a:tab pos="2743200" algn="l"/>
+                <a:tab pos="3200400" algn="l"/>
+                <a:tab pos="3657600" algn="l"/>
+                <a:tab pos="4114800" algn="l"/>
+                <a:tab pos="4572000" algn="l"/>
+                <a:tab pos="5029200" algn="l"/>
+                <a:tab pos="5486400" algn="l"/>
+                <a:tab pos="5943600" algn="l"/>
+                <a:tab pos="6400800" algn="l"/>
+                <a:tab pos="6858000" algn="l"/>
+                <a:tab pos="7315200" algn="l"/>
+                <a:tab pos="7772400" algn="l"/>
+                <a:tab pos="8229600" algn="l"/>
+                <a:tab pos="8686800" algn="l"/>
+                <a:tab pos="9144000" algn="l"/>
+              </a:tabLst>
+              <a:defRPr sz="2400">
+                <a:solidFill>
+                  <a:schemeClr val="tx1"/>
+                </a:solidFill>
+                <a:latin typeface="Arial Narrow" pitchFamily="34" charset="0"/>
+                <a:ea typeface="MS PGothic" pitchFamily="34" charset="-128"/>
+              </a:defRPr>
+            </a:lvl4pPr>
+            <a:lvl5pPr marL="2057400" indent="-228600" defTabSz="457200">
+              <a:buFont typeface="Lucida Grande" charset="0"/>
+              <a:buChar char="–"/>
+              <a:tabLst>
+                <a:tab pos="0" algn="l"/>
+                <a:tab pos="457200" algn="l"/>
+                <a:tab pos="914400" algn="l"/>
+                <a:tab pos="1371600" algn="l"/>
+                <a:tab pos="1828800" algn="l"/>
+                <a:tab pos="2286000" algn="l"/>
+                <a:tab pos="2743200" algn="l"/>
+                <a:tab pos="3200400" algn="l"/>
+                <a:tab pos="3657600" algn="l"/>
+                <a:tab pos="4114800" algn="l"/>
+                <a:tab pos="4572000" algn="l"/>
+                <a:tab pos="5029200" algn="l"/>
+                <a:tab pos="5486400" algn="l"/>
+                <a:tab pos="5943600" algn="l"/>
+                <a:tab pos="6400800" algn="l"/>
+                <a:tab pos="6858000" algn="l"/>
+                <a:tab pos="7315200" algn="l"/>
+                <a:tab pos="7772400" algn="l"/>
+                <a:tab pos="8229600" algn="l"/>
+                <a:tab pos="8686800" algn="l"/>
+                <a:tab pos="9144000" algn="l"/>
+              </a:tabLst>
+              <a:defRPr sz="2400">
+                <a:solidFill>
+                  <a:schemeClr val="tx1"/>
+                </a:solidFill>
+                <a:latin typeface="Arial Narrow" pitchFamily="34" charset="0"/>
+                <a:ea typeface="ヒラギノ角ゴ Pro W3" charset="-128"/>
+              </a:defRPr>
+            </a:lvl5pPr>
+            <a:lvl6pPr marL="2514600" indent="-228600" defTabSz="457200" eaLnBrk="0" fontAlgn="base" hangingPunct="0">
+              <a:lnSpc>
+                <a:spcPct val="110000"/>
+              </a:lnSpc>
+              <a:spcBef>
+                <a:spcPct val="0"/>
+              </a:spcBef>
+              <a:spcAft>
+                <a:spcPct val="0"/>
+              </a:spcAft>
+              <a:buFont typeface="Lucida Grande" charset="0"/>
+              <a:buChar char="–"/>
+              <a:tabLst>
+                <a:tab pos="0" algn="l"/>
+                <a:tab pos="457200" algn="l"/>
+                <a:tab pos="914400" algn="l"/>
+                <a:tab pos="1371600" algn="l"/>
+                <a:tab pos="1828800" algn="l"/>
+                <a:tab pos="2286000" algn="l"/>
+                <a:tab pos="2743200" algn="l"/>
+                <a:tab pos="3200400" algn="l"/>
+                <a:tab pos="3657600" algn="l"/>
+                <a:tab pos="4114800" algn="l"/>
+                <a:tab pos="4572000" algn="l"/>
+                <a:tab pos="5029200" algn="l"/>
+                <a:tab pos="5486400" algn="l"/>
+                <a:tab pos="5943600" algn="l"/>
+                <a:tab pos="6400800" algn="l"/>
+                <a:tab pos="6858000" algn="l"/>
+                <a:tab pos="7315200" algn="l"/>
+                <a:tab pos="7772400" algn="l"/>
+                <a:tab pos="8229600" algn="l"/>
+                <a:tab pos="8686800" algn="l"/>
+                <a:tab pos="9144000" algn="l"/>
+              </a:tabLst>
+              <a:defRPr sz="2400">
+                <a:solidFill>
+                  <a:schemeClr val="tx1"/>
+                </a:solidFill>
+                <a:latin typeface="Arial Narrow" pitchFamily="34" charset="0"/>
+                <a:ea typeface="ヒラギノ角ゴ Pro W3" charset="-128"/>
+              </a:defRPr>
+            </a:lvl6pPr>
+            <a:lvl7pPr marL="2971800" indent="-228600" defTabSz="457200" eaLnBrk="0" fontAlgn="base" hangingPunct="0">
+              <a:lnSpc>
+                <a:spcPct val="110000"/>
+              </a:lnSpc>
+              <a:spcBef>
+                <a:spcPct val="0"/>
+              </a:spcBef>
+              <a:spcAft>
+                <a:spcPct val="0"/>
+              </a:spcAft>
+              <a:buFont typeface="Lucida Grande" charset="0"/>
+              <a:buChar char="–"/>
+              <a:tabLst>
+                <a:tab pos="0" algn="l"/>
+                <a:tab pos="457200" algn="l"/>
+                <a:tab pos="914400" algn="l"/>
+                <a:tab pos="1371600" algn="l"/>
+                <a:tab pos="1828800" algn="l"/>
+                <a:tab pos="2286000" algn="l"/>
+                <a:tab pos="2743200" algn="l"/>
+                <a:tab pos="3200400" algn="l"/>
+                <a:tab pos="3657600" algn="l"/>
+                <a:tab pos="4114800" algn="l"/>
+                <a:tab pos="4572000" algn="l"/>
+                <a:tab pos="5029200" algn="l"/>
+                <a:tab pos="5486400" algn="l"/>
+                <a:tab pos="5943600" algn="l"/>
+                <a:tab pos="6400800" algn="l"/>
+                <a:tab pos="6858000" algn="l"/>
+                <a:tab pos="7315200" algn="l"/>
+                <a:tab pos="7772400" algn="l"/>
+                <a:tab pos="8229600" algn="l"/>
+                <a:tab pos="8686800" algn="l"/>
+                <a:tab pos="9144000" algn="l"/>
+              </a:tabLst>
+              <a:defRPr sz="2400">
+                <a:solidFill>
+                  <a:schemeClr val="tx1"/>
+                </a:solidFill>
+                <a:latin typeface="Arial Narrow" pitchFamily="34" charset="0"/>
+                <a:ea typeface="ヒラギノ角ゴ Pro W3" charset="-128"/>
+              </a:defRPr>
+            </a:lvl7pPr>
+            <a:lvl8pPr marL="3429000" indent="-228600" defTabSz="457200" eaLnBrk="0" fontAlgn="base" hangingPunct="0">
+              <a:lnSpc>
+                <a:spcPct val="110000"/>
+              </a:lnSpc>
+              <a:spcBef>
+                <a:spcPct val="0"/>
+              </a:spcBef>
+              <a:spcAft>
+                <a:spcPct val="0"/>
+              </a:spcAft>
+              <a:buFont typeface="Lucida Grande" charset="0"/>
+              <a:buChar char="–"/>
+              <a:tabLst>
+                <a:tab pos="0" algn="l"/>
+                <a:tab pos="457200" algn="l"/>
+                <a:tab pos="914400" algn="l"/>
+                <a:tab pos="1371600" algn="l"/>
+                <a:tab pos="1828800" algn="l"/>
+                <a:tab pos="2286000" algn="l"/>
+                <a:tab pos="2743200" algn="l"/>
+                <a:tab pos="3200400" algn="l"/>
+                <a:tab pos="3657600" algn="l"/>
+                <a:tab pos="4114800" algn="l"/>
+                <a:tab pos="4572000" algn="l"/>
+                <a:tab pos="5029200" algn="l"/>
+                <a:tab pos="5486400" algn="l"/>
+                <a:tab pos="5943600" algn="l"/>
+                <a:tab pos="6400800" algn="l"/>
+                <a:tab pos="6858000" algn="l"/>
+                <a:tab pos="7315200" algn="l"/>
+                <a:tab pos="7772400" algn="l"/>
+                <a:tab pos="8229600" algn="l"/>
+                <a:tab pos="8686800" algn="l"/>
+                <a:tab pos="9144000" algn="l"/>
+              </a:tabLst>
+              <a:defRPr sz="2400">
+                <a:solidFill>
+                  <a:schemeClr val="tx1"/>
+                </a:solidFill>
+                <a:latin typeface="Arial Narrow" pitchFamily="34" charset="0"/>
+                <a:ea typeface="ヒラギノ角ゴ Pro W3" charset="-128"/>
+              </a:defRPr>
+            </a:lvl8pPr>
+            <a:lvl9pPr marL="3886200" indent="-228600" defTabSz="457200" eaLnBrk="0" fontAlgn="base" hangingPunct="0">
+              <a:lnSpc>
+                <a:spcPct val="110000"/>
+              </a:lnSpc>
+              <a:spcBef>
+                <a:spcPct val="0"/>
+              </a:spcBef>
+              <a:spcAft>
+                <a:spcPct val="0"/>
+              </a:spcAft>
+              <a:buFont typeface="Lucida Grande" charset="0"/>
+              <a:buChar char="–"/>
+              <a:tabLst>
+                <a:tab pos="0" algn="l"/>
+                <a:tab pos="457200" algn="l"/>
+                <a:tab pos="914400" algn="l"/>
+                <a:tab pos="1371600" algn="l"/>
+                <a:tab pos="1828800" algn="l"/>
+                <a:tab pos="2286000" algn="l"/>
+                <a:tab pos="2743200" algn="l"/>
+                <a:tab pos="3200400" algn="l"/>
+                <a:tab pos="3657600" algn="l"/>
+                <a:tab pos="4114800" algn="l"/>
+                <a:tab pos="4572000" algn="l"/>
+                <a:tab pos="5029200" algn="l"/>
+                <a:tab pos="5486400" algn="l"/>
+                <a:tab pos="5943600" algn="l"/>
+                <a:tab pos="6400800" algn="l"/>
+                <a:tab pos="6858000" algn="l"/>
+                <a:tab pos="7315200" algn="l"/>
+                <a:tab pos="7772400" algn="l"/>
+                <a:tab pos="8229600" algn="l"/>
+                <a:tab pos="8686800" algn="l"/>
+                <a:tab pos="9144000" algn="l"/>
+              </a:tabLst>
+              <a:defRPr sz="2400">
+                <a:solidFill>
+                  <a:schemeClr val="tx1"/>
+                </a:solidFill>
+                <a:latin typeface="Arial Narrow" pitchFamily="34" charset="0"/>
+                <a:ea typeface="ヒラギノ角ゴ Pro W3" charset="-128"/>
+              </a:defRPr>
+            </a:lvl9pPr>
+          </a:lstStyle>
+          <a:p>
+            <a:pPr eaLnBrk="1" hangingPunct="1">
+              <a:spcBef>
+                <a:spcPts val="0"/>
+              </a:spcBef>
+              <a:buClr>
+                <a:srgbClr val="000000"/>
+              </a:buClr>
+              <a:buNone/>
+            </a:pPr>
+            <a:r>
+              <a:rPr lang="en-US" altLang="ko-KR" sz="1200" b="1" dirty="0">
+                <a:solidFill>
+                  <a:srgbClr val="003B6E"/>
+                </a:solidFill>
+                <a:latin typeface="+mn-lt"/>
+                <a:ea typeface="Gulim" pitchFamily="34" charset="-127"/>
+                <a:cs typeface="Arial Unicode MS" pitchFamily="34" charset="-128"/>
+              </a:rPr>
+              <a:t>Implemented</a:t>
+            </a:r>
+          </a:p>
+        </p:txBody>
+      </p:sp>
+      <p:sp>
+        <p:nvSpPr>
+          <p:cNvPr id="50" name="TextBox 49"/>
+          <p:cNvSpPr txBox="1"/>
+          <p:nvPr/>
+        </p:nvSpPr>
+        <p:spPr>
+          <a:xfrm>
+            <a:off x="6588224" y="-27384"/>
+            <a:ext cx="2627783" cy="400110"/>
+          </a:xfrm>
+          <a:prstGeom prst="rect">
+            <a:avLst/>
+          </a:prstGeom>
+          <a:noFill/>
+          <a:ln w="9525">
+            <a:noFill/>
+          </a:ln>
+        </p:spPr>
+        <p:txBody>
+          <a:bodyPr wrap="square" rtlCol="0" anchor="ctr">
+            <a:spAutoFit/>
+          </a:bodyPr>
+          <a:lstStyle/>
+          <a:p>
+            <a:r>
+              <a:rPr lang="en-US" sz="2000" b="1" dirty="0" err="1">
+                <a:latin typeface="Consolas" panose="020B0609020204030204" pitchFamily="49" charset="0"/>
+                <a:cs typeface="Consolas" panose="020B0609020204030204" pitchFamily="49" charset="0"/>
+              </a:rPr>
+              <a:t>gsa</a:t>
+            </a:r>
+            <a:r>
+              <a:rPr lang="en-US" sz="2000" b="1" dirty="0">
+                <a:latin typeface="Consolas" panose="020B0609020204030204" pitchFamily="49" charset="0"/>
+                <a:cs typeface="Consolas" panose="020B0609020204030204" pitchFamily="49" charset="0"/>
+              </a:rPr>
+              <a:t>-module</a:t>
+            </a:r>
+            <a:r>
+              <a:rPr lang="en-US" sz="2000" b="1" dirty="0">
+                <a:latin typeface="Consolas" panose="020B0609020204030204" pitchFamily="49" charset="0"/>
+              </a:rPr>
+              <a:t> </a:t>
+            </a:r>
+            <a:r>
+              <a:rPr lang="en-US" sz="2000" b="1" dirty="0" smtClean="0">
+                <a:latin typeface="Consolas" panose="020B0609020204030204" pitchFamily="49" charset="0"/>
+              </a:rPr>
+              <a:t>v0.4.0</a:t>
+            </a:r>
+            <a:endParaRPr lang="en-US" sz="2000" b="1" dirty="0">
+              <a:latin typeface="Consolas" panose="020B0609020204030204" pitchFamily="49" charset="0"/>
+            </a:endParaRPr>
+          </a:p>
+        </p:txBody>
+      </p:sp>
+      <p:grpSp>
+        <p:nvGrpSpPr>
+          <p:cNvPr id="51" name="Group 50"/>
+          <p:cNvGrpSpPr/>
+          <p:nvPr/>
+        </p:nvGrpSpPr>
+        <p:grpSpPr>
+          <a:xfrm>
+            <a:off x="3059833" y="2708920"/>
+            <a:ext cx="1482811" cy="943173"/>
+            <a:chOff x="4690610" y="2744313"/>
+            <a:chExt cx="2736305" cy="1329294"/>
+          </a:xfrm>
+        </p:grpSpPr>
+        <p:sp>
+          <p:nvSpPr>
+            <p:cNvPr id="53" name="Text Box 11"/>
+            <p:cNvSpPr txBox="1">
+              <a:spLocks noChangeArrowheads="1"/>
+            </p:cNvSpPr>
+            <p:nvPr/>
+          </p:nvSpPr>
+          <p:spPr bwMode="auto">
+            <a:xfrm>
+              <a:off x="4690610" y="2744313"/>
+              <a:ext cx="2736305" cy="1329294"/>
+            </a:xfrm>
+            <a:prstGeom prst="rect">
+              <a:avLst/>
+            </a:prstGeom>
+            <a:solidFill>
+              <a:srgbClr val="FFFFFF"/>
+            </a:solidFill>
+            <a:ln w="6350">
+              <a:solidFill>
+                <a:schemeClr val="tx1"/>
+              </a:solidFill>
+              <a:prstDash val="dashDot"/>
+              <a:miter lim="800000"/>
+              <a:headEnd/>
+              <a:tailEnd/>
+            </a:ln>
+          </p:spPr>
+          <p:txBody>
+            <a:bodyPr lIns="90000" tIns="46800" rIns="90000" bIns="46800"/>
+            <a:lstStyle>
+              <a:lvl1pPr defTabSz="457200">
+                <a:buChar char="•"/>
+                <a:tabLst>
+                  <a:tab pos="0" algn="l"/>
+                  <a:tab pos="457200" algn="l"/>
+                  <a:tab pos="914400" algn="l"/>
+                  <a:tab pos="1371600" algn="l"/>
+                  <a:tab pos="1828800" algn="l"/>
+                  <a:tab pos="2286000" algn="l"/>
+                  <a:tab pos="2743200" algn="l"/>
+                  <a:tab pos="3200400" algn="l"/>
+                  <a:tab pos="3657600" algn="l"/>
+                  <a:tab pos="4114800" algn="l"/>
+                  <a:tab pos="4572000" algn="l"/>
+                  <a:tab pos="5029200" algn="l"/>
+                  <a:tab pos="5486400" algn="l"/>
+                  <a:tab pos="5943600" algn="l"/>
+                  <a:tab pos="6400800" algn="l"/>
+                  <a:tab pos="6858000" algn="l"/>
+                  <a:tab pos="7315200" algn="l"/>
+                  <a:tab pos="7772400" algn="l"/>
+                  <a:tab pos="8229600" algn="l"/>
+                  <a:tab pos="8686800" algn="l"/>
+                  <a:tab pos="9144000" algn="l"/>
+                </a:tabLst>
+                <a:defRPr sz="2400">
+                  <a:solidFill>
+                    <a:schemeClr val="tx1"/>
+                  </a:solidFill>
+                  <a:latin typeface="Arial Narrow" pitchFamily="34" charset="0"/>
+                  <a:ea typeface="ヒラギノ角ゴ Pro W3" charset="-128"/>
+                </a:defRPr>
+              </a:lvl1pPr>
+              <a:lvl2pPr marL="742950" indent="-285750" defTabSz="457200">
+                <a:buClr>
+                  <a:schemeClr val="tx1"/>
+                </a:buClr>
+                <a:buSzPct val="120000"/>
+                <a:buChar char="•"/>
+                <a:tabLst>
+                  <a:tab pos="0" algn="l"/>
+                  <a:tab pos="457200" algn="l"/>
+                  <a:tab pos="914400" algn="l"/>
+                  <a:tab pos="1371600" algn="l"/>
+                  <a:tab pos="1828800" algn="l"/>
+                  <a:tab pos="2286000" algn="l"/>
+                  <a:tab pos="2743200" algn="l"/>
+                  <a:tab pos="3200400" algn="l"/>
+                  <a:tab pos="3657600" algn="l"/>
+                  <a:tab pos="4114800" algn="l"/>
+                  <a:tab pos="4572000" algn="l"/>
+                  <a:tab pos="5029200" algn="l"/>
+                  <a:tab pos="5486400" algn="l"/>
+                  <a:tab pos="5943600" algn="l"/>
+                  <a:tab pos="6400800" algn="l"/>
+                  <a:tab pos="6858000" algn="l"/>
+                  <a:tab pos="7315200" algn="l"/>
+                  <a:tab pos="7772400" algn="l"/>
+                  <a:tab pos="8229600" algn="l"/>
+                  <a:tab pos="8686800" algn="l"/>
+                  <a:tab pos="9144000" algn="l"/>
+                </a:tabLst>
+                <a:defRPr sz="2400">
+                  <a:solidFill>
+                    <a:schemeClr val="tx1"/>
+                  </a:solidFill>
+                  <a:latin typeface="Arial Narrow" pitchFamily="34" charset="0"/>
+                  <a:ea typeface="ヒラギノ角ゴ Pro W3" charset="-128"/>
+                </a:defRPr>
+              </a:lvl2pPr>
+              <a:lvl3pPr marL="1143000" indent="-228600" defTabSz="457200">
+                <a:buFont typeface="Times" pitchFamily="18" charset="0"/>
+                <a:buChar char="–"/>
+                <a:tabLst>
+                  <a:tab pos="0" algn="l"/>
+                  <a:tab pos="457200" algn="l"/>
+                  <a:tab pos="914400" algn="l"/>
+                  <a:tab pos="1371600" algn="l"/>
+                  <a:tab pos="1828800" algn="l"/>
+                  <a:tab pos="2286000" algn="l"/>
+                  <a:tab pos="2743200" algn="l"/>
+                  <a:tab pos="3200400" algn="l"/>
+                  <a:tab pos="3657600" algn="l"/>
+                  <a:tab pos="4114800" algn="l"/>
+                  <a:tab pos="4572000" algn="l"/>
+                  <a:tab pos="5029200" algn="l"/>
+                  <a:tab pos="5486400" algn="l"/>
+                  <a:tab pos="5943600" algn="l"/>
+                  <a:tab pos="6400800" algn="l"/>
+                  <a:tab pos="6858000" algn="l"/>
+                  <a:tab pos="7315200" algn="l"/>
+                  <a:tab pos="7772400" algn="l"/>
+                  <a:tab pos="8229600" algn="l"/>
+                  <a:tab pos="8686800" algn="l"/>
+                  <a:tab pos="9144000" algn="l"/>
+                </a:tabLst>
+                <a:defRPr sz="1700">
+                  <a:solidFill>
+                    <a:schemeClr val="tx1"/>
+                  </a:solidFill>
+                  <a:latin typeface="Arial Narrow" pitchFamily="34" charset="0"/>
+                  <a:ea typeface="MS PGothic" pitchFamily="34" charset="-128"/>
+                </a:defRPr>
+              </a:lvl3pPr>
+              <a:lvl4pPr marL="1600200" indent="-228600" defTabSz="457200">
+                <a:buFont typeface="Lucida Grande" charset="0"/>
+                <a:buChar char="–"/>
+                <a:tabLst>
+                  <a:tab pos="0" algn="l"/>
+                  <a:tab pos="457200" algn="l"/>
+                  <a:tab pos="914400" algn="l"/>
+                  <a:tab pos="1371600" algn="l"/>
+                  <a:tab pos="1828800" algn="l"/>
+                  <a:tab pos="2286000" algn="l"/>
+                  <a:tab pos="2743200" algn="l"/>
+                  <a:tab pos="3200400" algn="l"/>
+                  <a:tab pos="3657600" algn="l"/>
+                  <a:tab pos="4114800" algn="l"/>
+                  <a:tab pos="4572000" algn="l"/>
+                  <a:tab pos="5029200" algn="l"/>
+                  <a:tab pos="5486400" algn="l"/>
+                  <a:tab pos="5943600" algn="l"/>
+                  <a:tab pos="6400800" algn="l"/>
+                  <a:tab pos="6858000" algn="l"/>
+                  <a:tab pos="7315200" algn="l"/>
+                  <a:tab pos="7772400" algn="l"/>
+                  <a:tab pos="8229600" algn="l"/>
+                  <a:tab pos="8686800" algn="l"/>
+                  <a:tab pos="9144000" algn="l"/>
+                </a:tabLst>
+                <a:defRPr sz="2400">
+                  <a:solidFill>
+                    <a:schemeClr val="tx1"/>
+                  </a:solidFill>
+                  <a:latin typeface="Arial Narrow" pitchFamily="34" charset="0"/>
+                  <a:ea typeface="MS PGothic" pitchFamily="34" charset="-128"/>
+                </a:defRPr>
+              </a:lvl4pPr>
+              <a:lvl5pPr marL="2057400" indent="-228600" defTabSz="457200">
+                <a:buFont typeface="Lucida Grande" charset="0"/>
+                <a:buChar char="–"/>
+                <a:tabLst>
+                  <a:tab pos="0" algn="l"/>
+                  <a:tab pos="457200" algn="l"/>
+                  <a:tab pos="914400" algn="l"/>
+                  <a:tab pos="1371600" algn="l"/>
+                  <a:tab pos="1828800" algn="l"/>
+                  <a:tab pos="2286000" algn="l"/>
+                  <a:tab pos="2743200" algn="l"/>
+                  <a:tab pos="3200400" algn="l"/>
+                  <a:tab pos="3657600" algn="l"/>
+                  <a:tab pos="4114800" algn="l"/>
+                  <a:tab pos="4572000" algn="l"/>
+                  <a:tab pos="5029200" algn="l"/>
+                  <a:tab pos="5486400" algn="l"/>
+                  <a:tab pos="5943600" algn="l"/>
+                  <a:tab pos="6400800" algn="l"/>
+                  <a:tab pos="6858000" algn="l"/>
+                  <a:tab pos="7315200" algn="l"/>
+                  <a:tab pos="7772400" algn="l"/>
+                  <a:tab pos="8229600" algn="l"/>
+                  <a:tab pos="8686800" algn="l"/>
+                  <a:tab pos="9144000" algn="l"/>
+                </a:tabLst>
+                <a:defRPr sz="2400">
+                  <a:solidFill>
+                    <a:schemeClr val="tx1"/>
+                  </a:solidFill>
+                  <a:latin typeface="Arial Narrow" pitchFamily="34" charset="0"/>
+                  <a:ea typeface="ヒラギノ角ゴ Pro W3" charset="-128"/>
+                </a:defRPr>
+              </a:lvl5pPr>
+              <a:lvl6pPr marL="2514600" indent="-228600" defTabSz="457200" eaLnBrk="0" fontAlgn="base" hangingPunct="0">
+                <a:lnSpc>
+                  <a:spcPct val="110000"/>
+                </a:lnSpc>
+                <a:spcBef>
+                  <a:spcPct val="0"/>
+                </a:spcBef>
+                <a:spcAft>
+                  <a:spcPct val="0"/>
+                </a:spcAft>
+                <a:buFont typeface="Lucida Grande" charset="0"/>
+                <a:buChar char="–"/>
+                <a:tabLst>
+                  <a:tab pos="0" algn="l"/>
+                  <a:tab pos="457200" algn="l"/>
+                  <a:tab pos="914400" algn="l"/>
+                  <a:tab pos="1371600" algn="l"/>
+                  <a:tab pos="1828800" algn="l"/>
+                  <a:tab pos="2286000" algn="l"/>
+                  <a:tab pos="2743200" algn="l"/>
+                  <a:tab pos="3200400" algn="l"/>
+                  <a:tab pos="3657600" algn="l"/>
+                  <a:tab pos="4114800" algn="l"/>
+                  <a:tab pos="4572000" algn="l"/>
+                  <a:tab pos="5029200" algn="l"/>
+                  <a:tab pos="5486400" algn="l"/>
+                  <a:tab pos="5943600" algn="l"/>
+                  <a:tab pos="6400800" algn="l"/>
+                  <a:tab pos="6858000" algn="l"/>
+                  <a:tab pos="7315200" algn="l"/>
+                  <a:tab pos="7772400" algn="l"/>
+                  <a:tab pos="8229600" algn="l"/>
+                  <a:tab pos="8686800" algn="l"/>
+                  <a:tab pos="9144000" algn="l"/>
+                </a:tabLst>
+                <a:defRPr sz="2400">
+                  <a:solidFill>
+                    <a:schemeClr val="tx1"/>
+                  </a:solidFill>
+                  <a:latin typeface="Arial Narrow" pitchFamily="34" charset="0"/>
+                  <a:ea typeface="ヒラギノ角ゴ Pro W3" charset="-128"/>
+                </a:defRPr>
+              </a:lvl6pPr>
+              <a:lvl7pPr marL="2971800" indent="-228600" defTabSz="457200" eaLnBrk="0" fontAlgn="base" hangingPunct="0">
+                <a:lnSpc>
+                  <a:spcPct val="110000"/>
+                </a:lnSpc>
+                <a:spcBef>
+                  <a:spcPct val="0"/>
+                </a:spcBef>
+                <a:spcAft>
+                  <a:spcPct val="0"/>
+                </a:spcAft>
+                <a:buFont typeface="Lucida Grande" charset="0"/>
+                <a:buChar char="–"/>
+                <a:tabLst>
+                  <a:tab pos="0" algn="l"/>
+                  <a:tab pos="457200" algn="l"/>
+                  <a:tab pos="914400" algn="l"/>
+                  <a:tab pos="1371600" algn="l"/>
+                  <a:tab pos="1828800" algn="l"/>
+                  <a:tab pos="2286000" algn="l"/>
+                  <a:tab pos="2743200" algn="l"/>
+                  <a:tab pos="3200400" algn="l"/>
+                  <a:tab pos="3657600" algn="l"/>
+                  <a:tab pos="4114800" algn="l"/>
+                  <a:tab pos="4572000" algn="l"/>
+                  <a:tab pos="5029200" algn="l"/>
+                  <a:tab pos="5486400" algn="l"/>
+                  <a:tab pos="5943600" algn="l"/>
+                  <a:tab pos="6400800" algn="l"/>
+                  <a:tab pos="6858000" algn="l"/>
+                  <a:tab pos="7315200" algn="l"/>
+                  <a:tab pos="7772400" algn="l"/>
+                  <a:tab pos="8229600" algn="l"/>
+                  <a:tab pos="8686800" algn="l"/>
+                  <a:tab pos="9144000" algn="l"/>
+                </a:tabLst>
+                <a:defRPr sz="2400">
+                  <a:solidFill>
+                    <a:schemeClr val="tx1"/>
+                  </a:solidFill>
+                  <a:latin typeface="Arial Narrow" pitchFamily="34" charset="0"/>
+                  <a:ea typeface="ヒラギノ角ゴ Pro W3" charset="-128"/>
+                </a:defRPr>
+              </a:lvl7pPr>
+              <a:lvl8pPr marL="3429000" indent="-228600" defTabSz="457200" eaLnBrk="0" fontAlgn="base" hangingPunct="0">
+                <a:lnSpc>
+                  <a:spcPct val="110000"/>
+                </a:lnSpc>
+                <a:spcBef>
+                  <a:spcPct val="0"/>
+                </a:spcBef>
+                <a:spcAft>
+                  <a:spcPct val="0"/>
+                </a:spcAft>
+                <a:buFont typeface="Lucida Grande" charset="0"/>
+                <a:buChar char="–"/>
+                <a:tabLst>
+                  <a:tab pos="0" algn="l"/>
+                  <a:tab pos="457200" algn="l"/>
+                  <a:tab pos="914400" algn="l"/>
+                  <a:tab pos="1371600" algn="l"/>
+                  <a:tab pos="1828800" algn="l"/>
+                  <a:tab pos="2286000" algn="l"/>
+                  <a:tab pos="2743200" algn="l"/>
+                  <a:tab pos="3200400" algn="l"/>
+                  <a:tab pos="3657600" algn="l"/>
+                  <a:tab pos="4114800" algn="l"/>
+                  <a:tab pos="4572000" algn="l"/>
+                  <a:tab pos="5029200" algn="l"/>
+                  <a:tab pos="5486400" algn="l"/>
+                  <a:tab pos="5943600" algn="l"/>
+                  <a:tab pos="6400800" algn="l"/>
+                  <a:tab pos="6858000" algn="l"/>
+                  <a:tab pos="7315200" algn="l"/>
+                  <a:tab pos="7772400" algn="l"/>
+                  <a:tab pos="8229600" algn="l"/>
+                  <a:tab pos="8686800" algn="l"/>
+                  <a:tab pos="9144000" algn="l"/>
+                </a:tabLst>
+                <a:defRPr sz="2400">
+                  <a:solidFill>
+                    <a:schemeClr val="tx1"/>
+                  </a:solidFill>
+                  <a:latin typeface="Arial Narrow" pitchFamily="34" charset="0"/>
+                  <a:ea typeface="ヒラギノ角ゴ Pro W3" charset="-128"/>
+                </a:defRPr>
+              </a:lvl8pPr>
+              <a:lvl9pPr marL="3886200" indent="-228600" defTabSz="457200" eaLnBrk="0" fontAlgn="base" hangingPunct="0">
+                <a:lnSpc>
+                  <a:spcPct val="110000"/>
+                </a:lnSpc>
+                <a:spcBef>
+                  <a:spcPct val="0"/>
+                </a:spcBef>
+                <a:spcAft>
+                  <a:spcPct val="0"/>
+                </a:spcAft>
+                <a:buFont typeface="Lucida Grande" charset="0"/>
+                <a:buChar char="–"/>
+                <a:tabLst>
+                  <a:tab pos="0" algn="l"/>
+                  <a:tab pos="457200" algn="l"/>
+                  <a:tab pos="914400" algn="l"/>
+                  <a:tab pos="1371600" algn="l"/>
+                  <a:tab pos="1828800" algn="l"/>
+                  <a:tab pos="2286000" algn="l"/>
+                  <a:tab pos="2743200" algn="l"/>
+                  <a:tab pos="3200400" algn="l"/>
+                  <a:tab pos="3657600" algn="l"/>
+                  <a:tab pos="4114800" algn="l"/>
+                  <a:tab pos="4572000" algn="l"/>
+                  <a:tab pos="5029200" algn="l"/>
+                  <a:tab pos="5486400" algn="l"/>
+                  <a:tab pos="5943600" algn="l"/>
+                  <a:tab pos="6400800" algn="l"/>
+                  <a:tab pos="6858000" algn="l"/>
+                  <a:tab pos="7315200" algn="l"/>
+                  <a:tab pos="7772400" algn="l"/>
+                  <a:tab pos="8229600" algn="l"/>
+                  <a:tab pos="8686800" algn="l"/>
+                  <a:tab pos="9144000" algn="l"/>
+                </a:tabLst>
+                <a:defRPr sz="2400">
+                  <a:solidFill>
+                    <a:schemeClr val="tx1"/>
+                  </a:solidFill>
+                  <a:latin typeface="Arial Narrow" pitchFamily="34" charset="0"/>
+                  <a:ea typeface="ヒラギノ角ゴ Pro W3" charset="-128"/>
+                </a:defRPr>
+              </a:lvl9pPr>
+            </a:lstStyle>
+            <a:p>
+              <a:pPr eaLnBrk="1" hangingPunct="1">
+                <a:lnSpc>
+                  <a:spcPct val="100000"/>
+                </a:lnSpc>
+                <a:buClr>
+                  <a:srgbClr val="000000"/>
+                </a:buClr>
+                <a:buFont typeface="Times New Roman" pitchFamily="18" charset="0"/>
+                <a:buNone/>
+              </a:pPr>
+              <a:r>
+                <a:rPr lang="en-US" altLang="ko-KR" sz="1400" dirty="0" err="1">
+                  <a:solidFill>
+                    <a:srgbClr val="C50006"/>
+                  </a:solidFill>
+                  <a:latin typeface="Courier New" panose="02070309020205020404" pitchFamily="49" charset="0"/>
+                  <a:ea typeface="Gulim" pitchFamily="34" charset="-127"/>
+                  <a:cs typeface="Courier New" panose="02070309020205020404" pitchFamily="49" charset="0"/>
+                </a:rPr>
+                <a:t>qoi</a:t>
+              </a:r>
+              <a:r>
+                <a:rPr lang="en-US" altLang="ko-KR" sz="1400" dirty="0">
+                  <a:solidFill>
+                    <a:srgbClr val="C50006"/>
+                  </a:solidFill>
+                  <a:latin typeface="+mn-lt"/>
+                  <a:ea typeface="Gulim" pitchFamily="34" charset="-127"/>
+                  <a:cs typeface="Arial Unicode MS" pitchFamily="34" charset="-128"/>
+                </a:rPr>
+                <a:t> Module</a:t>
+              </a:r>
+            </a:p>
+          </p:txBody>
+        </p:sp>
+        <p:sp>
+          <p:nvSpPr>
+            <p:cNvPr id="55" name="Text Box 12"/>
+            <p:cNvSpPr txBox="1">
+              <a:spLocks noChangeArrowheads="1"/>
+            </p:cNvSpPr>
+            <p:nvPr/>
+          </p:nvSpPr>
+          <p:spPr bwMode="auto">
+            <a:xfrm>
+              <a:off x="4762617" y="3197432"/>
+              <a:ext cx="2604608" cy="835551"/>
+            </a:xfrm>
+            <a:prstGeom prst="rect">
+              <a:avLst/>
+            </a:prstGeom>
+            <a:solidFill>
+              <a:schemeClr val="bg1">
+                <a:lumMod val="85000"/>
+              </a:schemeClr>
+            </a:solidFill>
+            <a:ln w="9360">
+              <a:solidFill>
+                <a:schemeClr val="tx1"/>
+              </a:solidFill>
+              <a:prstDash val="dashDot"/>
+              <a:miter lim="800000"/>
+              <a:headEnd/>
+              <a:tailEnd/>
+            </a:ln>
+          </p:spPr>
+          <p:txBody>
+            <a:bodyPr wrap="square" lIns="90000" tIns="46800" rIns="90000" bIns="46800" anchor="ctr">
+              <a:noAutofit/>
+            </a:bodyPr>
+            <a:lstStyle>
+              <a:lvl1pPr defTabSz="457200">
+                <a:buChar char="•"/>
+                <a:tabLst>
+                  <a:tab pos="0" algn="l"/>
+                  <a:tab pos="457200" algn="l"/>
+                  <a:tab pos="914400" algn="l"/>
+                  <a:tab pos="1371600" algn="l"/>
+                  <a:tab pos="1828800" algn="l"/>
+                  <a:tab pos="2286000" algn="l"/>
+                  <a:tab pos="2743200" algn="l"/>
+                  <a:tab pos="3200400" algn="l"/>
+                  <a:tab pos="3657600" algn="l"/>
+                  <a:tab pos="4114800" algn="l"/>
+                  <a:tab pos="4572000" algn="l"/>
+                  <a:tab pos="5029200" algn="l"/>
+                  <a:tab pos="5486400" algn="l"/>
+                  <a:tab pos="5943600" algn="l"/>
+                  <a:tab pos="6400800" algn="l"/>
+                  <a:tab pos="6858000" algn="l"/>
+                  <a:tab pos="7315200" algn="l"/>
+                  <a:tab pos="7772400" algn="l"/>
+                  <a:tab pos="8229600" algn="l"/>
+                  <a:tab pos="8686800" algn="l"/>
+                  <a:tab pos="9144000" algn="l"/>
+                </a:tabLst>
+                <a:defRPr sz="2400">
+                  <a:solidFill>
+                    <a:schemeClr val="tx1"/>
+                  </a:solidFill>
+                  <a:latin typeface="Arial Narrow" pitchFamily="34" charset="0"/>
+                  <a:ea typeface="ヒラギノ角ゴ Pro W3" charset="-128"/>
+                </a:defRPr>
+              </a:lvl1pPr>
+              <a:lvl2pPr marL="742950" indent="-285750" defTabSz="457200">
+                <a:buClr>
+                  <a:schemeClr val="tx1"/>
+                </a:buClr>
+                <a:buSzPct val="120000"/>
+                <a:buChar char="•"/>
+                <a:tabLst>
+                  <a:tab pos="0" algn="l"/>
+                  <a:tab pos="457200" algn="l"/>
+                  <a:tab pos="914400" algn="l"/>
+                  <a:tab pos="1371600" algn="l"/>
+                  <a:tab pos="1828800" algn="l"/>
+                  <a:tab pos="2286000" algn="l"/>
+                  <a:tab pos="2743200" algn="l"/>
+                  <a:tab pos="3200400" algn="l"/>
+                  <a:tab pos="3657600" algn="l"/>
+                  <a:tab pos="4114800" algn="l"/>
+                  <a:tab pos="4572000" algn="l"/>
+                  <a:tab pos="5029200" algn="l"/>
+                  <a:tab pos="5486400" algn="l"/>
+                  <a:tab pos="5943600" algn="l"/>
+                  <a:tab pos="6400800" algn="l"/>
+                  <a:tab pos="6858000" algn="l"/>
+                  <a:tab pos="7315200" algn="l"/>
+                  <a:tab pos="7772400" algn="l"/>
+                  <a:tab pos="8229600" algn="l"/>
+                  <a:tab pos="8686800" algn="l"/>
+                  <a:tab pos="9144000" algn="l"/>
+                </a:tabLst>
+                <a:defRPr sz="2400">
+                  <a:solidFill>
+                    <a:schemeClr val="tx1"/>
+                  </a:solidFill>
+                  <a:latin typeface="Arial Narrow" pitchFamily="34" charset="0"/>
+                  <a:ea typeface="ヒラギノ角ゴ Pro W3" charset="-128"/>
+                </a:defRPr>
+              </a:lvl2pPr>
+              <a:lvl3pPr marL="1143000" indent="-228600" defTabSz="457200">
+                <a:buFont typeface="Times" pitchFamily="18" charset="0"/>
+                <a:buChar char="–"/>
+                <a:tabLst>
+                  <a:tab pos="0" algn="l"/>
+                  <a:tab pos="457200" algn="l"/>
+                  <a:tab pos="914400" algn="l"/>
+                  <a:tab pos="1371600" algn="l"/>
+                  <a:tab pos="1828800" algn="l"/>
+                  <a:tab pos="2286000" algn="l"/>
+                  <a:tab pos="2743200" algn="l"/>
+                  <a:tab pos="3200400" algn="l"/>
+                  <a:tab pos="3657600" algn="l"/>
+                  <a:tab pos="4114800" algn="l"/>
+                  <a:tab pos="4572000" algn="l"/>
+                  <a:tab pos="5029200" algn="l"/>
+                  <a:tab pos="5486400" algn="l"/>
+                  <a:tab pos="5943600" algn="l"/>
+                  <a:tab pos="6400800" algn="l"/>
+                  <a:tab pos="6858000" algn="l"/>
+                  <a:tab pos="7315200" algn="l"/>
+                  <a:tab pos="7772400" algn="l"/>
+                  <a:tab pos="8229600" algn="l"/>
+                  <a:tab pos="8686800" algn="l"/>
+                  <a:tab pos="9144000" algn="l"/>
+                </a:tabLst>
+                <a:defRPr sz="1700">
+                  <a:solidFill>
+                    <a:schemeClr val="tx1"/>
+                  </a:solidFill>
+                  <a:latin typeface="Arial Narrow" pitchFamily="34" charset="0"/>
+                  <a:ea typeface="MS PGothic" pitchFamily="34" charset="-128"/>
+                </a:defRPr>
+              </a:lvl3pPr>
+              <a:lvl4pPr marL="1600200" indent="-228600" defTabSz="457200">
+                <a:buFont typeface="Lucida Grande" charset="0"/>
+                <a:buChar char="–"/>
+                <a:tabLst>
+                  <a:tab pos="0" algn="l"/>
+                  <a:tab pos="457200" algn="l"/>
+                  <a:tab pos="914400" algn="l"/>
+                  <a:tab pos="1371600" algn="l"/>
+                  <a:tab pos="1828800" algn="l"/>
+                  <a:tab pos="2286000" algn="l"/>
+                  <a:tab pos="2743200" algn="l"/>
+                  <a:tab pos="3200400" algn="l"/>
+                  <a:tab pos="3657600" algn="l"/>
+                  <a:tab pos="4114800" algn="l"/>
+                  <a:tab pos="4572000" algn="l"/>
+                  <a:tab pos="5029200" algn="l"/>
+                  <a:tab pos="5486400" algn="l"/>
+                  <a:tab pos="5943600" algn="l"/>
+                  <a:tab pos="6400800" algn="l"/>
+                  <a:tab pos="6858000" algn="l"/>
+                  <a:tab pos="7315200" algn="l"/>
+                  <a:tab pos="7772400" algn="l"/>
+                  <a:tab pos="8229600" algn="l"/>
+                  <a:tab pos="8686800" algn="l"/>
+                  <a:tab pos="9144000" algn="l"/>
+                </a:tabLst>
+                <a:defRPr sz="2400">
+                  <a:solidFill>
+                    <a:schemeClr val="tx1"/>
+                  </a:solidFill>
+                  <a:latin typeface="Arial Narrow" pitchFamily="34" charset="0"/>
+                  <a:ea typeface="MS PGothic" pitchFamily="34" charset="-128"/>
+                </a:defRPr>
+              </a:lvl4pPr>
+              <a:lvl5pPr marL="2057400" indent="-228600" defTabSz="457200">
+                <a:buFont typeface="Lucida Grande" charset="0"/>
+                <a:buChar char="–"/>
+                <a:tabLst>
+                  <a:tab pos="0" algn="l"/>
+                  <a:tab pos="457200" algn="l"/>
+                  <a:tab pos="914400" algn="l"/>
+                  <a:tab pos="1371600" algn="l"/>
+                  <a:tab pos="1828800" algn="l"/>
+                  <a:tab pos="2286000" algn="l"/>
+                  <a:tab pos="2743200" algn="l"/>
+                  <a:tab pos="3200400" algn="l"/>
+                  <a:tab pos="3657600" algn="l"/>
+                  <a:tab pos="4114800" algn="l"/>
+                  <a:tab pos="4572000" algn="l"/>
+                  <a:tab pos="5029200" algn="l"/>
+                  <a:tab pos="5486400" algn="l"/>
+                  <a:tab pos="5943600" algn="l"/>
+                  <a:tab pos="6400800" algn="l"/>
+                  <a:tab pos="6858000" algn="l"/>
+                  <a:tab pos="7315200" algn="l"/>
+                  <a:tab pos="7772400" algn="l"/>
+                  <a:tab pos="8229600" algn="l"/>
+                  <a:tab pos="8686800" algn="l"/>
+                  <a:tab pos="9144000" algn="l"/>
+                </a:tabLst>
+                <a:defRPr sz="2400">
+                  <a:solidFill>
+                    <a:schemeClr val="tx1"/>
+                  </a:solidFill>
+                  <a:latin typeface="Arial Narrow" pitchFamily="34" charset="0"/>
+                  <a:ea typeface="ヒラギノ角ゴ Pro W3" charset="-128"/>
+                </a:defRPr>
+              </a:lvl5pPr>
+              <a:lvl6pPr marL="2514600" indent="-228600" defTabSz="457200" eaLnBrk="0" fontAlgn="base" hangingPunct="0">
+                <a:lnSpc>
+                  <a:spcPct val="110000"/>
+                </a:lnSpc>
+                <a:spcBef>
+                  <a:spcPct val="0"/>
+                </a:spcBef>
+                <a:spcAft>
+                  <a:spcPct val="0"/>
+                </a:spcAft>
+                <a:buFont typeface="Lucida Grande" charset="0"/>
+                <a:buChar char="–"/>
+                <a:tabLst>
+                  <a:tab pos="0" algn="l"/>
+                  <a:tab pos="457200" algn="l"/>
+                  <a:tab pos="914400" algn="l"/>
+                  <a:tab pos="1371600" algn="l"/>
+                  <a:tab pos="1828800" algn="l"/>
+                  <a:tab pos="2286000" algn="l"/>
+                  <a:tab pos="2743200" algn="l"/>
+                  <a:tab pos="3200400" algn="l"/>
+                  <a:tab pos="3657600" algn="l"/>
+                  <a:tab pos="4114800" algn="l"/>
+                  <a:tab pos="4572000" algn="l"/>
+                  <a:tab pos="5029200" algn="l"/>
+                  <a:tab pos="5486400" algn="l"/>
+                  <a:tab pos="5943600" algn="l"/>
+                  <a:tab pos="6400800" algn="l"/>
+                  <a:tab pos="6858000" algn="l"/>
+                  <a:tab pos="7315200" algn="l"/>
+                  <a:tab pos="7772400" algn="l"/>
+                  <a:tab pos="8229600" algn="l"/>
+                  <a:tab pos="8686800" algn="l"/>
+                  <a:tab pos="9144000" algn="l"/>
+                </a:tabLst>
+                <a:defRPr sz="2400">
+                  <a:solidFill>
+                    <a:schemeClr val="tx1"/>
+                  </a:solidFill>
+                  <a:latin typeface="Arial Narrow" pitchFamily="34" charset="0"/>
+                  <a:ea typeface="ヒラギノ角ゴ Pro W3" charset="-128"/>
+                </a:defRPr>
+              </a:lvl6pPr>
+              <a:lvl7pPr marL="2971800" indent="-228600" defTabSz="457200" eaLnBrk="0" fontAlgn="base" hangingPunct="0">
+                <a:lnSpc>
+                  <a:spcPct val="110000"/>
+                </a:lnSpc>
+                <a:spcBef>
+                  <a:spcPct val="0"/>
+                </a:spcBef>
+                <a:spcAft>
+                  <a:spcPct val="0"/>
+                </a:spcAft>
+                <a:buFont typeface="Lucida Grande" charset="0"/>
+                <a:buChar char="–"/>
+                <a:tabLst>
+                  <a:tab pos="0" algn="l"/>
+                  <a:tab pos="457200" algn="l"/>
+                  <a:tab pos="914400" algn="l"/>
+                  <a:tab pos="1371600" algn="l"/>
+                  <a:tab pos="1828800" algn="l"/>
+                  <a:tab pos="2286000" algn="l"/>
+                  <a:tab pos="2743200" algn="l"/>
+                  <a:tab pos="3200400" algn="l"/>
+                  <a:tab pos="3657600" algn="l"/>
+                  <a:tab pos="4114800" algn="l"/>
+                  <a:tab pos="4572000" algn="l"/>
+                  <a:tab pos="5029200" algn="l"/>
+                  <a:tab pos="5486400" algn="l"/>
+                  <a:tab pos="5943600" algn="l"/>
+                  <a:tab pos="6400800" algn="l"/>
+                  <a:tab pos="6858000" algn="l"/>
+                  <a:tab pos="7315200" algn="l"/>
+                  <a:tab pos="7772400" algn="l"/>
+                  <a:tab pos="8229600" algn="l"/>
+                  <a:tab pos="8686800" algn="l"/>
+                  <a:tab pos="9144000" algn="l"/>
+                </a:tabLst>
+                <a:defRPr sz="2400">
+                  <a:solidFill>
+                    <a:schemeClr val="tx1"/>
+                  </a:solidFill>
+                  <a:latin typeface="Arial Narrow" pitchFamily="34" charset="0"/>
+                  <a:ea typeface="ヒラギノ角ゴ Pro W3" charset="-128"/>
+                </a:defRPr>
+              </a:lvl7pPr>
+              <a:lvl8pPr marL="3429000" indent="-228600" defTabSz="457200" eaLnBrk="0" fontAlgn="base" hangingPunct="0">
+                <a:lnSpc>
+                  <a:spcPct val="110000"/>
+                </a:lnSpc>
+                <a:spcBef>
+                  <a:spcPct val="0"/>
+                </a:spcBef>
+                <a:spcAft>
+                  <a:spcPct val="0"/>
+                </a:spcAft>
+                <a:buFont typeface="Lucida Grande" charset="0"/>
+                <a:buChar char="–"/>
+                <a:tabLst>
+                  <a:tab pos="0" algn="l"/>
+                  <a:tab pos="457200" algn="l"/>
+                  <a:tab pos="914400" algn="l"/>
+                  <a:tab pos="1371600" algn="l"/>
+                  <a:tab pos="1828800" algn="l"/>
+                  <a:tab pos="2286000" algn="l"/>
+                  <a:tab pos="2743200" algn="l"/>
+                  <a:tab pos="3200400" algn="l"/>
+                  <a:tab pos="3657600" algn="l"/>
+                  <a:tab pos="4114800" algn="l"/>
+                  <a:tab pos="4572000" algn="l"/>
+                  <a:tab pos="5029200" algn="l"/>
+                  <a:tab pos="5486400" algn="l"/>
+                  <a:tab pos="5943600" algn="l"/>
+                  <a:tab pos="6400800" algn="l"/>
+                  <a:tab pos="6858000" algn="l"/>
+                  <a:tab pos="7315200" algn="l"/>
+                  <a:tab pos="7772400" algn="l"/>
+                  <a:tab pos="8229600" algn="l"/>
+                  <a:tab pos="8686800" algn="l"/>
+                  <a:tab pos="9144000" algn="l"/>
+                </a:tabLst>
+                <a:defRPr sz="2400">
+                  <a:solidFill>
+                    <a:schemeClr val="tx1"/>
+                  </a:solidFill>
+                  <a:latin typeface="Arial Narrow" pitchFamily="34" charset="0"/>
+                  <a:ea typeface="ヒラギノ角ゴ Pro W3" charset="-128"/>
+                </a:defRPr>
+              </a:lvl8pPr>
+              <a:lvl9pPr marL="3886200" indent="-228600" defTabSz="457200" eaLnBrk="0" fontAlgn="base" hangingPunct="0">
+                <a:lnSpc>
+                  <a:spcPct val="110000"/>
+                </a:lnSpc>
+                <a:spcBef>
+                  <a:spcPct val="0"/>
+                </a:spcBef>
+                <a:spcAft>
+                  <a:spcPct val="0"/>
+                </a:spcAft>
+                <a:buFont typeface="Lucida Grande" charset="0"/>
+                <a:buChar char="–"/>
+                <a:tabLst>
+                  <a:tab pos="0" algn="l"/>
+                  <a:tab pos="457200" algn="l"/>
+                  <a:tab pos="914400" algn="l"/>
+                  <a:tab pos="1371600" algn="l"/>
+                  <a:tab pos="1828800" algn="l"/>
+                  <a:tab pos="2286000" algn="l"/>
+                  <a:tab pos="2743200" algn="l"/>
+                  <a:tab pos="3200400" algn="l"/>
+                  <a:tab pos="3657600" algn="l"/>
+                  <a:tab pos="4114800" algn="l"/>
+                  <a:tab pos="4572000" algn="l"/>
+                  <a:tab pos="5029200" algn="l"/>
+                  <a:tab pos="5486400" algn="l"/>
+                  <a:tab pos="5943600" algn="l"/>
+                  <a:tab pos="6400800" algn="l"/>
+                  <a:tab pos="6858000" algn="l"/>
+                  <a:tab pos="7315200" algn="l"/>
+                  <a:tab pos="7772400" algn="l"/>
+                  <a:tab pos="8229600" algn="l"/>
+                  <a:tab pos="8686800" algn="l"/>
+                  <a:tab pos="9144000" algn="l"/>
+                </a:tabLst>
+                <a:defRPr sz="2400">
+                  <a:solidFill>
+                    <a:schemeClr val="tx1"/>
+                  </a:solidFill>
+                  <a:latin typeface="Arial Narrow" pitchFamily="34" charset="0"/>
+                  <a:ea typeface="ヒラギノ角ゴ Pro W3" charset="-128"/>
+                </a:defRPr>
+              </a:lvl9pPr>
+            </a:lstStyle>
+            <a:p>
+              <a:pPr marL="85725" indent="-85725" eaLnBrk="1" hangingPunct="1">
+                <a:spcBef>
+                  <a:spcPts val="0"/>
+                </a:spcBef>
+                <a:buClr>
+                  <a:srgbClr val="000000"/>
+                </a:buClr>
+              </a:pPr>
+              <a:r>
+                <a:rPr lang="en-US" altLang="ko-KR" sz="1000" dirty="0">
+                  <a:solidFill>
+                    <a:srgbClr val="003B6E"/>
+                  </a:solidFill>
+                  <a:latin typeface="+mn-lt"/>
+                  <a:ea typeface="Gulim" pitchFamily="34" charset="-127"/>
+                  <a:cs typeface="Arial Unicode MS" pitchFamily="34" charset="-128"/>
+                </a:rPr>
+                <a:t>Extract features from the raw output</a:t>
+              </a:r>
+            </a:p>
+            <a:p>
+              <a:pPr marL="85725" indent="-85725" eaLnBrk="1" hangingPunct="1">
+                <a:spcBef>
+                  <a:spcPts val="0"/>
+                </a:spcBef>
+                <a:buClr>
+                  <a:srgbClr val="000000"/>
+                </a:buClr>
+              </a:pPr>
+              <a:r>
+                <a:rPr lang="en-US" altLang="ko-KR" sz="1000" dirty="0">
+                  <a:solidFill>
+                    <a:srgbClr val="003B6E"/>
+                  </a:solidFill>
+                  <a:latin typeface="+mn-lt"/>
+                  <a:ea typeface="Gulim" pitchFamily="34" charset="-127"/>
+                  <a:cs typeface="Arial Unicode MS" pitchFamily="34" charset="-128"/>
+                </a:rPr>
+                <a:t>Max., min., </a:t>
+              </a:r>
+              <a:r>
+                <a:rPr lang="en-US" altLang="ko-KR" sz="1000" dirty="0" err="1">
+                  <a:solidFill>
+                    <a:srgbClr val="003B6E"/>
+                  </a:solidFill>
+                  <a:latin typeface="+mn-lt"/>
+                  <a:ea typeface="Gulim" pitchFamily="34" charset="-127"/>
+                  <a:cs typeface="Arial Unicode MS" pitchFamily="34" charset="-128"/>
+                </a:rPr>
+                <a:t>ave</a:t>
+              </a:r>
+              <a:r>
+                <a:rPr lang="en-US" altLang="ko-KR" sz="1000" dirty="0">
+                  <a:solidFill>
+                    <a:srgbClr val="003B6E"/>
+                  </a:solidFill>
+                  <a:latin typeface="+mn-lt"/>
+                  <a:ea typeface="Gulim" pitchFamily="34" charset="-127"/>
+                  <a:cs typeface="Arial Unicode MS" pitchFamily="34" charset="-128"/>
+                </a:rPr>
+                <a:t>, etc.</a:t>
+              </a:r>
+            </a:p>
+          </p:txBody>
+        </p:sp>
+      </p:grpSp>
+      <p:sp>
+        <p:nvSpPr>
+          <p:cNvPr id="56" name="Striped Right Arrow 55"/>
+          <p:cNvSpPr/>
+          <p:nvPr/>
+        </p:nvSpPr>
+        <p:spPr bwMode="auto">
+          <a:xfrm rot="10800000">
+            <a:off x="4643697" y="3033879"/>
+            <a:ext cx="288343" cy="292966"/>
+          </a:xfrm>
+          <a:prstGeom prst="stripedRightArrow">
+            <a:avLst>
+              <a:gd name="adj1" fmla="val 50000"/>
+              <a:gd name="adj2" fmla="val 51196"/>
+            </a:avLst>
+          </a:prstGeom>
+          <a:solidFill>
+            <a:srgbClr val="C50006"/>
+          </a:solidFill>
+          <a:ln w="9525" cap="flat" cmpd="sng" algn="ctr">
+            <a:noFill/>
+            <a:prstDash val="solid"/>
+            <a:round/>
+            <a:headEnd type="none" w="med" len="med"/>
+            <a:tailEnd type="none" w="med" len="med"/>
+          </a:ln>
+          <a:effectLst/>
+        </p:spPr>
+        <p:txBody>
+          <a:bodyPr vert="horz" wrap="square" lIns="91440" tIns="45720" rIns="91440" bIns="45720" numCol="1" rtlCol="0" anchor="t" anchorCtr="0" compatLnSpc="1">
+            <a:prstTxWarp prst="textNoShape">
+              <a:avLst/>
+            </a:prstTxWarp>
+          </a:bodyPr>
+          <a:lstStyle/>
+          <a:p>
+            <a:pPr marL="0" marR="0" indent="0" algn="l" defTabSz="914400" rtl="0" eaLnBrk="0" fontAlgn="base" latinLnBrk="0" hangingPunct="0">
+              <a:lnSpc>
+                <a:spcPct val="100000"/>
+              </a:lnSpc>
+              <a:spcBef>
+                <a:spcPct val="0"/>
+              </a:spcBef>
+              <a:spcAft>
+                <a:spcPct val="0"/>
+              </a:spcAft>
+              <a:buClrTx/>
+              <a:buSzTx/>
+              <a:buFontTx/>
+              <a:buNone/>
+              <a:tabLst/>
+            </a:pPr>
+            <a:endParaRPr kumimoji="0" lang="en-US" sz="2400" b="0" i="0" u="none" strike="noStrike" cap="none" normalizeH="0" baseline="0">
+              <a:ln>
+                <a:noFill/>
+              </a:ln>
+              <a:solidFill>
+                <a:schemeClr val="tx1"/>
+              </a:solidFill>
+              <a:effectLst/>
+              <a:latin typeface="Times" charset="0"/>
+            </a:endParaRPr>
+          </a:p>
+        </p:txBody>
+      </p:sp>
+    </p:spTree>
+    <p:extLst>
+      <p:ext uri="{BB962C8B-B14F-4D97-AF65-F5344CB8AC3E}">
+        <p14:creationId xmlns:p14="http://schemas.microsoft.com/office/powerpoint/2010/main" val="564993011"/>
+      </p:ext>
+    </p:extLst>
+  </p:cSld>
+  <p:clrMapOvr>
+    <a:masterClrMapping/>
+  </p:clrMapOvr>
+  <p:transition spd="med"/>
+</p:sld>
+</file>
+
+<file path=ppt/slides/slide4.xml><?xml version="1.0" encoding="utf-8"?>
 <p:sld xmlns:a="http://schemas.openxmlformats.org/drawingml/2006/main" xmlns:r="http://schemas.openxmlformats.org/officeDocument/2006/relationships" xmlns:p="http://schemas.openxmlformats.org/presentationml/2006/main">
   <p:cSld>
     <p:spTree>
@@ -18737,6 +25704,17 @@
                 </a:rPr>
                 <a:t>Linear Model-Based Method </a:t>
               </a:r>
+              <a:r>
+                <a:rPr lang="en-US" altLang="ko-KR" sz="1000" dirty="0">
+                  <a:solidFill>
+                    <a:srgbClr val="003B6E"/>
+                  </a:solidFill>
+                  <a:latin typeface="+mn-lt"/>
+                  <a:ea typeface="Gulim" pitchFamily="34" charset="-127"/>
+                  <a:cs typeface="Arial Unicode MS" pitchFamily="34" charset="-128"/>
+                </a:rPr>
+                <a:t/>
+              </a:r>
               <a:br>
                 <a:rPr lang="en-US" altLang="ko-KR" sz="1000" dirty="0">
                   <a:solidFill>

--- a/docs/figures/flowchart.pptx
+++ b/docs/figures/flowchart.pptx
@@ -5,13 +5,14 @@
     <p:sldMasterId id="2147483648" r:id="rId1"/>
   </p:sldMasterIdLst>
   <p:notesMasterIdLst>
-    <p:notesMasterId r:id="rId6"/>
+    <p:notesMasterId r:id="rId7"/>
   </p:notesMasterIdLst>
   <p:sldIdLst>
     <p:sldId id="258" r:id="rId2"/>
     <p:sldId id="259" r:id="rId3"/>
     <p:sldId id="261" r:id="rId4"/>
-    <p:sldId id="260" r:id="rId5"/>
+    <p:sldId id="262" r:id="rId5"/>
+    <p:sldId id="260" r:id="rId6"/>
   </p:sldIdLst>
   <p:sldSz cx="9144000" cy="6858000" type="screen4x3"/>
   <p:notesSz cx="6858000" cy="9144000"/>
@@ -112,7 +113,7 @@
   </p:defaultTextStyle>
   <p:extLst>
     <p:ext uri="{EFAFB233-063F-42B5-8137-9DF3F51BA10A}">
-      <p15:sldGuideLst xmlns:p15="http://schemas.microsoft.com/office/powerpoint/2012/main" xmlns="">
+      <p15:sldGuideLst xmlns="" xmlns:p15="http://schemas.microsoft.com/office/powerpoint/2012/main">
         <p15:guide id="1" orient="horz" pos="2160">
           <p15:clr>
             <a:srgbClr val="A4A3A4"/>
@@ -744,14 +745,10 @@
             </a:r>
             <a:r>
               <a:rPr lang="en-US" baseline="0" dirty="0"/>
-              <a:t> </a:t>
+              <a:t> (</a:t>
             </a:r>
             <a:r>
-              <a:rPr lang="en-US" baseline="0"/>
-              <a:t>(</a:t>
-            </a:r>
-            <a:r>
-              <a:rPr lang="en-US" baseline="0" smtClean="0"/>
+              <a:rPr lang="en-US" baseline="0" dirty="0" smtClean="0"/>
               <a:t>v0.4.0</a:t>
             </a:r>
             <a:r>
@@ -862,6 +859,124 @@
             </a:r>
             <a:r>
               <a:rPr lang="en-US" baseline="0" dirty="0"/>
+              <a:t> </a:t>
+            </a:r>
+            <a:r>
+              <a:rPr lang="en-US" baseline="0"/>
+              <a:t>(</a:t>
+            </a:r>
+            <a:r>
+              <a:rPr lang="en-US" baseline="0" smtClean="0"/>
+              <a:t>v0.5.0</a:t>
+            </a:r>
+            <a:r>
+              <a:rPr lang="en-US" baseline="0" dirty="0"/>
+              <a:t>)</a:t>
+            </a:r>
+            <a:endParaRPr lang="en-US" dirty="0"/>
+          </a:p>
+        </p:txBody>
+      </p:sp>
+      <p:sp>
+        <p:nvSpPr>
+          <p:cNvPr id="4" name="Slide Number Placeholder 3"/>
+          <p:cNvSpPr>
+            <a:spLocks noGrp="1"/>
+          </p:cNvSpPr>
+          <p:nvPr>
+            <p:ph type="sldNum" sz="quarter" idx="10"/>
+          </p:nvPr>
+        </p:nvSpPr>
+        <p:spPr/>
+        <p:txBody>
+          <a:bodyPr/>
+          <a:lstStyle/>
+          <a:p>
+            <a:pPr>
+              <a:defRPr/>
+            </a:pPr>
+            <a:fld id="{EC696245-F065-0B47-B74E-D5003861FD61}" type="slidenum">
+              <a:rPr lang="de-DE" smtClean="0"/>
+              <a:pPr>
+                <a:defRPr/>
+              </a:pPr>
+              <a:t>4</a:t>
+            </a:fld>
+            <a:endParaRPr lang="de-DE" dirty="0"/>
+          </a:p>
+        </p:txBody>
+      </p:sp>
+    </p:spTree>
+    <p:extLst>
+      <p:ext uri="{BB962C8B-B14F-4D97-AF65-F5344CB8AC3E}">
+        <p14:creationId xmlns:p14="http://schemas.microsoft.com/office/powerpoint/2010/main" val="3414547091"/>
+      </p:ext>
+    </p:extLst>
+  </p:cSld>
+  <p:clrMapOvr>
+    <a:masterClrMapping/>
+  </p:clrMapOvr>
+</p:notes>
+</file>
+
+<file path=ppt/notesSlides/notesSlide5.xml><?xml version="1.0" encoding="utf-8"?>
+<p:notes xmlns:a="http://schemas.openxmlformats.org/drawingml/2006/main" xmlns:r="http://schemas.openxmlformats.org/officeDocument/2006/relationships" xmlns:p="http://schemas.openxmlformats.org/presentationml/2006/main">
+  <p:cSld>
+    <p:spTree>
+      <p:nvGrpSpPr>
+        <p:cNvPr id="1" name=""/>
+        <p:cNvGrpSpPr/>
+        <p:nvPr/>
+      </p:nvGrpSpPr>
+      <p:grpSpPr>
+        <a:xfrm>
+          <a:off x="0" y="0"/>
+          <a:ext cx="0" cy="0"/>
+          <a:chOff x="0" y="0"/>
+          <a:chExt cx="0" cy="0"/>
+        </a:xfrm>
+      </p:grpSpPr>
+      <p:sp>
+        <p:nvSpPr>
+          <p:cNvPr id="2" name="Slide Image Placeholder 1"/>
+          <p:cNvSpPr>
+            <a:spLocks noGrp="1" noRot="1" noChangeAspect="1"/>
+          </p:cNvSpPr>
+          <p:nvPr>
+            <p:ph type="sldImg"/>
+          </p:nvPr>
+        </p:nvSpPr>
+        <p:spPr/>
+      </p:sp>
+      <p:sp>
+        <p:nvSpPr>
+          <p:cNvPr id="3" name="Notes Placeholder 2"/>
+          <p:cNvSpPr>
+            <a:spLocks noGrp="1"/>
+          </p:cNvSpPr>
+          <p:nvPr>
+            <p:ph type="body" idx="1"/>
+          </p:nvPr>
+        </p:nvSpPr>
+        <p:spPr/>
+        <p:txBody>
+          <a:bodyPr/>
+          <a:lstStyle/>
+          <a:p>
+            <a:r>
+              <a:rPr lang="en-US" dirty="0"/>
+              <a:t>Generic</a:t>
+            </a:r>
+            <a:r>
+              <a:rPr lang="en-US" baseline="0" dirty="0"/>
+              <a:t> flowchart of trace-</a:t>
+            </a:r>
+            <a:r>
+              <a:rPr lang="en-US" baseline="0" dirty="0" err="1"/>
+              <a:t>simexp</a:t>
+            </a:r>
+            <a:r>
+              <a:rPr lang="en-US" baseline="0" dirty="0"/>
               <a:t> future release</a:t>
             </a:r>
             <a:endParaRPr lang="en-US" dirty="0"/>
@@ -891,7 +1006,7 @@
               <a:pPr>
                 <a:defRPr/>
               </a:pPr>
-              <a:t>4</a:t>
+              <a:t>5</a:t>
             </a:fld>
             <a:endParaRPr lang="de-DE" dirty="0"/>
           </a:p>
@@ -14933,9 +15048,9 @@
         <p:grpSpPr>
           <a:xfrm>
             <a:off x="3059832" y="562409"/>
-            <a:ext cx="3312368" cy="1498439"/>
+            <a:ext cx="3312368" cy="1642454"/>
             <a:chOff x="4690610" y="2744313"/>
-            <a:chExt cx="2736305" cy="1329294"/>
+            <a:chExt cx="2736305" cy="1174780"/>
           </a:xfrm>
         </p:grpSpPr>
         <p:sp>
@@ -14949,7 +15064,7 @@
           <p:spPr bwMode="auto">
             <a:xfrm>
               <a:off x="4690610" y="2744313"/>
-              <a:ext cx="2736305" cy="1329294"/>
+              <a:ext cx="2736305" cy="1174780"/>
             </a:xfrm>
             <a:prstGeom prst="rect">
               <a:avLst/>
@@ -15371,8 +15486,8 @@
           </p:nvSpPr>
           <p:spPr bwMode="auto">
             <a:xfrm>
-              <a:off x="4762618" y="3063711"/>
-              <a:ext cx="2604610" cy="969272"/>
+              <a:off x="4762618" y="3003032"/>
+              <a:ext cx="2604610" cy="864557"/>
             </a:xfrm>
             <a:prstGeom prst="rect">
               <a:avLst/>
@@ -16038,14 +16153,6 @@
                 </a:rPr>
                 <a:t>)</a:t>
               </a:r>
-              <a:endParaRPr lang="en-US" altLang="ko-KR" sz="1100" dirty="0">
-                <a:solidFill>
-                  <a:srgbClr val="003B6E"/>
-                </a:solidFill>
-                <a:latin typeface="+mn-lt"/>
-                <a:ea typeface="Gulim" pitchFamily="34" charset="-127"/>
-                <a:cs typeface="Arial Unicode MS" pitchFamily="34" charset="-128"/>
-              </a:endParaRPr>
             </a:p>
           </p:txBody>
         </p:sp>
@@ -21733,6 +21840,6850 @@
         </p:nvGrpSpPr>
         <p:grpSpPr>
           <a:xfrm>
+            <a:off x="3059832" y="562410"/>
+            <a:ext cx="3312368" cy="1786472"/>
+            <a:chOff x="4690610" y="2744313"/>
+            <a:chExt cx="2736305" cy="1277790"/>
+          </a:xfrm>
+        </p:grpSpPr>
+        <p:sp>
+          <p:nvSpPr>
+            <p:cNvPr id="30" name="Text Box 11"/>
+            <p:cNvSpPr txBox="1">
+              <a:spLocks noChangeArrowheads="1"/>
+            </p:cNvSpPr>
+            <p:nvPr/>
+          </p:nvSpPr>
+          <p:spPr bwMode="auto">
+            <a:xfrm>
+              <a:off x="4690610" y="2744313"/>
+              <a:ext cx="2736305" cy="1277790"/>
+            </a:xfrm>
+            <a:prstGeom prst="rect">
+              <a:avLst/>
+            </a:prstGeom>
+            <a:solidFill>
+              <a:srgbClr val="FFFFFF"/>
+            </a:solidFill>
+            <a:ln w="6350">
+              <a:solidFill>
+                <a:srgbClr val="C50006"/>
+              </a:solidFill>
+              <a:miter lim="800000"/>
+              <a:headEnd/>
+              <a:tailEnd/>
+            </a:ln>
+          </p:spPr>
+          <p:txBody>
+            <a:bodyPr lIns="90000" tIns="46800" rIns="90000" bIns="46800"/>
+            <a:lstStyle>
+              <a:lvl1pPr defTabSz="457200">
+                <a:buChar char="•"/>
+                <a:tabLst>
+                  <a:tab pos="0" algn="l"/>
+                  <a:tab pos="457200" algn="l"/>
+                  <a:tab pos="914400" algn="l"/>
+                  <a:tab pos="1371600" algn="l"/>
+                  <a:tab pos="1828800" algn="l"/>
+                  <a:tab pos="2286000" algn="l"/>
+                  <a:tab pos="2743200" algn="l"/>
+                  <a:tab pos="3200400" algn="l"/>
+                  <a:tab pos="3657600" algn="l"/>
+                  <a:tab pos="4114800" algn="l"/>
+                  <a:tab pos="4572000" algn="l"/>
+                  <a:tab pos="5029200" algn="l"/>
+                  <a:tab pos="5486400" algn="l"/>
+                  <a:tab pos="5943600" algn="l"/>
+                  <a:tab pos="6400800" algn="l"/>
+                  <a:tab pos="6858000" algn="l"/>
+                  <a:tab pos="7315200" algn="l"/>
+                  <a:tab pos="7772400" algn="l"/>
+                  <a:tab pos="8229600" algn="l"/>
+                  <a:tab pos="8686800" algn="l"/>
+                  <a:tab pos="9144000" algn="l"/>
+                </a:tabLst>
+                <a:defRPr sz="2400">
+                  <a:solidFill>
+                    <a:schemeClr val="tx1"/>
+                  </a:solidFill>
+                  <a:latin typeface="Arial Narrow" pitchFamily="34" charset="0"/>
+                  <a:ea typeface="ヒラギノ角ゴ Pro W3" charset="-128"/>
+                </a:defRPr>
+              </a:lvl1pPr>
+              <a:lvl2pPr marL="742950" indent="-285750" defTabSz="457200">
+                <a:buClr>
+                  <a:schemeClr val="tx1"/>
+                </a:buClr>
+                <a:buSzPct val="120000"/>
+                <a:buChar char="•"/>
+                <a:tabLst>
+                  <a:tab pos="0" algn="l"/>
+                  <a:tab pos="457200" algn="l"/>
+                  <a:tab pos="914400" algn="l"/>
+                  <a:tab pos="1371600" algn="l"/>
+                  <a:tab pos="1828800" algn="l"/>
+                  <a:tab pos="2286000" algn="l"/>
+                  <a:tab pos="2743200" algn="l"/>
+                  <a:tab pos="3200400" algn="l"/>
+                  <a:tab pos="3657600" algn="l"/>
+                  <a:tab pos="4114800" algn="l"/>
+                  <a:tab pos="4572000" algn="l"/>
+                  <a:tab pos="5029200" algn="l"/>
+                  <a:tab pos="5486400" algn="l"/>
+                  <a:tab pos="5943600" algn="l"/>
+                  <a:tab pos="6400800" algn="l"/>
+                  <a:tab pos="6858000" algn="l"/>
+                  <a:tab pos="7315200" algn="l"/>
+                  <a:tab pos="7772400" algn="l"/>
+                  <a:tab pos="8229600" algn="l"/>
+                  <a:tab pos="8686800" algn="l"/>
+                  <a:tab pos="9144000" algn="l"/>
+                </a:tabLst>
+                <a:defRPr sz="2400">
+                  <a:solidFill>
+                    <a:schemeClr val="tx1"/>
+                  </a:solidFill>
+                  <a:latin typeface="Arial Narrow" pitchFamily="34" charset="0"/>
+                  <a:ea typeface="ヒラギノ角ゴ Pro W3" charset="-128"/>
+                </a:defRPr>
+              </a:lvl2pPr>
+              <a:lvl3pPr marL="1143000" indent="-228600" defTabSz="457200">
+                <a:buFont typeface="Times" pitchFamily="18" charset="0"/>
+                <a:buChar char="–"/>
+                <a:tabLst>
+                  <a:tab pos="0" algn="l"/>
+                  <a:tab pos="457200" algn="l"/>
+                  <a:tab pos="914400" algn="l"/>
+                  <a:tab pos="1371600" algn="l"/>
+                  <a:tab pos="1828800" algn="l"/>
+                  <a:tab pos="2286000" algn="l"/>
+                  <a:tab pos="2743200" algn="l"/>
+                  <a:tab pos="3200400" algn="l"/>
+                  <a:tab pos="3657600" algn="l"/>
+                  <a:tab pos="4114800" algn="l"/>
+                  <a:tab pos="4572000" algn="l"/>
+                  <a:tab pos="5029200" algn="l"/>
+                  <a:tab pos="5486400" algn="l"/>
+                  <a:tab pos="5943600" algn="l"/>
+                  <a:tab pos="6400800" algn="l"/>
+                  <a:tab pos="6858000" algn="l"/>
+                  <a:tab pos="7315200" algn="l"/>
+                  <a:tab pos="7772400" algn="l"/>
+                  <a:tab pos="8229600" algn="l"/>
+                  <a:tab pos="8686800" algn="l"/>
+                  <a:tab pos="9144000" algn="l"/>
+                </a:tabLst>
+                <a:defRPr sz="1700">
+                  <a:solidFill>
+                    <a:schemeClr val="tx1"/>
+                  </a:solidFill>
+                  <a:latin typeface="Arial Narrow" pitchFamily="34" charset="0"/>
+                  <a:ea typeface="MS PGothic" pitchFamily="34" charset="-128"/>
+                </a:defRPr>
+              </a:lvl3pPr>
+              <a:lvl4pPr marL="1600200" indent="-228600" defTabSz="457200">
+                <a:buFont typeface="Lucida Grande" charset="0"/>
+                <a:buChar char="–"/>
+                <a:tabLst>
+                  <a:tab pos="0" algn="l"/>
+                  <a:tab pos="457200" algn="l"/>
+                  <a:tab pos="914400" algn="l"/>
+                  <a:tab pos="1371600" algn="l"/>
+                  <a:tab pos="1828800" algn="l"/>
+                  <a:tab pos="2286000" algn="l"/>
+                  <a:tab pos="2743200" algn="l"/>
+                  <a:tab pos="3200400" algn="l"/>
+                  <a:tab pos="3657600" algn="l"/>
+                  <a:tab pos="4114800" algn="l"/>
+                  <a:tab pos="4572000" algn="l"/>
+                  <a:tab pos="5029200" algn="l"/>
+                  <a:tab pos="5486400" algn="l"/>
+                  <a:tab pos="5943600" algn="l"/>
+                  <a:tab pos="6400800" algn="l"/>
+                  <a:tab pos="6858000" algn="l"/>
+                  <a:tab pos="7315200" algn="l"/>
+                  <a:tab pos="7772400" algn="l"/>
+                  <a:tab pos="8229600" algn="l"/>
+                  <a:tab pos="8686800" algn="l"/>
+                  <a:tab pos="9144000" algn="l"/>
+                </a:tabLst>
+                <a:defRPr sz="2400">
+                  <a:solidFill>
+                    <a:schemeClr val="tx1"/>
+                  </a:solidFill>
+                  <a:latin typeface="Arial Narrow" pitchFamily="34" charset="0"/>
+                  <a:ea typeface="MS PGothic" pitchFamily="34" charset="-128"/>
+                </a:defRPr>
+              </a:lvl4pPr>
+              <a:lvl5pPr marL="2057400" indent="-228600" defTabSz="457200">
+                <a:buFont typeface="Lucida Grande" charset="0"/>
+                <a:buChar char="–"/>
+                <a:tabLst>
+                  <a:tab pos="0" algn="l"/>
+                  <a:tab pos="457200" algn="l"/>
+                  <a:tab pos="914400" algn="l"/>
+                  <a:tab pos="1371600" algn="l"/>
+                  <a:tab pos="1828800" algn="l"/>
+                  <a:tab pos="2286000" algn="l"/>
+                  <a:tab pos="2743200" algn="l"/>
+                  <a:tab pos="3200400" algn="l"/>
+                  <a:tab pos="3657600" algn="l"/>
+                  <a:tab pos="4114800" algn="l"/>
+                  <a:tab pos="4572000" algn="l"/>
+                  <a:tab pos="5029200" algn="l"/>
+                  <a:tab pos="5486400" algn="l"/>
+                  <a:tab pos="5943600" algn="l"/>
+                  <a:tab pos="6400800" algn="l"/>
+                  <a:tab pos="6858000" algn="l"/>
+                  <a:tab pos="7315200" algn="l"/>
+                  <a:tab pos="7772400" algn="l"/>
+                  <a:tab pos="8229600" algn="l"/>
+                  <a:tab pos="8686800" algn="l"/>
+                  <a:tab pos="9144000" algn="l"/>
+                </a:tabLst>
+                <a:defRPr sz="2400">
+                  <a:solidFill>
+                    <a:schemeClr val="tx1"/>
+                  </a:solidFill>
+                  <a:latin typeface="Arial Narrow" pitchFamily="34" charset="0"/>
+                  <a:ea typeface="ヒラギノ角ゴ Pro W3" charset="-128"/>
+                </a:defRPr>
+              </a:lvl5pPr>
+              <a:lvl6pPr marL="2514600" indent="-228600" defTabSz="457200" eaLnBrk="0" fontAlgn="base" hangingPunct="0">
+                <a:lnSpc>
+                  <a:spcPct val="110000"/>
+                </a:lnSpc>
+                <a:spcBef>
+                  <a:spcPct val="0"/>
+                </a:spcBef>
+                <a:spcAft>
+                  <a:spcPct val="0"/>
+                </a:spcAft>
+                <a:buFont typeface="Lucida Grande" charset="0"/>
+                <a:buChar char="–"/>
+                <a:tabLst>
+                  <a:tab pos="0" algn="l"/>
+                  <a:tab pos="457200" algn="l"/>
+                  <a:tab pos="914400" algn="l"/>
+                  <a:tab pos="1371600" algn="l"/>
+                  <a:tab pos="1828800" algn="l"/>
+                  <a:tab pos="2286000" algn="l"/>
+                  <a:tab pos="2743200" algn="l"/>
+                  <a:tab pos="3200400" algn="l"/>
+                  <a:tab pos="3657600" algn="l"/>
+                  <a:tab pos="4114800" algn="l"/>
+                  <a:tab pos="4572000" algn="l"/>
+                  <a:tab pos="5029200" algn="l"/>
+                  <a:tab pos="5486400" algn="l"/>
+                  <a:tab pos="5943600" algn="l"/>
+                  <a:tab pos="6400800" algn="l"/>
+                  <a:tab pos="6858000" algn="l"/>
+                  <a:tab pos="7315200" algn="l"/>
+                  <a:tab pos="7772400" algn="l"/>
+                  <a:tab pos="8229600" algn="l"/>
+                  <a:tab pos="8686800" algn="l"/>
+                  <a:tab pos="9144000" algn="l"/>
+                </a:tabLst>
+                <a:defRPr sz="2400">
+                  <a:solidFill>
+                    <a:schemeClr val="tx1"/>
+                  </a:solidFill>
+                  <a:latin typeface="Arial Narrow" pitchFamily="34" charset="0"/>
+                  <a:ea typeface="ヒラギノ角ゴ Pro W3" charset="-128"/>
+                </a:defRPr>
+              </a:lvl6pPr>
+              <a:lvl7pPr marL="2971800" indent="-228600" defTabSz="457200" eaLnBrk="0" fontAlgn="base" hangingPunct="0">
+                <a:lnSpc>
+                  <a:spcPct val="110000"/>
+                </a:lnSpc>
+                <a:spcBef>
+                  <a:spcPct val="0"/>
+                </a:spcBef>
+                <a:spcAft>
+                  <a:spcPct val="0"/>
+                </a:spcAft>
+                <a:buFont typeface="Lucida Grande" charset="0"/>
+                <a:buChar char="–"/>
+                <a:tabLst>
+                  <a:tab pos="0" algn="l"/>
+                  <a:tab pos="457200" algn="l"/>
+                  <a:tab pos="914400" algn="l"/>
+                  <a:tab pos="1371600" algn="l"/>
+                  <a:tab pos="1828800" algn="l"/>
+                  <a:tab pos="2286000" algn="l"/>
+                  <a:tab pos="2743200" algn="l"/>
+                  <a:tab pos="3200400" algn="l"/>
+                  <a:tab pos="3657600" algn="l"/>
+                  <a:tab pos="4114800" algn="l"/>
+                  <a:tab pos="4572000" algn="l"/>
+                  <a:tab pos="5029200" algn="l"/>
+                  <a:tab pos="5486400" algn="l"/>
+                  <a:tab pos="5943600" algn="l"/>
+                  <a:tab pos="6400800" algn="l"/>
+                  <a:tab pos="6858000" algn="l"/>
+                  <a:tab pos="7315200" algn="l"/>
+                  <a:tab pos="7772400" algn="l"/>
+                  <a:tab pos="8229600" algn="l"/>
+                  <a:tab pos="8686800" algn="l"/>
+                  <a:tab pos="9144000" algn="l"/>
+                </a:tabLst>
+                <a:defRPr sz="2400">
+                  <a:solidFill>
+                    <a:schemeClr val="tx1"/>
+                  </a:solidFill>
+                  <a:latin typeface="Arial Narrow" pitchFamily="34" charset="0"/>
+                  <a:ea typeface="ヒラギノ角ゴ Pro W3" charset="-128"/>
+                </a:defRPr>
+              </a:lvl7pPr>
+              <a:lvl8pPr marL="3429000" indent="-228600" defTabSz="457200" eaLnBrk="0" fontAlgn="base" hangingPunct="0">
+                <a:lnSpc>
+                  <a:spcPct val="110000"/>
+                </a:lnSpc>
+                <a:spcBef>
+                  <a:spcPct val="0"/>
+                </a:spcBef>
+                <a:spcAft>
+                  <a:spcPct val="0"/>
+                </a:spcAft>
+                <a:buFont typeface="Lucida Grande" charset="0"/>
+                <a:buChar char="–"/>
+                <a:tabLst>
+                  <a:tab pos="0" algn="l"/>
+                  <a:tab pos="457200" algn="l"/>
+                  <a:tab pos="914400" algn="l"/>
+                  <a:tab pos="1371600" algn="l"/>
+                  <a:tab pos="1828800" algn="l"/>
+                  <a:tab pos="2286000" algn="l"/>
+                  <a:tab pos="2743200" algn="l"/>
+                  <a:tab pos="3200400" algn="l"/>
+                  <a:tab pos="3657600" algn="l"/>
+                  <a:tab pos="4114800" algn="l"/>
+                  <a:tab pos="4572000" algn="l"/>
+                  <a:tab pos="5029200" algn="l"/>
+                  <a:tab pos="5486400" algn="l"/>
+                  <a:tab pos="5943600" algn="l"/>
+                  <a:tab pos="6400800" algn="l"/>
+                  <a:tab pos="6858000" algn="l"/>
+                  <a:tab pos="7315200" algn="l"/>
+                  <a:tab pos="7772400" algn="l"/>
+                  <a:tab pos="8229600" algn="l"/>
+                  <a:tab pos="8686800" algn="l"/>
+                  <a:tab pos="9144000" algn="l"/>
+                </a:tabLst>
+                <a:defRPr sz="2400">
+                  <a:solidFill>
+                    <a:schemeClr val="tx1"/>
+                  </a:solidFill>
+                  <a:latin typeface="Arial Narrow" pitchFamily="34" charset="0"/>
+                  <a:ea typeface="ヒラギノ角ゴ Pro W3" charset="-128"/>
+                </a:defRPr>
+              </a:lvl8pPr>
+              <a:lvl9pPr marL="3886200" indent="-228600" defTabSz="457200" eaLnBrk="0" fontAlgn="base" hangingPunct="0">
+                <a:lnSpc>
+                  <a:spcPct val="110000"/>
+                </a:lnSpc>
+                <a:spcBef>
+                  <a:spcPct val="0"/>
+                </a:spcBef>
+                <a:spcAft>
+                  <a:spcPct val="0"/>
+                </a:spcAft>
+                <a:buFont typeface="Lucida Grande" charset="0"/>
+                <a:buChar char="–"/>
+                <a:tabLst>
+                  <a:tab pos="0" algn="l"/>
+                  <a:tab pos="457200" algn="l"/>
+                  <a:tab pos="914400" algn="l"/>
+                  <a:tab pos="1371600" algn="l"/>
+                  <a:tab pos="1828800" algn="l"/>
+                  <a:tab pos="2286000" algn="l"/>
+                  <a:tab pos="2743200" algn="l"/>
+                  <a:tab pos="3200400" algn="l"/>
+                  <a:tab pos="3657600" algn="l"/>
+                  <a:tab pos="4114800" algn="l"/>
+                  <a:tab pos="4572000" algn="l"/>
+                  <a:tab pos="5029200" algn="l"/>
+                  <a:tab pos="5486400" algn="l"/>
+                  <a:tab pos="5943600" algn="l"/>
+                  <a:tab pos="6400800" algn="l"/>
+                  <a:tab pos="6858000" algn="l"/>
+                  <a:tab pos="7315200" algn="l"/>
+                  <a:tab pos="7772400" algn="l"/>
+                  <a:tab pos="8229600" algn="l"/>
+                  <a:tab pos="8686800" algn="l"/>
+                  <a:tab pos="9144000" algn="l"/>
+                </a:tabLst>
+                <a:defRPr sz="2400">
+                  <a:solidFill>
+                    <a:schemeClr val="tx1"/>
+                  </a:solidFill>
+                  <a:latin typeface="Arial Narrow" pitchFamily="34" charset="0"/>
+                  <a:ea typeface="ヒラギノ角ゴ Pro W3" charset="-128"/>
+                </a:defRPr>
+              </a:lvl9pPr>
+            </a:lstStyle>
+            <a:p>
+              <a:pPr eaLnBrk="1" hangingPunct="1">
+                <a:lnSpc>
+                  <a:spcPct val="100000"/>
+                </a:lnSpc>
+                <a:buClr>
+                  <a:srgbClr val="000000"/>
+                </a:buClr>
+                <a:buFont typeface="Times New Roman" pitchFamily="18" charset="0"/>
+                <a:buNone/>
+              </a:pPr>
+              <a:r>
+                <a:rPr lang="en-US" altLang="ko-KR" sz="1400">
+                  <a:solidFill>
+                    <a:srgbClr val="C50006"/>
+                  </a:solidFill>
+                  <a:latin typeface="Courier New" panose="02070309020205020404" pitchFamily="49" charset="0"/>
+                  <a:ea typeface="Gulim" pitchFamily="34" charset="-127"/>
+                  <a:cs typeface="Courier New" panose="02070309020205020404" pitchFamily="49" charset="0"/>
+                </a:rPr>
+                <a:t>samples</a:t>
+              </a:r>
+              <a:r>
+                <a:rPr lang="en-US" altLang="ko-KR" sz="1400">
+                  <a:solidFill>
+                    <a:srgbClr val="C50006"/>
+                  </a:solidFill>
+                  <a:latin typeface="+mn-lt"/>
+                  <a:ea typeface="Gulim" pitchFamily="34" charset="-127"/>
+                  <a:cs typeface="Arial Unicode MS" pitchFamily="34" charset="-128"/>
+                </a:rPr>
+                <a:t> </a:t>
+              </a:r>
+              <a:r>
+                <a:rPr lang="en-US" altLang="ko-KR" sz="1400" dirty="0">
+                  <a:solidFill>
+                    <a:srgbClr val="C50006"/>
+                  </a:solidFill>
+                  <a:latin typeface="+mn-lt"/>
+                  <a:ea typeface="Gulim" pitchFamily="34" charset="-127"/>
+                  <a:cs typeface="Arial Unicode MS" pitchFamily="34" charset="-128"/>
+                </a:rPr>
+                <a:t>Module</a:t>
+              </a:r>
+            </a:p>
+          </p:txBody>
+        </p:sp>
+        <p:sp>
+          <p:nvSpPr>
+            <p:cNvPr id="31" name="Text Box 12"/>
+            <p:cNvSpPr txBox="1">
+              <a:spLocks noChangeArrowheads="1"/>
+            </p:cNvSpPr>
+            <p:nvPr/>
+          </p:nvSpPr>
+          <p:spPr bwMode="auto">
+            <a:xfrm>
+              <a:off x="4762618" y="2996385"/>
+              <a:ext cx="2604610" cy="996642"/>
+            </a:xfrm>
+            <a:prstGeom prst="rect">
+              <a:avLst/>
+            </a:prstGeom>
+            <a:solidFill>
+              <a:srgbClr val="FFF5D6"/>
+            </a:solidFill>
+            <a:ln w="9360">
+              <a:noFill/>
+              <a:miter lim="800000"/>
+              <a:headEnd/>
+              <a:tailEnd/>
+            </a:ln>
+          </p:spPr>
+          <p:txBody>
+            <a:bodyPr wrap="square" lIns="90000" tIns="46800" rIns="90000" bIns="46800" anchor="ctr">
+              <a:noAutofit/>
+            </a:bodyPr>
+            <a:lstStyle>
+              <a:lvl1pPr defTabSz="457200">
+                <a:buChar char="•"/>
+                <a:tabLst>
+                  <a:tab pos="0" algn="l"/>
+                  <a:tab pos="457200" algn="l"/>
+                  <a:tab pos="914400" algn="l"/>
+                  <a:tab pos="1371600" algn="l"/>
+                  <a:tab pos="1828800" algn="l"/>
+                  <a:tab pos="2286000" algn="l"/>
+                  <a:tab pos="2743200" algn="l"/>
+                  <a:tab pos="3200400" algn="l"/>
+                  <a:tab pos="3657600" algn="l"/>
+                  <a:tab pos="4114800" algn="l"/>
+                  <a:tab pos="4572000" algn="l"/>
+                  <a:tab pos="5029200" algn="l"/>
+                  <a:tab pos="5486400" algn="l"/>
+                  <a:tab pos="5943600" algn="l"/>
+                  <a:tab pos="6400800" algn="l"/>
+                  <a:tab pos="6858000" algn="l"/>
+                  <a:tab pos="7315200" algn="l"/>
+                  <a:tab pos="7772400" algn="l"/>
+                  <a:tab pos="8229600" algn="l"/>
+                  <a:tab pos="8686800" algn="l"/>
+                  <a:tab pos="9144000" algn="l"/>
+                </a:tabLst>
+                <a:defRPr sz="2400">
+                  <a:solidFill>
+                    <a:schemeClr val="tx1"/>
+                  </a:solidFill>
+                  <a:latin typeface="Arial Narrow" pitchFamily="34" charset="0"/>
+                  <a:ea typeface="ヒラギノ角ゴ Pro W3" charset="-128"/>
+                </a:defRPr>
+              </a:lvl1pPr>
+              <a:lvl2pPr marL="742950" indent="-285750" defTabSz="457200">
+                <a:buClr>
+                  <a:schemeClr val="tx1"/>
+                </a:buClr>
+                <a:buSzPct val="120000"/>
+                <a:buChar char="•"/>
+                <a:tabLst>
+                  <a:tab pos="0" algn="l"/>
+                  <a:tab pos="457200" algn="l"/>
+                  <a:tab pos="914400" algn="l"/>
+                  <a:tab pos="1371600" algn="l"/>
+                  <a:tab pos="1828800" algn="l"/>
+                  <a:tab pos="2286000" algn="l"/>
+                  <a:tab pos="2743200" algn="l"/>
+                  <a:tab pos="3200400" algn="l"/>
+                  <a:tab pos="3657600" algn="l"/>
+                  <a:tab pos="4114800" algn="l"/>
+                  <a:tab pos="4572000" algn="l"/>
+                  <a:tab pos="5029200" algn="l"/>
+                  <a:tab pos="5486400" algn="l"/>
+                  <a:tab pos="5943600" algn="l"/>
+                  <a:tab pos="6400800" algn="l"/>
+                  <a:tab pos="6858000" algn="l"/>
+                  <a:tab pos="7315200" algn="l"/>
+                  <a:tab pos="7772400" algn="l"/>
+                  <a:tab pos="8229600" algn="l"/>
+                  <a:tab pos="8686800" algn="l"/>
+                  <a:tab pos="9144000" algn="l"/>
+                </a:tabLst>
+                <a:defRPr sz="2400">
+                  <a:solidFill>
+                    <a:schemeClr val="tx1"/>
+                  </a:solidFill>
+                  <a:latin typeface="Arial Narrow" pitchFamily="34" charset="0"/>
+                  <a:ea typeface="ヒラギノ角ゴ Pro W3" charset="-128"/>
+                </a:defRPr>
+              </a:lvl2pPr>
+              <a:lvl3pPr marL="1143000" indent="-228600" defTabSz="457200">
+                <a:buFont typeface="Times" pitchFamily="18" charset="0"/>
+                <a:buChar char="–"/>
+                <a:tabLst>
+                  <a:tab pos="0" algn="l"/>
+                  <a:tab pos="457200" algn="l"/>
+                  <a:tab pos="914400" algn="l"/>
+                  <a:tab pos="1371600" algn="l"/>
+                  <a:tab pos="1828800" algn="l"/>
+                  <a:tab pos="2286000" algn="l"/>
+                  <a:tab pos="2743200" algn="l"/>
+                  <a:tab pos="3200400" algn="l"/>
+                  <a:tab pos="3657600" algn="l"/>
+                  <a:tab pos="4114800" algn="l"/>
+                  <a:tab pos="4572000" algn="l"/>
+                  <a:tab pos="5029200" algn="l"/>
+                  <a:tab pos="5486400" algn="l"/>
+                  <a:tab pos="5943600" algn="l"/>
+                  <a:tab pos="6400800" algn="l"/>
+                  <a:tab pos="6858000" algn="l"/>
+                  <a:tab pos="7315200" algn="l"/>
+                  <a:tab pos="7772400" algn="l"/>
+                  <a:tab pos="8229600" algn="l"/>
+                  <a:tab pos="8686800" algn="l"/>
+                  <a:tab pos="9144000" algn="l"/>
+                </a:tabLst>
+                <a:defRPr sz="1700">
+                  <a:solidFill>
+                    <a:schemeClr val="tx1"/>
+                  </a:solidFill>
+                  <a:latin typeface="Arial Narrow" pitchFamily="34" charset="0"/>
+                  <a:ea typeface="MS PGothic" pitchFamily="34" charset="-128"/>
+                </a:defRPr>
+              </a:lvl3pPr>
+              <a:lvl4pPr marL="1600200" indent="-228600" defTabSz="457200">
+                <a:buFont typeface="Lucida Grande" charset="0"/>
+                <a:buChar char="–"/>
+                <a:tabLst>
+                  <a:tab pos="0" algn="l"/>
+                  <a:tab pos="457200" algn="l"/>
+                  <a:tab pos="914400" algn="l"/>
+                  <a:tab pos="1371600" algn="l"/>
+                  <a:tab pos="1828800" algn="l"/>
+                  <a:tab pos="2286000" algn="l"/>
+                  <a:tab pos="2743200" algn="l"/>
+                  <a:tab pos="3200400" algn="l"/>
+                  <a:tab pos="3657600" algn="l"/>
+                  <a:tab pos="4114800" algn="l"/>
+                  <a:tab pos="4572000" algn="l"/>
+                  <a:tab pos="5029200" algn="l"/>
+                  <a:tab pos="5486400" algn="l"/>
+                  <a:tab pos="5943600" algn="l"/>
+                  <a:tab pos="6400800" algn="l"/>
+                  <a:tab pos="6858000" algn="l"/>
+                  <a:tab pos="7315200" algn="l"/>
+                  <a:tab pos="7772400" algn="l"/>
+                  <a:tab pos="8229600" algn="l"/>
+                  <a:tab pos="8686800" algn="l"/>
+                  <a:tab pos="9144000" algn="l"/>
+                </a:tabLst>
+                <a:defRPr sz="2400">
+                  <a:solidFill>
+                    <a:schemeClr val="tx1"/>
+                  </a:solidFill>
+                  <a:latin typeface="Arial Narrow" pitchFamily="34" charset="0"/>
+                  <a:ea typeface="MS PGothic" pitchFamily="34" charset="-128"/>
+                </a:defRPr>
+              </a:lvl4pPr>
+              <a:lvl5pPr marL="2057400" indent="-228600" defTabSz="457200">
+                <a:buFont typeface="Lucida Grande" charset="0"/>
+                <a:buChar char="–"/>
+                <a:tabLst>
+                  <a:tab pos="0" algn="l"/>
+                  <a:tab pos="457200" algn="l"/>
+                  <a:tab pos="914400" algn="l"/>
+                  <a:tab pos="1371600" algn="l"/>
+                  <a:tab pos="1828800" algn="l"/>
+                  <a:tab pos="2286000" algn="l"/>
+                  <a:tab pos="2743200" algn="l"/>
+                  <a:tab pos="3200400" algn="l"/>
+                  <a:tab pos="3657600" algn="l"/>
+                  <a:tab pos="4114800" algn="l"/>
+                  <a:tab pos="4572000" algn="l"/>
+                  <a:tab pos="5029200" algn="l"/>
+                  <a:tab pos="5486400" algn="l"/>
+                  <a:tab pos="5943600" algn="l"/>
+                  <a:tab pos="6400800" algn="l"/>
+                  <a:tab pos="6858000" algn="l"/>
+                  <a:tab pos="7315200" algn="l"/>
+                  <a:tab pos="7772400" algn="l"/>
+                  <a:tab pos="8229600" algn="l"/>
+                  <a:tab pos="8686800" algn="l"/>
+                  <a:tab pos="9144000" algn="l"/>
+                </a:tabLst>
+                <a:defRPr sz="2400">
+                  <a:solidFill>
+                    <a:schemeClr val="tx1"/>
+                  </a:solidFill>
+                  <a:latin typeface="Arial Narrow" pitchFamily="34" charset="0"/>
+                  <a:ea typeface="ヒラギノ角ゴ Pro W3" charset="-128"/>
+                </a:defRPr>
+              </a:lvl5pPr>
+              <a:lvl6pPr marL="2514600" indent="-228600" defTabSz="457200" eaLnBrk="0" fontAlgn="base" hangingPunct="0">
+                <a:lnSpc>
+                  <a:spcPct val="110000"/>
+                </a:lnSpc>
+                <a:spcBef>
+                  <a:spcPct val="0"/>
+                </a:spcBef>
+                <a:spcAft>
+                  <a:spcPct val="0"/>
+                </a:spcAft>
+                <a:buFont typeface="Lucida Grande" charset="0"/>
+                <a:buChar char="–"/>
+                <a:tabLst>
+                  <a:tab pos="0" algn="l"/>
+                  <a:tab pos="457200" algn="l"/>
+                  <a:tab pos="914400" algn="l"/>
+                  <a:tab pos="1371600" algn="l"/>
+                  <a:tab pos="1828800" algn="l"/>
+                  <a:tab pos="2286000" algn="l"/>
+                  <a:tab pos="2743200" algn="l"/>
+                  <a:tab pos="3200400" algn="l"/>
+                  <a:tab pos="3657600" algn="l"/>
+                  <a:tab pos="4114800" algn="l"/>
+                  <a:tab pos="4572000" algn="l"/>
+                  <a:tab pos="5029200" algn="l"/>
+                  <a:tab pos="5486400" algn="l"/>
+                  <a:tab pos="5943600" algn="l"/>
+                  <a:tab pos="6400800" algn="l"/>
+                  <a:tab pos="6858000" algn="l"/>
+                  <a:tab pos="7315200" algn="l"/>
+                  <a:tab pos="7772400" algn="l"/>
+                  <a:tab pos="8229600" algn="l"/>
+                  <a:tab pos="8686800" algn="l"/>
+                  <a:tab pos="9144000" algn="l"/>
+                </a:tabLst>
+                <a:defRPr sz="2400">
+                  <a:solidFill>
+                    <a:schemeClr val="tx1"/>
+                  </a:solidFill>
+                  <a:latin typeface="Arial Narrow" pitchFamily="34" charset="0"/>
+                  <a:ea typeface="ヒラギノ角ゴ Pro W3" charset="-128"/>
+                </a:defRPr>
+              </a:lvl6pPr>
+              <a:lvl7pPr marL="2971800" indent="-228600" defTabSz="457200" eaLnBrk="0" fontAlgn="base" hangingPunct="0">
+                <a:lnSpc>
+                  <a:spcPct val="110000"/>
+                </a:lnSpc>
+                <a:spcBef>
+                  <a:spcPct val="0"/>
+                </a:spcBef>
+                <a:spcAft>
+                  <a:spcPct val="0"/>
+                </a:spcAft>
+                <a:buFont typeface="Lucida Grande" charset="0"/>
+                <a:buChar char="–"/>
+                <a:tabLst>
+                  <a:tab pos="0" algn="l"/>
+                  <a:tab pos="457200" algn="l"/>
+                  <a:tab pos="914400" algn="l"/>
+                  <a:tab pos="1371600" algn="l"/>
+                  <a:tab pos="1828800" algn="l"/>
+                  <a:tab pos="2286000" algn="l"/>
+                  <a:tab pos="2743200" algn="l"/>
+                  <a:tab pos="3200400" algn="l"/>
+                  <a:tab pos="3657600" algn="l"/>
+                  <a:tab pos="4114800" algn="l"/>
+                  <a:tab pos="4572000" algn="l"/>
+                  <a:tab pos="5029200" algn="l"/>
+                  <a:tab pos="5486400" algn="l"/>
+                  <a:tab pos="5943600" algn="l"/>
+                  <a:tab pos="6400800" algn="l"/>
+                  <a:tab pos="6858000" algn="l"/>
+                  <a:tab pos="7315200" algn="l"/>
+                  <a:tab pos="7772400" algn="l"/>
+                  <a:tab pos="8229600" algn="l"/>
+                  <a:tab pos="8686800" algn="l"/>
+                  <a:tab pos="9144000" algn="l"/>
+                </a:tabLst>
+                <a:defRPr sz="2400">
+                  <a:solidFill>
+                    <a:schemeClr val="tx1"/>
+                  </a:solidFill>
+                  <a:latin typeface="Arial Narrow" pitchFamily="34" charset="0"/>
+                  <a:ea typeface="ヒラギノ角ゴ Pro W3" charset="-128"/>
+                </a:defRPr>
+              </a:lvl7pPr>
+              <a:lvl8pPr marL="3429000" indent="-228600" defTabSz="457200" eaLnBrk="0" fontAlgn="base" hangingPunct="0">
+                <a:lnSpc>
+                  <a:spcPct val="110000"/>
+                </a:lnSpc>
+                <a:spcBef>
+                  <a:spcPct val="0"/>
+                </a:spcBef>
+                <a:spcAft>
+                  <a:spcPct val="0"/>
+                </a:spcAft>
+                <a:buFont typeface="Lucida Grande" charset="0"/>
+                <a:buChar char="–"/>
+                <a:tabLst>
+                  <a:tab pos="0" algn="l"/>
+                  <a:tab pos="457200" algn="l"/>
+                  <a:tab pos="914400" algn="l"/>
+                  <a:tab pos="1371600" algn="l"/>
+                  <a:tab pos="1828800" algn="l"/>
+                  <a:tab pos="2286000" algn="l"/>
+                  <a:tab pos="2743200" algn="l"/>
+                  <a:tab pos="3200400" algn="l"/>
+                  <a:tab pos="3657600" algn="l"/>
+                  <a:tab pos="4114800" algn="l"/>
+                  <a:tab pos="4572000" algn="l"/>
+                  <a:tab pos="5029200" algn="l"/>
+                  <a:tab pos="5486400" algn="l"/>
+                  <a:tab pos="5943600" algn="l"/>
+                  <a:tab pos="6400800" algn="l"/>
+                  <a:tab pos="6858000" algn="l"/>
+                  <a:tab pos="7315200" algn="l"/>
+                  <a:tab pos="7772400" algn="l"/>
+                  <a:tab pos="8229600" algn="l"/>
+                  <a:tab pos="8686800" algn="l"/>
+                  <a:tab pos="9144000" algn="l"/>
+                </a:tabLst>
+                <a:defRPr sz="2400">
+                  <a:solidFill>
+                    <a:schemeClr val="tx1"/>
+                  </a:solidFill>
+                  <a:latin typeface="Arial Narrow" pitchFamily="34" charset="0"/>
+                  <a:ea typeface="ヒラギノ角ゴ Pro W3" charset="-128"/>
+                </a:defRPr>
+              </a:lvl8pPr>
+              <a:lvl9pPr marL="3886200" indent="-228600" defTabSz="457200" eaLnBrk="0" fontAlgn="base" hangingPunct="0">
+                <a:lnSpc>
+                  <a:spcPct val="110000"/>
+                </a:lnSpc>
+                <a:spcBef>
+                  <a:spcPct val="0"/>
+                </a:spcBef>
+                <a:spcAft>
+                  <a:spcPct val="0"/>
+                </a:spcAft>
+                <a:buFont typeface="Lucida Grande" charset="0"/>
+                <a:buChar char="–"/>
+                <a:tabLst>
+                  <a:tab pos="0" algn="l"/>
+                  <a:tab pos="457200" algn="l"/>
+                  <a:tab pos="914400" algn="l"/>
+                  <a:tab pos="1371600" algn="l"/>
+                  <a:tab pos="1828800" algn="l"/>
+                  <a:tab pos="2286000" algn="l"/>
+                  <a:tab pos="2743200" algn="l"/>
+                  <a:tab pos="3200400" algn="l"/>
+                  <a:tab pos="3657600" algn="l"/>
+                  <a:tab pos="4114800" algn="l"/>
+                  <a:tab pos="4572000" algn="l"/>
+                  <a:tab pos="5029200" algn="l"/>
+                  <a:tab pos="5486400" algn="l"/>
+                  <a:tab pos="5943600" algn="l"/>
+                  <a:tab pos="6400800" algn="l"/>
+                  <a:tab pos="6858000" algn="l"/>
+                  <a:tab pos="7315200" algn="l"/>
+                  <a:tab pos="7772400" algn="l"/>
+                  <a:tab pos="8229600" algn="l"/>
+                  <a:tab pos="8686800" algn="l"/>
+                  <a:tab pos="9144000" algn="l"/>
+                </a:tabLst>
+                <a:defRPr sz="2400">
+                  <a:solidFill>
+                    <a:schemeClr val="tx1"/>
+                  </a:solidFill>
+                  <a:latin typeface="Arial Narrow" pitchFamily="34" charset="0"/>
+                  <a:ea typeface="ヒラギノ角ゴ Pro W3" charset="-128"/>
+                </a:defRPr>
+              </a:lvl9pPr>
+            </a:lstStyle>
+            <a:p>
+              <a:pPr marL="85725" indent="-85725" eaLnBrk="1" hangingPunct="1">
+                <a:spcBef>
+                  <a:spcPts val="0"/>
+                </a:spcBef>
+                <a:buClr>
+                  <a:srgbClr val="000000"/>
+                </a:buClr>
+              </a:pPr>
+              <a:r>
+                <a:rPr lang="en-US" altLang="ko-KR" sz="1100" dirty="0">
+                  <a:solidFill>
+                    <a:srgbClr val="003B6E"/>
+                  </a:solidFill>
+                  <a:latin typeface="+mn-lt"/>
+                  <a:ea typeface="Gulim" pitchFamily="34" charset="-127"/>
+                  <a:cs typeface="Arial Unicode MS" pitchFamily="34" charset="-128"/>
+                </a:rPr>
+                <a:t>Simple Random Sampling (</a:t>
+              </a:r>
+              <a:r>
+                <a:rPr lang="en-US" altLang="ko-KR" sz="1100" dirty="0" err="1">
+                  <a:solidFill>
+                    <a:srgbClr val="003B6E"/>
+                  </a:solidFill>
+                  <a:latin typeface="Courier New" panose="02070309020205020404" pitchFamily="49" charset="0"/>
+                  <a:ea typeface="Gulim" pitchFamily="34" charset="-127"/>
+                  <a:cs typeface="Courier New" panose="02070309020205020404" pitchFamily="49" charset="0"/>
+                </a:rPr>
+                <a:t>srs</a:t>
+              </a:r>
+              <a:r>
+                <a:rPr lang="en-US" altLang="ko-KR" sz="1100" dirty="0">
+                  <a:solidFill>
+                    <a:srgbClr val="003B6E"/>
+                  </a:solidFill>
+                  <a:latin typeface="+mn-lt"/>
+                  <a:ea typeface="Gulim" pitchFamily="34" charset="-127"/>
+                  <a:cs typeface="Arial Unicode MS" pitchFamily="34" charset="-128"/>
+                </a:rPr>
+                <a:t>)</a:t>
+              </a:r>
+            </a:p>
+            <a:p>
+              <a:pPr marL="85725" indent="-85725" eaLnBrk="1" hangingPunct="1">
+                <a:spcBef>
+                  <a:spcPts val="0"/>
+                </a:spcBef>
+                <a:buClr>
+                  <a:srgbClr val="000000"/>
+                </a:buClr>
+              </a:pPr>
+              <a:r>
+                <a:rPr lang="en-US" altLang="ko-KR" sz="1100" dirty="0">
+                  <a:solidFill>
+                    <a:srgbClr val="003B6E"/>
+                  </a:solidFill>
+                  <a:latin typeface="+mn-lt"/>
+                  <a:ea typeface="Gulim" pitchFamily="34" charset="-127"/>
+                  <a:cs typeface="Arial Unicode MS" pitchFamily="34" charset="-128"/>
+                </a:rPr>
+                <a:t>Latin Hypercube Sampling (</a:t>
+              </a:r>
+              <a:r>
+                <a:rPr lang="en-US" altLang="ko-KR" sz="1100" dirty="0" err="1">
+                  <a:solidFill>
+                    <a:srgbClr val="003B6E"/>
+                  </a:solidFill>
+                  <a:latin typeface="Courier New" panose="02070309020205020404" pitchFamily="49" charset="0"/>
+                  <a:ea typeface="Gulim" pitchFamily="34" charset="-127"/>
+                  <a:cs typeface="Courier New" panose="02070309020205020404" pitchFamily="49" charset="0"/>
+                </a:rPr>
+                <a:t>lhs</a:t>
+              </a:r>
+              <a:r>
+                <a:rPr lang="en-US" altLang="ko-KR" sz="1100" dirty="0">
+                  <a:solidFill>
+                    <a:srgbClr val="003B6E"/>
+                  </a:solidFill>
+                  <a:latin typeface="+mn-lt"/>
+                  <a:ea typeface="Gulim" pitchFamily="34" charset="-127"/>
+                  <a:cs typeface="Arial Unicode MS" pitchFamily="34" charset="-128"/>
+                </a:rPr>
+                <a:t>)</a:t>
+              </a:r>
+            </a:p>
+            <a:p>
+              <a:pPr marL="85725" indent="-85725" eaLnBrk="1" hangingPunct="1">
+                <a:spcBef>
+                  <a:spcPts val="0"/>
+                </a:spcBef>
+                <a:buClr>
+                  <a:srgbClr val="000000"/>
+                </a:buClr>
+              </a:pPr>
+              <a:r>
+                <a:rPr lang="en-US" altLang="ko-KR" sz="1100" i="1" dirty="0">
+                  <a:solidFill>
+                    <a:srgbClr val="003B6E"/>
+                  </a:solidFill>
+                  <a:latin typeface="+mn-lt"/>
+                  <a:ea typeface="Gulim" pitchFamily="34" charset="-127"/>
+                  <a:cs typeface="Arial Unicode MS" pitchFamily="34" charset="-128"/>
+                </a:rPr>
+                <a:t>L</a:t>
+              </a:r>
+              <a:r>
+                <a:rPr lang="en-US" altLang="ko-KR" sz="1100" i="1" baseline="30000" dirty="0">
+                  <a:solidFill>
+                    <a:srgbClr val="003B6E"/>
+                  </a:solidFill>
+                  <a:latin typeface="+mn-lt"/>
+                  <a:ea typeface="Gulim" pitchFamily="34" charset="-127"/>
+                  <a:cs typeface="Arial Unicode MS" pitchFamily="34" charset="-128"/>
+                </a:rPr>
+                <a:t>2</a:t>
+              </a:r>
+              <a:r>
+                <a:rPr lang="en-US" altLang="ko-KR" sz="1100" dirty="0">
+                  <a:solidFill>
+                    <a:srgbClr val="003B6E"/>
+                  </a:solidFill>
+                  <a:latin typeface="+mn-lt"/>
+                  <a:ea typeface="Gulim" pitchFamily="34" charset="-127"/>
+                  <a:cs typeface="Arial Unicode MS" pitchFamily="34" charset="-128"/>
+                </a:rPr>
+                <a:t>-discrepancy optimized (space-filling) </a:t>
+              </a:r>
+              <a:br>
+                <a:rPr lang="en-US" altLang="ko-KR" sz="1100" dirty="0">
+                  <a:solidFill>
+                    <a:srgbClr val="003B6E"/>
+                  </a:solidFill>
+                  <a:latin typeface="+mn-lt"/>
+                  <a:ea typeface="Gulim" pitchFamily="34" charset="-127"/>
+                  <a:cs typeface="Arial Unicode MS" pitchFamily="34" charset="-128"/>
+                </a:rPr>
+              </a:br>
+              <a:r>
+                <a:rPr lang="en-US" altLang="ko-KR" sz="1100" dirty="0">
+                  <a:solidFill>
+                    <a:srgbClr val="003B6E"/>
+                  </a:solidFill>
+                  <a:latin typeface="+mn-lt"/>
+                  <a:ea typeface="Gulim" pitchFamily="34" charset="-127"/>
+                  <a:cs typeface="Arial Unicode MS" pitchFamily="34" charset="-128"/>
+                </a:rPr>
+                <a:t>Latin Hypercube Sampling (</a:t>
+              </a:r>
+              <a:r>
+                <a:rPr lang="en-US" altLang="ko-KR" sz="1100" dirty="0" err="1">
+                  <a:solidFill>
+                    <a:srgbClr val="003B6E"/>
+                  </a:solidFill>
+                  <a:latin typeface="Courier New" panose="02070309020205020404" pitchFamily="49" charset="0"/>
+                  <a:ea typeface="Gulim" pitchFamily="34" charset="-127"/>
+                  <a:cs typeface="Courier New" panose="02070309020205020404" pitchFamily="49" charset="0"/>
+                </a:rPr>
+                <a:t>lhs</a:t>
+              </a:r>
+              <a:r>
+                <a:rPr lang="en-US" altLang="ko-KR" sz="1100" dirty="0">
+                  <a:solidFill>
+                    <a:srgbClr val="003B6E"/>
+                  </a:solidFill>
+                  <a:latin typeface="Courier New" panose="02070309020205020404" pitchFamily="49" charset="0"/>
+                  <a:ea typeface="Gulim" pitchFamily="34" charset="-127"/>
+                  <a:cs typeface="Courier New" panose="02070309020205020404" pitchFamily="49" charset="0"/>
+                </a:rPr>
+                <a:t>-opt</a:t>
+              </a:r>
+              <a:r>
+                <a:rPr lang="en-US" altLang="ko-KR" sz="1100" dirty="0">
+                  <a:solidFill>
+                    <a:srgbClr val="003B6E"/>
+                  </a:solidFill>
+                  <a:latin typeface="+mn-lt"/>
+                  <a:ea typeface="Gulim" pitchFamily="34" charset="-127"/>
+                  <a:cs typeface="Arial Unicode MS" pitchFamily="34" charset="-128"/>
+                </a:rPr>
+                <a:t>)</a:t>
+              </a:r>
+            </a:p>
+            <a:p>
+              <a:pPr marL="85725" indent="-85725" eaLnBrk="1" hangingPunct="1">
+                <a:spcBef>
+                  <a:spcPts val="0"/>
+                </a:spcBef>
+                <a:buClr>
+                  <a:srgbClr val="000000"/>
+                </a:buClr>
+              </a:pPr>
+              <a:r>
+                <a:rPr lang="en-US" altLang="ko-KR" sz="1100" dirty="0" err="1">
+                  <a:solidFill>
+                    <a:srgbClr val="003B6E"/>
+                  </a:solidFill>
+                  <a:latin typeface="+mn-lt"/>
+                  <a:ea typeface="Gulim" pitchFamily="34" charset="-127"/>
+                  <a:cs typeface="Arial Unicode MS" pitchFamily="34" charset="-128"/>
+                </a:rPr>
+                <a:t>Sobol</a:t>
+              </a:r>
+              <a:r>
+                <a:rPr lang="en-US" altLang="ko-KR" sz="1100" dirty="0">
+                  <a:solidFill>
+                    <a:srgbClr val="003B6E"/>
+                  </a:solidFill>
+                  <a:latin typeface="+mn-lt"/>
+                  <a:ea typeface="Gulim" pitchFamily="34" charset="-127"/>
+                  <a:cs typeface="Arial Unicode MS" pitchFamily="34" charset="-128"/>
+                </a:rPr>
+                <a:t>’ sequence launcher (</a:t>
+              </a:r>
+              <a:r>
+                <a:rPr lang="en-US" altLang="ko-KR" sz="1100" dirty="0" err="1">
+                  <a:solidFill>
+                    <a:srgbClr val="003B6E"/>
+                  </a:solidFill>
+                  <a:latin typeface="Courier New" panose="02070309020205020404" pitchFamily="49" charset="0"/>
+                  <a:ea typeface="Gulim" pitchFamily="34" charset="-127"/>
+                  <a:cs typeface="Courier New" panose="02070309020205020404" pitchFamily="49" charset="0"/>
+                </a:rPr>
+                <a:t>sobol</a:t>
+              </a:r>
+              <a:r>
+                <a:rPr lang="en-US" altLang="ko-KR" sz="1100" dirty="0" smtClean="0">
+                  <a:solidFill>
+                    <a:srgbClr val="003B6E"/>
+                  </a:solidFill>
+                  <a:latin typeface="+mn-lt"/>
+                  <a:ea typeface="Gulim" pitchFamily="34" charset="-127"/>
+                  <a:cs typeface="Arial Unicode MS" pitchFamily="34" charset="-128"/>
+                </a:rPr>
+                <a:t>)</a:t>
+              </a:r>
+            </a:p>
+            <a:p>
+              <a:pPr marL="85725" indent="-85725" eaLnBrk="1" hangingPunct="1">
+                <a:spcBef>
+                  <a:spcPts val="0"/>
+                </a:spcBef>
+                <a:buClr>
+                  <a:srgbClr val="000000"/>
+                </a:buClr>
+              </a:pPr>
+              <a:r>
+                <a:rPr lang="en-US" altLang="ko-KR" sz="1100" dirty="0" smtClean="0">
+                  <a:solidFill>
+                    <a:srgbClr val="003B6E"/>
+                  </a:solidFill>
+                  <a:latin typeface="+mn-lt"/>
+                  <a:ea typeface="Gulim" pitchFamily="34" charset="-127"/>
+                  <a:cs typeface="Arial Unicode MS" pitchFamily="34" charset="-128"/>
+                </a:rPr>
+                <a:t>Randomized </a:t>
+              </a:r>
+              <a:r>
+                <a:rPr lang="en-US" altLang="ko-KR" sz="1100" dirty="0" err="1" smtClean="0">
+                  <a:solidFill>
+                    <a:srgbClr val="003B6E"/>
+                  </a:solidFill>
+                  <a:latin typeface="+mn-lt"/>
+                  <a:ea typeface="Gulim" pitchFamily="34" charset="-127"/>
+                  <a:cs typeface="Arial Unicode MS" pitchFamily="34" charset="-128"/>
+                </a:rPr>
+                <a:t>Sobol</a:t>
+              </a:r>
+              <a:r>
+                <a:rPr lang="en-US" altLang="ko-KR" sz="1100" dirty="0" smtClean="0">
+                  <a:solidFill>
+                    <a:srgbClr val="003B6E"/>
+                  </a:solidFill>
+                  <a:latin typeface="+mn-lt"/>
+                  <a:ea typeface="Gulim" pitchFamily="34" charset="-127"/>
+                  <a:cs typeface="Arial Unicode MS" pitchFamily="34" charset="-128"/>
+                </a:rPr>
+                <a:t>’  seq. by random shift (</a:t>
+              </a:r>
+              <a:r>
+                <a:rPr lang="en-US" altLang="ko-KR" sz="1100" dirty="0" err="1" smtClean="0">
+                  <a:solidFill>
+                    <a:srgbClr val="003B6E"/>
+                  </a:solidFill>
+                  <a:latin typeface="Courier New" panose="02070309020205020404" pitchFamily="49" charset="0"/>
+                  <a:ea typeface="Gulim" pitchFamily="34" charset="-127"/>
+                  <a:cs typeface="Courier New" panose="02070309020205020404" pitchFamily="49" charset="0"/>
+                </a:rPr>
+                <a:t>sobol</a:t>
+              </a:r>
+              <a:r>
+                <a:rPr lang="en-US" altLang="ko-KR" sz="1100" dirty="0" smtClean="0">
+                  <a:solidFill>
+                    <a:srgbClr val="003B6E"/>
+                  </a:solidFill>
+                  <a:latin typeface="+mn-lt"/>
+                  <a:ea typeface="Gulim" pitchFamily="34" charset="-127"/>
+                  <a:cs typeface="Arial Unicode MS" pitchFamily="34" charset="-128"/>
+                </a:rPr>
+                <a:t>)</a:t>
+              </a:r>
+            </a:p>
+            <a:p>
+              <a:pPr marL="85725" indent="-85725" eaLnBrk="1" hangingPunct="1">
+                <a:spcBef>
+                  <a:spcPts val="0"/>
+                </a:spcBef>
+                <a:buClr>
+                  <a:srgbClr val="000000"/>
+                </a:buClr>
+              </a:pPr>
+              <a:r>
+                <a:rPr lang="en-US" altLang="ko-KR" sz="1100" dirty="0" smtClean="0">
+                  <a:solidFill>
+                    <a:srgbClr val="003B6E"/>
+                  </a:solidFill>
+                  <a:latin typeface="+mn-lt"/>
+                  <a:ea typeface="Gulim" pitchFamily="34" charset="-127"/>
+                  <a:cs typeface="Arial Unicode MS" pitchFamily="34" charset="-128"/>
+                </a:rPr>
+                <a:t>Validation data set based on Hammersley quasi-random sequence (</a:t>
+              </a:r>
+              <a:r>
+                <a:rPr lang="en-US" altLang="ko-KR" sz="1100" dirty="0" err="1" smtClean="0">
+                  <a:solidFill>
+                    <a:srgbClr val="003B6E"/>
+                  </a:solidFill>
+                  <a:latin typeface="Courier New" panose="02070309020205020404" pitchFamily="49" charset="0"/>
+                  <a:ea typeface="Gulim" pitchFamily="34" charset="-127"/>
+                  <a:cs typeface="Courier New" panose="02070309020205020404" pitchFamily="49" charset="0"/>
+                </a:rPr>
+                <a:t>test_sample</a:t>
+              </a:r>
+              <a:r>
+                <a:rPr lang="en-US" altLang="ko-KR" sz="1100" dirty="0" smtClean="0">
+                  <a:solidFill>
+                    <a:srgbClr val="003B6E"/>
+                  </a:solidFill>
+                  <a:latin typeface="+mn-lt"/>
+                  <a:ea typeface="Gulim" pitchFamily="34" charset="-127"/>
+                  <a:cs typeface="Arial Unicode MS" pitchFamily="34" charset="-128"/>
+                </a:rPr>
+                <a:t>)</a:t>
+              </a:r>
+              <a:endParaRPr lang="en-US" altLang="ko-KR" sz="1100" dirty="0">
+                <a:solidFill>
+                  <a:srgbClr val="003B6E"/>
+                </a:solidFill>
+                <a:latin typeface="+mn-lt"/>
+                <a:ea typeface="Gulim" pitchFamily="34" charset="-127"/>
+                <a:cs typeface="Arial Unicode MS" pitchFamily="34" charset="-128"/>
+              </a:endParaRPr>
+            </a:p>
+          </p:txBody>
+        </p:sp>
+      </p:grpSp>
+      <p:sp>
+        <p:nvSpPr>
+          <p:cNvPr id="42" name="Flowchart: Document 41"/>
+          <p:cNvSpPr/>
+          <p:nvPr/>
+        </p:nvSpPr>
+        <p:spPr bwMode="auto">
+          <a:xfrm>
+            <a:off x="7126288" y="943592"/>
+            <a:ext cx="1276772" cy="855439"/>
+          </a:xfrm>
+          <a:prstGeom prst="flowChartDocument">
+            <a:avLst/>
+          </a:prstGeom>
+          <a:solidFill>
+            <a:srgbClr val="0070C0"/>
+          </a:solidFill>
+          <a:ln w="9525" cap="flat" cmpd="sng" algn="ctr">
+            <a:noFill/>
+            <a:prstDash val="solid"/>
+            <a:round/>
+            <a:headEnd type="none" w="med" len="med"/>
+            <a:tailEnd type="none" w="med" len="med"/>
+          </a:ln>
+          <a:effectLst/>
+        </p:spPr>
+        <p:txBody>
+          <a:bodyPr vert="horz" wrap="square" lIns="91440" tIns="45720" rIns="91440" bIns="45720" numCol="1" rtlCol="0" anchor="t" anchorCtr="0" compatLnSpc="1">
+            <a:prstTxWarp prst="textNoShape">
+              <a:avLst/>
+            </a:prstTxWarp>
+          </a:bodyPr>
+          <a:lstStyle/>
+          <a:p>
+            <a:pPr marL="0" marR="0" indent="0" algn="l" defTabSz="914400" rtl="0" eaLnBrk="0" fontAlgn="base" latinLnBrk="0" hangingPunct="0">
+              <a:lnSpc>
+                <a:spcPct val="100000"/>
+              </a:lnSpc>
+              <a:spcBef>
+                <a:spcPct val="0"/>
+              </a:spcBef>
+              <a:spcAft>
+                <a:spcPct val="0"/>
+              </a:spcAft>
+              <a:buClrTx/>
+              <a:buSzTx/>
+              <a:buFontTx/>
+              <a:buNone/>
+              <a:tabLst/>
+            </a:pPr>
+            <a:endParaRPr kumimoji="0" lang="en-US" sz="2400" b="0" i="0" u="none" strike="noStrike" cap="none" normalizeH="0" baseline="0">
+              <a:ln>
+                <a:noFill/>
+              </a:ln>
+              <a:solidFill>
+                <a:schemeClr val="tx1"/>
+              </a:solidFill>
+              <a:effectLst/>
+              <a:latin typeface="Times" charset="0"/>
+            </a:endParaRPr>
+          </a:p>
+        </p:txBody>
+      </p:sp>
+      <p:sp>
+        <p:nvSpPr>
+          <p:cNvPr id="49" name="Rectangle 48"/>
+          <p:cNvSpPr/>
+          <p:nvPr/>
+        </p:nvSpPr>
+        <p:spPr>
+          <a:xfrm>
+            <a:off x="7162156" y="1120798"/>
+            <a:ext cx="1130871" cy="400110"/>
+          </a:xfrm>
+          <a:prstGeom prst="rect">
+            <a:avLst/>
+          </a:prstGeom>
+        </p:spPr>
+        <p:txBody>
+          <a:bodyPr wrap="square">
+            <a:spAutoFit/>
+          </a:bodyPr>
+          <a:lstStyle/>
+          <a:p>
+            <a:pPr algn="ctr"/>
+            <a:r>
+              <a:rPr lang="en-US" sz="2000" b="1" dirty="0">
+                <a:solidFill>
+                  <a:schemeClr val="bg1"/>
+                </a:solidFill>
+                <a:latin typeface="+mn-lt"/>
+              </a:rPr>
+              <a:t>CSV</a:t>
+            </a:r>
+          </a:p>
+        </p:txBody>
+      </p:sp>
+      <p:sp>
+        <p:nvSpPr>
+          <p:cNvPr id="64" name="TextBox 63"/>
+          <p:cNvSpPr txBox="1"/>
+          <p:nvPr/>
+        </p:nvSpPr>
+        <p:spPr>
+          <a:xfrm>
+            <a:off x="20069" y="4107068"/>
+            <a:ext cx="2118268" cy="369332"/>
+          </a:xfrm>
+          <a:prstGeom prst="rect">
+            <a:avLst/>
+          </a:prstGeom>
+          <a:solidFill>
+            <a:schemeClr val="bg1">
+              <a:lumMod val="95000"/>
+              <a:alpha val="75000"/>
+            </a:schemeClr>
+          </a:solidFill>
+          <a:ln w="9525">
+            <a:noFill/>
+          </a:ln>
+        </p:spPr>
+        <p:txBody>
+          <a:bodyPr wrap="square" rtlCol="0" anchor="ctr">
+            <a:spAutoFit/>
+          </a:bodyPr>
+          <a:lstStyle/>
+          <a:p>
+            <a:r>
+              <a:rPr lang="en-US" b="1" dirty="0">
+                <a:latin typeface="+mj-lt"/>
+              </a:rPr>
+              <a:t>Sensitivity Analysis</a:t>
+            </a:r>
+          </a:p>
+        </p:txBody>
+      </p:sp>
+      <p:sp>
+        <p:nvSpPr>
+          <p:cNvPr id="65" name="TextBox 64"/>
+          <p:cNvSpPr txBox="1"/>
+          <p:nvPr/>
+        </p:nvSpPr>
+        <p:spPr>
+          <a:xfrm>
+            <a:off x="20070" y="112857"/>
+            <a:ext cx="2118267" cy="369332"/>
+          </a:xfrm>
+          <a:prstGeom prst="rect">
+            <a:avLst/>
+          </a:prstGeom>
+          <a:solidFill>
+            <a:schemeClr val="bg1">
+              <a:lumMod val="95000"/>
+              <a:alpha val="75000"/>
+            </a:schemeClr>
+          </a:solidFill>
+          <a:ln w="9525">
+            <a:noFill/>
+          </a:ln>
+        </p:spPr>
+        <p:txBody>
+          <a:bodyPr wrap="square" rtlCol="0" anchor="ctr">
+            <a:spAutoFit/>
+          </a:bodyPr>
+          <a:lstStyle/>
+          <a:p>
+            <a:r>
+              <a:rPr lang="en-US" b="1" dirty="0">
+                <a:latin typeface="+mj-lt"/>
+              </a:rPr>
+              <a:t>Samples Generation</a:t>
+            </a:r>
+          </a:p>
+        </p:txBody>
+      </p:sp>
+      <p:sp>
+        <p:nvSpPr>
+          <p:cNvPr id="37" name="Flowchart: Document 36"/>
+          <p:cNvSpPr/>
+          <p:nvPr/>
+        </p:nvSpPr>
+        <p:spPr>
+          <a:xfrm>
+            <a:off x="971600" y="816425"/>
+            <a:ext cx="1407198" cy="898112"/>
+          </a:xfrm>
+          <a:prstGeom prst="flowChartDocument">
+            <a:avLst/>
+          </a:prstGeom>
+          <a:solidFill>
+            <a:srgbClr val="FFEAA8"/>
+          </a:solidFill>
+          <a:ln>
+            <a:noFill/>
+          </a:ln>
+        </p:spPr>
+        <p:style>
+          <a:lnRef idx="2">
+            <a:schemeClr val="accent1">
+              <a:shade val="50000"/>
+            </a:schemeClr>
+          </a:lnRef>
+          <a:fillRef idx="1">
+            <a:schemeClr val="accent1"/>
+          </a:fillRef>
+          <a:effectRef idx="0">
+            <a:schemeClr val="accent1"/>
+          </a:effectRef>
+          <a:fontRef idx="minor">
+            <a:schemeClr val="lt1"/>
+          </a:fontRef>
+        </p:style>
+        <p:txBody>
+          <a:bodyPr rtlCol="0" anchor="ctr"/>
+          <a:lstStyle/>
+          <a:p>
+            <a:pPr algn="ctr"/>
+            <a:r>
+              <a:rPr lang="en-US" b="1" dirty="0">
+                <a:solidFill>
+                  <a:schemeClr val="tx1"/>
+                </a:solidFill>
+                <a:latin typeface="Calibri Light" panose="020F0302020204030204" pitchFamily="34" charset="0"/>
+                <a:cs typeface="Consolas" panose="020B0609020204030204" pitchFamily="49" charset="0"/>
+              </a:rPr>
+              <a:t>Driver Script Executables</a:t>
+            </a:r>
+            <a:endParaRPr lang="en-US" b="1" dirty="0">
+              <a:solidFill>
+                <a:schemeClr val="tx1"/>
+              </a:solidFill>
+              <a:latin typeface="Calibri Light" panose="020F0302020204030204" pitchFamily="34" charset="0"/>
+            </a:endParaRPr>
+          </a:p>
+        </p:txBody>
+      </p:sp>
+      <p:grpSp>
+        <p:nvGrpSpPr>
+          <p:cNvPr id="7" name="Group 6"/>
+          <p:cNvGrpSpPr/>
+          <p:nvPr/>
+        </p:nvGrpSpPr>
+        <p:grpSpPr>
+          <a:xfrm>
+            <a:off x="5004048" y="2708921"/>
+            <a:ext cx="1368152" cy="943172"/>
+            <a:chOff x="-394899" y="1232645"/>
+            <a:chExt cx="2129712" cy="999242"/>
+          </a:xfrm>
+        </p:grpSpPr>
+        <p:sp>
+          <p:nvSpPr>
+            <p:cNvPr id="44" name="Text Box 11"/>
+            <p:cNvSpPr txBox="1">
+              <a:spLocks noChangeArrowheads="1"/>
+            </p:cNvSpPr>
+            <p:nvPr/>
+          </p:nvSpPr>
+          <p:spPr bwMode="auto">
+            <a:xfrm>
+              <a:off x="-394899" y="1232645"/>
+              <a:ext cx="2129712" cy="999242"/>
+            </a:xfrm>
+            <a:prstGeom prst="rect">
+              <a:avLst/>
+            </a:prstGeom>
+            <a:solidFill>
+              <a:srgbClr val="FFFFFF"/>
+            </a:solidFill>
+            <a:ln w="6350">
+              <a:solidFill>
+                <a:schemeClr val="bg1">
+                  <a:lumMod val="50000"/>
+                </a:schemeClr>
+              </a:solidFill>
+              <a:prstDash val="dash"/>
+              <a:miter lim="800000"/>
+              <a:headEnd/>
+              <a:tailEnd/>
+            </a:ln>
+          </p:spPr>
+          <p:txBody>
+            <a:bodyPr lIns="90000" tIns="46800" rIns="90000" bIns="46800"/>
+            <a:lstStyle>
+              <a:lvl1pPr defTabSz="457200">
+                <a:buChar char="•"/>
+                <a:tabLst>
+                  <a:tab pos="0" algn="l"/>
+                  <a:tab pos="457200" algn="l"/>
+                  <a:tab pos="914400" algn="l"/>
+                  <a:tab pos="1371600" algn="l"/>
+                  <a:tab pos="1828800" algn="l"/>
+                  <a:tab pos="2286000" algn="l"/>
+                  <a:tab pos="2743200" algn="l"/>
+                  <a:tab pos="3200400" algn="l"/>
+                  <a:tab pos="3657600" algn="l"/>
+                  <a:tab pos="4114800" algn="l"/>
+                  <a:tab pos="4572000" algn="l"/>
+                  <a:tab pos="5029200" algn="l"/>
+                  <a:tab pos="5486400" algn="l"/>
+                  <a:tab pos="5943600" algn="l"/>
+                  <a:tab pos="6400800" algn="l"/>
+                  <a:tab pos="6858000" algn="l"/>
+                  <a:tab pos="7315200" algn="l"/>
+                  <a:tab pos="7772400" algn="l"/>
+                  <a:tab pos="8229600" algn="l"/>
+                  <a:tab pos="8686800" algn="l"/>
+                  <a:tab pos="9144000" algn="l"/>
+                </a:tabLst>
+                <a:defRPr sz="2400">
+                  <a:solidFill>
+                    <a:schemeClr val="tx1"/>
+                  </a:solidFill>
+                  <a:latin typeface="Arial Narrow" pitchFamily="34" charset="0"/>
+                  <a:ea typeface="ヒラギノ角ゴ Pro W3" charset="-128"/>
+                </a:defRPr>
+              </a:lvl1pPr>
+              <a:lvl2pPr marL="742950" indent="-285750" defTabSz="457200">
+                <a:buClr>
+                  <a:schemeClr val="tx1"/>
+                </a:buClr>
+                <a:buSzPct val="120000"/>
+                <a:buChar char="•"/>
+                <a:tabLst>
+                  <a:tab pos="0" algn="l"/>
+                  <a:tab pos="457200" algn="l"/>
+                  <a:tab pos="914400" algn="l"/>
+                  <a:tab pos="1371600" algn="l"/>
+                  <a:tab pos="1828800" algn="l"/>
+                  <a:tab pos="2286000" algn="l"/>
+                  <a:tab pos="2743200" algn="l"/>
+                  <a:tab pos="3200400" algn="l"/>
+                  <a:tab pos="3657600" algn="l"/>
+                  <a:tab pos="4114800" algn="l"/>
+                  <a:tab pos="4572000" algn="l"/>
+                  <a:tab pos="5029200" algn="l"/>
+                  <a:tab pos="5486400" algn="l"/>
+                  <a:tab pos="5943600" algn="l"/>
+                  <a:tab pos="6400800" algn="l"/>
+                  <a:tab pos="6858000" algn="l"/>
+                  <a:tab pos="7315200" algn="l"/>
+                  <a:tab pos="7772400" algn="l"/>
+                  <a:tab pos="8229600" algn="l"/>
+                  <a:tab pos="8686800" algn="l"/>
+                  <a:tab pos="9144000" algn="l"/>
+                </a:tabLst>
+                <a:defRPr sz="2400">
+                  <a:solidFill>
+                    <a:schemeClr val="tx1"/>
+                  </a:solidFill>
+                  <a:latin typeface="Arial Narrow" pitchFamily="34" charset="0"/>
+                  <a:ea typeface="ヒラギノ角ゴ Pro W3" charset="-128"/>
+                </a:defRPr>
+              </a:lvl2pPr>
+              <a:lvl3pPr marL="1143000" indent="-228600" defTabSz="457200">
+                <a:buFont typeface="Times" pitchFamily="18" charset="0"/>
+                <a:buChar char="–"/>
+                <a:tabLst>
+                  <a:tab pos="0" algn="l"/>
+                  <a:tab pos="457200" algn="l"/>
+                  <a:tab pos="914400" algn="l"/>
+                  <a:tab pos="1371600" algn="l"/>
+                  <a:tab pos="1828800" algn="l"/>
+                  <a:tab pos="2286000" algn="l"/>
+                  <a:tab pos="2743200" algn="l"/>
+                  <a:tab pos="3200400" algn="l"/>
+                  <a:tab pos="3657600" algn="l"/>
+                  <a:tab pos="4114800" algn="l"/>
+                  <a:tab pos="4572000" algn="l"/>
+                  <a:tab pos="5029200" algn="l"/>
+                  <a:tab pos="5486400" algn="l"/>
+                  <a:tab pos="5943600" algn="l"/>
+                  <a:tab pos="6400800" algn="l"/>
+                  <a:tab pos="6858000" algn="l"/>
+                  <a:tab pos="7315200" algn="l"/>
+                  <a:tab pos="7772400" algn="l"/>
+                  <a:tab pos="8229600" algn="l"/>
+                  <a:tab pos="8686800" algn="l"/>
+                  <a:tab pos="9144000" algn="l"/>
+                </a:tabLst>
+                <a:defRPr sz="1700">
+                  <a:solidFill>
+                    <a:schemeClr val="tx1"/>
+                  </a:solidFill>
+                  <a:latin typeface="Arial Narrow" pitchFamily="34" charset="0"/>
+                  <a:ea typeface="MS PGothic" pitchFamily="34" charset="-128"/>
+                </a:defRPr>
+              </a:lvl3pPr>
+              <a:lvl4pPr marL="1600200" indent="-228600" defTabSz="457200">
+                <a:buFont typeface="Lucida Grande" charset="0"/>
+                <a:buChar char="–"/>
+                <a:tabLst>
+                  <a:tab pos="0" algn="l"/>
+                  <a:tab pos="457200" algn="l"/>
+                  <a:tab pos="914400" algn="l"/>
+                  <a:tab pos="1371600" algn="l"/>
+                  <a:tab pos="1828800" algn="l"/>
+                  <a:tab pos="2286000" algn="l"/>
+                  <a:tab pos="2743200" algn="l"/>
+                  <a:tab pos="3200400" algn="l"/>
+                  <a:tab pos="3657600" algn="l"/>
+                  <a:tab pos="4114800" algn="l"/>
+                  <a:tab pos="4572000" algn="l"/>
+                  <a:tab pos="5029200" algn="l"/>
+                  <a:tab pos="5486400" algn="l"/>
+                  <a:tab pos="5943600" algn="l"/>
+                  <a:tab pos="6400800" algn="l"/>
+                  <a:tab pos="6858000" algn="l"/>
+                  <a:tab pos="7315200" algn="l"/>
+                  <a:tab pos="7772400" algn="l"/>
+                  <a:tab pos="8229600" algn="l"/>
+                  <a:tab pos="8686800" algn="l"/>
+                  <a:tab pos="9144000" algn="l"/>
+                </a:tabLst>
+                <a:defRPr sz="2400">
+                  <a:solidFill>
+                    <a:schemeClr val="tx1"/>
+                  </a:solidFill>
+                  <a:latin typeface="Arial Narrow" pitchFamily="34" charset="0"/>
+                  <a:ea typeface="MS PGothic" pitchFamily="34" charset="-128"/>
+                </a:defRPr>
+              </a:lvl4pPr>
+              <a:lvl5pPr marL="2057400" indent="-228600" defTabSz="457200">
+                <a:buFont typeface="Lucida Grande" charset="0"/>
+                <a:buChar char="–"/>
+                <a:tabLst>
+                  <a:tab pos="0" algn="l"/>
+                  <a:tab pos="457200" algn="l"/>
+                  <a:tab pos="914400" algn="l"/>
+                  <a:tab pos="1371600" algn="l"/>
+                  <a:tab pos="1828800" algn="l"/>
+                  <a:tab pos="2286000" algn="l"/>
+                  <a:tab pos="2743200" algn="l"/>
+                  <a:tab pos="3200400" algn="l"/>
+                  <a:tab pos="3657600" algn="l"/>
+                  <a:tab pos="4114800" algn="l"/>
+                  <a:tab pos="4572000" algn="l"/>
+                  <a:tab pos="5029200" algn="l"/>
+                  <a:tab pos="5486400" algn="l"/>
+                  <a:tab pos="5943600" algn="l"/>
+                  <a:tab pos="6400800" algn="l"/>
+                  <a:tab pos="6858000" algn="l"/>
+                  <a:tab pos="7315200" algn="l"/>
+                  <a:tab pos="7772400" algn="l"/>
+                  <a:tab pos="8229600" algn="l"/>
+                  <a:tab pos="8686800" algn="l"/>
+                  <a:tab pos="9144000" algn="l"/>
+                </a:tabLst>
+                <a:defRPr sz="2400">
+                  <a:solidFill>
+                    <a:schemeClr val="tx1"/>
+                  </a:solidFill>
+                  <a:latin typeface="Arial Narrow" pitchFamily="34" charset="0"/>
+                  <a:ea typeface="ヒラギノ角ゴ Pro W3" charset="-128"/>
+                </a:defRPr>
+              </a:lvl5pPr>
+              <a:lvl6pPr marL="2514600" indent="-228600" defTabSz="457200" eaLnBrk="0" fontAlgn="base" hangingPunct="0">
+                <a:lnSpc>
+                  <a:spcPct val="110000"/>
+                </a:lnSpc>
+                <a:spcBef>
+                  <a:spcPct val="0"/>
+                </a:spcBef>
+                <a:spcAft>
+                  <a:spcPct val="0"/>
+                </a:spcAft>
+                <a:buFont typeface="Lucida Grande" charset="0"/>
+                <a:buChar char="–"/>
+                <a:tabLst>
+                  <a:tab pos="0" algn="l"/>
+                  <a:tab pos="457200" algn="l"/>
+                  <a:tab pos="914400" algn="l"/>
+                  <a:tab pos="1371600" algn="l"/>
+                  <a:tab pos="1828800" algn="l"/>
+                  <a:tab pos="2286000" algn="l"/>
+                  <a:tab pos="2743200" algn="l"/>
+                  <a:tab pos="3200400" algn="l"/>
+                  <a:tab pos="3657600" algn="l"/>
+                  <a:tab pos="4114800" algn="l"/>
+                  <a:tab pos="4572000" algn="l"/>
+                  <a:tab pos="5029200" algn="l"/>
+                  <a:tab pos="5486400" algn="l"/>
+                  <a:tab pos="5943600" algn="l"/>
+                  <a:tab pos="6400800" algn="l"/>
+                  <a:tab pos="6858000" algn="l"/>
+                  <a:tab pos="7315200" algn="l"/>
+                  <a:tab pos="7772400" algn="l"/>
+                  <a:tab pos="8229600" algn="l"/>
+                  <a:tab pos="8686800" algn="l"/>
+                  <a:tab pos="9144000" algn="l"/>
+                </a:tabLst>
+                <a:defRPr sz="2400">
+                  <a:solidFill>
+                    <a:schemeClr val="tx1"/>
+                  </a:solidFill>
+                  <a:latin typeface="Arial Narrow" pitchFamily="34" charset="0"/>
+                  <a:ea typeface="ヒラギノ角ゴ Pro W3" charset="-128"/>
+                </a:defRPr>
+              </a:lvl6pPr>
+              <a:lvl7pPr marL="2971800" indent="-228600" defTabSz="457200" eaLnBrk="0" fontAlgn="base" hangingPunct="0">
+                <a:lnSpc>
+                  <a:spcPct val="110000"/>
+                </a:lnSpc>
+                <a:spcBef>
+                  <a:spcPct val="0"/>
+                </a:spcBef>
+                <a:spcAft>
+                  <a:spcPct val="0"/>
+                </a:spcAft>
+                <a:buFont typeface="Lucida Grande" charset="0"/>
+                <a:buChar char="–"/>
+                <a:tabLst>
+                  <a:tab pos="0" algn="l"/>
+                  <a:tab pos="457200" algn="l"/>
+                  <a:tab pos="914400" algn="l"/>
+                  <a:tab pos="1371600" algn="l"/>
+                  <a:tab pos="1828800" algn="l"/>
+                  <a:tab pos="2286000" algn="l"/>
+                  <a:tab pos="2743200" algn="l"/>
+                  <a:tab pos="3200400" algn="l"/>
+                  <a:tab pos="3657600" algn="l"/>
+                  <a:tab pos="4114800" algn="l"/>
+                  <a:tab pos="4572000" algn="l"/>
+                  <a:tab pos="5029200" algn="l"/>
+                  <a:tab pos="5486400" algn="l"/>
+                  <a:tab pos="5943600" algn="l"/>
+                  <a:tab pos="6400800" algn="l"/>
+                  <a:tab pos="6858000" algn="l"/>
+                  <a:tab pos="7315200" algn="l"/>
+                  <a:tab pos="7772400" algn="l"/>
+                  <a:tab pos="8229600" algn="l"/>
+                  <a:tab pos="8686800" algn="l"/>
+                  <a:tab pos="9144000" algn="l"/>
+                </a:tabLst>
+                <a:defRPr sz="2400">
+                  <a:solidFill>
+                    <a:schemeClr val="tx1"/>
+                  </a:solidFill>
+                  <a:latin typeface="Arial Narrow" pitchFamily="34" charset="0"/>
+                  <a:ea typeface="ヒラギノ角ゴ Pro W3" charset="-128"/>
+                </a:defRPr>
+              </a:lvl7pPr>
+              <a:lvl8pPr marL="3429000" indent="-228600" defTabSz="457200" eaLnBrk="0" fontAlgn="base" hangingPunct="0">
+                <a:lnSpc>
+                  <a:spcPct val="110000"/>
+                </a:lnSpc>
+                <a:spcBef>
+                  <a:spcPct val="0"/>
+                </a:spcBef>
+                <a:spcAft>
+                  <a:spcPct val="0"/>
+                </a:spcAft>
+                <a:buFont typeface="Lucida Grande" charset="0"/>
+                <a:buChar char="–"/>
+                <a:tabLst>
+                  <a:tab pos="0" algn="l"/>
+                  <a:tab pos="457200" algn="l"/>
+                  <a:tab pos="914400" algn="l"/>
+                  <a:tab pos="1371600" algn="l"/>
+                  <a:tab pos="1828800" algn="l"/>
+                  <a:tab pos="2286000" algn="l"/>
+                  <a:tab pos="2743200" algn="l"/>
+                  <a:tab pos="3200400" algn="l"/>
+                  <a:tab pos="3657600" algn="l"/>
+                  <a:tab pos="4114800" algn="l"/>
+                  <a:tab pos="4572000" algn="l"/>
+                  <a:tab pos="5029200" algn="l"/>
+                  <a:tab pos="5486400" algn="l"/>
+                  <a:tab pos="5943600" algn="l"/>
+                  <a:tab pos="6400800" algn="l"/>
+                  <a:tab pos="6858000" algn="l"/>
+                  <a:tab pos="7315200" algn="l"/>
+                  <a:tab pos="7772400" algn="l"/>
+                  <a:tab pos="8229600" algn="l"/>
+                  <a:tab pos="8686800" algn="l"/>
+                  <a:tab pos="9144000" algn="l"/>
+                </a:tabLst>
+                <a:defRPr sz="2400">
+                  <a:solidFill>
+                    <a:schemeClr val="tx1"/>
+                  </a:solidFill>
+                  <a:latin typeface="Arial Narrow" pitchFamily="34" charset="0"/>
+                  <a:ea typeface="ヒラギノ角ゴ Pro W3" charset="-128"/>
+                </a:defRPr>
+              </a:lvl8pPr>
+              <a:lvl9pPr marL="3886200" indent="-228600" defTabSz="457200" eaLnBrk="0" fontAlgn="base" hangingPunct="0">
+                <a:lnSpc>
+                  <a:spcPct val="110000"/>
+                </a:lnSpc>
+                <a:spcBef>
+                  <a:spcPct val="0"/>
+                </a:spcBef>
+                <a:spcAft>
+                  <a:spcPct val="0"/>
+                </a:spcAft>
+                <a:buFont typeface="Lucida Grande" charset="0"/>
+                <a:buChar char="–"/>
+                <a:tabLst>
+                  <a:tab pos="0" algn="l"/>
+                  <a:tab pos="457200" algn="l"/>
+                  <a:tab pos="914400" algn="l"/>
+                  <a:tab pos="1371600" algn="l"/>
+                  <a:tab pos="1828800" algn="l"/>
+                  <a:tab pos="2286000" algn="l"/>
+                  <a:tab pos="2743200" algn="l"/>
+                  <a:tab pos="3200400" algn="l"/>
+                  <a:tab pos="3657600" algn="l"/>
+                  <a:tab pos="4114800" algn="l"/>
+                  <a:tab pos="4572000" algn="l"/>
+                  <a:tab pos="5029200" algn="l"/>
+                  <a:tab pos="5486400" algn="l"/>
+                  <a:tab pos="5943600" algn="l"/>
+                  <a:tab pos="6400800" algn="l"/>
+                  <a:tab pos="6858000" algn="l"/>
+                  <a:tab pos="7315200" algn="l"/>
+                  <a:tab pos="7772400" algn="l"/>
+                  <a:tab pos="8229600" algn="l"/>
+                  <a:tab pos="8686800" algn="l"/>
+                  <a:tab pos="9144000" algn="l"/>
+                </a:tabLst>
+                <a:defRPr sz="2400">
+                  <a:solidFill>
+                    <a:schemeClr val="tx1"/>
+                  </a:solidFill>
+                  <a:latin typeface="Arial Narrow" pitchFamily="34" charset="0"/>
+                  <a:ea typeface="ヒラギノ角ゴ Pro W3" charset="-128"/>
+                </a:defRPr>
+              </a:lvl9pPr>
+            </a:lstStyle>
+            <a:p>
+              <a:pPr eaLnBrk="1" hangingPunct="1">
+                <a:lnSpc>
+                  <a:spcPct val="100000"/>
+                </a:lnSpc>
+                <a:buClr>
+                  <a:srgbClr val="000000"/>
+                </a:buClr>
+                <a:buFont typeface="Times New Roman" pitchFamily="18" charset="0"/>
+                <a:buNone/>
+              </a:pPr>
+              <a:r>
+                <a:rPr lang="en-US" altLang="ko-KR" sz="1300" dirty="0">
+                  <a:solidFill>
+                    <a:srgbClr val="C50006"/>
+                  </a:solidFill>
+                  <a:latin typeface="+mn-lt"/>
+                  <a:ea typeface="Gulim" pitchFamily="34" charset="-127"/>
+                  <a:cs typeface="Arial Unicode MS" pitchFamily="34" charset="-128"/>
+                </a:rPr>
+                <a:t>Computer Codes</a:t>
+              </a:r>
+            </a:p>
+            <a:p>
+              <a:pPr eaLnBrk="1" hangingPunct="1">
+                <a:lnSpc>
+                  <a:spcPct val="100000"/>
+                </a:lnSpc>
+                <a:buClr>
+                  <a:srgbClr val="000000"/>
+                </a:buClr>
+                <a:buFont typeface="Times New Roman" pitchFamily="18" charset="0"/>
+                <a:buNone/>
+              </a:pPr>
+              <a:r>
+                <a:rPr lang="en-US" altLang="ko-KR" sz="1100" dirty="0">
+                  <a:solidFill>
+                    <a:srgbClr val="C50006"/>
+                  </a:solidFill>
+                  <a:latin typeface="+mn-lt"/>
+                  <a:ea typeface="Gulim" pitchFamily="34" charset="-127"/>
+                  <a:cs typeface="Arial Unicode MS" pitchFamily="34" charset="-128"/>
+                </a:rPr>
+                <a:t>or generic functions</a:t>
+              </a:r>
+              <a:endParaRPr lang="en-US" altLang="ko-KR" sz="1300" dirty="0">
+                <a:solidFill>
+                  <a:srgbClr val="C50006"/>
+                </a:solidFill>
+                <a:latin typeface="+mn-lt"/>
+                <a:ea typeface="Gulim" pitchFamily="34" charset="-127"/>
+                <a:cs typeface="Arial Unicode MS" pitchFamily="34" charset="-128"/>
+              </a:endParaRPr>
+            </a:p>
+          </p:txBody>
+        </p:sp>
+        <p:sp>
+          <p:nvSpPr>
+            <p:cNvPr id="52" name="Text Box 12"/>
+            <p:cNvSpPr txBox="1">
+              <a:spLocks noChangeArrowheads="1"/>
+            </p:cNvSpPr>
+            <p:nvPr/>
+          </p:nvSpPr>
+          <p:spPr bwMode="auto">
+            <a:xfrm>
+              <a:off x="-282809" y="1732266"/>
+              <a:ext cx="1801248" cy="469083"/>
+            </a:xfrm>
+            <a:prstGeom prst="rect">
+              <a:avLst/>
+            </a:prstGeom>
+            <a:solidFill>
+              <a:schemeClr val="bg1">
+                <a:lumMod val="95000"/>
+              </a:schemeClr>
+            </a:solidFill>
+            <a:ln w="9360">
+              <a:noFill/>
+              <a:miter lim="800000"/>
+              <a:headEnd/>
+              <a:tailEnd/>
+            </a:ln>
+          </p:spPr>
+          <p:txBody>
+            <a:bodyPr wrap="square" lIns="90000" tIns="46800" rIns="90000" bIns="46800" anchor="ctr">
+              <a:noAutofit/>
+            </a:bodyPr>
+            <a:lstStyle>
+              <a:lvl1pPr defTabSz="457200">
+                <a:buChar char="•"/>
+                <a:tabLst>
+                  <a:tab pos="0" algn="l"/>
+                  <a:tab pos="457200" algn="l"/>
+                  <a:tab pos="914400" algn="l"/>
+                  <a:tab pos="1371600" algn="l"/>
+                  <a:tab pos="1828800" algn="l"/>
+                  <a:tab pos="2286000" algn="l"/>
+                  <a:tab pos="2743200" algn="l"/>
+                  <a:tab pos="3200400" algn="l"/>
+                  <a:tab pos="3657600" algn="l"/>
+                  <a:tab pos="4114800" algn="l"/>
+                  <a:tab pos="4572000" algn="l"/>
+                  <a:tab pos="5029200" algn="l"/>
+                  <a:tab pos="5486400" algn="l"/>
+                  <a:tab pos="5943600" algn="l"/>
+                  <a:tab pos="6400800" algn="l"/>
+                  <a:tab pos="6858000" algn="l"/>
+                  <a:tab pos="7315200" algn="l"/>
+                  <a:tab pos="7772400" algn="l"/>
+                  <a:tab pos="8229600" algn="l"/>
+                  <a:tab pos="8686800" algn="l"/>
+                  <a:tab pos="9144000" algn="l"/>
+                </a:tabLst>
+                <a:defRPr sz="2400">
+                  <a:solidFill>
+                    <a:schemeClr val="tx1"/>
+                  </a:solidFill>
+                  <a:latin typeface="Arial Narrow" pitchFamily="34" charset="0"/>
+                  <a:ea typeface="ヒラギノ角ゴ Pro W3" charset="-128"/>
+                </a:defRPr>
+              </a:lvl1pPr>
+              <a:lvl2pPr marL="742950" indent="-285750" defTabSz="457200">
+                <a:buClr>
+                  <a:schemeClr val="tx1"/>
+                </a:buClr>
+                <a:buSzPct val="120000"/>
+                <a:buChar char="•"/>
+                <a:tabLst>
+                  <a:tab pos="0" algn="l"/>
+                  <a:tab pos="457200" algn="l"/>
+                  <a:tab pos="914400" algn="l"/>
+                  <a:tab pos="1371600" algn="l"/>
+                  <a:tab pos="1828800" algn="l"/>
+                  <a:tab pos="2286000" algn="l"/>
+                  <a:tab pos="2743200" algn="l"/>
+                  <a:tab pos="3200400" algn="l"/>
+                  <a:tab pos="3657600" algn="l"/>
+                  <a:tab pos="4114800" algn="l"/>
+                  <a:tab pos="4572000" algn="l"/>
+                  <a:tab pos="5029200" algn="l"/>
+                  <a:tab pos="5486400" algn="l"/>
+                  <a:tab pos="5943600" algn="l"/>
+                  <a:tab pos="6400800" algn="l"/>
+                  <a:tab pos="6858000" algn="l"/>
+                  <a:tab pos="7315200" algn="l"/>
+                  <a:tab pos="7772400" algn="l"/>
+                  <a:tab pos="8229600" algn="l"/>
+                  <a:tab pos="8686800" algn="l"/>
+                  <a:tab pos="9144000" algn="l"/>
+                </a:tabLst>
+                <a:defRPr sz="2400">
+                  <a:solidFill>
+                    <a:schemeClr val="tx1"/>
+                  </a:solidFill>
+                  <a:latin typeface="Arial Narrow" pitchFamily="34" charset="0"/>
+                  <a:ea typeface="ヒラギノ角ゴ Pro W3" charset="-128"/>
+                </a:defRPr>
+              </a:lvl2pPr>
+              <a:lvl3pPr marL="1143000" indent="-228600" defTabSz="457200">
+                <a:buFont typeface="Times" pitchFamily="18" charset="0"/>
+                <a:buChar char="–"/>
+                <a:tabLst>
+                  <a:tab pos="0" algn="l"/>
+                  <a:tab pos="457200" algn="l"/>
+                  <a:tab pos="914400" algn="l"/>
+                  <a:tab pos="1371600" algn="l"/>
+                  <a:tab pos="1828800" algn="l"/>
+                  <a:tab pos="2286000" algn="l"/>
+                  <a:tab pos="2743200" algn="l"/>
+                  <a:tab pos="3200400" algn="l"/>
+                  <a:tab pos="3657600" algn="l"/>
+                  <a:tab pos="4114800" algn="l"/>
+                  <a:tab pos="4572000" algn="l"/>
+                  <a:tab pos="5029200" algn="l"/>
+                  <a:tab pos="5486400" algn="l"/>
+                  <a:tab pos="5943600" algn="l"/>
+                  <a:tab pos="6400800" algn="l"/>
+                  <a:tab pos="6858000" algn="l"/>
+                  <a:tab pos="7315200" algn="l"/>
+                  <a:tab pos="7772400" algn="l"/>
+                  <a:tab pos="8229600" algn="l"/>
+                  <a:tab pos="8686800" algn="l"/>
+                  <a:tab pos="9144000" algn="l"/>
+                </a:tabLst>
+                <a:defRPr sz="1700">
+                  <a:solidFill>
+                    <a:schemeClr val="tx1"/>
+                  </a:solidFill>
+                  <a:latin typeface="Arial Narrow" pitchFamily="34" charset="0"/>
+                  <a:ea typeface="MS PGothic" pitchFamily="34" charset="-128"/>
+                </a:defRPr>
+              </a:lvl3pPr>
+              <a:lvl4pPr marL="1600200" indent="-228600" defTabSz="457200">
+                <a:buFont typeface="Lucida Grande" charset="0"/>
+                <a:buChar char="–"/>
+                <a:tabLst>
+                  <a:tab pos="0" algn="l"/>
+                  <a:tab pos="457200" algn="l"/>
+                  <a:tab pos="914400" algn="l"/>
+                  <a:tab pos="1371600" algn="l"/>
+                  <a:tab pos="1828800" algn="l"/>
+                  <a:tab pos="2286000" algn="l"/>
+                  <a:tab pos="2743200" algn="l"/>
+                  <a:tab pos="3200400" algn="l"/>
+                  <a:tab pos="3657600" algn="l"/>
+                  <a:tab pos="4114800" algn="l"/>
+                  <a:tab pos="4572000" algn="l"/>
+                  <a:tab pos="5029200" algn="l"/>
+                  <a:tab pos="5486400" algn="l"/>
+                  <a:tab pos="5943600" algn="l"/>
+                  <a:tab pos="6400800" algn="l"/>
+                  <a:tab pos="6858000" algn="l"/>
+                  <a:tab pos="7315200" algn="l"/>
+                  <a:tab pos="7772400" algn="l"/>
+                  <a:tab pos="8229600" algn="l"/>
+                  <a:tab pos="8686800" algn="l"/>
+                  <a:tab pos="9144000" algn="l"/>
+                </a:tabLst>
+                <a:defRPr sz="2400">
+                  <a:solidFill>
+                    <a:schemeClr val="tx1"/>
+                  </a:solidFill>
+                  <a:latin typeface="Arial Narrow" pitchFamily="34" charset="0"/>
+                  <a:ea typeface="MS PGothic" pitchFamily="34" charset="-128"/>
+                </a:defRPr>
+              </a:lvl4pPr>
+              <a:lvl5pPr marL="2057400" indent="-228600" defTabSz="457200">
+                <a:buFont typeface="Lucida Grande" charset="0"/>
+                <a:buChar char="–"/>
+                <a:tabLst>
+                  <a:tab pos="0" algn="l"/>
+                  <a:tab pos="457200" algn="l"/>
+                  <a:tab pos="914400" algn="l"/>
+                  <a:tab pos="1371600" algn="l"/>
+                  <a:tab pos="1828800" algn="l"/>
+                  <a:tab pos="2286000" algn="l"/>
+                  <a:tab pos="2743200" algn="l"/>
+                  <a:tab pos="3200400" algn="l"/>
+                  <a:tab pos="3657600" algn="l"/>
+                  <a:tab pos="4114800" algn="l"/>
+                  <a:tab pos="4572000" algn="l"/>
+                  <a:tab pos="5029200" algn="l"/>
+                  <a:tab pos="5486400" algn="l"/>
+                  <a:tab pos="5943600" algn="l"/>
+                  <a:tab pos="6400800" algn="l"/>
+                  <a:tab pos="6858000" algn="l"/>
+                  <a:tab pos="7315200" algn="l"/>
+                  <a:tab pos="7772400" algn="l"/>
+                  <a:tab pos="8229600" algn="l"/>
+                  <a:tab pos="8686800" algn="l"/>
+                  <a:tab pos="9144000" algn="l"/>
+                </a:tabLst>
+                <a:defRPr sz="2400">
+                  <a:solidFill>
+                    <a:schemeClr val="tx1"/>
+                  </a:solidFill>
+                  <a:latin typeface="Arial Narrow" pitchFamily="34" charset="0"/>
+                  <a:ea typeface="ヒラギノ角ゴ Pro W3" charset="-128"/>
+                </a:defRPr>
+              </a:lvl5pPr>
+              <a:lvl6pPr marL="2514600" indent="-228600" defTabSz="457200" eaLnBrk="0" fontAlgn="base" hangingPunct="0">
+                <a:lnSpc>
+                  <a:spcPct val="110000"/>
+                </a:lnSpc>
+                <a:spcBef>
+                  <a:spcPct val="0"/>
+                </a:spcBef>
+                <a:spcAft>
+                  <a:spcPct val="0"/>
+                </a:spcAft>
+                <a:buFont typeface="Lucida Grande" charset="0"/>
+                <a:buChar char="–"/>
+                <a:tabLst>
+                  <a:tab pos="0" algn="l"/>
+                  <a:tab pos="457200" algn="l"/>
+                  <a:tab pos="914400" algn="l"/>
+                  <a:tab pos="1371600" algn="l"/>
+                  <a:tab pos="1828800" algn="l"/>
+                  <a:tab pos="2286000" algn="l"/>
+                  <a:tab pos="2743200" algn="l"/>
+                  <a:tab pos="3200400" algn="l"/>
+                  <a:tab pos="3657600" algn="l"/>
+                  <a:tab pos="4114800" algn="l"/>
+                  <a:tab pos="4572000" algn="l"/>
+                  <a:tab pos="5029200" algn="l"/>
+                  <a:tab pos="5486400" algn="l"/>
+                  <a:tab pos="5943600" algn="l"/>
+                  <a:tab pos="6400800" algn="l"/>
+                  <a:tab pos="6858000" algn="l"/>
+                  <a:tab pos="7315200" algn="l"/>
+                  <a:tab pos="7772400" algn="l"/>
+                  <a:tab pos="8229600" algn="l"/>
+                  <a:tab pos="8686800" algn="l"/>
+                  <a:tab pos="9144000" algn="l"/>
+                </a:tabLst>
+                <a:defRPr sz="2400">
+                  <a:solidFill>
+                    <a:schemeClr val="tx1"/>
+                  </a:solidFill>
+                  <a:latin typeface="Arial Narrow" pitchFamily="34" charset="0"/>
+                  <a:ea typeface="ヒラギノ角ゴ Pro W3" charset="-128"/>
+                </a:defRPr>
+              </a:lvl6pPr>
+              <a:lvl7pPr marL="2971800" indent="-228600" defTabSz="457200" eaLnBrk="0" fontAlgn="base" hangingPunct="0">
+                <a:lnSpc>
+                  <a:spcPct val="110000"/>
+                </a:lnSpc>
+                <a:spcBef>
+                  <a:spcPct val="0"/>
+                </a:spcBef>
+                <a:spcAft>
+                  <a:spcPct val="0"/>
+                </a:spcAft>
+                <a:buFont typeface="Lucida Grande" charset="0"/>
+                <a:buChar char="–"/>
+                <a:tabLst>
+                  <a:tab pos="0" algn="l"/>
+                  <a:tab pos="457200" algn="l"/>
+                  <a:tab pos="914400" algn="l"/>
+                  <a:tab pos="1371600" algn="l"/>
+                  <a:tab pos="1828800" algn="l"/>
+                  <a:tab pos="2286000" algn="l"/>
+                  <a:tab pos="2743200" algn="l"/>
+                  <a:tab pos="3200400" algn="l"/>
+                  <a:tab pos="3657600" algn="l"/>
+                  <a:tab pos="4114800" algn="l"/>
+                  <a:tab pos="4572000" algn="l"/>
+                  <a:tab pos="5029200" algn="l"/>
+                  <a:tab pos="5486400" algn="l"/>
+                  <a:tab pos="5943600" algn="l"/>
+                  <a:tab pos="6400800" algn="l"/>
+                  <a:tab pos="6858000" algn="l"/>
+                  <a:tab pos="7315200" algn="l"/>
+                  <a:tab pos="7772400" algn="l"/>
+                  <a:tab pos="8229600" algn="l"/>
+                  <a:tab pos="8686800" algn="l"/>
+                  <a:tab pos="9144000" algn="l"/>
+                </a:tabLst>
+                <a:defRPr sz="2400">
+                  <a:solidFill>
+                    <a:schemeClr val="tx1"/>
+                  </a:solidFill>
+                  <a:latin typeface="Arial Narrow" pitchFamily="34" charset="0"/>
+                  <a:ea typeface="ヒラギノ角ゴ Pro W3" charset="-128"/>
+                </a:defRPr>
+              </a:lvl7pPr>
+              <a:lvl8pPr marL="3429000" indent="-228600" defTabSz="457200" eaLnBrk="0" fontAlgn="base" hangingPunct="0">
+                <a:lnSpc>
+                  <a:spcPct val="110000"/>
+                </a:lnSpc>
+                <a:spcBef>
+                  <a:spcPct val="0"/>
+                </a:spcBef>
+                <a:spcAft>
+                  <a:spcPct val="0"/>
+                </a:spcAft>
+                <a:buFont typeface="Lucida Grande" charset="0"/>
+                <a:buChar char="–"/>
+                <a:tabLst>
+                  <a:tab pos="0" algn="l"/>
+                  <a:tab pos="457200" algn="l"/>
+                  <a:tab pos="914400" algn="l"/>
+                  <a:tab pos="1371600" algn="l"/>
+                  <a:tab pos="1828800" algn="l"/>
+                  <a:tab pos="2286000" algn="l"/>
+                  <a:tab pos="2743200" algn="l"/>
+                  <a:tab pos="3200400" algn="l"/>
+                  <a:tab pos="3657600" algn="l"/>
+                  <a:tab pos="4114800" algn="l"/>
+                  <a:tab pos="4572000" algn="l"/>
+                  <a:tab pos="5029200" algn="l"/>
+                  <a:tab pos="5486400" algn="l"/>
+                  <a:tab pos="5943600" algn="l"/>
+                  <a:tab pos="6400800" algn="l"/>
+                  <a:tab pos="6858000" algn="l"/>
+                  <a:tab pos="7315200" algn="l"/>
+                  <a:tab pos="7772400" algn="l"/>
+                  <a:tab pos="8229600" algn="l"/>
+                  <a:tab pos="8686800" algn="l"/>
+                  <a:tab pos="9144000" algn="l"/>
+                </a:tabLst>
+                <a:defRPr sz="2400">
+                  <a:solidFill>
+                    <a:schemeClr val="tx1"/>
+                  </a:solidFill>
+                  <a:latin typeface="Arial Narrow" pitchFamily="34" charset="0"/>
+                  <a:ea typeface="ヒラギノ角ゴ Pro W3" charset="-128"/>
+                </a:defRPr>
+              </a:lvl8pPr>
+              <a:lvl9pPr marL="3886200" indent="-228600" defTabSz="457200" eaLnBrk="0" fontAlgn="base" hangingPunct="0">
+                <a:lnSpc>
+                  <a:spcPct val="110000"/>
+                </a:lnSpc>
+                <a:spcBef>
+                  <a:spcPct val="0"/>
+                </a:spcBef>
+                <a:spcAft>
+                  <a:spcPct val="0"/>
+                </a:spcAft>
+                <a:buFont typeface="Lucida Grande" charset="0"/>
+                <a:buChar char="–"/>
+                <a:tabLst>
+                  <a:tab pos="0" algn="l"/>
+                  <a:tab pos="457200" algn="l"/>
+                  <a:tab pos="914400" algn="l"/>
+                  <a:tab pos="1371600" algn="l"/>
+                  <a:tab pos="1828800" algn="l"/>
+                  <a:tab pos="2286000" algn="l"/>
+                  <a:tab pos="2743200" algn="l"/>
+                  <a:tab pos="3200400" algn="l"/>
+                  <a:tab pos="3657600" algn="l"/>
+                  <a:tab pos="4114800" algn="l"/>
+                  <a:tab pos="4572000" algn="l"/>
+                  <a:tab pos="5029200" algn="l"/>
+                  <a:tab pos="5486400" algn="l"/>
+                  <a:tab pos="5943600" algn="l"/>
+                  <a:tab pos="6400800" algn="l"/>
+                  <a:tab pos="6858000" algn="l"/>
+                  <a:tab pos="7315200" algn="l"/>
+                  <a:tab pos="7772400" algn="l"/>
+                  <a:tab pos="8229600" algn="l"/>
+                  <a:tab pos="8686800" algn="l"/>
+                  <a:tab pos="9144000" algn="l"/>
+                </a:tabLst>
+                <a:defRPr sz="2400">
+                  <a:solidFill>
+                    <a:schemeClr val="tx1"/>
+                  </a:solidFill>
+                  <a:latin typeface="Arial Narrow" pitchFamily="34" charset="0"/>
+                  <a:ea typeface="ヒラギノ角ゴ Pro W3" charset="-128"/>
+                </a:defRPr>
+              </a:lvl9pPr>
+            </a:lstStyle>
+            <a:p>
+              <a:pPr eaLnBrk="1" hangingPunct="1">
+                <a:spcBef>
+                  <a:spcPts val="0"/>
+                </a:spcBef>
+                <a:buClr>
+                  <a:srgbClr val="000000"/>
+                </a:buClr>
+                <a:buNone/>
+              </a:pPr>
+              <a:r>
+                <a:rPr lang="en-US" altLang="ko-KR" sz="1100" i="1" dirty="0">
+                  <a:solidFill>
+                    <a:srgbClr val="003B6E"/>
+                  </a:solidFill>
+                  <a:latin typeface="+mn-lt"/>
+                  <a:ea typeface="Gulim" pitchFamily="34" charset="-127"/>
+                  <a:cs typeface="Arial Unicode MS" pitchFamily="34" charset="-128"/>
+                </a:rPr>
+                <a:t>Externally Implemented</a:t>
+              </a:r>
+            </a:p>
+          </p:txBody>
+        </p:sp>
+      </p:grpSp>
+      <p:sp>
+        <p:nvSpPr>
+          <p:cNvPr id="8" name="Bent Arrow 7"/>
+          <p:cNvSpPr/>
+          <p:nvPr/>
+        </p:nvSpPr>
+        <p:spPr>
+          <a:xfrm rot="10800000">
+            <a:off x="6447558" y="2015055"/>
+            <a:ext cx="1560749" cy="1531562"/>
+          </a:xfrm>
+          <a:prstGeom prst="bentArrow">
+            <a:avLst>
+              <a:gd name="adj1" fmla="val 25000"/>
+              <a:gd name="adj2" fmla="val 24425"/>
+              <a:gd name="adj3" fmla="val 25000"/>
+              <a:gd name="adj4" fmla="val 43750"/>
+            </a:avLst>
+          </a:prstGeom>
+          <a:solidFill>
+            <a:srgbClr val="C00000"/>
+          </a:solidFill>
+          <a:ln>
+            <a:solidFill>
+              <a:schemeClr val="bg1"/>
+            </a:solidFill>
+          </a:ln>
+        </p:spPr>
+        <p:style>
+          <a:lnRef idx="2">
+            <a:schemeClr val="accent1">
+              <a:shade val="50000"/>
+            </a:schemeClr>
+          </a:lnRef>
+          <a:fillRef idx="1">
+            <a:schemeClr val="accent1"/>
+          </a:fillRef>
+          <a:effectRef idx="0">
+            <a:schemeClr val="accent1"/>
+          </a:effectRef>
+          <a:fontRef idx="minor">
+            <a:schemeClr val="lt1"/>
+          </a:fontRef>
+        </p:style>
+        <p:txBody>
+          <a:bodyPr rtlCol="0" anchor="ctr"/>
+          <a:lstStyle/>
+          <a:p>
+            <a:pPr algn="ctr"/>
+            <a:endParaRPr lang="en-US">
+              <a:solidFill>
+                <a:schemeClr val="tx1"/>
+              </a:solidFill>
+            </a:endParaRPr>
+          </a:p>
+        </p:txBody>
+      </p:sp>
+      <p:sp>
+        <p:nvSpPr>
+          <p:cNvPr id="54" name="Striped Right Arrow 53"/>
+          <p:cNvSpPr/>
+          <p:nvPr/>
+        </p:nvSpPr>
+        <p:spPr bwMode="auto">
+          <a:xfrm rot="10800000">
+            <a:off x="2504446" y="2966331"/>
+            <a:ext cx="476985" cy="484632"/>
+          </a:xfrm>
+          <a:prstGeom prst="stripedRightArrow">
+            <a:avLst>
+              <a:gd name="adj1" fmla="val 50000"/>
+              <a:gd name="adj2" fmla="val 51196"/>
+            </a:avLst>
+          </a:prstGeom>
+          <a:solidFill>
+            <a:srgbClr val="C50006"/>
+          </a:solidFill>
+          <a:ln w="9525" cap="flat" cmpd="sng" algn="ctr">
+            <a:noFill/>
+            <a:prstDash val="solid"/>
+            <a:round/>
+            <a:headEnd type="none" w="med" len="med"/>
+            <a:tailEnd type="none" w="med" len="med"/>
+          </a:ln>
+          <a:effectLst/>
+        </p:spPr>
+        <p:txBody>
+          <a:bodyPr vert="horz" wrap="square" lIns="91440" tIns="45720" rIns="91440" bIns="45720" numCol="1" rtlCol="0" anchor="t" anchorCtr="0" compatLnSpc="1">
+            <a:prstTxWarp prst="textNoShape">
+              <a:avLst/>
+            </a:prstTxWarp>
+          </a:bodyPr>
+          <a:lstStyle/>
+          <a:p>
+            <a:pPr marL="0" marR="0" indent="0" algn="l" defTabSz="914400" rtl="0" eaLnBrk="0" fontAlgn="base" latinLnBrk="0" hangingPunct="0">
+              <a:lnSpc>
+                <a:spcPct val="100000"/>
+              </a:lnSpc>
+              <a:spcBef>
+                <a:spcPct val="0"/>
+              </a:spcBef>
+              <a:spcAft>
+                <a:spcPct val="0"/>
+              </a:spcAft>
+              <a:buClrTx/>
+              <a:buSzTx/>
+              <a:buFontTx/>
+              <a:buNone/>
+              <a:tabLst/>
+            </a:pPr>
+            <a:endParaRPr kumimoji="0" lang="en-US" sz="2400" b="0" i="0" u="none" strike="noStrike" cap="none" normalizeH="0" baseline="0">
+              <a:ln>
+                <a:noFill/>
+              </a:ln>
+              <a:solidFill>
+                <a:schemeClr val="tx1"/>
+              </a:solidFill>
+              <a:effectLst/>
+              <a:latin typeface="Times" charset="0"/>
+            </a:endParaRPr>
+          </a:p>
+        </p:txBody>
+      </p:sp>
+      <p:grpSp>
+        <p:nvGrpSpPr>
+          <p:cNvPr id="11" name="Group 10"/>
+          <p:cNvGrpSpPr/>
+          <p:nvPr/>
+        </p:nvGrpSpPr>
+        <p:grpSpPr>
+          <a:xfrm>
+            <a:off x="971600" y="2780928"/>
+            <a:ext cx="1469369" cy="999455"/>
+            <a:chOff x="1031714" y="2676548"/>
+            <a:chExt cx="1469369" cy="999455"/>
+          </a:xfrm>
+        </p:grpSpPr>
+        <p:grpSp>
+          <p:nvGrpSpPr>
+            <p:cNvPr id="66" name="Group 65"/>
+            <p:cNvGrpSpPr/>
+            <p:nvPr/>
+          </p:nvGrpSpPr>
+          <p:grpSpPr>
+            <a:xfrm>
+              <a:off x="1031714" y="2676548"/>
+              <a:ext cx="1469369" cy="999455"/>
+              <a:chOff x="3227276" y="2065138"/>
+              <a:chExt cx="1052334" cy="715790"/>
+            </a:xfrm>
+          </p:grpSpPr>
+          <p:sp>
+            <p:nvSpPr>
+              <p:cNvPr id="67" name="Flowchart: Document 66"/>
+              <p:cNvSpPr/>
+              <p:nvPr/>
+            </p:nvSpPr>
+            <p:spPr bwMode="auto">
+              <a:xfrm>
+                <a:off x="3227276" y="2168280"/>
+                <a:ext cx="914400" cy="612648"/>
+              </a:xfrm>
+              <a:prstGeom prst="flowChartDocument">
+                <a:avLst/>
+              </a:prstGeom>
+              <a:solidFill>
+                <a:srgbClr val="0070C0"/>
+              </a:solidFill>
+              <a:ln w="9525" cap="flat" cmpd="sng" algn="ctr">
+                <a:noFill/>
+                <a:prstDash val="solid"/>
+                <a:round/>
+                <a:headEnd type="none" w="med" len="med"/>
+                <a:tailEnd type="none" w="med" len="med"/>
+              </a:ln>
+              <a:effectLst/>
+            </p:spPr>
+            <p:txBody>
+              <a:bodyPr vert="horz" wrap="square" lIns="91440" tIns="45720" rIns="91440" bIns="45720" numCol="1" rtlCol="0" anchor="t" anchorCtr="0" compatLnSpc="1">
+                <a:prstTxWarp prst="textNoShape">
+                  <a:avLst/>
+                </a:prstTxWarp>
+              </a:bodyPr>
+              <a:lstStyle/>
+              <a:p>
+                <a:pPr marL="0" marR="0" indent="0" algn="l" defTabSz="914400" rtl="0" eaLnBrk="0" fontAlgn="base" latinLnBrk="0" hangingPunct="0">
+                  <a:lnSpc>
+                    <a:spcPct val="100000"/>
+                  </a:lnSpc>
+                  <a:spcBef>
+                    <a:spcPct val="0"/>
+                  </a:spcBef>
+                  <a:spcAft>
+                    <a:spcPct val="0"/>
+                  </a:spcAft>
+                  <a:buClrTx/>
+                  <a:buSzTx/>
+                  <a:buFontTx/>
+                  <a:buNone/>
+                  <a:tabLst/>
+                </a:pPr>
+                <a:endParaRPr kumimoji="0" lang="en-US" sz="2400" b="0" i="0" u="none" strike="noStrike" cap="none" normalizeH="0" baseline="0">
+                  <a:ln>
+                    <a:noFill/>
+                  </a:ln>
+                  <a:solidFill>
+                    <a:schemeClr val="tx1"/>
+                  </a:solidFill>
+                  <a:effectLst/>
+                  <a:latin typeface="Times" charset="0"/>
+                </a:endParaRPr>
+              </a:p>
+            </p:txBody>
+          </p:sp>
+          <p:sp>
+            <p:nvSpPr>
+              <p:cNvPr id="68" name="Flowchart: Document 67"/>
+              <p:cNvSpPr/>
+              <p:nvPr/>
+            </p:nvSpPr>
+            <p:spPr bwMode="auto">
+              <a:xfrm>
+                <a:off x="3313640" y="2116709"/>
+                <a:ext cx="914400" cy="612648"/>
+              </a:xfrm>
+              <a:prstGeom prst="flowChartDocument">
+                <a:avLst/>
+              </a:prstGeom>
+              <a:solidFill>
+                <a:srgbClr val="0070C0">
+                  <a:alpha val="20000"/>
+                </a:srgbClr>
+              </a:solidFill>
+              <a:ln w="9525" cap="flat" cmpd="sng" algn="ctr">
+                <a:noFill/>
+                <a:prstDash val="solid"/>
+                <a:round/>
+                <a:headEnd type="none" w="med" len="med"/>
+                <a:tailEnd type="none" w="med" len="med"/>
+              </a:ln>
+              <a:effectLst/>
+            </p:spPr>
+            <p:txBody>
+              <a:bodyPr vert="horz" wrap="square" lIns="91440" tIns="45720" rIns="91440" bIns="45720" numCol="1" rtlCol="0" anchor="t" anchorCtr="0" compatLnSpc="1">
+                <a:prstTxWarp prst="textNoShape">
+                  <a:avLst/>
+                </a:prstTxWarp>
+              </a:bodyPr>
+              <a:lstStyle/>
+              <a:p>
+                <a:pPr marL="0" marR="0" indent="0" algn="l" defTabSz="914400" rtl="0" eaLnBrk="0" fontAlgn="base" latinLnBrk="0" hangingPunct="0">
+                  <a:lnSpc>
+                    <a:spcPct val="100000"/>
+                  </a:lnSpc>
+                  <a:spcBef>
+                    <a:spcPct val="0"/>
+                  </a:spcBef>
+                  <a:spcAft>
+                    <a:spcPct val="0"/>
+                  </a:spcAft>
+                  <a:buClrTx/>
+                  <a:buSzTx/>
+                  <a:buFontTx/>
+                  <a:buNone/>
+                  <a:tabLst/>
+                </a:pPr>
+                <a:endParaRPr kumimoji="0" lang="en-US" sz="2400" b="0" i="0" u="none" strike="noStrike" cap="none" normalizeH="0" baseline="0">
+                  <a:ln>
+                    <a:noFill/>
+                  </a:ln>
+                  <a:solidFill>
+                    <a:schemeClr val="tx1"/>
+                  </a:solidFill>
+                  <a:effectLst/>
+                  <a:latin typeface="Times" charset="0"/>
+                </a:endParaRPr>
+              </a:p>
+            </p:txBody>
+          </p:sp>
+          <p:sp>
+            <p:nvSpPr>
+              <p:cNvPr id="69" name="Flowchart: Document 68"/>
+              <p:cNvSpPr/>
+              <p:nvPr/>
+            </p:nvSpPr>
+            <p:spPr bwMode="auto">
+              <a:xfrm>
+                <a:off x="3365210" y="2065138"/>
+                <a:ext cx="914400" cy="612648"/>
+              </a:xfrm>
+              <a:prstGeom prst="flowChartDocument">
+                <a:avLst/>
+              </a:prstGeom>
+              <a:solidFill>
+                <a:srgbClr val="0070C0">
+                  <a:alpha val="20000"/>
+                </a:srgbClr>
+              </a:solidFill>
+              <a:ln w="9525" cap="flat" cmpd="sng" algn="ctr">
+                <a:noFill/>
+                <a:prstDash val="solid"/>
+                <a:round/>
+                <a:headEnd type="none" w="med" len="med"/>
+                <a:tailEnd type="none" w="med" len="med"/>
+              </a:ln>
+              <a:effectLst/>
+            </p:spPr>
+            <p:txBody>
+              <a:bodyPr vert="horz" wrap="square" lIns="91440" tIns="45720" rIns="91440" bIns="45720" numCol="1" rtlCol="0" anchor="t" anchorCtr="0" compatLnSpc="1">
+                <a:prstTxWarp prst="textNoShape">
+                  <a:avLst/>
+                </a:prstTxWarp>
+              </a:bodyPr>
+              <a:lstStyle/>
+              <a:p>
+                <a:pPr marL="0" marR="0" indent="0" algn="l" defTabSz="914400" rtl="0" eaLnBrk="0" fontAlgn="base" latinLnBrk="0" hangingPunct="0">
+                  <a:lnSpc>
+                    <a:spcPct val="100000"/>
+                  </a:lnSpc>
+                  <a:spcBef>
+                    <a:spcPct val="0"/>
+                  </a:spcBef>
+                  <a:spcAft>
+                    <a:spcPct val="0"/>
+                  </a:spcAft>
+                  <a:buClrTx/>
+                  <a:buSzTx/>
+                  <a:buFontTx/>
+                  <a:buNone/>
+                  <a:tabLst/>
+                </a:pPr>
+                <a:endParaRPr kumimoji="0" lang="en-US" sz="2400" b="0" i="0" u="none" strike="noStrike" cap="none" normalizeH="0" baseline="0">
+                  <a:ln>
+                    <a:noFill/>
+                  </a:ln>
+                  <a:solidFill>
+                    <a:schemeClr val="tx1"/>
+                  </a:solidFill>
+                  <a:effectLst/>
+                  <a:latin typeface="Times" charset="0"/>
+                </a:endParaRPr>
+              </a:p>
+            </p:txBody>
+          </p:sp>
+        </p:grpSp>
+        <p:sp>
+          <p:nvSpPr>
+            <p:cNvPr id="70" name="Rectangle 69"/>
+            <p:cNvSpPr/>
+            <p:nvPr/>
+          </p:nvSpPr>
+          <p:spPr>
+            <a:xfrm>
+              <a:off x="1067581" y="3034518"/>
+              <a:ext cx="1130871" cy="400110"/>
+            </a:xfrm>
+            <a:prstGeom prst="rect">
+              <a:avLst/>
+            </a:prstGeom>
+          </p:spPr>
+          <p:txBody>
+            <a:bodyPr wrap="square">
+              <a:spAutoFit/>
+            </a:bodyPr>
+            <a:lstStyle/>
+            <a:p>
+              <a:pPr algn="ctr"/>
+              <a:r>
+                <a:rPr lang="en-US" sz="2000" b="1" dirty="0">
+                  <a:solidFill>
+                    <a:schemeClr val="bg1"/>
+                  </a:solidFill>
+                  <a:latin typeface="+mn-lt"/>
+                </a:rPr>
+                <a:t>CSV</a:t>
+              </a:r>
+            </a:p>
+          </p:txBody>
+        </p:sp>
+      </p:grpSp>
+      <p:sp>
+        <p:nvSpPr>
+          <p:cNvPr id="72" name="TextBox 71"/>
+          <p:cNvSpPr txBox="1"/>
+          <p:nvPr/>
+        </p:nvSpPr>
+        <p:spPr>
+          <a:xfrm>
+            <a:off x="429990" y="2492896"/>
+            <a:ext cx="1621730" cy="307777"/>
+          </a:xfrm>
+          <a:prstGeom prst="rect">
+            <a:avLst/>
+          </a:prstGeom>
+          <a:noFill/>
+          <a:ln w="9525">
+            <a:noFill/>
+          </a:ln>
+        </p:spPr>
+        <p:txBody>
+          <a:bodyPr wrap="square" rtlCol="0" anchor="ctr">
+            <a:spAutoFit/>
+          </a:bodyPr>
+          <a:lstStyle/>
+          <a:p>
+            <a:r>
+              <a:rPr lang="en-US" sz="1400" b="1" dirty="0"/>
+              <a:t>Model Outputs</a:t>
+            </a:r>
+          </a:p>
+        </p:txBody>
+      </p:sp>
+      <p:grpSp>
+        <p:nvGrpSpPr>
+          <p:cNvPr id="2" name="Group 1"/>
+          <p:cNvGrpSpPr/>
+          <p:nvPr/>
+        </p:nvGrpSpPr>
+        <p:grpSpPr>
+          <a:xfrm>
+            <a:off x="3059834" y="4291735"/>
+            <a:ext cx="3312365" cy="2233609"/>
+            <a:chOff x="3211191" y="4437112"/>
+            <a:chExt cx="2440928" cy="2083388"/>
+          </a:xfrm>
+        </p:grpSpPr>
+        <p:grpSp>
+          <p:nvGrpSpPr>
+            <p:cNvPr id="73" name="Group 72"/>
+            <p:cNvGrpSpPr/>
+            <p:nvPr/>
+          </p:nvGrpSpPr>
+          <p:grpSpPr>
+            <a:xfrm>
+              <a:off x="3211191" y="4437112"/>
+              <a:ext cx="2440928" cy="2083388"/>
+              <a:chOff x="4690611" y="2310279"/>
+              <a:chExt cx="2676155" cy="1822067"/>
+            </a:xfrm>
+          </p:grpSpPr>
+          <p:sp>
+            <p:nvSpPr>
+              <p:cNvPr id="74" name="Text Box 11"/>
+              <p:cNvSpPr txBox="1">
+                <a:spLocks noChangeArrowheads="1"/>
+              </p:cNvSpPr>
+              <p:nvPr/>
+            </p:nvSpPr>
+            <p:spPr bwMode="auto">
+              <a:xfrm>
+                <a:off x="4690611" y="2310279"/>
+                <a:ext cx="2676155" cy="1822067"/>
+              </a:xfrm>
+              <a:prstGeom prst="rect">
+                <a:avLst/>
+              </a:prstGeom>
+              <a:solidFill>
+                <a:srgbClr val="FFFFFF"/>
+              </a:solidFill>
+              <a:ln w="6350">
+                <a:solidFill>
+                  <a:schemeClr val="tx1"/>
+                </a:solidFill>
+                <a:prstDash val="dashDot"/>
+                <a:miter lim="800000"/>
+                <a:headEnd/>
+                <a:tailEnd/>
+              </a:ln>
+            </p:spPr>
+            <p:txBody>
+              <a:bodyPr lIns="90000" tIns="46800" rIns="90000" bIns="46800"/>
+              <a:lstStyle>
+                <a:lvl1pPr defTabSz="457200">
+                  <a:buChar char="•"/>
+                  <a:tabLst>
+                    <a:tab pos="0" algn="l"/>
+                    <a:tab pos="457200" algn="l"/>
+                    <a:tab pos="914400" algn="l"/>
+                    <a:tab pos="1371600" algn="l"/>
+                    <a:tab pos="1828800" algn="l"/>
+                    <a:tab pos="2286000" algn="l"/>
+                    <a:tab pos="2743200" algn="l"/>
+                    <a:tab pos="3200400" algn="l"/>
+                    <a:tab pos="3657600" algn="l"/>
+                    <a:tab pos="4114800" algn="l"/>
+                    <a:tab pos="4572000" algn="l"/>
+                    <a:tab pos="5029200" algn="l"/>
+                    <a:tab pos="5486400" algn="l"/>
+                    <a:tab pos="5943600" algn="l"/>
+                    <a:tab pos="6400800" algn="l"/>
+                    <a:tab pos="6858000" algn="l"/>
+                    <a:tab pos="7315200" algn="l"/>
+                    <a:tab pos="7772400" algn="l"/>
+                    <a:tab pos="8229600" algn="l"/>
+                    <a:tab pos="8686800" algn="l"/>
+                    <a:tab pos="9144000" algn="l"/>
+                  </a:tabLst>
+                  <a:defRPr sz="2400">
+                    <a:solidFill>
+                      <a:schemeClr val="tx1"/>
+                    </a:solidFill>
+                    <a:latin typeface="Arial Narrow" pitchFamily="34" charset="0"/>
+                    <a:ea typeface="ヒラギノ角ゴ Pro W3" charset="-128"/>
+                  </a:defRPr>
+                </a:lvl1pPr>
+                <a:lvl2pPr marL="742950" indent="-285750" defTabSz="457200">
+                  <a:buClr>
+                    <a:schemeClr val="tx1"/>
+                  </a:buClr>
+                  <a:buSzPct val="120000"/>
+                  <a:buChar char="•"/>
+                  <a:tabLst>
+                    <a:tab pos="0" algn="l"/>
+                    <a:tab pos="457200" algn="l"/>
+                    <a:tab pos="914400" algn="l"/>
+                    <a:tab pos="1371600" algn="l"/>
+                    <a:tab pos="1828800" algn="l"/>
+                    <a:tab pos="2286000" algn="l"/>
+                    <a:tab pos="2743200" algn="l"/>
+                    <a:tab pos="3200400" algn="l"/>
+                    <a:tab pos="3657600" algn="l"/>
+                    <a:tab pos="4114800" algn="l"/>
+                    <a:tab pos="4572000" algn="l"/>
+                    <a:tab pos="5029200" algn="l"/>
+                    <a:tab pos="5486400" algn="l"/>
+                    <a:tab pos="5943600" algn="l"/>
+                    <a:tab pos="6400800" algn="l"/>
+                    <a:tab pos="6858000" algn="l"/>
+                    <a:tab pos="7315200" algn="l"/>
+                    <a:tab pos="7772400" algn="l"/>
+                    <a:tab pos="8229600" algn="l"/>
+                    <a:tab pos="8686800" algn="l"/>
+                    <a:tab pos="9144000" algn="l"/>
+                  </a:tabLst>
+                  <a:defRPr sz="2400">
+                    <a:solidFill>
+                      <a:schemeClr val="tx1"/>
+                    </a:solidFill>
+                    <a:latin typeface="Arial Narrow" pitchFamily="34" charset="0"/>
+                    <a:ea typeface="ヒラギノ角ゴ Pro W3" charset="-128"/>
+                  </a:defRPr>
+                </a:lvl2pPr>
+                <a:lvl3pPr marL="1143000" indent="-228600" defTabSz="457200">
+                  <a:buFont typeface="Times" pitchFamily="18" charset="0"/>
+                  <a:buChar char="–"/>
+                  <a:tabLst>
+                    <a:tab pos="0" algn="l"/>
+                    <a:tab pos="457200" algn="l"/>
+                    <a:tab pos="914400" algn="l"/>
+                    <a:tab pos="1371600" algn="l"/>
+                    <a:tab pos="1828800" algn="l"/>
+                    <a:tab pos="2286000" algn="l"/>
+                    <a:tab pos="2743200" algn="l"/>
+                    <a:tab pos="3200400" algn="l"/>
+                    <a:tab pos="3657600" algn="l"/>
+                    <a:tab pos="4114800" algn="l"/>
+                    <a:tab pos="4572000" algn="l"/>
+                    <a:tab pos="5029200" algn="l"/>
+                    <a:tab pos="5486400" algn="l"/>
+                    <a:tab pos="5943600" algn="l"/>
+                    <a:tab pos="6400800" algn="l"/>
+                    <a:tab pos="6858000" algn="l"/>
+                    <a:tab pos="7315200" algn="l"/>
+                    <a:tab pos="7772400" algn="l"/>
+                    <a:tab pos="8229600" algn="l"/>
+                    <a:tab pos="8686800" algn="l"/>
+                    <a:tab pos="9144000" algn="l"/>
+                  </a:tabLst>
+                  <a:defRPr sz="1700">
+                    <a:solidFill>
+                      <a:schemeClr val="tx1"/>
+                    </a:solidFill>
+                    <a:latin typeface="Arial Narrow" pitchFamily="34" charset="0"/>
+                    <a:ea typeface="MS PGothic" pitchFamily="34" charset="-128"/>
+                  </a:defRPr>
+                </a:lvl3pPr>
+                <a:lvl4pPr marL="1600200" indent="-228600" defTabSz="457200">
+                  <a:buFont typeface="Lucida Grande" charset="0"/>
+                  <a:buChar char="–"/>
+                  <a:tabLst>
+                    <a:tab pos="0" algn="l"/>
+                    <a:tab pos="457200" algn="l"/>
+                    <a:tab pos="914400" algn="l"/>
+                    <a:tab pos="1371600" algn="l"/>
+                    <a:tab pos="1828800" algn="l"/>
+                    <a:tab pos="2286000" algn="l"/>
+                    <a:tab pos="2743200" algn="l"/>
+                    <a:tab pos="3200400" algn="l"/>
+                    <a:tab pos="3657600" algn="l"/>
+                    <a:tab pos="4114800" algn="l"/>
+                    <a:tab pos="4572000" algn="l"/>
+                    <a:tab pos="5029200" algn="l"/>
+                    <a:tab pos="5486400" algn="l"/>
+                    <a:tab pos="5943600" algn="l"/>
+                    <a:tab pos="6400800" algn="l"/>
+                    <a:tab pos="6858000" algn="l"/>
+                    <a:tab pos="7315200" algn="l"/>
+                    <a:tab pos="7772400" algn="l"/>
+                    <a:tab pos="8229600" algn="l"/>
+                    <a:tab pos="8686800" algn="l"/>
+                    <a:tab pos="9144000" algn="l"/>
+                  </a:tabLst>
+                  <a:defRPr sz="2400">
+                    <a:solidFill>
+                      <a:schemeClr val="tx1"/>
+                    </a:solidFill>
+                    <a:latin typeface="Arial Narrow" pitchFamily="34" charset="0"/>
+                    <a:ea typeface="MS PGothic" pitchFamily="34" charset="-128"/>
+                  </a:defRPr>
+                </a:lvl4pPr>
+                <a:lvl5pPr marL="2057400" indent="-228600" defTabSz="457200">
+                  <a:buFont typeface="Lucida Grande" charset="0"/>
+                  <a:buChar char="–"/>
+                  <a:tabLst>
+                    <a:tab pos="0" algn="l"/>
+                    <a:tab pos="457200" algn="l"/>
+                    <a:tab pos="914400" algn="l"/>
+                    <a:tab pos="1371600" algn="l"/>
+                    <a:tab pos="1828800" algn="l"/>
+                    <a:tab pos="2286000" algn="l"/>
+                    <a:tab pos="2743200" algn="l"/>
+                    <a:tab pos="3200400" algn="l"/>
+                    <a:tab pos="3657600" algn="l"/>
+                    <a:tab pos="4114800" algn="l"/>
+                    <a:tab pos="4572000" algn="l"/>
+                    <a:tab pos="5029200" algn="l"/>
+                    <a:tab pos="5486400" algn="l"/>
+                    <a:tab pos="5943600" algn="l"/>
+                    <a:tab pos="6400800" algn="l"/>
+                    <a:tab pos="6858000" algn="l"/>
+                    <a:tab pos="7315200" algn="l"/>
+                    <a:tab pos="7772400" algn="l"/>
+                    <a:tab pos="8229600" algn="l"/>
+                    <a:tab pos="8686800" algn="l"/>
+                    <a:tab pos="9144000" algn="l"/>
+                  </a:tabLst>
+                  <a:defRPr sz="2400">
+                    <a:solidFill>
+                      <a:schemeClr val="tx1"/>
+                    </a:solidFill>
+                    <a:latin typeface="Arial Narrow" pitchFamily="34" charset="0"/>
+                    <a:ea typeface="ヒラギノ角ゴ Pro W3" charset="-128"/>
+                  </a:defRPr>
+                </a:lvl5pPr>
+                <a:lvl6pPr marL="2514600" indent="-228600" defTabSz="457200" eaLnBrk="0" fontAlgn="base" hangingPunct="0">
+                  <a:lnSpc>
+                    <a:spcPct val="110000"/>
+                  </a:lnSpc>
+                  <a:spcBef>
+                    <a:spcPct val="0"/>
+                  </a:spcBef>
+                  <a:spcAft>
+                    <a:spcPct val="0"/>
+                  </a:spcAft>
+                  <a:buFont typeface="Lucida Grande" charset="0"/>
+                  <a:buChar char="–"/>
+                  <a:tabLst>
+                    <a:tab pos="0" algn="l"/>
+                    <a:tab pos="457200" algn="l"/>
+                    <a:tab pos="914400" algn="l"/>
+                    <a:tab pos="1371600" algn="l"/>
+                    <a:tab pos="1828800" algn="l"/>
+                    <a:tab pos="2286000" algn="l"/>
+                    <a:tab pos="2743200" algn="l"/>
+                    <a:tab pos="3200400" algn="l"/>
+                    <a:tab pos="3657600" algn="l"/>
+                    <a:tab pos="4114800" algn="l"/>
+                    <a:tab pos="4572000" algn="l"/>
+                    <a:tab pos="5029200" algn="l"/>
+                    <a:tab pos="5486400" algn="l"/>
+                    <a:tab pos="5943600" algn="l"/>
+                    <a:tab pos="6400800" algn="l"/>
+                    <a:tab pos="6858000" algn="l"/>
+                    <a:tab pos="7315200" algn="l"/>
+                    <a:tab pos="7772400" algn="l"/>
+                    <a:tab pos="8229600" algn="l"/>
+                    <a:tab pos="8686800" algn="l"/>
+                    <a:tab pos="9144000" algn="l"/>
+                  </a:tabLst>
+                  <a:defRPr sz="2400">
+                    <a:solidFill>
+                      <a:schemeClr val="tx1"/>
+                    </a:solidFill>
+                    <a:latin typeface="Arial Narrow" pitchFamily="34" charset="0"/>
+                    <a:ea typeface="ヒラギノ角ゴ Pro W3" charset="-128"/>
+                  </a:defRPr>
+                </a:lvl6pPr>
+                <a:lvl7pPr marL="2971800" indent="-228600" defTabSz="457200" eaLnBrk="0" fontAlgn="base" hangingPunct="0">
+                  <a:lnSpc>
+                    <a:spcPct val="110000"/>
+                  </a:lnSpc>
+                  <a:spcBef>
+                    <a:spcPct val="0"/>
+                  </a:spcBef>
+                  <a:spcAft>
+                    <a:spcPct val="0"/>
+                  </a:spcAft>
+                  <a:buFont typeface="Lucida Grande" charset="0"/>
+                  <a:buChar char="–"/>
+                  <a:tabLst>
+                    <a:tab pos="0" algn="l"/>
+                    <a:tab pos="457200" algn="l"/>
+                    <a:tab pos="914400" algn="l"/>
+                    <a:tab pos="1371600" algn="l"/>
+                    <a:tab pos="1828800" algn="l"/>
+                    <a:tab pos="2286000" algn="l"/>
+                    <a:tab pos="2743200" algn="l"/>
+                    <a:tab pos="3200400" algn="l"/>
+                    <a:tab pos="3657600" algn="l"/>
+                    <a:tab pos="4114800" algn="l"/>
+                    <a:tab pos="4572000" algn="l"/>
+                    <a:tab pos="5029200" algn="l"/>
+                    <a:tab pos="5486400" algn="l"/>
+                    <a:tab pos="5943600" algn="l"/>
+                    <a:tab pos="6400800" algn="l"/>
+                    <a:tab pos="6858000" algn="l"/>
+                    <a:tab pos="7315200" algn="l"/>
+                    <a:tab pos="7772400" algn="l"/>
+                    <a:tab pos="8229600" algn="l"/>
+                    <a:tab pos="8686800" algn="l"/>
+                    <a:tab pos="9144000" algn="l"/>
+                  </a:tabLst>
+                  <a:defRPr sz="2400">
+                    <a:solidFill>
+                      <a:schemeClr val="tx1"/>
+                    </a:solidFill>
+                    <a:latin typeface="Arial Narrow" pitchFamily="34" charset="0"/>
+                    <a:ea typeface="ヒラギノ角ゴ Pro W3" charset="-128"/>
+                  </a:defRPr>
+                </a:lvl7pPr>
+                <a:lvl8pPr marL="3429000" indent="-228600" defTabSz="457200" eaLnBrk="0" fontAlgn="base" hangingPunct="0">
+                  <a:lnSpc>
+                    <a:spcPct val="110000"/>
+                  </a:lnSpc>
+                  <a:spcBef>
+                    <a:spcPct val="0"/>
+                  </a:spcBef>
+                  <a:spcAft>
+                    <a:spcPct val="0"/>
+                  </a:spcAft>
+                  <a:buFont typeface="Lucida Grande" charset="0"/>
+                  <a:buChar char="–"/>
+                  <a:tabLst>
+                    <a:tab pos="0" algn="l"/>
+                    <a:tab pos="457200" algn="l"/>
+                    <a:tab pos="914400" algn="l"/>
+                    <a:tab pos="1371600" algn="l"/>
+                    <a:tab pos="1828800" algn="l"/>
+                    <a:tab pos="2286000" algn="l"/>
+                    <a:tab pos="2743200" algn="l"/>
+                    <a:tab pos="3200400" algn="l"/>
+                    <a:tab pos="3657600" algn="l"/>
+                    <a:tab pos="4114800" algn="l"/>
+                    <a:tab pos="4572000" algn="l"/>
+                    <a:tab pos="5029200" algn="l"/>
+                    <a:tab pos="5486400" algn="l"/>
+                    <a:tab pos="5943600" algn="l"/>
+                    <a:tab pos="6400800" algn="l"/>
+                    <a:tab pos="6858000" algn="l"/>
+                    <a:tab pos="7315200" algn="l"/>
+                    <a:tab pos="7772400" algn="l"/>
+                    <a:tab pos="8229600" algn="l"/>
+                    <a:tab pos="8686800" algn="l"/>
+                    <a:tab pos="9144000" algn="l"/>
+                  </a:tabLst>
+                  <a:defRPr sz="2400">
+                    <a:solidFill>
+                      <a:schemeClr val="tx1"/>
+                    </a:solidFill>
+                    <a:latin typeface="Arial Narrow" pitchFamily="34" charset="0"/>
+                    <a:ea typeface="ヒラギノ角ゴ Pro W3" charset="-128"/>
+                  </a:defRPr>
+                </a:lvl8pPr>
+                <a:lvl9pPr marL="3886200" indent="-228600" defTabSz="457200" eaLnBrk="0" fontAlgn="base" hangingPunct="0">
+                  <a:lnSpc>
+                    <a:spcPct val="110000"/>
+                  </a:lnSpc>
+                  <a:spcBef>
+                    <a:spcPct val="0"/>
+                  </a:spcBef>
+                  <a:spcAft>
+                    <a:spcPct val="0"/>
+                  </a:spcAft>
+                  <a:buFont typeface="Lucida Grande" charset="0"/>
+                  <a:buChar char="–"/>
+                  <a:tabLst>
+                    <a:tab pos="0" algn="l"/>
+                    <a:tab pos="457200" algn="l"/>
+                    <a:tab pos="914400" algn="l"/>
+                    <a:tab pos="1371600" algn="l"/>
+                    <a:tab pos="1828800" algn="l"/>
+                    <a:tab pos="2286000" algn="l"/>
+                    <a:tab pos="2743200" algn="l"/>
+                    <a:tab pos="3200400" algn="l"/>
+                    <a:tab pos="3657600" algn="l"/>
+                    <a:tab pos="4114800" algn="l"/>
+                    <a:tab pos="4572000" algn="l"/>
+                    <a:tab pos="5029200" algn="l"/>
+                    <a:tab pos="5486400" algn="l"/>
+                    <a:tab pos="5943600" algn="l"/>
+                    <a:tab pos="6400800" algn="l"/>
+                    <a:tab pos="6858000" algn="l"/>
+                    <a:tab pos="7315200" algn="l"/>
+                    <a:tab pos="7772400" algn="l"/>
+                    <a:tab pos="8229600" algn="l"/>
+                    <a:tab pos="8686800" algn="l"/>
+                    <a:tab pos="9144000" algn="l"/>
+                  </a:tabLst>
+                  <a:defRPr sz="2400">
+                    <a:solidFill>
+                      <a:schemeClr val="tx1"/>
+                    </a:solidFill>
+                    <a:latin typeface="Arial Narrow" pitchFamily="34" charset="0"/>
+                    <a:ea typeface="ヒラギノ角ゴ Pro W3" charset="-128"/>
+                  </a:defRPr>
+                </a:lvl9pPr>
+              </a:lstStyle>
+              <a:p>
+                <a:pPr eaLnBrk="1" hangingPunct="1">
+                  <a:lnSpc>
+                    <a:spcPct val="100000"/>
+                  </a:lnSpc>
+                  <a:buClr>
+                    <a:srgbClr val="000000"/>
+                  </a:buClr>
+                  <a:buFont typeface="Times New Roman" pitchFamily="18" charset="0"/>
+                  <a:buNone/>
+                </a:pPr>
+                <a:r>
+                  <a:rPr lang="en-US" altLang="ko-KR" sz="1400" dirty="0">
+                    <a:solidFill>
+                      <a:srgbClr val="C50006"/>
+                    </a:solidFill>
+                    <a:latin typeface="+mn-lt"/>
+                    <a:ea typeface="Gulim" pitchFamily="34" charset="-127"/>
+                    <a:cs typeface="Arial Unicode MS" pitchFamily="34" charset="-128"/>
+                  </a:rPr>
+                  <a:t>Sensitivity Analysis </a:t>
+                </a:r>
+                <a:br>
+                  <a:rPr lang="en-US" altLang="ko-KR" sz="1400" dirty="0">
+                    <a:solidFill>
+                      <a:srgbClr val="C50006"/>
+                    </a:solidFill>
+                    <a:latin typeface="+mn-lt"/>
+                    <a:ea typeface="Gulim" pitchFamily="34" charset="-127"/>
+                    <a:cs typeface="Arial Unicode MS" pitchFamily="34" charset="-128"/>
+                  </a:rPr>
+                </a:br>
+                <a:r>
+                  <a:rPr lang="en-US" altLang="ko-KR" sz="1400" dirty="0">
+                    <a:solidFill>
+                      <a:srgbClr val="C50006"/>
+                    </a:solidFill>
+                    <a:latin typeface="+mn-lt"/>
+                    <a:ea typeface="Gulim" pitchFamily="34" charset="-127"/>
+                    <a:cs typeface="Arial Unicode MS" pitchFamily="34" charset="-128"/>
+                  </a:rPr>
+                  <a:t>Post-processor Modules</a:t>
+                </a:r>
+              </a:p>
+            </p:txBody>
+          </p:sp>
+          <p:sp>
+            <p:nvSpPr>
+              <p:cNvPr id="75" name="Text Box 12"/>
+              <p:cNvSpPr txBox="1">
+                <a:spLocks noChangeArrowheads="1"/>
+              </p:cNvSpPr>
+              <p:nvPr/>
+            </p:nvSpPr>
+            <p:spPr bwMode="auto">
+              <a:xfrm>
+                <a:off x="4761034" y="2722575"/>
+                <a:ext cx="2547356" cy="456849"/>
+              </a:xfrm>
+              <a:prstGeom prst="rect">
+                <a:avLst/>
+              </a:prstGeom>
+              <a:solidFill>
+                <a:schemeClr val="bg1">
+                  <a:lumMod val="85000"/>
+                </a:schemeClr>
+              </a:solidFill>
+              <a:ln w="9360">
+                <a:solidFill>
+                  <a:schemeClr val="tx1"/>
+                </a:solidFill>
+                <a:prstDash val="dashDot"/>
+                <a:miter lim="800000"/>
+                <a:headEnd/>
+                <a:tailEnd/>
+              </a:ln>
+            </p:spPr>
+            <p:txBody>
+              <a:bodyPr wrap="square" lIns="90000" tIns="46800" rIns="90000" bIns="46800" anchor="ctr">
+                <a:noAutofit/>
+              </a:bodyPr>
+              <a:lstStyle>
+                <a:lvl1pPr defTabSz="457200">
+                  <a:buChar char="•"/>
+                  <a:tabLst>
+                    <a:tab pos="0" algn="l"/>
+                    <a:tab pos="457200" algn="l"/>
+                    <a:tab pos="914400" algn="l"/>
+                    <a:tab pos="1371600" algn="l"/>
+                    <a:tab pos="1828800" algn="l"/>
+                    <a:tab pos="2286000" algn="l"/>
+                    <a:tab pos="2743200" algn="l"/>
+                    <a:tab pos="3200400" algn="l"/>
+                    <a:tab pos="3657600" algn="l"/>
+                    <a:tab pos="4114800" algn="l"/>
+                    <a:tab pos="4572000" algn="l"/>
+                    <a:tab pos="5029200" algn="l"/>
+                    <a:tab pos="5486400" algn="l"/>
+                    <a:tab pos="5943600" algn="l"/>
+                    <a:tab pos="6400800" algn="l"/>
+                    <a:tab pos="6858000" algn="l"/>
+                    <a:tab pos="7315200" algn="l"/>
+                    <a:tab pos="7772400" algn="l"/>
+                    <a:tab pos="8229600" algn="l"/>
+                    <a:tab pos="8686800" algn="l"/>
+                    <a:tab pos="9144000" algn="l"/>
+                  </a:tabLst>
+                  <a:defRPr sz="2400">
+                    <a:solidFill>
+                      <a:schemeClr val="tx1"/>
+                    </a:solidFill>
+                    <a:latin typeface="Arial Narrow" pitchFamily="34" charset="0"/>
+                    <a:ea typeface="ヒラギノ角ゴ Pro W3" charset="-128"/>
+                  </a:defRPr>
+                </a:lvl1pPr>
+                <a:lvl2pPr marL="742950" indent="-285750" defTabSz="457200">
+                  <a:buClr>
+                    <a:schemeClr val="tx1"/>
+                  </a:buClr>
+                  <a:buSzPct val="120000"/>
+                  <a:buChar char="•"/>
+                  <a:tabLst>
+                    <a:tab pos="0" algn="l"/>
+                    <a:tab pos="457200" algn="l"/>
+                    <a:tab pos="914400" algn="l"/>
+                    <a:tab pos="1371600" algn="l"/>
+                    <a:tab pos="1828800" algn="l"/>
+                    <a:tab pos="2286000" algn="l"/>
+                    <a:tab pos="2743200" algn="l"/>
+                    <a:tab pos="3200400" algn="l"/>
+                    <a:tab pos="3657600" algn="l"/>
+                    <a:tab pos="4114800" algn="l"/>
+                    <a:tab pos="4572000" algn="l"/>
+                    <a:tab pos="5029200" algn="l"/>
+                    <a:tab pos="5486400" algn="l"/>
+                    <a:tab pos="5943600" algn="l"/>
+                    <a:tab pos="6400800" algn="l"/>
+                    <a:tab pos="6858000" algn="l"/>
+                    <a:tab pos="7315200" algn="l"/>
+                    <a:tab pos="7772400" algn="l"/>
+                    <a:tab pos="8229600" algn="l"/>
+                    <a:tab pos="8686800" algn="l"/>
+                    <a:tab pos="9144000" algn="l"/>
+                  </a:tabLst>
+                  <a:defRPr sz="2400">
+                    <a:solidFill>
+                      <a:schemeClr val="tx1"/>
+                    </a:solidFill>
+                    <a:latin typeface="Arial Narrow" pitchFamily="34" charset="0"/>
+                    <a:ea typeface="ヒラギノ角ゴ Pro W3" charset="-128"/>
+                  </a:defRPr>
+                </a:lvl2pPr>
+                <a:lvl3pPr marL="1143000" indent="-228600" defTabSz="457200">
+                  <a:buFont typeface="Times" pitchFamily="18" charset="0"/>
+                  <a:buChar char="–"/>
+                  <a:tabLst>
+                    <a:tab pos="0" algn="l"/>
+                    <a:tab pos="457200" algn="l"/>
+                    <a:tab pos="914400" algn="l"/>
+                    <a:tab pos="1371600" algn="l"/>
+                    <a:tab pos="1828800" algn="l"/>
+                    <a:tab pos="2286000" algn="l"/>
+                    <a:tab pos="2743200" algn="l"/>
+                    <a:tab pos="3200400" algn="l"/>
+                    <a:tab pos="3657600" algn="l"/>
+                    <a:tab pos="4114800" algn="l"/>
+                    <a:tab pos="4572000" algn="l"/>
+                    <a:tab pos="5029200" algn="l"/>
+                    <a:tab pos="5486400" algn="l"/>
+                    <a:tab pos="5943600" algn="l"/>
+                    <a:tab pos="6400800" algn="l"/>
+                    <a:tab pos="6858000" algn="l"/>
+                    <a:tab pos="7315200" algn="l"/>
+                    <a:tab pos="7772400" algn="l"/>
+                    <a:tab pos="8229600" algn="l"/>
+                    <a:tab pos="8686800" algn="l"/>
+                    <a:tab pos="9144000" algn="l"/>
+                  </a:tabLst>
+                  <a:defRPr sz="1700">
+                    <a:solidFill>
+                      <a:schemeClr val="tx1"/>
+                    </a:solidFill>
+                    <a:latin typeface="Arial Narrow" pitchFamily="34" charset="0"/>
+                    <a:ea typeface="MS PGothic" pitchFamily="34" charset="-128"/>
+                  </a:defRPr>
+                </a:lvl3pPr>
+                <a:lvl4pPr marL="1600200" indent="-228600" defTabSz="457200">
+                  <a:buFont typeface="Lucida Grande" charset="0"/>
+                  <a:buChar char="–"/>
+                  <a:tabLst>
+                    <a:tab pos="0" algn="l"/>
+                    <a:tab pos="457200" algn="l"/>
+                    <a:tab pos="914400" algn="l"/>
+                    <a:tab pos="1371600" algn="l"/>
+                    <a:tab pos="1828800" algn="l"/>
+                    <a:tab pos="2286000" algn="l"/>
+                    <a:tab pos="2743200" algn="l"/>
+                    <a:tab pos="3200400" algn="l"/>
+                    <a:tab pos="3657600" algn="l"/>
+                    <a:tab pos="4114800" algn="l"/>
+                    <a:tab pos="4572000" algn="l"/>
+                    <a:tab pos="5029200" algn="l"/>
+                    <a:tab pos="5486400" algn="l"/>
+                    <a:tab pos="5943600" algn="l"/>
+                    <a:tab pos="6400800" algn="l"/>
+                    <a:tab pos="6858000" algn="l"/>
+                    <a:tab pos="7315200" algn="l"/>
+                    <a:tab pos="7772400" algn="l"/>
+                    <a:tab pos="8229600" algn="l"/>
+                    <a:tab pos="8686800" algn="l"/>
+                    <a:tab pos="9144000" algn="l"/>
+                  </a:tabLst>
+                  <a:defRPr sz="2400">
+                    <a:solidFill>
+                      <a:schemeClr val="tx1"/>
+                    </a:solidFill>
+                    <a:latin typeface="Arial Narrow" pitchFamily="34" charset="0"/>
+                    <a:ea typeface="MS PGothic" pitchFamily="34" charset="-128"/>
+                  </a:defRPr>
+                </a:lvl4pPr>
+                <a:lvl5pPr marL="2057400" indent="-228600" defTabSz="457200">
+                  <a:buFont typeface="Lucida Grande" charset="0"/>
+                  <a:buChar char="–"/>
+                  <a:tabLst>
+                    <a:tab pos="0" algn="l"/>
+                    <a:tab pos="457200" algn="l"/>
+                    <a:tab pos="914400" algn="l"/>
+                    <a:tab pos="1371600" algn="l"/>
+                    <a:tab pos="1828800" algn="l"/>
+                    <a:tab pos="2286000" algn="l"/>
+                    <a:tab pos="2743200" algn="l"/>
+                    <a:tab pos="3200400" algn="l"/>
+                    <a:tab pos="3657600" algn="l"/>
+                    <a:tab pos="4114800" algn="l"/>
+                    <a:tab pos="4572000" algn="l"/>
+                    <a:tab pos="5029200" algn="l"/>
+                    <a:tab pos="5486400" algn="l"/>
+                    <a:tab pos="5943600" algn="l"/>
+                    <a:tab pos="6400800" algn="l"/>
+                    <a:tab pos="6858000" algn="l"/>
+                    <a:tab pos="7315200" algn="l"/>
+                    <a:tab pos="7772400" algn="l"/>
+                    <a:tab pos="8229600" algn="l"/>
+                    <a:tab pos="8686800" algn="l"/>
+                    <a:tab pos="9144000" algn="l"/>
+                  </a:tabLst>
+                  <a:defRPr sz="2400">
+                    <a:solidFill>
+                      <a:schemeClr val="tx1"/>
+                    </a:solidFill>
+                    <a:latin typeface="Arial Narrow" pitchFamily="34" charset="0"/>
+                    <a:ea typeface="ヒラギノ角ゴ Pro W3" charset="-128"/>
+                  </a:defRPr>
+                </a:lvl5pPr>
+                <a:lvl6pPr marL="2514600" indent="-228600" defTabSz="457200" eaLnBrk="0" fontAlgn="base" hangingPunct="0">
+                  <a:lnSpc>
+                    <a:spcPct val="110000"/>
+                  </a:lnSpc>
+                  <a:spcBef>
+                    <a:spcPct val="0"/>
+                  </a:spcBef>
+                  <a:spcAft>
+                    <a:spcPct val="0"/>
+                  </a:spcAft>
+                  <a:buFont typeface="Lucida Grande" charset="0"/>
+                  <a:buChar char="–"/>
+                  <a:tabLst>
+                    <a:tab pos="0" algn="l"/>
+                    <a:tab pos="457200" algn="l"/>
+                    <a:tab pos="914400" algn="l"/>
+                    <a:tab pos="1371600" algn="l"/>
+                    <a:tab pos="1828800" algn="l"/>
+                    <a:tab pos="2286000" algn="l"/>
+                    <a:tab pos="2743200" algn="l"/>
+                    <a:tab pos="3200400" algn="l"/>
+                    <a:tab pos="3657600" algn="l"/>
+                    <a:tab pos="4114800" algn="l"/>
+                    <a:tab pos="4572000" algn="l"/>
+                    <a:tab pos="5029200" algn="l"/>
+                    <a:tab pos="5486400" algn="l"/>
+                    <a:tab pos="5943600" algn="l"/>
+                    <a:tab pos="6400800" algn="l"/>
+                    <a:tab pos="6858000" algn="l"/>
+                    <a:tab pos="7315200" algn="l"/>
+                    <a:tab pos="7772400" algn="l"/>
+                    <a:tab pos="8229600" algn="l"/>
+                    <a:tab pos="8686800" algn="l"/>
+                    <a:tab pos="9144000" algn="l"/>
+                  </a:tabLst>
+                  <a:defRPr sz="2400">
+                    <a:solidFill>
+                      <a:schemeClr val="tx1"/>
+                    </a:solidFill>
+                    <a:latin typeface="Arial Narrow" pitchFamily="34" charset="0"/>
+                    <a:ea typeface="ヒラギノ角ゴ Pro W3" charset="-128"/>
+                  </a:defRPr>
+                </a:lvl6pPr>
+                <a:lvl7pPr marL="2971800" indent="-228600" defTabSz="457200" eaLnBrk="0" fontAlgn="base" hangingPunct="0">
+                  <a:lnSpc>
+                    <a:spcPct val="110000"/>
+                  </a:lnSpc>
+                  <a:spcBef>
+                    <a:spcPct val="0"/>
+                  </a:spcBef>
+                  <a:spcAft>
+                    <a:spcPct val="0"/>
+                  </a:spcAft>
+                  <a:buFont typeface="Lucida Grande" charset="0"/>
+                  <a:buChar char="–"/>
+                  <a:tabLst>
+                    <a:tab pos="0" algn="l"/>
+                    <a:tab pos="457200" algn="l"/>
+                    <a:tab pos="914400" algn="l"/>
+                    <a:tab pos="1371600" algn="l"/>
+                    <a:tab pos="1828800" algn="l"/>
+                    <a:tab pos="2286000" algn="l"/>
+                    <a:tab pos="2743200" algn="l"/>
+                    <a:tab pos="3200400" algn="l"/>
+                    <a:tab pos="3657600" algn="l"/>
+                    <a:tab pos="4114800" algn="l"/>
+                    <a:tab pos="4572000" algn="l"/>
+                    <a:tab pos="5029200" algn="l"/>
+                    <a:tab pos="5486400" algn="l"/>
+                    <a:tab pos="5943600" algn="l"/>
+                    <a:tab pos="6400800" algn="l"/>
+                    <a:tab pos="6858000" algn="l"/>
+                    <a:tab pos="7315200" algn="l"/>
+                    <a:tab pos="7772400" algn="l"/>
+                    <a:tab pos="8229600" algn="l"/>
+                    <a:tab pos="8686800" algn="l"/>
+                    <a:tab pos="9144000" algn="l"/>
+                  </a:tabLst>
+                  <a:defRPr sz="2400">
+                    <a:solidFill>
+                      <a:schemeClr val="tx1"/>
+                    </a:solidFill>
+                    <a:latin typeface="Arial Narrow" pitchFamily="34" charset="0"/>
+                    <a:ea typeface="ヒラギノ角ゴ Pro W3" charset="-128"/>
+                  </a:defRPr>
+                </a:lvl7pPr>
+                <a:lvl8pPr marL="3429000" indent="-228600" defTabSz="457200" eaLnBrk="0" fontAlgn="base" hangingPunct="0">
+                  <a:lnSpc>
+                    <a:spcPct val="110000"/>
+                  </a:lnSpc>
+                  <a:spcBef>
+                    <a:spcPct val="0"/>
+                  </a:spcBef>
+                  <a:spcAft>
+                    <a:spcPct val="0"/>
+                  </a:spcAft>
+                  <a:buFont typeface="Lucida Grande" charset="0"/>
+                  <a:buChar char="–"/>
+                  <a:tabLst>
+                    <a:tab pos="0" algn="l"/>
+                    <a:tab pos="457200" algn="l"/>
+                    <a:tab pos="914400" algn="l"/>
+                    <a:tab pos="1371600" algn="l"/>
+                    <a:tab pos="1828800" algn="l"/>
+                    <a:tab pos="2286000" algn="l"/>
+                    <a:tab pos="2743200" algn="l"/>
+                    <a:tab pos="3200400" algn="l"/>
+                    <a:tab pos="3657600" algn="l"/>
+                    <a:tab pos="4114800" algn="l"/>
+                    <a:tab pos="4572000" algn="l"/>
+                    <a:tab pos="5029200" algn="l"/>
+                    <a:tab pos="5486400" algn="l"/>
+                    <a:tab pos="5943600" algn="l"/>
+                    <a:tab pos="6400800" algn="l"/>
+                    <a:tab pos="6858000" algn="l"/>
+                    <a:tab pos="7315200" algn="l"/>
+                    <a:tab pos="7772400" algn="l"/>
+                    <a:tab pos="8229600" algn="l"/>
+                    <a:tab pos="8686800" algn="l"/>
+                    <a:tab pos="9144000" algn="l"/>
+                  </a:tabLst>
+                  <a:defRPr sz="2400">
+                    <a:solidFill>
+                      <a:schemeClr val="tx1"/>
+                    </a:solidFill>
+                    <a:latin typeface="Arial Narrow" pitchFamily="34" charset="0"/>
+                    <a:ea typeface="ヒラギノ角ゴ Pro W3" charset="-128"/>
+                  </a:defRPr>
+                </a:lvl8pPr>
+                <a:lvl9pPr marL="3886200" indent="-228600" defTabSz="457200" eaLnBrk="0" fontAlgn="base" hangingPunct="0">
+                  <a:lnSpc>
+                    <a:spcPct val="110000"/>
+                  </a:lnSpc>
+                  <a:spcBef>
+                    <a:spcPct val="0"/>
+                  </a:spcBef>
+                  <a:spcAft>
+                    <a:spcPct val="0"/>
+                  </a:spcAft>
+                  <a:buFont typeface="Lucida Grande" charset="0"/>
+                  <a:buChar char="–"/>
+                  <a:tabLst>
+                    <a:tab pos="0" algn="l"/>
+                    <a:tab pos="457200" algn="l"/>
+                    <a:tab pos="914400" algn="l"/>
+                    <a:tab pos="1371600" algn="l"/>
+                    <a:tab pos="1828800" algn="l"/>
+                    <a:tab pos="2286000" algn="l"/>
+                    <a:tab pos="2743200" algn="l"/>
+                    <a:tab pos="3200400" algn="l"/>
+                    <a:tab pos="3657600" algn="l"/>
+                    <a:tab pos="4114800" algn="l"/>
+                    <a:tab pos="4572000" algn="l"/>
+                    <a:tab pos="5029200" algn="l"/>
+                    <a:tab pos="5486400" algn="l"/>
+                    <a:tab pos="5943600" algn="l"/>
+                    <a:tab pos="6400800" algn="l"/>
+                    <a:tab pos="6858000" algn="l"/>
+                    <a:tab pos="7315200" algn="l"/>
+                    <a:tab pos="7772400" algn="l"/>
+                    <a:tab pos="8229600" algn="l"/>
+                    <a:tab pos="8686800" algn="l"/>
+                    <a:tab pos="9144000" algn="l"/>
+                  </a:tabLst>
+                  <a:defRPr sz="2400">
+                    <a:solidFill>
+                      <a:schemeClr val="tx1"/>
+                    </a:solidFill>
+                    <a:latin typeface="Arial Narrow" pitchFamily="34" charset="0"/>
+                    <a:ea typeface="ヒラギノ角ゴ Pro W3" charset="-128"/>
+                  </a:defRPr>
+                </a:lvl9pPr>
+              </a:lstStyle>
+              <a:p>
+                <a:pPr marL="85725" indent="-85725" eaLnBrk="1" hangingPunct="1">
+                  <a:spcBef>
+                    <a:spcPts val="0"/>
+                  </a:spcBef>
+                  <a:buClr>
+                    <a:srgbClr val="000000"/>
+                  </a:buClr>
+                </a:pPr>
+                <a:r>
+                  <a:rPr lang="en-US" altLang="ko-KR" sz="1100" dirty="0">
+                    <a:solidFill>
+                      <a:srgbClr val="003B6E"/>
+                    </a:solidFill>
+                    <a:latin typeface="+mn-lt"/>
+                    <a:ea typeface="Gulim" pitchFamily="34" charset="-127"/>
+                    <a:cs typeface="Arial Unicode MS" pitchFamily="34" charset="-128"/>
+                  </a:rPr>
+                  <a:t>1</a:t>
+                </a:r>
+                <a:r>
+                  <a:rPr lang="en-US" altLang="ko-KR" sz="1100" baseline="30000" dirty="0">
+                    <a:solidFill>
+                      <a:srgbClr val="003B6E"/>
+                    </a:solidFill>
+                    <a:latin typeface="+mn-lt"/>
+                    <a:ea typeface="Gulim" pitchFamily="34" charset="-127"/>
+                    <a:cs typeface="Arial Unicode MS" pitchFamily="34" charset="-128"/>
+                  </a:rPr>
+                  <a:t>st</a:t>
+                </a:r>
+                <a:r>
+                  <a:rPr lang="en-US" altLang="ko-KR" sz="1100" dirty="0">
+                    <a:solidFill>
+                      <a:srgbClr val="003B6E"/>
+                    </a:solidFill>
+                    <a:latin typeface="+mn-lt"/>
+                    <a:ea typeface="Gulim" pitchFamily="34" charset="-127"/>
+                    <a:cs typeface="Arial Unicode MS" pitchFamily="34" charset="-128"/>
+                  </a:rPr>
+                  <a:t> Order </a:t>
+                </a:r>
+                <a:r>
+                  <a:rPr lang="en-US" altLang="ko-KR" sz="1100" dirty="0" err="1">
+                    <a:solidFill>
+                      <a:srgbClr val="003B6E"/>
+                    </a:solidFill>
+                    <a:latin typeface="+mn-lt"/>
+                    <a:ea typeface="Gulim" pitchFamily="34" charset="-127"/>
+                    <a:cs typeface="Arial Unicode MS" pitchFamily="34" charset="-128"/>
+                  </a:rPr>
+                  <a:t>Sobol</a:t>
+                </a:r>
+                <a:r>
+                  <a:rPr lang="en-US" altLang="ko-KR" sz="1100" dirty="0">
+                    <a:solidFill>
+                      <a:srgbClr val="003B6E"/>
+                    </a:solidFill>
+                    <a:latin typeface="+mn-lt"/>
+                    <a:ea typeface="Gulim" pitchFamily="34" charset="-127"/>
+                    <a:cs typeface="Arial Unicode MS" pitchFamily="34" charset="-128"/>
+                  </a:rPr>
+                  <a:t>’ Indices </a:t>
+                </a:r>
+                <a:r>
+                  <a:rPr lang="en-US" altLang="ko-KR" sz="1200" dirty="0">
+                    <a:solidFill>
+                      <a:srgbClr val="003B6E"/>
+                    </a:solidFill>
+                    <a:latin typeface="+mj-lt"/>
+                    <a:ea typeface="Gulim" pitchFamily="34" charset="-127"/>
+                    <a:cs typeface="Arial Unicode MS" pitchFamily="34" charset="-128"/>
+                  </a:rPr>
+                  <a:t>(</a:t>
+                </a:r>
+                <a:r>
+                  <a:rPr lang="en-US" altLang="ko-KR" sz="1100" dirty="0" err="1">
+                    <a:solidFill>
+                      <a:srgbClr val="003B6E"/>
+                    </a:solidFill>
+                    <a:latin typeface="Courier New" panose="02070309020205020404" pitchFamily="49" charset="0"/>
+                    <a:ea typeface="Gulim" pitchFamily="34" charset="-127"/>
+                    <a:cs typeface="Courier New" panose="02070309020205020404" pitchFamily="49" charset="0"/>
+                  </a:rPr>
+                  <a:t>sobo</a:t>
+                </a:r>
+                <a:r>
+                  <a:rPr lang="en-US" altLang="ko-KR" sz="1200" dirty="0" err="1">
+                    <a:solidFill>
+                      <a:srgbClr val="003B6E"/>
+                    </a:solidFill>
+                    <a:latin typeface="+mj-lt"/>
+                    <a:ea typeface="Gulim" pitchFamily="34" charset="-127"/>
+                    <a:cs typeface="Arial Unicode MS" pitchFamily="34" charset="-128"/>
+                  </a:rPr>
+                  <a:t>l</a:t>
+                </a:r>
+                <a:r>
+                  <a:rPr lang="en-US" altLang="ko-KR" sz="1200" dirty="0">
+                    <a:solidFill>
+                      <a:srgbClr val="003B6E"/>
+                    </a:solidFill>
+                    <a:latin typeface="+mj-lt"/>
+                    <a:ea typeface="Gulim" pitchFamily="34" charset="-127"/>
+                    <a:cs typeface="Arial Unicode MS" pitchFamily="34" charset="-128"/>
+                  </a:rPr>
+                  <a:t>)</a:t>
+                </a:r>
+              </a:p>
+              <a:p>
+                <a:pPr marL="85725" indent="-85725">
+                  <a:buClr>
+                    <a:srgbClr val="000000"/>
+                  </a:buClr>
+                </a:pPr>
+                <a:r>
+                  <a:rPr lang="en-US" altLang="ko-KR" sz="1100" dirty="0">
+                    <a:solidFill>
+                      <a:srgbClr val="003B6E"/>
+                    </a:solidFill>
+                    <a:latin typeface="+mn-lt"/>
+                    <a:ea typeface="Gulim" pitchFamily="34" charset="-127"/>
+                    <a:cs typeface="Arial Unicode MS" pitchFamily="34" charset="-128"/>
+                  </a:rPr>
+                  <a:t>Total Order </a:t>
+                </a:r>
+                <a:r>
+                  <a:rPr lang="en-US" altLang="ko-KR" sz="1100" dirty="0" err="1">
+                    <a:solidFill>
+                      <a:srgbClr val="003B6E"/>
+                    </a:solidFill>
+                    <a:latin typeface="+mn-lt"/>
+                    <a:ea typeface="Gulim" pitchFamily="34" charset="-127"/>
+                    <a:cs typeface="Arial Unicode MS" pitchFamily="34" charset="-128"/>
+                  </a:rPr>
+                  <a:t>Sobol</a:t>
+                </a:r>
+                <a:r>
+                  <a:rPr lang="en-US" altLang="ko-KR" sz="1100" dirty="0">
+                    <a:solidFill>
+                      <a:srgbClr val="003B6E"/>
+                    </a:solidFill>
+                    <a:latin typeface="+mn-lt"/>
+                    <a:ea typeface="Gulim" pitchFamily="34" charset="-127"/>
+                    <a:cs typeface="Arial Unicode MS" pitchFamily="34" charset="-128"/>
+                  </a:rPr>
+                  <a:t>’ Indices </a:t>
+                </a:r>
+                <a:r>
+                  <a:rPr lang="en-US" altLang="ko-KR" sz="1100" dirty="0">
+                    <a:solidFill>
+                      <a:srgbClr val="003B6E"/>
+                    </a:solidFill>
+                    <a:latin typeface="Courier New" panose="02070309020205020404" pitchFamily="49" charset="0"/>
+                    <a:ea typeface="Gulim" pitchFamily="34" charset="-127"/>
+                    <a:cs typeface="Courier New" panose="02070309020205020404" pitchFamily="49" charset="0"/>
+                  </a:rPr>
+                  <a:t>(</a:t>
+                </a:r>
+                <a:r>
+                  <a:rPr lang="en-US" altLang="ko-KR" sz="1100" dirty="0" err="1">
+                    <a:solidFill>
+                      <a:srgbClr val="003B6E"/>
+                    </a:solidFill>
+                    <a:latin typeface="Courier New" panose="02070309020205020404" pitchFamily="49" charset="0"/>
+                    <a:ea typeface="Gulim" pitchFamily="34" charset="-127"/>
+                    <a:cs typeface="Courier New" panose="02070309020205020404" pitchFamily="49" charset="0"/>
+                  </a:rPr>
+                  <a:t>sobol</a:t>
+                </a:r>
+                <a:r>
+                  <a:rPr lang="en-US" altLang="ko-KR" sz="1100" dirty="0">
+                    <a:solidFill>
+                      <a:srgbClr val="003B6E"/>
+                    </a:solidFill>
+                    <a:latin typeface="Courier New" panose="02070309020205020404" pitchFamily="49" charset="0"/>
+                    <a:ea typeface="Gulim" pitchFamily="34" charset="-127"/>
+                    <a:cs typeface="Courier New" panose="02070309020205020404" pitchFamily="49" charset="0"/>
+                  </a:rPr>
+                  <a:t>)</a:t>
+                </a:r>
+              </a:p>
+              <a:p>
+                <a:pPr marL="85725" indent="-85725">
+                  <a:buClr>
+                    <a:srgbClr val="000000"/>
+                  </a:buClr>
+                </a:pPr>
+                <a:r>
+                  <a:rPr lang="en-US" altLang="ko-KR" sz="1100" dirty="0">
+                    <a:solidFill>
+                      <a:srgbClr val="003B6E"/>
+                    </a:solidFill>
+                    <a:latin typeface="+mn-lt"/>
+                    <a:ea typeface="Gulim" pitchFamily="34" charset="-127"/>
+                    <a:cs typeface="Arial Unicode MS" pitchFamily="34" charset="-128"/>
+                  </a:rPr>
+                  <a:t>Morris Screening Method </a:t>
+                </a:r>
+                <a:r>
+                  <a:rPr lang="en-US" altLang="ko-KR" sz="1100" dirty="0">
+                    <a:solidFill>
+                      <a:srgbClr val="003B6E"/>
+                    </a:solidFill>
+                    <a:latin typeface="Courier New" panose="02070309020205020404" pitchFamily="49" charset="0"/>
+                    <a:ea typeface="Gulim" pitchFamily="34" charset="-127"/>
+                    <a:cs typeface="Courier New" panose="02070309020205020404" pitchFamily="49" charset="0"/>
+                  </a:rPr>
+                  <a:t>(</a:t>
+                </a:r>
+                <a:r>
+                  <a:rPr lang="en-US" altLang="ko-KR" sz="1100" dirty="0" err="1">
+                    <a:solidFill>
+                      <a:srgbClr val="003B6E"/>
+                    </a:solidFill>
+                    <a:latin typeface="Courier New" panose="02070309020205020404" pitchFamily="49" charset="0"/>
+                    <a:ea typeface="Gulim" pitchFamily="34" charset="-127"/>
+                    <a:cs typeface="Courier New" panose="02070309020205020404" pitchFamily="49" charset="0"/>
+                  </a:rPr>
+                  <a:t>morris</a:t>
+                </a:r>
+                <a:r>
+                  <a:rPr lang="en-US" altLang="ko-KR" sz="1000" dirty="0">
+                    <a:solidFill>
+                      <a:srgbClr val="003B6E"/>
+                    </a:solidFill>
+                    <a:latin typeface="Courier New" panose="02070309020205020404" pitchFamily="49" charset="0"/>
+                    <a:ea typeface="Gulim" pitchFamily="34" charset="-127"/>
+                    <a:cs typeface="Courier New" panose="02070309020205020404" pitchFamily="49" charset="0"/>
+                  </a:rPr>
+                  <a:t>)</a:t>
+                </a:r>
+                <a:endParaRPr lang="en-US" altLang="ko-KR" sz="1050" dirty="0">
+                  <a:solidFill>
+                    <a:srgbClr val="003B6E"/>
+                  </a:solidFill>
+                  <a:latin typeface="Courier New" panose="02070309020205020404" pitchFamily="49" charset="0"/>
+                  <a:ea typeface="Gulim" pitchFamily="34" charset="-127"/>
+                  <a:cs typeface="Courier New" panose="02070309020205020404" pitchFamily="49" charset="0"/>
+                </a:endParaRPr>
+              </a:p>
+            </p:txBody>
+          </p:sp>
+        </p:grpSp>
+        <p:sp>
+          <p:nvSpPr>
+            <p:cNvPr id="78" name="Text Box 12"/>
+            <p:cNvSpPr txBox="1">
+              <a:spLocks noChangeArrowheads="1"/>
+            </p:cNvSpPr>
+            <p:nvPr/>
+          </p:nvSpPr>
+          <p:spPr bwMode="auto">
+            <a:xfrm>
+              <a:off x="3276870" y="5482447"/>
+              <a:ext cx="2322004" cy="986895"/>
+            </a:xfrm>
+            <a:prstGeom prst="rect">
+              <a:avLst/>
+            </a:prstGeom>
+            <a:solidFill>
+              <a:schemeClr val="bg1">
+                <a:lumMod val="85000"/>
+              </a:schemeClr>
+            </a:solidFill>
+            <a:ln w="3175">
+              <a:solidFill>
+                <a:schemeClr val="tx1"/>
+              </a:solidFill>
+              <a:prstDash val="dashDot"/>
+              <a:miter lim="800000"/>
+              <a:headEnd/>
+              <a:tailEnd/>
+            </a:ln>
+          </p:spPr>
+          <p:txBody>
+            <a:bodyPr wrap="square" lIns="90000" tIns="46800" rIns="90000" bIns="46800" anchor="ctr">
+              <a:noAutofit/>
+            </a:bodyPr>
+            <a:lstStyle>
+              <a:lvl1pPr defTabSz="457200">
+                <a:buChar char="•"/>
+                <a:tabLst>
+                  <a:tab pos="0" algn="l"/>
+                  <a:tab pos="457200" algn="l"/>
+                  <a:tab pos="914400" algn="l"/>
+                  <a:tab pos="1371600" algn="l"/>
+                  <a:tab pos="1828800" algn="l"/>
+                  <a:tab pos="2286000" algn="l"/>
+                  <a:tab pos="2743200" algn="l"/>
+                  <a:tab pos="3200400" algn="l"/>
+                  <a:tab pos="3657600" algn="l"/>
+                  <a:tab pos="4114800" algn="l"/>
+                  <a:tab pos="4572000" algn="l"/>
+                  <a:tab pos="5029200" algn="l"/>
+                  <a:tab pos="5486400" algn="l"/>
+                  <a:tab pos="5943600" algn="l"/>
+                  <a:tab pos="6400800" algn="l"/>
+                  <a:tab pos="6858000" algn="l"/>
+                  <a:tab pos="7315200" algn="l"/>
+                  <a:tab pos="7772400" algn="l"/>
+                  <a:tab pos="8229600" algn="l"/>
+                  <a:tab pos="8686800" algn="l"/>
+                  <a:tab pos="9144000" algn="l"/>
+                </a:tabLst>
+                <a:defRPr sz="2400">
+                  <a:solidFill>
+                    <a:schemeClr val="tx1"/>
+                  </a:solidFill>
+                  <a:latin typeface="Arial Narrow" pitchFamily="34" charset="0"/>
+                  <a:ea typeface="ヒラギノ角ゴ Pro W3" charset="-128"/>
+                </a:defRPr>
+              </a:lvl1pPr>
+              <a:lvl2pPr marL="742950" indent="-285750" defTabSz="457200">
+                <a:buClr>
+                  <a:schemeClr val="tx1"/>
+                </a:buClr>
+                <a:buSzPct val="120000"/>
+                <a:buChar char="•"/>
+                <a:tabLst>
+                  <a:tab pos="0" algn="l"/>
+                  <a:tab pos="457200" algn="l"/>
+                  <a:tab pos="914400" algn="l"/>
+                  <a:tab pos="1371600" algn="l"/>
+                  <a:tab pos="1828800" algn="l"/>
+                  <a:tab pos="2286000" algn="l"/>
+                  <a:tab pos="2743200" algn="l"/>
+                  <a:tab pos="3200400" algn="l"/>
+                  <a:tab pos="3657600" algn="l"/>
+                  <a:tab pos="4114800" algn="l"/>
+                  <a:tab pos="4572000" algn="l"/>
+                  <a:tab pos="5029200" algn="l"/>
+                  <a:tab pos="5486400" algn="l"/>
+                  <a:tab pos="5943600" algn="l"/>
+                  <a:tab pos="6400800" algn="l"/>
+                  <a:tab pos="6858000" algn="l"/>
+                  <a:tab pos="7315200" algn="l"/>
+                  <a:tab pos="7772400" algn="l"/>
+                  <a:tab pos="8229600" algn="l"/>
+                  <a:tab pos="8686800" algn="l"/>
+                  <a:tab pos="9144000" algn="l"/>
+                </a:tabLst>
+                <a:defRPr sz="2400">
+                  <a:solidFill>
+                    <a:schemeClr val="tx1"/>
+                  </a:solidFill>
+                  <a:latin typeface="Arial Narrow" pitchFamily="34" charset="0"/>
+                  <a:ea typeface="ヒラギノ角ゴ Pro W3" charset="-128"/>
+                </a:defRPr>
+              </a:lvl2pPr>
+              <a:lvl3pPr marL="1143000" indent="-228600" defTabSz="457200">
+                <a:buFont typeface="Times" pitchFamily="18" charset="0"/>
+                <a:buChar char="–"/>
+                <a:tabLst>
+                  <a:tab pos="0" algn="l"/>
+                  <a:tab pos="457200" algn="l"/>
+                  <a:tab pos="914400" algn="l"/>
+                  <a:tab pos="1371600" algn="l"/>
+                  <a:tab pos="1828800" algn="l"/>
+                  <a:tab pos="2286000" algn="l"/>
+                  <a:tab pos="2743200" algn="l"/>
+                  <a:tab pos="3200400" algn="l"/>
+                  <a:tab pos="3657600" algn="l"/>
+                  <a:tab pos="4114800" algn="l"/>
+                  <a:tab pos="4572000" algn="l"/>
+                  <a:tab pos="5029200" algn="l"/>
+                  <a:tab pos="5486400" algn="l"/>
+                  <a:tab pos="5943600" algn="l"/>
+                  <a:tab pos="6400800" algn="l"/>
+                  <a:tab pos="6858000" algn="l"/>
+                  <a:tab pos="7315200" algn="l"/>
+                  <a:tab pos="7772400" algn="l"/>
+                  <a:tab pos="8229600" algn="l"/>
+                  <a:tab pos="8686800" algn="l"/>
+                  <a:tab pos="9144000" algn="l"/>
+                </a:tabLst>
+                <a:defRPr sz="1700">
+                  <a:solidFill>
+                    <a:schemeClr val="tx1"/>
+                  </a:solidFill>
+                  <a:latin typeface="Arial Narrow" pitchFamily="34" charset="0"/>
+                  <a:ea typeface="MS PGothic" pitchFamily="34" charset="-128"/>
+                </a:defRPr>
+              </a:lvl3pPr>
+              <a:lvl4pPr marL="1600200" indent="-228600" defTabSz="457200">
+                <a:buFont typeface="Lucida Grande" charset="0"/>
+                <a:buChar char="–"/>
+                <a:tabLst>
+                  <a:tab pos="0" algn="l"/>
+                  <a:tab pos="457200" algn="l"/>
+                  <a:tab pos="914400" algn="l"/>
+                  <a:tab pos="1371600" algn="l"/>
+                  <a:tab pos="1828800" algn="l"/>
+                  <a:tab pos="2286000" algn="l"/>
+                  <a:tab pos="2743200" algn="l"/>
+                  <a:tab pos="3200400" algn="l"/>
+                  <a:tab pos="3657600" algn="l"/>
+                  <a:tab pos="4114800" algn="l"/>
+                  <a:tab pos="4572000" algn="l"/>
+                  <a:tab pos="5029200" algn="l"/>
+                  <a:tab pos="5486400" algn="l"/>
+                  <a:tab pos="5943600" algn="l"/>
+                  <a:tab pos="6400800" algn="l"/>
+                  <a:tab pos="6858000" algn="l"/>
+                  <a:tab pos="7315200" algn="l"/>
+                  <a:tab pos="7772400" algn="l"/>
+                  <a:tab pos="8229600" algn="l"/>
+                  <a:tab pos="8686800" algn="l"/>
+                  <a:tab pos="9144000" algn="l"/>
+                </a:tabLst>
+                <a:defRPr sz="2400">
+                  <a:solidFill>
+                    <a:schemeClr val="tx1"/>
+                  </a:solidFill>
+                  <a:latin typeface="Arial Narrow" pitchFamily="34" charset="0"/>
+                  <a:ea typeface="MS PGothic" pitchFamily="34" charset="-128"/>
+                </a:defRPr>
+              </a:lvl4pPr>
+              <a:lvl5pPr marL="2057400" indent="-228600" defTabSz="457200">
+                <a:buFont typeface="Lucida Grande" charset="0"/>
+                <a:buChar char="–"/>
+                <a:tabLst>
+                  <a:tab pos="0" algn="l"/>
+                  <a:tab pos="457200" algn="l"/>
+                  <a:tab pos="914400" algn="l"/>
+                  <a:tab pos="1371600" algn="l"/>
+                  <a:tab pos="1828800" algn="l"/>
+                  <a:tab pos="2286000" algn="l"/>
+                  <a:tab pos="2743200" algn="l"/>
+                  <a:tab pos="3200400" algn="l"/>
+                  <a:tab pos="3657600" algn="l"/>
+                  <a:tab pos="4114800" algn="l"/>
+                  <a:tab pos="4572000" algn="l"/>
+                  <a:tab pos="5029200" algn="l"/>
+                  <a:tab pos="5486400" algn="l"/>
+                  <a:tab pos="5943600" algn="l"/>
+                  <a:tab pos="6400800" algn="l"/>
+                  <a:tab pos="6858000" algn="l"/>
+                  <a:tab pos="7315200" algn="l"/>
+                  <a:tab pos="7772400" algn="l"/>
+                  <a:tab pos="8229600" algn="l"/>
+                  <a:tab pos="8686800" algn="l"/>
+                  <a:tab pos="9144000" algn="l"/>
+                </a:tabLst>
+                <a:defRPr sz="2400">
+                  <a:solidFill>
+                    <a:schemeClr val="tx1"/>
+                  </a:solidFill>
+                  <a:latin typeface="Arial Narrow" pitchFamily="34" charset="0"/>
+                  <a:ea typeface="ヒラギノ角ゴ Pro W3" charset="-128"/>
+                </a:defRPr>
+              </a:lvl5pPr>
+              <a:lvl6pPr marL="2514600" indent="-228600" defTabSz="457200" eaLnBrk="0" fontAlgn="base" hangingPunct="0">
+                <a:lnSpc>
+                  <a:spcPct val="110000"/>
+                </a:lnSpc>
+                <a:spcBef>
+                  <a:spcPct val="0"/>
+                </a:spcBef>
+                <a:spcAft>
+                  <a:spcPct val="0"/>
+                </a:spcAft>
+                <a:buFont typeface="Lucida Grande" charset="0"/>
+                <a:buChar char="–"/>
+                <a:tabLst>
+                  <a:tab pos="0" algn="l"/>
+                  <a:tab pos="457200" algn="l"/>
+                  <a:tab pos="914400" algn="l"/>
+                  <a:tab pos="1371600" algn="l"/>
+                  <a:tab pos="1828800" algn="l"/>
+                  <a:tab pos="2286000" algn="l"/>
+                  <a:tab pos="2743200" algn="l"/>
+                  <a:tab pos="3200400" algn="l"/>
+                  <a:tab pos="3657600" algn="l"/>
+                  <a:tab pos="4114800" algn="l"/>
+                  <a:tab pos="4572000" algn="l"/>
+                  <a:tab pos="5029200" algn="l"/>
+                  <a:tab pos="5486400" algn="l"/>
+                  <a:tab pos="5943600" algn="l"/>
+                  <a:tab pos="6400800" algn="l"/>
+                  <a:tab pos="6858000" algn="l"/>
+                  <a:tab pos="7315200" algn="l"/>
+                  <a:tab pos="7772400" algn="l"/>
+                  <a:tab pos="8229600" algn="l"/>
+                  <a:tab pos="8686800" algn="l"/>
+                  <a:tab pos="9144000" algn="l"/>
+                </a:tabLst>
+                <a:defRPr sz="2400">
+                  <a:solidFill>
+                    <a:schemeClr val="tx1"/>
+                  </a:solidFill>
+                  <a:latin typeface="Arial Narrow" pitchFamily="34" charset="0"/>
+                  <a:ea typeface="ヒラギノ角ゴ Pro W3" charset="-128"/>
+                </a:defRPr>
+              </a:lvl6pPr>
+              <a:lvl7pPr marL="2971800" indent="-228600" defTabSz="457200" eaLnBrk="0" fontAlgn="base" hangingPunct="0">
+                <a:lnSpc>
+                  <a:spcPct val="110000"/>
+                </a:lnSpc>
+                <a:spcBef>
+                  <a:spcPct val="0"/>
+                </a:spcBef>
+                <a:spcAft>
+                  <a:spcPct val="0"/>
+                </a:spcAft>
+                <a:buFont typeface="Lucida Grande" charset="0"/>
+                <a:buChar char="–"/>
+                <a:tabLst>
+                  <a:tab pos="0" algn="l"/>
+                  <a:tab pos="457200" algn="l"/>
+                  <a:tab pos="914400" algn="l"/>
+                  <a:tab pos="1371600" algn="l"/>
+                  <a:tab pos="1828800" algn="l"/>
+                  <a:tab pos="2286000" algn="l"/>
+                  <a:tab pos="2743200" algn="l"/>
+                  <a:tab pos="3200400" algn="l"/>
+                  <a:tab pos="3657600" algn="l"/>
+                  <a:tab pos="4114800" algn="l"/>
+                  <a:tab pos="4572000" algn="l"/>
+                  <a:tab pos="5029200" algn="l"/>
+                  <a:tab pos="5486400" algn="l"/>
+                  <a:tab pos="5943600" algn="l"/>
+                  <a:tab pos="6400800" algn="l"/>
+                  <a:tab pos="6858000" algn="l"/>
+                  <a:tab pos="7315200" algn="l"/>
+                  <a:tab pos="7772400" algn="l"/>
+                  <a:tab pos="8229600" algn="l"/>
+                  <a:tab pos="8686800" algn="l"/>
+                  <a:tab pos="9144000" algn="l"/>
+                </a:tabLst>
+                <a:defRPr sz="2400">
+                  <a:solidFill>
+                    <a:schemeClr val="tx1"/>
+                  </a:solidFill>
+                  <a:latin typeface="Arial Narrow" pitchFamily="34" charset="0"/>
+                  <a:ea typeface="ヒラギノ角ゴ Pro W3" charset="-128"/>
+                </a:defRPr>
+              </a:lvl7pPr>
+              <a:lvl8pPr marL="3429000" indent="-228600" defTabSz="457200" eaLnBrk="0" fontAlgn="base" hangingPunct="0">
+                <a:lnSpc>
+                  <a:spcPct val="110000"/>
+                </a:lnSpc>
+                <a:spcBef>
+                  <a:spcPct val="0"/>
+                </a:spcBef>
+                <a:spcAft>
+                  <a:spcPct val="0"/>
+                </a:spcAft>
+                <a:buFont typeface="Lucida Grande" charset="0"/>
+                <a:buChar char="–"/>
+                <a:tabLst>
+                  <a:tab pos="0" algn="l"/>
+                  <a:tab pos="457200" algn="l"/>
+                  <a:tab pos="914400" algn="l"/>
+                  <a:tab pos="1371600" algn="l"/>
+                  <a:tab pos="1828800" algn="l"/>
+                  <a:tab pos="2286000" algn="l"/>
+                  <a:tab pos="2743200" algn="l"/>
+                  <a:tab pos="3200400" algn="l"/>
+                  <a:tab pos="3657600" algn="l"/>
+                  <a:tab pos="4114800" algn="l"/>
+                  <a:tab pos="4572000" algn="l"/>
+                  <a:tab pos="5029200" algn="l"/>
+                  <a:tab pos="5486400" algn="l"/>
+                  <a:tab pos="5943600" algn="l"/>
+                  <a:tab pos="6400800" algn="l"/>
+                  <a:tab pos="6858000" algn="l"/>
+                  <a:tab pos="7315200" algn="l"/>
+                  <a:tab pos="7772400" algn="l"/>
+                  <a:tab pos="8229600" algn="l"/>
+                  <a:tab pos="8686800" algn="l"/>
+                  <a:tab pos="9144000" algn="l"/>
+                </a:tabLst>
+                <a:defRPr sz="2400">
+                  <a:solidFill>
+                    <a:schemeClr val="tx1"/>
+                  </a:solidFill>
+                  <a:latin typeface="Arial Narrow" pitchFamily="34" charset="0"/>
+                  <a:ea typeface="ヒラギノ角ゴ Pro W3" charset="-128"/>
+                </a:defRPr>
+              </a:lvl8pPr>
+              <a:lvl9pPr marL="3886200" indent="-228600" defTabSz="457200" eaLnBrk="0" fontAlgn="base" hangingPunct="0">
+                <a:lnSpc>
+                  <a:spcPct val="110000"/>
+                </a:lnSpc>
+                <a:spcBef>
+                  <a:spcPct val="0"/>
+                </a:spcBef>
+                <a:spcAft>
+                  <a:spcPct val="0"/>
+                </a:spcAft>
+                <a:buFont typeface="Lucida Grande" charset="0"/>
+                <a:buChar char="–"/>
+                <a:tabLst>
+                  <a:tab pos="0" algn="l"/>
+                  <a:tab pos="457200" algn="l"/>
+                  <a:tab pos="914400" algn="l"/>
+                  <a:tab pos="1371600" algn="l"/>
+                  <a:tab pos="1828800" algn="l"/>
+                  <a:tab pos="2286000" algn="l"/>
+                  <a:tab pos="2743200" algn="l"/>
+                  <a:tab pos="3200400" algn="l"/>
+                  <a:tab pos="3657600" algn="l"/>
+                  <a:tab pos="4114800" algn="l"/>
+                  <a:tab pos="4572000" algn="l"/>
+                  <a:tab pos="5029200" algn="l"/>
+                  <a:tab pos="5486400" algn="l"/>
+                  <a:tab pos="5943600" algn="l"/>
+                  <a:tab pos="6400800" algn="l"/>
+                  <a:tab pos="6858000" algn="l"/>
+                  <a:tab pos="7315200" algn="l"/>
+                  <a:tab pos="7772400" algn="l"/>
+                  <a:tab pos="8229600" algn="l"/>
+                  <a:tab pos="8686800" algn="l"/>
+                  <a:tab pos="9144000" algn="l"/>
+                </a:tabLst>
+                <a:defRPr sz="2400">
+                  <a:solidFill>
+                    <a:schemeClr val="tx1"/>
+                  </a:solidFill>
+                  <a:latin typeface="Arial Narrow" pitchFamily="34" charset="0"/>
+                  <a:ea typeface="ヒラギノ角ゴ Pro W3" charset="-128"/>
+                </a:defRPr>
+              </a:lvl9pPr>
+            </a:lstStyle>
+            <a:p>
+              <a:pPr marL="92075" indent="-92075">
+                <a:buClr>
+                  <a:srgbClr val="000000"/>
+                </a:buClr>
+              </a:pPr>
+              <a:r>
+                <a:rPr lang="en-US" altLang="ko-KR" sz="1050" dirty="0">
+                  <a:solidFill>
+                    <a:srgbClr val="003B6E"/>
+                  </a:solidFill>
+                  <a:latin typeface="+mn-lt"/>
+                  <a:ea typeface="Gulim" pitchFamily="34" charset="-127"/>
+                  <a:cs typeface="Arial Unicode MS" pitchFamily="34" charset="-128"/>
+                </a:rPr>
+                <a:t>Linear Model-Based Method </a:t>
+              </a:r>
+              <a:r>
+                <a:rPr lang="en-US" altLang="ko-KR" sz="1000" dirty="0">
+                  <a:solidFill>
+                    <a:srgbClr val="003B6E"/>
+                  </a:solidFill>
+                  <a:latin typeface="+mn-lt"/>
+                  <a:ea typeface="Gulim" pitchFamily="34" charset="-127"/>
+                  <a:cs typeface="Arial Unicode MS" pitchFamily="34" charset="-128"/>
+                </a:rPr>
+                <a:t/>
+              </a:r>
+              <a:br>
+                <a:rPr lang="en-US" altLang="ko-KR" sz="1000" dirty="0">
+                  <a:solidFill>
+                    <a:srgbClr val="003B6E"/>
+                  </a:solidFill>
+                  <a:latin typeface="+mn-lt"/>
+                  <a:ea typeface="Gulim" pitchFamily="34" charset="-127"/>
+                  <a:cs typeface="Arial Unicode MS" pitchFamily="34" charset="-128"/>
+                </a:rPr>
+              </a:br>
+              <a:r>
+                <a:rPr lang="en-US" altLang="ko-KR" sz="900" dirty="0">
+                  <a:solidFill>
+                    <a:srgbClr val="003B6E"/>
+                  </a:solidFill>
+                  <a:latin typeface="+mn-lt"/>
+                  <a:ea typeface="Gulim" pitchFamily="34" charset="-127"/>
+                  <a:cs typeface="Arial Unicode MS" pitchFamily="34" charset="-128"/>
+                </a:rPr>
+                <a:t>Pearson Correlation Coefficient (CC), Standardized Regression Coefficient (SRCC), Partial  Correlation Coefficient (PCC)</a:t>
+              </a:r>
+            </a:p>
+            <a:p>
+              <a:pPr marL="92075" indent="-92075">
+                <a:buClr>
+                  <a:srgbClr val="000000"/>
+                </a:buClr>
+              </a:pPr>
+              <a:r>
+                <a:rPr lang="en-US" altLang="ko-KR" sz="1100" dirty="0">
+                  <a:solidFill>
+                    <a:srgbClr val="003B6E"/>
+                  </a:solidFill>
+                  <a:latin typeface="+mn-lt"/>
+                  <a:ea typeface="Gulim" pitchFamily="34" charset="-127"/>
+                  <a:cs typeface="Arial Unicode MS" pitchFamily="34" charset="-128"/>
+                </a:rPr>
+                <a:t>Rank-transformed methods</a:t>
+              </a:r>
+              <a:br>
+                <a:rPr lang="en-US" altLang="ko-KR" sz="1100" dirty="0">
+                  <a:solidFill>
+                    <a:srgbClr val="003B6E"/>
+                  </a:solidFill>
+                  <a:latin typeface="+mn-lt"/>
+                  <a:ea typeface="Gulim" pitchFamily="34" charset="-127"/>
+                  <a:cs typeface="Arial Unicode MS" pitchFamily="34" charset="-128"/>
+                </a:rPr>
+              </a:br>
+              <a:r>
+                <a:rPr lang="en-US" altLang="ko-KR" sz="900" dirty="0">
+                  <a:solidFill>
+                    <a:srgbClr val="003B6E"/>
+                  </a:solidFill>
+                  <a:latin typeface="+mn-lt"/>
+                  <a:ea typeface="Gulim" pitchFamily="34" charset="-127"/>
+                  <a:cs typeface="Arial Unicode MS" pitchFamily="34" charset="-128"/>
+                </a:rPr>
+                <a:t>Spearman CC, SR(</a:t>
+              </a:r>
+              <a:r>
+                <a:rPr lang="en-US" altLang="ko-KR" sz="900" dirty="0" err="1">
+                  <a:solidFill>
+                    <a:srgbClr val="003B6E"/>
+                  </a:solidFill>
+                  <a:latin typeface="+mn-lt"/>
+                  <a:ea typeface="Gulim" pitchFamily="34" charset="-127"/>
+                  <a:cs typeface="Arial Unicode MS" pitchFamily="34" charset="-128"/>
+                </a:rPr>
+                <a:t>ank</a:t>
+              </a:r>
+              <a:r>
+                <a:rPr lang="en-US" altLang="ko-KR" sz="900" dirty="0">
+                  <a:solidFill>
+                    <a:srgbClr val="003B6E"/>
+                  </a:solidFill>
+                  <a:latin typeface="+mn-lt"/>
+                  <a:ea typeface="Gulim" pitchFamily="34" charset="-127"/>
+                  <a:cs typeface="Arial Unicode MS" pitchFamily="34" charset="-128"/>
+                </a:rPr>
+                <a:t>)RC,  PR(</a:t>
+              </a:r>
+              <a:r>
+                <a:rPr lang="en-US" altLang="ko-KR" sz="900" dirty="0" err="1">
+                  <a:solidFill>
+                    <a:srgbClr val="003B6E"/>
+                  </a:solidFill>
+                  <a:latin typeface="+mn-lt"/>
+                  <a:ea typeface="Gulim" pitchFamily="34" charset="-127"/>
+                  <a:cs typeface="Arial Unicode MS" pitchFamily="34" charset="-128"/>
+                </a:rPr>
+                <a:t>ank</a:t>
+              </a:r>
+              <a:r>
+                <a:rPr lang="en-US" altLang="ko-KR" sz="900" dirty="0">
+                  <a:solidFill>
+                    <a:srgbClr val="003B6E"/>
+                  </a:solidFill>
+                  <a:latin typeface="+mn-lt"/>
+                  <a:ea typeface="Gulim" pitchFamily="34" charset="-127"/>
+                  <a:cs typeface="Arial Unicode MS" pitchFamily="34" charset="-128"/>
+                </a:rPr>
+                <a:t>)CC</a:t>
+              </a:r>
+              <a:endParaRPr lang="en-US" altLang="ko-KR" sz="800" dirty="0">
+                <a:solidFill>
+                  <a:srgbClr val="003B6E"/>
+                </a:solidFill>
+                <a:latin typeface="+mn-lt"/>
+                <a:ea typeface="Gulim" pitchFamily="34" charset="-127"/>
+                <a:cs typeface="Arial Unicode MS" pitchFamily="34" charset="-128"/>
+              </a:endParaRPr>
+            </a:p>
+            <a:p>
+              <a:pPr marL="92075" indent="-92075">
+                <a:buClr>
+                  <a:srgbClr val="000000"/>
+                </a:buClr>
+              </a:pPr>
+              <a:r>
+                <a:rPr lang="en-US" altLang="ko-KR" sz="1100" dirty="0">
+                  <a:solidFill>
+                    <a:srgbClr val="003B6E"/>
+                  </a:solidFill>
+                  <a:latin typeface="+mn-lt"/>
+                  <a:ea typeface="Gulim" pitchFamily="34" charset="-127"/>
+                  <a:cs typeface="Arial Unicode MS" pitchFamily="34" charset="-128"/>
+                </a:rPr>
+                <a:t>etc.</a:t>
+              </a:r>
+            </a:p>
+          </p:txBody>
+        </p:sp>
+      </p:grpSp>
+      <p:sp>
+        <p:nvSpPr>
+          <p:cNvPr id="81" name="Striped Right Arrow 80"/>
+          <p:cNvSpPr/>
+          <p:nvPr/>
+        </p:nvSpPr>
+        <p:spPr bwMode="auto">
+          <a:xfrm>
+            <a:off x="2504446" y="963288"/>
+            <a:ext cx="476985" cy="484632"/>
+          </a:xfrm>
+          <a:prstGeom prst="stripedRightArrow">
+            <a:avLst>
+              <a:gd name="adj1" fmla="val 50000"/>
+              <a:gd name="adj2" fmla="val 51196"/>
+            </a:avLst>
+          </a:prstGeom>
+          <a:solidFill>
+            <a:srgbClr val="C50006"/>
+          </a:solidFill>
+          <a:ln w="9525" cap="flat" cmpd="sng" algn="ctr">
+            <a:noFill/>
+            <a:prstDash val="solid"/>
+            <a:round/>
+            <a:headEnd type="none" w="med" len="med"/>
+            <a:tailEnd type="none" w="med" len="med"/>
+          </a:ln>
+          <a:effectLst/>
+        </p:spPr>
+        <p:txBody>
+          <a:bodyPr vert="horz" wrap="square" lIns="91440" tIns="45720" rIns="91440" bIns="45720" numCol="1" rtlCol="0" anchor="t" anchorCtr="0" compatLnSpc="1">
+            <a:prstTxWarp prst="textNoShape">
+              <a:avLst/>
+            </a:prstTxWarp>
+          </a:bodyPr>
+          <a:lstStyle/>
+          <a:p>
+            <a:pPr marL="0" marR="0" indent="0" algn="l" defTabSz="914400" rtl="0" eaLnBrk="0" fontAlgn="base" latinLnBrk="0" hangingPunct="0">
+              <a:lnSpc>
+                <a:spcPct val="100000"/>
+              </a:lnSpc>
+              <a:spcBef>
+                <a:spcPct val="0"/>
+              </a:spcBef>
+              <a:spcAft>
+                <a:spcPct val="0"/>
+              </a:spcAft>
+              <a:buClrTx/>
+              <a:buSzTx/>
+              <a:buFontTx/>
+              <a:buNone/>
+              <a:tabLst/>
+            </a:pPr>
+            <a:endParaRPr kumimoji="0" lang="en-US" sz="2400" b="0" i="0" u="none" strike="noStrike" cap="none" normalizeH="0" baseline="0">
+              <a:ln>
+                <a:noFill/>
+              </a:ln>
+              <a:solidFill>
+                <a:schemeClr val="tx1"/>
+              </a:solidFill>
+              <a:effectLst/>
+              <a:latin typeface="Times" charset="0"/>
+            </a:endParaRPr>
+          </a:p>
+        </p:txBody>
+      </p:sp>
+      <p:sp>
+        <p:nvSpPr>
+          <p:cNvPr id="82" name="Striped Right Arrow 81"/>
+          <p:cNvSpPr/>
+          <p:nvPr/>
+        </p:nvSpPr>
+        <p:spPr bwMode="auto">
+          <a:xfrm>
+            <a:off x="6447558" y="1002431"/>
+            <a:ext cx="476985" cy="484632"/>
+          </a:xfrm>
+          <a:prstGeom prst="stripedRightArrow">
+            <a:avLst>
+              <a:gd name="adj1" fmla="val 50000"/>
+              <a:gd name="adj2" fmla="val 51196"/>
+            </a:avLst>
+          </a:prstGeom>
+          <a:solidFill>
+            <a:srgbClr val="C50006"/>
+          </a:solidFill>
+          <a:ln w="9525" cap="flat" cmpd="sng" algn="ctr">
+            <a:noFill/>
+            <a:prstDash val="solid"/>
+            <a:round/>
+            <a:headEnd type="none" w="med" len="med"/>
+            <a:tailEnd type="none" w="med" len="med"/>
+          </a:ln>
+          <a:effectLst/>
+        </p:spPr>
+        <p:txBody>
+          <a:bodyPr vert="horz" wrap="square" lIns="91440" tIns="45720" rIns="91440" bIns="45720" numCol="1" rtlCol="0" anchor="t" anchorCtr="0" compatLnSpc="1">
+            <a:prstTxWarp prst="textNoShape">
+              <a:avLst/>
+            </a:prstTxWarp>
+          </a:bodyPr>
+          <a:lstStyle/>
+          <a:p>
+            <a:pPr marL="0" marR="0" indent="0" algn="l" defTabSz="914400" rtl="0" eaLnBrk="0" fontAlgn="base" latinLnBrk="0" hangingPunct="0">
+              <a:lnSpc>
+                <a:spcPct val="100000"/>
+              </a:lnSpc>
+              <a:spcBef>
+                <a:spcPct val="0"/>
+              </a:spcBef>
+              <a:spcAft>
+                <a:spcPct val="0"/>
+              </a:spcAft>
+              <a:buClrTx/>
+              <a:buSzTx/>
+              <a:buFontTx/>
+              <a:buNone/>
+              <a:tabLst/>
+            </a:pPr>
+            <a:endParaRPr kumimoji="0" lang="en-US" sz="2400" b="0" i="0" u="none" strike="noStrike" cap="none" normalizeH="0" baseline="0">
+              <a:ln>
+                <a:noFill/>
+              </a:ln>
+              <a:solidFill>
+                <a:schemeClr val="tx1"/>
+              </a:solidFill>
+              <a:effectLst/>
+              <a:latin typeface="Times" charset="0"/>
+            </a:endParaRPr>
+          </a:p>
+        </p:txBody>
+      </p:sp>
+      <p:sp>
+        <p:nvSpPr>
+          <p:cNvPr id="88" name="Flowchart: Document 87"/>
+          <p:cNvSpPr/>
+          <p:nvPr/>
+        </p:nvSpPr>
+        <p:spPr bwMode="auto">
+          <a:xfrm>
+            <a:off x="971599" y="5373216"/>
+            <a:ext cx="1276772" cy="855439"/>
+          </a:xfrm>
+          <a:prstGeom prst="flowChartDocument">
+            <a:avLst/>
+          </a:prstGeom>
+          <a:solidFill>
+            <a:srgbClr val="0070C0"/>
+          </a:solidFill>
+          <a:ln w="9525" cap="flat" cmpd="sng" algn="ctr">
+            <a:noFill/>
+            <a:prstDash val="solid"/>
+            <a:round/>
+            <a:headEnd type="none" w="med" len="med"/>
+            <a:tailEnd type="none" w="med" len="med"/>
+          </a:ln>
+          <a:effectLst/>
+        </p:spPr>
+        <p:txBody>
+          <a:bodyPr vert="horz" wrap="square" lIns="91440" tIns="45720" rIns="91440" bIns="45720" numCol="1" rtlCol="0" anchor="t" anchorCtr="0" compatLnSpc="1">
+            <a:prstTxWarp prst="textNoShape">
+              <a:avLst/>
+            </a:prstTxWarp>
+          </a:bodyPr>
+          <a:lstStyle/>
+          <a:p>
+            <a:pPr marL="0" marR="0" indent="0" algn="l" defTabSz="914400" rtl="0" eaLnBrk="0" fontAlgn="base" latinLnBrk="0" hangingPunct="0">
+              <a:lnSpc>
+                <a:spcPct val="100000"/>
+              </a:lnSpc>
+              <a:spcBef>
+                <a:spcPct val="0"/>
+              </a:spcBef>
+              <a:spcAft>
+                <a:spcPct val="0"/>
+              </a:spcAft>
+              <a:buClrTx/>
+              <a:buSzTx/>
+              <a:buFontTx/>
+              <a:buNone/>
+              <a:tabLst/>
+            </a:pPr>
+            <a:endParaRPr kumimoji="0" lang="en-US" sz="2400" b="0" i="0" u="none" strike="noStrike" cap="none" normalizeH="0" baseline="0">
+              <a:ln>
+                <a:noFill/>
+              </a:ln>
+              <a:solidFill>
+                <a:schemeClr val="tx1"/>
+              </a:solidFill>
+              <a:effectLst/>
+              <a:latin typeface="Times" charset="0"/>
+            </a:endParaRPr>
+          </a:p>
+        </p:txBody>
+      </p:sp>
+      <p:sp>
+        <p:nvSpPr>
+          <p:cNvPr id="91" name="Rectangle 90"/>
+          <p:cNvSpPr/>
+          <p:nvPr/>
+        </p:nvSpPr>
+        <p:spPr>
+          <a:xfrm>
+            <a:off x="1007467" y="5560780"/>
+            <a:ext cx="1130871" cy="400110"/>
+          </a:xfrm>
+          <a:prstGeom prst="rect">
+            <a:avLst/>
+          </a:prstGeom>
+        </p:spPr>
+        <p:txBody>
+          <a:bodyPr wrap="square">
+            <a:spAutoFit/>
+          </a:bodyPr>
+          <a:lstStyle/>
+          <a:p>
+            <a:pPr algn="ctr"/>
+            <a:r>
+              <a:rPr lang="en-US" sz="2000" b="1" dirty="0">
+                <a:solidFill>
+                  <a:schemeClr val="bg1"/>
+                </a:solidFill>
+                <a:latin typeface="+mn-lt"/>
+              </a:rPr>
+              <a:t>CSV</a:t>
+            </a:r>
+          </a:p>
+        </p:txBody>
+      </p:sp>
+      <p:sp>
+        <p:nvSpPr>
+          <p:cNvPr id="92" name="TextBox 91"/>
+          <p:cNvSpPr txBox="1"/>
+          <p:nvPr/>
+        </p:nvSpPr>
+        <p:spPr>
+          <a:xfrm>
+            <a:off x="429990" y="4869159"/>
+            <a:ext cx="1708348" cy="492443"/>
+          </a:xfrm>
+          <a:prstGeom prst="rect">
+            <a:avLst/>
+          </a:prstGeom>
+          <a:noFill/>
+          <a:ln w="9525">
+            <a:noFill/>
+          </a:ln>
+        </p:spPr>
+        <p:txBody>
+          <a:bodyPr wrap="square" rtlCol="0" anchor="ctr">
+            <a:spAutoFit/>
+          </a:bodyPr>
+          <a:lstStyle/>
+          <a:p>
+            <a:r>
+              <a:rPr lang="en-US" sz="1400" b="1" dirty="0"/>
+              <a:t>Design Matrix</a:t>
+            </a:r>
+            <a:br>
+              <a:rPr lang="en-US" sz="1400" b="1" dirty="0"/>
+            </a:br>
+            <a:r>
+              <a:rPr lang="en-US" sz="1200" b="1" dirty="0"/>
+              <a:t>(previously generated)</a:t>
+            </a:r>
+          </a:p>
+        </p:txBody>
+      </p:sp>
+      <p:sp>
+        <p:nvSpPr>
+          <p:cNvPr id="94" name="Striped Right Arrow 93"/>
+          <p:cNvSpPr/>
+          <p:nvPr/>
+        </p:nvSpPr>
+        <p:spPr bwMode="auto">
+          <a:xfrm>
+            <a:off x="2504446" y="5549319"/>
+            <a:ext cx="476985" cy="484632"/>
+          </a:xfrm>
+          <a:prstGeom prst="stripedRightArrow">
+            <a:avLst>
+              <a:gd name="adj1" fmla="val 50000"/>
+              <a:gd name="adj2" fmla="val 51196"/>
+            </a:avLst>
+          </a:prstGeom>
+          <a:solidFill>
+            <a:srgbClr val="C50006"/>
+          </a:solidFill>
+          <a:ln w="9525" cap="flat" cmpd="sng" algn="ctr">
+            <a:noFill/>
+            <a:prstDash val="solid"/>
+            <a:round/>
+            <a:headEnd type="none" w="med" len="med"/>
+            <a:tailEnd type="none" w="med" len="med"/>
+          </a:ln>
+          <a:effectLst/>
+        </p:spPr>
+        <p:txBody>
+          <a:bodyPr vert="horz" wrap="square" lIns="91440" tIns="45720" rIns="91440" bIns="45720" numCol="1" rtlCol="0" anchor="t" anchorCtr="0" compatLnSpc="1">
+            <a:prstTxWarp prst="textNoShape">
+              <a:avLst/>
+            </a:prstTxWarp>
+          </a:bodyPr>
+          <a:lstStyle/>
+          <a:p>
+            <a:pPr marL="0" marR="0" indent="0" algn="l" defTabSz="914400" rtl="0" eaLnBrk="0" fontAlgn="base" latinLnBrk="0" hangingPunct="0">
+              <a:lnSpc>
+                <a:spcPct val="100000"/>
+              </a:lnSpc>
+              <a:spcBef>
+                <a:spcPct val="0"/>
+              </a:spcBef>
+              <a:spcAft>
+                <a:spcPct val="0"/>
+              </a:spcAft>
+              <a:buClrTx/>
+              <a:buSzTx/>
+              <a:buFontTx/>
+              <a:buNone/>
+              <a:tabLst/>
+            </a:pPr>
+            <a:endParaRPr kumimoji="0" lang="en-US" sz="2400" b="0" i="0" u="none" strike="noStrike" cap="none" normalizeH="0" baseline="0">
+              <a:ln>
+                <a:noFill/>
+              </a:ln>
+              <a:solidFill>
+                <a:schemeClr val="tx1"/>
+              </a:solidFill>
+              <a:effectLst/>
+              <a:latin typeface="Times" charset="0"/>
+            </a:endParaRPr>
+          </a:p>
+        </p:txBody>
+      </p:sp>
+      <p:sp>
+        <p:nvSpPr>
+          <p:cNvPr id="95" name="TextBox 94"/>
+          <p:cNvSpPr txBox="1"/>
+          <p:nvPr/>
+        </p:nvSpPr>
+        <p:spPr>
+          <a:xfrm>
+            <a:off x="6782636" y="456927"/>
+            <a:ext cx="1708348" cy="307777"/>
+          </a:xfrm>
+          <a:prstGeom prst="rect">
+            <a:avLst/>
+          </a:prstGeom>
+          <a:noFill/>
+          <a:ln w="9525">
+            <a:noFill/>
+          </a:ln>
+        </p:spPr>
+        <p:txBody>
+          <a:bodyPr wrap="square" rtlCol="0" anchor="ctr">
+            <a:spAutoFit/>
+          </a:bodyPr>
+          <a:lstStyle/>
+          <a:p>
+            <a:r>
+              <a:rPr lang="en-US" sz="1400" b="1" dirty="0"/>
+              <a:t>Design Matrix</a:t>
+            </a:r>
+            <a:endParaRPr lang="en-US" sz="1200" b="1" dirty="0"/>
+          </a:p>
+        </p:txBody>
+      </p:sp>
+      <p:sp>
+        <p:nvSpPr>
+          <p:cNvPr id="96" name="Striped Right Arrow 95"/>
+          <p:cNvSpPr/>
+          <p:nvPr/>
+        </p:nvSpPr>
+        <p:spPr bwMode="auto">
+          <a:xfrm>
+            <a:off x="6447558" y="5144720"/>
+            <a:ext cx="524431" cy="603410"/>
+          </a:xfrm>
+          <a:prstGeom prst="stripedRightArrow">
+            <a:avLst>
+              <a:gd name="adj1" fmla="val 50000"/>
+              <a:gd name="adj2" fmla="val 51196"/>
+            </a:avLst>
+          </a:prstGeom>
+          <a:solidFill>
+            <a:srgbClr val="C50006"/>
+          </a:solidFill>
+          <a:ln w="9525" cap="flat" cmpd="sng" algn="ctr">
+            <a:noFill/>
+            <a:prstDash val="solid"/>
+            <a:round/>
+            <a:headEnd type="none" w="med" len="med"/>
+            <a:tailEnd type="none" w="med" len="med"/>
+          </a:ln>
+          <a:effectLst/>
+        </p:spPr>
+        <p:txBody>
+          <a:bodyPr vert="horz" wrap="square" lIns="91440" tIns="45720" rIns="91440" bIns="45720" numCol="1" rtlCol="0" anchor="t" anchorCtr="0" compatLnSpc="1">
+            <a:prstTxWarp prst="textNoShape">
+              <a:avLst/>
+            </a:prstTxWarp>
+          </a:bodyPr>
+          <a:lstStyle/>
+          <a:p>
+            <a:pPr marL="0" marR="0" indent="0" algn="l" defTabSz="914400" rtl="0" eaLnBrk="0" fontAlgn="base" latinLnBrk="0" hangingPunct="0">
+              <a:lnSpc>
+                <a:spcPct val="100000"/>
+              </a:lnSpc>
+              <a:spcBef>
+                <a:spcPct val="0"/>
+              </a:spcBef>
+              <a:spcAft>
+                <a:spcPct val="0"/>
+              </a:spcAft>
+              <a:buClrTx/>
+              <a:buSzTx/>
+              <a:buFontTx/>
+              <a:buNone/>
+              <a:tabLst/>
+            </a:pPr>
+            <a:endParaRPr kumimoji="0" lang="en-US" sz="2400" b="0" i="0" u="none" strike="noStrike" cap="none" normalizeH="0" baseline="0">
+              <a:ln>
+                <a:noFill/>
+              </a:ln>
+              <a:solidFill>
+                <a:schemeClr val="tx1"/>
+              </a:solidFill>
+              <a:effectLst/>
+              <a:latin typeface="Times" charset="0"/>
+            </a:endParaRPr>
+          </a:p>
+        </p:txBody>
+      </p:sp>
+      <p:sp>
+        <p:nvSpPr>
+          <p:cNvPr id="97" name="TextBox 96"/>
+          <p:cNvSpPr txBox="1"/>
+          <p:nvPr/>
+        </p:nvSpPr>
+        <p:spPr>
+          <a:xfrm>
+            <a:off x="20073" y="2123564"/>
+            <a:ext cx="2118264" cy="369332"/>
+          </a:xfrm>
+          <a:prstGeom prst="rect">
+            <a:avLst/>
+          </a:prstGeom>
+          <a:solidFill>
+            <a:schemeClr val="bg1">
+              <a:lumMod val="95000"/>
+              <a:alpha val="75000"/>
+            </a:schemeClr>
+          </a:solidFill>
+          <a:ln w="9525">
+            <a:noFill/>
+          </a:ln>
+        </p:spPr>
+        <p:txBody>
+          <a:bodyPr wrap="square" rtlCol="0" anchor="ctr">
+            <a:spAutoFit/>
+          </a:bodyPr>
+          <a:lstStyle/>
+          <a:p>
+            <a:r>
+              <a:rPr lang="en-US" b="1" dirty="0">
+                <a:latin typeface="+mj-lt"/>
+              </a:rPr>
+              <a:t>Model Execution</a:t>
+            </a:r>
+          </a:p>
+        </p:txBody>
+      </p:sp>
+      <p:grpSp>
+        <p:nvGrpSpPr>
+          <p:cNvPr id="3" name="Group 2"/>
+          <p:cNvGrpSpPr/>
+          <p:nvPr/>
+        </p:nvGrpSpPr>
+        <p:grpSpPr>
+          <a:xfrm>
+            <a:off x="7164288" y="5093841"/>
+            <a:ext cx="1276773" cy="855439"/>
+            <a:chOff x="7135079" y="4888324"/>
+            <a:chExt cx="1276773" cy="855439"/>
+          </a:xfrm>
+        </p:grpSpPr>
+        <p:sp>
+          <p:nvSpPr>
+            <p:cNvPr id="103" name="Flowchart: Document 102"/>
+            <p:cNvSpPr/>
+            <p:nvPr/>
+          </p:nvSpPr>
+          <p:spPr bwMode="auto">
+            <a:xfrm>
+              <a:off x="7135080" y="4888324"/>
+              <a:ext cx="1276772" cy="855439"/>
+            </a:xfrm>
+            <a:prstGeom prst="flowChartDocument">
+              <a:avLst/>
+            </a:prstGeom>
+            <a:solidFill>
+              <a:srgbClr val="0070C0"/>
+            </a:solidFill>
+            <a:ln w="9525" cap="flat" cmpd="sng" algn="ctr">
+              <a:noFill/>
+              <a:prstDash val="solid"/>
+              <a:round/>
+              <a:headEnd type="none" w="med" len="med"/>
+              <a:tailEnd type="none" w="med" len="med"/>
+            </a:ln>
+            <a:effectLst/>
+          </p:spPr>
+          <p:txBody>
+            <a:bodyPr vert="horz" wrap="square" lIns="91440" tIns="45720" rIns="91440" bIns="45720" numCol="1" rtlCol="0" anchor="t" anchorCtr="0" compatLnSpc="1">
+              <a:prstTxWarp prst="textNoShape">
+                <a:avLst/>
+              </a:prstTxWarp>
+            </a:bodyPr>
+            <a:lstStyle/>
+            <a:p>
+              <a:pPr marL="0" marR="0" indent="0" algn="l" defTabSz="914400" rtl="0" eaLnBrk="0" fontAlgn="base" latinLnBrk="0" hangingPunct="0">
+                <a:lnSpc>
+                  <a:spcPct val="100000"/>
+                </a:lnSpc>
+                <a:spcBef>
+                  <a:spcPct val="0"/>
+                </a:spcBef>
+                <a:spcAft>
+                  <a:spcPct val="0"/>
+                </a:spcAft>
+                <a:buClrTx/>
+                <a:buSzTx/>
+                <a:buFontTx/>
+                <a:buNone/>
+                <a:tabLst/>
+              </a:pPr>
+              <a:endParaRPr kumimoji="0" lang="en-US" sz="2400" b="0" i="0" u="none" strike="noStrike" cap="none" normalizeH="0" baseline="0">
+                <a:ln>
+                  <a:noFill/>
+                </a:ln>
+                <a:solidFill>
+                  <a:schemeClr val="tx1"/>
+                </a:solidFill>
+                <a:effectLst/>
+                <a:latin typeface="Times" charset="0"/>
+              </a:endParaRPr>
+            </a:p>
+          </p:txBody>
+        </p:sp>
+        <p:sp>
+          <p:nvSpPr>
+            <p:cNvPr id="106" name="Rectangle 105"/>
+            <p:cNvSpPr/>
+            <p:nvPr/>
+          </p:nvSpPr>
+          <p:spPr>
+            <a:xfrm>
+              <a:off x="7135079" y="5046315"/>
+              <a:ext cx="1263253" cy="400110"/>
+            </a:xfrm>
+            <a:prstGeom prst="rect">
+              <a:avLst/>
+            </a:prstGeom>
+          </p:spPr>
+          <p:txBody>
+            <a:bodyPr wrap="square">
+              <a:spAutoFit/>
+            </a:bodyPr>
+            <a:lstStyle/>
+            <a:p>
+              <a:pPr algn="ctr"/>
+              <a:r>
+                <a:rPr lang="en-US" sz="2000" b="1" dirty="0">
+                  <a:solidFill>
+                    <a:schemeClr val="bg1"/>
+                  </a:solidFill>
+                  <a:latin typeface="+mn-lt"/>
+                </a:rPr>
+                <a:t>CSV</a:t>
+              </a:r>
+            </a:p>
+          </p:txBody>
+        </p:sp>
+      </p:grpSp>
+      <p:sp>
+        <p:nvSpPr>
+          <p:cNvPr id="107" name="TextBox 106"/>
+          <p:cNvSpPr txBox="1"/>
+          <p:nvPr/>
+        </p:nvSpPr>
+        <p:spPr>
+          <a:xfrm>
+            <a:off x="6782636" y="4694892"/>
+            <a:ext cx="1821812" cy="307777"/>
+          </a:xfrm>
+          <a:prstGeom prst="rect">
+            <a:avLst/>
+          </a:prstGeom>
+          <a:noFill/>
+          <a:ln w="9525">
+            <a:noFill/>
+          </a:ln>
+        </p:spPr>
+        <p:txBody>
+          <a:bodyPr wrap="square" rtlCol="0" anchor="ctr">
+            <a:spAutoFit/>
+          </a:bodyPr>
+          <a:lstStyle/>
+          <a:p>
+            <a:r>
+              <a:rPr lang="en-US" sz="1400" b="1" dirty="0"/>
+              <a:t>Sensitivity Measures</a:t>
+            </a:r>
+            <a:endParaRPr lang="en-US" sz="1200" b="1" dirty="0"/>
+          </a:p>
+        </p:txBody>
+      </p:sp>
+      <p:sp>
+        <p:nvSpPr>
+          <p:cNvPr id="108" name="Text Box 12"/>
+          <p:cNvSpPr txBox="1">
+            <a:spLocks noChangeArrowheads="1"/>
+          </p:cNvSpPr>
+          <p:nvPr/>
+        </p:nvSpPr>
+        <p:spPr bwMode="auto">
+          <a:xfrm>
+            <a:off x="7462007" y="6525344"/>
+            <a:ext cx="1582830" cy="288881"/>
+          </a:xfrm>
+          <a:prstGeom prst="rect">
+            <a:avLst/>
+          </a:prstGeom>
+          <a:solidFill>
+            <a:schemeClr val="bg1">
+              <a:lumMod val="85000"/>
+            </a:schemeClr>
+          </a:solidFill>
+          <a:ln w="3175">
+            <a:solidFill>
+              <a:schemeClr val="tx1"/>
+            </a:solidFill>
+            <a:prstDash val="dashDot"/>
+            <a:miter lim="800000"/>
+            <a:headEnd/>
+            <a:tailEnd/>
+          </a:ln>
+        </p:spPr>
+        <p:txBody>
+          <a:bodyPr wrap="square" lIns="90000" tIns="46800" rIns="90000" bIns="46800" anchor="ctr">
+            <a:noAutofit/>
+          </a:bodyPr>
+          <a:lstStyle>
+            <a:lvl1pPr defTabSz="457200">
+              <a:buChar char="•"/>
+              <a:tabLst>
+                <a:tab pos="0" algn="l"/>
+                <a:tab pos="457200" algn="l"/>
+                <a:tab pos="914400" algn="l"/>
+                <a:tab pos="1371600" algn="l"/>
+                <a:tab pos="1828800" algn="l"/>
+                <a:tab pos="2286000" algn="l"/>
+                <a:tab pos="2743200" algn="l"/>
+                <a:tab pos="3200400" algn="l"/>
+                <a:tab pos="3657600" algn="l"/>
+                <a:tab pos="4114800" algn="l"/>
+                <a:tab pos="4572000" algn="l"/>
+                <a:tab pos="5029200" algn="l"/>
+                <a:tab pos="5486400" algn="l"/>
+                <a:tab pos="5943600" algn="l"/>
+                <a:tab pos="6400800" algn="l"/>
+                <a:tab pos="6858000" algn="l"/>
+                <a:tab pos="7315200" algn="l"/>
+                <a:tab pos="7772400" algn="l"/>
+                <a:tab pos="8229600" algn="l"/>
+                <a:tab pos="8686800" algn="l"/>
+                <a:tab pos="9144000" algn="l"/>
+              </a:tabLst>
+              <a:defRPr sz="2400">
+                <a:solidFill>
+                  <a:schemeClr val="tx1"/>
+                </a:solidFill>
+                <a:latin typeface="Arial Narrow" pitchFamily="34" charset="0"/>
+                <a:ea typeface="ヒラギノ角ゴ Pro W3" charset="-128"/>
+              </a:defRPr>
+            </a:lvl1pPr>
+            <a:lvl2pPr marL="742950" indent="-285750" defTabSz="457200">
+              <a:buClr>
+                <a:schemeClr val="tx1"/>
+              </a:buClr>
+              <a:buSzPct val="120000"/>
+              <a:buChar char="•"/>
+              <a:tabLst>
+                <a:tab pos="0" algn="l"/>
+                <a:tab pos="457200" algn="l"/>
+                <a:tab pos="914400" algn="l"/>
+                <a:tab pos="1371600" algn="l"/>
+                <a:tab pos="1828800" algn="l"/>
+                <a:tab pos="2286000" algn="l"/>
+                <a:tab pos="2743200" algn="l"/>
+                <a:tab pos="3200400" algn="l"/>
+                <a:tab pos="3657600" algn="l"/>
+                <a:tab pos="4114800" algn="l"/>
+                <a:tab pos="4572000" algn="l"/>
+                <a:tab pos="5029200" algn="l"/>
+                <a:tab pos="5486400" algn="l"/>
+                <a:tab pos="5943600" algn="l"/>
+                <a:tab pos="6400800" algn="l"/>
+                <a:tab pos="6858000" algn="l"/>
+                <a:tab pos="7315200" algn="l"/>
+                <a:tab pos="7772400" algn="l"/>
+                <a:tab pos="8229600" algn="l"/>
+                <a:tab pos="8686800" algn="l"/>
+                <a:tab pos="9144000" algn="l"/>
+              </a:tabLst>
+              <a:defRPr sz="2400">
+                <a:solidFill>
+                  <a:schemeClr val="tx1"/>
+                </a:solidFill>
+                <a:latin typeface="Arial Narrow" pitchFamily="34" charset="0"/>
+                <a:ea typeface="ヒラギノ角ゴ Pro W3" charset="-128"/>
+              </a:defRPr>
+            </a:lvl2pPr>
+            <a:lvl3pPr marL="1143000" indent="-228600" defTabSz="457200">
+              <a:buFont typeface="Times" pitchFamily="18" charset="0"/>
+              <a:buChar char="–"/>
+              <a:tabLst>
+                <a:tab pos="0" algn="l"/>
+                <a:tab pos="457200" algn="l"/>
+                <a:tab pos="914400" algn="l"/>
+                <a:tab pos="1371600" algn="l"/>
+                <a:tab pos="1828800" algn="l"/>
+                <a:tab pos="2286000" algn="l"/>
+                <a:tab pos="2743200" algn="l"/>
+                <a:tab pos="3200400" algn="l"/>
+                <a:tab pos="3657600" algn="l"/>
+                <a:tab pos="4114800" algn="l"/>
+                <a:tab pos="4572000" algn="l"/>
+                <a:tab pos="5029200" algn="l"/>
+                <a:tab pos="5486400" algn="l"/>
+                <a:tab pos="5943600" algn="l"/>
+                <a:tab pos="6400800" algn="l"/>
+                <a:tab pos="6858000" algn="l"/>
+                <a:tab pos="7315200" algn="l"/>
+                <a:tab pos="7772400" algn="l"/>
+                <a:tab pos="8229600" algn="l"/>
+                <a:tab pos="8686800" algn="l"/>
+                <a:tab pos="9144000" algn="l"/>
+              </a:tabLst>
+              <a:defRPr sz="1700">
+                <a:solidFill>
+                  <a:schemeClr val="tx1"/>
+                </a:solidFill>
+                <a:latin typeface="Arial Narrow" pitchFamily="34" charset="0"/>
+                <a:ea typeface="MS PGothic" pitchFamily="34" charset="-128"/>
+              </a:defRPr>
+            </a:lvl3pPr>
+            <a:lvl4pPr marL="1600200" indent="-228600" defTabSz="457200">
+              <a:buFont typeface="Lucida Grande" charset="0"/>
+              <a:buChar char="–"/>
+              <a:tabLst>
+                <a:tab pos="0" algn="l"/>
+                <a:tab pos="457200" algn="l"/>
+                <a:tab pos="914400" algn="l"/>
+                <a:tab pos="1371600" algn="l"/>
+                <a:tab pos="1828800" algn="l"/>
+                <a:tab pos="2286000" algn="l"/>
+                <a:tab pos="2743200" algn="l"/>
+                <a:tab pos="3200400" algn="l"/>
+                <a:tab pos="3657600" algn="l"/>
+                <a:tab pos="4114800" algn="l"/>
+                <a:tab pos="4572000" algn="l"/>
+                <a:tab pos="5029200" algn="l"/>
+                <a:tab pos="5486400" algn="l"/>
+                <a:tab pos="5943600" algn="l"/>
+                <a:tab pos="6400800" algn="l"/>
+                <a:tab pos="6858000" algn="l"/>
+                <a:tab pos="7315200" algn="l"/>
+                <a:tab pos="7772400" algn="l"/>
+                <a:tab pos="8229600" algn="l"/>
+                <a:tab pos="8686800" algn="l"/>
+                <a:tab pos="9144000" algn="l"/>
+              </a:tabLst>
+              <a:defRPr sz="2400">
+                <a:solidFill>
+                  <a:schemeClr val="tx1"/>
+                </a:solidFill>
+                <a:latin typeface="Arial Narrow" pitchFamily="34" charset="0"/>
+                <a:ea typeface="MS PGothic" pitchFamily="34" charset="-128"/>
+              </a:defRPr>
+            </a:lvl4pPr>
+            <a:lvl5pPr marL="2057400" indent="-228600" defTabSz="457200">
+              <a:buFont typeface="Lucida Grande" charset="0"/>
+              <a:buChar char="–"/>
+              <a:tabLst>
+                <a:tab pos="0" algn="l"/>
+                <a:tab pos="457200" algn="l"/>
+                <a:tab pos="914400" algn="l"/>
+                <a:tab pos="1371600" algn="l"/>
+                <a:tab pos="1828800" algn="l"/>
+                <a:tab pos="2286000" algn="l"/>
+                <a:tab pos="2743200" algn="l"/>
+                <a:tab pos="3200400" algn="l"/>
+                <a:tab pos="3657600" algn="l"/>
+                <a:tab pos="4114800" algn="l"/>
+                <a:tab pos="4572000" algn="l"/>
+                <a:tab pos="5029200" algn="l"/>
+                <a:tab pos="5486400" algn="l"/>
+                <a:tab pos="5943600" algn="l"/>
+                <a:tab pos="6400800" algn="l"/>
+                <a:tab pos="6858000" algn="l"/>
+                <a:tab pos="7315200" algn="l"/>
+                <a:tab pos="7772400" algn="l"/>
+                <a:tab pos="8229600" algn="l"/>
+                <a:tab pos="8686800" algn="l"/>
+                <a:tab pos="9144000" algn="l"/>
+              </a:tabLst>
+              <a:defRPr sz="2400">
+                <a:solidFill>
+                  <a:schemeClr val="tx1"/>
+                </a:solidFill>
+                <a:latin typeface="Arial Narrow" pitchFamily="34" charset="0"/>
+                <a:ea typeface="ヒラギノ角ゴ Pro W3" charset="-128"/>
+              </a:defRPr>
+            </a:lvl5pPr>
+            <a:lvl6pPr marL="2514600" indent="-228600" defTabSz="457200" eaLnBrk="0" fontAlgn="base" hangingPunct="0">
+              <a:lnSpc>
+                <a:spcPct val="110000"/>
+              </a:lnSpc>
+              <a:spcBef>
+                <a:spcPct val="0"/>
+              </a:spcBef>
+              <a:spcAft>
+                <a:spcPct val="0"/>
+              </a:spcAft>
+              <a:buFont typeface="Lucida Grande" charset="0"/>
+              <a:buChar char="–"/>
+              <a:tabLst>
+                <a:tab pos="0" algn="l"/>
+                <a:tab pos="457200" algn="l"/>
+                <a:tab pos="914400" algn="l"/>
+                <a:tab pos="1371600" algn="l"/>
+                <a:tab pos="1828800" algn="l"/>
+                <a:tab pos="2286000" algn="l"/>
+                <a:tab pos="2743200" algn="l"/>
+                <a:tab pos="3200400" algn="l"/>
+                <a:tab pos="3657600" algn="l"/>
+                <a:tab pos="4114800" algn="l"/>
+                <a:tab pos="4572000" algn="l"/>
+                <a:tab pos="5029200" algn="l"/>
+                <a:tab pos="5486400" algn="l"/>
+                <a:tab pos="5943600" algn="l"/>
+                <a:tab pos="6400800" algn="l"/>
+                <a:tab pos="6858000" algn="l"/>
+                <a:tab pos="7315200" algn="l"/>
+                <a:tab pos="7772400" algn="l"/>
+                <a:tab pos="8229600" algn="l"/>
+                <a:tab pos="8686800" algn="l"/>
+                <a:tab pos="9144000" algn="l"/>
+              </a:tabLst>
+              <a:defRPr sz="2400">
+                <a:solidFill>
+                  <a:schemeClr val="tx1"/>
+                </a:solidFill>
+                <a:latin typeface="Arial Narrow" pitchFamily="34" charset="0"/>
+                <a:ea typeface="ヒラギノ角ゴ Pro W3" charset="-128"/>
+              </a:defRPr>
+            </a:lvl6pPr>
+            <a:lvl7pPr marL="2971800" indent="-228600" defTabSz="457200" eaLnBrk="0" fontAlgn="base" hangingPunct="0">
+              <a:lnSpc>
+                <a:spcPct val="110000"/>
+              </a:lnSpc>
+              <a:spcBef>
+                <a:spcPct val="0"/>
+              </a:spcBef>
+              <a:spcAft>
+                <a:spcPct val="0"/>
+              </a:spcAft>
+              <a:buFont typeface="Lucida Grande" charset="0"/>
+              <a:buChar char="–"/>
+              <a:tabLst>
+                <a:tab pos="0" algn="l"/>
+                <a:tab pos="457200" algn="l"/>
+                <a:tab pos="914400" algn="l"/>
+                <a:tab pos="1371600" algn="l"/>
+                <a:tab pos="1828800" algn="l"/>
+                <a:tab pos="2286000" algn="l"/>
+                <a:tab pos="2743200" algn="l"/>
+                <a:tab pos="3200400" algn="l"/>
+                <a:tab pos="3657600" algn="l"/>
+                <a:tab pos="4114800" algn="l"/>
+                <a:tab pos="4572000" algn="l"/>
+                <a:tab pos="5029200" algn="l"/>
+                <a:tab pos="5486400" algn="l"/>
+                <a:tab pos="5943600" algn="l"/>
+                <a:tab pos="6400800" algn="l"/>
+                <a:tab pos="6858000" algn="l"/>
+                <a:tab pos="7315200" algn="l"/>
+                <a:tab pos="7772400" algn="l"/>
+                <a:tab pos="8229600" algn="l"/>
+                <a:tab pos="8686800" algn="l"/>
+                <a:tab pos="9144000" algn="l"/>
+              </a:tabLst>
+              <a:defRPr sz="2400">
+                <a:solidFill>
+                  <a:schemeClr val="tx1"/>
+                </a:solidFill>
+                <a:latin typeface="Arial Narrow" pitchFamily="34" charset="0"/>
+                <a:ea typeface="ヒラギノ角ゴ Pro W3" charset="-128"/>
+              </a:defRPr>
+            </a:lvl7pPr>
+            <a:lvl8pPr marL="3429000" indent="-228600" defTabSz="457200" eaLnBrk="0" fontAlgn="base" hangingPunct="0">
+              <a:lnSpc>
+                <a:spcPct val="110000"/>
+              </a:lnSpc>
+              <a:spcBef>
+                <a:spcPct val="0"/>
+              </a:spcBef>
+              <a:spcAft>
+                <a:spcPct val="0"/>
+              </a:spcAft>
+              <a:buFont typeface="Lucida Grande" charset="0"/>
+              <a:buChar char="–"/>
+              <a:tabLst>
+                <a:tab pos="0" algn="l"/>
+                <a:tab pos="457200" algn="l"/>
+                <a:tab pos="914400" algn="l"/>
+                <a:tab pos="1371600" algn="l"/>
+                <a:tab pos="1828800" algn="l"/>
+                <a:tab pos="2286000" algn="l"/>
+                <a:tab pos="2743200" algn="l"/>
+                <a:tab pos="3200400" algn="l"/>
+                <a:tab pos="3657600" algn="l"/>
+                <a:tab pos="4114800" algn="l"/>
+                <a:tab pos="4572000" algn="l"/>
+                <a:tab pos="5029200" algn="l"/>
+                <a:tab pos="5486400" algn="l"/>
+                <a:tab pos="5943600" algn="l"/>
+                <a:tab pos="6400800" algn="l"/>
+                <a:tab pos="6858000" algn="l"/>
+                <a:tab pos="7315200" algn="l"/>
+                <a:tab pos="7772400" algn="l"/>
+                <a:tab pos="8229600" algn="l"/>
+                <a:tab pos="8686800" algn="l"/>
+                <a:tab pos="9144000" algn="l"/>
+              </a:tabLst>
+              <a:defRPr sz="2400">
+                <a:solidFill>
+                  <a:schemeClr val="tx1"/>
+                </a:solidFill>
+                <a:latin typeface="Arial Narrow" pitchFamily="34" charset="0"/>
+                <a:ea typeface="ヒラギノ角ゴ Pro W3" charset="-128"/>
+              </a:defRPr>
+            </a:lvl8pPr>
+            <a:lvl9pPr marL="3886200" indent="-228600" defTabSz="457200" eaLnBrk="0" fontAlgn="base" hangingPunct="0">
+              <a:lnSpc>
+                <a:spcPct val="110000"/>
+              </a:lnSpc>
+              <a:spcBef>
+                <a:spcPct val="0"/>
+              </a:spcBef>
+              <a:spcAft>
+                <a:spcPct val="0"/>
+              </a:spcAft>
+              <a:buFont typeface="Lucida Grande" charset="0"/>
+              <a:buChar char="–"/>
+              <a:tabLst>
+                <a:tab pos="0" algn="l"/>
+                <a:tab pos="457200" algn="l"/>
+                <a:tab pos="914400" algn="l"/>
+                <a:tab pos="1371600" algn="l"/>
+                <a:tab pos="1828800" algn="l"/>
+                <a:tab pos="2286000" algn="l"/>
+                <a:tab pos="2743200" algn="l"/>
+                <a:tab pos="3200400" algn="l"/>
+                <a:tab pos="3657600" algn="l"/>
+                <a:tab pos="4114800" algn="l"/>
+                <a:tab pos="4572000" algn="l"/>
+                <a:tab pos="5029200" algn="l"/>
+                <a:tab pos="5486400" algn="l"/>
+                <a:tab pos="5943600" algn="l"/>
+                <a:tab pos="6400800" algn="l"/>
+                <a:tab pos="6858000" algn="l"/>
+                <a:tab pos="7315200" algn="l"/>
+                <a:tab pos="7772400" algn="l"/>
+                <a:tab pos="8229600" algn="l"/>
+                <a:tab pos="8686800" algn="l"/>
+                <a:tab pos="9144000" algn="l"/>
+              </a:tabLst>
+              <a:defRPr sz="2400">
+                <a:solidFill>
+                  <a:schemeClr val="tx1"/>
+                </a:solidFill>
+                <a:latin typeface="Arial Narrow" pitchFamily="34" charset="0"/>
+                <a:ea typeface="ヒラギノ角ゴ Pro W3" charset="-128"/>
+              </a:defRPr>
+            </a:lvl9pPr>
+          </a:lstStyle>
+          <a:p>
+            <a:pPr>
+              <a:buClr>
+                <a:srgbClr val="000000"/>
+              </a:buClr>
+              <a:buNone/>
+            </a:pPr>
+            <a:r>
+              <a:rPr lang="en-US" altLang="ko-KR" sz="1200" b="1" dirty="0">
+                <a:solidFill>
+                  <a:srgbClr val="003B6E"/>
+                </a:solidFill>
+                <a:latin typeface="+mn-lt"/>
+                <a:ea typeface="Gulim" pitchFamily="34" charset="-127"/>
+                <a:cs typeface="Arial Unicode MS" pitchFamily="34" charset="-128"/>
+              </a:rPr>
+              <a:t>Future Development</a:t>
+            </a:r>
+          </a:p>
+        </p:txBody>
+      </p:sp>
+      <p:sp>
+        <p:nvSpPr>
+          <p:cNvPr id="109" name="Text Box 12"/>
+          <p:cNvSpPr txBox="1">
+            <a:spLocks noChangeArrowheads="1"/>
+          </p:cNvSpPr>
+          <p:nvPr/>
+        </p:nvSpPr>
+        <p:spPr bwMode="auto">
+          <a:xfrm>
+            <a:off x="7462007" y="6165304"/>
+            <a:ext cx="1582830" cy="305192"/>
+          </a:xfrm>
+          <a:prstGeom prst="rect">
+            <a:avLst/>
+          </a:prstGeom>
+          <a:solidFill>
+            <a:srgbClr val="FFF5D6"/>
+          </a:solidFill>
+          <a:ln w="9360">
+            <a:noFill/>
+            <a:miter lim="800000"/>
+            <a:headEnd/>
+            <a:tailEnd/>
+          </a:ln>
+        </p:spPr>
+        <p:txBody>
+          <a:bodyPr wrap="square" lIns="90000" tIns="46800" rIns="90000" bIns="46800" anchor="ctr">
+            <a:noAutofit/>
+          </a:bodyPr>
+          <a:lstStyle>
+            <a:lvl1pPr defTabSz="457200">
+              <a:buChar char="•"/>
+              <a:tabLst>
+                <a:tab pos="0" algn="l"/>
+                <a:tab pos="457200" algn="l"/>
+                <a:tab pos="914400" algn="l"/>
+                <a:tab pos="1371600" algn="l"/>
+                <a:tab pos="1828800" algn="l"/>
+                <a:tab pos="2286000" algn="l"/>
+                <a:tab pos="2743200" algn="l"/>
+                <a:tab pos="3200400" algn="l"/>
+                <a:tab pos="3657600" algn="l"/>
+                <a:tab pos="4114800" algn="l"/>
+                <a:tab pos="4572000" algn="l"/>
+                <a:tab pos="5029200" algn="l"/>
+                <a:tab pos="5486400" algn="l"/>
+                <a:tab pos="5943600" algn="l"/>
+                <a:tab pos="6400800" algn="l"/>
+                <a:tab pos="6858000" algn="l"/>
+                <a:tab pos="7315200" algn="l"/>
+                <a:tab pos="7772400" algn="l"/>
+                <a:tab pos="8229600" algn="l"/>
+                <a:tab pos="8686800" algn="l"/>
+                <a:tab pos="9144000" algn="l"/>
+              </a:tabLst>
+              <a:defRPr sz="2400">
+                <a:solidFill>
+                  <a:schemeClr val="tx1"/>
+                </a:solidFill>
+                <a:latin typeface="Arial Narrow" pitchFamily="34" charset="0"/>
+                <a:ea typeface="ヒラギノ角ゴ Pro W3" charset="-128"/>
+              </a:defRPr>
+            </a:lvl1pPr>
+            <a:lvl2pPr marL="742950" indent="-285750" defTabSz="457200">
+              <a:buClr>
+                <a:schemeClr val="tx1"/>
+              </a:buClr>
+              <a:buSzPct val="120000"/>
+              <a:buChar char="•"/>
+              <a:tabLst>
+                <a:tab pos="0" algn="l"/>
+                <a:tab pos="457200" algn="l"/>
+                <a:tab pos="914400" algn="l"/>
+                <a:tab pos="1371600" algn="l"/>
+                <a:tab pos="1828800" algn="l"/>
+                <a:tab pos="2286000" algn="l"/>
+                <a:tab pos="2743200" algn="l"/>
+                <a:tab pos="3200400" algn="l"/>
+                <a:tab pos="3657600" algn="l"/>
+                <a:tab pos="4114800" algn="l"/>
+                <a:tab pos="4572000" algn="l"/>
+                <a:tab pos="5029200" algn="l"/>
+                <a:tab pos="5486400" algn="l"/>
+                <a:tab pos="5943600" algn="l"/>
+                <a:tab pos="6400800" algn="l"/>
+                <a:tab pos="6858000" algn="l"/>
+                <a:tab pos="7315200" algn="l"/>
+                <a:tab pos="7772400" algn="l"/>
+                <a:tab pos="8229600" algn="l"/>
+                <a:tab pos="8686800" algn="l"/>
+                <a:tab pos="9144000" algn="l"/>
+              </a:tabLst>
+              <a:defRPr sz="2400">
+                <a:solidFill>
+                  <a:schemeClr val="tx1"/>
+                </a:solidFill>
+                <a:latin typeface="Arial Narrow" pitchFamily="34" charset="0"/>
+                <a:ea typeface="ヒラギノ角ゴ Pro W3" charset="-128"/>
+              </a:defRPr>
+            </a:lvl2pPr>
+            <a:lvl3pPr marL="1143000" indent="-228600" defTabSz="457200">
+              <a:buFont typeface="Times" pitchFamily="18" charset="0"/>
+              <a:buChar char="–"/>
+              <a:tabLst>
+                <a:tab pos="0" algn="l"/>
+                <a:tab pos="457200" algn="l"/>
+                <a:tab pos="914400" algn="l"/>
+                <a:tab pos="1371600" algn="l"/>
+                <a:tab pos="1828800" algn="l"/>
+                <a:tab pos="2286000" algn="l"/>
+                <a:tab pos="2743200" algn="l"/>
+                <a:tab pos="3200400" algn="l"/>
+                <a:tab pos="3657600" algn="l"/>
+                <a:tab pos="4114800" algn="l"/>
+                <a:tab pos="4572000" algn="l"/>
+                <a:tab pos="5029200" algn="l"/>
+                <a:tab pos="5486400" algn="l"/>
+                <a:tab pos="5943600" algn="l"/>
+                <a:tab pos="6400800" algn="l"/>
+                <a:tab pos="6858000" algn="l"/>
+                <a:tab pos="7315200" algn="l"/>
+                <a:tab pos="7772400" algn="l"/>
+                <a:tab pos="8229600" algn="l"/>
+                <a:tab pos="8686800" algn="l"/>
+                <a:tab pos="9144000" algn="l"/>
+              </a:tabLst>
+              <a:defRPr sz="1700">
+                <a:solidFill>
+                  <a:schemeClr val="tx1"/>
+                </a:solidFill>
+                <a:latin typeface="Arial Narrow" pitchFamily="34" charset="0"/>
+                <a:ea typeface="MS PGothic" pitchFamily="34" charset="-128"/>
+              </a:defRPr>
+            </a:lvl3pPr>
+            <a:lvl4pPr marL="1600200" indent="-228600" defTabSz="457200">
+              <a:buFont typeface="Lucida Grande" charset="0"/>
+              <a:buChar char="–"/>
+              <a:tabLst>
+                <a:tab pos="0" algn="l"/>
+                <a:tab pos="457200" algn="l"/>
+                <a:tab pos="914400" algn="l"/>
+                <a:tab pos="1371600" algn="l"/>
+                <a:tab pos="1828800" algn="l"/>
+                <a:tab pos="2286000" algn="l"/>
+                <a:tab pos="2743200" algn="l"/>
+                <a:tab pos="3200400" algn="l"/>
+                <a:tab pos="3657600" algn="l"/>
+                <a:tab pos="4114800" algn="l"/>
+                <a:tab pos="4572000" algn="l"/>
+                <a:tab pos="5029200" algn="l"/>
+                <a:tab pos="5486400" algn="l"/>
+                <a:tab pos="5943600" algn="l"/>
+                <a:tab pos="6400800" algn="l"/>
+                <a:tab pos="6858000" algn="l"/>
+                <a:tab pos="7315200" algn="l"/>
+                <a:tab pos="7772400" algn="l"/>
+                <a:tab pos="8229600" algn="l"/>
+                <a:tab pos="8686800" algn="l"/>
+                <a:tab pos="9144000" algn="l"/>
+              </a:tabLst>
+              <a:defRPr sz="2400">
+                <a:solidFill>
+                  <a:schemeClr val="tx1"/>
+                </a:solidFill>
+                <a:latin typeface="Arial Narrow" pitchFamily="34" charset="0"/>
+                <a:ea typeface="MS PGothic" pitchFamily="34" charset="-128"/>
+              </a:defRPr>
+            </a:lvl4pPr>
+            <a:lvl5pPr marL="2057400" indent="-228600" defTabSz="457200">
+              <a:buFont typeface="Lucida Grande" charset="0"/>
+              <a:buChar char="–"/>
+              <a:tabLst>
+                <a:tab pos="0" algn="l"/>
+                <a:tab pos="457200" algn="l"/>
+                <a:tab pos="914400" algn="l"/>
+                <a:tab pos="1371600" algn="l"/>
+                <a:tab pos="1828800" algn="l"/>
+                <a:tab pos="2286000" algn="l"/>
+                <a:tab pos="2743200" algn="l"/>
+                <a:tab pos="3200400" algn="l"/>
+                <a:tab pos="3657600" algn="l"/>
+                <a:tab pos="4114800" algn="l"/>
+                <a:tab pos="4572000" algn="l"/>
+                <a:tab pos="5029200" algn="l"/>
+                <a:tab pos="5486400" algn="l"/>
+                <a:tab pos="5943600" algn="l"/>
+                <a:tab pos="6400800" algn="l"/>
+                <a:tab pos="6858000" algn="l"/>
+                <a:tab pos="7315200" algn="l"/>
+                <a:tab pos="7772400" algn="l"/>
+                <a:tab pos="8229600" algn="l"/>
+                <a:tab pos="8686800" algn="l"/>
+                <a:tab pos="9144000" algn="l"/>
+              </a:tabLst>
+              <a:defRPr sz="2400">
+                <a:solidFill>
+                  <a:schemeClr val="tx1"/>
+                </a:solidFill>
+                <a:latin typeface="Arial Narrow" pitchFamily="34" charset="0"/>
+                <a:ea typeface="ヒラギノ角ゴ Pro W3" charset="-128"/>
+              </a:defRPr>
+            </a:lvl5pPr>
+            <a:lvl6pPr marL="2514600" indent="-228600" defTabSz="457200" eaLnBrk="0" fontAlgn="base" hangingPunct="0">
+              <a:lnSpc>
+                <a:spcPct val="110000"/>
+              </a:lnSpc>
+              <a:spcBef>
+                <a:spcPct val="0"/>
+              </a:spcBef>
+              <a:spcAft>
+                <a:spcPct val="0"/>
+              </a:spcAft>
+              <a:buFont typeface="Lucida Grande" charset="0"/>
+              <a:buChar char="–"/>
+              <a:tabLst>
+                <a:tab pos="0" algn="l"/>
+                <a:tab pos="457200" algn="l"/>
+                <a:tab pos="914400" algn="l"/>
+                <a:tab pos="1371600" algn="l"/>
+                <a:tab pos="1828800" algn="l"/>
+                <a:tab pos="2286000" algn="l"/>
+                <a:tab pos="2743200" algn="l"/>
+                <a:tab pos="3200400" algn="l"/>
+                <a:tab pos="3657600" algn="l"/>
+                <a:tab pos="4114800" algn="l"/>
+                <a:tab pos="4572000" algn="l"/>
+                <a:tab pos="5029200" algn="l"/>
+                <a:tab pos="5486400" algn="l"/>
+                <a:tab pos="5943600" algn="l"/>
+                <a:tab pos="6400800" algn="l"/>
+                <a:tab pos="6858000" algn="l"/>
+                <a:tab pos="7315200" algn="l"/>
+                <a:tab pos="7772400" algn="l"/>
+                <a:tab pos="8229600" algn="l"/>
+                <a:tab pos="8686800" algn="l"/>
+                <a:tab pos="9144000" algn="l"/>
+              </a:tabLst>
+              <a:defRPr sz="2400">
+                <a:solidFill>
+                  <a:schemeClr val="tx1"/>
+                </a:solidFill>
+                <a:latin typeface="Arial Narrow" pitchFamily="34" charset="0"/>
+                <a:ea typeface="ヒラギノ角ゴ Pro W3" charset="-128"/>
+              </a:defRPr>
+            </a:lvl6pPr>
+            <a:lvl7pPr marL="2971800" indent="-228600" defTabSz="457200" eaLnBrk="0" fontAlgn="base" hangingPunct="0">
+              <a:lnSpc>
+                <a:spcPct val="110000"/>
+              </a:lnSpc>
+              <a:spcBef>
+                <a:spcPct val="0"/>
+              </a:spcBef>
+              <a:spcAft>
+                <a:spcPct val="0"/>
+              </a:spcAft>
+              <a:buFont typeface="Lucida Grande" charset="0"/>
+              <a:buChar char="–"/>
+              <a:tabLst>
+                <a:tab pos="0" algn="l"/>
+                <a:tab pos="457200" algn="l"/>
+                <a:tab pos="914400" algn="l"/>
+                <a:tab pos="1371600" algn="l"/>
+                <a:tab pos="1828800" algn="l"/>
+                <a:tab pos="2286000" algn="l"/>
+                <a:tab pos="2743200" algn="l"/>
+                <a:tab pos="3200400" algn="l"/>
+                <a:tab pos="3657600" algn="l"/>
+                <a:tab pos="4114800" algn="l"/>
+                <a:tab pos="4572000" algn="l"/>
+                <a:tab pos="5029200" algn="l"/>
+                <a:tab pos="5486400" algn="l"/>
+                <a:tab pos="5943600" algn="l"/>
+                <a:tab pos="6400800" algn="l"/>
+                <a:tab pos="6858000" algn="l"/>
+                <a:tab pos="7315200" algn="l"/>
+                <a:tab pos="7772400" algn="l"/>
+                <a:tab pos="8229600" algn="l"/>
+                <a:tab pos="8686800" algn="l"/>
+                <a:tab pos="9144000" algn="l"/>
+              </a:tabLst>
+              <a:defRPr sz="2400">
+                <a:solidFill>
+                  <a:schemeClr val="tx1"/>
+                </a:solidFill>
+                <a:latin typeface="Arial Narrow" pitchFamily="34" charset="0"/>
+                <a:ea typeface="ヒラギノ角ゴ Pro W3" charset="-128"/>
+              </a:defRPr>
+            </a:lvl7pPr>
+            <a:lvl8pPr marL="3429000" indent="-228600" defTabSz="457200" eaLnBrk="0" fontAlgn="base" hangingPunct="0">
+              <a:lnSpc>
+                <a:spcPct val="110000"/>
+              </a:lnSpc>
+              <a:spcBef>
+                <a:spcPct val="0"/>
+              </a:spcBef>
+              <a:spcAft>
+                <a:spcPct val="0"/>
+              </a:spcAft>
+              <a:buFont typeface="Lucida Grande" charset="0"/>
+              <a:buChar char="–"/>
+              <a:tabLst>
+                <a:tab pos="0" algn="l"/>
+                <a:tab pos="457200" algn="l"/>
+                <a:tab pos="914400" algn="l"/>
+                <a:tab pos="1371600" algn="l"/>
+                <a:tab pos="1828800" algn="l"/>
+                <a:tab pos="2286000" algn="l"/>
+                <a:tab pos="2743200" algn="l"/>
+                <a:tab pos="3200400" algn="l"/>
+                <a:tab pos="3657600" algn="l"/>
+                <a:tab pos="4114800" algn="l"/>
+                <a:tab pos="4572000" algn="l"/>
+                <a:tab pos="5029200" algn="l"/>
+                <a:tab pos="5486400" algn="l"/>
+                <a:tab pos="5943600" algn="l"/>
+                <a:tab pos="6400800" algn="l"/>
+                <a:tab pos="6858000" algn="l"/>
+                <a:tab pos="7315200" algn="l"/>
+                <a:tab pos="7772400" algn="l"/>
+                <a:tab pos="8229600" algn="l"/>
+                <a:tab pos="8686800" algn="l"/>
+                <a:tab pos="9144000" algn="l"/>
+              </a:tabLst>
+              <a:defRPr sz="2400">
+                <a:solidFill>
+                  <a:schemeClr val="tx1"/>
+                </a:solidFill>
+                <a:latin typeface="Arial Narrow" pitchFamily="34" charset="0"/>
+                <a:ea typeface="ヒラギノ角ゴ Pro W3" charset="-128"/>
+              </a:defRPr>
+            </a:lvl8pPr>
+            <a:lvl9pPr marL="3886200" indent="-228600" defTabSz="457200" eaLnBrk="0" fontAlgn="base" hangingPunct="0">
+              <a:lnSpc>
+                <a:spcPct val="110000"/>
+              </a:lnSpc>
+              <a:spcBef>
+                <a:spcPct val="0"/>
+              </a:spcBef>
+              <a:spcAft>
+                <a:spcPct val="0"/>
+              </a:spcAft>
+              <a:buFont typeface="Lucida Grande" charset="0"/>
+              <a:buChar char="–"/>
+              <a:tabLst>
+                <a:tab pos="0" algn="l"/>
+                <a:tab pos="457200" algn="l"/>
+                <a:tab pos="914400" algn="l"/>
+                <a:tab pos="1371600" algn="l"/>
+                <a:tab pos="1828800" algn="l"/>
+                <a:tab pos="2286000" algn="l"/>
+                <a:tab pos="2743200" algn="l"/>
+                <a:tab pos="3200400" algn="l"/>
+                <a:tab pos="3657600" algn="l"/>
+                <a:tab pos="4114800" algn="l"/>
+                <a:tab pos="4572000" algn="l"/>
+                <a:tab pos="5029200" algn="l"/>
+                <a:tab pos="5486400" algn="l"/>
+                <a:tab pos="5943600" algn="l"/>
+                <a:tab pos="6400800" algn="l"/>
+                <a:tab pos="6858000" algn="l"/>
+                <a:tab pos="7315200" algn="l"/>
+                <a:tab pos="7772400" algn="l"/>
+                <a:tab pos="8229600" algn="l"/>
+                <a:tab pos="8686800" algn="l"/>
+                <a:tab pos="9144000" algn="l"/>
+              </a:tabLst>
+              <a:defRPr sz="2400">
+                <a:solidFill>
+                  <a:schemeClr val="tx1"/>
+                </a:solidFill>
+                <a:latin typeface="Arial Narrow" pitchFamily="34" charset="0"/>
+                <a:ea typeface="ヒラギノ角ゴ Pro W3" charset="-128"/>
+              </a:defRPr>
+            </a:lvl9pPr>
+          </a:lstStyle>
+          <a:p>
+            <a:pPr eaLnBrk="1" hangingPunct="1">
+              <a:spcBef>
+                <a:spcPts val="0"/>
+              </a:spcBef>
+              <a:buClr>
+                <a:srgbClr val="000000"/>
+              </a:buClr>
+              <a:buNone/>
+            </a:pPr>
+            <a:r>
+              <a:rPr lang="en-US" altLang="ko-KR" sz="1200" b="1" dirty="0">
+                <a:solidFill>
+                  <a:srgbClr val="003B6E"/>
+                </a:solidFill>
+                <a:latin typeface="+mn-lt"/>
+                <a:ea typeface="Gulim" pitchFamily="34" charset="-127"/>
+                <a:cs typeface="Arial Unicode MS" pitchFamily="34" charset="-128"/>
+              </a:rPr>
+              <a:t>Implemented</a:t>
+            </a:r>
+          </a:p>
+        </p:txBody>
+      </p:sp>
+      <p:sp>
+        <p:nvSpPr>
+          <p:cNvPr id="50" name="TextBox 49"/>
+          <p:cNvSpPr txBox="1"/>
+          <p:nvPr/>
+        </p:nvSpPr>
+        <p:spPr>
+          <a:xfrm>
+            <a:off x="6588224" y="-27384"/>
+            <a:ext cx="2627783" cy="400110"/>
+          </a:xfrm>
+          <a:prstGeom prst="rect">
+            <a:avLst/>
+          </a:prstGeom>
+          <a:noFill/>
+          <a:ln w="9525">
+            <a:noFill/>
+          </a:ln>
+        </p:spPr>
+        <p:txBody>
+          <a:bodyPr wrap="square" rtlCol="0" anchor="ctr">
+            <a:spAutoFit/>
+          </a:bodyPr>
+          <a:lstStyle/>
+          <a:p>
+            <a:r>
+              <a:rPr lang="en-US" sz="2000" b="1" dirty="0" err="1">
+                <a:latin typeface="Consolas" panose="020B0609020204030204" pitchFamily="49" charset="0"/>
+                <a:cs typeface="Consolas" panose="020B0609020204030204" pitchFamily="49" charset="0"/>
+              </a:rPr>
+              <a:t>gsa</a:t>
+            </a:r>
+            <a:r>
+              <a:rPr lang="en-US" sz="2000" b="1">
+                <a:latin typeface="Consolas" panose="020B0609020204030204" pitchFamily="49" charset="0"/>
+                <a:cs typeface="Consolas" panose="020B0609020204030204" pitchFamily="49" charset="0"/>
+              </a:rPr>
+              <a:t>-module</a:t>
+            </a:r>
+            <a:r>
+              <a:rPr lang="en-US" sz="2000" b="1">
+                <a:latin typeface="Consolas" panose="020B0609020204030204" pitchFamily="49" charset="0"/>
+              </a:rPr>
+              <a:t> </a:t>
+            </a:r>
+            <a:r>
+              <a:rPr lang="en-US" sz="2000" b="1" smtClean="0">
+                <a:latin typeface="Consolas" panose="020B0609020204030204" pitchFamily="49" charset="0"/>
+              </a:rPr>
+              <a:t>v0.5.0</a:t>
+            </a:r>
+            <a:endParaRPr lang="en-US" sz="2000" b="1" dirty="0">
+              <a:latin typeface="Consolas" panose="020B0609020204030204" pitchFamily="49" charset="0"/>
+            </a:endParaRPr>
+          </a:p>
+        </p:txBody>
+      </p:sp>
+      <p:grpSp>
+        <p:nvGrpSpPr>
+          <p:cNvPr id="51" name="Group 50"/>
+          <p:cNvGrpSpPr/>
+          <p:nvPr/>
+        </p:nvGrpSpPr>
+        <p:grpSpPr>
+          <a:xfrm>
+            <a:off x="3059833" y="2708920"/>
+            <a:ext cx="1482811" cy="943173"/>
+            <a:chOff x="4690610" y="2744313"/>
+            <a:chExt cx="2736305" cy="1329294"/>
+          </a:xfrm>
+        </p:grpSpPr>
+        <p:sp>
+          <p:nvSpPr>
+            <p:cNvPr id="53" name="Text Box 11"/>
+            <p:cNvSpPr txBox="1">
+              <a:spLocks noChangeArrowheads="1"/>
+            </p:cNvSpPr>
+            <p:nvPr/>
+          </p:nvSpPr>
+          <p:spPr bwMode="auto">
+            <a:xfrm>
+              <a:off x="4690610" y="2744313"/>
+              <a:ext cx="2736305" cy="1329294"/>
+            </a:xfrm>
+            <a:prstGeom prst="rect">
+              <a:avLst/>
+            </a:prstGeom>
+            <a:solidFill>
+              <a:srgbClr val="FFFFFF"/>
+            </a:solidFill>
+            <a:ln w="6350">
+              <a:solidFill>
+                <a:schemeClr val="tx1"/>
+              </a:solidFill>
+              <a:prstDash val="dashDot"/>
+              <a:miter lim="800000"/>
+              <a:headEnd/>
+              <a:tailEnd/>
+            </a:ln>
+          </p:spPr>
+          <p:txBody>
+            <a:bodyPr lIns="90000" tIns="46800" rIns="90000" bIns="46800"/>
+            <a:lstStyle>
+              <a:lvl1pPr defTabSz="457200">
+                <a:buChar char="•"/>
+                <a:tabLst>
+                  <a:tab pos="0" algn="l"/>
+                  <a:tab pos="457200" algn="l"/>
+                  <a:tab pos="914400" algn="l"/>
+                  <a:tab pos="1371600" algn="l"/>
+                  <a:tab pos="1828800" algn="l"/>
+                  <a:tab pos="2286000" algn="l"/>
+                  <a:tab pos="2743200" algn="l"/>
+                  <a:tab pos="3200400" algn="l"/>
+                  <a:tab pos="3657600" algn="l"/>
+                  <a:tab pos="4114800" algn="l"/>
+                  <a:tab pos="4572000" algn="l"/>
+                  <a:tab pos="5029200" algn="l"/>
+                  <a:tab pos="5486400" algn="l"/>
+                  <a:tab pos="5943600" algn="l"/>
+                  <a:tab pos="6400800" algn="l"/>
+                  <a:tab pos="6858000" algn="l"/>
+                  <a:tab pos="7315200" algn="l"/>
+                  <a:tab pos="7772400" algn="l"/>
+                  <a:tab pos="8229600" algn="l"/>
+                  <a:tab pos="8686800" algn="l"/>
+                  <a:tab pos="9144000" algn="l"/>
+                </a:tabLst>
+                <a:defRPr sz="2400">
+                  <a:solidFill>
+                    <a:schemeClr val="tx1"/>
+                  </a:solidFill>
+                  <a:latin typeface="Arial Narrow" pitchFamily="34" charset="0"/>
+                  <a:ea typeface="ヒラギノ角ゴ Pro W3" charset="-128"/>
+                </a:defRPr>
+              </a:lvl1pPr>
+              <a:lvl2pPr marL="742950" indent="-285750" defTabSz="457200">
+                <a:buClr>
+                  <a:schemeClr val="tx1"/>
+                </a:buClr>
+                <a:buSzPct val="120000"/>
+                <a:buChar char="•"/>
+                <a:tabLst>
+                  <a:tab pos="0" algn="l"/>
+                  <a:tab pos="457200" algn="l"/>
+                  <a:tab pos="914400" algn="l"/>
+                  <a:tab pos="1371600" algn="l"/>
+                  <a:tab pos="1828800" algn="l"/>
+                  <a:tab pos="2286000" algn="l"/>
+                  <a:tab pos="2743200" algn="l"/>
+                  <a:tab pos="3200400" algn="l"/>
+                  <a:tab pos="3657600" algn="l"/>
+                  <a:tab pos="4114800" algn="l"/>
+                  <a:tab pos="4572000" algn="l"/>
+                  <a:tab pos="5029200" algn="l"/>
+                  <a:tab pos="5486400" algn="l"/>
+                  <a:tab pos="5943600" algn="l"/>
+                  <a:tab pos="6400800" algn="l"/>
+                  <a:tab pos="6858000" algn="l"/>
+                  <a:tab pos="7315200" algn="l"/>
+                  <a:tab pos="7772400" algn="l"/>
+                  <a:tab pos="8229600" algn="l"/>
+                  <a:tab pos="8686800" algn="l"/>
+                  <a:tab pos="9144000" algn="l"/>
+                </a:tabLst>
+                <a:defRPr sz="2400">
+                  <a:solidFill>
+                    <a:schemeClr val="tx1"/>
+                  </a:solidFill>
+                  <a:latin typeface="Arial Narrow" pitchFamily="34" charset="0"/>
+                  <a:ea typeface="ヒラギノ角ゴ Pro W3" charset="-128"/>
+                </a:defRPr>
+              </a:lvl2pPr>
+              <a:lvl3pPr marL="1143000" indent="-228600" defTabSz="457200">
+                <a:buFont typeface="Times" pitchFamily="18" charset="0"/>
+                <a:buChar char="–"/>
+                <a:tabLst>
+                  <a:tab pos="0" algn="l"/>
+                  <a:tab pos="457200" algn="l"/>
+                  <a:tab pos="914400" algn="l"/>
+                  <a:tab pos="1371600" algn="l"/>
+                  <a:tab pos="1828800" algn="l"/>
+                  <a:tab pos="2286000" algn="l"/>
+                  <a:tab pos="2743200" algn="l"/>
+                  <a:tab pos="3200400" algn="l"/>
+                  <a:tab pos="3657600" algn="l"/>
+                  <a:tab pos="4114800" algn="l"/>
+                  <a:tab pos="4572000" algn="l"/>
+                  <a:tab pos="5029200" algn="l"/>
+                  <a:tab pos="5486400" algn="l"/>
+                  <a:tab pos="5943600" algn="l"/>
+                  <a:tab pos="6400800" algn="l"/>
+                  <a:tab pos="6858000" algn="l"/>
+                  <a:tab pos="7315200" algn="l"/>
+                  <a:tab pos="7772400" algn="l"/>
+                  <a:tab pos="8229600" algn="l"/>
+                  <a:tab pos="8686800" algn="l"/>
+                  <a:tab pos="9144000" algn="l"/>
+                </a:tabLst>
+                <a:defRPr sz="1700">
+                  <a:solidFill>
+                    <a:schemeClr val="tx1"/>
+                  </a:solidFill>
+                  <a:latin typeface="Arial Narrow" pitchFamily="34" charset="0"/>
+                  <a:ea typeface="MS PGothic" pitchFamily="34" charset="-128"/>
+                </a:defRPr>
+              </a:lvl3pPr>
+              <a:lvl4pPr marL="1600200" indent="-228600" defTabSz="457200">
+                <a:buFont typeface="Lucida Grande" charset="0"/>
+                <a:buChar char="–"/>
+                <a:tabLst>
+                  <a:tab pos="0" algn="l"/>
+                  <a:tab pos="457200" algn="l"/>
+                  <a:tab pos="914400" algn="l"/>
+                  <a:tab pos="1371600" algn="l"/>
+                  <a:tab pos="1828800" algn="l"/>
+                  <a:tab pos="2286000" algn="l"/>
+                  <a:tab pos="2743200" algn="l"/>
+                  <a:tab pos="3200400" algn="l"/>
+                  <a:tab pos="3657600" algn="l"/>
+                  <a:tab pos="4114800" algn="l"/>
+                  <a:tab pos="4572000" algn="l"/>
+                  <a:tab pos="5029200" algn="l"/>
+                  <a:tab pos="5486400" algn="l"/>
+                  <a:tab pos="5943600" algn="l"/>
+                  <a:tab pos="6400800" algn="l"/>
+                  <a:tab pos="6858000" algn="l"/>
+                  <a:tab pos="7315200" algn="l"/>
+                  <a:tab pos="7772400" algn="l"/>
+                  <a:tab pos="8229600" algn="l"/>
+                  <a:tab pos="8686800" algn="l"/>
+                  <a:tab pos="9144000" algn="l"/>
+                </a:tabLst>
+                <a:defRPr sz="2400">
+                  <a:solidFill>
+                    <a:schemeClr val="tx1"/>
+                  </a:solidFill>
+                  <a:latin typeface="Arial Narrow" pitchFamily="34" charset="0"/>
+                  <a:ea typeface="MS PGothic" pitchFamily="34" charset="-128"/>
+                </a:defRPr>
+              </a:lvl4pPr>
+              <a:lvl5pPr marL="2057400" indent="-228600" defTabSz="457200">
+                <a:buFont typeface="Lucida Grande" charset="0"/>
+                <a:buChar char="–"/>
+                <a:tabLst>
+                  <a:tab pos="0" algn="l"/>
+                  <a:tab pos="457200" algn="l"/>
+                  <a:tab pos="914400" algn="l"/>
+                  <a:tab pos="1371600" algn="l"/>
+                  <a:tab pos="1828800" algn="l"/>
+                  <a:tab pos="2286000" algn="l"/>
+                  <a:tab pos="2743200" algn="l"/>
+                  <a:tab pos="3200400" algn="l"/>
+                  <a:tab pos="3657600" algn="l"/>
+                  <a:tab pos="4114800" algn="l"/>
+                  <a:tab pos="4572000" algn="l"/>
+                  <a:tab pos="5029200" algn="l"/>
+                  <a:tab pos="5486400" algn="l"/>
+                  <a:tab pos="5943600" algn="l"/>
+                  <a:tab pos="6400800" algn="l"/>
+                  <a:tab pos="6858000" algn="l"/>
+                  <a:tab pos="7315200" algn="l"/>
+                  <a:tab pos="7772400" algn="l"/>
+                  <a:tab pos="8229600" algn="l"/>
+                  <a:tab pos="8686800" algn="l"/>
+                  <a:tab pos="9144000" algn="l"/>
+                </a:tabLst>
+                <a:defRPr sz="2400">
+                  <a:solidFill>
+                    <a:schemeClr val="tx1"/>
+                  </a:solidFill>
+                  <a:latin typeface="Arial Narrow" pitchFamily="34" charset="0"/>
+                  <a:ea typeface="ヒラギノ角ゴ Pro W3" charset="-128"/>
+                </a:defRPr>
+              </a:lvl5pPr>
+              <a:lvl6pPr marL="2514600" indent="-228600" defTabSz="457200" eaLnBrk="0" fontAlgn="base" hangingPunct="0">
+                <a:lnSpc>
+                  <a:spcPct val="110000"/>
+                </a:lnSpc>
+                <a:spcBef>
+                  <a:spcPct val="0"/>
+                </a:spcBef>
+                <a:spcAft>
+                  <a:spcPct val="0"/>
+                </a:spcAft>
+                <a:buFont typeface="Lucida Grande" charset="0"/>
+                <a:buChar char="–"/>
+                <a:tabLst>
+                  <a:tab pos="0" algn="l"/>
+                  <a:tab pos="457200" algn="l"/>
+                  <a:tab pos="914400" algn="l"/>
+                  <a:tab pos="1371600" algn="l"/>
+                  <a:tab pos="1828800" algn="l"/>
+                  <a:tab pos="2286000" algn="l"/>
+                  <a:tab pos="2743200" algn="l"/>
+                  <a:tab pos="3200400" algn="l"/>
+                  <a:tab pos="3657600" algn="l"/>
+                  <a:tab pos="4114800" algn="l"/>
+                  <a:tab pos="4572000" algn="l"/>
+                  <a:tab pos="5029200" algn="l"/>
+                  <a:tab pos="5486400" algn="l"/>
+                  <a:tab pos="5943600" algn="l"/>
+                  <a:tab pos="6400800" algn="l"/>
+                  <a:tab pos="6858000" algn="l"/>
+                  <a:tab pos="7315200" algn="l"/>
+                  <a:tab pos="7772400" algn="l"/>
+                  <a:tab pos="8229600" algn="l"/>
+                  <a:tab pos="8686800" algn="l"/>
+                  <a:tab pos="9144000" algn="l"/>
+                </a:tabLst>
+                <a:defRPr sz="2400">
+                  <a:solidFill>
+                    <a:schemeClr val="tx1"/>
+                  </a:solidFill>
+                  <a:latin typeface="Arial Narrow" pitchFamily="34" charset="0"/>
+                  <a:ea typeface="ヒラギノ角ゴ Pro W3" charset="-128"/>
+                </a:defRPr>
+              </a:lvl6pPr>
+              <a:lvl7pPr marL="2971800" indent="-228600" defTabSz="457200" eaLnBrk="0" fontAlgn="base" hangingPunct="0">
+                <a:lnSpc>
+                  <a:spcPct val="110000"/>
+                </a:lnSpc>
+                <a:spcBef>
+                  <a:spcPct val="0"/>
+                </a:spcBef>
+                <a:spcAft>
+                  <a:spcPct val="0"/>
+                </a:spcAft>
+                <a:buFont typeface="Lucida Grande" charset="0"/>
+                <a:buChar char="–"/>
+                <a:tabLst>
+                  <a:tab pos="0" algn="l"/>
+                  <a:tab pos="457200" algn="l"/>
+                  <a:tab pos="914400" algn="l"/>
+                  <a:tab pos="1371600" algn="l"/>
+                  <a:tab pos="1828800" algn="l"/>
+                  <a:tab pos="2286000" algn="l"/>
+                  <a:tab pos="2743200" algn="l"/>
+                  <a:tab pos="3200400" algn="l"/>
+                  <a:tab pos="3657600" algn="l"/>
+                  <a:tab pos="4114800" algn="l"/>
+                  <a:tab pos="4572000" algn="l"/>
+                  <a:tab pos="5029200" algn="l"/>
+                  <a:tab pos="5486400" algn="l"/>
+                  <a:tab pos="5943600" algn="l"/>
+                  <a:tab pos="6400800" algn="l"/>
+                  <a:tab pos="6858000" algn="l"/>
+                  <a:tab pos="7315200" algn="l"/>
+                  <a:tab pos="7772400" algn="l"/>
+                  <a:tab pos="8229600" algn="l"/>
+                  <a:tab pos="8686800" algn="l"/>
+                  <a:tab pos="9144000" algn="l"/>
+                </a:tabLst>
+                <a:defRPr sz="2400">
+                  <a:solidFill>
+                    <a:schemeClr val="tx1"/>
+                  </a:solidFill>
+                  <a:latin typeface="Arial Narrow" pitchFamily="34" charset="0"/>
+                  <a:ea typeface="ヒラギノ角ゴ Pro W3" charset="-128"/>
+                </a:defRPr>
+              </a:lvl7pPr>
+              <a:lvl8pPr marL="3429000" indent="-228600" defTabSz="457200" eaLnBrk="0" fontAlgn="base" hangingPunct="0">
+                <a:lnSpc>
+                  <a:spcPct val="110000"/>
+                </a:lnSpc>
+                <a:spcBef>
+                  <a:spcPct val="0"/>
+                </a:spcBef>
+                <a:spcAft>
+                  <a:spcPct val="0"/>
+                </a:spcAft>
+                <a:buFont typeface="Lucida Grande" charset="0"/>
+                <a:buChar char="–"/>
+                <a:tabLst>
+                  <a:tab pos="0" algn="l"/>
+                  <a:tab pos="457200" algn="l"/>
+                  <a:tab pos="914400" algn="l"/>
+                  <a:tab pos="1371600" algn="l"/>
+                  <a:tab pos="1828800" algn="l"/>
+                  <a:tab pos="2286000" algn="l"/>
+                  <a:tab pos="2743200" algn="l"/>
+                  <a:tab pos="3200400" algn="l"/>
+                  <a:tab pos="3657600" algn="l"/>
+                  <a:tab pos="4114800" algn="l"/>
+                  <a:tab pos="4572000" algn="l"/>
+                  <a:tab pos="5029200" algn="l"/>
+                  <a:tab pos="5486400" algn="l"/>
+                  <a:tab pos="5943600" algn="l"/>
+                  <a:tab pos="6400800" algn="l"/>
+                  <a:tab pos="6858000" algn="l"/>
+                  <a:tab pos="7315200" algn="l"/>
+                  <a:tab pos="7772400" algn="l"/>
+                  <a:tab pos="8229600" algn="l"/>
+                  <a:tab pos="8686800" algn="l"/>
+                  <a:tab pos="9144000" algn="l"/>
+                </a:tabLst>
+                <a:defRPr sz="2400">
+                  <a:solidFill>
+                    <a:schemeClr val="tx1"/>
+                  </a:solidFill>
+                  <a:latin typeface="Arial Narrow" pitchFamily="34" charset="0"/>
+                  <a:ea typeface="ヒラギノ角ゴ Pro W3" charset="-128"/>
+                </a:defRPr>
+              </a:lvl8pPr>
+              <a:lvl9pPr marL="3886200" indent="-228600" defTabSz="457200" eaLnBrk="0" fontAlgn="base" hangingPunct="0">
+                <a:lnSpc>
+                  <a:spcPct val="110000"/>
+                </a:lnSpc>
+                <a:spcBef>
+                  <a:spcPct val="0"/>
+                </a:spcBef>
+                <a:spcAft>
+                  <a:spcPct val="0"/>
+                </a:spcAft>
+                <a:buFont typeface="Lucida Grande" charset="0"/>
+                <a:buChar char="–"/>
+                <a:tabLst>
+                  <a:tab pos="0" algn="l"/>
+                  <a:tab pos="457200" algn="l"/>
+                  <a:tab pos="914400" algn="l"/>
+                  <a:tab pos="1371600" algn="l"/>
+                  <a:tab pos="1828800" algn="l"/>
+                  <a:tab pos="2286000" algn="l"/>
+                  <a:tab pos="2743200" algn="l"/>
+                  <a:tab pos="3200400" algn="l"/>
+                  <a:tab pos="3657600" algn="l"/>
+                  <a:tab pos="4114800" algn="l"/>
+                  <a:tab pos="4572000" algn="l"/>
+                  <a:tab pos="5029200" algn="l"/>
+                  <a:tab pos="5486400" algn="l"/>
+                  <a:tab pos="5943600" algn="l"/>
+                  <a:tab pos="6400800" algn="l"/>
+                  <a:tab pos="6858000" algn="l"/>
+                  <a:tab pos="7315200" algn="l"/>
+                  <a:tab pos="7772400" algn="l"/>
+                  <a:tab pos="8229600" algn="l"/>
+                  <a:tab pos="8686800" algn="l"/>
+                  <a:tab pos="9144000" algn="l"/>
+                </a:tabLst>
+                <a:defRPr sz="2400">
+                  <a:solidFill>
+                    <a:schemeClr val="tx1"/>
+                  </a:solidFill>
+                  <a:latin typeface="Arial Narrow" pitchFamily="34" charset="0"/>
+                  <a:ea typeface="ヒラギノ角ゴ Pro W3" charset="-128"/>
+                </a:defRPr>
+              </a:lvl9pPr>
+            </a:lstStyle>
+            <a:p>
+              <a:pPr eaLnBrk="1" hangingPunct="1">
+                <a:lnSpc>
+                  <a:spcPct val="100000"/>
+                </a:lnSpc>
+                <a:buClr>
+                  <a:srgbClr val="000000"/>
+                </a:buClr>
+                <a:buFont typeface="Times New Roman" pitchFamily="18" charset="0"/>
+                <a:buNone/>
+              </a:pPr>
+              <a:r>
+                <a:rPr lang="en-US" altLang="ko-KR" sz="1400" dirty="0" err="1">
+                  <a:solidFill>
+                    <a:srgbClr val="C50006"/>
+                  </a:solidFill>
+                  <a:latin typeface="Courier New" panose="02070309020205020404" pitchFamily="49" charset="0"/>
+                  <a:ea typeface="Gulim" pitchFamily="34" charset="-127"/>
+                  <a:cs typeface="Courier New" panose="02070309020205020404" pitchFamily="49" charset="0"/>
+                </a:rPr>
+                <a:t>qoi</a:t>
+              </a:r>
+              <a:r>
+                <a:rPr lang="en-US" altLang="ko-KR" sz="1400" dirty="0">
+                  <a:solidFill>
+                    <a:srgbClr val="C50006"/>
+                  </a:solidFill>
+                  <a:latin typeface="+mn-lt"/>
+                  <a:ea typeface="Gulim" pitchFamily="34" charset="-127"/>
+                  <a:cs typeface="Arial Unicode MS" pitchFamily="34" charset="-128"/>
+                </a:rPr>
+                <a:t> Module</a:t>
+              </a:r>
+            </a:p>
+          </p:txBody>
+        </p:sp>
+        <p:sp>
+          <p:nvSpPr>
+            <p:cNvPr id="55" name="Text Box 12"/>
+            <p:cNvSpPr txBox="1">
+              <a:spLocks noChangeArrowheads="1"/>
+            </p:cNvSpPr>
+            <p:nvPr/>
+          </p:nvSpPr>
+          <p:spPr bwMode="auto">
+            <a:xfrm>
+              <a:off x="4762617" y="3197432"/>
+              <a:ext cx="2604608" cy="835551"/>
+            </a:xfrm>
+            <a:prstGeom prst="rect">
+              <a:avLst/>
+            </a:prstGeom>
+            <a:solidFill>
+              <a:schemeClr val="bg1">
+                <a:lumMod val="85000"/>
+              </a:schemeClr>
+            </a:solidFill>
+            <a:ln w="9360">
+              <a:solidFill>
+                <a:schemeClr val="tx1"/>
+              </a:solidFill>
+              <a:prstDash val="dashDot"/>
+              <a:miter lim="800000"/>
+              <a:headEnd/>
+              <a:tailEnd/>
+            </a:ln>
+          </p:spPr>
+          <p:txBody>
+            <a:bodyPr wrap="square" lIns="90000" tIns="46800" rIns="90000" bIns="46800" anchor="ctr">
+              <a:noAutofit/>
+            </a:bodyPr>
+            <a:lstStyle>
+              <a:lvl1pPr defTabSz="457200">
+                <a:buChar char="•"/>
+                <a:tabLst>
+                  <a:tab pos="0" algn="l"/>
+                  <a:tab pos="457200" algn="l"/>
+                  <a:tab pos="914400" algn="l"/>
+                  <a:tab pos="1371600" algn="l"/>
+                  <a:tab pos="1828800" algn="l"/>
+                  <a:tab pos="2286000" algn="l"/>
+                  <a:tab pos="2743200" algn="l"/>
+                  <a:tab pos="3200400" algn="l"/>
+                  <a:tab pos="3657600" algn="l"/>
+                  <a:tab pos="4114800" algn="l"/>
+                  <a:tab pos="4572000" algn="l"/>
+                  <a:tab pos="5029200" algn="l"/>
+                  <a:tab pos="5486400" algn="l"/>
+                  <a:tab pos="5943600" algn="l"/>
+                  <a:tab pos="6400800" algn="l"/>
+                  <a:tab pos="6858000" algn="l"/>
+                  <a:tab pos="7315200" algn="l"/>
+                  <a:tab pos="7772400" algn="l"/>
+                  <a:tab pos="8229600" algn="l"/>
+                  <a:tab pos="8686800" algn="l"/>
+                  <a:tab pos="9144000" algn="l"/>
+                </a:tabLst>
+                <a:defRPr sz="2400">
+                  <a:solidFill>
+                    <a:schemeClr val="tx1"/>
+                  </a:solidFill>
+                  <a:latin typeface="Arial Narrow" pitchFamily="34" charset="0"/>
+                  <a:ea typeface="ヒラギノ角ゴ Pro W3" charset="-128"/>
+                </a:defRPr>
+              </a:lvl1pPr>
+              <a:lvl2pPr marL="742950" indent="-285750" defTabSz="457200">
+                <a:buClr>
+                  <a:schemeClr val="tx1"/>
+                </a:buClr>
+                <a:buSzPct val="120000"/>
+                <a:buChar char="•"/>
+                <a:tabLst>
+                  <a:tab pos="0" algn="l"/>
+                  <a:tab pos="457200" algn="l"/>
+                  <a:tab pos="914400" algn="l"/>
+                  <a:tab pos="1371600" algn="l"/>
+                  <a:tab pos="1828800" algn="l"/>
+                  <a:tab pos="2286000" algn="l"/>
+                  <a:tab pos="2743200" algn="l"/>
+                  <a:tab pos="3200400" algn="l"/>
+                  <a:tab pos="3657600" algn="l"/>
+                  <a:tab pos="4114800" algn="l"/>
+                  <a:tab pos="4572000" algn="l"/>
+                  <a:tab pos="5029200" algn="l"/>
+                  <a:tab pos="5486400" algn="l"/>
+                  <a:tab pos="5943600" algn="l"/>
+                  <a:tab pos="6400800" algn="l"/>
+                  <a:tab pos="6858000" algn="l"/>
+                  <a:tab pos="7315200" algn="l"/>
+                  <a:tab pos="7772400" algn="l"/>
+                  <a:tab pos="8229600" algn="l"/>
+                  <a:tab pos="8686800" algn="l"/>
+                  <a:tab pos="9144000" algn="l"/>
+                </a:tabLst>
+                <a:defRPr sz="2400">
+                  <a:solidFill>
+                    <a:schemeClr val="tx1"/>
+                  </a:solidFill>
+                  <a:latin typeface="Arial Narrow" pitchFamily="34" charset="0"/>
+                  <a:ea typeface="ヒラギノ角ゴ Pro W3" charset="-128"/>
+                </a:defRPr>
+              </a:lvl2pPr>
+              <a:lvl3pPr marL="1143000" indent="-228600" defTabSz="457200">
+                <a:buFont typeface="Times" pitchFamily="18" charset="0"/>
+                <a:buChar char="–"/>
+                <a:tabLst>
+                  <a:tab pos="0" algn="l"/>
+                  <a:tab pos="457200" algn="l"/>
+                  <a:tab pos="914400" algn="l"/>
+                  <a:tab pos="1371600" algn="l"/>
+                  <a:tab pos="1828800" algn="l"/>
+                  <a:tab pos="2286000" algn="l"/>
+                  <a:tab pos="2743200" algn="l"/>
+                  <a:tab pos="3200400" algn="l"/>
+                  <a:tab pos="3657600" algn="l"/>
+                  <a:tab pos="4114800" algn="l"/>
+                  <a:tab pos="4572000" algn="l"/>
+                  <a:tab pos="5029200" algn="l"/>
+                  <a:tab pos="5486400" algn="l"/>
+                  <a:tab pos="5943600" algn="l"/>
+                  <a:tab pos="6400800" algn="l"/>
+                  <a:tab pos="6858000" algn="l"/>
+                  <a:tab pos="7315200" algn="l"/>
+                  <a:tab pos="7772400" algn="l"/>
+                  <a:tab pos="8229600" algn="l"/>
+                  <a:tab pos="8686800" algn="l"/>
+                  <a:tab pos="9144000" algn="l"/>
+                </a:tabLst>
+                <a:defRPr sz="1700">
+                  <a:solidFill>
+                    <a:schemeClr val="tx1"/>
+                  </a:solidFill>
+                  <a:latin typeface="Arial Narrow" pitchFamily="34" charset="0"/>
+                  <a:ea typeface="MS PGothic" pitchFamily="34" charset="-128"/>
+                </a:defRPr>
+              </a:lvl3pPr>
+              <a:lvl4pPr marL="1600200" indent="-228600" defTabSz="457200">
+                <a:buFont typeface="Lucida Grande" charset="0"/>
+                <a:buChar char="–"/>
+                <a:tabLst>
+                  <a:tab pos="0" algn="l"/>
+                  <a:tab pos="457200" algn="l"/>
+                  <a:tab pos="914400" algn="l"/>
+                  <a:tab pos="1371600" algn="l"/>
+                  <a:tab pos="1828800" algn="l"/>
+                  <a:tab pos="2286000" algn="l"/>
+                  <a:tab pos="2743200" algn="l"/>
+                  <a:tab pos="3200400" algn="l"/>
+                  <a:tab pos="3657600" algn="l"/>
+                  <a:tab pos="4114800" algn="l"/>
+                  <a:tab pos="4572000" algn="l"/>
+                  <a:tab pos="5029200" algn="l"/>
+                  <a:tab pos="5486400" algn="l"/>
+                  <a:tab pos="5943600" algn="l"/>
+                  <a:tab pos="6400800" algn="l"/>
+                  <a:tab pos="6858000" algn="l"/>
+                  <a:tab pos="7315200" algn="l"/>
+                  <a:tab pos="7772400" algn="l"/>
+                  <a:tab pos="8229600" algn="l"/>
+                  <a:tab pos="8686800" algn="l"/>
+                  <a:tab pos="9144000" algn="l"/>
+                </a:tabLst>
+                <a:defRPr sz="2400">
+                  <a:solidFill>
+                    <a:schemeClr val="tx1"/>
+                  </a:solidFill>
+                  <a:latin typeface="Arial Narrow" pitchFamily="34" charset="0"/>
+                  <a:ea typeface="MS PGothic" pitchFamily="34" charset="-128"/>
+                </a:defRPr>
+              </a:lvl4pPr>
+              <a:lvl5pPr marL="2057400" indent="-228600" defTabSz="457200">
+                <a:buFont typeface="Lucida Grande" charset="0"/>
+                <a:buChar char="–"/>
+                <a:tabLst>
+                  <a:tab pos="0" algn="l"/>
+                  <a:tab pos="457200" algn="l"/>
+                  <a:tab pos="914400" algn="l"/>
+                  <a:tab pos="1371600" algn="l"/>
+                  <a:tab pos="1828800" algn="l"/>
+                  <a:tab pos="2286000" algn="l"/>
+                  <a:tab pos="2743200" algn="l"/>
+                  <a:tab pos="3200400" algn="l"/>
+                  <a:tab pos="3657600" algn="l"/>
+                  <a:tab pos="4114800" algn="l"/>
+                  <a:tab pos="4572000" algn="l"/>
+                  <a:tab pos="5029200" algn="l"/>
+                  <a:tab pos="5486400" algn="l"/>
+                  <a:tab pos="5943600" algn="l"/>
+                  <a:tab pos="6400800" algn="l"/>
+                  <a:tab pos="6858000" algn="l"/>
+                  <a:tab pos="7315200" algn="l"/>
+                  <a:tab pos="7772400" algn="l"/>
+                  <a:tab pos="8229600" algn="l"/>
+                  <a:tab pos="8686800" algn="l"/>
+                  <a:tab pos="9144000" algn="l"/>
+                </a:tabLst>
+                <a:defRPr sz="2400">
+                  <a:solidFill>
+                    <a:schemeClr val="tx1"/>
+                  </a:solidFill>
+                  <a:latin typeface="Arial Narrow" pitchFamily="34" charset="0"/>
+                  <a:ea typeface="ヒラギノ角ゴ Pro W3" charset="-128"/>
+                </a:defRPr>
+              </a:lvl5pPr>
+              <a:lvl6pPr marL="2514600" indent="-228600" defTabSz="457200" eaLnBrk="0" fontAlgn="base" hangingPunct="0">
+                <a:lnSpc>
+                  <a:spcPct val="110000"/>
+                </a:lnSpc>
+                <a:spcBef>
+                  <a:spcPct val="0"/>
+                </a:spcBef>
+                <a:spcAft>
+                  <a:spcPct val="0"/>
+                </a:spcAft>
+                <a:buFont typeface="Lucida Grande" charset="0"/>
+                <a:buChar char="–"/>
+                <a:tabLst>
+                  <a:tab pos="0" algn="l"/>
+                  <a:tab pos="457200" algn="l"/>
+                  <a:tab pos="914400" algn="l"/>
+                  <a:tab pos="1371600" algn="l"/>
+                  <a:tab pos="1828800" algn="l"/>
+                  <a:tab pos="2286000" algn="l"/>
+                  <a:tab pos="2743200" algn="l"/>
+                  <a:tab pos="3200400" algn="l"/>
+                  <a:tab pos="3657600" algn="l"/>
+                  <a:tab pos="4114800" algn="l"/>
+                  <a:tab pos="4572000" algn="l"/>
+                  <a:tab pos="5029200" algn="l"/>
+                  <a:tab pos="5486400" algn="l"/>
+                  <a:tab pos="5943600" algn="l"/>
+                  <a:tab pos="6400800" algn="l"/>
+                  <a:tab pos="6858000" algn="l"/>
+                  <a:tab pos="7315200" algn="l"/>
+                  <a:tab pos="7772400" algn="l"/>
+                  <a:tab pos="8229600" algn="l"/>
+                  <a:tab pos="8686800" algn="l"/>
+                  <a:tab pos="9144000" algn="l"/>
+                </a:tabLst>
+                <a:defRPr sz="2400">
+                  <a:solidFill>
+                    <a:schemeClr val="tx1"/>
+                  </a:solidFill>
+                  <a:latin typeface="Arial Narrow" pitchFamily="34" charset="0"/>
+                  <a:ea typeface="ヒラギノ角ゴ Pro W3" charset="-128"/>
+                </a:defRPr>
+              </a:lvl6pPr>
+              <a:lvl7pPr marL="2971800" indent="-228600" defTabSz="457200" eaLnBrk="0" fontAlgn="base" hangingPunct="0">
+                <a:lnSpc>
+                  <a:spcPct val="110000"/>
+                </a:lnSpc>
+                <a:spcBef>
+                  <a:spcPct val="0"/>
+                </a:spcBef>
+                <a:spcAft>
+                  <a:spcPct val="0"/>
+                </a:spcAft>
+                <a:buFont typeface="Lucida Grande" charset="0"/>
+                <a:buChar char="–"/>
+                <a:tabLst>
+                  <a:tab pos="0" algn="l"/>
+                  <a:tab pos="457200" algn="l"/>
+                  <a:tab pos="914400" algn="l"/>
+                  <a:tab pos="1371600" algn="l"/>
+                  <a:tab pos="1828800" algn="l"/>
+                  <a:tab pos="2286000" algn="l"/>
+                  <a:tab pos="2743200" algn="l"/>
+                  <a:tab pos="3200400" algn="l"/>
+                  <a:tab pos="3657600" algn="l"/>
+                  <a:tab pos="4114800" algn="l"/>
+                  <a:tab pos="4572000" algn="l"/>
+                  <a:tab pos="5029200" algn="l"/>
+                  <a:tab pos="5486400" algn="l"/>
+                  <a:tab pos="5943600" algn="l"/>
+                  <a:tab pos="6400800" algn="l"/>
+                  <a:tab pos="6858000" algn="l"/>
+                  <a:tab pos="7315200" algn="l"/>
+                  <a:tab pos="7772400" algn="l"/>
+                  <a:tab pos="8229600" algn="l"/>
+                  <a:tab pos="8686800" algn="l"/>
+                  <a:tab pos="9144000" algn="l"/>
+                </a:tabLst>
+                <a:defRPr sz="2400">
+                  <a:solidFill>
+                    <a:schemeClr val="tx1"/>
+                  </a:solidFill>
+                  <a:latin typeface="Arial Narrow" pitchFamily="34" charset="0"/>
+                  <a:ea typeface="ヒラギノ角ゴ Pro W3" charset="-128"/>
+                </a:defRPr>
+              </a:lvl7pPr>
+              <a:lvl8pPr marL="3429000" indent="-228600" defTabSz="457200" eaLnBrk="0" fontAlgn="base" hangingPunct="0">
+                <a:lnSpc>
+                  <a:spcPct val="110000"/>
+                </a:lnSpc>
+                <a:spcBef>
+                  <a:spcPct val="0"/>
+                </a:spcBef>
+                <a:spcAft>
+                  <a:spcPct val="0"/>
+                </a:spcAft>
+                <a:buFont typeface="Lucida Grande" charset="0"/>
+                <a:buChar char="–"/>
+                <a:tabLst>
+                  <a:tab pos="0" algn="l"/>
+                  <a:tab pos="457200" algn="l"/>
+                  <a:tab pos="914400" algn="l"/>
+                  <a:tab pos="1371600" algn="l"/>
+                  <a:tab pos="1828800" algn="l"/>
+                  <a:tab pos="2286000" algn="l"/>
+                  <a:tab pos="2743200" algn="l"/>
+                  <a:tab pos="3200400" algn="l"/>
+                  <a:tab pos="3657600" algn="l"/>
+                  <a:tab pos="4114800" algn="l"/>
+                  <a:tab pos="4572000" algn="l"/>
+                  <a:tab pos="5029200" algn="l"/>
+                  <a:tab pos="5486400" algn="l"/>
+                  <a:tab pos="5943600" algn="l"/>
+                  <a:tab pos="6400800" algn="l"/>
+                  <a:tab pos="6858000" algn="l"/>
+                  <a:tab pos="7315200" algn="l"/>
+                  <a:tab pos="7772400" algn="l"/>
+                  <a:tab pos="8229600" algn="l"/>
+                  <a:tab pos="8686800" algn="l"/>
+                  <a:tab pos="9144000" algn="l"/>
+                </a:tabLst>
+                <a:defRPr sz="2400">
+                  <a:solidFill>
+                    <a:schemeClr val="tx1"/>
+                  </a:solidFill>
+                  <a:latin typeface="Arial Narrow" pitchFamily="34" charset="0"/>
+                  <a:ea typeface="ヒラギノ角ゴ Pro W3" charset="-128"/>
+                </a:defRPr>
+              </a:lvl8pPr>
+              <a:lvl9pPr marL="3886200" indent="-228600" defTabSz="457200" eaLnBrk="0" fontAlgn="base" hangingPunct="0">
+                <a:lnSpc>
+                  <a:spcPct val="110000"/>
+                </a:lnSpc>
+                <a:spcBef>
+                  <a:spcPct val="0"/>
+                </a:spcBef>
+                <a:spcAft>
+                  <a:spcPct val="0"/>
+                </a:spcAft>
+                <a:buFont typeface="Lucida Grande" charset="0"/>
+                <a:buChar char="–"/>
+                <a:tabLst>
+                  <a:tab pos="0" algn="l"/>
+                  <a:tab pos="457200" algn="l"/>
+                  <a:tab pos="914400" algn="l"/>
+                  <a:tab pos="1371600" algn="l"/>
+                  <a:tab pos="1828800" algn="l"/>
+                  <a:tab pos="2286000" algn="l"/>
+                  <a:tab pos="2743200" algn="l"/>
+                  <a:tab pos="3200400" algn="l"/>
+                  <a:tab pos="3657600" algn="l"/>
+                  <a:tab pos="4114800" algn="l"/>
+                  <a:tab pos="4572000" algn="l"/>
+                  <a:tab pos="5029200" algn="l"/>
+                  <a:tab pos="5486400" algn="l"/>
+                  <a:tab pos="5943600" algn="l"/>
+                  <a:tab pos="6400800" algn="l"/>
+                  <a:tab pos="6858000" algn="l"/>
+                  <a:tab pos="7315200" algn="l"/>
+                  <a:tab pos="7772400" algn="l"/>
+                  <a:tab pos="8229600" algn="l"/>
+                  <a:tab pos="8686800" algn="l"/>
+                  <a:tab pos="9144000" algn="l"/>
+                </a:tabLst>
+                <a:defRPr sz="2400">
+                  <a:solidFill>
+                    <a:schemeClr val="tx1"/>
+                  </a:solidFill>
+                  <a:latin typeface="Arial Narrow" pitchFamily="34" charset="0"/>
+                  <a:ea typeface="ヒラギノ角ゴ Pro W3" charset="-128"/>
+                </a:defRPr>
+              </a:lvl9pPr>
+            </a:lstStyle>
+            <a:p>
+              <a:pPr marL="85725" indent="-85725" eaLnBrk="1" hangingPunct="1">
+                <a:spcBef>
+                  <a:spcPts val="0"/>
+                </a:spcBef>
+                <a:buClr>
+                  <a:srgbClr val="000000"/>
+                </a:buClr>
+              </a:pPr>
+              <a:r>
+                <a:rPr lang="en-US" altLang="ko-KR" sz="1000" dirty="0">
+                  <a:solidFill>
+                    <a:srgbClr val="003B6E"/>
+                  </a:solidFill>
+                  <a:latin typeface="+mn-lt"/>
+                  <a:ea typeface="Gulim" pitchFamily="34" charset="-127"/>
+                  <a:cs typeface="Arial Unicode MS" pitchFamily="34" charset="-128"/>
+                </a:rPr>
+                <a:t>Extract features from the raw output</a:t>
+              </a:r>
+            </a:p>
+            <a:p>
+              <a:pPr marL="85725" indent="-85725" eaLnBrk="1" hangingPunct="1">
+                <a:spcBef>
+                  <a:spcPts val="0"/>
+                </a:spcBef>
+                <a:buClr>
+                  <a:srgbClr val="000000"/>
+                </a:buClr>
+              </a:pPr>
+              <a:r>
+                <a:rPr lang="en-US" altLang="ko-KR" sz="1000" dirty="0">
+                  <a:solidFill>
+                    <a:srgbClr val="003B6E"/>
+                  </a:solidFill>
+                  <a:latin typeface="+mn-lt"/>
+                  <a:ea typeface="Gulim" pitchFamily="34" charset="-127"/>
+                  <a:cs typeface="Arial Unicode MS" pitchFamily="34" charset="-128"/>
+                </a:rPr>
+                <a:t>Max., min., </a:t>
+              </a:r>
+              <a:r>
+                <a:rPr lang="en-US" altLang="ko-KR" sz="1000" dirty="0" err="1">
+                  <a:solidFill>
+                    <a:srgbClr val="003B6E"/>
+                  </a:solidFill>
+                  <a:latin typeface="+mn-lt"/>
+                  <a:ea typeface="Gulim" pitchFamily="34" charset="-127"/>
+                  <a:cs typeface="Arial Unicode MS" pitchFamily="34" charset="-128"/>
+                </a:rPr>
+                <a:t>ave</a:t>
+              </a:r>
+              <a:r>
+                <a:rPr lang="en-US" altLang="ko-KR" sz="1000" dirty="0">
+                  <a:solidFill>
+                    <a:srgbClr val="003B6E"/>
+                  </a:solidFill>
+                  <a:latin typeface="+mn-lt"/>
+                  <a:ea typeface="Gulim" pitchFamily="34" charset="-127"/>
+                  <a:cs typeface="Arial Unicode MS" pitchFamily="34" charset="-128"/>
+                </a:rPr>
+                <a:t>, etc.</a:t>
+              </a:r>
+            </a:p>
+          </p:txBody>
+        </p:sp>
+      </p:grpSp>
+      <p:sp>
+        <p:nvSpPr>
+          <p:cNvPr id="56" name="Striped Right Arrow 55"/>
+          <p:cNvSpPr/>
+          <p:nvPr/>
+        </p:nvSpPr>
+        <p:spPr bwMode="auto">
+          <a:xfrm rot="10800000">
+            <a:off x="4643697" y="3033879"/>
+            <a:ext cx="288343" cy="292966"/>
+          </a:xfrm>
+          <a:prstGeom prst="stripedRightArrow">
+            <a:avLst>
+              <a:gd name="adj1" fmla="val 50000"/>
+              <a:gd name="adj2" fmla="val 51196"/>
+            </a:avLst>
+          </a:prstGeom>
+          <a:solidFill>
+            <a:srgbClr val="C50006"/>
+          </a:solidFill>
+          <a:ln w="9525" cap="flat" cmpd="sng" algn="ctr">
+            <a:noFill/>
+            <a:prstDash val="solid"/>
+            <a:round/>
+            <a:headEnd type="none" w="med" len="med"/>
+            <a:tailEnd type="none" w="med" len="med"/>
+          </a:ln>
+          <a:effectLst/>
+        </p:spPr>
+        <p:txBody>
+          <a:bodyPr vert="horz" wrap="square" lIns="91440" tIns="45720" rIns="91440" bIns="45720" numCol="1" rtlCol="0" anchor="t" anchorCtr="0" compatLnSpc="1">
+            <a:prstTxWarp prst="textNoShape">
+              <a:avLst/>
+            </a:prstTxWarp>
+          </a:bodyPr>
+          <a:lstStyle/>
+          <a:p>
+            <a:pPr marL="0" marR="0" indent="0" algn="l" defTabSz="914400" rtl="0" eaLnBrk="0" fontAlgn="base" latinLnBrk="0" hangingPunct="0">
+              <a:lnSpc>
+                <a:spcPct val="100000"/>
+              </a:lnSpc>
+              <a:spcBef>
+                <a:spcPct val="0"/>
+              </a:spcBef>
+              <a:spcAft>
+                <a:spcPct val="0"/>
+              </a:spcAft>
+              <a:buClrTx/>
+              <a:buSzTx/>
+              <a:buFontTx/>
+              <a:buNone/>
+              <a:tabLst/>
+            </a:pPr>
+            <a:endParaRPr kumimoji="0" lang="en-US" sz="2400" b="0" i="0" u="none" strike="noStrike" cap="none" normalizeH="0" baseline="0">
+              <a:ln>
+                <a:noFill/>
+              </a:ln>
+              <a:solidFill>
+                <a:schemeClr val="tx1"/>
+              </a:solidFill>
+              <a:effectLst/>
+              <a:latin typeface="Times" charset="0"/>
+            </a:endParaRPr>
+          </a:p>
+        </p:txBody>
+      </p:sp>
+    </p:spTree>
+    <p:extLst>
+      <p:ext uri="{BB962C8B-B14F-4D97-AF65-F5344CB8AC3E}">
+        <p14:creationId xmlns:p14="http://schemas.microsoft.com/office/powerpoint/2010/main" val="411714134"/>
+      </p:ext>
+    </p:extLst>
+  </p:cSld>
+  <p:clrMapOvr>
+    <a:masterClrMapping/>
+  </p:clrMapOvr>
+  <p:transition spd="med"/>
+</p:sld>
+</file>
+
+<file path=ppt/slides/slide5.xml><?xml version="1.0" encoding="utf-8"?>
+<p:sld xmlns:a="http://schemas.openxmlformats.org/drawingml/2006/main" xmlns:r="http://schemas.openxmlformats.org/officeDocument/2006/relationships" xmlns:p="http://schemas.openxmlformats.org/presentationml/2006/main">
+  <p:cSld>
+    <p:spTree>
+      <p:nvGrpSpPr>
+        <p:cNvPr id="1" name=""/>
+        <p:cNvGrpSpPr/>
+        <p:nvPr/>
+      </p:nvGrpSpPr>
+      <p:grpSpPr>
+        <a:xfrm>
+          <a:off x="0" y="0"/>
+          <a:ext cx="0" cy="0"/>
+          <a:chOff x="0" y="0"/>
+          <a:chExt cx="0" cy="0"/>
+        </a:xfrm>
+      </p:grpSpPr>
+      <p:sp>
+        <p:nvSpPr>
+          <p:cNvPr id="80" name="Bent Arrow 79"/>
+          <p:cNvSpPr/>
+          <p:nvPr/>
+        </p:nvSpPr>
+        <p:spPr>
+          <a:xfrm flipV="1">
+            <a:off x="1572901" y="3933055"/>
+            <a:ext cx="1407041" cy="995087"/>
+          </a:xfrm>
+          <a:prstGeom prst="bentArrow">
+            <a:avLst>
+              <a:gd name="adj1" fmla="val 25000"/>
+              <a:gd name="adj2" fmla="val 24425"/>
+              <a:gd name="adj3" fmla="val 25000"/>
+              <a:gd name="adj4" fmla="val 43750"/>
+            </a:avLst>
+          </a:prstGeom>
+          <a:solidFill>
+            <a:srgbClr val="C00000"/>
+          </a:solidFill>
+          <a:ln>
+            <a:solidFill>
+              <a:schemeClr val="bg1"/>
+            </a:solidFill>
+          </a:ln>
+        </p:spPr>
+        <p:style>
+          <a:lnRef idx="2">
+            <a:schemeClr val="accent1">
+              <a:shade val="50000"/>
+            </a:schemeClr>
+          </a:lnRef>
+          <a:fillRef idx="1">
+            <a:schemeClr val="accent1"/>
+          </a:fillRef>
+          <a:effectRef idx="0">
+            <a:schemeClr val="accent1"/>
+          </a:effectRef>
+          <a:fontRef idx="minor">
+            <a:schemeClr val="lt1"/>
+          </a:fontRef>
+        </p:style>
+        <p:txBody>
+          <a:bodyPr rtlCol="0" anchor="ctr"/>
+          <a:lstStyle/>
+          <a:p>
+            <a:pPr algn="ctr"/>
+            <a:endParaRPr lang="en-US">
+              <a:solidFill>
+                <a:schemeClr val="tx1"/>
+              </a:solidFill>
+            </a:endParaRPr>
+          </a:p>
+        </p:txBody>
+      </p:sp>
+      <p:sp>
+        <p:nvSpPr>
+          <p:cNvPr id="4" name="Rectangle 3"/>
+          <p:cNvSpPr/>
+          <p:nvPr/>
+        </p:nvSpPr>
+        <p:spPr>
+          <a:xfrm>
+            <a:off x="3603008" y="560888"/>
+            <a:ext cx="1276772" cy="707886"/>
+          </a:xfrm>
+          <a:prstGeom prst="rect">
+            <a:avLst/>
+          </a:prstGeom>
+        </p:spPr>
+        <p:txBody>
+          <a:bodyPr wrap="square">
+            <a:spAutoFit/>
+          </a:bodyPr>
+          <a:lstStyle/>
+          <a:p>
+            <a:pPr algn="ctr"/>
+            <a:r>
+              <a:rPr lang="en-US" sz="2000" b="1" dirty="0">
+                <a:solidFill>
+                  <a:schemeClr val="bg1"/>
+                </a:solidFill>
+                <a:latin typeface="+mn-lt"/>
+              </a:rPr>
+              <a:t>TRACE </a:t>
+            </a:r>
+            <a:br>
+              <a:rPr lang="en-US" sz="2000" b="1" dirty="0">
+                <a:solidFill>
+                  <a:schemeClr val="bg1"/>
+                </a:solidFill>
+                <a:latin typeface="+mn-lt"/>
+              </a:rPr>
+            </a:br>
+            <a:r>
+              <a:rPr lang="en-US" sz="2000" b="1" dirty="0">
+                <a:solidFill>
+                  <a:schemeClr val="bg1"/>
+                </a:solidFill>
+                <a:latin typeface="+mn-lt"/>
+              </a:rPr>
+              <a:t>Launcher</a:t>
+            </a:r>
+          </a:p>
+        </p:txBody>
+      </p:sp>
+      <p:grpSp>
+        <p:nvGrpSpPr>
+          <p:cNvPr id="29" name="Group 28"/>
+          <p:cNvGrpSpPr/>
+          <p:nvPr/>
+        </p:nvGrpSpPr>
+        <p:grpSpPr>
+          <a:xfrm>
             <a:off x="3059832" y="562409"/>
             <a:ext cx="3168351" cy="1498439"/>
             <a:chOff x="4690610" y="2744313"/>

--- a/docs/figures/flowchart.pptx
+++ b/docs/figures/flowchart.pptx
@@ -5,14 +5,15 @@
     <p:sldMasterId id="2147483648" r:id="rId1"/>
   </p:sldMasterIdLst>
   <p:notesMasterIdLst>
-    <p:notesMasterId r:id="rId7"/>
+    <p:notesMasterId r:id="rId8"/>
   </p:notesMasterIdLst>
   <p:sldIdLst>
     <p:sldId id="258" r:id="rId2"/>
     <p:sldId id="259" r:id="rId3"/>
     <p:sldId id="261" r:id="rId4"/>
     <p:sldId id="262" r:id="rId5"/>
-    <p:sldId id="260" r:id="rId6"/>
+    <p:sldId id="263" r:id="rId6"/>
+    <p:sldId id="260" r:id="rId7"/>
   </p:sldIdLst>
   <p:sldSz cx="9144000" cy="6858000" type="screen4x3"/>
   <p:notesSz cx="6858000" cy="9144000"/>
@@ -113,7 +114,7 @@
   </p:defaultTextStyle>
   <p:extLst>
     <p:ext uri="{EFAFB233-063F-42B5-8137-9DF3F51BA10A}">
-      <p15:sldGuideLst xmlns="" xmlns:p15="http://schemas.microsoft.com/office/powerpoint/2012/main">
+      <p15:sldGuideLst xmlns:p15="http://schemas.microsoft.com/office/powerpoint/2012/main" xmlns="">
         <p15:guide id="1" orient="horz" pos="2160">
           <p15:clr>
             <a:srgbClr val="A4A3A4"/>
@@ -212,7 +213,7 @@
           <a:p>
             <a:fld id="{B47AD5B4-42A6-4969-BF71-1B0ECAB6BD54}" type="datetimeFigureOut">
               <a:rPr lang="en-US" smtClean="0"/>
-              <a:t>9/6/2016</a:t>
+              <a:t>3/6/2017</a:t>
             </a:fld>
             <a:endParaRPr lang="en-US"/>
           </a:p>
@@ -977,6 +978,124 @@
             </a:r>
             <a:r>
               <a:rPr lang="en-US" baseline="0" dirty="0"/>
+              <a:t> </a:t>
+            </a:r>
+            <a:r>
+              <a:rPr lang="en-US" baseline="0"/>
+              <a:t>(</a:t>
+            </a:r>
+            <a:r>
+              <a:rPr lang="en-US" baseline="0" smtClean="0"/>
+              <a:t>v0.5.0</a:t>
+            </a:r>
+            <a:r>
+              <a:rPr lang="en-US" baseline="0" dirty="0"/>
+              <a:t>)</a:t>
+            </a:r>
+            <a:endParaRPr lang="en-US" dirty="0"/>
+          </a:p>
+        </p:txBody>
+      </p:sp>
+      <p:sp>
+        <p:nvSpPr>
+          <p:cNvPr id="4" name="Slide Number Placeholder 3"/>
+          <p:cNvSpPr>
+            <a:spLocks noGrp="1"/>
+          </p:cNvSpPr>
+          <p:nvPr>
+            <p:ph type="sldNum" sz="quarter" idx="10"/>
+          </p:nvPr>
+        </p:nvSpPr>
+        <p:spPr/>
+        <p:txBody>
+          <a:bodyPr/>
+          <a:lstStyle/>
+          <a:p>
+            <a:pPr>
+              <a:defRPr/>
+            </a:pPr>
+            <a:fld id="{EC696245-F065-0B47-B74E-D5003861FD61}" type="slidenum">
+              <a:rPr lang="de-DE" smtClean="0"/>
+              <a:pPr>
+                <a:defRPr/>
+              </a:pPr>
+              <a:t>5</a:t>
+            </a:fld>
+            <a:endParaRPr lang="de-DE" dirty="0"/>
+          </a:p>
+        </p:txBody>
+      </p:sp>
+    </p:spTree>
+    <p:extLst>
+      <p:ext uri="{BB962C8B-B14F-4D97-AF65-F5344CB8AC3E}">
+        <p14:creationId xmlns:p14="http://schemas.microsoft.com/office/powerpoint/2010/main" val="3414547091"/>
+      </p:ext>
+    </p:extLst>
+  </p:cSld>
+  <p:clrMapOvr>
+    <a:masterClrMapping/>
+  </p:clrMapOvr>
+</p:notes>
+</file>
+
+<file path=ppt/notesSlides/notesSlide6.xml><?xml version="1.0" encoding="utf-8"?>
+<p:notes xmlns:a="http://schemas.openxmlformats.org/drawingml/2006/main" xmlns:r="http://schemas.openxmlformats.org/officeDocument/2006/relationships" xmlns:p="http://schemas.openxmlformats.org/presentationml/2006/main">
+  <p:cSld>
+    <p:spTree>
+      <p:nvGrpSpPr>
+        <p:cNvPr id="1" name=""/>
+        <p:cNvGrpSpPr/>
+        <p:nvPr/>
+      </p:nvGrpSpPr>
+      <p:grpSpPr>
+        <a:xfrm>
+          <a:off x="0" y="0"/>
+          <a:ext cx="0" cy="0"/>
+          <a:chOff x="0" y="0"/>
+          <a:chExt cx="0" cy="0"/>
+        </a:xfrm>
+      </p:grpSpPr>
+      <p:sp>
+        <p:nvSpPr>
+          <p:cNvPr id="2" name="Slide Image Placeholder 1"/>
+          <p:cNvSpPr>
+            <a:spLocks noGrp="1" noRot="1" noChangeAspect="1"/>
+          </p:cNvSpPr>
+          <p:nvPr>
+            <p:ph type="sldImg"/>
+          </p:nvPr>
+        </p:nvSpPr>
+        <p:spPr/>
+      </p:sp>
+      <p:sp>
+        <p:nvSpPr>
+          <p:cNvPr id="3" name="Notes Placeholder 2"/>
+          <p:cNvSpPr>
+            <a:spLocks noGrp="1"/>
+          </p:cNvSpPr>
+          <p:nvPr>
+            <p:ph type="body" idx="1"/>
+          </p:nvPr>
+        </p:nvSpPr>
+        <p:spPr/>
+        <p:txBody>
+          <a:bodyPr/>
+          <a:lstStyle/>
+          <a:p>
+            <a:r>
+              <a:rPr lang="en-US" dirty="0"/>
+              <a:t>Generic</a:t>
+            </a:r>
+            <a:r>
+              <a:rPr lang="en-US" baseline="0" dirty="0"/>
+              <a:t> flowchart of trace-</a:t>
+            </a:r>
+            <a:r>
+              <a:rPr lang="en-US" baseline="0" dirty="0" err="1"/>
+              <a:t>simexp</a:t>
+            </a:r>
+            <a:r>
+              <a:rPr lang="en-US" baseline="0" dirty="0"/>
               <a:t> future release</a:t>
             </a:r>
             <a:endParaRPr lang="en-US" dirty="0"/>
@@ -1006,7 +1125,7 @@
               <a:pPr>
                 <a:defRPr/>
               </a:pPr>
-              <a:t>5</a:t>
+              <a:t>6</a:t>
             </a:fld>
             <a:endParaRPr lang="de-DE" dirty="0"/>
           </a:p>
@@ -1204,7 +1323,7 @@
           <a:p>
             <a:fld id="{9933A24F-1A97-48E4-8DAB-46DD861E305E}" type="datetimeFigureOut">
               <a:rPr lang="en-US" smtClean="0"/>
-              <a:t>9/6/2016</a:t>
+              <a:t>3/6/2017</a:t>
             </a:fld>
             <a:endParaRPr lang="en-US"/>
           </a:p>
@@ -1372,7 +1491,7 @@
           <a:p>
             <a:fld id="{9933A24F-1A97-48E4-8DAB-46DD861E305E}" type="datetimeFigureOut">
               <a:rPr lang="en-US" smtClean="0"/>
-              <a:t>9/6/2016</a:t>
+              <a:t>3/6/2017</a:t>
             </a:fld>
             <a:endParaRPr lang="en-US"/>
           </a:p>
@@ -1550,7 +1669,7 @@
           <a:p>
             <a:fld id="{9933A24F-1A97-48E4-8DAB-46DD861E305E}" type="datetimeFigureOut">
               <a:rPr lang="en-US" smtClean="0"/>
-              <a:t>9/6/2016</a:t>
+              <a:t>3/6/2017</a:t>
             </a:fld>
             <a:endParaRPr lang="en-US"/>
           </a:p>
@@ -1811,7 +1930,7 @@
           <a:p>
             <a:fld id="{9933A24F-1A97-48E4-8DAB-46DD861E305E}" type="datetimeFigureOut">
               <a:rPr lang="en-US" smtClean="0"/>
-              <a:t>9/6/2016</a:t>
+              <a:t>3/6/2017</a:t>
             </a:fld>
             <a:endParaRPr lang="en-US"/>
           </a:p>
@@ -2056,7 +2175,7 @@
           <a:p>
             <a:fld id="{9933A24F-1A97-48E4-8DAB-46DD861E305E}" type="datetimeFigureOut">
               <a:rPr lang="en-US" smtClean="0"/>
-              <a:t>9/6/2016</a:t>
+              <a:t>3/6/2017</a:t>
             </a:fld>
             <a:endParaRPr lang="en-US"/>
           </a:p>
@@ -2341,7 +2460,7 @@
           <a:p>
             <a:fld id="{9933A24F-1A97-48E4-8DAB-46DD861E305E}" type="datetimeFigureOut">
               <a:rPr lang="en-US" smtClean="0"/>
-              <a:t>9/6/2016</a:t>
+              <a:t>3/6/2017</a:t>
             </a:fld>
             <a:endParaRPr lang="en-US"/>
           </a:p>
@@ -2760,7 +2879,7 @@
           <a:p>
             <a:fld id="{9933A24F-1A97-48E4-8DAB-46DD861E305E}" type="datetimeFigureOut">
               <a:rPr lang="en-US" smtClean="0"/>
-              <a:t>9/6/2016</a:t>
+              <a:t>3/6/2017</a:t>
             </a:fld>
             <a:endParaRPr lang="en-US"/>
           </a:p>
@@ -2877,7 +2996,7 @@
           <a:p>
             <a:fld id="{9933A24F-1A97-48E4-8DAB-46DD861E305E}" type="datetimeFigureOut">
               <a:rPr lang="en-US" smtClean="0"/>
-              <a:t>9/6/2016</a:t>
+              <a:t>3/6/2017</a:t>
             </a:fld>
             <a:endParaRPr lang="en-US"/>
           </a:p>
@@ -2972,7 +3091,7 @@
           <a:p>
             <a:fld id="{9933A24F-1A97-48E4-8DAB-46DD861E305E}" type="datetimeFigureOut">
               <a:rPr lang="en-US" smtClean="0"/>
-              <a:t>9/6/2016</a:t>
+              <a:t>3/6/2017</a:t>
             </a:fld>
             <a:endParaRPr lang="en-US"/>
           </a:p>
@@ -3247,7 +3366,7 @@
           <a:p>
             <a:fld id="{9933A24F-1A97-48E4-8DAB-46DD861E305E}" type="datetimeFigureOut">
               <a:rPr lang="en-US" smtClean="0"/>
-              <a:t>9/6/2016</a:t>
+              <a:t>3/6/2017</a:t>
             </a:fld>
             <a:endParaRPr lang="en-US"/>
           </a:p>
@@ -3499,7 +3618,7 @@
           <a:p>
             <a:fld id="{9933A24F-1A97-48E4-8DAB-46DD861E305E}" type="datetimeFigureOut">
               <a:rPr lang="en-US" smtClean="0"/>
-              <a:t>9/6/2016</a:t>
+              <a:t>3/6/2017</a:t>
             </a:fld>
             <a:endParaRPr lang="en-US"/>
           </a:p>
@@ -3710,7 +3829,7 @@
           <a:p>
             <a:fld id="{9933A24F-1A97-48E4-8DAB-46DD861E305E}" type="datetimeFigureOut">
               <a:rPr lang="en-US" smtClean="0"/>
-              <a:t>9/6/2016</a:t>
+              <a:t>3/6/2017</a:t>
             </a:fld>
             <a:endParaRPr lang="en-US"/>
           </a:p>
@@ -28684,6 +28803,6853 @@
         </p:nvGrpSpPr>
         <p:grpSpPr>
           <a:xfrm>
+            <a:off x="3059832" y="562410"/>
+            <a:ext cx="3312368" cy="1786472"/>
+            <a:chOff x="4690610" y="2744313"/>
+            <a:chExt cx="2736305" cy="1277790"/>
+          </a:xfrm>
+        </p:grpSpPr>
+        <p:sp>
+          <p:nvSpPr>
+            <p:cNvPr id="30" name="Text Box 11"/>
+            <p:cNvSpPr txBox="1">
+              <a:spLocks noChangeArrowheads="1"/>
+            </p:cNvSpPr>
+            <p:nvPr/>
+          </p:nvSpPr>
+          <p:spPr bwMode="auto">
+            <a:xfrm>
+              <a:off x="4690610" y="2744313"/>
+              <a:ext cx="2736305" cy="1277790"/>
+            </a:xfrm>
+            <a:prstGeom prst="rect">
+              <a:avLst/>
+            </a:prstGeom>
+            <a:solidFill>
+              <a:srgbClr val="FFFFFF"/>
+            </a:solidFill>
+            <a:ln w="6350">
+              <a:solidFill>
+                <a:srgbClr val="C50006"/>
+              </a:solidFill>
+              <a:miter lim="800000"/>
+              <a:headEnd/>
+              <a:tailEnd/>
+            </a:ln>
+          </p:spPr>
+          <p:txBody>
+            <a:bodyPr lIns="90000" tIns="46800" rIns="90000" bIns="46800"/>
+            <a:lstStyle>
+              <a:lvl1pPr defTabSz="457200">
+                <a:buChar char="•"/>
+                <a:tabLst>
+                  <a:tab pos="0" algn="l"/>
+                  <a:tab pos="457200" algn="l"/>
+                  <a:tab pos="914400" algn="l"/>
+                  <a:tab pos="1371600" algn="l"/>
+                  <a:tab pos="1828800" algn="l"/>
+                  <a:tab pos="2286000" algn="l"/>
+                  <a:tab pos="2743200" algn="l"/>
+                  <a:tab pos="3200400" algn="l"/>
+                  <a:tab pos="3657600" algn="l"/>
+                  <a:tab pos="4114800" algn="l"/>
+                  <a:tab pos="4572000" algn="l"/>
+                  <a:tab pos="5029200" algn="l"/>
+                  <a:tab pos="5486400" algn="l"/>
+                  <a:tab pos="5943600" algn="l"/>
+                  <a:tab pos="6400800" algn="l"/>
+                  <a:tab pos="6858000" algn="l"/>
+                  <a:tab pos="7315200" algn="l"/>
+                  <a:tab pos="7772400" algn="l"/>
+                  <a:tab pos="8229600" algn="l"/>
+                  <a:tab pos="8686800" algn="l"/>
+                  <a:tab pos="9144000" algn="l"/>
+                </a:tabLst>
+                <a:defRPr sz="2400">
+                  <a:solidFill>
+                    <a:schemeClr val="tx1"/>
+                  </a:solidFill>
+                  <a:latin typeface="Arial Narrow" pitchFamily="34" charset="0"/>
+                  <a:ea typeface="ヒラギノ角ゴ Pro W3" charset="-128"/>
+                </a:defRPr>
+              </a:lvl1pPr>
+              <a:lvl2pPr marL="742950" indent="-285750" defTabSz="457200">
+                <a:buClr>
+                  <a:schemeClr val="tx1"/>
+                </a:buClr>
+                <a:buSzPct val="120000"/>
+                <a:buChar char="•"/>
+                <a:tabLst>
+                  <a:tab pos="0" algn="l"/>
+                  <a:tab pos="457200" algn="l"/>
+                  <a:tab pos="914400" algn="l"/>
+                  <a:tab pos="1371600" algn="l"/>
+                  <a:tab pos="1828800" algn="l"/>
+                  <a:tab pos="2286000" algn="l"/>
+                  <a:tab pos="2743200" algn="l"/>
+                  <a:tab pos="3200400" algn="l"/>
+                  <a:tab pos="3657600" algn="l"/>
+                  <a:tab pos="4114800" algn="l"/>
+                  <a:tab pos="4572000" algn="l"/>
+                  <a:tab pos="5029200" algn="l"/>
+                  <a:tab pos="5486400" algn="l"/>
+                  <a:tab pos="5943600" algn="l"/>
+                  <a:tab pos="6400800" algn="l"/>
+                  <a:tab pos="6858000" algn="l"/>
+                  <a:tab pos="7315200" algn="l"/>
+                  <a:tab pos="7772400" algn="l"/>
+                  <a:tab pos="8229600" algn="l"/>
+                  <a:tab pos="8686800" algn="l"/>
+                  <a:tab pos="9144000" algn="l"/>
+                </a:tabLst>
+                <a:defRPr sz="2400">
+                  <a:solidFill>
+                    <a:schemeClr val="tx1"/>
+                  </a:solidFill>
+                  <a:latin typeface="Arial Narrow" pitchFamily="34" charset="0"/>
+                  <a:ea typeface="ヒラギノ角ゴ Pro W3" charset="-128"/>
+                </a:defRPr>
+              </a:lvl2pPr>
+              <a:lvl3pPr marL="1143000" indent="-228600" defTabSz="457200">
+                <a:buFont typeface="Times" pitchFamily="18" charset="0"/>
+                <a:buChar char="–"/>
+                <a:tabLst>
+                  <a:tab pos="0" algn="l"/>
+                  <a:tab pos="457200" algn="l"/>
+                  <a:tab pos="914400" algn="l"/>
+                  <a:tab pos="1371600" algn="l"/>
+                  <a:tab pos="1828800" algn="l"/>
+                  <a:tab pos="2286000" algn="l"/>
+                  <a:tab pos="2743200" algn="l"/>
+                  <a:tab pos="3200400" algn="l"/>
+                  <a:tab pos="3657600" algn="l"/>
+                  <a:tab pos="4114800" algn="l"/>
+                  <a:tab pos="4572000" algn="l"/>
+                  <a:tab pos="5029200" algn="l"/>
+                  <a:tab pos="5486400" algn="l"/>
+                  <a:tab pos="5943600" algn="l"/>
+                  <a:tab pos="6400800" algn="l"/>
+                  <a:tab pos="6858000" algn="l"/>
+                  <a:tab pos="7315200" algn="l"/>
+                  <a:tab pos="7772400" algn="l"/>
+                  <a:tab pos="8229600" algn="l"/>
+                  <a:tab pos="8686800" algn="l"/>
+                  <a:tab pos="9144000" algn="l"/>
+                </a:tabLst>
+                <a:defRPr sz="1700">
+                  <a:solidFill>
+                    <a:schemeClr val="tx1"/>
+                  </a:solidFill>
+                  <a:latin typeface="Arial Narrow" pitchFamily="34" charset="0"/>
+                  <a:ea typeface="MS PGothic" pitchFamily="34" charset="-128"/>
+                </a:defRPr>
+              </a:lvl3pPr>
+              <a:lvl4pPr marL="1600200" indent="-228600" defTabSz="457200">
+                <a:buFont typeface="Lucida Grande" charset="0"/>
+                <a:buChar char="–"/>
+                <a:tabLst>
+                  <a:tab pos="0" algn="l"/>
+                  <a:tab pos="457200" algn="l"/>
+                  <a:tab pos="914400" algn="l"/>
+                  <a:tab pos="1371600" algn="l"/>
+                  <a:tab pos="1828800" algn="l"/>
+                  <a:tab pos="2286000" algn="l"/>
+                  <a:tab pos="2743200" algn="l"/>
+                  <a:tab pos="3200400" algn="l"/>
+                  <a:tab pos="3657600" algn="l"/>
+                  <a:tab pos="4114800" algn="l"/>
+                  <a:tab pos="4572000" algn="l"/>
+                  <a:tab pos="5029200" algn="l"/>
+                  <a:tab pos="5486400" algn="l"/>
+                  <a:tab pos="5943600" algn="l"/>
+                  <a:tab pos="6400800" algn="l"/>
+                  <a:tab pos="6858000" algn="l"/>
+                  <a:tab pos="7315200" algn="l"/>
+                  <a:tab pos="7772400" algn="l"/>
+                  <a:tab pos="8229600" algn="l"/>
+                  <a:tab pos="8686800" algn="l"/>
+                  <a:tab pos="9144000" algn="l"/>
+                </a:tabLst>
+                <a:defRPr sz="2400">
+                  <a:solidFill>
+                    <a:schemeClr val="tx1"/>
+                  </a:solidFill>
+                  <a:latin typeface="Arial Narrow" pitchFamily="34" charset="0"/>
+                  <a:ea typeface="MS PGothic" pitchFamily="34" charset="-128"/>
+                </a:defRPr>
+              </a:lvl4pPr>
+              <a:lvl5pPr marL="2057400" indent="-228600" defTabSz="457200">
+                <a:buFont typeface="Lucida Grande" charset="0"/>
+                <a:buChar char="–"/>
+                <a:tabLst>
+                  <a:tab pos="0" algn="l"/>
+                  <a:tab pos="457200" algn="l"/>
+                  <a:tab pos="914400" algn="l"/>
+                  <a:tab pos="1371600" algn="l"/>
+                  <a:tab pos="1828800" algn="l"/>
+                  <a:tab pos="2286000" algn="l"/>
+                  <a:tab pos="2743200" algn="l"/>
+                  <a:tab pos="3200400" algn="l"/>
+                  <a:tab pos="3657600" algn="l"/>
+                  <a:tab pos="4114800" algn="l"/>
+                  <a:tab pos="4572000" algn="l"/>
+                  <a:tab pos="5029200" algn="l"/>
+                  <a:tab pos="5486400" algn="l"/>
+                  <a:tab pos="5943600" algn="l"/>
+                  <a:tab pos="6400800" algn="l"/>
+                  <a:tab pos="6858000" algn="l"/>
+                  <a:tab pos="7315200" algn="l"/>
+                  <a:tab pos="7772400" algn="l"/>
+                  <a:tab pos="8229600" algn="l"/>
+                  <a:tab pos="8686800" algn="l"/>
+                  <a:tab pos="9144000" algn="l"/>
+                </a:tabLst>
+                <a:defRPr sz="2400">
+                  <a:solidFill>
+                    <a:schemeClr val="tx1"/>
+                  </a:solidFill>
+                  <a:latin typeface="Arial Narrow" pitchFamily="34" charset="0"/>
+                  <a:ea typeface="ヒラギノ角ゴ Pro W3" charset="-128"/>
+                </a:defRPr>
+              </a:lvl5pPr>
+              <a:lvl6pPr marL="2514600" indent="-228600" defTabSz="457200" eaLnBrk="0" fontAlgn="base" hangingPunct="0">
+                <a:lnSpc>
+                  <a:spcPct val="110000"/>
+                </a:lnSpc>
+                <a:spcBef>
+                  <a:spcPct val="0"/>
+                </a:spcBef>
+                <a:spcAft>
+                  <a:spcPct val="0"/>
+                </a:spcAft>
+                <a:buFont typeface="Lucida Grande" charset="0"/>
+                <a:buChar char="–"/>
+                <a:tabLst>
+                  <a:tab pos="0" algn="l"/>
+                  <a:tab pos="457200" algn="l"/>
+                  <a:tab pos="914400" algn="l"/>
+                  <a:tab pos="1371600" algn="l"/>
+                  <a:tab pos="1828800" algn="l"/>
+                  <a:tab pos="2286000" algn="l"/>
+                  <a:tab pos="2743200" algn="l"/>
+                  <a:tab pos="3200400" algn="l"/>
+                  <a:tab pos="3657600" algn="l"/>
+                  <a:tab pos="4114800" algn="l"/>
+                  <a:tab pos="4572000" algn="l"/>
+                  <a:tab pos="5029200" algn="l"/>
+                  <a:tab pos="5486400" algn="l"/>
+                  <a:tab pos="5943600" algn="l"/>
+                  <a:tab pos="6400800" algn="l"/>
+                  <a:tab pos="6858000" algn="l"/>
+                  <a:tab pos="7315200" algn="l"/>
+                  <a:tab pos="7772400" algn="l"/>
+                  <a:tab pos="8229600" algn="l"/>
+                  <a:tab pos="8686800" algn="l"/>
+                  <a:tab pos="9144000" algn="l"/>
+                </a:tabLst>
+                <a:defRPr sz="2400">
+                  <a:solidFill>
+                    <a:schemeClr val="tx1"/>
+                  </a:solidFill>
+                  <a:latin typeface="Arial Narrow" pitchFamily="34" charset="0"/>
+                  <a:ea typeface="ヒラギノ角ゴ Pro W3" charset="-128"/>
+                </a:defRPr>
+              </a:lvl6pPr>
+              <a:lvl7pPr marL="2971800" indent="-228600" defTabSz="457200" eaLnBrk="0" fontAlgn="base" hangingPunct="0">
+                <a:lnSpc>
+                  <a:spcPct val="110000"/>
+                </a:lnSpc>
+                <a:spcBef>
+                  <a:spcPct val="0"/>
+                </a:spcBef>
+                <a:spcAft>
+                  <a:spcPct val="0"/>
+                </a:spcAft>
+                <a:buFont typeface="Lucida Grande" charset="0"/>
+                <a:buChar char="–"/>
+                <a:tabLst>
+                  <a:tab pos="0" algn="l"/>
+                  <a:tab pos="457200" algn="l"/>
+                  <a:tab pos="914400" algn="l"/>
+                  <a:tab pos="1371600" algn="l"/>
+                  <a:tab pos="1828800" algn="l"/>
+                  <a:tab pos="2286000" algn="l"/>
+                  <a:tab pos="2743200" algn="l"/>
+                  <a:tab pos="3200400" algn="l"/>
+                  <a:tab pos="3657600" algn="l"/>
+                  <a:tab pos="4114800" algn="l"/>
+                  <a:tab pos="4572000" algn="l"/>
+                  <a:tab pos="5029200" algn="l"/>
+                  <a:tab pos="5486400" algn="l"/>
+                  <a:tab pos="5943600" algn="l"/>
+                  <a:tab pos="6400800" algn="l"/>
+                  <a:tab pos="6858000" algn="l"/>
+                  <a:tab pos="7315200" algn="l"/>
+                  <a:tab pos="7772400" algn="l"/>
+                  <a:tab pos="8229600" algn="l"/>
+                  <a:tab pos="8686800" algn="l"/>
+                  <a:tab pos="9144000" algn="l"/>
+                </a:tabLst>
+                <a:defRPr sz="2400">
+                  <a:solidFill>
+                    <a:schemeClr val="tx1"/>
+                  </a:solidFill>
+                  <a:latin typeface="Arial Narrow" pitchFamily="34" charset="0"/>
+                  <a:ea typeface="ヒラギノ角ゴ Pro W3" charset="-128"/>
+                </a:defRPr>
+              </a:lvl7pPr>
+              <a:lvl8pPr marL="3429000" indent="-228600" defTabSz="457200" eaLnBrk="0" fontAlgn="base" hangingPunct="0">
+                <a:lnSpc>
+                  <a:spcPct val="110000"/>
+                </a:lnSpc>
+                <a:spcBef>
+                  <a:spcPct val="0"/>
+                </a:spcBef>
+                <a:spcAft>
+                  <a:spcPct val="0"/>
+                </a:spcAft>
+                <a:buFont typeface="Lucida Grande" charset="0"/>
+                <a:buChar char="–"/>
+                <a:tabLst>
+                  <a:tab pos="0" algn="l"/>
+                  <a:tab pos="457200" algn="l"/>
+                  <a:tab pos="914400" algn="l"/>
+                  <a:tab pos="1371600" algn="l"/>
+                  <a:tab pos="1828800" algn="l"/>
+                  <a:tab pos="2286000" algn="l"/>
+                  <a:tab pos="2743200" algn="l"/>
+                  <a:tab pos="3200400" algn="l"/>
+                  <a:tab pos="3657600" algn="l"/>
+                  <a:tab pos="4114800" algn="l"/>
+                  <a:tab pos="4572000" algn="l"/>
+                  <a:tab pos="5029200" algn="l"/>
+                  <a:tab pos="5486400" algn="l"/>
+                  <a:tab pos="5943600" algn="l"/>
+                  <a:tab pos="6400800" algn="l"/>
+                  <a:tab pos="6858000" algn="l"/>
+                  <a:tab pos="7315200" algn="l"/>
+                  <a:tab pos="7772400" algn="l"/>
+                  <a:tab pos="8229600" algn="l"/>
+                  <a:tab pos="8686800" algn="l"/>
+                  <a:tab pos="9144000" algn="l"/>
+                </a:tabLst>
+                <a:defRPr sz="2400">
+                  <a:solidFill>
+                    <a:schemeClr val="tx1"/>
+                  </a:solidFill>
+                  <a:latin typeface="Arial Narrow" pitchFamily="34" charset="0"/>
+                  <a:ea typeface="ヒラギノ角ゴ Pro W3" charset="-128"/>
+                </a:defRPr>
+              </a:lvl8pPr>
+              <a:lvl9pPr marL="3886200" indent="-228600" defTabSz="457200" eaLnBrk="0" fontAlgn="base" hangingPunct="0">
+                <a:lnSpc>
+                  <a:spcPct val="110000"/>
+                </a:lnSpc>
+                <a:spcBef>
+                  <a:spcPct val="0"/>
+                </a:spcBef>
+                <a:spcAft>
+                  <a:spcPct val="0"/>
+                </a:spcAft>
+                <a:buFont typeface="Lucida Grande" charset="0"/>
+                <a:buChar char="–"/>
+                <a:tabLst>
+                  <a:tab pos="0" algn="l"/>
+                  <a:tab pos="457200" algn="l"/>
+                  <a:tab pos="914400" algn="l"/>
+                  <a:tab pos="1371600" algn="l"/>
+                  <a:tab pos="1828800" algn="l"/>
+                  <a:tab pos="2286000" algn="l"/>
+                  <a:tab pos="2743200" algn="l"/>
+                  <a:tab pos="3200400" algn="l"/>
+                  <a:tab pos="3657600" algn="l"/>
+                  <a:tab pos="4114800" algn="l"/>
+                  <a:tab pos="4572000" algn="l"/>
+                  <a:tab pos="5029200" algn="l"/>
+                  <a:tab pos="5486400" algn="l"/>
+                  <a:tab pos="5943600" algn="l"/>
+                  <a:tab pos="6400800" algn="l"/>
+                  <a:tab pos="6858000" algn="l"/>
+                  <a:tab pos="7315200" algn="l"/>
+                  <a:tab pos="7772400" algn="l"/>
+                  <a:tab pos="8229600" algn="l"/>
+                  <a:tab pos="8686800" algn="l"/>
+                  <a:tab pos="9144000" algn="l"/>
+                </a:tabLst>
+                <a:defRPr sz="2400">
+                  <a:solidFill>
+                    <a:schemeClr val="tx1"/>
+                  </a:solidFill>
+                  <a:latin typeface="Arial Narrow" pitchFamily="34" charset="0"/>
+                  <a:ea typeface="ヒラギノ角ゴ Pro W3" charset="-128"/>
+                </a:defRPr>
+              </a:lvl9pPr>
+            </a:lstStyle>
+            <a:p>
+              <a:pPr eaLnBrk="1" hangingPunct="1">
+                <a:lnSpc>
+                  <a:spcPct val="100000"/>
+                </a:lnSpc>
+                <a:buClr>
+                  <a:srgbClr val="000000"/>
+                </a:buClr>
+                <a:buFont typeface="Times New Roman" pitchFamily="18" charset="0"/>
+                <a:buNone/>
+              </a:pPr>
+              <a:r>
+                <a:rPr lang="en-US" altLang="ko-KR" sz="1400">
+                  <a:solidFill>
+                    <a:srgbClr val="C50006"/>
+                  </a:solidFill>
+                  <a:latin typeface="Courier New" panose="02070309020205020404" pitchFamily="49" charset="0"/>
+                  <a:ea typeface="Gulim" pitchFamily="34" charset="-127"/>
+                  <a:cs typeface="Courier New" panose="02070309020205020404" pitchFamily="49" charset="0"/>
+                </a:rPr>
+                <a:t>samples</a:t>
+              </a:r>
+              <a:r>
+                <a:rPr lang="en-US" altLang="ko-KR" sz="1400">
+                  <a:solidFill>
+                    <a:srgbClr val="C50006"/>
+                  </a:solidFill>
+                  <a:latin typeface="+mn-lt"/>
+                  <a:ea typeface="Gulim" pitchFamily="34" charset="-127"/>
+                  <a:cs typeface="Arial Unicode MS" pitchFamily="34" charset="-128"/>
+                </a:rPr>
+                <a:t> </a:t>
+              </a:r>
+              <a:r>
+                <a:rPr lang="en-US" altLang="ko-KR" sz="1400" dirty="0">
+                  <a:solidFill>
+                    <a:srgbClr val="C50006"/>
+                  </a:solidFill>
+                  <a:latin typeface="+mn-lt"/>
+                  <a:ea typeface="Gulim" pitchFamily="34" charset="-127"/>
+                  <a:cs typeface="Arial Unicode MS" pitchFamily="34" charset="-128"/>
+                </a:rPr>
+                <a:t>Module</a:t>
+              </a:r>
+            </a:p>
+          </p:txBody>
+        </p:sp>
+        <p:sp>
+          <p:nvSpPr>
+            <p:cNvPr id="31" name="Text Box 12"/>
+            <p:cNvSpPr txBox="1">
+              <a:spLocks noChangeArrowheads="1"/>
+            </p:cNvSpPr>
+            <p:nvPr/>
+          </p:nvSpPr>
+          <p:spPr bwMode="auto">
+            <a:xfrm>
+              <a:off x="4762618" y="2996385"/>
+              <a:ext cx="2604610" cy="996642"/>
+            </a:xfrm>
+            <a:prstGeom prst="rect">
+              <a:avLst/>
+            </a:prstGeom>
+            <a:solidFill>
+              <a:srgbClr val="FFF5D6"/>
+            </a:solidFill>
+            <a:ln w="9360">
+              <a:noFill/>
+              <a:miter lim="800000"/>
+              <a:headEnd/>
+              <a:tailEnd/>
+            </a:ln>
+          </p:spPr>
+          <p:txBody>
+            <a:bodyPr wrap="square" lIns="90000" tIns="46800" rIns="90000" bIns="46800" anchor="ctr">
+              <a:noAutofit/>
+            </a:bodyPr>
+            <a:lstStyle>
+              <a:lvl1pPr defTabSz="457200">
+                <a:buChar char="•"/>
+                <a:tabLst>
+                  <a:tab pos="0" algn="l"/>
+                  <a:tab pos="457200" algn="l"/>
+                  <a:tab pos="914400" algn="l"/>
+                  <a:tab pos="1371600" algn="l"/>
+                  <a:tab pos="1828800" algn="l"/>
+                  <a:tab pos="2286000" algn="l"/>
+                  <a:tab pos="2743200" algn="l"/>
+                  <a:tab pos="3200400" algn="l"/>
+                  <a:tab pos="3657600" algn="l"/>
+                  <a:tab pos="4114800" algn="l"/>
+                  <a:tab pos="4572000" algn="l"/>
+                  <a:tab pos="5029200" algn="l"/>
+                  <a:tab pos="5486400" algn="l"/>
+                  <a:tab pos="5943600" algn="l"/>
+                  <a:tab pos="6400800" algn="l"/>
+                  <a:tab pos="6858000" algn="l"/>
+                  <a:tab pos="7315200" algn="l"/>
+                  <a:tab pos="7772400" algn="l"/>
+                  <a:tab pos="8229600" algn="l"/>
+                  <a:tab pos="8686800" algn="l"/>
+                  <a:tab pos="9144000" algn="l"/>
+                </a:tabLst>
+                <a:defRPr sz="2400">
+                  <a:solidFill>
+                    <a:schemeClr val="tx1"/>
+                  </a:solidFill>
+                  <a:latin typeface="Arial Narrow" pitchFamily="34" charset="0"/>
+                  <a:ea typeface="ヒラギノ角ゴ Pro W3" charset="-128"/>
+                </a:defRPr>
+              </a:lvl1pPr>
+              <a:lvl2pPr marL="742950" indent="-285750" defTabSz="457200">
+                <a:buClr>
+                  <a:schemeClr val="tx1"/>
+                </a:buClr>
+                <a:buSzPct val="120000"/>
+                <a:buChar char="•"/>
+                <a:tabLst>
+                  <a:tab pos="0" algn="l"/>
+                  <a:tab pos="457200" algn="l"/>
+                  <a:tab pos="914400" algn="l"/>
+                  <a:tab pos="1371600" algn="l"/>
+                  <a:tab pos="1828800" algn="l"/>
+                  <a:tab pos="2286000" algn="l"/>
+                  <a:tab pos="2743200" algn="l"/>
+                  <a:tab pos="3200400" algn="l"/>
+                  <a:tab pos="3657600" algn="l"/>
+                  <a:tab pos="4114800" algn="l"/>
+                  <a:tab pos="4572000" algn="l"/>
+                  <a:tab pos="5029200" algn="l"/>
+                  <a:tab pos="5486400" algn="l"/>
+                  <a:tab pos="5943600" algn="l"/>
+                  <a:tab pos="6400800" algn="l"/>
+                  <a:tab pos="6858000" algn="l"/>
+                  <a:tab pos="7315200" algn="l"/>
+                  <a:tab pos="7772400" algn="l"/>
+                  <a:tab pos="8229600" algn="l"/>
+                  <a:tab pos="8686800" algn="l"/>
+                  <a:tab pos="9144000" algn="l"/>
+                </a:tabLst>
+                <a:defRPr sz="2400">
+                  <a:solidFill>
+                    <a:schemeClr val="tx1"/>
+                  </a:solidFill>
+                  <a:latin typeface="Arial Narrow" pitchFamily="34" charset="0"/>
+                  <a:ea typeface="ヒラギノ角ゴ Pro W3" charset="-128"/>
+                </a:defRPr>
+              </a:lvl2pPr>
+              <a:lvl3pPr marL="1143000" indent="-228600" defTabSz="457200">
+                <a:buFont typeface="Times" pitchFamily="18" charset="0"/>
+                <a:buChar char="–"/>
+                <a:tabLst>
+                  <a:tab pos="0" algn="l"/>
+                  <a:tab pos="457200" algn="l"/>
+                  <a:tab pos="914400" algn="l"/>
+                  <a:tab pos="1371600" algn="l"/>
+                  <a:tab pos="1828800" algn="l"/>
+                  <a:tab pos="2286000" algn="l"/>
+                  <a:tab pos="2743200" algn="l"/>
+                  <a:tab pos="3200400" algn="l"/>
+                  <a:tab pos="3657600" algn="l"/>
+                  <a:tab pos="4114800" algn="l"/>
+                  <a:tab pos="4572000" algn="l"/>
+                  <a:tab pos="5029200" algn="l"/>
+                  <a:tab pos="5486400" algn="l"/>
+                  <a:tab pos="5943600" algn="l"/>
+                  <a:tab pos="6400800" algn="l"/>
+                  <a:tab pos="6858000" algn="l"/>
+                  <a:tab pos="7315200" algn="l"/>
+                  <a:tab pos="7772400" algn="l"/>
+                  <a:tab pos="8229600" algn="l"/>
+                  <a:tab pos="8686800" algn="l"/>
+                  <a:tab pos="9144000" algn="l"/>
+                </a:tabLst>
+                <a:defRPr sz="1700">
+                  <a:solidFill>
+                    <a:schemeClr val="tx1"/>
+                  </a:solidFill>
+                  <a:latin typeface="Arial Narrow" pitchFamily="34" charset="0"/>
+                  <a:ea typeface="MS PGothic" pitchFamily="34" charset="-128"/>
+                </a:defRPr>
+              </a:lvl3pPr>
+              <a:lvl4pPr marL="1600200" indent="-228600" defTabSz="457200">
+                <a:buFont typeface="Lucida Grande" charset="0"/>
+                <a:buChar char="–"/>
+                <a:tabLst>
+                  <a:tab pos="0" algn="l"/>
+                  <a:tab pos="457200" algn="l"/>
+                  <a:tab pos="914400" algn="l"/>
+                  <a:tab pos="1371600" algn="l"/>
+                  <a:tab pos="1828800" algn="l"/>
+                  <a:tab pos="2286000" algn="l"/>
+                  <a:tab pos="2743200" algn="l"/>
+                  <a:tab pos="3200400" algn="l"/>
+                  <a:tab pos="3657600" algn="l"/>
+                  <a:tab pos="4114800" algn="l"/>
+                  <a:tab pos="4572000" algn="l"/>
+                  <a:tab pos="5029200" algn="l"/>
+                  <a:tab pos="5486400" algn="l"/>
+                  <a:tab pos="5943600" algn="l"/>
+                  <a:tab pos="6400800" algn="l"/>
+                  <a:tab pos="6858000" algn="l"/>
+                  <a:tab pos="7315200" algn="l"/>
+                  <a:tab pos="7772400" algn="l"/>
+                  <a:tab pos="8229600" algn="l"/>
+                  <a:tab pos="8686800" algn="l"/>
+                  <a:tab pos="9144000" algn="l"/>
+                </a:tabLst>
+                <a:defRPr sz="2400">
+                  <a:solidFill>
+                    <a:schemeClr val="tx1"/>
+                  </a:solidFill>
+                  <a:latin typeface="Arial Narrow" pitchFamily="34" charset="0"/>
+                  <a:ea typeface="MS PGothic" pitchFamily="34" charset="-128"/>
+                </a:defRPr>
+              </a:lvl4pPr>
+              <a:lvl5pPr marL="2057400" indent="-228600" defTabSz="457200">
+                <a:buFont typeface="Lucida Grande" charset="0"/>
+                <a:buChar char="–"/>
+                <a:tabLst>
+                  <a:tab pos="0" algn="l"/>
+                  <a:tab pos="457200" algn="l"/>
+                  <a:tab pos="914400" algn="l"/>
+                  <a:tab pos="1371600" algn="l"/>
+                  <a:tab pos="1828800" algn="l"/>
+                  <a:tab pos="2286000" algn="l"/>
+                  <a:tab pos="2743200" algn="l"/>
+                  <a:tab pos="3200400" algn="l"/>
+                  <a:tab pos="3657600" algn="l"/>
+                  <a:tab pos="4114800" algn="l"/>
+                  <a:tab pos="4572000" algn="l"/>
+                  <a:tab pos="5029200" algn="l"/>
+                  <a:tab pos="5486400" algn="l"/>
+                  <a:tab pos="5943600" algn="l"/>
+                  <a:tab pos="6400800" algn="l"/>
+                  <a:tab pos="6858000" algn="l"/>
+                  <a:tab pos="7315200" algn="l"/>
+                  <a:tab pos="7772400" algn="l"/>
+                  <a:tab pos="8229600" algn="l"/>
+                  <a:tab pos="8686800" algn="l"/>
+                  <a:tab pos="9144000" algn="l"/>
+                </a:tabLst>
+                <a:defRPr sz="2400">
+                  <a:solidFill>
+                    <a:schemeClr val="tx1"/>
+                  </a:solidFill>
+                  <a:latin typeface="Arial Narrow" pitchFamily="34" charset="0"/>
+                  <a:ea typeface="ヒラギノ角ゴ Pro W3" charset="-128"/>
+                </a:defRPr>
+              </a:lvl5pPr>
+              <a:lvl6pPr marL="2514600" indent="-228600" defTabSz="457200" eaLnBrk="0" fontAlgn="base" hangingPunct="0">
+                <a:lnSpc>
+                  <a:spcPct val="110000"/>
+                </a:lnSpc>
+                <a:spcBef>
+                  <a:spcPct val="0"/>
+                </a:spcBef>
+                <a:spcAft>
+                  <a:spcPct val="0"/>
+                </a:spcAft>
+                <a:buFont typeface="Lucida Grande" charset="0"/>
+                <a:buChar char="–"/>
+                <a:tabLst>
+                  <a:tab pos="0" algn="l"/>
+                  <a:tab pos="457200" algn="l"/>
+                  <a:tab pos="914400" algn="l"/>
+                  <a:tab pos="1371600" algn="l"/>
+                  <a:tab pos="1828800" algn="l"/>
+                  <a:tab pos="2286000" algn="l"/>
+                  <a:tab pos="2743200" algn="l"/>
+                  <a:tab pos="3200400" algn="l"/>
+                  <a:tab pos="3657600" algn="l"/>
+                  <a:tab pos="4114800" algn="l"/>
+                  <a:tab pos="4572000" algn="l"/>
+                  <a:tab pos="5029200" algn="l"/>
+                  <a:tab pos="5486400" algn="l"/>
+                  <a:tab pos="5943600" algn="l"/>
+                  <a:tab pos="6400800" algn="l"/>
+                  <a:tab pos="6858000" algn="l"/>
+                  <a:tab pos="7315200" algn="l"/>
+                  <a:tab pos="7772400" algn="l"/>
+                  <a:tab pos="8229600" algn="l"/>
+                  <a:tab pos="8686800" algn="l"/>
+                  <a:tab pos="9144000" algn="l"/>
+                </a:tabLst>
+                <a:defRPr sz="2400">
+                  <a:solidFill>
+                    <a:schemeClr val="tx1"/>
+                  </a:solidFill>
+                  <a:latin typeface="Arial Narrow" pitchFamily="34" charset="0"/>
+                  <a:ea typeface="ヒラギノ角ゴ Pro W3" charset="-128"/>
+                </a:defRPr>
+              </a:lvl6pPr>
+              <a:lvl7pPr marL="2971800" indent="-228600" defTabSz="457200" eaLnBrk="0" fontAlgn="base" hangingPunct="0">
+                <a:lnSpc>
+                  <a:spcPct val="110000"/>
+                </a:lnSpc>
+                <a:spcBef>
+                  <a:spcPct val="0"/>
+                </a:spcBef>
+                <a:spcAft>
+                  <a:spcPct val="0"/>
+                </a:spcAft>
+                <a:buFont typeface="Lucida Grande" charset="0"/>
+                <a:buChar char="–"/>
+                <a:tabLst>
+                  <a:tab pos="0" algn="l"/>
+                  <a:tab pos="457200" algn="l"/>
+                  <a:tab pos="914400" algn="l"/>
+                  <a:tab pos="1371600" algn="l"/>
+                  <a:tab pos="1828800" algn="l"/>
+                  <a:tab pos="2286000" algn="l"/>
+                  <a:tab pos="2743200" algn="l"/>
+                  <a:tab pos="3200400" algn="l"/>
+                  <a:tab pos="3657600" algn="l"/>
+                  <a:tab pos="4114800" algn="l"/>
+                  <a:tab pos="4572000" algn="l"/>
+                  <a:tab pos="5029200" algn="l"/>
+                  <a:tab pos="5486400" algn="l"/>
+                  <a:tab pos="5943600" algn="l"/>
+                  <a:tab pos="6400800" algn="l"/>
+                  <a:tab pos="6858000" algn="l"/>
+                  <a:tab pos="7315200" algn="l"/>
+                  <a:tab pos="7772400" algn="l"/>
+                  <a:tab pos="8229600" algn="l"/>
+                  <a:tab pos="8686800" algn="l"/>
+                  <a:tab pos="9144000" algn="l"/>
+                </a:tabLst>
+                <a:defRPr sz="2400">
+                  <a:solidFill>
+                    <a:schemeClr val="tx1"/>
+                  </a:solidFill>
+                  <a:latin typeface="Arial Narrow" pitchFamily="34" charset="0"/>
+                  <a:ea typeface="ヒラギノ角ゴ Pro W3" charset="-128"/>
+                </a:defRPr>
+              </a:lvl7pPr>
+              <a:lvl8pPr marL="3429000" indent="-228600" defTabSz="457200" eaLnBrk="0" fontAlgn="base" hangingPunct="0">
+                <a:lnSpc>
+                  <a:spcPct val="110000"/>
+                </a:lnSpc>
+                <a:spcBef>
+                  <a:spcPct val="0"/>
+                </a:spcBef>
+                <a:spcAft>
+                  <a:spcPct val="0"/>
+                </a:spcAft>
+                <a:buFont typeface="Lucida Grande" charset="0"/>
+                <a:buChar char="–"/>
+                <a:tabLst>
+                  <a:tab pos="0" algn="l"/>
+                  <a:tab pos="457200" algn="l"/>
+                  <a:tab pos="914400" algn="l"/>
+                  <a:tab pos="1371600" algn="l"/>
+                  <a:tab pos="1828800" algn="l"/>
+                  <a:tab pos="2286000" algn="l"/>
+                  <a:tab pos="2743200" algn="l"/>
+                  <a:tab pos="3200400" algn="l"/>
+                  <a:tab pos="3657600" algn="l"/>
+                  <a:tab pos="4114800" algn="l"/>
+                  <a:tab pos="4572000" algn="l"/>
+                  <a:tab pos="5029200" algn="l"/>
+                  <a:tab pos="5486400" algn="l"/>
+                  <a:tab pos="5943600" algn="l"/>
+                  <a:tab pos="6400800" algn="l"/>
+                  <a:tab pos="6858000" algn="l"/>
+                  <a:tab pos="7315200" algn="l"/>
+                  <a:tab pos="7772400" algn="l"/>
+                  <a:tab pos="8229600" algn="l"/>
+                  <a:tab pos="8686800" algn="l"/>
+                  <a:tab pos="9144000" algn="l"/>
+                </a:tabLst>
+                <a:defRPr sz="2400">
+                  <a:solidFill>
+                    <a:schemeClr val="tx1"/>
+                  </a:solidFill>
+                  <a:latin typeface="Arial Narrow" pitchFamily="34" charset="0"/>
+                  <a:ea typeface="ヒラギノ角ゴ Pro W3" charset="-128"/>
+                </a:defRPr>
+              </a:lvl8pPr>
+              <a:lvl9pPr marL="3886200" indent="-228600" defTabSz="457200" eaLnBrk="0" fontAlgn="base" hangingPunct="0">
+                <a:lnSpc>
+                  <a:spcPct val="110000"/>
+                </a:lnSpc>
+                <a:spcBef>
+                  <a:spcPct val="0"/>
+                </a:spcBef>
+                <a:spcAft>
+                  <a:spcPct val="0"/>
+                </a:spcAft>
+                <a:buFont typeface="Lucida Grande" charset="0"/>
+                <a:buChar char="–"/>
+                <a:tabLst>
+                  <a:tab pos="0" algn="l"/>
+                  <a:tab pos="457200" algn="l"/>
+                  <a:tab pos="914400" algn="l"/>
+                  <a:tab pos="1371600" algn="l"/>
+                  <a:tab pos="1828800" algn="l"/>
+                  <a:tab pos="2286000" algn="l"/>
+                  <a:tab pos="2743200" algn="l"/>
+                  <a:tab pos="3200400" algn="l"/>
+                  <a:tab pos="3657600" algn="l"/>
+                  <a:tab pos="4114800" algn="l"/>
+                  <a:tab pos="4572000" algn="l"/>
+                  <a:tab pos="5029200" algn="l"/>
+                  <a:tab pos="5486400" algn="l"/>
+                  <a:tab pos="5943600" algn="l"/>
+                  <a:tab pos="6400800" algn="l"/>
+                  <a:tab pos="6858000" algn="l"/>
+                  <a:tab pos="7315200" algn="l"/>
+                  <a:tab pos="7772400" algn="l"/>
+                  <a:tab pos="8229600" algn="l"/>
+                  <a:tab pos="8686800" algn="l"/>
+                  <a:tab pos="9144000" algn="l"/>
+                </a:tabLst>
+                <a:defRPr sz="2400">
+                  <a:solidFill>
+                    <a:schemeClr val="tx1"/>
+                  </a:solidFill>
+                  <a:latin typeface="Arial Narrow" pitchFamily="34" charset="0"/>
+                  <a:ea typeface="ヒラギノ角ゴ Pro W3" charset="-128"/>
+                </a:defRPr>
+              </a:lvl9pPr>
+            </a:lstStyle>
+            <a:p>
+              <a:pPr marL="85725" indent="-85725" eaLnBrk="1" hangingPunct="1">
+                <a:spcBef>
+                  <a:spcPts val="0"/>
+                </a:spcBef>
+                <a:buClr>
+                  <a:srgbClr val="000000"/>
+                </a:buClr>
+              </a:pPr>
+              <a:r>
+                <a:rPr lang="en-US" altLang="ko-KR" sz="1100" dirty="0">
+                  <a:solidFill>
+                    <a:srgbClr val="003B6E"/>
+                  </a:solidFill>
+                  <a:latin typeface="+mn-lt"/>
+                  <a:ea typeface="Gulim" pitchFamily="34" charset="-127"/>
+                  <a:cs typeface="Arial Unicode MS" pitchFamily="34" charset="-128"/>
+                </a:rPr>
+                <a:t>Simple Random Sampling (</a:t>
+              </a:r>
+              <a:r>
+                <a:rPr lang="en-US" altLang="ko-KR" sz="1100" dirty="0" err="1">
+                  <a:solidFill>
+                    <a:srgbClr val="003B6E"/>
+                  </a:solidFill>
+                  <a:latin typeface="Courier New" panose="02070309020205020404" pitchFamily="49" charset="0"/>
+                  <a:ea typeface="Gulim" pitchFamily="34" charset="-127"/>
+                  <a:cs typeface="Courier New" panose="02070309020205020404" pitchFamily="49" charset="0"/>
+                </a:rPr>
+                <a:t>srs</a:t>
+              </a:r>
+              <a:r>
+                <a:rPr lang="en-US" altLang="ko-KR" sz="1100" dirty="0">
+                  <a:solidFill>
+                    <a:srgbClr val="003B6E"/>
+                  </a:solidFill>
+                  <a:latin typeface="+mn-lt"/>
+                  <a:ea typeface="Gulim" pitchFamily="34" charset="-127"/>
+                  <a:cs typeface="Arial Unicode MS" pitchFamily="34" charset="-128"/>
+                </a:rPr>
+                <a:t>)</a:t>
+              </a:r>
+            </a:p>
+            <a:p>
+              <a:pPr marL="85725" indent="-85725" eaLnBrk="1" hangingPunct="1">
+                <a:spcBef>
+                  <a:spcPts val="0"/>
+                </a:spcBef>
+                <a:buClr>
+                  <a:srgbClr val="000000"/>
+                </a:buClr>
+              </a:pPr>
+              <a:r>
+                <a:rPr lang="en-US" altLang="ko-KR" sz="1100" dirty="0">
+                  <a:solidFill>
+                    <a:srgbClr val="003B6E"/>
+                  </a:solidFill>
+                  <a:latin typeface="+mn-lt"/>
+                  <a:ea typeface="Gulim" pitchFamily="34" charset="-127"/>
+                  <a:cs typeface="Arial Unicode MS" pitchFamily="34" charset="-128"/>
+                </a:rPr>
+                <a:t>Latin Hypercube Sampling (</a:t>
+              </a:r>
+              <a:r>
+                <a:rPr lang="en-US" altLang="ko-KR" sz="1100" dirty="0" err="1">
+                  <a:solidFill>
+                    <a:srgbClr val="003B6E"/>
+                  </a:solidFill>
+                  <a:latin typeface="Courier New" panose="02070309020205020404" pitchFamily="49" charset="0"/>
+                  <a:ea typeface="Gulim" pitchFamily="34" charset="-127"/>
+                  <a:cs typeface="Courier New" panose="02070309020205020404" pitchFamily="49" charset="0"/>
+                </a:rPr>
+                <a:t>lhs</a:t>
+              </a:r>
+              <a:r>
+                <a:rPr lang="en-US" altLang="ko-KR" sz="1100" dirty="0">
+                  <a:solidFill>
+                    <a:srgbClr val="003B6E"/>
+                  </a:solidFill>
+                  <a:latin typeface="+mn-lt"/>
+                  <a:ea typeface="Gulim" pitchFamily="34" charset="-127"/>
+                  <a:cs typeface="Arial Unicode MS" pitchFamily="34" charset="-128"/>
+                </a:rPr>
+                <a:t>)</a:t>
+              </a:r>
+            </a:p>
+            <a:p>
+              <a:pPr marL="85725" indent="-85725" eaLnBrk="1" hangingPunct="1">
+                <a:spcBef>
+                  <a:spcPts val="0"/>
+                </a:spcBef>
+                <a:buClr>
+                  <a:srgbClr val="000000"/>
+                </a:buClr>
+              </a:pPr>
+              <a:r>
+                <a:rPr lang="en-US" altLang="ko-KR" sz="1100" i="1" dirty="0">
+                  <a:solidFill>
+                    <a:srgbClr val="003B6E"/>
+                  </a:solidFill>
+                  <a:latin typeface="+mn-lt"/>
+                  <a:ea typeface="Gulim" pitchFamily="34" charset="-127"/>
+                  <a:cs typeface="Arial Unicode MS" pitchFamily="34" charset="-128"/>
+                </a:rPr>
+                <a:t>L</a:t>
+              </a:r>
+              <a:r>
+                <a:rPr lang="en-US" altLang="ko-KR" sz="1100" i="1" baseline="30000" dirty="0">
+                  <a:solidFill>
+                    <a:srgbClr val="003B6E"/>
+                  </a:solidFill>
+                  <a:latin typeface="+mn-lt"/>
+                  <a:ea typeface="Gulim" pitchFamily="34" charset="-127"/>
+                  <a:cs typeface="Arial Unicode MS" pitchFamily="34" charset="-128"/>
+                </a:rPr>
+                <a:t>2</a:t>
+              </a:r>
+              <a:r>
+                <a:rPr lang="en-US" altLang="ko-KR" sz="1100" dirty="0">
+                  <a:solidFill>
+                    <a:srgbClr val="003B6E"/>
+                  </a:solidFill>
+                  <a:latin typeface="+mn-lt"/>
+                  <a:ea typeface="Gulim" pitchFamily="34" charset="-127"/>
+                  <a:cs typeface="Arial Unicode MS" pitchFamily="34" charset="-128"/>
+                </a:rPr>
+                <a:t>-discrepancy optimized (space-filling) </a:t>
+              </a:r>
+              <a:br>
+                <a:rPr lang="en-US" altLang="ko-KR" sz="1100" dirty="0">
+                  <a:solidFill>
+                    <a:srgbClr val="003B6E"/>
+                  </a:solidFill>
+                  <a:latin typeface="+mn-lt"/>
+                  <a:ea typeface="Gulim" pitchFamily="34" charset="-127"/>
+                  <a:cs typeface="Arial Unicode MS" pitchFamily="34" charset="-128"/>
+                </a:rPr>
+              </a:br>
+              <a:r>
+                <a:rPr lang="en-US" altLang="ko-KR" sz="1100" dirty="0">
+                  <a:solidFill>
+                    <a:srgbClr val="003B6E"/>
+                  </a:solidFill>
+                  <a:latin typeface="+mn-lt"/>
+                  <a:ea typeface="Gulim" pitchFamily="34" charset="-127"/>
+                  <a:cs typeface="Arial Unicode MS" pitchFamily="34" charset="-128"/>
+                </a:rPr>
+                <a:t>Latin Hypercube Sampling (</a:t>
+              </a:r>
+              <a:r>
+                <a:rPr lang="en-US" altLang="ko-KR" sz="1100" dirty="0" err="1">
+                  <a:solidFill>
+                    <a:srgbClr val="003B6E"/>
+                  </a:solidFill>
+                  <a:latin typeface="Courier New" panose="02070309020205020404" pitchFamily="49" charset="0"/>
+                  <a:ea typeface="Gulim" pitchFamily="34" charset="-127"/>
+                  <a:cs typeface="Courier New" panose="02070309020205020404" pitchFamily="49" charset="0"/>
+                </a:rPr>
+                <a:t>lhs</a:t>
+              </a:r>
+              <a:r>
+                <a:rPr lang="en-US" altLang="ko-KR" sz="1100" dirty="0">
+                  <a:solidFill>
+                    <a:srgbClr val="003B6E"/>
+                  </a:solidFill>
+                  <a:latin typeface="Courier New" panose="02070309020205020404" pitchFamily="49" charset="0"/>
+                  <a:ea typeface="Gulim" pitchFamily="34" charset="-127"/>
+                  <a:cs typeface="Courier New" panose="02070309020205020404" pitchFamily="49" charset="0"/>
+                </a:rPr>
+                <a:t>-opt</a:t>
+              </a:r>
+              <a:r>
+                <a:rPr lang="en-US" altLang="ko-KR" sz="1100" dirty="0">
+                  <a:solidFill>
+                    <a:srgbClr val="003B6E"/>
+                  </a:solidFill>
+                  <a:latin typeface="+mn-lt"/>
+                  <a:ea typeface="Gulim" pitchFamily="34" charset="-127"/>
+                  <a:cs typeface="Arial Unicode MS" pitchFamily="34" charset="-128"/>
+                </a:rPr>
+                <a:t>)</a:t>
+              </a:r>
+            </a:p>
+            <a:p>
+              <a:pPr marL="85725" indent="-85725" eaLnBrk="1" hangingPunct="1">
+                <a:spcBef>
+                  <a:spcPts val="0"/>
+                </a:spcBef>
+                <a:buClr>
+                  <a:srgbClr val="000000"/>
+                </a:buClr>
+              </a:pPr>
+              <a:r>
+                <a:rPr lang="en-US" altLang="ko-KR" sz="1100" dirty="0" err="1">
+                  <a:solidFill>
+                    <a:srgbClr val="003B6E"/>
+                  </a:solidFill>
+                  <a:latin typeface="+mn-lt"/>
+                  <a:ea typeface="Gulim" pitchFamily="34" charset="-127"/>
+                  <a:cs typeface="Arial Unicode MS" pitchFamily="34" charset="-128"/>
+                </a:rPr>
+                <a:t>Sobol</a:t>
+              </a:r>
+              <a:r>
+                <a:rPr lang="en-US" altLang="ko-KR" sz="1100" dirty="0">
+                  <a:solidFill>
+                    <a:srgbClr val="003B6E"/>
+                  </a:solidFill>
+                  <a:latin typeface="+mn-lt"/>
+                  <a:ea typeface="Gulim" pitchFamily="34" charset="-127"/>
+                  <a:cs typeface="Arial Unicode MS" pitchFamily="34" charset="-128"/>
+                </a:rPr>
+                <a:t>’ sequence launcher (</a:t>
+              </a:r>
+              <a:r>
+                <a:rPr lang="en-US" altLang="ko-KR" sz="1100" dirty="0" err="1">
+                  <a:solidFill>
+                    <a:srgbClr val="003B6E"/>
+                  </a:solidFill>
+                  <a:latin typeface="Courier New" panose="02070309020205020404" pitchFamily="49" charset="0"/>
+                  <a:ea typeface="Gulim" pitchFamily="34" charset="-127"/>
+                  <a:cs typeface="Courier New" panose="02070309020205020404" pitchFamily="49" charset="0"/>
+                </a:rPr>
+                <a:t>sobol</a:t>
+              </a:r>
+              <a:r>
+                <a:rPr lang="en-US" altLang="ko-KR" sz="1100" dirty="0" smtClean="0">
+                  <a:solidFill>
+                    <a:srgbClr val="003B6E"/>
+                  </a:solidFill>
+                  <a:latin typeface="+mn-lt"/>
+                  <a:ea typeface="Gulim" pitchFamily="34" charset="-127"/>
+                  <a:cs typeface="Arial Unicode MS" pitchFamily="34" charset="-128"/>
+                </a:rPr>
+                <a:t>)</a:t>
+              </a:r>
+            </a:p>
+            <a:p>
+              <a:pPr marL="85725" indent="-85725" eaLnBrk="1" hangingPunct="1">
+                <a:spcBef>
+                  <a:spcPts val="0"/>
+                </a:spcBef>
+                <a:buClr>
+                  <a:srgbClr val="000000"/>
+                </a:buClr>
+              </a:pPr>
+              <a:r>
+                <a:rPr lang="en-US" altLang="ko-KR" sz="1100" dirty="0" smtClean="0">
+                  <a:solidFill>
+                    <a:srgbClr val="003B6E"/>
+                  </a:solidFill>
+                  <a:latin typeface="+mn-lt"/>
+                  <a:ea typeface="Gulim" pitchFamily="34" charset="-127"/>
+                  <a:cs typeface="Arial Unicode MS" pitchFamily="34" charset="-128"/>
+                </a:rPr>
+                <a:t>Randomized </a:t>
+              </a:r>
+              <a:r>
+                <a:rPr lang="en-US" altLang="ko-KR" sz="1100" dirty="0" err="1" smtClean="0">
+                  <a:solidFill>
+                    <a:srgbClr val="003B6E"/>
+                  </a:solidFill>
+                  <a:latin typeface="+mn-lt"/>
+                  <a:ea typeface="Gulim" pitchFamily="34" charset="-127"/>
+                  <a:cs typeface="Arial Unicode MS" pitchFamily="34" charset="-128"/>
+                </a:rPr>
+                <a:t>Sobol</a:t>
+              </a:r>
+              <a:r>
+                <a:rPr lang="en-US" altLang="ko-KR" sz="1100" dirty="0" smtClean="0">
+                  <a:solidFill>
+                    <a:srgbClr val="003B6E"/>
+                  </a:solidFill>
+                  <a:latin typeface="+mn-lt"/>
+                  <a:ea typeface="Gulim" pitchFamily="34" charset="-127"/>
+                  <a:cs typeface="Arial Unicode MS" pitchFamily="34" charset="-128"/>
+                </a:rPr>
+                <a:t>’  seq. by random shift (</a:t>
+              </a:r>
+              <a:r>
+                <a:rPr lang="en-US" altLang="ko-KR" sz="1100" dirty="0" err="1" smtClean="0">
+                  <a:solidFill>
+                    <a:srgbClr val="003B6E"/>
+                  </a:solidFill>
+                  <a:latin typeface="Courier New" panose="02070309020205020404" pitchFamily="49" charset="0"/>
+                  <a:ea typeface="Gulim" pitchFamily="34" charset="-127"/>
+                  <a:cs typeface="Courier New" panose="02070309020205020404" pitchFamily="49" charset="0"/>
+                </a:rPr>
+                <a:t>sobol</a:t>
+              </a:r>
+              <a:r>
+                <a:rPr lang="en-US" altLang="ko-KR" sz="1100" dirty="0" smtClean="0">
+                  <a:solidFill>
+                    <a:srgbClr val="003B6E"/>
+                  </a:solidFill>
+                  <a:latin typeface="+mn-lt"/>
+                  <a:ea typeface="Gulim" pitchFamily="34" charset="-127"/>
+                  <a:cs typeface="Arial Unicode MS" pitchFamily="34" charset="-128"/>
+                </a:rPr>
+                <a:t>)</a:t>
+              </a:r>
+            </a:p>
+            <a:p>
+              <a:pPr marL="85725" indent="-85725" eaLnBrk="1" hangingPunct="1">
+                <a:spcBef>
+                  <a:spcPts val="0"/>
+                </a:spcBef>
+                <a:buClr>
+                  <a:srgbClr val="000000"/>
+                </a:buClr>
+              </a:pPr>
+              <a:r>
+                <a:rPr lang="en-US" altLang="ko-KR" sz="1100" dirty="0" smtClean="0">
+                  <a:solidFill>
+                    <a:srgbClr val="003B6E"/>
+                  </a:solidFill>
+                  <a:latin typeface="+mn-lt"/>
+                  <a:ea typeface="Gulim" pitchFamily="34" charset="-127"/>
+                  <a:cs typeface="Arial Unicode MS" pitchFamily="34" charset="-128"/>
+                </a:rPr>
+                <a:t>Validation data set based on Hammersley quasi-random sequence (</a:t>
+              </a:r>
+              <a:r>
+                <a:rPr lang="en-US" altLang="ko-KR" sz="1100" dirty="0" err="1" smtClean="0">
+                  <a:solidFill>
+                    <a:srgbClr val="003B6E"/>
+                  </a:solidFill>
+                  <a:latin typeface="Courier New" panose="02070309020205020404" pitchFamily="49" charset="0"/>
+                  <a:ea typeface="Gulim" pitchFamily="34" charset="-127"/>
+                  <a:cs typeface="Courier New" panose="02070309020205020404" pitchFamily="49" charset="0"/>
+                </a:rPr>
+                <a:t>test_sample</a:t>
+              </a:r>
+              <a:r>
+                <a:rPr lang="en-US" altLang="ko-KR" sz="1100" dirty="0" smtClean="0">
+                  <a:solidFill>
+                    <a:srgbClr val="003B6E"/>
+                  </a:solidFill>
+                  <a:latin typeface="+mn-lt"/>
+                  <a:ea typeface="Gulim" pitchFamily="34" charset="-127"/>
+                  <a:cs typeface="Arial Unicode MS" pitchFamily="34" charset="-128"/>
+                </a:rPr>
+                <a:t>)</a:t>
+              </a:r>
+              <a:endParaRPr lang="en-US" altLang="ko-KR" sz="1100" dirty="0">
+                <a:solidFill>
+                  <a:srgbClr val="003B6E"/>
+                </a:solidFill>
+                <a:latin typeface="+mn-lt"/>
+                <a:ea typeface="Gulim" pitchFamily="34" charset="-127"/>
+                <a:cs typeface="Arial Unicode MS" pitchFamily="34" charset="-128"/>
+              </a:endParaRPr>
+            </a:p>
+          </p:txBody>
+        </p:sp>
+      </p:grpSp>
+      <p:sp>
+        <p:nvSpPr>
+          <p:cNvPr id="42" name="Flowchart: Document 41"/>
+          <p:cNvSpPr/>
+          <p:nvPr/>
+        </p:nvSpPr>
+        <p:spPr bwMode="auto">
+          <a:xfrm>
+            <a:off x="7126288" y="943592"/>
+            <a:ext cx="1276772" cy="855439"/>
+          </a:xfrm>
+          <a:prstGeom prst="flowChartDocument">
+            <a:avLst/>
+          </a:prstGeom>
+          <a:solidFill>
+            <a:srgbClr val="0070C0"/>
+          </a:solidFill>
+          <a:ln w="9525" cap="flat" cmpd="sng" algn="ctr">
+            <a:noFill/>
+            <a:prstDash val="solid"/>
+            <a:round/>
+            <a:headEnd type="none" w="med" len="med"/>
+            <a:tailEnd type="none" w="med" len="med"/>
+          </a:ln>
+          <a:effectLst/>
+        </p:spPr>
+        <p:txBody>
+          <a:bodyPr vert="horz" wrap="square" lIns="91440" tIns="45720" rIns="91440" bIns="45720" numCol="1" rtlCol="0" anchor="t" anchorCtr="0" compatLnSpc="1">
+            <a:prstTxWarp prst="textNoShape">
+              <a:avLst/>
+            </a:prstTxWarp>
+          </a:bodyPr>
+          <a:lstStyle/>
+          <a:p>
+            <a:pPr marL="0" marR="0" indent="0" algn="l" defTabSz="914400" rtl="0" eaLnBrk="0" fontAlgn="base" latinLnBrk="0" hangingPunct="0">
+              <a:lnSpc>
+                <a:spcPct val="100000"/>
+              </a:lnSpc>
+              <a:spcBef>
+                <a:spcPct val="0"/>
+              </a:spcBef>
+              <a:spcAft>
+                <a:spcPct val="0"/>
+              </a:spcAft>
+              <a:buClrTx/>
+              <a:buSzTx/>
+              <a:buFontTx/>
+              <a:buNone/>
+              <a:tabLst/>
+            </a:pPr>
+            <a:endParaRPr kumimoji="0" lang="en-US" sz="2400" b="0" i="0" u="none" strike="noStrike" cap="none" normalizeH="0" baseline="0">
+              <a:ln>
+                <a:noFill/>
+              </a:ln>
+              <a:solidFill>
+                <a:schemeClr val="tx1"/>
+              </a:solidFill>
+              <a:effectLst/>
+              <a:latin typeface="Times" charset="0"/>
+            </a:endParaRPr>
+          </a:p>
+        </p:txBody>
+      </p:sp>
+      <p:sp>
+        <p:nvSpPr>
+          <p:cNvPr id="49" name="Rectangle 48"/>
+          <p:cNvSpPr/>
+          <p:nvPr/>
+        </p:nvSpPr>
+        <p:spPr>
+          <a:xfrm>
+            <a:off x="7162156" y="1120798"/>
+            <a:ext cx="1130871" cy="400110"/>
+          </a:xfrm>
+          <a:prstGeom prst="rect">
+            <a:avLst/>
+          </a:prstGeom>
+        </p:spPr>
+        <p:txBody>
+          <a:bodyPr wrap="square">
+            <a:spAutoFit/>
+          </a:bodyPr>
+          <a:lstStyle/>
+          <a:p>
+            <a:pPr algn="ctr"/>
+            <a:r>
+              <a:rPr lang="en-US" sz="2000" b="1" dirty="0">
+                <a:solidFill>
+                  <a:schemeClr val="bg1"/>
+                </a:solidFill>
+                <a:latin typeface="+mn-lt"/>
+              </a:rPr>
+              <a:t>CSV</a:t>
+            </a:r>
+          </a:p>
+        </p:txBody>
+      </p:sp>
+      <p:sp>
+        <p:nvSpPr>
+          <p:cNvPr id="64" name="TextBox 63"/>
+          <p:cNvSpPr txBox="1"/>
+          <p:nvPr/>
+        </p:nvSpPr>
+        <p:spPr>
+          <a:xfrm>
+            <a:off x="20069" y="4107068"/>
+            <a:ext cx="2118268" cy="369332"/>
+          </a:xfrm>
+          <a:prstGeom prst="rect">
+            <a:avLst/>
+          </a:prstGeom>
+          <a:solidFill>
+            <a:schemeClr val="bg1">
+              <a:lumMod val="95000"/>
+              <a:alpha val="75000"/>
+            </a:schemeClr>
+          </a:solidFill>
+          <a:ln w="9525">
+            <a:noFill/>
+          </a:ln>
+        </p:spPr>
+        <p:txBody>
+          <a:bodyPr wrap="square" rtlCol="0" anchor="ctr">
+            <a:spAutoFit/>
+          </a:bodyPr>
+          <a:lstStyle/>
+          <a:p>
+            <a:r>
+              <a:rPr lang="en-US" b="1" dirty="0">
+                <a:latin typeface="+mj-lt"/>
+              </a:rPr>
+              <a:t>Sensitivity Analysis</a:t>
+            </a:r>
+          </a:p>
+        </p:txBody>
+      </p:sp>
+      <p:sp>
+        <p:nvSpPr>
+          <p:cNvPr id="65" name="TextBox 64"/>
+          <p:cNvSpPr txBox="1"/>
+          <p:nvPr/>
+        </p:nvSpPr>
+        <p:spPr>
+          <a:xfrm>
+            <a:off x="20070" y="112857"/>
+            <a:ext cx="2118267" cy="369332"/>
+          </a:xfrm>
+          <a:prstGeom prst="rect">
+            <a:avLst/>
+          </a:prstGeom>
+          <a:solidFill>
+            <a:schemeClr val="bg1">
+              <a:lumMod val="95000"/>
+              <a:alpha val="75000"/>
+            </a:schemeClr>
+          </a:solidFill>
+          <a:ln w="9525">
+            <a:noFill/>
+          </a:ln>
+        </p:spPr>
+        <p:txBody>
+          <a:bodyPr wrap="square" rtlCol="0" anchor="ctr">
+            <a:spAutoFit/>
+          </a:bodyPr>
+          <a:lstStyle/>
+          <a:p>
+            <a:r>
+              <a:rPr lang="en-US" b="1" dirty="0">
+                <a:latin typeface="+mj-lt"/>
+              </a:rPr>
+              <a:t>Samples Generation</a:t>
+            </a:r>
+          </a:p>
+        </p:txBody>
+      </p:sp>
+      <p:sp>
+        <p:nvSpPr>
+          <p:cNvPr id="37" name="Flowchart: Document 36"/>
+          <p:cNvSpPr/>
+          <p:nvPr/>
+        </p:nvSpPr>
+        <p:spPr>
+          <a:xfrm>
+            <a:off x="971600" y="816425"/>
+            <a:ext cx="1407198" cy="898112"/>
+          </a:xfrm>
+          <a:prstGeom prst="flowChartDocument">
+            <a:avLst/>
+          </a:prstGeom>
+          <a:solidFill>
+            <a:srgbClr val="FFEAA8"/>
+          </a:solidFill>
+          <a:ln>
+            <a:noFill/>
+          </a:ln>
+        </p:spPr>
+        <p:style>
+          <a:lnRef idx="2">
+            <a:schemeClr val="accent1">
+              <a:shade val="50000"/>
+            </a:schemeClr>
+          </a:lnRef>
+          <a:fillRef idx="1">
+            <a:schemeClr val="accent1"/>
+          </a:fillRef>
+          <a:effectRef idx="0">
+            <a:schemeClr val="accent1"/>
+          </a:effectRef>
+          <a:fontRef idx="minor">
+            <a:schemeClr val="lt1"/>
+          </a:fontRef>
+        </p:style>
+        <p:txBody>
+          <a:bodyPr rtlCol="0" anchor="ctr"/>
+          <a:lstStyle/>
+          <a:p>
+            <a:pPr algn="ctr"/>
+            <a:r>
+              <a:rPr lang="en-US" b="1" dirty="0">
+                <a:solidFill>
+                  <a:schemeClr val="tx1"/>
+                </a:solidFill>
+                <a:latin typeface="Calibri Light" panose="020F0302020204030204" pitchFamily="34" charset="0"/>
+                <a:cs typeface="Consolas" panose="020B0609020204030204" pitchFamily="49" charset="0"/>
+              </a:rPr>
+              <a:t>Driver Script Executables</a:t>
+            </a:r>
+            <a:endParaRPr lang="en-US" b="1" dirty="0">
+              <a:solidFill>
+                <a:schemeClr val="tx1"/>
+              </a:solidFill>
+              <a:latin typeface="Calibri Light" panose="020F0302020204030204" pitchFamily="34" charset="0"/>
+            </a:endParaRPr>
+          </a:p>
+        </p:txBody>
+      </p:sp>
+      <p:grpSp>
+        <p:nvGrpSpPr>
+          <p:cNvPr id="7" name="Group 6"/>
+          <p:cNvGrpSpPr/>
+          <p:nvPr/>
+        </p:nvGrpSpPr>
+        <p:grpSpPr>
+          <a:xfrm>
+            <a:off x="5004048" y="2708921"/>
+            <a:ext cx="1368152" cy="943172"/>
+            <a:chOff x="-394899" y="1232645"/>
+            <a:chExt cx="2129712" cy="999242"/>
+          </a:xfrm>
+        </p:grpSpPr>
+        <p:sp>
+          <p:nvSpPr>
+            <p:cNvPr id="44" name="Text Box 11"/>
+            <p:cNvSpPr txBox="1">
+              <a:spLocks noChangeArrowheads="1"/>
+            </p:cNvSpPr>
+            <p:nvPr/>
+          </p:nvSpPr>
+          <p:spPr bwMode="auto">
+            <a:xfrm>
+              <a:off x="-394899" y="1232645"/>
+              <a:ext cx="2129712" cy="999242"/>
+            </a:xfrm>
+            <a:prstGeom prst="rect">
+              <a:avLst/>
+            </a:prstGeom>
+            <a:solidFill>
+              <a:srgbClr val="FFFFFF"/>
+            </a:solidFill>
+            <a:ln w="6350">
+              <a:solidFill>
+                <a:schemeClr val="bg1">
+                  <a:lumMod val="50000"/>
+                </a:schemeClr>
+              </a:solidFill>
+              <a:prstDash val="dash"/>
+              <a:miter lim="800000"/>
+              <a:headEnd/>
+              <a:tailEnd/>
+            </a:ln>
+          </p:spPr>
+          <p:txBody>
+            <a:bodyPr lIns="90000" tIns="46800" rIns="90000" bIns="46800"/>
+            <a:lstStyle>
+              <a:lvl1pPr defTabSz="457200">
+                <a:buChar char="•"/>
+                <a:tabLst>
+                  <a:tab pos="0" algn="l"/>
+                  <a:tab pos="457200" algn="l"/>
+                  <a:tab pos="914400" algn="l"/>
+                  <a:tab pos="1371600" algn="l"/>
+                  <a:tab pos="1828800" algn="l"/>
+                  <a:tab pos="2286000" algn="l"/>
+                  <a:tab pos="2743200" algn="l"/>
+                  <a:tab pos="3200400" algn="l"/>
+                  <a:tab pos="3657600" algn="l"/>
+                  <a:tab pos="4114800" algn="l"/>
+                  <a:tab pos="4572000" algn="l"/>
+                  <a:tab pos="5029200" algn="l"/>
+                  <a:tab pos="5486400" algn="l"/>
+                  <a:tab pos="5943600" algn="l"/>
+                  <a:tab pos="6400800" algn="l"/>
+                  <a:tab pos="6858000" algn="l"/>
+                  <a:tab pos="7315200" algn="l"/>
+                  <a:tab pos="7772400" algn="l"/>
+                  <a:tab pos="8229600" algn="l"/>
+                  <a:tab pos="8686800" algn="l"/>
+                  <a:tab pos="9144000" algn="l"/>
+                </a:tabLst>
+                <a:defRPr sz="2400">
+                  <a:solidFill>
+                    <a:schemeClr val="tx1"/>
+                  </a:solidFill>
+                  <a:latin typeface="Arial Narrow" pitchFamily="34" charset="0"/>
+                  <a:ea typeface="ヒラギノ角ゴ Pro W3" charset="-128"/>
+                </a:defRPr>
+              </a:lvl1pPr>
+              <a:lvl2pPr marL="742950" indent="-285750" defTabSz="457200">
+                <a:buClr>
+                  <a:schemeClr val="tx1"/>
+                </a:buClr>
+                <a:buSzPct val="120000"/>
+                <a:buChar char="•"/>
+                <a:tabLst>
+                  <a:tab pos="0" algn="l"/>
+                  <a:tab pos="457200" algn="l"/>
+                  <a:tab pos="914400" algn="l"/>
+                  <a:tab pos="1371600" algn="l"/>
+                  <a:tab pos="1828800" algn="l"/>
+                  <a:tab pos="2286000" algn="l"/>
+                  <a:tab pos="2743200" algn="l"/>
+                  <a:tab pos="3200400" algn="l"/>
+                  <a:tab pos="3657600" algn="l"/>
+                  <a:tab pos="4114800" algn="l"/>
+                  <a:tab pos="4572000" algn="l"/>
+                  <a:tab pos="5029200" algn="l"/>
+                  <a:tab pos="5486400" algn="l"/>
+                  <a:tab pos="5943600" algn="l"/>
+                  <a:tab pos="6400800" algn="l"/>
+                  <a:tab pos="6858000" algn="l"/>
+                  <a:tab pos="7315200" algn="l"/>
+                  <a:tab pos="7772400" algn="l"/>
+                  <a:tab pos="8229600" algn="l"/>
+                  <a:tab pos="8686800" algn="l"/>
+                  <a:tab pos="9144000" algn="l"/>
+                </a:tabLst>
+                <a:defRPr sz="2400">
+                  <a:solidFill>
+                    <a:schemeClr val="tx1"/>
+                  </a:solidFill>
+                  <a:latin typeface="Arial Narrow" pitchFamily="34" charset="0"/>
+                  <a:ea typeface="ヒラギノ角ゴ Pro W3" charset="-128"/>
+                </a:defRPr>
+              </a:lvl2pPr>
+              <a:lvl3pPr marL="1143000" indent="-228600" defTabSz="457200">
+                <a:buFont typeface="Times" pitchFamily="18" charset="0"/>
+                <a:buChar char="–"/>
+                <a:tabLst>
+                  <a:tab pos="0" algn="l"/>
+                  <a:tab pos="457200" algn="l"/>
+                  <a:tab pos="914400" algn="l"/>
+                  <a:tab pos="1371600" algn="l"/>
+                  <a:tab pos="1828800" algn="l"/>
+                  <a:tab pos="2286000" algn="l"/>
+                  <a:tab pos="2743200" algn="l"/>
+                  <a:tab pos="3200400" algn="l"/>
+                  <a:tab pos="3657600" algn="l"/>
+                  <a:tab pos="4114800" algn="l"/>
+                  <a:tab pos="4572000" algn="l"/>
+                  <a:tab pos="5029200" algn="l"/>
+                  <a:tab pos="5486400" algn="l"/>
+                  <a:tab pos="5943600" algn="l"/>
+                  <a:tab pos="6400800" algn="l"/>
+                  <a:tab pos="6858000" algn="l"/>
+                  <a:tab pos="7315200" algn="l"/>
+                  <a:tab pos="7772400" algn="l"/>
+                  <a:tab pos="8229600" algn="l"/>
+                  <a:tab pos="8686800" algn="l"/>
+                  <a:tab pos="9144000" algn="l"/>
+                </a:tabLst>
+                <a:defRPr sz="1700">
+                  <a:solidFill>
+                    <a:schemeClr val="tx1"/>
+                  </a:solidFill>
+                  <a:latin typeface="Arial Narrow" pitchFamily="34" charset="0"/>
+                  <a:ea typeface="MS PGothic" pitchFamily="34" charset="-128"/>
+                </a:defRPr>
+              </a:lvl3pPr>
+              <a:lvl4pPr marL="1600200" indent="-228600" defTabSz="457200">
+                <a:buFont typeface="Lucida Grande" charset="0"/>
+                <a:buChar char="–"/>
+                <a:tabLst>
+                  <a:tab pos="0" algn="l"/>
+                  <a:tab pos="457200" algn="l"/>
+                  <a:tab pos="914400" algn="l"/>
+                  <a:tab pos="1371600" algn="l"/>
+                  <a:tab pos="1828800" algn="l"/>
+                  <a:tab pos="2286000" algn="l"/>
+                  <a:tab pos="2743200" algn="l"/>
+                  <a:tab pos="3200400" algn="l"/>
+                  <a:tab pos="3657600" algn="l"/>
+                  <a:tab pos="4114800" algn="l"/>
+                  <a:tab pos="4572000" algn="l"/>
+                  <a:tab pos="5029200" algn="l"/>
+                  <a:tab pos="5486400" algn="l"/>
+                  <a:tab pos="5943600" algn="l"/>
+                  <a:tab pos="6400800" algn="l"/>
+                  <a:tab pos="6858000" algn="l"/>
+                  <a:tab pos="7315200" algn="l"/>
+                  <a:tab pos="7772400" algn="l"/>
+                  <a:tab pos="8229600" algn="l"/>
+                  <a:tab pos="8686800" algn="l"/>
+                  <a:tab pos="9144000" algn="l"/>
+                </a:tabLst>
+                <a:defRPr sz="2400">
+                  <a:solidFill>
+                    <a:schemeClr val="tx1"/>
+                  </a:solidFill>
+                  <a:latin typeface="Arial Narrow" pitchFamily="34" charset="0"/>
+                  <a:ea typeface="MS PGothic" pitchFamily="34" charset="-128"/>
+                </a:defRPr>
+              </a:lvl4pPr>
+              <a:lvl5pPr marL="2057400" indent="-228600" defTabSz="457200">
+                <a:buFont typeface="Lucida Grande" charset="0"/>
+                <a:buChar char="–"/>
+                <a:tabLst>
+                  <a:tab pos="0" algn="l"/>
+                  <a:tab pos="457200" algn="l"/>
+                  <a:tab pos="914400" algn="l"/>
+                  <a:tab pos="1371600" algn="l"/>
+                  <a:tab pos="1828800" algn="l"/>
+                  <a:tab pos="2286000" algn="l"/>
+                  <a:tab pos="2743200" algn="l"/>
+                  <a:tab pos="3200400" algn="l"/>
+                  <a:tab pos="3657600" algn="l"/>
+                  <a:tab pos="4114800" algn="l"/>
+                  <a:tab pos="4572000" algn="l"/>
+                  <a:tab pos="5029200" algn="l"/>
+                  <a:tab pos="5486400" algn="l"/>
+                  <a:tab pos="5943600" algn="l"/>
+                  <a:tab pos="6400800" algn="l"/>
+                  <a:tab pos="6858000" algn="l"/>
+                  <a:tab pos="7315200" algn="l"/>
+                  <a:tab pos="7772400" algn="l"/>
+                  <a:tab pos="8229600" algn="l"/>
+                  <a:tab pos="8686800" algn="l"/>
+                  <a:tab pos="9144000" algn="l"/>
+                </a:tabLst>
+                <a:defRPr sz="2400">
+                  <a:solidFill>
+                    <a:schemeClr val="tx1"/>
+                  </a:solidFill>
+                  <a:latin typeface="Arial Narrow" pitchFamily="34" charset="0"/>
+                  <a:ea typeface="ヒラギノ角ゴ Pro W3" charset="-128"/>
+                </a:defRPr>
+              </a:lvl5pPr>
+              <a:lvl6pPr marL="2514600" indent="-228600" defTabSz="457200" eaLnBrk="0" fontAlgn="base" hangingPunct="0">
+                <a:lnSpc>
+                  <a:spcPct val="110000"/>
+                </a:lnSpc>
+                <a:spcBef>
+                  <a:spcPct val="0"/>
+                </a:spcBef>
+                <a:spcAft>
+                  <a:spcPct val="0"/>
+                </a:spcAft>
+                <a:buFont typeface="Lucida Grande" charset="0"/>
+                <a:buChar char="–"/>
+                <a:tabLst>
+                  <a:tab pos="0" algn="l"/>
+                  <a:tab pos="457200" algn="l"/>
+                  <a:tab pos="914400" algn="l"/>
+                  <a:tab pos="1371600" algn="l"/>
+                  <a:tab pos="1828800" algn="l"/>
+                  <a:tab pos="2286000" algn="l"/>
+                  <a:tab pos="2743200" algn="l"/>
+                  <a:tab pos="3200400" algn="l"/>
+                  <a:tab pos="3657600" algn="l"/>
+                  <a:tab pos="4114800" algn="l"/>
+                  <a:tab pos="4572000" algn="l"/>
+                  <a:tab pos="5029200" algn="l"/>
+                  <a:tab pos="5486400" algn="l"/>
+                  <a:tab pos="5943600" algn="l"/>
+                  <a:tab pos="6400800" algn="l"/>
+                  <a:tab pos="6858000" algn="l"/>
+                  <a:tab pos="7315200" algn="l"/>
+                  <a:tab pos="7772400" algn="l"/>
+                  <a:tab pos="8229600" algn="l"/>
+                  <a:tab pos="8686800" algn="l"/>
+                  <a:tab pos="9144000" algn="l"/>
+                </a:tabLst>
+                <a:defRPr sz="2400">
+                  <a:solidFill>
+                    <a:schemeClr val="tx1"/>
+                  </a:solidFill>
+                  <a:latin typeface="Arial Narrow" pitchFamily="34" charset="0"/>
+                  <a:ea typeface="ヒラギノ角ゴ Pro W3" charset="-128"/>
+                </a:defRPr>
+              </a:lvl6pPr>
+              <a:lvl7pPr marL="2971800" indent="-228600" defTabSz="457200" eaLnBrk="0" fontAlgn="base" hangingPunct="0">
+                <a:lnSpc>
+                  <a:spcPct val="110000"/>
+                </a:lnSpc>
+                <a:spcBef>
+                  <a:spcPct val="0"/>
+                </a:spcBef>
+                <a:spcAft>
+                  <a:spcPct val="0"/>
+                </a:spcAft>
+                <a:buFont typeface="Lucida Grande" charset="0"/>
+                <a:buChar char="–"/>
+                <a:tabLst>
+                  <a:tab pos="0" algn="l"/>
+                  <a:tab pos="457200" algn="l"/>
+                  <a:tab pos="914400" algn="l"/>
+                  <a:tab pos="1371600" algn="l"/>
+                  <a:tab pos="1828800" algn="l"/>
+                  <a:tab pos="2286000" algn="l"/>
+                  <a:tab pos="2743200" algn="l"/>
+                  <a:tab pos="3200400" algn="l"/>
+                  <a:tab pos="3657600" algn="l"/>
+                  <a:tab pos="4114800" algn="l"/>
+                  <a:tab pos="4572000" algn="l"/>
+                  <a:tab pos="5029200" algn="l"/>
+                  <a:tab pos="5486400" algn="l"/>
+                  <a:tab pos="5943600" algn="l"/>
+                  <a:tab pos="6400800" algn="l"/>
+                  <a:tab pos="6858000" algn="l"/>
+                  <a:tab pos="7315200" algn="l"/>
+                  <a:tab pos="7772400" algn="l"/>
+                  <a:tab pos="8229600" algn="l"/>
+                  <a:tab pos="8686800" algn="l"/>
+                  <a:tab pos="9144000" algn="l"/>
+                </a:tabLst>
+                <a:defRPr sz="2400">
+                  <a:solidFill>
+                    <a:schemeClr val="tx1"/>
+                  </a:solidFill>
+                  <a:latin typeface="Arial Narrow" pitchFamily="34" charset="0"/>
+                  <a:ea typeface="ヒラギノ角ゴ Pro W3" charset="-128"/>
+                </a:defRPr>
+              </a:lvl7pPr>
+              <a:lvl8pPr marL="3429000" indent="-228600" defTabSz="457200" eaLnBrk="0" fontAlgn="base" hangingPunct="0">
+                <a:lnSpc>
+                  <a:spcPct val="110000"/>
+                </a:lnSpc>
+                <a:spcBef>
+                  <a:spcPct val="0"/>
+                </a:spcBef>
+                <a:spcAft>
+                  <a:spcPct val="0"/>
+                </a:spcAft>
+                <a:buFont typeface="Lucida Grande" charset="0"/>
+                <a:buChar char="–"/>
+                <a:tabLst>
+                  <a:tab pos="0" algn="l"/>
+                  <a:tab pos="457200" algn="l"/>
+                  <a:tab pos="914400" algn="l"/>
+                  <a:tab pos="1371600" algn="l"/>
+                  <a:tab pos="1828800" algn="l"/>
+                  <a:tab pos="2286000" algn="l"/>
+                  <a:tab pos="2743200" algn="l"/>
+                  <a:tab pos="3200400" algn="l"/>
+                  <a:tab pos="3657600" algn="l"/>
+                  <a:tab pos="4114800" algn="l"/>
+                  <a:tab pos="4572000" algn="l"/>
+                  <a:tab pos="5029200" algn="l"/>
+                  <a:tab pos="5486400" algn="l"/>
+                  <a:tab pos="5943600" algn="l"/>
+                  <a:tab pos="6400800" algn="l"/>
+                  <a:tab pos="6858000" algn="l"/>
+                  <a:tab pos="7315200" algn="l"/>
+                  <a:tab pos="7772400" algn="l"/>
+                  <a:tab pos="8229600" algn="l"/>
+                  <a:tab pos="8686800" algn="l"/>
+                  <a:tab pos="9144000" algn="l"/>
+                </a:tabLst>
+                <a:defRPr sz="2400">
+                  <a:solidFill>
+                    <a:schemeClr val="tx1"/>
+                  </a:solidFill>
+                  <a:latin typeface="Arial Narrow" pitchFamily="34" charset="0"/>
+                  <a:ea typeface="ヒラギノ角ゴ Pro W3" charset="-128"/>
+                </a:defRPr>
+              </a:lvl8pPr>
+              <a:lvl9pPr marL="3886200" indent="-228600" defTabSz="457200" eaLnBrk="0" fontAlgn="base" hangingPunct="0">
+                <a:lnSpc>
+                  <a:spcPct val="110000"/>
+                </a:lnSpc>
+                <a:spcBef>
+                  <a:spcPct val="0"/>
+                </a:spcBef>
+                <a:spcAft>
+                  <a:spcPct val="0"/>
+                </a:spcAft>
+                <a:buFont typeface="Lucida Grande" charset="0"/>
+                <a:buChar char="–"/>
+                <a:tabLst>
+                  <a:tab pos="0" algn="l"/>
+                  <a:tab pos="457200" algn="l"/>
+                  <a:tab pos="914400" algn="l"/>
+                  <a:tab pos="1371600" algn="l"/>
+                  <a:tab pos="1828800" algn="l"/>
+                  <a:tab pos="2286000" algn="l"/>
+                  <a:tab pos="2743200" algn="l"/>
+                  <a:tab pos="3200400" algn="l"/>
+                  <a:tab pos="3657600" algn="l"/>
+                  <a:tab pos="4114800" algn="l"/>
+                  <a:tab pos="4572000" algn="l"/>
+                  <a:tab pos="5029200" algn="l"/>
+                  <a:tab pos="5486400" algn="l"/>
+                  <a:tab pos="5943600" algn="l"/>
+                  <a:tab pos="6400800" algn="l"/>
+                  <a:tab pos="6858000" algn="l"/>
+                  <a:tab pos="7315200" algn="l"/>
+                  <a:tab pos="7772400" algn="l"/>
+                  <a:tab pos="8229600" algn="l"/>
+                  <a:tab pos="8686800" algn="l"/>
+                  <a:tab pos="9144000" algn="l"/>
+                </a:tabLst>
+                <a:defRPr sz="2400">
+                  <a:solidFill>
+                    <a:schemeClr val="tx1"/>
+                  </a:solidFill>
+                  <a:latin typeface="Arial Narrow" pitchFamily="34" charset="0"/>
+                  <a:ea typeface="ヒラギノ角ゴ Pro W3" charset="-128"/>
+                </a:defRPr>
+              </a:lvl9pPr>
+            </a:lstStyle>
+            <a:p>
+              <a:pPr eaLnBrk="1" hangingPunct="1">
+                <a:lnSpc>
+                  <a:spcPct val="100000"/>
+                </a:lnSpc>
+                <a:buClr>
+                  <a:srgbClr val="000000"/>
+                </a:buClr>
+                <a:buFont typeface="Times New Roman" pitchFamily="18" charset="0"/>
+                <a:buNone/>
+              </a:pPr>
+              <a:r>
+                <a:rPr lang="en-US" altLang="ko-KR" sz="1300" dirty="0">
+                  <a:solidFill>
+                    <a:srgbClr val="C50006"/>
+                  </a:solidFill>
+                  <a:latin typeface="+mn-lt"/>
+                  <a:ea typeface="Gulim" pitchFamily="34" charset="-127"/>
+                  <a:cs typeface="Arial Unicode MS" pitchFamily="34" charset="-128"/>
+                </a:rPr>
+                <a:t>Computer Codes</a:t>
+              </a:r>
+            </a:p>
+            <a:p>
+              <a:pPr eaLnBrk="1" hangingPunct="1">
+                <a:lnSpc>
+                  <a:spcPct val="100000"/>
+                </a:lnSpc>
+                <a:buClr>
+                  <a:srgbClr val="000000"/>
+                </a:buClr>
+                <a:buFont typeface="Times New Roman" pitchFamily="18" charset="0"/>
+                <a:buNone/>
+              </a:pPr>
+              <a:r>
+                <a:rPr lang="en-US" altLang="ko-KR" sz="1100" dirty="0">
+                  <a:solidFill>
+                    <a:srgbClr val="C50006"/>
+                  </a:solidFill>
+                  <a:latin typeface="+mn-lt"/>
+                  <a:ea typeface="Gulim" pitchFamily="34" charset="-127"/>
+                  <a:cs typeface="Arial Unicode MS" pitchFamily="34" charset="-128"/>
+                </a:rPr>
+                <a:t>or generic functions</a:t>
+              </a:r>
+              <a:endParaRPr lang="en-US" altLang="ko-KR" sz="1300" dirty="0">
+                <a:solidFill>
+                  <a:srgbClr val="C50006"/>
+                </a:solidFill>
+                <a:latin typeface="+mn-lt"/>
+                <a:ea typeface="Gulim" pitchFamily="34" charset="-127"/>
+                <a:cs typeface="Arial Unicode MS" pitchFamily="34" charset="-128"/>
+              </a:endParaRPr>
+            </a:p>
+          </p:txBody>
+        </p:sp>
+        <p:sp>
+          <p:nvSpPr>
+            <p:cNvPr id="52" name="Text Box 12"/>
+            <p:cNvSpPr txBox="1">
+              <a:spLocks noChangeArrowheads="1"/>
+            </p:cNvSpPr>
+            <p:nvPr/>
+          </p:nvSpPr>
+          <p:spPr bwMode="auto">
+            <a:xfrm>
+              <a:off x="-282809" y="1732266"/>
+              <a:ext cx="1801248" cy="469083"/>
+            </a:xfrm>
+            <a:prstGeom prst="rect">
+              <a:avLst/>
+            </a:prstGeom>
+            <a:solidFill>
+              <a:schemeClr val="bg1">
+                <a:lumMod val="95000"/>
+              </a:schemeClr>
+            </a:solidFill>
+            <a:ln w="9360">
+              <a:noFill/>
+              <a:miter lim="800000"/>
+              <a:headEnd/>
+              <a:tailEnd/>
+            </a:ln>
+          </p:spPr>
+          <p:txBody>
+            <a:bodyPr wrap="square" lIns="90000" tIns="46800" rIns="90000" bIns="46800" anchor="ctr">
+              <a:noAutofit/>
+            </a:bodyPr>
+            <a:lstStyle>
+              <a:lvl1pPr defTabSz="457200">
+                <a:buChar char="•"/>
+                <a:tabLst>
+                  <a:tab pos="0" algn="l"/>
+                  <a:tab pos="457200" algn="l"/>
+                  <a:tab pos="914400" algn="l"/>
+                  <a:tab pos="1371600" algn="l"/>
+                  <a:tab pos="1828800" algn="l"/>
+                  <a:tab pos="2286000" algn="l"/>
+                  <a:tab pos="2743200" algn="l"/>
+                  <a:tab pos="3200400" algn="l"/>
+                  <a:tab pos="3657600" algn="l"/>
+                  <a:tab pos="4114800" algn="l"/>
+                  <a:tab pos="4572000" algn="l"/>
+                  <a:tab pos="5029200" algn="l"/>
+                  <a:tab pos="5486400" algn="l"/>
+                  <a:tab pos="5943600" algn="l"/>
+                  <a:tab pos="6400800" algn="l"/>
+                  <a:tab pos="6858000" algn="l"/>
+                  <a:tab pos="7315200" algn="l"/>
+                  <a:tab pos="7772400" algn="l"/>
+                  <a:tab pos="8229600" algn="l"/>
+                  <a:tab pos="8686800" algn="l"/>
+                  <a:tab pos="9144000" algn="l"/>
+                </a:tabLst>
+                <a:defRPr sz="2400">
+                  <a:solidFill>
+                    <a:schemeClr val="tx1"/>
+                  </a:solidFill>
+                  <a:latin typeface="Arial Narrow" pitchFamily="34" charset="0"/>
+                  <a:ea typeface="ヒラギノ角ゴ Pro W3" charset="-128"/>
+                </a:defRPr>
+              </a:lvl1pPr>
+              <a:lvl2pPr marL="742950" indent="-285750" defTabSz="457200">
+                <a:buClr>
+                  <a:schemeClr val="tx1"/>
+                </a:buClr>
+                <a:buSzPct val="120000"/>
+                <a:buChar char="•"/>
+                <a:tabLst>
+                  <a:tab pos="0" algn="l"/>
+                  <a:tab pos="457200" algn="l"/>
+                  <a:tab pos="914400" algn="l"/>
+                  <a:tab pos="1371600" algn="l"/>
+                  <a:tab pos="1828800" algn="l"/>
+                  <a:tab pos="2286000" algn="l"/>
+                  <a:tab pos="2743200" algn="l"/>
+                  <a:tab pos="3200400" algn="l"/>
+                  <a:tab pos="3657600" algn="l"/>
+                  <a:tab pos="4114800" algn="l"/>
+                  <a:tab pos="4572000" algn="l"/>
+                  <a:tab pos="5029200" algn="l"/>
+                  <a:tab pos="5486400" algn="l"/>
+                  <a:tab pos="5943600" algn="l"/>
+                  <a:tab pos="6400800" algn="l"/>
+                  <a:tab pos="6858000" algn="l"/>
+                  <a:tab pos="7315200" algn="l"/>
+                  <a:tab pos="7772400" algn="l"/>
+                  <a:tab pos="8229600" algn="l"/>
+                  <a:tab pos="8686800" algn="l"/>
+                  <a:tab pos="9144000" algn="l"/>
+                </a:tabLst>
+                <a:defRPr sz="2400">
+                  <a:solidFill>
+                    <a:schemeClr val="tx1"/>
+                  </a:solidFill>
+                  <a:latin typeface="Arial Narrow" pitchFamily="34" charset="0"/>
+                  <a:ea typeface="ヒラギノ角ゴ Pro W3" charset="-128"/>
+                </a:defRPr>
+              </a:lvl2pPr>
+              <a:lvl3pPr marL="1143000" indent="-228600" defTabSz="457200">
+                <a:buFont typeface="Times" pitchFamily="18" charset="0"/>
+                <a:buChar char="–"/>
+                <a:tabLst>
+                  <a:tab pos="0" algn="l"/>
+                  <a:tab pos="457200" algn="l"/>
+                  <a:tab pos="914400" algn="l"/>
+                  <a:tab pos="1371600" algn="l"/>
+                  <a:tab pos="1828800" algn="l"/>
+                  <a:tab pos="2286000" algn="l"/>
+                  <a:tab pos="2743200" algn="l"/>
+                  <a:tab pos="3200400" algn="l"/>
+                  <a:tab pos="3657600" algn="l"/>
+                  <a:tab pos="4114800" algn="l"/>
+                  <a:tab pos="4572000" algn="l"/>
+                  <a:tab pos="5029200" algn="l"/>
+                  <a:tab pos="5486400" algn="l"/>
+                  <a:tab pos="5943600" algn="l"/>
+                  <a:tab pos="6400800" algn="l"/>
+                  <a:tab pos="6858000" algn="l"/>
+                  <a:tab pos="7315200" algn="l"/>
+                  <a:tab pos="7772400" algn="l"/>
+                  <a:tab pos="8229600" algn="l"/>
+                  <a:tab pos="8686800" algn="l"/>
+                  <a:tab pos="9144000" algn="l"/>
+                </a:tabLst>
+                <a:defRPr sz="1700">
+                  <a:solidFill>
+                    <a:schemeClr val="tx1"/>
+                  </a:solidFill>
+                  <a:latin typeface="Arial Narrow" pitchFamily="34" charset="0"/>
+                  <a:ea typeface="MS PGothic" pitchFamily="34" charset="-128"/>
+                </a:defRPr>
+              </a:lvl3pPr>
+              <a:lvl4pPr marL="1600200" indent="-228600" defTabSz="457200">
+                <a:buFont typeface="Lucida Grande" charset="0"/>
+                <a:buChar char="–"/>
+                <a:tabLst>
+                  <a:tab pos="0" algn="l"/>
+                  <a:tab pos="457200" algn="l"/>
+                  <a:tab pos="914400" algn="l"/>
+                  <a:tab pos="1371600" algn="l"/>
+                  <a:tab pos="1828800" algn="l"/>
+                  <a:tab pos="2286000" algn="l"/>
+                  <a:tab pos="2743200" algn="l"/>
+                  <a:tab pos="3200400" algn="l"/>
+                  <a:tab pos="3657600" algn="l"/>
+                  <a:tab pos="4114800" algn="l"/>
+                  <a:tab pos="4572000" algn="l"/>
+                  <a:tab pos="5029200" algn="l"/>
+                  <a:tab pos="5486400" algn="l"/>
+                  <a:tab pos="5943600" algn="l"/>
+                  <a:tab pos="6400800" algn="l"/>
+                  <a:tab pos="6858000" algn="l"/>
+                  <a:tab pos="7315200" algn="l"/>
+                  <a:tab pos="7772400" algn="l"/>
+                  <a:tab pos="8229600" algn="l"/>
+                  <a:tab pos="8686800" algn="l"/>
+                  <a:tab pos="9144000" algn="l"/>
+                </a:tabLst>
+                <a:defRPr sz="2400">
+                  <a:solidFill>
+                    <a:schemeClr val="tx1"/>
+                  </a:solidFill>
+                  <a:latin typeface="Arial Narrow" pitchFamily="34" charset="0"/>
+                  <a:ea typeface="MS PGothic" pitchFamily="34" charset="-128"/>
+                </a:defRPr>
+              </a:lvl4pPr>
+              <a:lvl5pPr marL="2057400" indent="-228600" defTabSz="457200">
+                <a:buFont typeface="Lucida Grande" charset="0"/>
+                <a:buChar char="–"/>
+                <a:tabLst>
+                  <a:tab pos="0" algn="l"/>
+                  <a:tab pos="457200" algn="l"/>
+                  <a:tab pos="914400" algn="l"/>
+                  <a:tab pos="1371600" algn="l"/>
+                  <a:tab pos="1828800" algn="l"/>
+                  <a:tab pos="2286000" algn="l"/>
+                  <a:tab pos="2743200" algn="l"/>
+                  <a:tab pos="3200400" algn="l"/>
+                  <a:tab pos="3657600" algn="l"/>
+                  <a:tab pos="4114800" algn="l"/>
+                  <a:tab pos="4572000" algn="l"/>
+                  <a:tab pos="5029200" algn="l"/>
+                  <a:tab pos="5486400" algn="l"/>
+                  <a:tab pos="5943600" algn="l"/>
+                  <a:tab pos="6400800" algn="l"/>
+                  <a:tab pos="6858000" algn="l"/>
+                  <a:tab pos="7315200" algn="l"/>
+                  <a:tab pos="7772400" algn="l"/>
+                  <a:tab pos="8229600" algn="l"/>
+                  <a:tab pos="8686800" algn="l"/>
+                  <a:tab pos="9144000" algn="l"/>
+                </a:tabLst>
+                <a:defRPr sz="2400">
+                  <a:solidFill>
+                    <a:schemeClr val="tx1"/>
+                  </a:solidFill>
+                  <a:latin typeface="Arial Narrow" pitchFamily="34" charset="0"/>
+                  <a:ea typeface="ヒラギノ角ゴ Pro W3" charset="-128"/>
+                </a:defRPr>
+              </a:lvl5pPr>
+              <a:lvl6pPr marL="2514600" indent="-228600" defTabSz="457200" eaLnBrk="0" fontAlgn="base" hangingPunct="0">
+                <a:lnSpc>
+                  <a:spcPct val="110000"/>
+                </a:lnSpc>
+                <a:spcBef>
+                  <a:spcPct val="0"/>
+                </a:spcBef>
+                <a:spcAft>
+                  <a:spcPct val="0"/>
+                </a:spcAft>
+                <a:buFont typeface="Lucida Grande" charset="0"/>
+                <a:buChar char="–"/>
+                <a:tabLst>
+                  <a:tab pos="0" algn="l"/>
+                  <a:tab pos="457200" algn="l"/>
+                  <a:tab pos="914400" algn="l"/>
+                  <a:tab pos="1371600" algn="l"/>
+                  <a:tab pos="1828800" algn="l"/>
+                  <a:tab pos="2286000" algn="l"/>
+                  <a:tab pos="2743200" algn="l"/>
+                  <a:tab pos="3200400" algn="l"/>
+                  <a:tab pos="3657600" algn="l"/>
+                  <a:tab pos="4114800" algn="l"/>
+                  <a:tab pos="4572000" algn="l"/>
+                  <a:tab pos="5029200" algn="l"/>
+                  <a:tab pos="5486400" algn="l"/>
+                  <a:tab pos="5943600" algn="l"/>
+                  <a:tab pos="6400800" algn="l"/>
+                  <a:tab pos="6858000" algn="l"/>
+                  <a:tab pos="7315200" algn="l"/>
+                  <a:tab pos="7772400" algn="l"/>
+                  <a:tab pos="8229600" algn="l"/>
+                  <a:tab pos="8686800" algn="l"/>
+                  <a:tab pos="9144000" algn="l"/>
+                </a:tabLst>
+                <a:defRPr sz="2400">
+                  <a:solidFill>
+                    <a:schemeClr val="tx1"/>
+                  </a:solidFill>
+                  <a:latin typeface="Arial Narrow" pitchFamily="34" charset="0"/>
+                  <a:ea typeface="ヒラギノ角ゴ Pro W3" charset="-128"/>
+                </a:defRPr>
+              </a:lvl6pPr>
+              <a:lvl7pPr marL="2971800" indent="-228600" defTabSz="457200" eaLnBrk="0" fontAlgn="base" hangingPunct="0">
+                <a:lnSpc>
+                  <a:spcPct val="110000"/>
+                </a:lnSpc>
+                <a:spcBef>
+                  <a:spcPct val="0"/>
+                </a:spcBef>
+                <a:spcAft>
+                  <a:spcPct val="0"/>
+                </a:spcAft>
+                <a:buFont typeface="Lucida Grande" charset="0"/>
+                <a:buChar char="–"/>
+                <a:tabLst>
+                  <a:tab pos="0" algn="l"/>
+                  <a:tab pos="457200" algn="l"/>
+                  <a:tab pos="914400" algn="l"/>
+                  <a:tab pos="1371600" algn="l"/>
+                  <a:tab pos="1828800" algn="l"/>
+                  <a:tab pos="2286000" algn="l"/>
+                  <a:tab pos="2743200" algn="l"/>
+                  <a:tab pos="3200400" algn="l"/>
+                  <a:tab pos="3657600" algn="l"/>
+                  <a:tab pos="4114800" algn="l"/>
+                  <a:tab pos="4572000" algn="l"/>
+                  <a:tab pos="5029200" algn="l"/>
+                  <a:tab pos="5486400" algn="l"/>
+                  <a:tab pos="5943600" algn="l"/>
+                  <a:tab pos="6400800" algn="l"/>
+                  <a:tab pos="6858000" algn="l"/>
+                  <a:tab pos="7315200" algn="l"/>
+                  <a:tab pos="7772400" algn="l"/>
+                  <a:tab pos="8229600" algn="l"/>
+                  <a:tab pos="8686800" algn="l"/>
+                  <a:tab pos="9144000" algn="l"/>
+                </a:tabLst>
+                <a:defRPr sz="2400">
+                  <a:solidFill>
+                    <a:schemeClr val="tx1"/>
+                  </a:solidFill>
+                  <a:latin typeface="Arial Narrow" pitchFamily="34" charset="0"/>
+                  <a:ea typeface="ヒラギノ角ゴ Pro W3" charset="-128"/>
+                </a:defRPr>
+              </a:lvl7pPr>
+              <a:lvl8pPr marL="3429000" indent="-228600" defTabSz="457200" eaLnBrk="0" fontAlgn="base" hangingPunct="0">
+                <a:lnSpc>
+                  <a:spcPct val="110000"/>
+                </a:lnSpc>
+                <a:spcBef>
+                  <a:spcPct val="0"/>
+                </a:spcBef>
+                <a:spcAft>
+                  <a:spcPct val="0"/>
+                </a:spcAft>
+                <a:buFont typeface="Lucida Grande" charset="0"/>
+                <a:buChar char="–"/>
+                <a:tabLst>
+                  <a:tab pos="0" algn="l"/>
+                  <a:tab pos="457200" algn="l"/>
+                  <a:tab pos="914400" algn="l"/>
+                  <a:tab pos="1371600" algn="l"/>
+                  <a:tab pos="1828800" algn="l"/>
+                  <a:tab pos="2286000" algn="l"/>
+                  <a:tab pos="2743200" algn="l"/>
+                  <a:tab pos="3200400" algn="l"/>
+                  <a:tab pos="3657600" algn="l"/>
+                  <a:tab pos="4114800" algn="l"/>
+                  <a:tab pos="4572000" algn="l"/>
+                  <a:tab pos="5029200" algn="l"/>
+                  <a:tab pos="5486400" algn="l"/>
+                  <a:tab pos="5943600" algn="l"/>
+                  <a:tab pos="6400800" algn="l"/>
+                  <a:tab pos="6858000" algn="l"/>
+                  <a:tab pos="7315200" algn="l"/>
+                  <a:tab pos="7772400" algn="l"/>
+                  <a:tab pos="8229600" algn="l"/>
+                  <a:tab pos="8686800" algn="l"/>
+                  <a:tab pos="9144000" algn="l"/>
+                </a:tabLst>
+                <a:defRPr sz="2400">
+                  <a:solidFill>
+                    <a:schemeClr val="tx1"/>
+                  </a:solidFill>
+                  <a:latin typeface="Arial Narrow" pitchFamily="34" charset="0"/>
+                  <a:ea typeface="ヒラギノ角ゴ Pro W3" charset="-128"/>
+                </a:defRPr>
+              </a:lvl8pPr>
+              <a:lvl9pPr marL="3886200" indent="-228600" defTabSz="457200" eaLnBrk="0" fontAlgn="base" hangingPunct="0">
+                <a:lnSpc>
+                  <a:spcPct val="110000"/>
+                </a:lnSpc>
+                <a:spcBef>
+                  <a:spcPct val="0"/>
+                </a:spcBef>
+                <a:spcAft>
+                  <a:spcPct val="0"/>
+                </a:spcAft>
+                <a:buFont typeface="Lucida Grande" charset="0"/>
+                <a:buChar char="–"/>
+                <a:tabLst>
+                  <a:tab pos="0" algn="l"/>
+                  <a:tab pos="457200" algn="l"/>
+                  <a:tab pos="914400" algn="l"/>
+                  <a:tab pos="1371600" algn="l"/>
+                  <a:tab pos="1828800" algn="l"/>
+                  <a:tab pos="2286000" algn="l"/>
+                  <a:tab pos="2743200" algn="l"/>
+                  <a:tab pos="3200400" algn="l"/>
+                  <a:tab pos="3657600" algn="l"/>
+                  <a:tab pos="4114800" algn="l"/>
+                  <a:tab pos="4572000" algn="l"/>
+                  <a:tab pos="5029200" algn="l"/>
+                  <a:tab pos="5486400" algn="l"/>
+                  <a:tab pos="5943600" algn="l"/>
+                  <a:tab pos="6400800" algn="l"/>
+                  <a:tab pos="6858000" algn="l"/>
+                  <a:tab pos="7315200" algn="l"/>
+                  <a:tab pos="7772400" algn="l"/>
+                  <a:tab pos="8229600" algn="l"/>
+                  <a:tab pos="8686800" algn="l"/>
+                  <a:tab pos="9144000" algn="l"/>
+                </a:tabLst>
+                <a:defRPr sz="2400">
+                  <a:solidFill>
+                    <a:schemeClr val="tx1"/>
+                  </a:solidFill>
+                  <a:latin typeface="Arial Narrow" pitchFamily="34" charset="0"/>
+                  <a:ea typeface="ヒラギノ角ゴ Pro W3" charset="-128"/>
+                </a:defRPr>
+              </a:lvl9pPr>
+            </a:lstStyle>
+            <a:p>
+              <a:pPr eaLnBrk="1" hangingPunct="1">
+                <a:spcBef>
+                  <a:spcPts val="0"/>
+                </a:spcBef>
+                <a:buClr>
+                  <a:srgbClr val="000000"/>
+                </a:buClr>
+                <a:buNone/>
+              </a:pPr>
+              <a:r>
+                <a:rPr lang="en-US" altLang="ko-KR" sz="1100" i="1" dirty="0">
+                  <a:solidFill>
+                    <a:srgbClr val="003B6E"/>
+                  </a:solidFill>
+                  <a:latin typeface="+mn-lt"/>
+                  <a:ea typeface="Gulim" pitchFamily="34" charset="-127"/>
+                  <a:cs typeface="Arial Unicode MS" pitchFamily="34" charset="-128"/>
+                </a:rPr>
+                <a:t>Externally Implemented</a:t>
+              </a:r>
+            </a:p>
+          </p:txBody>
+        </p:sp>
+      </p:grpSp>
+      <p:sp>
+        <p:nvSpPr>
+          <p:cNvPr id="8" name="Bent Arrow 7"/>
+          <p:cNvSpPr/>
+          <p:nvPr/>
+        </p:nvSpPr>
+        <p:spPr>
+          <a:xfrm rot="10800000">
+            <a:off x="6447558" y="2015055"/>
+            <a:ext cx="1560749" cy="1531562"/>
+          </a:xfrm>
+          <a:prstGeom prst="bentArrow">
+            <a:avLst>
+              <a:gd name="adj1" fmla="val 25000"/>
+              <a:gd name="adj2" fmla="val 24425"/>
+              <a:gd name="adj3" fmla="val 25000"/>
+              <a:gd name="adj4" fmla="val 43750"/>
+            </a:avLst>
+          </a:prstGeom>
+          <a:solidFill>
+            <a:srgbClr val="C00000"/>
+          </a:solidFill>
+          <a:ln>
+            <a:solidFill>
+              <a:schemeClr val="bg1"/>
+            </a:solidFill>
+          </a:ln>
+        </p:spPr>
+        <p:style>
+          <a:lnRef idx="2">
+            <a:schemeClr val="accent1">
+              <a:shade val="50000"/>
+            </a:schemeClr>
+          </a:lnRef>
+          <a:fillRef idx="1">
+            <a:schemeClr val="accent1"/>
+          </a:fillRef>
+          <a:effectRef idx="0">
+            <a:schemeClr val="accent1"/>
+          </a:effectRef>
+          <a:fontRef idx="minor">
+            <a:schemeClr val="lt1"/>
+          </a:fontRef>
+        </p:style>
+        <p:txBody>
+          <a:bodyPr rtlCol="0" anchor="ctr"/>
+          <a:lstStyle/>
+          <a:p>
+            <a:pPr algn="ctr"/>
+            <a:endParaRPr lang="en-US">
+              <a:solidFill>
+                <a:schemeClr val="tx1"/>
+              </a:solidFill>
+            </a:endParaRPr>
+          </a:p>
+        </p:txBody>
+      </p:sp>
+      <p:sp>
+        <p:nvSpPr>
+          <p:cNvPr id="54" name="Striped Right Arrow 53"/>
+          <p:cNvSpPr/>
+          <p:nvPr/>
+        </p:nvSpPr>
+        <p:spPr bwMode="auto">
+          <a:xfrm rot="10800000">
+            <a:off x="2504446" y="2966331"/>
+            <a:ext cx="476985" cy="484632"/>
+          </a:xfrm>
+          <a:prstGeom prst="stripedRightArrow">
+            <a:avLst>
+              <a:gd name="adj1" fmla="val 50000"/>
+              <a:gd name="adj2" fmla="val 51196"/>
+            </a:avLst>
+          </a:prstGeom>
+          <a:solidFill>
+            <a:srgbClr val="C50006"/>
+          </a:solidFill>
+          <a:ln w="9525" cap="flat" cmpd="sng" algn="ctr">
+            <a:noFill/>
+            <a:prstDash val="solid"/>
+            <a:round/>
+            <a:headEnd type="none" w="med" len="med"/>
+            <a:tailEnd type="none" w="med" len="med"/>
+          </a:ln>
+          <a:effectLst/>
+        </p:spPr>
+        <p:txBody>
+          <a:bodyPr vert="horz" wrap="square" lIns="91440" tIns="45720" rIns="91440" bIns="45720" numCol="1" rtlCol="0" anchor="t" anchorCtr="0" compatLnSpc="1">
+            <a:prstTxWarp prst="textNoShape">
+              <a:avLst/>
+            </a:prstTxWarp>
+          </a:bodyPr>
+          <a:lstStyle/>
+          <a:p>
+            <a:pPr marL="0" marR="0" indent="0" algn="l" defTabSz="914400" rtl="0" eaLnBrk="0" fontAlgn="base" latinLnBrk="0" hangingPunct="0">
+              <a:lnSpc>
+                <a:spcPct val="100000"/>
+              </a:lnSpc>
+              <a:spcBef>
+                <a:spcPct val="0"/>
+              </a:spcBef>
+              <a:spcAft>
+                <a:spcPct val="0"/>
+              </a:spcAft>
+              <a:buClrTx/>
+              <a:buSzTx/>
+              <a:buFontTx/>
+              <a:buNone/>
+              <a:tabLst/>
+            </a:pPr>
+            <a:endParaRPr kumimoji="0" lang="en-US" sz="2400" b="0" i="0" u="none" strike="noStrike" cap="none" normalizeH="0" baseline="0">
+              <a:ln>
+                <a:noFill/>
+              </a:ln>
+              <a:solidFill>
+                <a:schemeClr val="tx1"/>
+              </a:solidFill>
+              <a:effectLst/>
+              <a:latin typeface="Times" charset="0"/>
+            </a:endParaRPr>
+          </a:p>
+        </p:txBody>
+      </p:sp>
+      <p:grpSp>
+        <p:nvGrpSpPr>
+          <p:cNvPr id="11" name="Group 10"/>
+          <p:cNvGrpSpPr/>
+          <p:nvPr/>
+        </p:nvGrpSpPr>
+        <p:grpSpPr>
+          <a:xfrm>
+            <a:off x="971600" y="2780928"/>
+            <a:ext cx="1469369" cy="999455"/>
+            <a:chOff x="1031714" y="2676548"/>
+            <a:chExt cx="1469369" cy="999455"/>
+          </a:xfrm>
+        </p:grpSpPr>
+        <p:grpSp>
+          <p:nvGrpSpPr>
+            <p:cNvPr id="66" name="Group 65"/>
+            <p:cNvGrpSpPr/>
+            <p:nvPr/>
+          </p:nvGrpSpPr>
+          <p:grpSpPr>
+            <a:xfrm>
+              <a:off x="1031714" y="2676548"/>
+              <a:ext cx="1469369" cy="999455"/>
+              <a:chOff x="3227276" y="2065138"/>
+              <a:chExt cx="1052334" cy="715790"/>
+            </a:xfrm>
+          </p:grpSpPr>
+          <p:sp>
+            <p:nvSpPr>
+              <p:cNvPr id="67" name="Flowchart: Document 66"/>
+              <p:cNvSpPr/>
+              <p:nvPr/>
+            </p:nvSpPr>
+            <p:spPr bwMode="auto">
+              <a:xfrm>
+                <a:off x="3227276" y="2168280"/>
+                <a:ext cx="914400" cy="612648"/>
+              </a:xfrm>
+              <a:prstGeom prst="flowChartDocument">
+                <a:avLst/>
+              </a:prstGeom>
+              <a:solidFill>
+                <a:srgbClr val="0070C0"/>
+              </a:solidFill>
+              <a:ln w="9525" cap="flat" cmpd="sng" algn="ctr">
+                <a:noFill/>
+                <a:prstDash val="solid"/>
+                <a:round/>
+                <a:headEnd type="none" w="med" len="med"/>
+                <a:tailEnd type="none" w="med" len="med"/>
+              </a:ln>
+              <a:effectLst/>
+            </p:spPr>
+            <p:txBody>
+              <a:bodyPr vert="horz" wrap="square" lIns="91440" tIns="45720" rIns="91440" bIns="45720" numCol="1" rtlCol="0" anchor="t" anchorCtr="0" compatLnSpc="1">
+                <a:prstTxWarp prst="textNoShape">
+                  <a:avLst/>
+                </a:prstTxWarp>
+              </a:bodyPr>
+              <a:lstStyle/>
+              <a:p>
+                <a:pPr marL="0" marR="0" indent="0" algn="l" defTabSz="914400" rtl="0" eaLnBrk="0" fontAlgn="base" latinLnBrk="0" hangingPunct="0">
+                  <a:lnSpc>
+                    <a:spcPct val="100000"/>
+                  </a:lnSpc>
+                  <a:spcBef>
+                    <a:spcPct val="0"/>
+                  </a:spcBef>
+                  <a:spcAft>
+                    <a:spcPct val="0"/>
+                  </a:spcAft>
+                  <a:buClrTx/>
+                  <a:buSzTx/>
+                  <a:buFontTx/>
+                  <a:buNone/>
+                  <a:tabLst/>
+                </a:pPr>
+                <a:endParaRPr kumimoji="0" lang="en-US" sz="2400" b="0" i="0" u="none" strike="noStrike" cap="none" normalizeH="0" baseline="0">
+                  <a:ln>
+                    <a:noFill/>
+                  </a:ln>
+                  <a:solidFill>
+                    <a:schemeClr val="tx1"/>
+                  </a:solidFill>
+                  <a:effectLst/>
+                  <a:latin typeface="Times" charset="0"/>
+                </a:endParaRPr>
+              </a:p>
+            </p:txBody>
+          </p:sp>
+          <p:sp>
+            <p:nvSpPr>
+              <p:cNvPr id="68" name="Flowchart: Document 67"/>
+              <p:cNvSpPr/>
+              <p:nvPr/>
+            </p:nvSpPr>
+            <p:spPr bwMode="auto">
+              <a:xfrm>
+                <a:off x="3313640" y="2116709"/>
+                <a:ext cx="914400" cy="612648"/>
+              </a:xfrm>
+              <a:prstGeom prst="flowChartDocument">
+                <a:avLst/>
+              </a:prstGeom>
+              <a:solidFill>
+                <a:srgbClr val="0070C0">
+                  <a:alpha val="20000"/>
+                </a:srgbClr>
+              </a:solidFill>
+              <a:ln w="9525" cap="flat" cmpd="sng" algn="ctr">
+                <a:noFill/>
+                <a:prstDash val="solid"/>
+                <a:round/>
+                <a:headEnd type="none" w="med" len="med"/>
+                <a:tailEnd type="none" w="med" len="med"/>
+              </a:ln>
+              <a:effectLst/>
+            </p:spPr>
+            <p:txBody>
+              <a:bodyPr vert="horz" wrap="square" lIns="91440" tIns="45720" rIns="91440" bIns="45720" numCol="1" rtlCol="0" anchor="t" anchorCtr="0" compatLnSpc="1">
+                <a:prstTxWarp prst="textNoShape">
+                  <a:avLst/>
+                </a:prstTxWarp>
+              </a:bodyPr>
+              <a:lstStyle/>
+              <a:p>
+                <a:pPr marL="0" marR="0" indent="0" algn="l" defTabSz="914400" rtl="0" eaLnBrk="0" fontAlgn="base" latinLnBrk="0" hangingPunct="0">
+                  <a:lnSpc>
+                    <a:spcPct val="100000"/>
+                  </a:lnSpc>
+                  <a:spcBef>
+                    <a:spcPct val="0"/>
+                  </a:spcBef>
+                  <a:spcAft>
+                    <a:spcPct val="0"/>
+                  </a:spcAft>
+                  <a:buClrTx/>
+                  <a:buSzTx/>
+                  <a:buFontTx/>
+                  <a:buNone/>
+                  <a:tabLst/>
+                </a:pPr>
+                <a:endParaRPr kumimoji="0" lang="en-US" sz="2400" b="0" i="0" u="none" strike="noStrike" cap="none" normalizeH="0" baseline="0">
+                  <a:ln>
+                    <a:noFill/>
+                  </a:ln>
+                  <a:solidFill>
+                    <a:schemeClr val="tx1"/>
+                  </a:solidFill>
+                  <a:effectLst/>
+                  <a:latin typeface="Times" charset="0"/>
+                </a:endParaRPr>
+              </a:p>
+            </p:txBody>
+          </p:sp>
+          <p:sp>
+            <p:nvSpPr>
+              <p:cNvPr id="69" name="Flowchart: Document 68"/>
+              <p:cNvSpPr/>
+              <p:nvPr/>
+            </p:nvSpPr>
+            <p:spPr bwMode="auto">
+              <a:xfrm>
+                <a:off x="3365210" y="2065138"/>
+                <a:ext cx="914400" cy="612648"/>
+              </a:xfrm>
+              <a:prstGeom prst="flowChartDocument">
+                <a:avLst/>
+              </a:prstGeom>
+              <a:solidFill>
+                <a:srgbClr val="0070C0">
+                  <a:alpha val="20000"/>
+                </a:srgbClr>
+              </a:solidFill>
+              <a:ln w="9525" cap="flat" cmpd="sng" algn="ctr">
+                <a:noFill/>
+                <a:prstDash val="solid"/>
+                <a:round/>
+                <a:headEnd type="none" w="med" len="med"/>
+                <a:tailEnd type="none" w="med" len="med"/>
+              </a:ln>
+              <a:effectLst/>
+            </p:spPr>
+            <p:txBody>
+              <a:bodyPr vert="horz" wrap="square" lIns="91440" tIns="45720" rIns="91440" bIns="45720" numCol="1" rtlCol="0" anchor="t" anchorCtr="0" compatLnSpc="1">
+                <a:prstTxWarp prst="textNoShape">
+                  <a:avLst/>
+                </a:prstTxWarp>
+              </a:bodyPr>
+              <a:lstStyle/>
+              <a:p>
+                <a:pPr marL="0" marR="0" indent="0" algn="l" defTabSz="914400" rtl="0" eaLnBrk="0" fontAlgn="base" latinLnBrk="0" hangingPunct="0">
+                  <a:lnSpc>
+                    <a:spcPct val="100000"/>
+                  </a:lnSpc>
+                  <a:spcBef>
+                    <a:spcPct val="0"/>
+                  </a:spcBef>
+                  <a:spcAft>
+                    <a:spcPct val="0"/>
+                  </a:spcAft>
+                  <a:buClrTx/>
+                  <a:buSzTx/>
+                  <a:buFontTx/>
+                  <a:buNone/>
+                  <a:tabLst/>
+                </a:pPr>
+                <a:endParaRPr kumimoji="0" lang="en-US" sz="2400" b="0" i="0" u="none" strike="noStrike" cap="none" normalizeH="0" baseline="0">
+                  <a:ln>
+                    <a:noFill/>
+                  </a:ln>
+                  <a:solidFill>
+                    <a:schemeClr val="tx1"/>
+                  </a:solidFill>
+                  <a:effectLst/>
+                  <a:latin typeface="Times" charset="0"/>
+                </a:endParaRPr>
+              </a:p>
+            </p:txBody>
+          </p:sp>
+        </p:grpSp>
+        <p:sp>
+          <p:nvSpPr>
+            <p:cNvPr id="70" name="Rectangle 69"/>
+            <p:cNvSpPr/>
+            <p:nvPr/>
+          </p:nvSpPr>
+          <p:spPr>
+            <a:xfrm>
+              <a:off x="1067581" y="3034518"/>
+              <a:ext cx="1130871" cy="400110"/>
+            </a:xfrm>
+            <a:prstGeom prst="rect">
+              <a:avLst/>
+            </a:prstGeom>
+          </p:spPr>
+          <p:txBody>
+            <a:bodyPr wrap="square">
+              <a:spAutoFit/>
+            </a:bodyPr>
+            <a:lstStyle/>
+            <a:p>
+              <a:pPr algn="ctr"/>
+              <a:r>
+                <a:rPr lang="en-US" sz="2000" b="1" dirty="0">
+                  <a:solidFill>
+                    <a:schemeClr val="bg1"/>
+                  </a:solidFill>
+                  <a:latin typeface="+mn-lt"/>
+                </a:rPr>
+                <a:t>CSV</a:t>
+              </a:r>
+            </a:p>
+          </p:txBody>
+        </p:sp>
+      </p:grpSp>
+      <p:sp>
+        <p:nvSpPr>
+          <p:cNvPr id="72" name="TextBox 71"/>
+          <p:cNvSpPr txBox="1"/>
+          <p:nvPr/>
+        </p:nvSpPr>
+        <p:spPr>
+          <a:xfrm>
+            <a:off x="429990" y="2492896"/>
+            <a:ext cx="1621730" cy="307777"/>
+          </a:xfrm>
+          <a:prstGeom prst="rect">
+            <a:avLst/>
+          </a:prstGeom>
+          <a:noFill/>
+          <a:ln w="9525">
+            <a:noFill/>
+          </a:ln>
+        </p:spPr>
+        <p:txBody>
+          <a:bodyPr wrap="square" rtlCol="0" anchor="ctr">
+            <a:spAutoFit/>
+          </a:bodyPr>
+          <a:lstStyle/>
+          <a:p>
+            <a:r>
+              <a:rPr lang="en-US" sz="1400" b="1" dirty="0"/>
+              <a:t>Model Outputs</a:t>
+            </a:r>
+          </a:p>
+        </p:txBody>
+      </p:sp>
+      <p:grpSp>
+        <p:nvGrpSpPr>
+          <p:cNvPr id="2" name="Group 1"/>
+          <p:cNvGrpSpPr/>
+          <p:nvPr/>
+        </p:nvGrpSpPr>
+        <p:grpSpPr>
+          <a:xfrm>
+            <a:off x="3059834" y="4291735"/>
+            <a:ext cx="3312365" cy="2233609"/>
+            <a:chOff x="3211191" y="4437112"/>
+            <a:chExt cx="2440928" cy="2083388"/>
+          </a:xfrm>
+        </p:grpSpPr>
+        <p:sp>
+          <p:nvSpPr>
+            <p:cNvPr id="74" name="Text Box 11"/>
+            <p:cNvSpPr txBox="1">
+              <a:spLocks noChangeArrowheads="1"/>
+            </p:cNvSpPr>
+            <p:nvPr/>
+          </p:nvSpPr>
+          <p:spPr bwMode="auto">
+            <a:xfrm>
+              <a:off x="3211191" y="4437112"/>
+              <a:ext cx="2440928" cy="2083388"/>
+            </a:xfrm>
+            <a:prstGeom prst="rect">
+              <a:avLst/>
+            </a:prstGeom>
+            <a:solidFill>
+              <a:srgbClr val="FFFFFF"/>
+            </a:solidFill>
+            <a:ln w="6350">
+              <a:solidFill>
+                <a:schemeClr val="tx1"/>
+              </a:solidFill>
+              <a:prstDash val="dashDot"/>
+              <a:miter lim="800000"/>
+              <a:headEnd/>
+              <a:tailEnd/>
+            </a:ln>
+          </p:spPr>
+          <p:txBody>
+            <a:bodyPr lIns="90000" tIns="46800" rIns="90000" bIns="46800"/>
+            <a:lstStyle>
+              <a:lvl1pPr defTabSz="457200">
+                <a:buChar char="•"/>
+                <a:tabLst>
+                  <a:tab pos="0" algn="l"/>
+                  <a:tab pos="457200" algn="l"/>
+                  <a:tab pos="914400" algn="l"/>
+                  <a:tab pos="1371600" algn="l"/>
+                  <a:tab pos="1828800" algn="l"/>
+                  <a:tab pos="2286000" algn="l"/>
+                  <a:tab pos="2743200" algn="l"/>
+                  <a:tab pos="3200400" algn="l"/>
+                  <a:tab pos="3657600" algn="l"/>
+                  <a:tab pos="4114800" algn="l"/>
+                  <a:tab pos="4572000" algn="l"/>
+                  <a:tab pos="5029200" algn="l"/>
+                  <a:tab pos="5486400" algn="l"/>
+                  <a:tab pos="5943600" algn="l"/>
+                  <a:tab pos="6400800" algn="l"/>
+                  <a:tab pos="6858000" algn="l"/>
+                  <a:tab pos="7315200" algn="l"/>
+                  <a:tab pos="7772400" algn="l"/>
+                  <a:tab pos="8229600" algn="l"/>
+                  <a:tab pos="8686800" algn="l"/>
+                  <a:tab pos="9144000" algn="l"/>
+                </a:tabLst>
+                <a:defRPr sz="2400">
+                  <a:solidFill>
+                    <a:schemeClr val="tx1"/>
+                  </a:solidFill>
+                  <a:latin typeface="Arial Narrow" pitchFamily="34" charset="0"/>
+                  <a:ea typeface="ヒラギノ角ゴ Pro W3" charset="-128"/>
+                </a:defRPr>
+              </a:lvl1pPr>
+              <a:lvl2pPr marL="742950" indent="-285750" defTabSz="457200">
+                <a:buClr>
+                  <a:schemeClr val="tx1"/>
+                </a:buClr>
+                <a:buSzPct val="120000"/>
+                <a:buChar char="•"/>
+                <a:tabLst>
+                  <a:tab pos="0" algn="l"/>
+                  <a:tab pos="457200" algn="l"/>
+                  <a:tab pos="914400" algn="l"/>
+                  <a:tab pos="1371600" algn="l"/>
+                  <a:tab pos="1828800" algn="l"/>
+                  <a:tab pos="2286000" algn="l"/>
+                  <a:tab pos="2743200" algn="l"/>
+                  <a:tab pos="3200400" algn="l"/>
+                  <a:tab pos="3657600" algn="l"/>
+                  <a:tab pos="4114800" algn="l"/>
+                  <a:tab pos="4572000" algn="l"/>
+                  <a:tab pos="5029200" algn="l"/>
+                  <a:tab pos="5486400" algn="l"/>
+                  <a:tab pos="5943600" algn="l"/>
+                  <a:tab pos="6400800" algn="l"/>
+                  <a:tab pos="6858000" algn="l"/>
+                  <a:tab pos="7315200" algn="l"/>
+                  <a:tab pos="7772400" algn="l"/>
+                  <a:tab pos="8229600" algn="l"/>
+                  <a:tab pos="8686800" algn="l"/>
+                  <a:tab pos="9144000" algn="l"/>
+                </a:tabLst>
+                <a:defRPr sz="2400">
+                  <a:solidFill>
+                    <a:schemeClr val="tx1"/>
+                  </a:solidFill>
+                  <a:latin typeface="Arial Narrow" pitchFamily="34" charset="0"/>
+                  <a:ea typeface="ヒラギノ角ゴ Pro W3" charset="-128"/>
+                </a:defRPr>
+              </a:lvl2pPr>
+              <a:lvl3pPr marL="1143000" indent="-228600" defTabSz="457200">
+                <a:buFont typeface="Times" pitchFamily="18" charset="0"/>
+                <a:buChar char="–"/>
+                <a:tabLst>
+                  <a:tab pos="0" algn="l"/>
+                  <a:tab pos="457200" algn="l"/>
+                  <a:tab pos="914400" algn="l"/>
+                  <a:tab pos="1371600" algn="l"/>
+                  <a:tab pos="1828800" algn="l"/>
+                  <a:tab pos="2286000" algn="l"/>
+                  <a:tab pos="2743200" algn="l"/>
+                  <a:tab pos="3200400" algn="l"/>
+                  <a:tab pos="3657600" algn="l"/>
+                  <a:tab pos="4114800" algn="l"/>
+                  <a:tab pos="4572000" algn="l"/>
+                  <a:tab pos="5029200" algn="l"/>
+                  <a:tab pos="5486400" algn="l"/>
+                  <a:tab pos="5943600" algn="l"/>
+                  <a:tab pos="6400800" algn="l"/>
+                  <a:tab pos="6858000" algn="l"/>
+                  <a:tab pos="7315200" algn="l"/>
+                  <a:tab pos="7772400" algn="l"/>
+                  <a:tab pos="8229600" algn="l"/>
+                  <a:tab pos="8686800" algn="l"/>
+                  <a:tab pos="9144000" algn="l"/>
+                </a:tabLst>
+                <a:defRPr sz="1700">
+                  <a:solidFill>
+                    <a:schemeClr val="tx1"/>
+                  </a:solidFill>
+                  <a:latin typeface="Arial Narrow" pitchFamily="34" charset="0"/>
+                  <a:ea typeface="MS PGothic" pitchFamily="34" charset="-128"/>
+                </a:defRPr>
+              </a:lvl3pPr>
+              <a:lvl4pPr marL="1600200" indent="-228600" defTabSz="457200">
+                <a:buFont typeface="Lucida Grande" charset="0"/>
+                <a:buChar char="–"/>
+                <a:tabLst>
+                  <a:tab pos="0" algn="l"/>
+                  <a:tab pos="457200" algn="l"/>
+                  <a:tab pos="914400" algn="l"/>
+                  <a:tab pos="1371600" algn="l"/>
+                  <a:tab pos="1828800" algn="l"/>
+                  <a:tab pos="2286000" algn="l"/>
+                  <a:tab pos="2743200" algn="l"/>
+                  <a:tab pos="3200400" algn="l"/>
+                  <a:tab pos="3657600" algn="l"/>
+                  <a:tab pos="4114800" algn="l"/>
+                  <a:tab pos="4572000" algn="l"/>
+                  <a:tab pos="5029200" algn="l"/>
+                  <a:tab pos="5486400" algn="l"/>
+                  <a:tab pos="5943600" algn="l"/>
+                  <a:tab pos="6400800" algn="l"/>
+                  <a:tab pos="6858000" algn="l"/>
+                  <a:tab pos="7315200" algn="l"/>
+                  <a:tab pos="7772400" algn="l"/>
+                  <a:tab pos="8229600" algn="l"/>
+                  <a:tab pos="8686800" algn="l"/>
+                  <a:tab pos="9144000" algn="l"/>
+                </a:tabLst>
+                <a:defRPr sz="2400">
+                  <a:solidFill>
+                    <a:schemeClr val="tx1"/>
+                  </a:solidFill>
+                  <a:latin typeface="Arial Narrow" pitchFamily="34" charset="0"/>
+                  <a:ea typeface="MS PGothic" pitchFamily="34" charset="-128"/>
+                </a:defRPr>
+              </a:lvl4pPr>
+              <a:lvl5pPr marL="2057400" indent="-228600" defTabSz="457200">
+                <a:buFont typeface="Lucida Grande" charset="0"/>
+                <a:buChar char="–"/>
+                <a:tabLst>
+                  <a:tab pos="0" algn="l"/>
+                  <a:tab pos="457200" algn="l"/>
+                  <a:tab pos="914400" algn="l"/>
+                  <a:tab pos="1371600" algn="l"/>
+                  <a:tab pos="1828800" algn="l"/>
+                  <a:tab pos="2286000" algn="l"/>
+                  <a:tab pos="2743200" algn="l"/>
+                  <a:tab pos="3200400" algn="l"/>
+                  <a:tab pos="3657600" algn="l"/>
+                  <a:tab pos="4114800" algn="l"/>
+                  <a:tab pos="4572000" algn="l"/>
+                  <a:tab pos="5029200" algn="l"/>
+                  <a:tab pos="5486400" algn="l"/>
+                  <a:tab pos="5943600" algn="l"/>
+                  <a:tab pos="6400800" algn="l"/>
+                  <a:tab pos="6858000" algn="l"/>
+                  <a:tab pos="7315200" algn="l"/>
+                  <a:tab pos="7772400" algn="l"/>
+                  <a:tab pos="8229600" algn="l"/>
+                  <a:tab pos="8686800" algn="l"/>
+                  <a:tab pos="9144000" algn="l"/>
+                </a:tabLst>
+                <a:defRPr sz="2400">
+                  <a:solidFill>
+                    <a:schemeClr val="tx1"/>
+                  </a:solidFill>
+                  <a:latin typeface="Arial Narrow" pitchFamily="34" charset="0"/>
+                  <a:ea typeface="ヒラギノ角ゴ Pro W3" charset="-128"/>
+                </a:defRPr>
+              </a:lvl5pPr>
+              <a:lvl6pPr marL="2514600" indent="-228600" defTabSz="457200" eaLnBrk="0" fontAlgn="base" hangingPunct="0">
+                <a:lnSpc>
+                  <a:spcPct val="110000"/>
+                </a:lnSpc>
+                <a:spcBef>
+                  <a:spcPct val="0"/>
+                </a:spcBef>
+                <a:spcAft>
+                  <a:spcPct val="0"/>
+                </a:spcAft>
+                <a:buFont typeface="Lucida Grande" charset="0"/>
+                <a:buChar char="–"/>
+                <a:tabLst>
+                  <a:tab pos="0" algn="l"/>
+                  <a:tab pos="457200" algn="l"/>
+                  <a:tab pos="914400" algn="l"/>
+                  <a:tab pos="1371600" algn="l"/>
+                  <a:tab pos="1828800" algn="l"/>
+                  <a:tab pos="2286000" algn="l"/>
+                  <a:tab pos="2743200" algn="l"/>
+                  <a:tab pos="3200400" algn="l"/>
+                  <a:tab pos="3657600" algn="l"/>
+                  <a:tab pos="4114800" algn="l"/>
+                  <a:tab pos="4572000" algn="l"/>
+                  <a:tab pos="5029200" algn="l"/>
+                  <a:tab pos="5486400" algn="l"/>
+                  <a:tab pos="5943600" algn="l"/>
+                  <a:tab pos="6400800" algn="l"/>
+                  <a:tab pos="6858000" algn="l"/>
+                  <a:tab pos="7315200" algn="l"/>
+                  <a:tab pos="7772400" algn="l"/>
+                  <a:tab pos="8229600" algn="l"/>
+                  <a:tab pos="8686800" algn="l"/>
+                  <a:tab pos="9144000" algn="l"/>
+                </a:tabLst>
+                <a:defRPr sz="2400">
+                  <a:solidFill>
+                    <a:schemeClr val="tx1"/>
+                  </a:solidFill>
+                  <a:latin typeface="Arial Narrow" pitchFamily="34" charset="0"/>
+                  <a:ea typeface="ヒラギノ角ゴ Pro W3" charset="-128"/>
+                </a:defRPr>
+              </a:lvl6pPr>
+              <a:lvl7pPr marL="2971800" indent="-228600" defTabSz="457200" eaLnBrk="0" fontAlgn="base" hangingPunct="0">
+                <a:lnSpc>
+                  <a:spcPct val="110000"/>
+                </a:lnSpc>
+                <a:spcBef>
+                  <a:spcPct val="0"/>
+                </a:spcBef>
+                <a:spcAft>
+                  <a:spcPct val="0"/>
+                </a:spcAft>
+                <a:buFont typeface="Lucida Grande" charset="0"/>
+                <a:buChar char="–"/>
+                <a:tabLst>
+                  <a:tab pos="0" algn="l"/>
+                  <a:tab pos="457200" algn="l"/>
+                  <a:tab pos="914400" algn="l"/>
+                  <a:tab pos="1371600" algn="l"/>
+                  <a:tab pos="1828800" algn="l"/>
+                  <a:tab pos="2286000" algn="l"/>
+                  <a:tab pos="2743200" algn="l"/>
+                  <a:tab pos="3200400" algn="l"/>
+                  <a:tab pos="3657600" algn="l"/>
+                  <a:tab pos="4114800" algn="l"/>
+                  <a:tab pos="4572000" algn="l"/>
+                  <a:tab pos="5029200" algn="l"/>
+                  <a:tab pos="5486400" algn="l"/>
+                  <a:tab pos="5943600" algn="l"/>
+                  <a:tab pos="6400800" algn="l"/>
+                  <a:tab pos="6858000" algn="l"/>
+                  <a:tab pos="7315200" algn="l"/>
+                  <a:tab pos="7772400" algn="l"/>
+                  <a:tab pos="8229600" algn="l"/>
+                  <a:tab pos="8686800" algn="l"/>
+                  <a:tab pos="9144000" algn="l"/>
+                </a:tabLst>
+                <a:defRPr sz="2400">
+                  <a:solidFill>
+                    <a:schemeClr val="tx1"/>
+                  </a:solidFill>
+                  <a:latin typeface="Arial Narrow" pitchFamily="34" charset="0"/>
+                  <a:ea typeface="ヒラギノ角ゴ Pro W3" charset="-128"/>
+                </a:defRPr>
+              </a:lvl7pPr>
+              <a:lvl8pPr marL="3429000" indent="-228600" defTabSz="457200" eaLnBrk="0" fontAlgn="base" hangingPunct="0">
+                <a:lnSpc>
+                  <a:spcPct val="110000"/>
+                </a:lnSpc>
+                <a:spcBef>
+                  <a:spcPct val="0"/>
+                </a:spcBef>
+                <a:spcAft>
+                  <a:spcPct val="0"/>
+                </a:spcAft>
+                <a:buFont typeface="Lucida Grande" charset="0"/>
+                <a:buChar char="–"/>
+                <a:tabLst>
+                  <a:tab pos="0" algn="l"/>
+                  <a:tab pos="457200" algn="l"/>
+                  <a:tab pos="914400" algn="l"/>
+                  <a:tab pos="1371600" algn="l"/>
+                  <a:tab pos="1828800" algn="l"/>
+                  <a:tab pos="2286000" algn="l"/>
+                  <a:tab pos="2743200" algn="l"/>
+                  <a:tab pos="3200400" algn="l"/>
+                  <a:tab pos="3657600" algn="l"/>
+                  <a:tab pos="4114800" algn="l"/>
+                  <a:tab pos="4572000" algn="l"/>
+                  <a:tab pos="5029200" algn="l"/>
+                  <a:tab pos="5486400" algn="l"/>
+                  <a:tab pos="5943600" algn="l"/>
+                  <a:tab pos="6400800" algn="l"/>
+                  <a:tab pos="6858000" algn="l"/>
+                  <a:tab pos="7315200" algn="l"/>
+                  <a:tab pos="7772400" algn="l"/>
+                  <a:tab pos="8229600" algn="l"/>
+                  <a:tab pos="8686800" algn="l"/>
+                  <a:tab pos="9144000" algn="l"/>
+                </a:tabLst>
+                <a:defRPr sz="2400">
+                  <a:solidFill>
+                    <a:schemeClr val="tx1"/>
+                  </a:solidFill>
+                  <a:latin typeface="Arial Narrow" pitchFamily="34" charset="0"/>
+                  <a:ea typeface="ヒラギノ角ゴ Pro W3" charset="-128"/>
+                </a:defRPr>
+              </a:lvl8pPr>
+              <a:lvl9pPr marL="3886200" indent="-228600" defTabSz="457200" eaLnBrk="0" fontAlgn="base" hangingPunct="0">
+                <a:lnSpc>
+                  <a:spcPct val="110000"/>
+                </a:lnSpc>
+                <a:spcBef>
+                  <a:spcPct val="0"/>
+                </a:spcBef>
+                <a:spcAft>
+                  <a:spcPct val="0"/>
+                </a:spcAft>
+                <a:buFont typeface="Lucida Grande" charset="0"/>
+                <a:buChar char="–"/>
+                <a:tabLst>
+                  <a:tab pos="0" algn="l"/>
+                  <a:tab pos="457200" algn="l"/>
+                  <a:tab pos="914400" algn="l"/>
+                  <a:tab pos="1371600" algn="l"/>
+                  <a:tab pos="1828800" algn="l"/>
+                  <a:tab pos="2286000" algn="l"/>
+                  <a:tab pos="2743200" algn="l"/>
+                  <a:tab pos="3200400" algn="l"/>
+                  <a:tab pos="3657600" algn="l"/>
+                  <a:tab pos="4114800" algn="l"/>
+                  <a:tab pos="4572000" algn="l"/>
+                  <a:tab pos="5029200" algn="l"/>
+                  <a:tab pos="5486400" algn="l"/>
+                  <a:tab pos="5943600" algn="l"/>
+                  <a:tab pos="6400800" algn="l"/>
+                  <a:tab pos="6858000" algn="l"/>
+                  <a:tab pos="7315200" algn="l"/>
+                  <a:tab pos="7772400" algn="l"/>
+                  <a:tab pos="8229600" algn="l"/>
+                  <a:tab pos="8686800" algn="l"/>
+                  <a:tab pos="9144000" algn="l"/>
+                </a:tabLst>
+                <a:defRPr sz="2400">
+                  <a:solidFill>
+                    <a:schemeClr val="tx1"/>
+                  </a:solidFill>
+                  <a:latin typeface="Arial Narrow" pitchFamily="34" charset="0"/>
+                  <a:ea typeface="ヒラギノ角ゴ Pro W3" charset="-128"/>
+                </a:defRPr>
+              </a:lvl9pPr>
+            </a:lstStyle>
+            <a:p>
+              <a:pPr eaLnBrk="1" hangingPunct="1">
+                <a:lnSpc>
+                  <a:spcPct val="100000"/>
+                </a:lnSpc>
+                <a:buClr>
+                  <a:srgbClr val="000000"/>
+                </a:buClr>
+                <a:buFont typeface="Times New Roman" pitchFamily="18" charset="0"/>
+                <a:buNone/>
+              </a:pPr>
+              <a:r>
+                <a:rPr lang="en-US" altLang="ko-KR" sz="1400" dirty="0">
+                  <a:solidFill>
+                    <a:srgbClr val="C50006"/>
+                  </a:solidFill>
+                  <a:latin typeface="+mn-lt"/>
+                  <a:ea typeface="Gulim" pitchFamily="34" charset="-127"/>
+                  <a:cs typeface="Arial Unicode MS" pitchFamily="34" charset="-128"/>
+                </a:rPr>
+                <a:t>Sensitivity Analysis </a:t>
+              </a:r>
+              <a:br>
+                <a:rPr lang="en-US" altLang="ko-KR" sz="1400" dirty="0">
+                  <a:solidFill>
+                    <a:srgbClr val="C50006"/>
+                  </a:solidFill>
+                  <a:latin typeface="+mn-lt"/>
+                  <a:ea typeface="Gulim" pitchFamily="34" charset="-127"/>
+                  <a:cs typeface="Arial Unicode MS" pitchFamily="34" charset="-128"/>
+                </a:rPr>
+              </a:br>
+              <a:r>
+                <a:rPr lang="en-US" altLang="ko-KR" sz="1400" dirty="0">
+                  <a:solidFill>
+                    <a:srgbClr val="C50006"/>
+                  </a:solidFill>
+                  <a:latin typeface="+mn-lt"/>
+                  <a:ea typeface="Gulim" pitchFamily="34" charset="-127"/>
+                  <a:cs typeface="Arial Unicode MS" pitchFamily="34" charset="-128"/>
+                </a:rPr>
+                <a:t>Post-processor Modules</a:t>
+              </a:r>
+            </a:p>
+          </p:txBody>
+        </p:sp>
+        <p:sp>
+          <p:nvSpPr>
+            <p:cNvPr id="78" name="Text Box 12"/>
+            <p:cNvSpPr txBox="1">
+              <a:spLocks noChangeArrowheads="1"/>
+            </p:cNvSpPr>
+            <p:nvPr/>
+          </p:nvSpPr>
+          <p:spPr bwMode="auto">
+            <a:xfrm>
+              <a:off x="3276870" y="5332638"/>
+              <a:ext cx="2322004" cy="1136704"/>
+            </a:xfrm>
+            <a:prstGeom prst="rect">
+              <a:avLst/>
+            </a:prstGeom>
+            <a:solidFill>
+              <a:schemeClr val="bg1">
+                <a:lumMod val="85000"/>
+              </a:schemeClr>
+            </a:solidFill>
+            <a:ln w="3175">
+              <a:solidFill>
+                <a:schemeClr val="tx1"/>
+              </a:solidFill>
+              <a:prstDash val="dashDot"/>
+              <a:miter lim="800000"/>
+              <a:headEnd/>
+              <a:tailEnd/>
+            </a:ln>
+          </p:spPr>
+          <p:txBody>
+            <a:bodyPr wrap="square" lIns="90000" tIns="46800" rIns="90000" bIns="46800" anchor="ctr">
+              <a:noAutofit/>
+            </a:bodyPr>
+            <a:lstStyle>
+              <a:lvl1pPr defTabSz="457200">
+                <a:buChar char="•"/>
+                <a:tabLst>
+                  <a:tab pos="0" algn="l"/>
+                  <a:tab pos="457200" algn="l"/>
+                  <a:tab pos="914400" algn="l"/>
+                  <a:tab pos="1371600" algn="l"/>
+                  <a:tab pos="1828800" algn="l"/>
+                  <a:tab pos="2286000" algn="l"/>
+                  <a:tab pos="2743200" algn="l"/>
+                  <a:tab pos="3200400" algn="l"/>
+                  <a:tab pos="3657600" algn="l"/>
+                  <a:tab pos="4114800" algn="l"/>
+                  <a:tab pos="4572000" algn="l"/>
+                  <a:tab pos="5029200" algn="l"/>
+                  <a:tab pos="5486400" algn="l"/>
+                  <a:tab pos="5943600" algn="l"/>
+                  <a:tab pos="6400800" algn="l"/>
+                  <a:tab pos="6858000" algn="l"/>
+                  <a:tab pos="7315200" algn="l"/>
+                  <a:tab pos="7772400" algn="l"/>
+                  <a:tab pos="8229600" algn="l"/>
+                  <a:tab pos="8686800" algn="l"/>
+                  <a:tab pos="9144000" algn="l"/>
+                </a:tabLst>
+                <a:defRPr sz="2400">
+                  <a:solidFill>
+                    <a:schemeClr val="tx1"/>
+                  </a:solidFill>
+                  <a:latin typeface="Arial Narrow" pitchFamily="34" charset="0"/>
+                  <a:ea typeface="ヒラギノ角ゴ Pro W3" charset="-128"/>
+                </a:defRPr>
+              </a:lvl1pPr>
+              <a:lvl2pPr marL="742950" indent="-285750" defTabSz="457200">
+                <a:buClr>
+                  <a:schemeClr val="tx1"/>
+                </a:buClr>
+                <a:buSzPct val="120000"/>
+                <a:buChar char="•"/>
+                <a:tabLst>
+                  <a:tab pos="0" algn="l"/>
+                  <a:tab pos="457200" algn="l"/>
+                  <a:tab pos="914400" algn="l"/>
+                  <a:tab pos="1371600" algn="l"/>
+                  <a:tab pos="1828800" algn="l"/>
+                  <a:tab pos="2286000" algn="l"/>
+                  <a:tab pos="2743200" algn="l"/>
+                  <a:tab pos="3200400" algn="l"/>
+                  <a:tab pos="3657600" algn="l"/>
+                  <a:tab pos="4114800" algn="l"/>
+                  <a:tab pos="4572000" algn="l"/>
+                  <a:tab pos="5029200" algn="l"/>
+                  <a:tab pos="5486400" algn="l"/>
+                  <a:tab pos="5943600" algn="l"/>
+                  <a:tab pos="6400800" algn="l"/>
+                  <a:tab pos="6858000" algn="l"/>
+                  <a:tab pos="7315200" algn="l"/>
+                  <a:tab pos="7772400" algn="l"/>
+                  <a:tab pos="8229600" algn="l"/>
+                  <a:tab pos="8686800" algn="l"/>
+                  <a:tab pos="9144000" algn="l"/>
+                </a:tabLst>
+                <a:defRPr sz="2400">
+                  <a:solidFill>
+                    <a:schemeClr val="tx1"/>
+                  </a:solidFill>
+                  <a:latin typeface="Arial Narrow" pitchFamily="34" charset="0"/>
+                  <a:ea typeface="ヒラギノ角ゴ Pro W3" charset="-128"/>
+                </a:defRPr>
+              </a:lvl2pPr>
+              <a:lvl3pPr marL="1143000" indent="-228600" defTabSz="457200">
+                <a:buFont typeface="Times" pitchFamily="18" charset="0"/>
+                <a:buChar char="–"/>
+                <a:tabLst>
+                  <a:tab pos="0" algn="l"/>
+                  <a:tab pos="457200" algn="l"/>
+                  <a:tab pos="914400" algn="l"/>
+                  <a:tab pos="1371600" algn="l"/>
+                  <a:tab pos="1828800" algn="l"/>
+                  <a:tab pos="2286000" algn="l"/>
+                  <a:tab pos="2743200" algn="l"/>
+                  <a:tab pos="3200400" algn="l"/>
+                  <a:tab pos="3657600" algn="l"/>
+                  <a:tab pos="4114800" algn="l"/>
+                  <a:tab pos="4572000" algn="l"/>
+                  <a:tab pos="5029200" algn="l"/>
+                  <a:tab pos="5486400" algn="l"/>
+                  <a:tab pos="5943600" algn="l"/>
+                  <a:tab pos="6400800" algn="l"/>
+                  <a:tab pos="6858000" algn="l"/>
+                  <a:tab pos="7315200" algn="l"/>
+                  <a:tab pos="7772400" algn="l"/>
+                  <a:tab pos="8229600" algn="l"/>
+                  <a:tab pos="8686800" algn="l"/>
+                  <a:tab pos="9144000" algn="l"/>
+                </a:tabLst>
+                <a:defRPr sz="1700">
+                  <a:solidFill>
+                    <a:schemeClr val="tx1"/>
+                  </a:solidFill>
+                  <a:latin typeface="Arial Narrow" pitchFamily="34" charset="0"/>
+                  <a:ea typeface="MS PGothic" pitchFamily="34" charset="-128"/>
+                </a:defRPr>
+              </a:lvl3pPr>
+              <a:lvl4pPr marL="1600200" indent="-228600" defTabSz="457200">
+                <a:buFont typeface="Lucida Grande" charset="0"/>
+                <a:buChar char="–"/>
+                <a:tabLst>
+                  <a:tab pos="0" algn="l"/>
+                  <a:tab pos="457200" algn="l"/>
+                  <a:tab pos="914400" algn="l"/>
+                  <a:tab pos="1371600" algn="l"/>
+                  <a:tab pos="1828800" algn="l"/>
+                  <a:tab pos="2286000" algn="l"/>
+                  <a:tab pos="2743200" algn="l"/>
+                  <a:tab pos="3200400" algn="l"/>
+                  <a:tab pos="3657600" algn="l"/>
+                  <a:tab pos="4114800" algn="l"/>
+                  <a:tab pos="4572000" algn="l"/>
+                  <a:tab pos="5029200" algn="l"/>
+                  <a:tab pos="5486400" algn="l"/>
+                  <a:tab pos="5943600" algn="l"/>
+                  <a:tab pos="6400800" algn="l"/>
+                  <a:tab pos="6858000" algn="l"/>
+                  <a:tab pos="7315200" algn="l"/>
+                  <a:tab pos="7772400" algn="l"/>
+                  <a:tab pos="8229600" algn="l"/>
+                  <a:tab pos="8686800" algn="l"/>
+                  <a:tab pos="9144000" algn="l"/>
+                </a:tabLst>
+                <a:defRPr sz="2400">
+                  <a:solidFill>
+                    <a:schemeClr val="tx1"/>
+                  </a:solidFill>
+                  <a:latin typeface="Arial Narrow" pitchFamily="34" charset="0"/>
+                  <a:ea typeface="MS PGothic" pitchFamily="34" charset="-128"/>
+                </a:defRPr>
+              </a:lvl4pPr>
+              <a:lvl5pPr marL="2057400" indent="-228600" defTabSz="457200">
+                <a:buFont typeface="Lucida Grande" charset="0"/>
+                <a:buChar char="–"/>
+                <a:tabLst>
+                  <a:tab pos="0" algn="l"/>
+                  <a:tab pos="457200" algn="l"/>
+                  <a:tab pos="914400" algn="l"/>
+                  <a:tab pos="1371600" algn="l"/>
+                  <a:tab pos="1828800" algn="l"/>
+                  <a:tab pos="2286000" algn="l"/>
+                  <a:tab pos="2743200" algn="l"/>
+                  <a:tab pos="3200400" algn="l"/>
+                  <a:tab pos="3657600" algn="l"/>
+                  <a:tab pos="4114800" algn="l"/>
+                  <a:tab pos="4572000" algn="l"/>
+                  <a:tab pos="5029200" algn="l"/>
+                  <a:tab pos="5486400" algn="l"/>
+                  <a:tab pos="5943600" algn="l"/>
+                  <a:tab pos="6400800" algn="l"/>
+                  <a:tab pos="6858000" algn="l"/>
+                  <a:tab pos="7315200" algn="l"/>
+                  <a:tab pos="7772400" algn="l"/>
+                  <a:tab pos="8229600" algn="l"/>
+                  <a:tab pos="8686800" algn="l"/>
+                  <a:tab pos="9144000" algn="l"/>
+                </a:tabLst>
+                <a:defRPr sz="2400">
+                  <a:solidFill>
+                    <a:schemeClr val="tx1"/>
+                  </a:solidFill>
+                  <a:latin typeface="Arial Narrow" pitchFamily="34" charset="0"/>
+                  <a:ea typeface="ヒラギノ角ゴ Pro W3" charset="-128"/>
+                </a:defRPr>
+              </a:lvl5pPr>
+              <a:lvl6pPr marL="2514600" indent="-228600" defTabSz="457200" eaLnBrk="0" fontAlgn="base" hangingPunct="0">
+                <a:lnSpc>
+                  <a:spcPct val="110000"/>
+                </a:lnSpc>
+                <a:spcBef>
+                  <a:spcPct val="0"/>
+                </a:spcBef>
+                <a:spcAft>
+                  <a:spcPct val="0"/>
+                </a:spcAft>
+                <a:buFont typeface="Lucida Grande" charset="0"/>
+                <a:buChar char="–"/>
+                <a:tabLst>
+                  <a:tab pos="0" algn="l"/>
+                  <a:tab pos="457200" algn="l"/>
+                  <a:tab pos="914400" algn="l"/>
+                  <a:tab pos="1371600" algn="l"/>
+                  <a:tab pos="1828800" algn="l"/>
+                  <a:tab pos="2286000" algn="l"/>
+                  <a:tab pos="2743200" algn="l"/>
+                  <a:tab pos="3200400" algn="l"/>
+                  <a:tab pos="3657600" algn="l"/>
+                  <a:tab pos="4114800" algn="l"/>
+                  <a:tab pos="4572000" algn="l"/>
+                  <a:tab pos="5029200" algn="l"/>
+                  <a:tab pos="5486400" algn="l"/>
+                  <a:tab pos="5943600" algn="l"/>
+                  <a:tab pos="6400800" algn="l"/>
+                  <a:tab pos="6858000" algn="l"/>
+                  <a:tab pos="7315200" algn="l"/>
+                  <a:tab pos="7772400" algn="l"/>
+                  <a:tab pos="8229600" algn="l"/>
+                  <a:tab pos="8686800" algn="l"/>
+                  <a:tab pos="9144000" algn="l"/>
+                </a:tabLst>
+                <a:defRPr sz="2400">
+                  <a:solidFill>
+                    <a:schemeClr val="tx1"/>
+                  </a:solidFill>
+                  <a:latin typeface="Arial Narrow" pitchFamily="34" charset="0"/>
+                  <a:ea typeface="ヒラギノ角ゴ Pro W3" charset="-128"/>
+                </a:defRPr>
+              </a:lvl6pPr>
+              <a:lvl7pPr marL="2971800" indent="-228600" defTabSz="457200" eaLnBrk="0" fontAlgn="base" hangingPunct="0">
+                <a:lnSpc>
+                  <a:spcPct val="110000"/>
+                </a:lnSpc>
+                <a:spcBef>
+                  <a:spcPct val="0"/>
+                </a:spcBef>
+                <a:spcAft>
+                  <a:spcPct val="0"/>
+                </a:spcAft>
+                <a:buFont typeface="Lucida Grande" charset="0"/>
+                <a:buChar char="–"/>
+                <a:tabLst>
+                  <a:tab pos="0" algn="l"/>
+                  <a:tab pos="457200" algn="l"/>
+                  <a:tab pos="914400" algn="l"/>
+                  <a:tab pos="1371600" algn="l"/>
+                  <a:tab pos="1828800" algn="l"/>
+                  <a:tab pos="2286000" algn="l"/>
+                  <a:tab pos="2743200" algn="l"/>
+                  <a:tab pos="3200400" algn="l"/>
+                  <a:tab pos="3657600" algn="l"/>
+                  <a:tab pos="4114800" algn="l"/>
+                  <a:tab pos="4572000" algn="l"/>
+                  <a:tab pos="5029200" algn="l"/>
+                  <a:tab pos="5486400" algn="l"/>
+                  <a:tab pos="5943600" algn="l"/>
+                  <a:tab pos="6400800" algn="l"/>
+                  <a:tab pos="6858000" algn="l"/>
+                  <a:tab pos="7315200" algn="l"/>
+                  <a:tab pos="7772400" algn="l"/>
+                  <a:tab pos="8229600" algn="l"/>
+                  <a:tab pos="8686800" algn="l"/>
+                  <a:tab pos="9144000" algn="l"/>
+                </a:tabLst>
+                <a:defRPr sz="2400">
+                  <a:solidFill>
+                    <a:schemeClr val="tx1"/>
+                  </a:solidFill>
+                  <a:latin typeface="Arial Narrow" pitchFamily="34" charset="0"/>
+                  <a:ea typeface="ヒラギノ角ゴ Pro W3" charset="-128"/>
+                </a:defRPr>
+              </a:lvl7pPr>
+              <a:lvl8pPr marL="3429000" indent="-228600" defTabSz="457200" eaLnBrk="0" fontAlgn="base" hangingPunct="0">
+                <a:lnSpc>
+                  <a:spcPct val="110000"/>
+                </a:lnSpc>
+                <a:spcBef>
+                  <a:spcPct val="0"/>
+                </a:spcBef>
+                <a:spcAft>
+                  <a:spcPct val="0"/>
+                </a:spcAft>
+                <a:buFont typeface="Lucida Grande" charset="0"/>
+                <a:buChar char="–"/>
+                <a:tabLst>
+                  <a:tab pos="0" algn="l"/>
+                  <a:tab pos="457200" algn="l"/>
+                  <a:tab pos="914400" algn="l"/>
+                  <a:tab pos="1371600" algn="l"/>
+                  <a:tab pos="1828800" algn="l"/>
+                  <a:tab pos="2286000" algn="l"/>
+                  <a:tab pos="2743200" algn="l"/>
+                  <a:tab pos="3200400" algn="l"/>
+                  <a:tab pos="3657600" algn="l"/>
+                  <a:tab pos="4114800" algn="l"/>
+                  <a:tab pos="4572000" algn="l"/>
+                  <a:tab pos="5029200" algn="l"/>
+                  <a:tab pos="5486400" algn="l"/>
+                  <a:tab pos="5943600" algn="l"/>
+                  <a:tab pos="6400800" algn="l"/>
+                  <a:tab pos="6858000" algn="l"/>
+                  <a:tab pos="7315200" algn="l"/>
+                  <a:tab pos="7772400" algn="l"/>
+                  <a:tab pos="8229600" algn="l"/>
+                  <a:tab pos="8686800" algn="l"/>
+                  <a:tab pos="9144000" algn="l"/>
+                </a:tabLst>
+                <a:defRPr sz="2400">
+                  <a:solidFill>
+                    <a:schemeClr val="tx1"/>
+                  </a:solidFill>
+                  <a:latin typeface="Arial Narrow" pitchFamily="34" charset="0"/>
+                  <a:ea typeface="ヒラギノ角ゴ Pro W3" charset="-128"/>
+                </a:defRPr>
+              </a:lvl8pPr>
+              <a:lvl9pPr marL="3886200" indent="-228600" defTabSz="457200" eaLnBrk="0" fontAlgn="base" hangingPunct="0">
+                <a:lnSpc>
+                  <a:spcPct val="110000"/>
+                </a:lnSpc>
+                <a:spcBef>
+                  <a:spcPct val="0"/>
+                </a:spcBef>
+                <a:spcAft>
+                  <a:spcPct val="0"/>
+                </a:spcAft>
+                <a:buFont typeface="Lucida Grande" charset="0"/>
+                <a:buChar char="–"/>
+                <a:tabLst>
+                  <a:tab pos="0" algn="l"/>
+                  <a:tab pos="457200" algn="l"/>
+                  <a:tab pos="914400" algn="l"/>
+                  <a:tab pos="1371600" algn="l"/>
+                  <a:tab pos="1828800" algn="l"/>
+                  <a:tab pos="2286000" algn="l"/>
+                  <a:tab pos="2743200" algn="l"/>
+                  <a:tab pos="3200400" algn="l"/>
+                  <a:tab pos="3657600" algn="l"/>
+                  <a:tab pos="4114800" algn="l"/>
+                  <a:tab pos="4572000" algn="l"/>
+                  <a:tab pos="5029200" algn="l"/>
+                  <a:tab pos="5486400" algn="l"/>
+                  <a:tab pos="5943600" algn="l"/>
+                  <a:tab pos="6400800" algn="l"/>
+                  <a:tab pos="6858000" algn="l"/>
+                  <a:tab pos="7315200" algn="l"/>
+                  <a:tab pos="7772400" algn="l"/>
+                  <a:tab pos="8229600" algn="l"/>
+                  <a:tab pos="8686800" algn="l"/>
+                  <a:tab pos="9144000" algn="l"/>
+                </a:tabLst>
+                <a:defRPr sz="2400">
+                  <a:solidFill>
+                    <a:schemeClr val="tx1"/>
+                  </a:solidFill>
+                  <a:latin typeface="Arial Narrow" pitchFamily="34" charset="0"/>
+                  <a:ea typeface="ヒラギノ角ゴ Pro W3" charset="-128"/>
+                </a:defRPr>
+              </a:lvl9pPr>
+            </a:lstStyle>
+            <a:p>
+              <a:pPr marL="85725" indent="-85725">
+                <a:buClr>
+                  <a:srgbClr val="000000"/>
+                </a:buClr>
+              </a:pPr>
+              <a:r>
+                <a:rPr lang="en-US" altLang="ko-KR" sz="1050" dirty="0">
+                  <a:solidFill>
+                    <a:srgbClr val="003B6E"/>
+                  </a:solidFill>
+                  <a:latin typeface="+mj-lt"/>
+                  <a:ea typeface="Gulim" pitchFamily="34" charset="-127"/>
+                  <a:cs typeface="Arial Unicode MS" pitchFamily="34" charset="-128"/>
+                </a:rPr>
+                <a:t>1</a:t>
+              </a:r>
+              <a:r>
+                <a:rPr lang="en-US" altLang="ko-KR" sz="1050" baseline="30000" dirty="0">
+                  <a:solidFill>
+                    <a:srgbClr val="003B6E"/>
+                  </a:solidFill>
+                  <a:latin typeface="+mj-lt"/>
+                  <a:ea typeface="Gulim" pitchFamily="34" charset="-127"/>
+                  <a:cs typeface="Arial Unicode MS" pitchFamily="34" charset="-128"/>
+                </a:rPr>
+                <a:t>st</a:t>
+              </a:r>
+              <a:r>
+                <a:rPr lang="en-US" altLang="ko-KR" sz="1050" dirty="0">
+                  <a:solidFill>
+                    <a:srgbClr val="003B6E"/>
+                  </a:solidFill>
+                  <a:latin typeface="+mj-lt"/>
+                  <a:ea typeface="Gulim" pitchFamily="34" charset="-127"/>
+                  <a:cs typeface="Arial Unicode MS" pitchFamily="34" charset="-128"/>
+                </a:rPr>
+                <a:t> Order </a:t>
+              </a:r>
+              <a:r>
+                <a:rPr lang="en-US" altLang="ko-KR" sz="1050" dirty="0" err="1">
+                  <a:solidFill>
+                    <a:srgbClr val="003B6E"/>
+                  </a:solidFill>
+                  <a:latin typeface="+mj-lt"/>
+                  <a:ea typeface="Gulim" pitchFamily="34" charset="-127"/>
+                  <a:cs typeface="Arial Unicode MS" pitchFamily="34" charset="-128"/>
+                </a:rPr>
+                <a:t>Sobol</a:t>
+              </a:r>
+              <a:r>
+                <a:rPr lang="en-US" altLang="ko-KR" sz="1050" dirty="0">
+                  <a:solidFill>
+                    <a:srgbClr val="003B6E"/>
+                  </a:solidFill>
+                  <a:latin typeface="+mj-lt"/>
+                  <a:ea typeface="Gulim" pitchFamily="34" charset="-127"/>
+                  <a:cs typeface="Arial Unicode MS" pitchFamily="34" charset="-128"/>
+                </a:rPr>
+                <a:t>’ Indice</a:t>
+              </a:r>
+              <a:r>
+                <a:rPr lang="en-US" altLang="ko-KR" sz="1050" dirty="0">
+                  <a:solidFill>
+                    <a:srgbClr val="003B6E"/>
+                  </a:solidFill>
+                  <a:ea typeface="Gulim" pitchFamily="34" charset="-127"/>
+                  <a:cs typeface="Arial Unicode MS" pitchFamily="34" charset="-128"/>
+                </a:rPr>
+                <a:t>s </a:t>
+              </a:r>
+              <a:r>
+                <a:rPr lang="en-US" altLang="ko-KR" sz="1100" dirty="0">
+                  <a:solidFill>
+                    <a:srgbClr val="003B6E"/>
+                  </a:solidFill>
+                  <a:ea typeface="Gulim" pitchFamily="34" charset="-127"/>
+                  <a:cs typeface="Arial Unicode MS" pitchFamily="34" charset="-128"/>
+                </a:rPr>
+                <a:t>(</a:t>
+              </a:r>
+              <a:r>
+                <a:rPr lang="en-US" altLang="ko-KR" sz="1050" dirty="0" err="1">
+                  <a:solidFill>
+                    <a:srgbClr val="003B6E"/>
+                  </a:solidFill>
+                  <a:latin typeface="Courier New" panose="02070309020205020404" pitchFamily="49" charset="0"/>
+                  <a:ea typeface="Gulim" pitchFamily="34" charset="-127"/>
+                  <a:cs typeface="Courier New" panose="02070309020205020404" pitchFamily="49" charset="0"/>
+                </a:rPr>
+                <a:t>sobo</a:t>
+              </a:r>
+              <a:r>
+                <a:rPr lang="en-US" altLang="ko-KR" sz="1100" dirty="0" err="1">
+                  <a:solidFill>
+                    <a:srgbClr val="003B6E"/>
+                  </a:solidFill>
+                  <a:ea typeface="Gulim" pitchFamily="34" charset="-127"/>
+                  <a:cs typeface="Arial Unicode MS" pitchFamily="34" charset="-128"/>
+                </a:rPr>
+                <a:t>l</a:t>
+              </a:r>
+              <a:r>
+                <a:rPr lang="en-US" altLang="ko-KR" sz="1100" dirty="0">
+                  <a:solidFill>
+                    <a:srgbClr val="003B6E"/>
+                  </a:solidFill>
+                  <a:ea typeface="Gulim" pitchFamily="34" charset="-127"/>
+                  <a:cs typeface="Arial Unicode MS" pitchFamily="34" charset="-128"/>
+                </a:rPr>
+                <a:t>)</a:t>
+              </a:r>
+            </a:p>
+            <a:p>
+              <a:pPr marL="85725" indent="-85725">
+                <a:buClr>
+                  <a:srgbClr val="000000"/>
+                </a:buClr>
+              </a:pPr>
+              <a:r>
+                <a:rPr lang="en-US" altLang="ko-KR" sz="1050" dirty="0">
+                  <a:solidFill>
+                    <a:srgbClr val="003B6E"/>
+                  </a:solidFill>
+                  <a:latin typeface="+mj-lt"/>
+                  <a:ea typeface="Gulim" pitchFamily="34" charset="-127"/>
+                  <a:cs typeface="Arial Unicode MS" pitchFamily="34" charset="-128"/>
+                </a:rPr>
+                <a:t>Total Order </a:t>
+              </a:r>
+              <a:r>
+                <a:rPr lang="en-US" altLang="ko-KR" sz="1050" dirty="0" err="1">
+                  <a:solidFill>
+                    <a:srgbClr val="003B6E"/>
+                  </a:solidFill>
+                  <a:latin typeface="+mj-lt"/>
+                  <a:ea typeface="Gulim" pitchFamily="34" charset="-127"/>
+                  <a:cs typeface="Arial Unicode MS" pitchFamily="34" charset="-128"/>
+                </a:rPr>
+                <a:t>Sobol</a:t>
+              </a:r>
+              <a:r>
+                <a:rPr lang="en-US" altLang="ko-KR" sz="1050" dirty="0">
+                  <a:solidFill>
+                    <a:srgbClr val="003B6E"/>
+                  </a:solidFill>
+                  <a:latin typeface="+mj-lt"/>
+                  <a:ea typeface="Gulim" pitchFamily="34" charset="-127"/>
+                  <a:cs typeface="Arial Unicode MS" pitchFamily="34" charset="-128"/>
+                </a:rPr>
+                <a:t>’ Indices </a:t>
+              </a:r>
+              <a:r>
+                <a:rPr lang="en-US" altLang="ko-KR" sz="1050" dirty="0">
+                  <a:solidFill>
+                    <a:srgbClr val="003B6E"/>
+                  </a:solidFill>
+                  <a:latin typeface="Courier New" panose="02070309020205020404" pitchFamily="49" charset="0"/>
+                  <a:ea typeface="Gulim" pitchFamily="34" charset="-127"/>
+                  <a:cs typeface="Courier New" panose="02070309020205020404" pitchFamily="49" charset="0"/>
+                </a:rPr>
+                <a:t>(</a:t>
+              </a:r>
+              <a:r>
+                <a:rPr lang="en-US" altLang="ko-KR" sz="1050" dirty="0" err="1">
+                  <a:solidFill>
+                    <a:srgbClr val="003B6E"/>
+                  </a:solidFill>
+                  <a:latin typeface="Courier New" panose="02070309020205020404" pitchFamily="49" charset="0"/>
+                  <a:ea typeface="Gulim" pitchFamily="34" charset="-127"/>
+                  <a:cs typeface="Courier New" panose="02070309020205020404" pitchFamily="49" charset="0"/>
+                </a:rPr>
+                <a:t>sobol</a:t>
+              </a:r>
+              <a:r>
+                <a:rPr lang="en-US" altLang="ko-KR" sz="1050" dirty="0" smtClean="0">
+                  <a:solidFill>
+                    <a:srgbClr val="003B6E"/>
+                  </a:solidFill>
+                  <a:latin typeface="Courier New" panose="02070309020205020404" pitchFamily="49" charset="0"/>
+                  <a:ea typeface="Gulim" pitchFamily="34" charset="-127"/>
+                  <a:cs typeface="Courier New" panose="02070309020205020404" pitchFamily="49" charset="0"/>
+                </a:rPr>
+                <a:t>)</a:t>
+              </a:r>
+              <a:endParaRPr lang="en-US" altLang="ko-KR" sz="1050" dirty="0" smtClean="0">
+                <a:solidFill>
+                  <a:srgbClr val="003B6E"/>
+                </a:solidFill>
+                <a:latin typeface="+mn-lt"/>
+                <a:ea typeface="Gulim" pitchFamily="34" charset="-127"/>
+                <a:cs typeface="Arial Unicode MS" pitchFamily="34" charset="-128"/>
+              </a:endParaRPr>
+            </a:p>
+            <a:p>
+              <a:pPr marL="92075" indent="-92075">
+                <a:buClr>
+                  <a:srgbClr val="000000"/>
+                </a:buClr>
+              </a:pPr>
+              <a:r>
+                <a:rPr lang="en-US" altLang="ko-KR" sz="1050" dirty="0" smtClean="0">
+                  <a:solidFill>
+                    <a:srgbClr val="003B6E"/>
+                  </a:solidFill>
+                  <a:latin typeface="+mn-lt"/>
+                  <a:ea typeface="Gulim" pitchFamily="34" charset="-127"/>
+                  <a:cs typeface="Arial Unicode MS" pitchFamily="34" charset="-128"/>
+                </a:rPr>
+                <a:t>Linear </a:t>
+              </a:r>
+              <a:r>
+                <a:rPr lang="en-US" altLang="ko-KR" sz="1050" dirty="0">
+                  <a:solidFill>
+                    <a:srgbClr val="003B6E"/>
+                  </a:solidFill>
+                  <a:latin typeface="+mn-lt"/>
+                  <a:ea typeface="Gulim" pitchFamily="34" charset="-127"/>
+                  <a:cs typeface="Arial Unicode MS" pitchFamily="34" charset="-128"/>
+                </a:rPr>
+                <a:t>Model-Based Method </a:t>
+              </a:r>
+              <a:r>
+                <a:rPr lang="en-US" altLang="ko-KR" sz="1000" dirty="0">
+                  <a:solidFill>
+                    <a:srgbClr val="003B6E"/>
+                  </a:solidFill>
+                  <a:latin typeface="+mn-lt"/>
+                  <a:ea typeface="Gulim" pitchFamily="34" charset="-127"/>
+                  <a:cs typeface="Arial Unicode MS" pitchFamily="34" charset="-128"/>
+                </a:rPr>
+                <a:t/>
+              </a:r>
+              <a:br>
+                <a:rPr lang="en-US" altLang="ko-KR" sz="1000" dirty="0">
+                  <a:solidFill>
+                    <a:srgbClr val="003B6E"/>
+                  </a:solidFill>
+                  <a:latin typeface="+mn-lt"/>
+                  <a:ea typeface="Gulim" pitchFamily="34" charset="-127"/>
+                  <a:cs typeface="Arial Unicode MS" pitchFamily="34" charset="-128"/>
+                </a:rPr>
+              </a:br>
+              <a:r>
+                <a:rPr lang="en-US" altLang="ko-KR" sz="900" dirty="0">
+                  <a:solidFill>
+                    <a:srgbClr val="003B6E"/>
+                  </a:solidFill>
+                  <a:latin typeface="+mn-lt"/>
+                  <a:ea typeface="Gulim" pitchFamily="34" charset="-127"/>
+                  <a:cs typeface="Arial Unicode MS" pitchFamily="34" charset="-128"/>
+                </a:rPr>
+                <a:t>Pearson Correlation Coefficient (CC), Standardized Regression Coefficient (SRCC), Partial  Correlation Coefficient (PCC)</a:t>
+              </a:r>
+            </a:p>
+            <a:p>
+              <a:pPr marL="92075" indent="-92075">
+                <a:buClr>
+                  <a:srgbClr val="000000"/>
+                </a:buClr>
+              </a:pPr>
+              <a:r>
+                <a:rPr lang="en-US" altLang="ko-KR" sz="1100" dirty="0">
+                  <a:solidFill>
+                    <a:srgbClr val="003B6E"/>
+                  </a:solidFill>
+                  <a:latin typeface="+mn-lt"/>
+                  <a:ea typeface="Gulim" pitchFamily="34" charset="-127"/>
+                  <a:cs typeface="Arial Unicode MS" pitchFamily="34" charset="-128"/>
+                </a:rPr>
+                <a:t>Rank-transformed methods</a:t>
+              </a:r>
+              <a:br>
+                <a:rPr lang="en-US" altLang="ko-KR" sz="1100" dirty="0">
+                  <a:solidFill>
+                    <a:srgbClr val="003B6E"/>
+                  </a:solidFill>
+                  <a:latin typeface="+mn-lt"/>
+                  <a:ea typeface="Gulim" pitchFamily="34" charset="-127"/>
+                  <a:cs typeface="Arial Unicode MS" pitchFamily="34" charset="-128"/>
+                </a:rPr>
+              </a:br>
+              <a:r>
+                <a:rPr lang="en-US" altLang="ko-KR" sz="900" dirty="0">
+                  <a:solidFill>
+                    <a:srgbClr val="003B6E"/>
+                  </a:solidFill>
+                  <a:latin typeface="+mn-lt"/>
+                  <a:ea typeface="Gulim" pitchFamily="34" charset="-127"/>
+                  <a:cs typeface="Arial Unicode MS" pitchFamily="34" charset="-128"/>
+                </a:rPr>
+                <a:t>Spearman CC, SR(</a:t>
+              </a:r>
+              <a:r>
+                <a:rPr lang="en-US" altLang="ko-KR" sz="900" dirty="0" err="1">
+                  <a:solidFill>
+                    <a:srgbClr val="003B6E"/>
+                  </a:solidFill>
+                  <a:latin typeface="+mn-lt"/>
+                  <a:ea typeface="Gulim" pitchFamily="34" charset="-127"/>
+                  <a:cs typeface="Arial Unicode MS" pitchFamily="34" charset="-128"/>
+                </a:rPr>
+                <a:t>ank</a:t>
+              </a:r>
+              <a:r>
+                <a:rPr lang="en-US" altLang="ko-KR" sz="900" dirty="0">
+                  <a:solidFill>
+                    <a:srgbClr val="003B6E"/>
+                  </a:solidFill>
+                  <a:latin typeface="+mn-lt"/>
+                  <a:ea typeface="Gulim" pitchFamily="34" charset="-127"/>
+                  <a:cs typeface="Arial Unicode MS" pitchFamily="34" charset="-128"/>
+                </a:rPr>
+                <a:t>)RC,  PR(</a:t>
+              </a:r>
+              <a:r>
+                <a:rPr lang="en-US" altLang="ko-KR" sz="900" dirty="0" err="1">
+                  <a:solidFill>
+                    <a:srgbClr val="003B6E"/>
+                  </a:solidFill>
+                  <a:latin typeface="+mn-lt"/>
+                  <a:ea typeface="Gulim" pitchFamily="34" charset="-127"/>
+                  <a:cs typeface="Arial Unicode MS" pitchFamily="34" charset="-128"/>
+                </a:rPr>
+                <a:t>ank</a:t>
+              </a:r>
+              <a:r>
+                <a:rPr lang="en-US" altLang="ko-KR" sz="900" dirty="0">
+                  <a:solidFill>
+                    <a:srgbClr val="003B6E"/>
+                  </a:solidFill>
+                  <a:latin typeface="+mn-lt"/>
+                  <a:ea typeface="Gulim" pitchFamily="34" charset="-127"/>
+                  <a:cs typeface="Arial Unicode MS" pitchFamily="34" charset="-128"/>
+                </a:rPr>
+                <a:t>)CC</a:t>
+              </a:r>
+              <a:endParaRPr lang="en-US" altLang="ko-KR" sz="800" dirty="0">
+                <a:solidFill>
+                  <a:srgbClr val="003B6E"/>
+                </a:solidFill>
+                <a:latin typeface="+mn-lt"/>
+                <a:ea typeface="Gulim" pitchFamily="34" charset="-127"/>
+                <a:cs typeface="Arial Unicode MS" pitchFamily="34" charset="-128"/>
+              </a:endParaRPr>
+            </a:p>
+            <a:p>
+              <a:pPr marL="92075" indent="-92075">
+                <a:buClr>
+                  <a:srgbClr val="000000"/>
+                </a:buClr>
+              </a:pPr>
+              <a:r>
+                <a:rPr lang="en-US" altLang="ko-KR" sz="1100" dirty="0">
+                  <a:solidFill>
+                    <a:srgbClr val="003B6E"/>
+                  </a:solidFill>
+                  <a:latin typeface="+mn-lt"/>
+                  <a:ea typeface="Gulim" pitchFamily="34" charset="-127"/>
+                  <a:cs typeface="Arial Unicode MS" pitchFamily="34" charset="-128"/>
+                </a:rPr>
+                <a:t>etc.</a:t>
+              </a:r>
+            </a:p>
+          </p:txBody>
+        </p:sp>
+      </p:grpSp>
+      <p:sp>
+        <p:nvSpPr>
+          <p:cNvPr id="81" name="Striped Right Arrow 80"/>
+          <p:cNvSpPr/>
+          <p:nvPr/>
+        </p:nvSpPr>
+        <p:spPr bwMode="auto">
+          <a:xfrm>
+            <a:off x="2504446" y="963288"/>
+            <a:ext cx="476985" cy="484632"/>
+          </a:xfrm>
+          <a:prstGeom prst="stripedRightArrow">
+            <a:avLst>
+              <a:gd name="adj1" fmla="val 50000"/>
+              <a:gd name="adj2" fmla="val 51196"/>
+            </a:avLst>
+          </a:prstGeom>
+          <a:solidFill>
+            <a:srgbClr val="C50006"/>
+          </a:solidFill>
+          <a:ln w="9525" cap="flat" cmpd="sng" algn="ctr">
+            <a:noFill/>
+            <a:prstDash val="solid"/>
+            <a:round/>
+            <a:headEnd type="none" w="med" len="med"/>
+            <a:tailEnd type="none" w="med" len="med"/>
+          </a:ln>
+          <a:effectLst/>
+        </p:spPr>
+        <p:txBody>
+          <a:bodyPr vert="horz" wrap="square" lIns="91440" tIns="45720" rIns="91440" bIns="45720" numCol="1" rtlCol="0" anchor="t" anchorCtr="0" compatLnSpc="1">
+            <a:prstTxWarp prst="textNoShape">
+              <a:avLst/>
+            </a:prstTxWarp>
+          </a:bodyPr>
+          <a:lstStyle/>
+          <a:p>
+            <a:pPr marL="0" marR="0" indent="0" algn="l" defTabSz="914400" rtl="0" eaLnBrk="0" fontAlgn="base" latinLnBrk="0" hangingPunct="0">
+              <a:lnSpc>
+                <a:spcPct val="100000"/>
+              </a:lnSpc>
+              <a:spcBef>
+                <a:spcPct val="0"/>
+              </a:spcBef>
+              <a:spcAft>
+                <a:spcPct val="0"/>
+              </a:spcAft>
+              <a:buClrTx/>
+              <a:buSzTx/>
+              <a:buFontTx/>
+              <a:buNone/>
+              <a:tabLst/>
+            </a:pPr>
+            <a:endParaRPr kumimoji="0" lang="en-US" sz="2400" b="0" i="0" u="none" strike="noStrike" cap="none" normalizeH="0" baseline="0">
+              <a:ln>
+                <a:noFill/>
+              </a:ln>
+              <a:solidFill>
+                <a:schemeClr val="tx1"/>
+              </a:solidFill>
+              <a:effectLst/>
+              <a:latin typeface="Times" charset="0"/>
+            </a:endParaRPr>
+          </a:p>
+        </p:txBody>
+      </p:sp>
+      <p:sp>
+        <p:nvSpPr>
+          <p:cNvPr id="82" name="Striped Right Arrow 81"/>
+          <p:cNvSpPr/>
+          <p:nvPr/>
+        </p:nvSpPr>
+        <p:spPr bwMode="auto">
+          <a:xfrm>
+            <a:off x="6447558" y="1002431"/>
+            <a:ext cx="476985" cy="484632"/>
+          </a:xfrm>
+          <a:prstGeom prst="stripedRightArrow">
+            <a:avLst>
+              <a:gd name="adj1" fmla="val 50000"/>
+              <a:gd name="adj2" fmla="val 51196"/>
+            </a:avLst>
+          </a:prstGeom>
+          <a:solidFill>
+            <a:srgbClr val="C50006"/>
+          </a:solidFill>
+          <a:ln w="9525" cap="flat" cmpd="sng" algn="ctr">
+            <a:noFill/>
+            <a:prstDash val="solid"/>
+            <a:round/>
+            <a:headEnd type="none" w="med" len="med"/>
+            <a:tailEnd type="none" w="med" len="med"/>
+          </a:ln>
+          <a:effectLst/>
+        </p:spPr>
+        <p:txBody>
+          <a:bodyPr vert="horz" wrap="square" lIns="91440" tIns="45720" rIns="91440" bIns="45720" numCol="1" rtlCol="0" anchor="t" anchorCtr="0" compatLnSpc="1">
+            <a:prstTxWarp prst="textNoShape">
+              <a:avLst/>
+            </a:prstTxWarp>
+          </a:bodyPr>
+          <a:lstStyle/>
+          <a:p>
+            <a:pPr marL="0" marR="0" indent="0" algn="l" defTabSz="914400" rtl="0" eaLnBrk="0" fontAlgn="base" latinLnBrk="0" hangingPunct="0">
+              <a:lnSpc>
+                <a:spcPct val="100000"/>
+              </a:lnSpc>
+              <a:spcBef>
+                <a:spcPct val="0"/>
+              </a:spcBef>
+              <a:spcAft>
+                <a:spcPct val="0"/>
+              </a:spcAft>
+              <a:buClrTx/>
+              <a:buSzTx/>
+              <a:buFontTx/>
+              <a:buNone/>
+              <a:tabLst/>
+            </a:pPr>
+            <a:endParaRPr kumimoji="0" lang="en-US" sz="2400" b="0" i="0" u="none" strike="noStrike" cap="none" normalizeH="0" baseline="0">
+              <a:ln>
+                <a:noFill/>
+              </a:ln>
+              <a:solidFill>
+                <a:schemeClr val="tx1"/>
+              </a:solidFill>
+              <a:effectLst/>
+              <a:latin typeface="Times" charset="0"/>
+            </a:endParaRPr>
+          </a:p>
+        </p:txBody>
+      </p:sp>
+      <p:sp>
+        <p:nvSpPr>
+          <p:cNvPr id="88" name="Flowchart: Document 87"/>
+          <p:cNvSpPr/>
+          <p:nvPr/>
+        </p:nvSpPr>
+        <p:spPr bwMode="auto">
+          <a:xfrm>
+            <a:off x="971599" y="5373216"/>
+            <a:ext cx="1276772" cy="855439"/>
+          </a:xfrm>
+          <a:prstGeom prst="flowChartDocument">
+            <a:avLst/>
+          </a:prstGeom>
+          <a:solidFill>
+            <a:srgbClr val="0070C0"/>
+          </a:solidFill>
+          <a:ln w="9525" cap="flat" cmpd="sng" algn="ctr">
+            <a:noFill/>
+            <a:prstDash val="solid"/>
+            <a:round/>
+            <a:headEnd type="none" w="med" len="med"/>
+            <a:tailEnd type="none" w="med" len="med"/>
+          </a:ln>
+          <a:effectLst/>
+        </p:spPr>
+        <p:txBody>
+          <a:bodyPr vert="horz" wrap="square" lIns="91440" tIns="45720" rIns="91440" bIns="45720" numCol="1" rtlCol="0" anchor="t" anchorCtr="0" compatLnSpc="1">
+            <a:prstTxWarp prst="textNoShape">
+              <a:avLst/>
+            </a:prstTxWarp>
+          </a:bodyPr>
+          <a:lstStyle/>
+          <a:p>
+            <a:pPr marL="0" marR="0" indent="0" algn="l" defTabSz="914400" rtl="0" eaLnBrk="0" fontAlgn="base" latinLnBrk="0" hangingPunct="0">
+              <a:lnSpc>
+                <a:spcPct val="100000"/>
+              </a:lnSpc>
+              <a:spcBef>
+                <a:spcPct val="0"/>
+              </a:spcBef>
+              <a:spcAft>
+                <a:spcPct val="0"/>
+              </a:spcAft>
+              <a:buClrTx/>
+              <a:buSzTx/>
+              <a:buFontTx/>
+              <a:buNone/>
+              <a:tabLst/>
+            </a:pPr>
+            <a:endParaRPr kumimoji="0" lang="en-US" sz="2400" b="0" i="0" u="none" strike="noStrike" cap="none" normalizeH="0" baseline="0">
+              <a:ln>
+                <a:noFill/>
+              </a:ln>
+              <a:solidFill>
+                <a:schemeClr val="tx1"/>
+              </a:solidFill>
+              <a:effectLst/>
+              <a:latin typeface="Times" charset="0"/>
+            </a:endParaRPr>
+          </a:p>
+        </p:txBody>
+      </p:sp>
+      <p:sp>
+        <p:nvSpPr>
+          <p:cNvPr id="91" name="Rectangle 90"/>
+          <p:cNvSpPr/>
+          <p:nvPr/>
+        </p:nvSpPr>
+        <p:spPr>
+          <a:xfrm>
+            <a:off x="1007467" y="5560780"/>
+            <a:ext cx="1130871" cy="400110"/>
+          </a:xfrm>
+          <a:prstGeom prst="rect">
+            <a:avLst/>
+          </a:prstGeom>
+        </p:spPr>
+        <p:txBody>
+          <a:bodyPr wrap="square">
+            <a:spAutoFit/>
+          </a:bodyPr>
+          <a:lstStyle/>
+          <a:p>
+            <a:pPr algn="ctr"/>
+            <a:r>
+              <a:rPr lang="en-US" sz="2000" b="1" dirty="0">
+                <a:solidFill>
+                  <a:schemeClr val="bg1"/>
+                </a:solidFill>
+                <a:latin typeface="+mn-lt"/>
+              </a:rPr>
+              <a:t>CSV</a:t>
+            </a:r>
+          </a:p>
+        </p:txBody>
+      </p:sp>
+      <p:sp>
+        <p:nvSpPr>
+          <p:cNvPr id="92" name="TextBox 91"/>
+          <p:cNvSpPr txBox="1"/>
+          <p:nvPr/>
+        </p:nvSpPr>
+        <p:spPr>
+          <a:xfrm>
+            <a:off x="429990" y="4869159"/>
+            <a:ext cx="1708348" cy="492443"/>
+          </a:xfrm>
+          <a:prstGeom prst="rect">
+            <a:avLst/>
+          </a:prstGeom>
+          <a:noFill/>
+          <a:ln w="9525">
+            <a:noFill/>
+          </a:ln>
+        </p:spPr>
+        <p:txBody>
+          <a:bodyPr wrap="square" rtlCol="0" anchor="ctr">
+            <a:spAutoFit/>
+          </a:bodyPr>
+          <a:lstStyle/>
+          <a:p>
+            <a:r>
+              <a:rPr lang="en-US" sz="1400" b="1" dirty="0"/>
+              <a:t>Design Matrix</a:t>
+            </a:r>
+            <a:br>
+              <a:rPr lang="en-US" sz="1400" b="1" dirty="0"/>
+            </a:br>
+            <a:r>
+              <a:rPr lang="en-US" sz="1200" b="1" dirty="0"/>
+              <a:t>(previously generated)</a:t>
+            </a:r>
+          </a:p>
+        </p:txBody>
+      </p:sp>
+      <p:sp>
+        <p:nvSpPr>
+          <p:cNvPr id="94" name="Striped Right Arrow 93"/>
+          <p:cNvSpPr/>
+          <p:nvPr/>
+        </p:nvSpPr>
+        <p:spPr bwMode="auto">
+          <a:xfrm>
+            <a:off x="2504446" y="5549319"/>
+            <a:ext cx="476985" cy="484632"/>
+          </a:xfrm>
+          <a:prstGeom prst="stripedRightArrow">
+            <a:avLst>
+              <a:gd name="adj1" fmla="val 50000"/>
+              <a:gd name="adj2" fmla="val 51196"/>
+            </a:avLst>
+          </a:prstGeom>
+          <a:solidFill>
+            <a:srgbClr val="C50006"/>
+          </a:solidFill>
+          <a:ln w="9525" cap="flat" cmpd="sng" algn="ctr">
+            <a:noFill/>
+            <a:prstDash val="solid"/>
+            <a:round/>
+            <a:headEnd type="none" w="med" len="med"/>
+            <a:tailEnd type="none" w="med" len="med"/>
+          </a:ln>
+          <a:effectLst/>
+        </p:spPr>
+        <p:txBody>
+          <a:bodyPr vert="horz" wrap="square" lIns="91440" tIns="45720" rIns="91440" bIns="45720" numCol="1" rtlCol="0" anchor="t" anchorCtr="0" compatLnSpc="1">
+            <a:prstTxWarp prst="textNoShape">
+              <a:avLst/>
+            </a:prstTxWarp>
+          </a:bodyPr>
+          <a:lstStyle/>
+          <a:p>
+            <a:pPr marL="0" marR="0" indent="0" algn="l" defTabSz="914400" rtl="0" eaLnBrk="0" fontAlgn="base" latinLnBrk="0" hangingPunct="0">
+              <a:lnSpc>
+                <a:spcPct val="100000"/>
+              </a:lnSpc>
+              <a:spcBef>
+                <a:spcPct val="0"/>
+              </a:spcBef>
+              <a:spcAft>
+                <a:spcPct val="0"/>
+              </a:spcAft>
+              <a:buClrTx/>
+              <a:buSzTx/>
+              <a:buFontTx/>
+              <a:buNone/>
+              <a:tabLst/>
+            </a:pPr>
+            <a:endParaRPr kumimoji="0" lang="en-US" sz="2400" b="0" i="0" u="none" strike="noStrike" cap="none" normalizeH="0" baseline="0">
+              <a:ln>
+                <a:noFill/>
+              </a:ln>
+              <a:solidFill>
+                <a:schemeClr val="tx1"/>
+              </a:solidFill>
+              <a:effectLst/>
+              <a:latin typeface="Times" charset="0"/>
+            </a:endParaRPr>
+          </a:p>
+        </p:txBody>
+      </p:sp>
+      <p:sp>
+        <p:nvSpPr>
+          <p:cNvPr id="95" name="TextBox 94"/>
+          <p:cNvSpPr txBox="1"/>
+          <p:nvPr/>
+        </p:nvSpPr>
+        <p:spPr>
+          <a:xfrm>
+            <a:off x="6782636" y="456927"/>
+            <a:ext cx="1708348" cy="307777"/>
+          </a:xfrm>
+          <a:prstGeom prst="rect">
+            <a:avLst/>
+          </a:prstGeom>
+          <a:noFill/>
+          <a:ln w="9525">
+            <a:noFill/>
+          </a:ln>
+        </p:spPr>
+        <p:txBody>
+          <a:bodyPr wrap="square" rtlCol="0" anchor="ctr">
+            <a:spAutoFit/>
+          </a:bodyPr>
+          <a:lstStyle/>
+          <a:p>
+            <a:r>
+              <a:rPr lang="en-US" sz="1400" b="1" dirty="0"/>
+              <a:t>Design Matrix</a:t>
+            </a:r>
+            <a:endParaRPr lang="en-US" sz="1200" b="1" dirty="0"/>
+          </a:p>
+        </p:txBody>
+      </p:sp>
+      <p:sp>
+        <p:nvSpPr>
+          <p:cNvPr id="96" name="Striped Right Arrow 95"/>
+          <p:cNvSpPr/>
+          <p:nvPr/>
+        </p:nvSpPr>
+        <p:spPr bwMode="auto">
+          <a:xfrm>
+            <a:off x="6447558" y="5144720"/>
+            <a:ext cx="524431" cy="603410"/>
+          </a:xfrm>
+          <a:prstGeom prst="stripedRightArrow">
+            <a:avLst>
+              <a:gd name="adj1" fmla="val 50000"/>
+              <a:gd name="adj2" fmla="val 51196"/>
+            </a:avLst>
+          </a:prstGeom>
+          <a:solidFill>
+            <a:srgbClr val="C50006"/>
+          </a:solidFill>
+          <a:ln w="9525" cap="flat" cmpd="sng" algn="ctr">
+            <a:noFill/>
+            <a:prstDash val="solid"/>
+            <a:round/>
+            <a:headEnd type="none" w="med" len="med"/>
+            <a:tailEnd type="none" w="med" len="med"/>
+          </a:ln>
+          <a:effectLst/>
+        </p:spPr>
+        <p:txBody>
+          <a:bodyPr vert="horz" wrap="square" lIns="91440" tIns="45720" rIns="91440" bIns="45720" numCol="1" rtlCol="0" anchor="t" anchorCtr="0" compatLnSpc="1">
+            <a:prstTxWarp prst="textNoShape">
+              <a:avLst/>
+            </a:prstTxWarp>
+          </a:bodyPr>
+          <a:lstStyle/>
+          <a:p>
+            <a:pPr marL="0" marR="0" indent="0" algn="l" defTabSz="914400" rtl="0" eaLnBrk="0" fontAlgn="base" latinLnBrk="0" hangingPunct="0">
+              <a:lnSpc>
+                <a:spcPct val="100000"/>
+              </a:lnSpc>
+              <a:spcBef>
+                <a:spcPct val="0"/>
+              </a:spcBef>
+              <a:spcAft>
+                <a:spcPct val="0"/>
+              </a:spcAft>
+              <a:buClrTx/>
+              <a:buSzTx/>
+              <a:buFontTx/>
+              <a:buNone/>
+              <a:tabLst/>
+            </a:pPr>
+            <a:endParaRPr kumimoji="0" lang="en-US" sz="2400" b="0" i="0" u="none" strike="noStrike" cap="none" normalizeH="0" baseline="0">
+              <a:ln>
+                <a:noFill/>
+              </a:ln>
+              <a:solidFill>
+                <a:schemeClr val="tx1"/>
+              </a:solidFill>
+              <a:effectLst/>
+              <a:latin typeface="Times" charset="0"/>
+            </a:endParaRPr>
+          </a:p>
+        </p:txBody>
+      </p:sp>
+      <p:sp>
+        <p:nvSpPr>
+          <p:cNvPr id="97" name="TextBox 96"/>
+          <p:cNvSpPr txBox="1"/>
+          <p:nvPr/>
+        </p:nvSpPr>
+        <p:spPr>
+          <a:xfrm>
+            <a:off x="20073" y="2123564"/>
+            <a:ext cx="2118264" cy="369332"/>
+          </a:xfrm>
+          <a:prstGeom prst="rect">
+            <a:avLst/>
+          </a:prstGeom>
+          <a:solidFill>
+            <a:schemeClr val="bg1">
+              <a:lumMod val="95000"/>
+              <a:alpha val="75000"/>
+            </a:schemeClr>
+          </a:solidFill>
+          <a:ln w="9525">
+            <a:noFill/>
+          </a:ln>
+        </p:spPr>
+        <p:txBody>
+          <a:bodyPr wrap="square" rtlCol="0" anchor="ctr">
+            <a:spAutoFit/>
+          </a:bodyPr>
+          <a:lstStyle/>
+          <a:p>
+            <a:r>
+              <a:rPr lang="en-US" b="1" dirty="0">
+                <a:latin typeface="+mj-lt"/>
+              </a:rPr>
+              <a:t>Model Execution</a:t>
+            </a:r>
+          </a:p>
+        </p:txBody>
+      </p:sp>
+      <p:grpSp>
+        <p:nvGrpSpPr>
+          <p:cNvPr id="3" name="Group 2"/>
+          <p:cNvGrpSpPr/>
+          <p:nvPr/>
+        </p:nvGrpSpPr>
+        <p:grpSpPr>
+          <a:xfrm>
+            <a:off x="7164288" y="5093841"/>
+            <a:ext cx="1276773" cy="855439"/>
+            <a:chOff x="7135079" y="4888324"/>
+            <a:chExt cx="1276773" cy="855439"/>
+          </a:xfrm>
+        </p:grpSpPr>
+        <p:sp>
+          <p:nvSpPr>
+            <p:cNvPr id="103" name="Flowchart: Document 102"/>
+            <p:cNvSpPr/>
+            <p:nvPr/>
+          </p:nvSpPr>
+          <p:spPr bwMode="auto">
+            <a:xfrm>
+              <a:off x="7135080" y="4888324"/>
+              <a:ext cx="1276772" cy="855439"/>
+            </a:xfrm>
+            <a:prstGeom prst="flowChartDocument">
+              <a:avLst/>
+            </a:prstGeom>
+            <a:solidFill>
+              <a:srgbClr val="0070C0"/>
+            </a:solidFill>
+            <a:ln w="9525" cap="flat" cmpd="sng" algn="ctr">
+              <a:noFill/>
+              <a:prstDash val="solid"/>
+              <a:round/>
+              <a:headEnd type="none" w="med" len="med"/>
+              <a:tailEnd type="none" w="med" len="med"/>
+            </a:ln>
+            <a:effectLst/>
+          </p:spPr>
+          <p:txBody>
+            <a:bodyPr vert="horz" wrap="square" lIns="91440" tIns="45720" rIns="91440" bIns="45720" numCol="1" rtlCol="0" anchor="t" anchorCtr="0" compatLnSpc="1">
+              <a:prstTxWarp prst="textNoShape">
+                <a:avLst/>
+              </a:prstTxWarp>
+            </a:bodyPr>
+            <a:lstStyle/>
+            <a:p>
+              <a:pPr marL="0" marR="0" indent="0" algn="l" defTabSz="914400" rtl="0" eaLnBrk="0" fontAlgn="base" latinLnBrk="0" hangingPunct="0">
+                <a:lnSpc>
+                  <a:spcPct val="100000"/>
+                </a:lnSpc>
+                <a:spcBef>
+                  <a:spcPct val="0"/>
+                </a:spcBef>
+                <a:spcAft>
+                  <a:spcPct val="0"/>
+                </a:spcAft>
+                <a:buClrTx/>
+                <a:buSzTx/>
+                <a:buFontTx/>
+                <a:buNone/>
+                <a:tabLst/>
+              </a:pPr>
+              <a:endParaRPr kumimoji="0" lang="en-US" sz="2400" b="0" i="0" u="none" strike="noStrike" cap="none" normalizeH="0" baseline="0">
+                <a:ln>
+                  <a:noFill/>
+                </a:ln>
+                <a:solidFill>
+                  <a:schemeClr val="tx1"/>
+                </a:solidFill>
+                <a:effectLst/>
+                <a:latin typeface="Times" charset="0"/>
+              </a:endParaRPr>
+            </a:p>
+          </p:txBody>
+        </p:sp>
+        <p:sp>
+          <p:nvSpPr>
+            <p:cNvPr id="106" name="Rectangle 105"/>
+            <p:cNvSpPr/>
+            <p:nvPr/>
+          </p:nvSpPr>
+          <p:spPr>
+            <a:xfrm>
+              <a:off x="7135079" y="5046315"/>
+              <a:ext cx="1263253" cy="400110"/>
+            </a:xfrm>
+            <a:prstGeom prst="rect">
+              <a:avLst/>
+            </a:prstGeom>
+          </p:spPr>
+          <p:txBody>
+            <a:bodyPr wrap="square">
+              <a:spAutoFit/>
+            </a:bodyPr>
+            <a:lstStyle/>
+            <a:p>
+              <a:pPr algn="ctr"/>
+              <a:r>
+                <a:rPr lang="en-US" sz="2000" b="1" dirty="0">
+                  <a:solidFill>
+                    <a:schemeClr val="bg1"/>
+                  </a:solidFill>
+                  <a:latin typeface="+mn-lt"/>
+                </a:rPr>
+                <a:t>CSV</a:t>
+              </a:r>
+            </a:p>
+          </p:txBody>
+        </p:sp>
+      </p:grpSp>
+      <p:sp>
+        <p:nvSpPr>
+          <p:cNvPr id="107" name="TextBox 106"/>
+          <p:cNvSpPr txBox="1"/>
+          <p:nvPr/>
+        </p:nvSpPr>
+        <p:spPr>
+          <a:xfrm>
+            <a:off x="6782636" y="4694892"/>
+            <a:ext cx="1821812" cy="307777"/>
+          </a:xfrm>
+          <a:prstGeom prst="rect">
+            <a:avLst/>
+          </a:prstGeom>
+          <a:noFill/>
+          <a:ln w="9525">
+            <a:noFill/>
+          </a:ln>
+        </p:spPr>
+        <p:txBody>
+          <a:bodyPr wrap="square" rtlCol="0" anchor="ctr">
+            <a:spAutoFit/>
+          </a:bodyPr>
+          <a:lstStyle/>
+          <a:p>
+            <a:r>
+              <a:rPr lang="en-US" sz="1400" b="1" dirty="0"/>
+              <a:t>Sensitivity Measures</a:t>
+            </a:r>
+            <a:endParaRPr lang="en-US" sz="1200" b="1" dirty="0"/>
+          </a:p>
+        </p:txBody>
+      </p:sp>
+      <p:sp>
+        <p:nvSpPr>
+          <p:cNvPr id="108" name="Text Box 12"/>
+          <p:cNvSpPr txBox="1">
+            <a:spLocks noChangeArrowheads="1"/>
+          </p:cNvSpPr>
+          <p:nvPr/>
+        </p:nvSpPr>
+        <p:spPr bwMode="auto">
+          <a:xfrm>
+            <a:off x="7462007" y="6525344"/>
+            <a:ext cx="1582830" cy="288881"/>
+          </a:xfrm>
+          <a:prstGeom prst="rect">
+            <a:avLst/>
+          </a:prstGeom>
+          <a:solidFill>
+            <a:schemeClr val="bg1">
+              <a:lumMod val="85000"/>
+            </a:schemeClr>
+          </a:solidFill>
+          <a:ln w="3175">
+            <a:solidFill>
+              <a:schemeClr val="tx1"/>
+            </a:solidFill>
+            <a:prstDash val="dashDot"/>
+            <a:miter lim="800000"/>
+            <a:headEnd/>
+            <a:tailEnd/>
+          </a:ln>
+        </p:spPr>
+        <p:txBody>
+          <a:bodyPr wrap="square" lIns="90000" tIns="46800" rIns="90000" bIns="46800" anchor="ctr">
+            <a:noAutofit/>
+          </a:bodyPr>
+          <a:lstStyle>
+            <a:lvl1pPr defTabSz="457200">
+              <a:buChar char="•"/>
+              <a:tabLst>
+                <a:tab pos="0" algn="l"/>
+                <a:tab pos="457200" algn="l"/>
+                <a:tab pos="914400" algn="l"/>
+                <a:tab pos="1371600" algn="l"/>
+                <a:tab pos="1828800" algn="l"/>
+                <a:tab pos="2286000" algn="l"/>
+                <a:tab pos="2743200" algn="l"/>
+                <a:tab pos="3200400" algn="l"/>
+                <a:tab pos="3657600" algn="l"/>
+                <a:tab pos="4114800" algn="l"/>
+                <a:tab pos="4572000" algn="l"/>
+                <a:tab pos="5029200" algn="l"/>
+                <a:tab pos="5486400" algn="l"/>
+                <a:tab pos="5943600" algn="l"/>
+                <a:tab pos="6400800" algn="l"/>
+                <a:tab pos="6858000" algn="l"/>
+                <a:tab pos="7315200" algn="l"/>
+                <a:tab pos="7772400" algn="l"/>
+                <a:tab pos="8229600" algn="l"/>
+                <a:tab pos="8686800" algn="l"/>
+                <a:tab pos="9144000" algn="l"/>
+              </a:tabLst>
+              <a:defRPr sz="2400">
+                <a:solidFill>
+                  <a:schemeClr val="tx1"/>
+                </a:solidFill>
+                <a:latin typeface="Arial Narrow" pitchFamily="34" charset="0"/>
+                <a:ea typeface="ヒラギノ角ゴ Pro W3" charset="-128"/>
+              </a:defRPr>
+            </a:lvl1pPr>
+            <a:lvl2pPr marL="742950" indent="-285750" defTabSz="457200">
+              <a:buClr>
+                <a:schemeClr val="tx1"/>
+              </a:buClr>
+              <a:buSzPct val="120000"/>
+              <a:buChar char="•"/>
+              <a:tabLst>
+                <a:tab pos="0" algn="l"/>
+                <a:tab pos="457200" algn="l"/>
+                <a:tab pos="914400" algn="l"/>
+                <a:tab pos="1371600" algn="l"/>
+                <a:tab pos="1828800" algn="l"/>
+                <a:tab pos="2286000" algn="l"/>
+                <a:tab pos="2743200" algn="l"/>
+                <a:tab pos="3200400" algn="l"/>
+                <a:tab pos="3657600" algn="l"/>
+                <a:tab pos="4114800" algn="l"/>
+                <a:tab pos="4572000" algn="l"/>
+                <a:tab pos="5029200" algn="l"/>
+                <a:tab pos="5486400" algn="l"/>
+                <a:tab pos="5943600" algn="l"/>
+                <a:tab pos="6400800" algn="l"/>
+                <a:tab pos="6858000" algn="l"/>
+                <a:tab pos="7315200" algn="l"/>
+                <a:tab pos="7772400" algn="l"/>
+                <a:tab pos="8229600" algn="l"/>
+                <a:tab pos="8686800" algn="l"/>
+                <a:tab pos="9144000" algn="l"/>
+              </a:tabLst>
+              <a:defRPr sz="2400">
+                <a:solidFill>
+                  <a:schemeClr val="tx1"/>
+                </a:solidFill>
+                <a:latin typeface="Arial Narrow" pitchFamily="34" charset="0"/>
+                <a:ea typeface="ヒラギノ角ゴ Pro W3" charset="-128"/>
+              </a:defRPr>
+            </a:lvl2pPr>
+            <a:lvl3pPr marL="1143000" indent="-228600" defTabSz="457200">
+              <a:buFont typeface="Times" pitchFamily="18" charset="0"/>
+              <a:buChar char="–"/>
+              <a:tabLst>
+                <a:tab pos="0" algn="l"/>
+                <a:tab pos="457200" algn="l"/>
+                <a:tab pos="914400" algn="l"/>
+                <a:tab pos="1371600" algn="l"/>
+                <a:tab pos="1828800" algn="l"/>
+                <a:tab pos="2286000" algn="l"/>
+                <a:tab pos="2743200" algn="l"/>
+                <a:tab pos="3200400" algn="l"/>
+                <a:tab pos="3657600" algn="l"/>
+                <a:tab pos="4114800" algn="l"/>
+                <a:tab pos="4572000" algn="l"/>
+                <a:tab pos="5029200" algn="l"/>
+                <a:tab pos="5486400" algn="l"/>
+                <a:tab pos="5943600" algn="l"/>
+                <a:tab pos="6400800" algn="l"/>
+                <a:tab pos="6858000" algn="l"/>
+                <a:tab pos="7315200" algn="l"/>
+                <a:tab pos="7772400" algn="l"/>
+                <a:tab pos="8229600" algn="l"/>
+                <a:tab pos="8686800" algn="l"/>
+                <a:tab pos="9144000" algn="l"/>
+              </a:tabLst>
+              <a:defRPr sz="1700">
+                <a:solidFill>
+                  <a:schemeClr val="tx1"/>
+                </a:solidFill>
+                <a:latin typeface="Arial Narrow" pitchFamily="34" charset="0"/>
+                <a:ea typeface="MS PGothic" pitchFamily="34" charset="-128"/>
+              </a:defRPr>
+            </a:lvl3pPr>
+            <a:lvl4pPr marL="1600200" indent="-228600" defTabSz="457200">
+              <a:buFont typeface="Lucida Grande" charset="0"/>
+              <a:buChar char="–"/>
+              <a:tabLst>
+                <a:tab pos="0" algn="l"/>
+                <a:tab pos="457200" algn="l"/>
+                <a:tab pos="914400" algn="l"/>
+                <a:tab pos="1371600" algn="l"/>
+                <a:tab pos="1828800" algn="l"/>
+                <a:tab pos="2286000" algn="l"/>
+                <a:tab pos="2743200" algn="l"/>
+                <a:tab pos="3200400" algn="l"/>
+                <a:tab pos="3657600" algn="l"/>
+                <a:tab pos="4114800" algn="l"/>
+                <a:tab pos="4572000" algn="l"/>
+                <a:tab pos="5029200" algn="l"/>
+                <a:tab pos="5486400" algn="l"/>
+                <a:tab pos="5943600" algn="l"/>
+                <a:tab pos="6400800" algn="l"/>
+                <a:tab pos="6858000" algn="l"/>
+                <a:tab pos="7315200" algn="l"/>
+                <a:tab pos="7772400" algn="l"/>
+                <a:tab pos="8229600" algn="l"/>
+                <a:tab pos="8686800" algn="l"/>
+                <a:tab pos="9144000" algn="l"/>
+              </a:tabLst>
+              <a:defRPr sz="2400">
+                <a:solidFill>
+                  <a:schemeClr val="tx1"/>
+                </a:solidFill>
+                <a:latin typeface="Arial Narrow" pitchFamily="34" charset="0"/>
+                <a:ea typeface="MS PGothic" pitchFamily="34" charset="-128"/>
+              </a:defRPr>
+            </a:lvl4pPr>
+            <a:lvl5pPr marL="2057400" indent="-228600" defTabSz="457200">
+              <a:buFont typeface="Lucida Grande" charset="0"/>
+              <a:buChar char="–"/>
+              <a:tabLst>
+                <a:tab pos="0" algn="l"/>
+                <a:tab pos="457200" algn="l"/>
+                <a:tab pos="914400" algn="l"/>
+                <a:tab pos="1371600" algn="l"/>
+                <a:tab pos="1828800" algn="l"/>
+                <a:tab pos="2286000" algn="l"/>
+                <a:tab pos="2743200" algn="l"/>
+                <a:tab pos="3200400" algn="l"/>
+                <a:tab pos="3657600" algn="l"/>
+                <a:tab pos="4114800" algn="l"/>
+                <a:tab pos="4572000" algn="l"/>
+                <a:tab pos="5029200" algn="l"/>
+                <a:tab pos="5486400" algn="l"/>
+                <a:tab pos="5943600" algn="l"/>
+                <a:tab pos="6400800" algn="l"/>
+                <a:tab pos="6858000" algn="l"/>
+                <a:tab pos="7315200" algn="l"/>
+                <a:tab pos="7772400" algn="l"/>
+                <a:tab pos="8229600" algn="l"/>
+                <a:tab pos="8686800" algn="l"/>
+                <a:tab pos="9144000" algn="l"/>
+              </a:tabLst>
+              <a:defRPr sz="2400">
+                <a:solidFill>
+                  <a:schemeClr val="tx1"/>
+                </a:solidFill>
+                <a:latin typeface="Arial Narrow" pitchFamily="34" charset="0"/>
+                <a:ea typeface="ヒラギノ角ゴ Pro W3" charset="-128"/>
+              </a:defRPr>
+            </a:lvl5pPr>
+            <a:lvl6pPr marL="2514600" indent="-228600" defTabSz="457200" eaLnBrk="0" fontAlgn="base" hangingPunct="0">
+              <a:lnSpc>
+                <a:spcPct val="110000"/>
+              </a:lnSpc>
+              <a:spcBef>
+                <a:spcPct val="0"/>
+              </a:spcBef>
+              <a:spcAft>
+                <a:spcPct val="0"/>
+              </a:spcAft>
+              <a:buFont typeface="Lucida Grande" charset="0"/>
+              <a:buChar char="–"/>
+              <a:tabLst>
+                <a:tab pos="0" algn="l"/>
+                <a:tab pos="457200" algn="l"/>
+                <a:tab pos="914400" algn="l"/>
+                <a:tab pos="1371600" algn="l"/>
+                <a:tab pos="1828800" algn="l"/>
+                <a:tab pos="2286000" algn="l"/>
+                <a:tab pos="2743200" algn="l"/>
+                <a:tab pos="3200400" algn="l"/>
+                <a:tab pos="3657600" algn="l"/>
+                <a:tab pos="4114800" algn="l"/>
+                <a:tab pos="4572000" algn="l"/>
+                <a:tab pos="5029200" algn="l"/>
+                <a:tab pos="5486400" algn="l"/>
+                <a:tab pos="5943600" algn="l"/>
+                <a:tab pos="6400800" algn="l"/>
+                <a:tab pos="6858000" algn="l"/>
+                <a:tab pos="7315200" algn="l"/>
+                <a:tab pos="7772400" algn="l"/>
+                <a:tab pos="8229600" algn="l"/>
+                <a:tab pos="8686800" algn="l"/>
+                <a:tab pos="9144000" algn="l"/>
+              </a:tabLst>
+              <a:defRPr sz="2400">
+                <a:solidFill>
+                  <a:schemeClr val="tx1"/>
+                </a:solidFill>
+                <a:latin typeface="Arial Narrow" pitchFamily="34" charset="0"/>
+                <a:ea typeface="ヒラギノ角ゴ Pro W3" charset="-128"/>
+              </a:defRPr>
+            </a:lvl6pPr>
+            <a:lvl7pPr marL="2971800" indent="-228600" defTabSz="457200" eaLnBrk="0" fontAlgn="base" hangingPunct="0">
+              <a:lnSpc>
+                <a:spcPct val="110000"/>
+              </a:lnSpc>
+              <a:spcBef>
+                <a:spcPct val="0"/>
+              </a:spcBef>
+              <a:spcAft>
+                <a:spcPct val="0"/>
+              </a:spcAft>
+              <a:buFont typeface="Lucida Grande" charset="0"/>
+              <a:buChar char="–"/>
+              <a:tabLst>
+                <a:tab pos="0" algn="l"/>
+                <a:tab pos="457200" algn="l"/>
+                <a:tab pos="914400" algn="l"/>
+                <a:tab pos="1371600" algn="l"/>
+                <a:tab pos="1828800" algn="l"/>
+                <a:tab pos="2286000" algn="l"/>
+                <a:tab pos="2743200" algn="l"/>
+                <a:tab pos="3200400" algn="l"/>
+                <a:tab pos="3657600" algn="l"/>
+                <a:tab pos="4114800" algn="l"/>
+                <a:tab pos="4572000" algn="l"/>
+                <a:tab pos="5029200" algn="l"/>
+                <a:tab pos="5486400" algn="l"/>
+                <a:tab pos="5943600" algn="l"/>
+                <a:tab pos="6400800" algn="l"/>
+                <a:tab pos="6858000" algn="l"/>
+                <a:tab pos="7315200" algn="l"/>
+                <a:tab pos="7772400" algn="l"/>
+                <a:tab pos="8229600" algn="l"/>
+                <a:tab pos="8686800" algn="l"/>
+                <a:tab pos="9144000" algn="l"/>
+              </a:tabLst>
+              <a:defRPr sz="2400">
+                <a:solidFill>
+                  <a:schemeClr val="tx1"/>
+                </a:solidFill>
+                <a:latin typeface="Arial Narrow" pitchFamily="34" charset="0"/>
+                <a:ea typeface="ヒラギノ角ゴ Pro W3" charset="-128"/>
+              </a:defRPr>
+            </a:lvl7pPr>
+            <a:lvl8pPr marL="3429000" indent="-228600" defTabSz="457200" eaLnBrk="0" fontAlgn="base" hangingPunct="0">
+              <a:lnSpc>
+                <a:spcPct val="110000"/>
+              </a:lnSpc>
+              <a:spcBef>
+                <a:spcPct val="0"/>
+              </a:spcBef>
+              <a:spcAft>
+                <a:spcPct val="0"/>
+              </a:spcAft>
+              <a:buFont typeface="Lucida Grande" charset="0"/>
+              <a:buChar char="–"/>
+              <a:tabLst>
+                <a:tab pos="0" algn="l"/>
+                <a:tab pos="457200" algn="l"/>
+                <a:tab pos="914400" algn="l"/>
+                <a:tab pos="1371600" algn="l"/>
+                <a:tab pos="1828800" algn="l"/>
+                <a:tab pos="2286000" algn="l"/>
+                <a:tab pos="2743200" algn="l"/>
+                <a:tab pos="3200400" algn="l"/>
+                <a:tab pos="3657600" algn="l"/>
+                <a:tab pos="4114800" algn="l"/>
+                <a:tab pos="4572000" algn="l"/>
+                <a:tab pos="5029200" algn="l"/>
+                <a:tab pos="5486400" algn="l"/>
+                <a:tab pos="5943600" algn="l"/>
+                <a:tab pos="6400800" algn="l"/>
+                <a:tab pos="6858000" algn="l"/>
+                <a:tab pos="7315200" algn="l"/>
+                <a:tab pos="7772400" algn="l"/>
+                <a:tab pos="8229600" algn="l"/>
+                <a:tab pos="8686800" algn="l"/>
+                <a:tab pos="9144000" algn="l"/>
+              </a:tabLst>
+              <a:defRPr sz="2400">
+                <a:solidFill>
+                  <a:schemeClr val="tx1"/>
+                </a:solidFill>
+                <a:latin typeface="Arial Narrow" pitchFamily="34" charset="0"/>
+                <a:ea typeface="ヒラギノ角ゴ Pro W3" charset="-128"/>
+              </a:defRPr>
+            </a:lvl8pPr>
+            <a:lvl9pPr marL="3886200" indent="-228600" defTabSz="457200" eaLnBrk="0" fontAlgn="base" hangingPunct="0">
+              <a:lnSpc>
+                <a:spcPct val="110000"/>
+              </a:lnSpc>
+              <a:spcBef>
+                <a:spcPct val="0"/>
+              </a:spcBef>
+              <a:spcAft>
+                <a:spcPct val="0"/>
+              </a:spcAft>
+              <a:buFont typeface="Lucida Grande" charset="0"/>
+              <a:buChar char="–"/>
+              <a:tabLst>
+                <a:tab pos="0" algn="l"/>
+                <a:tab pos="457200" algn="l"/>
+                <a:tab pos="914400" algn="l"/>
+                <a:tab pos="1371600" algn="l"/>
+                <a:tab pos="1828800" algn="l"/>
+                <a:tab pos="2286000" algn="l"/>
+                <a:tab pos="2743200" algn="l"/>
+                <a:tab pos="3200400" algn="l"/>
+                <a:tab pos="3657600" algn="l"/>
+                <a:tab pos="4114800" algn="l"/>
+                <a:tab pos="4572000" algn="l"/>
+                <a:tab pos="5029200" algn="l"/>
+                <a:tab pos="5486400" algn="l"/>
+                <a:tab pos="5943600" algn="l"/>
+                <a:tab pos="6400800" algn="l"/>
+                <a:tab pos="6858000" algn="l"/>
+                <a:tab pos="7315200" algn="l"/>
+                <a:tab pos="7772400" algn="l"/>
+                <a:tab pos="8229600" algn="l"/>
+                <a:tab pos="8686800" algn="l"/>
+                <a:tab pos="9144000" algn="l"/>
+              </a:tabLst>
+              <a:defRPr sz="2400">
+                <a:solidFill>
+                  <a:schemeClr val="tx1"/>
+                </a:solidFill>
+                <a:latin typeface="Arial Narrow" pitchFamily="34" charset="0"/>
+                <a:ea typeface="ヒラギノ角ゴ Pro W3" charset="-128"/>
+              </a:defRPr>
+            </a:lvl9pPr>
+          </a:lstStyle>
+          <a:p>
+            <a:pPr>
+              <a:buClr>
+                <a:srgbClr val="000000"/>
+              </a:buClr>
+              <a:buNone/>
+            </a:pPr>
+            <a:r>
+              <a:rPr lang="en-US" altLang="ko-KR" sz="1200" b="1" dirty="0">
+                <a:solidFill>
+                  <a:srgbClr val="003B6E"/>
+                </a:solidFill>
+                <a:latin typeface="+mn-lt"/>
+                <a:ea typeface="Gulim" pitchFamily="34" charset="-127"/>
+                <a:cs typeface="Arial Unicode MS" pitchFamily="34" charset="-128"/>
+              </a:rPr>
+              <a:t>Future Development</a:t>
+            </a:r>
+          </a:p>
+        </p:txBody>
+      </p:sp>
+      <p:sp>
+        <p:nvSpPr>
+          <p:cNvPr id="109" name="Text Box 12"/>
+          <p:cNvSpPr txBox="1">
+            <a:spLocks noChangeArrowheads="1"/>
+          </p:cNvSpPr>
+          <p:nvPr/>
+        </p:nvSpPr>
+        <p:spPr bwMode="auto">
+          <a:xfrm>
+            <a:off x="7462007" y="6165304"/>
+            <a:ext cx="1582830" cy="305192"/>
+          </a:xfrm>
+          <a:prstGeom prst="rect">
+            <a:avLst/>
+          </a:prstGeom>
+          <a:solidFill>
+            <a:srgbClr val="FFF5D6"/>
+          </a:solidFill>
+          <a:ln w="9360">
+            <a:noFill/>
+            <a:miter lim="800000"/>
+            <a:headEnd/>
+            <a:tailEnd/>
+          </a:ln>
+        </p:spPr>
+        <p:txBody>
+          <a:bodyPr wrap="square" lIns="90000" tIns="46800" rIns="90000" bIns="46800" anchor="ctr">
+            <a:noAutofit/>
+          </a:bodyPr>
+          <a:lstStyle>
+            <a:lvl1pPr defTabSz="457200">
+              <a:buChar char="•"/>
+              <a:tabLst>
+                <a:tab pos="0" algn="l"/>
+                <a:tab pos="457200" algn="l"/>
+                <a:tab pos="914400" algn="l"/>
+                <a:tab pos="1371600" algn="l"/>
+                <a:tab pos="1828800" algn="l"/>
+                <a:tab pos="2286000" algn="l"/>
+                <a:tab pos="2743200" algn="l"/>
+                <a:tab pos="3200400" algn="l"/>
+                <a:tab pos="3657600" algn="l"/>
+                <a:tab pos="4114800" algn="l"/>
+                <a:tab pos="4572000" algn="l"/>
+                <a:tab pos="5029200" algn="l"/>
+                <a:tab pos="5486400" algn="l"/>
+                <a:tab pos="5943600" algn="l"/>
+                <a:tab pos="6400800" algn="l"/>
+                <a:tab pos="6858000" algn="l"/>
+                <a:tab pos="7315200" algn="l"/>
+                <a:tab pos="7772400" algn="l"/>
+                <a:tab pos="8229600" algn="l"/>
+                <a:tab pos="8686800" algn="l"/>
+                <a:tab pos="9144000" algn="l"/>
+              </a:tabLst>
+              <a:defRPr sz="2400">
+                <a:solidFill>
+                  <a:schemeClr val="tx1"/>
+                </a:solidFill>
+                <a:latin typeface="Arial Narrow" pitchFamily="34" charset="0"/>
+                <a:ea typeface="ヒラギノ角ゴ Pro W3" charset="-128"/>
+              </a:defRPr>
+            </a:lvl1pPr>
+            <a:lvl2pPr marL="742950" indent="-285750" defTabSz="457200">
+              <a:buClr>
+                <a:schemeClr val="tx1"/>
+              </a:buClr>
+              <a:buSzPct val="120000"/>
+              <a:buChar char="•"/>
+              <a:tabLst>
+                <a:tab pos="0" algn="l"/>
+                <a:tab pos="457200" algn="l"/>
+                <a:tab pos="914400" algn="l"/>
+                <a:tab pos="1371600" algn="l"/>
+                <a:tab pos="1828800" algn="l"/>
+                <a:tab pos="2286000" algn="l"/>
+                <a:tab pos="2743200" algn="l"/>
+                <a:tab pos="3200400" algn="l"/>
+                <a:tab pos="3657600" algn="l"/>
+                <a:tab pos="4114800" algn="l"/>
+                <a:tab pos="4572000" algn="l"/>
+                <a:tab pos="5029200" algn="l"/>
+                <a:tab pos="5486400" algn="l"/>
+                <a:tab pos="5943600" algn="l"/>
+                <a:tab pos="6400800" algn="l"/>
+                <a:tab pos="6858000" algn="l"/>
+                <a:tab pos="7315200" algn="l"/>
+                <a:tab pos="7772400" algn="l"/>
+                <a:tab pos="8229600" algn="l"/>
+                <a:tab pos="8686800" algn="l"/>
+                <a:tab pos="9144000" algn="l"/>
+              </a:tabLst>
+              <a:defRPr sz="2400">
+                <a:solidFill>
+                  <a:schemeClr val="tx1"/>
+                </a:solidFill>
+                <a:latin typeface="Arial Narrow" pitchFamily="34" charset="0"/>
+                <a:ea typeface="ヒラギノ角ゴ Pro W3" charset="-128"/>
+              </a:defRPr>
+            </a:lvl2pPr>
+            <a:lvl3pPr marL="1143000" indent="-228600" defTabSz="457200">
+              <a:buFont typeface="Times" pitchFamily="18" charset="0"/>
+              <a:buChar char="–"/>
+              <a:tabLst>
+                <a:tab pos="0" algn="l"/>
+                <a:tab pos="457200" algn="l"/>
+                <a:tab pos="914400" algn="l"/>
+                <a:tab pos="1371600" algn="l"/>
+                <a:tab pos="1828800" algn="l"/>
+                <a:tab pos="2286000" algn="l"/>
+                <a:tab pos="2743200" algn="l"/>
+                <a:tab pos="3200400" algn="l"/>
+                <a:tab pos="3657600" algn="l"/>
+                <a:tab pos="4114800" algn="l"/>
+                <a:tab pos="4572000" algn="l"/>
+                <a:tab pos="5029200" algn="l"/>
+                <a:tab pos="5486400" algn="l"/>
+                <a:tab pos="5943600" algn="l"/>
+                <a:tab pos="6400800" algn="l"/>
+                <a:tab pos="6858000" algn="l"/>
+                <a:tab pos="7315200" algn="l"/>
+                <a:tab pos="7772400" algn="l"/>
+                <a:tab pos="8229600" algn="l"/>
+                <a:tab pos="8686800" algn="l"/>
+                <a:tab pos="9144000" algn="l"/>
+              </a:tabLst>
+              <a:defRPr sz="1700">
+                <a:solidFill>
+                  <a:schemeClr val="tx1"/>
+                </a:solidFill>
+                <a:latin typeface="Arial Narrow" pitchFamily="34" charset="0"/>
+                <a:ea typeface="MS PGothic" pitchFamily="34" charset="-128"/>
+              </a:defRPr>
+            </a:lvl3pPr>
+            <a:lvl4pPr marL="1600200" indent="-228600" defTabSz="457200">
+              <a:buFont typeface="Lucida Grande" charset="0"/>
+              <a:buChar char="–"/>
+              <a:tabLst>
+                <a:tab pos="0" algn="l"/>
+                <a:tab pos="457200" algn="l"/>
+                <a:tab pos="914400" algn="l"/>
+                <a:tab pos="1371600" algn="l"/>
+                <a:tab pos="1828800" algn="l"/>
+                <a:tab pos="2286000" algn="l"/>
+                <a:tab pos="2743200" algn="l"/>
+                <a:tab pos="3200400" algn="l"/>
+                <a:tab pos="3657600" algn="l"/>
+                <a:tab pos="4114800" algn="l"/>
+                <a:tab pos="4572000" algn="l"/>
+                <a:tab pos="5029200" algn="l"/>
+                <a:tab pos="5486400" algn="l"/>
+                <a:tab pos="5943600" algn="l"/>
+                <a:tab pos="6400800" algn="l"/>
+                <a:tab pos="6858000" algn="l"/>
+                <a:tab pos="7315200" algn="l"/>
+                <a:tab pos="7772400" algn="l"/>
+                <a:tab pos="8229600" algn="l"/>
+                <a:tab pos="8686800" algn="l"/>
+                <a:tab pos="9144000" algn="l"/>
+              </a:tabLst>
+              <a:defRPr sz="2400">
+                <a:solidFill>
+                  <a:schemeClr val="tx1"/>
+                </a:solidFill>
+                <a:latin typeface="Arial Narrow" pitchFamily="34" charset="0"/>
+                <a:ea typeface="MS PGothic" pitchFamily="34" charset="-128"/>
+              </a:defRPr>
+            </a:lvl4pPr>
+            <a:lvl5pPr marL="2057400" indent="-228600" defTabSz="457200">
+              <a:buFont typeface="Lucida Grande" charset="0"/>
+              <a:buChar char="–"/>
+              <a:tabLst>
+                <a:tab pos="0" algn="l"/>
+                <a:tab pos="457200" algn="l"/>
+                <a:tab pos="914400" algn="l"/>
+                <a:tab pos="1371600" algn="l"/>
+                <a:tab pos="1828800" algn="l"/>
+                <a:tab pos="2286000" algn="l"/>
+                <a:tab pos="2743200" algn="l"/>
+                <a:tab pos="3200400" algn="l"/>
+                <a:tab pos="3657600" algn="l"/>
+                <a:tab pos="4114800" algn="l"/>
+                <a:tab pos="4572000" algn="l"/>
+                <a:tab pos="5029200" algn="l"/>
+                <a:tab pos="5486400" algn="l"/>
+                <a:tab pos="5943600" algn="l"/>
+                <a:tab pos="6400800" algn="l"/>
+                <a:tab pos="6858000" algn="l"/>
+                <a:tab pos="7315200" algn="l"/>
+                <a:tab pos="7772400" algn="l"/>
+                <a:tab pos="8229600" algn="l"/>
+                <a:tab pos="8686800" algn="l"/>
+                <a:tab pos="9144000" algn="l"/>
+              </a:tabLst>
+              <a:defRPr sz="2400">
+                <a:solidFill>
+                  <a:schemeClr val="tx1"/>
+                </a:solidFill>
+                <a:latin typeface="Arial Narrow" pitchFamily="34" charset="0"/>
+                <a:ea typeface="ヒラギノ角ゴ Pro W3" charset="-128"/>
+              </a:defRPr>
+            </a:lvl5pPr>
+            <a:lvl6pPr marL="2514600" indent="-228600" defTabSz="457200" eaLnBrk="0" fontAlgn="base" hangingPunct="0">
+              <a:lnSpc>
+                <a:spcPct val="110000"/>
+              </a:lnSpc>
+              <a:spcBef>
+                <a:spcPct val="0"/>
+              </a:spcBef>
+              <a:spcAft>
+                <a:spcPct val="0"/>
+              </a:spcAft>
+              <a:buFont typeface="Lucida Grande" charset="0"/>
+              <a:buChar char="–"/>
+              <a:tabLst>
+                <a:tab pos="0" algn="l"/>
+                <a:tab pos="457200" algn="l"/>
+                <a:tab pos="914400" algn="l"/>
+                <a:tab pos="1371600" algn="l"/>
+                <a:tab pos="1828800" algn="l"/>
+                <a:tab pos="2286000" algn="l"/>
+                <a:tab pos="2743200" algn="l"/>
+                <a:tab pos="3200400" algn="l"/>
+                <a:tab pos="3657600" algn="l"/>
+                <a:tab pos="4114800" algn="l"/>
+                <a:tab pos="4572000" algn="l"/>
+                <a:tab pos="5029200" algn="l"/>
+                <a:tab pos="5486400" algn="l"/>
+                <a:tab pos="5943600" algn="l"/>
+                <a:tab pos="6400800" algn="l"/>
+                <a:tab pos="6858000" algn="l"/>
+                <a:tab pos="7315200" algn="l"/>
+                <a:tab pos="7772400" algn="l"/>
+                <a:tab pos="8229600" algn="l"/>
+                <a:tab pos="8686800" algn="l"/>
+                <a:tab pos="9144000" algn="l"/>
+              </a:tabLst>
+              <a:defRPr sz="2400">
+                <a:solidFill>
+                  <a:schemeClr val="tx1"/>
+                </a:solidFill>
+                <a:latin typeface="Arial Narrow" pitchFamily="34" charset="0"/>
+                <a:ea typeface="ヒラギノ角ゴ Pro W3" charset="-128"/>
+              </a:defRPr>
+            </a:lvl6pPr>
+            <a:lvl7pPr marL="2971800" indent="-228600" defTabSz="457200" eaLnBrk="0" fontAlgn="base" hangingPunct="0">
+              <a:lnSpc>
+                <a:spcPct val="110000"/>
+              </a:lnSpc>
+              <a:spcBef>
+                <a:spcPct val="0"/>
+              </a:spcBef>
+              <a:spcAft>
+                <a:spcPct val="0"/>
+              </a:spcAft>
+              <a:buFont typeface="Lucida Grande" charset="0"/>
+              <a:buChar char="–"/>
+              <a:tabLst>
+                <a:tab pos="0" algn="l"/>
+                <a:tab pos="457200" algn="l"/>
+                <a:tab pos="914400" algn="l"/>
+                <a:tab pos="1371600" algn="l"/>
+                <a:tab pos="1828800" algn="l"/>
+                <a:tab pos="2286000" algn="l"/>
+                <a:tab pos="2743200" algn="l"/>
+                <a:tab pos="3200400" algn="l"/>
+                <a:tab pos="3657600" algn="l"/>
+                <a:tab pos="4114800" algn="l"/>
+                <a:tab pos="4572000" algn="l"/>
+                <a:tab pos="5029200" algn="l"/>
+                <a:tab pos="5486400" algn="l"/>
+                <a:tab pos="5943600" algn="l"/>
+                <a:tab pos="6400800" algn="l"/>
+                <a:tab pos="6858000" algn="l"/>
+                <a:tab pos="7315200" algn="l"/>
+                <a:tab pos="7772400" algn="l"/>
+                <a:tab pos="8229600" algn="l"/>
+                <a:tab pos="8686800" algn="l"/>
+                <a:tab pos="9144000" algn="l"/>
+              </a:tabLst>
+              <a:defRPr sz="2400">
+                <a:solidFill>
+                  <a:schemeClr val="tx1"/>
+                </a:solidFill>
+                <a:latin typeface="Arial Narrow" pitchFamily="34" charset="0"/>
+                <a:ea typeface="ヒラギノ角ゴ Pro W3" charset="-128"/>
+              </a:defRPr>
+            </a:lvl7pPr>
+            <a:lvl8pPr marL="3429000" indent="-228600" defTabSz="457200" eaLnBrk="0" fontAlgn="base" hangingPunct="0">
+              <a:lnSpc>
+                <a:spcPct val="110000"/>
+              </a:lnSpc>
+              <a:spcBef>
+                <a:spcPct val="0"/>
+              </a:spcBef>
+              <a:spcAft>
+                <a:spcPct val="0"/>
+              </a:spcAft>
+              <a:buFont typeface="Lucida Grande" charset="0"/>
+              <a:buChar char="–"/>
+              <a:tabLst>
+                <a:tab pos="0" algn="l"/>
+                <a:tab pos="457200" algn="l"/>
+                <a:tab pos="914400" algn="l"/>
+                <a:tab pos="1371600" algn="l"/>
+                <a:tab pos="1828800" algn="l"/>
+                <a:tab pos="2286000" algn="l"/>
+                <a:tab pos="2743200" algn="l"/>
+                <a:tab pos="3200400" algn="l"/>
+                <a:tab pos="3657600" algn="l"/>
+                <a:tab pos="4114800" algn="l"/>
+                <a:tab pos="4572000" algn="l"/>
+                <a:tab pos="5029200" algn="l"/>
+                <a:tab pos="5486400" algn="l"/>
+                <a:tab pos="5943600" algn="l"/>
+                <a:tab pos="6400800" algn="l"/>
+                <a:tab pos="6858000" algn="l"/>
+                <a:tab pos="7315200" algn="l"/>
+                <a:tab pos="7772400" algn="l"/>
+                <a:tab pos="8229600" algn="l"/>
+                <a:tab pos="8686800" algn="l"/>
+                <a:tab pos="9144000" algn="l"/>
+              </a:tabLst>
+              <a:defRPr sz="2400">
+                <a:solidFill>
+                  <a:schemeClr val="tx1"/>
+                </a:solidFill>
+                <a:latin typeface="Arial Narrow" pitchFamily="34" charset="0"/>
+                <a:ea typeface="ヒラギノ角ゴ Pro W3" charset="-128"/>
+              </a:defRPr>
+            </a:lvl8pPr>
+            <a:lvl9pPr marL="3886200" indent="-228600" defTabSz="457200" eaLnBrk="0" fontAlgn="base" hangingPunct="0">
+              <a:lnSpc>
+                <a:spcPct val="110000"/>
+              </a:lnSpc>
+              <a:spcBef>
+                <a:spcPct val="0"/>
+              </a:spcBef>
+              <a:spcAft>
+                <a:spcPct val="0"/>
+              </a:spcAft>
+              <a:buFont typeface="Lucida Grande" charset="0"/>
+              <a:buChar char="–"/>
+              <a:tabLst>
+                <a:tab pos="0" algn="l"/>
+                <a:tab pos="457200" algn="l"/>
+                <a:tab pos="914400" algn="l"/>
+                <a:tab pos="1371600" algn="l"/>
+                <a:tab pos="1828800" algn="l"/>
+                <a:tab pos="2286000" algn="l"/>
+                <a:tab pos="2743200" algn="l"/>
+                <a:tab pos="3200400" algn="l"/>
+                <a:tab pos="3657600" algn="l"/>
+                <a:tab pos="4114800" algn="l"/>
+                <a:tab pos="4572000" algn="l"/>
+                <a:tab pos="5029200" algn="l"/>
+                <a:tab pos="5486400" algn="l"/>
+                <a:tab pos="5943600" algn="l"/>
+                <a:tab pos="6400800" algn="l"/>
+                <a:tab pos="6858000" algn="l"/>
+                <a:tab pos="7315200" algn="l"/>
+                <a:tab pos="7772400" algn="l"/>
+                <a:tab pos="8229600" algn="l"/>
+                <a:tab pos="8686800" algn="l"/>
+                <a:tab pos="9144000" algn="l"/>
+              </a:tabLst>
+              <a:defRPr sz="2400">
+                <a:solidFill>
+                  <a:schemeClr val="tx1"/>
+                </a:solidFill>
+                <a:latin typeface="Arial Narrow" pitchFamily="34" charset="0"/>
+                <a:ea typeface="ヒラギノ角ゴ Pro W3" charset="-128"/>
+              </a:defRPr>
+            </a:lvl9pPr>
+          </a:lstStyle>
+          <a:p>
+            <a:pPr eaLnBrk="1" hangingPunct="1">
+              <a:spcBef>
+                <a:spcPts val="0"/>
+              </a:spcBef>
+              <a:buClr>
+                <a:srgbClr val="000000"/>
+              </a:buClr>
+              <a:buNone/>
+            </a:pPr>
+            <a:r>
+              <a:rPr lang="en-US" altLang="ko-KR" sz="1200" b="1" dirty="0">
+                <a:solidFill>
+                  <a:srgbClr val="003B6E"/>
+                </a:solidFill>
+                <a:latin typeface="+mn-lt"/>
+                <a:ea typeface="Gulim" pitchFamily="34" charset="-127"/>
+                <a:cs typeface="Arial Unicode MS" pitchFamily="34" charset="-128"/>
+              </a:rPr>
+              <a:t>Implemented</a:t>
+            </a:r>
+          </a:p>
+        </p:txBody>
+      </p:sp>
+      <p:sp>
+        <p:nvSpPr>
+          <p:cNvPr id="50" name="TextBox 49"/>
+          <p:cNvSpPr txBox="1"/>
+          <p:nvPr/>
+        </p:nvSpPr>
+        <p:spPr>
+          <a:xfrm>
+            <a:off x="6588224" y="-27384"/>
+            <a:ext cx="2627783" cy="400110"/>
+          </a:xfrm>
+          <a:prstGeom prst="rect">
+            <a:avLst/>
+          </a:prstGeom>
+          <a:noFill/>
+          <a:ln w="9525">
+            <a:noFill/>
+          </a:ln>
+        </p:spPr>
+        <p:txBody>
+          <a:bodyPr wrap="square" rtlCol="0" anchor="ctr">
+            <a:spAutoFit/>
+          </a:bodyPr>
+          <a:lstStyle/>
+          <a:p>
+            <a:r>
+              <a:rPr lang="en-US" sz="2000" b="1" dirty="0" err="1">
+                <a:latin typeface="Consolas" panose="020B0609020204030204" pitchFamily="49" charset="0"/>
+                <a:cs typeface="Consolas" panose="020B0609020204030204" pitchFamily="49" charset="0"/>
+              </a:rPr>
+              <a:t>gsa</a:t>
+            </a:r>
+            <a:r>
+              <a:rPr lang="en-US" sz="2000" b="1" dirty="0">
+                <a:latin typeface="Consolas" panose="020B0609020204030204" pitchFamily="49" charset="0"/>
+                <a:cs typeface="Consolas" panose="020B0609020204030204" pitchFamily="49" charset="0"/>
+              </a:rPr>
+              <a:t>-module</a:t>
+            </a:r>
+            <a:r>
+              <a:rPr lang="en-US" sz="2000" b="1" dirty="0">
+                <a:latin typeface="Consolas" panose="020B0609020204030204" pitchFamily="49" charset="0"/>
+              </a:rPr>
+              <a:t> </a:t>
+            </a:r>
+            <a:r>
+              <a:rPr lang="en-US" sz="2000" b="1" dirty="0" smtClean="0">
+                <a:latin typeface="Consolas" panose="020B0609020204030204" pitchFamily="49" charset="0"/>
+              </a:rPr>
+              <a:t>v0.6.0</a:t>
+            </a:r>
+            <a:endParaRPr lang="en-US" sz="2000" b="1" dirty="0">
+              <a:latin typeface="Consolas" panose="020B0609020204030204" pitchFamily="49" charset="0"/>
+            </a:endParaRPr>
+          </a:p>
+        </p:txBody>
+      </p:sp>
+      <p:grpSp>
+        <p:nvGrpSpPr>
+          <p:cNvPr id="51" name="Group 50"/>
+          <p:cNvGrpSpPr/>
+          <p:nvPr/>
+        </p:nvGrpSpPr>
+        <p:grpSpPr>
+          <a:xfrm>
+            <a:off x="3059833" y="2708920"/>
+            <a:ext cx="1482811" cy="943173"/>
+            <a:chOff x="4690610" y="2744313"/>
+            <a:chExt cx="2736305" cy="1329294"/>
+          </a:xfrm>
+        </p:grpSpPr>
+        <p:sp>
+          <p:nvSpPr>
+            <p:cNvPr id="53" name="Text Box 11"/>
+            <p:cNvSpPr txBox="1">
+              <a:spLocks noChangeArrowheads="1"/>
+            </p:cNvSpPr>
+            <p:nvPr/>
+          </p:nvSpPr>
+          <p:spPr bwMode="auto">
+            <a:xfrm>
+              <a:off x="4690610" y="2744313"/>
+              <a:ext cx="2736305" cy="1329294"/>
+            </a:xfrm>
+            <a:prstGeom prst="rect">
+              <a:avLst/>
+            </a:prstGeom>
+            <a:solidFill>
+              <a:srgbClr val="FFFFFF"/>
+            </a:solidFill>
+            <a:ln w="6350">
+              <a:solidFill>
+                <a:schemeClr val="tx1"/>
+              </a:solidFill>
+              <a:prstDash val="dashDot"/>
+              <a:miter lim="800000"/>
+              <a:headEnd/>
+              <a:tailEnd/>
+            </a:ln>
+          </p:spPr>
+          <p:txBody>
+            <a:bodyPr lIns="90000" tIns="46800" rIns="90000" bIns="46800"/>
+            <a:lstStyle>
+              <a:lvl1pPr defTabSz="457200">
+                <a:buChar char="•"/>
+                <a:tabLst>
+                  <a:tab pos="0" algn="l"/>
+                  <a:tab pos="457200" algn="l"/>
+                  <a:tab pos="914400" algn="l"/>
+                  <a:tab pos="1371600" algn="l"/>
+                  <a:tab pos="1828800" algn="l"/>
+                  <a:tab pos="2286000" algn="l"/>
+                  <a:tab pos="2743200" algn="l"/>
+                  <a:tab pos="3200400" algn="l"/>
+                  <a:tab pos="3657600" algn="l"/>
+                  <a:tab pos="4114800" algn="l"/>
+                  <a:tab pos="4572000" algn="l"/>
+                  <a:tab pos="5029200" algn="l"/>
+                  <a:tab pos="5486400" algn="l"/>
+                  <a:tab pos="5943600" algn="l"/>
+                  <a:tab pos="6400800" algn="l"/>
+                  <a:tab pos="6858000" algn="l"/>
+                  <a:tab pos="7315200" algn="l"/>
+                  <a:tab pos="7772400" algn="l"/>
+                  <a:tab pos="8229600" algn="l"/>
+                  <a:tab pos="8686800" algn="l"/>
+                  <a:tab pos="9144000" algn="l"/>
+                </a:tabLst>
+                <a:defRPr sz="2400">
+                  <a:solidFill>
+                    <a:schemeClr val="tx1"/>
+                  </a:solidFill>
+                  <a:latin typeface="Arial Narrow" pitchFamily="34" charset="0"/>
+                  <a:ea typeface="ヒラギノ角ゴ Pro W3" charset="-128"/>
+                </a:defRPr>
+              </a:lvl1pPr>
+              <a:lvl2pPr marL="742950" indent="-285750" defTabSz="457200">
+                <a:buClr>
+                  <a:schemeClr val="tx1"/>
+                </a:buClr>
+                <a:buSzPct val="120000"/>
+                <a:buChar char="•"/>
+                <a:tabLst>
+                  <a:tab pos="0" algn="l"/>
+                  <a:tab pos="457200" algn="l"/>
+                  <a:tab pos="914400" algn="l"/>
+                  <a:tab pos="1371600" algn="l"/>
+                  <a:tab pos="1828800" algn="l"/>
+                  <a:tab pos="2286000" algn="l"/>
+                  <a:tab pos="2743200" algn="l"/>
+                  <a:tab pos="3200400" algn="l"/>
+                  <a:tab pos="3657600" algn="l"/>
+                  <a:tab pos="4114800" algn="l"/>
+                  <a:tab pos="4572000" algn="l"/>
+                  <a:tab pos="5029200" algn="l"/>
+                  <a:tab pos="5486400" algn="l"/>
+                  <a:tab pos="5943600" algn="l"/>
+                  <a:tab pos="6400800" algn="l"/>
+                  <a:tab pos="6858000" algn="l"/>
+                  <a:tab pos="7315200" algn="l"/>
+                  <a:tab pos="7772400" algn="l"/>
+                  <a:tab pos="8229600" algn="l"/>
+                  <a:tab pos="8686800" algn="l"/>
+                  <a:tab pos="9144000" algn="l"/>
+                </a:tabLst>
+                <a:defRPr sz="2400">
+                  <a:solidFill>
+                    <a:schemeClr val="tx1"/>
+                  </a:solidFill>
+                  <a:latin typeface="Arial Narrow" pitchFamily="34" charset="0"/>
+                  <a:ea typeface="ヒラギノ角ゴ Pro W3" charset="-128"/>
+                </a:defRPr>
+              </a:lvl2pPr>
+              <a:lvl3pPr marL="1143000" indent="-228600" defTabSz="457200">
+                <a:buFont typeface="Times" pitchFamily="18" charset="0"/>
+                <a:buChar char="–"/>
+                <a:tabLst>
+                  <a:tab pos="0" algn="l"/>
+                  <a:tab pos="457200" algn="l"/>
+                  <a:tab pos="914400" algn="l"/>
+                  <a:tab pos="1371600" algn="l"/>
+                  <a:tab pos="1828800" algn="l"/>
+                  <a:tab pos="2286000" algn="l"/>
+                  <a:tab pos="2743200" algn="l"/>
+                  <a:tab pos="3200400" algn="l"/>
+                  <a:tab pos="3657600" algn="l"/>
+                  <a:tab pos="4114800" algn="l"/>
+                  <a:tab pos="4572000" algn="l"/>
+                  <a:tab pos="5029200" algn="l"/>
+                  <a:tab pos="5486400" algn="l"/>
+                  <a:tab pos="5943600" algn="l"/>
+                  <a:tab pos="6400800" algn="l"/>
+                  <a:tab pos="6858000" algn="l"/>
+                  <a:tab pos="7315200" algn="l"/>
+                  <a:tab pos="7772400" algn="l"/>
+                  <a:tab pos="8229600" algn="l"/>
+                  <a:tab pos="8686800" algn="l"/>
+                  <a:tab pos="9144000" algn="l"/>
+                </a:tabLst>
+                <a:defRPr sz="1700">
+                  <a:solidFill>
+                    <a:schemeClr val="tx1"/>
+                  </a:solidFill>
+                  <a:latin typeface="Arial Narrow" pitchFamily="34" charset="0"/>
+                  <a:ea typeface="MS PGothic" pitchFamily="34" charset="-128"/>
+                </a:defRPr>
+              </a:lvl3pPr>
+              <a:lvl4pPr marL="1600200" indent="-228600" defTabSz="457200">
+                <a:buFont typeface="Lucida Grande" charset="0"/>
+                <a:buChar char="–"/>
+                <a:tabLst>
+                  <a:tab pos="0" algn="l"/>
+                  <a:tab pos="457200" algn="l"/>
+                  <a:tab pos="914400" algn="l"/>
+                  <a:tab pos="1371600" algn="l"/>
+                  <a:tab pos="1828800" algn="l"/>
+                  <a:tab pos="2286000" algn="l"/>
+                  <a:tab pos="2743200" algn="l"/>
+                  <a:tab pos="3200400" algn="l"/>
+                  <a:tab pos="3657600" algn="l"/>
+                  <a:tab pos="4114800" algn="l"/>
+                  <a:tab pos="4572000" algn="l"/>
+                  <a:tab pos="5029200" algn="l"/>
+                  <a:tab pos="5486400" algn="l"/>
+                  <a:tab pos="5943600" algn="l"/>
+                  <a:tab pos="6400800" algn="l"/>
+                  <a:tab pos="6858000" algn="l"/>
+                  <a:tab pos="7315200" algn="l"/>
+                  <a:tab pos="7772400" algn="l"/>
+                  <a:tab pos="8229600" algn="l"/>
+                  <a:tab pos="8686800" algn="l"/>
+                  <a:tab pos="9144000" algn="l"/>
+                </a:tabLst>
+                <a:defRPr sz="2400">
+                  <a:solidFill>
+                    <a:schemeClr val="tx1"/>
+                  </a:solidFill>
+                  <a:latin typeface="Arial Narrow" pitchFamily="34" charset="0"/>
+                  <a:ea typeface="MS PGothic" pitchFamily="34" charset="-128"/>
+                </a:defRPr>
+              </a:lvl4pPr>
+              <a:lvl5pPr marL="2057400" indent="-228600" defTabSz="457200">
+                <a:buFont typeface="Lucida Grande" charset="0"/>
+                <a:buChar char="–"/>
+                <a:tabLst>
+                  <a:tab pos="0" algn="l"/>
+                  <a:tab pos="457200" algn="l"/>
+                  <a:tab pos="914400" algn="l"/>
+                  <a:tab pos="1371600" algn="l"/>
+                  <a:tab pos="1828800" algn="l"/>
+                  <a:tab pos="2286000" algn="l"/>
+                  <a:tab pos="2743200" algn="l"/>
+                  <a:tab pos="3200400" algn="l"/>
+                  <a:tab pos="3657600" algn="l"/>
+                  <a:tab pos="4114800" algn="l"/>
+                  <a:tab pos="4572000" algn="l"/>
+                  <a:tab pos="5029200" algn="l"/>
+                  <a:tab pos="5486400" algn="l"/>
+                  <a:tab pos="5943600" algn="l"/>
+                  <a:tab pos="6400800" algn="l"/>
+                  <a:tab pos="6858000" algn="l"/>
+                  <a:tab pos="7315200" algn="l"/>
+                  <a:tab pos="7772400" algn="l"/>
+                  <a:tab pos="8229600" algn="l"/>
+                  <a:tab pos="8686800" algn="l"/>
+                  <a:tab pos="9144000" algn="l"/>
+                </a:tabLst>
+                <a:defRPr sz="2400">
+                  <a:solidFill>
+                    <a:schemeClr val="tx1"/>
+                  </a:solidFill>
+                  <a:latin typeface="Arial Narrow" pitchFamily="34" charset="0"/>
+                  <a:ea typeface="ヒラギノ角ゴ Pro W3" charset="-128"/>
+                </a:defRPr>
+              </a:lvl5pPr>
+              <a:lvl6pPr marL="2514600" indent="-228600" defTabSz="457200" eaLnBrk="0" fontAlgn="base" hangingPunct="0">
+                <a:lnSpc>
+                  <a:spcPct val="110000"/>
+                </a:lnSpc>
+                <a:spcBef>
+                  <a:spcPct val="0"/>
+                </a:spcBef>
+                <a:spcAft>
+                  <a:spcPct val="0"/>
+                </a:spcAft>
+                <a:buFont typeface="Lucida Grande" charset="0"/>
+                <a:buChar char="–"/>
+                <a:tabLst>
+                  <a:tab pos="0" algn="l"/>
+                  <a:tab pos="457200" algn="l"/>
+                  <a:tab pos="914400" algn="l"/>
+                  <a:tab pos="1371600" algn="l"/>
+                  <a:tab pos="1828800" algn="l"/>
+                  <a:tab pos="2286000" algn="l"/>
+                  <a:tab pos="2743200" algn="l"/>
+                  <a:tab pos="3200400" algn="l"/>
+                  <a:tab pos="3657600" algn="l"/>
+                  <a:tab pos="4114800" algn="l"/>
+                  <a:tab pos="4572000" algn="l"/>
+                  <a:tab pos="5029200" algn="l"/>
+                  <a:tab pos="5486400" algn="l"/>
+                  <a:tab pos="5943600" algn="l"/>
+                  <a:tab pos="6400800" algn="l"/>
+                  <a:tab pos="6858000" algn="l"/>
+                  <a:tab pos="7315200" algn="l"/>
+                  <a:tab pos="7772400" algn="l"/>
+                  <a:tab pos="8229600" algn="l"/>
+                  <a:tab pos="8686800" algn="l"/>
+                  <a:tab pos="9144000" algn="l"/>
+                </a:tabLst>
+                <a:defRPr sz="2400">
+                  <a:solidFill>
+                    <a:schemeClr val="tx1"/>
+                  </a:solidFill>
+                  <a:latin typeface="Arial Narrow" pitchFamily="34" charset="0"/>
+                  <a:ea typeface="ヒラギノ角ゴ Pro W3" charset="-128"/>
+                </a:defRPr>
+              </a:lvl6pPr>
+              <a:lvl7pPr marL="2971800" indent="-228600" defTabSz="457200" eaLnBrk="0" fontAlgn="base" hangingPunct="0">
+                <a:lnSpc>
+                  <a:spcPct val="110000"/>
+                </a:lnSpc>
+                <a:spcBef>
+                  <a:spcPct val="0"/>
+                </a:spcBef>
+                <a:spcAft>
+                  <a:spcPct val="0"/>
+                </a:spcAft>
+                <a:buFont typeface="Lucida Grande" charset="0"/>
+                <a:buChar char="–"/>
+                <a:tabLst>
+                  <a:tab pos="0" algn="l"/>
+                  <a:tab pos="457200" algn="l"/>
+                  <a:tab pos="914400" algn="l"/>
+                  <a:tab pos="1371600" algn="l"/>
+                  <a:tab pos="1828800" algn="l"/>
+                  <a:tab pos="2286000" algn="l"/>
+                  <a:tab pos="2743200" algn="l"/>
+                  <a:tab pos="3200400" algn="l"/>
+                  <a:tab pos="3657600" algn="l"/>
+                  <a:tab pos="4114800" algn="l"/>
+                  <a:tab pos="4572000" algn="l"/>
+                  <a:tab pos="5029200" algn="l"/>
+                  <a:tab pos="5486400" algn="l"/>
+                  <a:tab pos="5943600" algn="l"/>
+                  <a:tab pos="6400800" algn="l"/>
+                  <a:tab pos="6858000" algn="l"/>
+                  <a:tab pos="7315200" algn="l"/>
+                  <a:tab pos="7772400" algn="l"/>
+                  <a:tab pos="8229600" algn="l"/>
+                  <a:tab pos="8686800" algn="l"/>
+                  <a:tab pos="9144000" algn="l"/>
+                </a:tabLst>
+                <a:defRPr sz="2400">
+                  <a:solidFill>
+                    <a:schemeClr val="tx1"/>
+                  </a:solidFill>
+                  <a:latin typeface="Arial Narrow" pitchFamily="34" charset="0"/>
+                  <a:ea typeface="ヒラギノ角ゴ Pro W3" charset="-128"/>
+                </a:defRPr>
+              </a:lvl7pPr>
+              <a:lvl8pPr marL="3429000" indent="-228600" defTabSz="457200" eaLnBrk="0" fontAlgn="base" hangingPunct="0">
+                <a:lnSpc>
+                  <a:spcPct val="110000"/>
+                </a:lnSpc>
+                <a:spcBef>
+                  <a:spcPct val="0"/>
+                </a:spcBef>
+                <a:spcAft>
+                  <a:spcPct val="0"/>
+                </a:spcAft>
+                <a:buFont typeface="Lucida Grande" charset="0"/>
+                <a:buChar char="–"/>
+                <a:tabLst>
+                  <a:tab pos="0" algn="l"/>
+                  <a:tab pos="457200" algn="l"/>
+                  <a:tab pos="914400" algn="l"/>
+                  <a:tab pos="1371600" algn="l"/>
+                  <a:tab pos="1828800" algn="l"/>
+                  <a:tab pos="2286000" algn="l"/>
+                  <a:tab pos="2743200" algn="l"/>
+                  <a:tab pos="3200400" algn="l"/>
+                  <a:tab pos="3657600" algn="l"/>
+                  <a:tab pos="4114800" algn="l"/>
+                  <a:tab pos="4572000" algn="l"/>
+                  <a:tab pos="5029200" algn="l"/>
+                  <a:tab pos="5486400" algn="l"/>
+                  <a:tab pos="5943600" algn="l"/>
+                  <a:tab pos="6400800" algn="l"/>
+                  <a:tab pos="6858000" algn="l"/>
+                  <a:tab pos="7315200" algn="l"/>
+                  <a:tab pos="7772400" algn="l"/>
+                  <a:tab pos="8229600" algn="l"/>
+                  <a:tab pos="8686800" algn="l"/>
+                  <a:tab pos="9144000" algn="l"/>
+                </a:tabLst>
+                <a:defRPr sz="2400">
+                  <a:solidFill>
+                    <a:schemeClr val="tx1"/>
+                  </a:solidFill>
+                  <a:latin typeface="Arial Narrow" pitchFamily="34" charset="0"/>
+                  <a:ea typeface="ヒラギノ角ゴ Pro W3" charset="-128"/>
+                </a:defRPr>
+              </a:lvl8pPr>
+              <a:lvl9pPr marL="3886200" indent="-228600" defTabSz="457200" eaLnBrk="0" fontAlgn="base" hangingPunct="0">
+                <a:lnSpc>
+                  <a:spcPct val="110000"/>
+                </a:lnSpc>
+                <a:spcBef>
+                  <a:spcPct val="0"/>
+                </a:spcBef>
+                <a:spcAft>
+                  <a:spcPct val="0"/>
+                </a:spcAft>
+                <a:buFont typeface="Lucida Grande" charset="0"/>
+                <a:buChar char="–"/>
+                <a:tabLst>
+                  <a:tab pos="0" algn="l"/>
+                  <a:tab pos="457200" algn="l"/>
+                  <a:tab pos="914400" algn="l"/>
+                  <a:tab pos="1371600" algn="l"/>
+                  <a:tab pos="1828800" algn="l"/>
+                  <a:tab pos="2286000" algn="l"/>
+                  <a:tab pos="2743200" algn="l"/>
+                  <a:tab pos="3200400" algn="l"/>
+                  <a:tab pos="3657600" algn="l"/>
+                  <a:tab pos="4114800" algn="l"/>
+                  <a:tab pos="4572000" algn="l"/>
+                  <a:tab pos="5029200" algn="l"/>
+                  <a:tab pos="5486400" algn="l"/>
+                  <a:tab pos="5943600" algn="l"/>
+                  <a:tab pos="6400800" algn="l"/>
+                  <a:tab pos="6858000" algn="l"/>
+                  <a:tab pos="7315200" algn="l"/>
+                  <a:tab pos="7772400" algn="l"/>
+                  <a:tab pos="8229600" algn="l"/>
+                  <a:tab pos="8686800" algn="l"/>
+                  <a:tab pos="9144000" algn="l"/>
+                </a:tabLst>
+                <a:defRPr sz="2400">
+                  <a:solidFill>
+                    <a:schemeClr val="tx1"/>
+                  </a:solidFill>
+                  <a:latin typeface="Arial Narrow" pitchFamily="34" charset="0"/>
+                  <a:ea typeface="ヒラギノ角ゴ Pro W3" charset="-128"/>
+                </a:defRPr>
+              </a:lvl9pPr>
+            </a:lstStyle>
+            <a:p>
+              <a:pPr eaLnBrk="1" hangingPunct="1">
+                <a:lnSpc>
+                  <a:spcPct val="100000"/>
+                </a:lnSpc>
+                <a:buClr>
+                  <a:srgbClr val="000000"/>
+                </a:buClr>
+                <a:buFont typeface="Times New Roman" pitchFamily="18" charset="0"/>
+                <a:buNone/>
+              </a:pPr>
+              <a:r>
+                <a:rPr lang="en-US" altLang="ko-KR" sz="1400" dirty="0" err="1">
+                  <a:solidFill>
+                    <a:srgbClr val="C50006"/>
+                  </a:solidFill>
+                  <a:latin typeface="Courier New" panose="02070309020205020404" pitchFamily="49" charset="0"/>
+                  <a:ea typeface="Gulim" pitchFamily="34" charset="-127"/>
+                  <a:cs typeface="Courier New" panose="02070309020205020404" pitchFamily="49" charset="0"/>
+                </a:rPr>
+                <a:t>qoi</a:t>
+              </a:r>
+              <a:r>
+                <a:rPr lang="en-US" altLang="ko-KR" sz="1400" dirty="0">
+                  <a:solidFill>
+                    <a:srgbClr val="C50006"/>
+                  </a:solidFill>
+                  <a:latin typeface="+mn-lt"/>
+                  <a:ea typeface="Gulim" pitchFamily="34" charset="-127"/>
+                  <a:cs typeface="Arial Unicode MS" pitchFamily="34" charset="-128"/>
+                </a:rPr>
+                <a:t> Module</a:t>
+              </a:r>
+            </a:p>
+          </p:txBody>
+        </p:sp>
+        <p:sp>
+          <p:nvSpPr>
+            <p:cNvPr id="55" name="Text Box 12"/>
+            <p:cNvSpPr txBox="1">
+              <a:spLocks noChangeArrowheads="1"/>
+            </p:cNvSpPr>
+            <p:nvPr/>
+          </p:nvSpPr>
+          <p:spPr bwMode="auto">
+            <a:xfrm>
+              <a:off x="4762617" y="3197432"/>
+              <a:ext cx="2604608" cy="835551"/>
+            </a:xfrm>
+            <a:prstGeom prst="rect">
+              <a:avLst/>
+            </a:prstGeom>
+            <a:solidFill>
+              <a:schemeClr val="bg1">
+                <a:lumMod val="85000"/>
+              </a:schemeClr>
+            </a:solidFill>
+            <a:ln w="9360">
+              <a:solidFill>
+                <a:schemeClr val="tx1"/>
+              </a:solidFill>
+              <a:prstDash val="dashDot"/>
+              <a:miter lim="800000"/>
+              <a:headEnd/>
+              <a:tailEnd/>
+            </a:ln>
+          </p:spPr>
+          <p:txBody>
+            <a:bodyPr wrap="square" lIns="90000" tIns="46800" rIns="90000" bIns="46800" anchor="ctr">
+              <a:noAutofit/>
+            </a:bodyPr>
+            <a:lstStyle>
+              <a:lvl1pPr defTabSz="457200">
+                <a:buChar char="•"/>
+                <a:tabLst>
+                  <a:tab pos="0" algn="l"/>
+                  <a:tab pos="457200" algn="l"/>
+                  <a:tab pos="914400" algn="l"/>
+                  <a:tab pos="1371600" algn="l"/>
+                  <a:tab pos="1828800" algn="l"/>
+                  <a:tab pos="2286000" algn="l"/>
+                  <a:tab pos="2743200" algn="l"/>
+                  <a:tab pos="3200400" algn="l"/>
+                  <a:tab pos="3657600" algn="l"/>
+                  <a:tab pos="4114800" algn="l"/>
+                  <a:tab pos="4572000" algn="l"/>
+                  <a:tab pos="5029200" algn="l"/>
+                  <a:tab pos="5486400" algn="l"/>
+                  <a:tab pos="5943600" algn="l"/>
+                  <a:tab pos="6400800" algn="l"/>
+                  <a:tab pos="6858000" algn="l"/>
+                  <a:tab pos="7315200" algn="l"/>
+                  <a:tab pos="7772400" algn="l"/>
+                  <a:tab pos="8229600" algn="l"/>
+                  <a:tab pos="8686800" algn="l"/>
+                  <a:tab pos="9144000" algn="l"/>
+                </a:tabLst>
+                <a:defRPr sz="2400">
+                  <a:solidFill>
+                    <a:schemeClr val="tx1"/>
+                  </a:solidFill>
+                  <a:latin typeface="Arial Narrow" pitchFamily="34" charset="0"/>
+                  <a:ea typeface="ヒラギノ角ゴ Pro W3" charset="-128"/>
+                </a:defRPr>
+              </a:lvl1pPr>
+              <a:lvl2pPr marL="742950" indent="-285750" defTabSz="457200">
+                <a:buClr>
+                  <a:schemeClr val="tx1"/>
+                </a:buClr>
+                <a:buSzPct val="120000"/>
+                <a:buChar char="•"/>
+                <a:tabLst>
+                  <a:tab pos="0" algn="l"/>
+                  <a:tab pos="457200" algn="l"/>
+                  <a:tab pos="914400" algn="l"/>
+                  <a:tab pos="1371600" algn="l"/>
+                  <a:tab pos="1828800" algn="l"/>
+                  <a:tab pos="2286000" algn="l"/>
+                  <a:tab pos="2743200" algn="l"/>
+                  <a:tab pos="3200400" algn="l"/>
+                  <a:tab pos="3657600" algn="l"/>
+                  <a:tab pos="4114800" algn="l"/>
+                  <a:tab pos="4572000" algn="l"/>
+                  <a:tab pos="5029200" algn="l"/>
+                  <a:tab pos="5486400" algn="l"/>
+                  <a:tab pos="5943600" algn="l"/>
+                  <a:tab pos="6400800" algn="l"/>
+                  <a:tab pos="6858000" algn="l"/>
+                  <a:tab pos="7315200" algn="l"/>
+                  <a:tab pos="7772400" algn="l"/>
+                  <a:tab pos="8229600" algn="l"/>
+                  <a:tab pos="8686800" algn="l"/>
+                  <a:tab pos="9144000" algn="l"/>
+                </a:tabLst>
+                <a:defRPr sz="2400">
+                  <a:solidFill>
+                    <a:schemeClr val="tx1"/>
+                  </a:solidFill>
+                  <a:latin typeface="Arial Narrow" pitchFamily="34" charset="0"/>
+                  <a:ea typeface="ヒラギノ角ゴ Pro W3" charset="-128"/>
+                </a:defRPr>
+              </a:lvl2pPr>
+              <a:lvl3pPr marL="1143000" indent="-228600" defTabSz="457200">
+                <a:buFont typeface="Times" pitchFamily="18" charset="0"/>
+                <a:buChar char="–"/>
+                <a:tabLst>
+                  <a:tab pos="0" algn="l"/>
+                  <a:tab pos="457200" algn="l"/>
+                  <a:tab pos="914400" algn="l"/>
+                  <a:tab pos="1371600" algn="l"/>
+                  <a:tab pos="1828800" algn="l"/>
+                  <a:tab pos="2286000" algn="l"/>
+                  <a:tab pos="2743200" algn="l"/>
+                  <a:tab pos="3200400" algn="l"/>
+                  <a:tab pos="3657600" algn="l"/>
+                  <a:tab pos="4114800" algn="l"/>
+                  <a:tab pos="4572000" algn="l"/>
+                  <a:tab pos="5029200" algn="l"/>
+                  <a:tab pos="5486400" algn="l"/>
+                  <a:tab pos="5943600" algn="l"/>
+                  <a:tab pos="6400800" algn="l"/>
+                  <a:tab pos="6858000" algn="l"/>
+                  <a:tab pos="7315200" algn="l"/>
+                  <a:tab pos="7772400" algn="l"/>
+                  <a:tab pos="8229600" algn="l"/>
+                  <a:tab pos="8686800" algn="l"/>
+                  <a:tab pos="9144000" algn="l"/>
+                </a:tabLst>
+                <a:defRPr sz="1700">
+                  <a:solidFill>
+                    <a:schemeClr val="tx1"/>
+                  </a:solidFill>
+                  <a:latin typeface="Arial Narrow" pitchFamily="34" charset="0"/>
+                  <a:ea typeface="MS PGothic" pitchFamily="34" charset="-128"/>
+                </a:defRPr>
+              </a:lvl3pPr>
+              <a:lvl4pPr marL="1600200" indent="-228600" defTabSz="457200">
+                <a:buFont typeface="Lucida Grande" charset="0"/>
+                <a:buChar char="–"/>
+                <a:tabLst>
+                  <a:tab pos="0" algn="l"/>
+                  <a:tab pos="457200" algn="l"/>
+                  <a:tab pos="914400" algn="l"/>
+                  <a:tab pos="1371600" algn="l"/>
+                  <a:tab pos="1828800" algn="l"/>
+                  <a:tab pos="2286000" algn="l"/>
+                  <a:tab pos="2743200" algn="l"/>
+                  <a:tab pos="3200400" algn="l"/>
+                  <a:tab pos="3657600" algn="l"/>
+                  <a:tab pos="4114800" algn="l"/>
+                  <a:tab pos="4572000" algn="l"/>
+                  <a:tab pos="5029200" algn="l"/>
+                  <a:tab pos="5486400" algn="l"/>
+                  <a:tab pos="5943600" algn="l"/>
+                  <a:tab pos="6400800" algn="l"/>
+                  <a:tab pos="6858000" algn="l"/>
+                  <a:tab pos="7315200" algn="l"/>
+                  <a:tab pos="7772400" algn="l"/>
+                  <a:tab pos="8229600" algn="l"/>
+                  <a:tab pos="8686800" algn="l"/>
+                  <a:tab pos="9144000" algn="l"/>
+                </a:tabLst>
+                <a:defRPr sz="2400">
+                  <a:solidFill>
+                    <a:schemeClr val="tx1"/>
+                  </a:solidFill>
+                  <a:latin typeface="Arial Narrow" pitchFamily="34" charset="0"/>
+                  <a:ea typeface="MS PGothic" pitchFamily="34" charset="-128"/>
+                </a:defRPr>
+              </a:lvl4pPr>
+              <a:lvl5pPr marL="2057400" indent="-228600" defTabSz="457200">
+                <a:buFont typeface="Lucida Grande" charset="0"/>
+                <a:buChar char="–"/>
+                <a:tabLst>
+                  <a:tab pos="0" algn="l"/>
+                  <a:tab pos="457200" algn="l"/>
+                  <a:tab pos="914400" algn="l"/>
+                  <a:tab pos="1371600" algn="l"/>
+                  <a:tab pos="1828800" algn="l"/>
+                  <a:tab pos="2286000" algn="l"/>
+                  <a:tab pos="2743200" algn="l"/>
+                  <a:tab pos="3200400" algn="l"/>
+                  <a:tab pos="3657600" algn="l"/>
+                  <a:tab pos="4114800" algn="l"/>
+                  <a:tab pos="4572000" algn="l"/>
+                  <a:tab pos="5029200" algn="l"/>
+                  <a:tab pos="5486400" algn="l"/>
+                  <a:tab pos="5943600" algn="l"/>
+                  <a:tab pos="6400800" algn="l"/>
+                  <a:tab pos="6858000" algn="l"/>
+                  <a:tab pos="7315200" algn="l"/>
+                  <a:tab pos="7772400" algn="l"/>
+                  <a:tab pos="8229600" algn="l"/>
+                  <a:tab pos="8686800" algn="l"/>
+                  <a:tab pos="9144000" algn="l"/>
+                </a:tabLst>
+                <a:defRPr sz="2400">
+                  <a:solidFill>
+                    <a:schemeClr val="tx1"/>
+                  </a:solidFill>
+                  <a:latin typeface="Arial Narrow" pitchFamily="34" charset="0"/>
+                  <a:ea typeface="ヒラギノ角ゴ Pro W3" charset="-128"/>
+                </a:defRPr>
+              </a:lvl5pPr>
+              <a:lvl6pPr marL="2514600" indent="-228600" defTabSz="457200" eaLnBrk="0" fontAlgn="base" hangingPunct="0">
+                <a:lnSpc>
+                  <a:spcPct val="110000"/>
+                </a:lnSpc>
+                <a:spcBef>
+                  <a:spcPct val="0"/>
+                </a:spcBef>
+                <a:spcAft>
+                  <a:spcPct val="0"/>
+                </a:spcAft>
+                <a:buFont typeface="Lucida Grande" charset="0"/>
+                <a:buChar char="–"/>
+                <a:tabLst>
+                  <a:tab pos="0" algn="l"/>
+                  <a:tab pos="457200" algn="l"/>
+                  <a:tab pos="914400" algn="l"/>
+                  <a:tab pos="1371600" algn="l"/>
+                  <a:tab pos="1828800" algn="l"/>
+                  <a:tab pos="2286000" algn="l"/>
+                  <a:tab pos="2743200" algn="l"/>
+                  <a:tab pos="3200400" algn="l"/>
+                  <a:tab pos="3657600" algn="l"/>
+                  <a:tab pos="4114800" algn="l"/>
+                  <a:tab pos="4572000" algn="l"/>
+                  <a:tab pos="5029200" algn="l"/>
+                  <a:tab pos="5486400" algn="l"/>
+                  <a:tab pos="5943600" algn="l"/>
+                  <a:tab pos="6400800" algn="l"/>
+                  <a:tab pos="6858000" algn="l"/>
+                  <a:tab pos="7315200" algn="l"/>
+                  <a:tab pos="7772400" algn="l"/>
+                  <a:tab pos="8229600" algn="l"/>
+                  <a:tab pos="8686800" algn="l"/>
+                  <a:tab pos="9144000" algn="l"/>
+                </a:tabLst>
+                <a:defRPr sz="2400">
+                  <a:solidFill>
+                    <a:schemeClr val="tx1"/>
+                  </a:solidFill>
+                  <a:latin typeface="Arial Narrow" pitchFamily="34" charset="0"/>
+                  <a:ea typeface="ヒラギノ角ゴ Pro W3" charset="-128"/>
+                </a:defRPr>
+              </a:lvl6pPr>
+              <a:lvl7pPr marL="2971800" indent="-228600" defTabSz="457200" eaLnBrk="0" fontAlgn="base" hangingPunct="0">
+                <a:lnSpc>
+                  <a:spcPct val="110000"/>
+                </a:lnSpc>
+                <a:spcBef>
+                  <a:spcPct val="0"/>
+                </a:spcBef>
+                <a:spcAft>
+                  <a:spcPct val="0"/>
+                </a:spcAft>
+                <a:buFont typeface="Lucida Grande" charset="0"/>
+                <a:buChar char="–"/>
+                <a:tabLst>
+                  <a:tab pos="0" algn="l"/>
+                  <a:tab pos="457200" algn="l"/>
+                  <a:tab pos="914400" algn="l"/>
+                  <a:tab pos="1371600" algn="l"/>
+                  <a:tab pos="1828800" algn="l"/>
+                  <a:tab pos="2286000" algn="l"/>
+                  <a:tab pos="2743200" algn="l"/>
+                  <a:tab pos="3200400" algn="l"/>
+                  <a:tab pos="3657600" algn="l"/>
+                  <a:tab pos="4114800" algn="l"/>
+                  <a:tab pos="4572000" algn="l"/>
+                  <a:tab pos="5029200" algn="l"/>
+                  <a:tab pos="5486400" algn="l"/>
+                  <a:tab pos="5943600" algn="l"/>
+                  <a:tab pos="6400800" algn="l"/>
+                  <a:tab pos="6858000" algn="l"/>
+                  <a:tab pos="7315200" algn="l"/>
+                  <a:tab pos="7772400" algn="l"/>
+                  <a:tab pos="8229600" algn="l"/>
+                  <a:tab pos="8686800" algn="l"/>
+                  <a:tab pos="9144000" algn="l"/>
+                </a:tabLst>
+                <a:defRPr sz="2400">
+                  <a:solidFill>
+                    <a:schemeClr val="tx1"/>
+                  </a:solidFill>
+                  <a:latin typeface="Arial Narrow" pitchFamily="34" charset="0"/>
+                  <a:ea typeface="ヒラギノ角ゴ Pro W3" charset="-128"/>
+                </a:defRPr>
+              </a:lvl7pPr>
+              <a:lvl8pPr marL="3429000" indent="-228600" defTabSz="457200" eaLnBrk="0" fontAlgn="base" hangingPunct="0">
+                <a:lnSpc>
+                  <a:spcPct val="110000"/>
+                </a:lnSpc>
+                <a:spcBef>
+                  <a:spcPct val="0"/>
+                </a:spcBef>
+                <a:spcAft>
+                  <a:spcPct val="0"/>
+                </a:spcAft>
+                <a:buFont typeface="Lucida Grande" charset="0"/>
+                <a:buChar char="–"/>
+                <a:tabLst>
+                  <a:tab pos="0" algn="l"/>
+                  <a:tab pos="457200" algn="l"/>
+                  <a:tab pos="914400" algn="l"/>
+                  <a:tab pos="1371600" algn="l"/>
+                  <a:tab pos="1828800" algn="l"/>
+                  <a:tab pos="2286000" algn="l"/>
+                  <a:tab pos="2743200" algn="l"/>
+                  <a:tab pos="3200400" algn="l"/>
+                  <a:tab pos="3657600" algn="l"/>
+                  <a:tab pos="4114800" algn="l"/>
+                  <a:tab pos="4572000" algn="l"/>
+                  <a:tab pos="5029200" algn="l"/>
+                  <a:tab pos="5486400" algn="l"/>
+                  <a:tab pos="5943600" algn="l"/>
+                  <a:tab pos="6400800" algn="l"/>
+                  <a:tab pos="6858000" algn="l"/>
+                  <a:tab pos="7315200" algn="l"/>
+                  <a:tab pos="7772400" algn="l"/>
+                  <a:tab pos="8229600" algn="l"/>
+                  <a:tab pos="8686800" algn="l"/>
+                  <a:tab pos="9144000" algn="l"/>
+                </a:tabLst>
+                <a:defRPr sz="2400">
+                  <a:solidFill>
+                    <a:schemeClr val="tx1"/>
+                  </a:solidFill>
+                  <a:latin typeface="Arial Narrow" pitchFamily="34" charset="0"/>
+                  <a:ea typeface="ヒラギノ角ゴ Pro W3" charset="-128"/>
+                </a:defRPr>
+              </a:lvl8pPr>
+              <a:lvl9pPr marL="3886200" indent="-228600" defTabSz="457200" eaLnBrk="0" fontAlgn="base" hangingPunct="0">
+                <a:lnSpc>
+                  <a:spcPct val="110000"/>
+                </a:lnSpc>
+                <a:spcBef>
+                  <a:spcPct val="0"/>
+                </a:spcBef>
+                <a:spcAft>
+                  <a:spcPct val="0"/>
+                </a:spcAft>
+                <a:buFont typeface="Lucida Grande" charset="0"/>
+                <a:buChar char="–"/>
+                <a:tabLst>
+                  <a:tab pos="0" algn="l"/>
+                  <a:tab pos="457200" algn="l"/>
+                  <a:tab pos="914400" algn="l"/>
+                  <a:tab pos="1371600" algn="l"/>
+                  <a:tab pos="1828800" algn="l"/>
+                  <a:tab pos="2286000" algn="l"/>
+                  <a:tab pos="2743200" algn="l"/>
+                  <a:tab pos="3200400" algn="l"/>
+                  <a:tab pos="3657600" algn="l"/>
+                  <a:tab pos="4114800" algn="l"/>
+                  <a:tab pos="4572000" algn="l"/>
+                  <a:tab pos="5029200" algn="l"/>
+                  <a:tab pos="5486400" algn="l"/>
+                  <a:tab pos="5943600" algn="l"/>
+                  <a:tab pos="6400800" algn="l"/>
+                  <a:tab pos="6858000" algn="l"/>
+                  <a:tab pos="7315200" algn="l"/>
+                  <a:tab pos="7772400" algn="l"/>
+                  <a:tab pos="8229600" algn="l"/>
+                  <a:tab pos="8686800" algn="l"/>
+                  <a:tab pos="9144000" algn="l"/>
+                </a:tabLst>
+                <a:defRPr sz="2400">
+                  <a:solidFill>
+                    <a:schemeClr val="tx1"/>
+                  </a:solidFill>
+                  <a:latin typeface="Arial Narrow" pitchFamily="34" charset="0"/>
+                  <a:ea typeface="ヒラギノ角ゴ Pro W3" charset="-128"/>
+                </a:defRPr>
+              </a:lvl9pPr>
+            </a:lstStyle>
+            <a:p>
+              <a:pPr marL="85725" indent="-85725" eaLnBrk="1" hangingPunct="1">
+                <a:spcBef>
+                  <a:spcPts val="0"/>
+                </a:spcBef>
+                <a:buClr>
+                  <a:srgbClr val="000000"/>
+                </a:buClr>
+              </a:pPr>
+              <a:r>
+                <a:rPr lang="en-US" altLang="ko-KR" sz="1000" dirty="0">
+                  <a:solidFill>
+                    <a:srgbClr val="003B6E"/>
+                  </a:solidFill>
+                  <a:latin typeface="+mn-lt"/>
+                  <a:ea typeface="Gulim" pitchFamily="34" charset="-127"/>
+                  <a:cs typeface="Arial Unicode MS" pitchFamily="34" charset="-128"/>
+                </a:rPr>
+                <a:t>Extract features from the raw output</a:t>
+              </a:r>
+            </a:p>
+            <a:p>
+              <a:pPr marL="85725" indent="-85725" eaLnBrk="1" hangingPunct="1">
+                <a:spcBef>
+                  <a:spcPts val="0"/>
+                </a:spcBef>
+                <a:buClr>
+                  <a:srgbClr val="000000"/>
+                </a:buClr>
+              </a:pPr>
+              <a:r>
+                <a:rPr lang="en-US" altLang="ko-KR" sz="1000" dirty="0">
+                  <a:solidFill>
+                    <a:srgbClr val="003B6E"/>
+                  </a:solidFill>
+                  <a:latin typeface="+mn-lt"/>
+                  <a:ea typeface="Gulim" pitchFamily="34" charset="-127"/>
+                  <a:cs typeface="Arial Unicode MS" pitchFamily="34" charset="-128"/>
+                </a:rPr>
+                <a:t>Max., min., </a:t>
+              </a:r>
+              <a:r>
+                <a:rPr lang="en-US" altLang="ko-KR" sz="1000" dirty="0" err="1">
+                  <a:solidFill>
+                    <a:srgbClr val="003B6E"/>
+                  </a:solidFill>
+                  <a:latin typeface="+mn-lt"/>
+                  <a:ea typeface="Gulim" pitchFamily="34" charset="-127"/>
+                  <a:cs typeface="Arial Unicode MS" pitchFamily="34" charset="-128"/>
+                </a:rPr>
+                <a:t>ave</a:t>
+              </a:r>
+              <a:r>
+                <a:rPr lang="en-US" altLang="ko-KR" sz="1000" dirty="0">
+                  <a:solidFill>
+                    <a:srgbClr val="003B6E"/>
+                  </a:solidFill>
+                  <a:latin typeface="+mn-lt"/>
+                  <a:ea typeface="Gulim" pitchFamily="34" charset="-127"/>
+                  <a:cs typeface="Arial Unicode MS" pitchFamily="34" charset="-128"/>
+                </a:rPr>
+                <a:t>, etc.</a:t>
+              </a:r>
+            </a:p>
+          </p:txBody>
+        </p:sp>
+      </p:grpSp>
+      <p:sp>
+        <p:nvSpPr>
+          <p:cNvPr id="56" name="Striped Right Arrow 55"/>
+          <p:cNvSpPr/>
+          <p:nvPr/>
+        </p:nvSpPr>
+        <p:spPr bwMode="auto">
+          <a:xfrm rot="10800000">
+            <a:off x="4643697" y="3033879"/>
+            <a:ext cx="288343" cy="292966"/>
+          </a:xfrm>
+          <a:prstGeom prst="stripedRightArrow">
+            <a:avLst>
+              <a:gd name="adj1" fmla="val 50000"/>
+              <a:gd name="adj2" fmla="val 51196"/>
+            </a:avLst>
+          </a:prstGeom>
+          <a:solidFill>
+            <a:srgbClr val="C50006"/>
+          </a:solidFill>
+          <a:ln w="9525" cap="flat" cmpd="sng" algn="ctr">
+            <a:noFill/>
+            <a:prstDash val="solid"/>
+            <a:round/>
+            <a:headEnd type="none" w="med" len="med"/>
+            <a:tailEnd type="none" w="med" len="med"/>
+          </a:ln>
+          <a:effectLst/>
+        </p:spPr>
+        <p:txBody>
+          <a:bodyPr vert="horz" wrap="square" lIns="91440" tIns="45720" rIns="91440" bIns="45720" numCol="1" rtlCol="0" anchor="t" anchorCtr="0" compatLnSpc="1">
+            <a:prstTxWarp prst="textNoShape">
+              <a:avLst/>
+            </a:prstTxWarp>
+          </a:bodyPr>
+          <a:lstStyle/>
+          <a:p>
+            <a:pPr marL="0" marR="0" indent="0" algn="l" defTabSz="914400" rtl="0" eaLnBrk="0" fontAlgn="base" latinLnBrk="0" hangingPunct="0">
+              <a:lnSpc>
+                <a:spcPct val="100000"/>
+              </a:lnSpc>
+              <a:spcBef>
+                <a:spcPct val="0"/>
+              </a:spcBef>
+              <a:spcAft>
+                <a:spcPct val="0"/>
+              </a:spcAft>
+              <a:buClrTx/>
+              <a:buSzTx/>
+              <a:buFontTx/>
+              <a:buNone/>
+              <a:tabLst/>
+            </a:pPr>
+            <a:endParaRPr kumimoji="0" lang="en-US" sz="2400" b="0" i="0" u="none" strike="noStrike" cap="none" normalizeH="0" baseline="0">
+              <a:ln>
+                <a:noFill/>
+              </a:ln>
+              <a:solidFill>
+                <a:schemeClr val="tx1"/>
+              </a:solidFill>
+              <a:effectLst/>
+              <a:latin typeface="Times" charset="0"/>
+            </a:endParaRPr>
+          </a:p>
+        </p:txBody>
+      </p:sp>
+      <p:sp>
+        <p:nvSpPr>
+          <p:cNvPr id="57" name="Text Box 12"/>
+          <p:cNvSpPr txBox="1">
+            <a:spLocks noChangeArrowheads="1"/>
+          </p:cNvSpPr>
+          <p:nvPr/>
+        </p:nvSpPr>
+        <p:spPr bwMode="auto">
+          <a:xfrm>
+            <a:off x="3148961" y="4868840"/>
+            <a:ext cx="3152948" cy="323690"/>
+          </a:xfrm>
+          <a:prstGeom prst="rect">
+            <a:avLst/>
+          </a:prstGeom>
+          <a:solidFill>
+            <a:srgbClr val="FFF5D6"/>
+          </a:solidFill>
+          <a:ln w="9360">
+            <a:noFill/>
+            <a:miter lim="800000"/>
+            <a:headEnd/>
+            <a:tailEnd/>
+          </a:ln>
+        </p:spPr>
+        <p:txBody>
+          <a:bodyPr wrap="square" lIns="90000" tIns="46800" rIns="90000" bIns="46800" anchor="ctr">
+            <a:noAutofit/>
+          </a:bodyPr>
+          <a:lstStyle>
+            <a:lvl1pPr defTabSz="457200">
+              <a:buChar char="•"/>
+              <a:tabLst>
+                <a:tab pos="0" algn="l"/>
+                <a:tab pos="457200" algn="l"/>
+                <a:tab pos="914400" algn="l"/>
+                <a:tab pos="1371600" algn="l"/>
+                <a:tab pos="1828800" algn="l"/>
+                <a:tab pos="2286000" algn="l"/>
+                <a:tab pos="2743200" algn="l"/>
+                <a:tab pos="3200400" algn="l"/>
+                <a:tab pos="3657600" algn="l"/>
+                <a:tab pos="4114800" algn="l"/>
+                <a:tab pos="4572000" algn="l"/>
+                <a:tab pos="5029200" algn="l"/>
+                <a:tab pos="5486400" algn="l"/>
+                <a:tab pos="5943600" algn="l"/>
+                <a:tab pos="6400800" algn="l"/>
+                <a:tab pos="6858000" algn="l"/>
+                <a:tab pos="7315200" algn="l"/>
+                <a:tab pos="7772400" algn="l"/>
+                <a:tab pos="8229600" algn="l"/>
+                <a:tab pos="8686800" algn="l"/>
+                <a:tab pos="9144000" algn="l"/>
+              </a:tabLst>
+              <a:defRPr sz="2400">
+                <a:solidFill>
+                  <a:schemeClr val="tx1"/>
+                </a:solidFill>
+                <a:latin typeface="Arial Narrow" pitchFamily="34" charset="0"/>
+                <a:ea typeface="ヒラギノ角ゴ Pro W3" charset="-128"/>
+              </a:defRPr>
+            </a:lvl1pPr>
+            <a:lvl2pPr marL="742950" indent="-285750" defTabSz="457200">
+              <a:buClr>
+                <a:schemeClr val="tx1"/>
+              </a:buClr>
+              <a:buSzPct val="120000"/>
+              <a:buChar char="•"/>
+              <a:tabLst>
+                <a:tab pos="0" algn="l"/>
+                <a:tab pos="457200" algn="l"/>
+                <a:tab pos="914400" algn="l"/>
+                <a:tab pos="1371600" algn="l"/>
+                <a:tab pos="1828800" algn="l"/>
+                <a:tab pos="2286000" algn="l"/>
+                <a:tab pos="2743200" algn="l"/>
+                <a:tab pos="3200400" algn="l"/>
+                <a:tab pos="3657600" algn="l"/>
+                <a:tab pos="4114800" algn="l"/>
+                <a:tab pos="4572000" algn="l"/>
+                <a:tab pos="5029200" algn="l"/>
+                <a:tab pos="5486400" algn="l"/>
+                <a:tab pos="5943600" algn="l"/>
+                <a:tab pos="6400800" algn="l"/>
+                <a:tab pos="6858000" algn="l"/>
+                <a:tab pos="7315200" algn="l"/>
+                <a:tab pos="7772400" algn="l"/>
+                <a:tab pos="8229600" algn="l"/>
+                <a:tab pos="8686800" algn="l"/>
+                <a:tab pos="9144000" algn="l"/>
+              </a:tabLst>
+              <a:defRPr sz="2400">
+                <a:solidFill>
+                  <a:schemeClr val="tx1"/>
+                </a:solidFill>
+                <a:latin typeface="Arial Narrow" pitchFamily="34" charset="0"/>
+                <a:ea typeface="ヒラギノ角ゴ Pro W3" charset="-128"/>
+              </a:defRPr>
+            </a:lvl2pPr>
+            <a:lvl3pPr marL="1143000" indent="-228600" defTabSz="457200">
+              <a:buFont typeface="Times" pitchFamily="18" charset="0"/>
+              <a:buChar char="–"/>
+              <a:tabLst>
+                <a:tab pos="0" algn="l"/>
+                <a:tab pos="457200" algn="l"/>
+                <a:tab pos="914400" algn="l"/>
+                <a:tab pos="1371600" algn="l"/>
+                <a:tab pos="1828800" algn="l"/>
+                <a:tab pos="2286000" algn="l"/>
+                <a:tab pos="2743200" algn="l"/>
+                <a:tab pos="3200400" algn="l"/>
+                <a:tab pos="3657600" algn="l"/>
+                <a:tab pos="4114800" algn="l"/>
+                <a:tab pos="4572000" algn="l"/>
+                <a:tab pos="5029200" algn="l"/>
+                <a:tab pos="5486400" algn="l"/>
+                <a:tab pos="5943600" algn="l"/>
+                <a:tab pos="6400800" algn="l"/>
+                <a:tab pos="6858000" algn="l"/>
+                <a:tab pos="7315200" algn="l"/>
+                <a:tab pos="7772400" algn="l"/>
+                <a:tab pos="8229600" algn="l"/>
+                <a:tab pos="8686800" algn="l"/>
+                <a:tab pos="9144000" algn="l"/>
+              </a:tabLst>
+              <a:defRPr sz="1700">
+                <a:solidFill>
+                  <a:schemeClr val="tx1"/>
+                </a:solidFill>
+                <a:latin typeface="Arial Narrow" pitchFamily="34" charset="0"/>
+                <a:ea typeface="MS PGothic" pitchFamily="34" charset="-128"/>
+              </a:defRPr>
+            </a:lvl3pPr>
+            <a:lvl4pPr marL="1600200" indent="-228600" defTabSz="457200">
+              <a:buFont typeface="Lucida Grande" charset="0"/>
+              <a:buChar char="–"/>
+              <a:tabLst>
+                <a:tab pos="0" algn="l"/>
+                <a:tab pos="457200" algn="l"/>
+                <a:tab pos="914400" algn="l"/>
+                <a:tab pos="1371600" algn="l"/>
+                <a:tab pos="1828800" algn="l"/>
+                <a:tab pos="2286000" algn="l"/>
+                <a:tab pos="2743200" algn="l"/>
+                <a:tab pos="3200400" algn="l"/>
+                <a:tab pos="3657600" algn="l"/>
+                <a:tab pos="4114800" algn="l"/>
+                <a:tab pos="4572000" algn="l"/>
+                <a:tab pos="5029200" algn="l"/>
+                <a:tab pos="5486400" algn="l"/>
+                <a:tab pos="5943600" algn="l"/>
+                <a:tab pos="6400800" algn="l"/>
+                <a:tab pos="6858000" algn="l"/>
+                <a:tab pos="7315200" algn="l"/>
+                <a:tab pos="7772400" algn="l"/>
+                <a:tab pos="8229600" algn="l"/>
+                <a:tab pos="8686800" algn="l"/>
+                <a:tab pos="9144000" algn="l"/>
+              </a:tabLst>
+              <a:defRPr sz="2400">
+                <a:solidFill>
+                  <a:schemeClr val="tx1"/>
+                </a:solidFill>
+                <a:latin typeface="Arial Narrow" pitchFamily="34" charset="0"/>
+                <a:ea typeface="MS PGothic" pitchFamily="34" charset="-128"/>
+              </a:defRPr>
+            </a:lvl4pPr>
+            <a:lvl5pPr marL="2057400" indent="-228600" defTabSz="457200">
+              <a:buFont typeface="Lucida Grande" charset="0"/>
+              <a:buChar char="–"/>
+              <a:tabLst>
+                <a:tab pos="0" algn="l"/>
+                <a:tab pos="457200" algn="l"/>
+                <a:tab pos="914400" algn="l"/>
+                <a:tab pos="1371600" algn="l"/>
+                <a:tab pos="1828800" algn="l"/>
+                <a:tab pos="2286000" algn="l"/>
+                <a:tab pos="2743200" algn="l"/>
+                <a:tab pos="3200400" algn="l"/>
+                <a:tab pos="3657600" algn="l"/>
+                <a:tab pos="4114800" algn="l"/>
+                <a:tab pos="4572000" algn="l"/>
+                <a:tab pos="5029200" algn="l"/>
+                <a:tab pos="5486400" algn="l"/>
+                <a:tab pos="5943600" algn="l"/>
+                <a:tab pos="6400800" algn="l"/>
+                <a:tab pos="6858000" algn="l"/>
+                <a:tab pos="7315200" algn="l"/>
+                <a:tab pos="7772400" algn="l"/>
+                <a:tab pos="8229600" algn="l"/>
+                <a:tab pos="8686800" algn="l"/>
+                <a:tab pos="9144000" algn="l"/>
+              </a:tabLst>
+              <a:defRPr sz="2400">
+                <a:solidFill>
+                  <a:schemeClr val="tx1"/>
+                </a:solidFill>
+                <a:latin typeface="Arial Narrow" pitchFamily="34" charset="0"/>
+                <a:ea typeface="ヒラギノ角ゴ Pro W3" charset="-128"/>
+              </a:defRPr>
+            </a:lvl5pPr>
+            <a:lvl6pPr marL="2514600" indent="-228600" defTabSz="457200" eaLnBrk="0" fontAlgn="base" hangingPunct="0">
+              <a:lnSpc>
+                <a:spcPct val="110000"/>
+              </a:lnSpc>
+              <a:spcBef>
+                <a:spcPct val="0"/>
+              </a:spcBef>
+              <a:spcAft>
+                <a:spcPct val="0"/>
+              </a:spcAft>
+              <a:buFont typeface="Lucida Grande" charset="0"/>
+              <a:buChar char="–"/>
+              <a:tabLst>
+                <a:tab pos="0" algn="l"/>
+                <a:tab pos="457200" algn="l"/>
+                <a:tab pos="914400" algn="l"/>
+                <a:tab pos="1371600" algn="l"/>
+                <a:tab pos="1828800" algn="l"/>
+                <a:tab pos="2286000" algn="l"/>
+                <a:tab pos="2743200" algn="l"/>
+                <a:tab pos="3200400" algn="l"/>
+                <a:tab pos="3657600" algn="l"/>
+                <a:tab pos="4114800" algn="l"/>
+                <a:tab pos="4572000" algn="l"/>
+                <a:tab pos="5029200" algn="l"/>
+                <a:tab pos="5486400" algn="l"/>
+                <a:tab pos="5943600" algn="l"/>
+                <a:tab pos="6400800" algn="l"/>
+                <a:tab pos="6858000" algn="l"/>
+                <a:tab pos="7315200" algn="l"/>
+                <a:tab pos="7772400" algn="l"/>
+                <a:tab pos="8229600" algn="l"/>
+                <a:tab pos="8686800" algn="l"/>
+                <a:tab pos="9144000" algn="l"/>
+              </a:tabLst>
+              <a:defRPr sz="2400">
+                <a:solidFill>
+                  <a:schemeClr val="tx1"/>
+                </a:solidFill>
+                <a:latin typeface="Arial Narrow" pitchFamily="34" charset="0"/>
+                <a:ea typeface="ヒラギノ角ゴ Pro W3" charset="-128"/>
+              </a:defRPr>
+            </a:lvl6pPr>
+            <a:lvl7pPr marL="2971800" indent="-228600" defTabSz="457200" eaLnBrk="0" fontAlgn="base" hangingPunct="0">
+              <a:lnSpc>
+                <a:spcPct val="110000"/>
+              </a:lnSpc>
+              <a:spcBef>
+                <a:spcPct val="0"/>
+              </a:spcBef>
+              <a:spcAft>
+                <a:spcPct val="0"/>
+              </a:spcAft>
+              <a:buFont typeface="Lucida Grande" charset="0"/>
+              <a:buChar char="–"/>
+              <a:tabLst>
+                <a:tab pos="0" algn="l"/>
+                <a:tab pos="457200" algn="l"/>
+                <a:tab pos="914400" algn="l"/>
+                <a:tab pos="1371600" algn="l"/>
+                <a:tab pos="1828800" algn="l"/>
+                <a:tab pos="2286000" algn="l"/>
+                <a:tab pos="2743200" algn="l"/>
+                <a:tab pos="3200400" algn="l"/>
+                <a:tab pos="3657600" algn="l"/>
+                <a:tab pos="4114800" algn="l"/>
+                <a:tab pos="4572000" algn="l"/>
+                <a:tab pos="5029200" algn="l"/>
+                <a:tab pos="5486400" algn="l"/>
+                <a:tab pos="5943600" algn="l"/>
+                <a:tab pos="6400800" algn="l"/>
+                <a:tab pos="6858000" algn="l"/>
+                <a:tab pos="7315200" algn="l"/>
+                <a:tab pos="7772400" algn="l"/>
+                <a:tab pos="8229600" algn="l"/>
+                <a:tab pos="8686800" algn="l"/>
+                <a:tab pos="9144000" algn="l"/>
+              </a:tabLst>
+              <a:defRPr sz="2400">
+                <a:solidFill>
+                  <a:schemeClr val="tx1"/>
+                </a:solidFill>
+                <a:latin typeface="Arial Narrow" pitchFamily="34" charset="0"/>
+                <a:ea typeface="ヒラギノ角ゴ Pro W3" charset="-128"/>
+              </a:defRPr>
+            </a:lvl7pPr>
+            <a:lvl8pPr marL="3429000" indent="-228600" defTabSz="457200" eaLnBrk="0" fontAlgn="base" hangingPunct="0">
+              <a:lnSpc>
+                <a:spcPct val="110000"/>
+              </a:lnSpc>
+              <a:spcBef>
+                <a:spcPct val="0"/>
+              </a:spcBef>
+              <a:spcAft>
+                <a:spcPct val="0"/>
+              </a:spcAft>
+              <a:buFont typeface="Lucida Grande" charset="0"/>
+              <a:buChar char="–"/>
+              <a:tabLst>
+                <a:tab pos="0" algn="l"/>
+                <a:tab pos="457200" algn="l"/>
+                <a:tab pos="914400" algn="l"/>
+                <a:tab pos="1371600" algn="l"/>
+                <a:tab pos="1828800" algn="l"/>
+                <a:tab pos="2286000" algn="l"/>
+                <a:tab pos="2743200" algn="l"/>
+                <a:tab pos="3200400" algn="l"/>
+                <a:tab pos="3657600" algn="l"/>
+                <a:tab pos="4114800" algn="l"/>
+                <a:tab pos="4572000" algn="l"/>
+                <a:tab pos="5029200" algn="l"/>
+                <a:tab pos="5486400" algn="l"/>
+                <a:tab pos="5943600" algn="l"/>
+                <a:tab pos="6400800" algn="l"/>
+                <a:tab pos="6858000" algn="l"/>
+                <a:tab pos="7315200" algn="l"/>
+                <a:tab pos="7772400" algn="l"/>
+                <a:tab pos="8229600" algn="l"/>
+                <a:tab pos="8686800" algn="l"/>
+                <a:tab pos="9144000" algn="l"/>
+              </a:tabLst>
+              <a:defRPr sz="2400">
+                <a:solidFill>
+                  <a:schemeClr val="tx1"/>
+                </a:solidFill>
+                <a:latin typeface="Arial Narrow" pitchFamily="34" charset="0"/>
+                <a:ea typeface="ヒラギノ角ゴ Pro W3" charset="-128"/>
+              </a:defRPr>
+            </a:lvl8pPr>
+            <a:lvl9pPr marL="3886200" indent="-228600" defTabSz="457200" eaLnBrk="0" fontAlgn="base" hangingPunct="0">
+              <a:lnSpc>
+                <a:spcPct val="110000"/>
+              </a:lnSpc>
+              <a:spcBef>
+                <a:spcPct val="0"/>
+              </a:spcBef>
+              <a:spcAft>
+                <a:spcPct val="0"/>
+              </a:spcAft>
+              <a:buFont typeface="Lucida Grande" charset="0"/>
+              <a:buChar char="–"/>
+              <a:tabLst>
+                <a:tab pos="0" algn="l"/>
+                <a:tab pos="457200" algn="l"/>
+                <a:tab pos="914400" algn="l"/>
+                <a:tab pos="1371600" algn="l"/>
+                <a:tab pos="1828800" algn="l"/>
+                <a:tab pos="2286000" algn="l"/>
+                <a:tab pos="2743200" algn="l"/>
+                <a:tab pos="3200400" algn="l"/>
+                <a:tab pos="3657600" algn="l"/>
+                <a:tab pos="4114800" algn="l"/>
+                <a:tab pos="4572000" algn="l"/>
+                <a:tab pos="5029200" algn="l"/>
+                <a:tab pos="5486400" algn="l"/>
+                <a:tab pos="5943600" algn="l"/>
+                <a:tab pos="6400800" algn="l"/>
+                <a:tab pos="6858000" algn="l"/>
+                <a:tab pos="7315200" algn="l"/>
+                <a:tab pos="7772400" algn="l"/>
+                <a:tab pos="8229600" algn="l"/>
+                <a:tab pos="8686800" algn="l"/>
+                <a:tab pos="9144000" algn="l"/>
+              </a:tabLst>
+              <a:defRPr sz="2400">
+                <a:solidFill>
+                  <a:schemeClr val="tx1"/>
+                </a:solidFill>
+                <a:latin typeface="Arial Narrow" pitchFamily="34" charset="0"/>
+                <a:ea typeface="ヒラギノ角ゴ Pro W3" charset="-128"/>
+              </a:defRPr>
+            </a:lvl9pPr>
+          </a:lstStyle>
+          <a:p>
+            <a:pPr marL="85725" indent="-85725">
+              <a:buClr>
+                <a:srgbClr val="000000"/>
+              </a:buClr>
+            </a:pPr>
+            <a:r>
+              <a:rPr lang="en-US" altLang="ko-KR" sz="1100" dirty="0">
+                <a:solidFill>
+                  <a:srgbClr val="003B6E"/>
+                </a:solidFill>
+                <a:latin typeface="+mj-lt"/>
+                <a:ea typeface="Gulim" pitchFamily="34" charset="-127"/>
+                <a:cs typeface="Arial Unicode MS" pitchFamily="34" charset="-128"/>
+              </a:rPr>
+              <a:t>Morris Screening Method </a:t>
+            </a:r>
+            <a:r>
+              <a:rPr lang="en-US" altLang="ko-KR" sz="1100" dirty="0">
+                <a:solidFill>
+                  <a:srgbClr val="003B6E"/>
+                </a:solidFill>
+                <a:latin typeface="Courier New" panose="02070309020205020404" pitchFamily="49" charset="0"/>
+                <a:ea typeface="Gulim" pitchFamily="34" charset="-127"/>
+                <a:cs typeface="Courier New" panose="02070309020205020404" pitchFamily="49" charset="0"/>
+              </a:rPr>
+              <a:t>(</a:t>
+            </a:r>
+            <a:r>
+              <a:rPr lang="en-US" altLang="ko-KR" sz="1100" dirty="0" err="1">
+                <a:solidFill>
+                  <a:srgbClr val="003B6E"/>
+                </a:solidFill>
+                <a:latin typeface="Courier New" panose="02070309020205020404" pitchFamily="49" charset="0"/>
+                <a:ea typeface="Gulim" pitchFamily="34" charset="-127"/>
+                <a:cs typeface="Courier New" panose="02070309020205020404" pitchFamily="49" charset="0"/>
+              </a:rPr>
+              <a:t>morris</a:t>
+            </a:r>
+            <a:r>
+              <a:rPr lang="en-US" altLang="ko-KR" sz="1000" dirty="0">
+                <a:solidFill>
+                  <a:srgbClr val="003B6E"/>
+                </a:solidFill>
+                <a:latin typeface="Courier New" panose="02070309020205020404" pitchFamily="49" charset="0"/>
+                <a:ea typeface="Gulim" pitchFamily="34" charset="-127"/>
+                <a:cs typeface="Courier New" panose="02070309020205020404" pitchFamily="49" charset="0"/>
+              </a:rPr>
+              <a:t>)</a:t>
+            </a:r>
+            <a:endParaRPr lang="en-US" altLang="ko-KR" sz="1050" dirty="0">
+              <a:solidFill>
+                <a:srgbClr val="003B6E"/>
+              </a:solidFill>
+              <a:latin typeface="Courier New" panose="02070309020205020404" pitchFamily="49" charset="0"/>
+              <a:ea typeface="Gulim" pitchFamily="34" charset="-127"/>
+              <a:cs typeface="Courier New" panose="02070309020205020404" pitchFamily="49" charset="0"/>
+            </a:endParaRPr>
+          </a:p>
+        </p:txBody>
+      </p:sp>
+    </p:spTree>
+    <p:extLst>
+      <p:ext uri="{BB962C8B-B14F-4D97-AF65-F5344CB8AC3E}">
+        <p14:creationId xmlns:p14="http://schemas.microsoft.com/office/powerpoint/2010/main" val="2725374649"/>
+      </p:ext>
+    </p:extLst>
+  </p:cSld>
+  <p:clrMapOvr>
+    <a:masterClrMapping/>
+  </p:clrMapOvr>
+  <p:transition spd="med"/>
+</p:sld>
+</file>
+
+<file path=ppt/slides/slide6.xml><?xml version="1.0" encoding="utf-8"?>
+<p:sld xmlns:a="http://schemas.openxmlformats.org/drawingml/2006/main" xmlns:r="http://schemas.openxmlformats.org/officeDocument/2006/relationships" xmlns:p="http://schemas.openxmlformats.org/presentationml/2006/main">
+  <p:cSld>
+    <p:spTree>
+      <p:nvGrpSpPr>
+        <p:cNvPr id="1" name=""/>
+        <p:cNvGrpSpPr/>
+        <p:nvPr/>
+      </p:nvGrpSpPr>
+      <p:grpSpPr>
+        <a:xfrm>
+          <a:off x="0" y="0"/>
+          <a:ext cx="0" cy="0"/>
+          <a:chOff x="0" y="0"/>
+          <a:chExt cx="0" cy="0"/>
+        </a:xfrm>
+      </p:grpSpPr>
+      <p:sp>
+        <p:nvSpPr>
+          <p:cNvPr id="80" name="Bent Arrow 79"/>
+          <p:cNvSpPr/>
+          <p:nvPr/>
+        </p:nvSpPr>
+        <p:spPr>
+          <a:xfrm flipV="1">
+            <a:off x="1572901" y="3933055"/>
+            <a:ext cx="1407041" cy="995087"/>
+          </a:xfrm>
+          <a:prstGeom prst="bentArrow">
+            <a:avLst>
+              <a:gd name="adj1" fmla="val 25000"/>
+              <a:gd name="adj2" fmla="val 24425"/>
+              <a:gd name="adj3" fmla="val 25000"/>
+              <a:gd name="adj4" fmla="val 43750"/>
+            </a:avLst>
+          </a:prstGeom>
+          <a:solidFill>
+            <a:srgbClr val="C00000"/>
+          </a:solidFill>
+          <a:ln>
+            <a:solidFill>
+              <a:schemeClr val="bg1"/>
+            </a:solidFill>
+          </a:ln>
+        </p:spPr>
+        <p:style>
+          <a:lnRef idx="2">
+            <a:schemeClr val="accent1">
+              <a:shade val="50000"/>
+            </a:schemeClr>
+          </a:lnRef>
+          <a:fillRef idx="1">
+            <a:schemeClr val="accent1"/>
+          </a:fillRef>
+          <a:effectRef idx="0">
+            <a:schemeClr val="accent1"/>
+          </a:effectRef>
+          <a:fontRef idx="minor">
+            <a:schemeClr val="lt1"/>
+          </a:fontRef>
+        </p:style>
+        <p:txBody>
+          <a:bodyPr rtlCol="0" anchor="ctr"/>
+          <a:lstStyle/>
+          <a:p>
+            <a:pPr algn="ctr"/>
+            <a:endParaRPr lang="en-US">
+              <a:solidFill>
+                <a:schemeClr val="tx1"/>
+              </a:solidFill>
+            </a:endParaRPr>
+          </a:p>
+        </p:txBody>
+      </p:sp>
+      <p:sp>
+        <p:nvSpPr>
+          <p:cNvPr id="4" name="Rectangle 3"/>
+          <p:cNvSpPr/>
+          <p:nvPr/>
+        </p:nvSpPr>
+        <p:spPr>
+          <a:xfrm>
+            <a:off x="3603008" y="560888"/>
+            <a:ext cx="1276772" cy="707886"/>
+          </a:xfrm>
+          <a:prstGeom prst="rect">
+            <a:avLst/>
+          </a:prstGeom>
+        </p:spPr>
+        <p:txBody>
+          <a:bodyPr wrap="square">
+            <a:spAutoFit/>
+          </a:bodyPr>
+          <a:lstStyle/>
+          <a:p>
+            <a:pPr algn="ctr"/>
+            <a:r>
+              <a:rPr lang="en-US" sz="2000" b="1" dirty="0">
+                <a:solidFill>
+                  <a:schemeClr val="bg1"/>
+                </a:solidFill>
+                <a:latin typeface="+mn-lt"/>
+              </a:rPr>
+              <a:t>TRACE </a:t>
+            </a:r>
+            <a:br>
+              <a:rPr lang="en-US" sz="2000" b="1" dirty="0">
+                <a:solidFill>
+                  <a:schemeClr val="bg1"/>
+                </a:solidFill>
+                <a:latin typeface="+mn-lt"/>
+              </a:rPr>
+            </a:br>
+            <a:r>
+              <a:rPr lang="en-US" sz="2000" b="1" dirty="0">
+                <a:solidFill>
+                  <a:schemeClr val="bg1"/>
+                </a:solidFill>
+                <a:latin typeface="+mn-lt"/>
+              </a:rPr>
+              <a:t>Launcher</a:t>
+            </a:r>
+          </a:p>
+        </p:txBody>
+      </p:sp>
+      <p:grpSp>
+        <p:nvGrpSpPr>
+          <p:cNvPr id="29" name="Group 28"/>
+          <p:cNvGrpSpPr/>
+          <p:nvPr/>
+        </p:nvGrpSpPr>
+        <p:grpSpPr>
+          <a:xfrm>
             <a:off x="3059832" y="562409"/>
             <a:ext cx="3168351" cy="1498439"/>
             <a:chOff x="4690610" y="2744313"/>

--- a/docs/figures/flowchart.pptx
+++ b/docs/figures/flowchart.pptx
@@ -5,7 +5,7 @@
     <p:sldMasterId id="2147483648" r:id="rId1"/>
   </p:sldMasterIdLst>
   <p:notesMasterIdLst>
-    <p:notesMasterId r:id="rId8"/>
+    <p:notesMasterId r:id="rId9"/>
   </p:notesMasterIdLst>
   <p:sldIdLst>
     <p:sldId id="258" r:id="rId2"/>
@@ -13,7 +13,8 @@
     <p:sldId id="261" r:id="rId4"/>
     <p:sldId id="262" r:id="rId5"/>
     <p:sldId id="263" r:id="rId6"/>
-    <p:sldId id="260" r:id="rId7"/>
+    <p:sldId id="264" r:id="rId7"/>
+    <p:sldId id="260" r:id="rId8"/>
   </p:sldIdLst>
   <p:sldSz cx="9144000" cy="6858000" type="screen4x3"/>
   <p:notesSz cx="6858000" cy="9144000"/>
@@ -114,7 +115,7 @@
   </p:defaultTextStyle>
   <p:extLst>
     <p:ext uri="{EFAFB233-063F-42B5-8137-9DF3F51BA10A}">
-      <p15:sldGuideLst xmlns:p15="http://schemas.microsoft.com/office/powerpoint/2012/main" xmlns="">
+      <p15:sldGuideLst xmlns="" xmlns:p15="http://schemas.microsoft.com/office/powerpoint/2012/main">
         <p15:guide id="1" orient="horz" pos="2160">
           <p15:clr>
             <a:srgbClr val="A4A3A4"/>
@@ -213,7 +214,7 @@
           <a:p>
             <a:fld id="{B47AD5B4-42A6-4969-BF71-1B0ECAB6BD54}" type="datetimeFigureOut">
               <a:rPr lang="en-US" smtClean="0"/>
-              <a:t>3/6/2017</a:t>
+              <a:t>3/20/2017</a:t>
             </a:fld>
             <a:endParaRPr lang="en-US"/>
           </a:p>
@@ -1096,6 +1097,124 @@
             </a:r>
             <a:r>
               <a:rPr lang="en-US" baseline="0" dirty="0"/>
+              <a:t> </a:t>
+            </a:r>
+            <a:r>
+              <a:rPr lang="en-US" baseline="0"/>
+              <a:t>(</a:t>
+            </a:r>
+            <a:r>
+              <a:rPr lang="en-US" baseline="0" smtClean="0"/>
+              <a:t>v0.5.0</a:t>
+            </a:r>
+            <a:r>
+              <a:rPr lang="en-US" baseline="0" dirty="0"/>
+              <a:t>)</a:t>
+            </a:r>
+            <a:endParaRPr lang="en-US" dirty="0"/>
+          </a:p>
+        </p:txBody>
+      </p:sp>
+      <p:sp>
+        <p:nvSpPr>
+          <p:cNvPr id="4" name="Slide Number Placeholder 3"/>
+          <p:cNvSpPr>
+            <a:spLocks noGrp="1"/>
+          </p:cNvSpPr>
+          <p:nvPr>
+            <p:ph type="sldNum" sz="quarter" idx="10"/>
+          </p:nvPr>
+        </p:nvSpPr>
+        <p:spPr/>
+        <p:txBody>
+          <a:bodyPr/>
+          <a:lstStyle/>
+          <a:p>
+            <a:pPr>
+              <a:defRPr/>
+            </a:pPr>
+            <a:fld id="{EC696245-F065-0B47-B74E-D5003861FD61}" type="slidenum">
+              <a:rPr lang="de-DE" smtClean="0"/>
+              <a:pPr>
+                <a:defRPr/>
+              </a:pPr>
+              <a:t>6</a:t>
+            </a:fld>
+            <a:endParaRPr lang="de-DE" dirty="0"/>
+          </a:p>
+        </p:txBody>
+      </p:sp>
+    </p:spTree>
+    <p:extLst>
+      <p:ext uri="{BB962C8B-B14F-4D97-AF65-F5344CB8AC3E}">
+        <p14:creationId xmlns:p14="http://schemas.microsoft.com/office/powerpoint/2010/main" val="3414547091"/>
+      </p:ext>
+    </p:extLst>
+  </p:cSld>
+  <p:clrMapOvr>
+    <a:masterClrMapping/>
+  </p:clrMapOvr>
+</p:notes>
+</file>
+
+<file path=ppt/notesSlides/notesSlide7.xml><?xml version="1.0" encoding="utf-8"?>
+<p:notes xmlns:a="http://schemas.openxmlformats.org/drawingml/2006/main" xmlns:r="http://schemas.openxmlformats.org/officeDocument/2006/relationships" xmlns:p="http://schemas.openxmlformats.org/presentationml/2006/main">
+  <p:cSld>
+    <p:spTree>
+      <p:nvGrpSpPr>
+        <p:cNvPr id="1" name=""/>
+        <p:cNvGrpSpPr/>
+        <p:nvPr/>
+      </p:nvGrpSpPr>
+      <p:grpSpPr>
+        <a:xfrm>
+          <a:off x="0" y="0"/>
+          <a:ext cx="0" cy="0"/>
+          <a:chOff x="0" y="0"/>
+          <a:chExt cx="0" cy="0"/>
+        </a:xfrm>
+      </p:grpSpPr>
+      <p:sp>
+        <p:nvSpPr>
+          <p:cNvPr id="2" name="Slide Image Placeholder 1"/>
+          <p:cNvSpPr>
+            <a:spLocks noGrp="1" noRot="1" noChangeAspect="1"/>
+          </p:cNvSpPr>
+          <p:nvPr>
+            <p:ph type="sldImg"/>
+          </p:nvPr>
+        </p:nvSpPr>
+        <p:spPr/>
+      </p:sp>
+      <p:sp>
+        <p:nvSpPr>
+          <p:cNvPr id="3" name="Notes Placeholder 2"/>
+          <p:cNvSpPr>
+            <a:spLocks noGrp="1"/>
+          </p:cNvSpPr>
+          <p:nvPr>
+            <p:ph type="body" idx="1"/>
+          </p:nvPr>
+        </p:nvSpPr>
+        <p:spPr/>
+        <p:txBody>
+          <a:bodyPr/>
+          <a:lstStyle/>
+          <a:p>
+            <a:r>
+              <a:rPr lang="en-US" dirty="0"/>
+              <a:t>Generic</a:t>
+            </a:r>
+            <a:r>
+              <a:rPr lang="en-US" baseline="0" dirty="0"/>
+              <a:t> flowchart of trace-</a:t>
+            </a:r>
+            <a:r>
+              <a:rPr lang="en-US" baseline="0" dirty="0" err="1"/>
+              <a:t>simexp</a:t>
+            </a:r>
+            <a:r>
+              <a:rPr lang="en-US" baseline="0" dirty="0"/>
               <a:t> future release</a:t>
             </a:r>
             <a:endParaRPr lang="en-US" dirty="0"/>
@@ -1125,7 +1244,7 @@
               <a:pPr>
                 <a:defRPr/>
               </a:pPr>
-              <a:t>6</a:t>
+              <a:t>7</a:t>
             </a:fld>
             <a:endParaRPr lang="de-DE" dirty="0"/>
           </a:p>
@@ -1323,7 +1442,7 @@
           <a:p>
             <a:fld id="{9933A24F-1A97-48E4-8DAB-46DD861E305E}" type="datetimeFigureOut">
               <a:rPr lang="en-US" smtClean="0"/>
-              <a:t>3/6/2017</a:t>
+              <a:t>3/20/2017</a:t>
             </a:fld>
             <a:endParaRPr lang="en-US"/>
           </a:p>
@@ -1491,7 +1610,7 @@
           <a:p>
             <a:fld id="{9933A24F-1A97-48E4-8DAB-46DD861E305E}" type="datetimeFigureOut">
               <a:rPr lang="en-US" smtClean="0"/>
-              <a:t>3/6/2017</a:t>
+              <a:t>3/20/2017</a:t>
             </a:fld>
             <a:endParaRPr lang="en-US"/>
           </a:p>
@@ -1669,7 +1788,7 @@
           <a:p>
             <a:fld id="{9933A24F-1A97-48E4-8DAB-46DD861E305E}" type="datetimeFigureOut">
               <a:rPr lang="en-US" smtClean="0"/>
-              <a:t>3/6/2017</a:t>
+              <a:t>3/20/2017</a:t>
             </a:fld>
             <a:endParaRPr lang="en-US"/>
           </a:p>
@@ -1930,7 +2049,7 @@
           <a:p>
             <a:fld id="{9933A24F-1A97-48E4-8DAB-46DD861E305E}" type="datetimeFigureOut">
               <a:rPr lang="en-US" smtClean="0"/>
-              <a:t>3/6/2017</a:t>
+              <a:t>3/20/2017</a:t>
             </a:fld>
             <a:endParaRPr lang="en-US"/>
           </a:p>
@@ -2175,7 +2294,7 @@
           <a:p>
             <a:fld id="{9933A24F-1A97-48E4-8DAB-46DD861E305E}" type="datetimeFigureOut">
               <a:rPr lang="en-US" smtClean="0"/>
-              <a:t>3/6/2017</a:t>
+              <a:t>3/20/2017</a:t>
             </a:fld>
             <a:endParaRPr lang="en-US"/>
           </a:p>
@@ -2460,7 +2579,7 @@
           <a:p>
             <a:fld id="{9933A24F-1A97-48E4-8DAB-46DD861E305E}" type="datetimeFigureOut">
               <a:rPr lang="en-US" smtClean="0"/>
-              <a:t>3/6/2017</a:t>
+              <a:t>3/20/2017</a:t>
             </a:fld>
             <a:endParaRPr lang="en-US"/>
           </a:p>
@@ -2879,7 +2998,7 @@
           <a:p>
             <a:fld id="{9933A24F-1A97-48E4-8DAB-46DD861E305E}" type="datetimeFigureOut">
               <a:rPr lang="en-US" smtClean="0"/>
-              <a:t>3/6/2017</a:t>
+              <a:t>3/20/2017</a:t>
             </a:fld>
             <a:endParaRPr lang="en-US"/>
           </a:p>
@@ -2996,7 +3115,7 @@
           <a:p>
             <a:fld id="{9933A24F-1A97-48E4-8DAB-46DD861E305E}" type="datetimeFigureOut">
               <a:rPr lang="en-US" smtClean="0"/>
-              <a:t>3/6/2017</a:t>
+              <a:t>3/20/2017</a:t>
             </a:fld>
             <a:endParaRPr lang="en-US"/>
           </a:p>
@@ -3091,7 +3210,7 @@
           <a:p>
             <a:fld id="{9933A24F-1A97-48E4-8DAB-46DD861E305E}" type="datetimeFigureOut">
               <a:rPr lang="en-US" smtClean="0"/>
-              <a:t>3/6/2017</a:t>
+              <a:t>3/20/2017</a:t>
             </a:fld>
             <a:endParaRPr lang="en-US"/>
           </a:p>
@@ -3366,7 +3485,7 @@
           <a:p>
             <a:fld id="{9933A24F-1A97-48E4-8DAB-46DD861E305E}" type="datetimeFigureOut">
               <a:rPr lang="en-US" smtClean="0"/>
-              <a:t>3/6/2017</a:t>
+              <a:t>3/20/2017</a:t>
             </a:fld>
             <a:endParaRPr lang="en-US"/>
           </a:p>
@@ -3618,7 +3737,7 @@
           <a:p>
             <a:fld id="{9933A24F-1A97-48E4-8DAB-46DD861E305E}" type="datetimeFigureOut">
               <a:rPr lang="en-US" smtClean="0"/>
-              <a:t>3/6/2017</a:t>
+              <a:t>3/20/2017</a:t>
             </a:fld>
             <a:endParaRPr lang="en-US"/>
           </a:p>
@@ -3829,7 +3948,7 @@
           <a:p>
             <a:fld id="{9933A24F-1A97-48E4-8DAB-46DD861E305E}" type="datetimeFigureOut">
               <a:rPr lang="en-US" smtClean="0"/>
-              <a:t>3/6/2017</a:t>
+              <a:t>3/20/2017</a:t>
             </a:fld>
             <a:endParaRPr lang="en-US"/>
           </a:p>
@@ -35650,6 +35769,6853 @@
         </p:nvGrpSpPr>
         <p:grpSpPr>
           <a:xfrm>
+            <a:off x="3059832" y="562410"/>
+            <a:ext cx="3312368" cy="1786472"/>
+            <a:chOff x="4690610" y="2744313"/>
+            <a:chExt cx="2736305" cy="1277790"/>
+          </a:xfrm>
+        </p:grpSpPr>
+        <p:sp>
+          <p:nvSpPr>
+            <p:cNvPr id="30" name="Text Box 11"/>
+            <p:cNvSpPr txBox="1">
+              <a:spLocks noChangeArrowheads="1"/>
+            </p:cNvSpPr>
+            <p:nvPr/>
+          </p:nvSpPr>
+          <p:spPr bwMode="auto">
+            <a:xfrm>
+              <a:off x="4690610" y="2744313"/>
+              <a:ext cx="2736305" cy="1277790"/>
+            </a:xfrm>
+            <a:prstGeom prst="rect">
+              <a:avLst/>
+            </a:prstGeom>
+            <a:solidFill>
+              <a:srgbClr val="FFFFFF"/>
+            </a:solidFill>
+            <a:ln w="6350">
+              <a:solidFill>
+                <a:srgbClr val="C50006"/>
+              </a:solidFill>
+              <a:miter lim="800000"/>
+              <a:headEnd/>
+              <a:tailEnd/>
+            </a:ln>
+          </p:spPr>
+          <p:txBody>
+            <a:bodyPr lIns="90000" tIns="46800" rIns="90000" bIns="46800"/>
+            <a:lstStyle>
+              <a:lvl1pPr defTabSz="457200">
+                <a:buChar char="•"/>
+                <a:tabLst>
+                  <a:tab pos="0" algn="l"/>
+                  <a:tab pos="457200" algn="l"/>
+                  <a:tab pos="914400" algn="l"/>
+                  <a:tab pos="1371600" algn="l"/>
+                  <a:tab pos="1828800" algn="l"/>
+                  <a:tab pos="2286000" algn="l"/>
+                  <a:tab pos="2743200" algn="l"/>
+                  <a:tab pos="3200400" algn="l"/>
+                  <a:tab pos="3657600" algn="l"/>
+                  <a:tab pos="4114800" algn="l"/>
+                  <a:tab pos="4572000" algn="l"/>
+                  <a:tab pos="5029200" algn="l"/>
+                  <a:tab pos="5486400" algn="l"/>
+                  <a:tab pos="5943600" algn="l"/>
+                  <a:tab pos="6400800" algn="l"/>
+                  <a:tab pos="6858000" algn="l"/>
+                  <a:tab pos="7315200" algn="l"/>
+                  <a:tab pos="7772400" algn="l"/>
+                  <a:tab pos="8229600" algn="l"/>
+                  <a:tab pos="8686800" algn="l"/>
+                  <a:tab pos="9144000" algn="l"/>
+                </a:tabLst>
+                <a:defRPr sz="2400">
+                  <a:solidFill>
+                    <a:schemeClr val="tx1"/>
+                  </a:solidFill>
+                  <a:latin typeface="Arial Narrow" pitchFamily="34" charset="0"/>
+                  <a:ea typeface="ヒラギノ角ゴ Pro W3" charset="-128"/>
+                </a:defRPr>
+              </a:lvl1pPr>
+              <a:lvl2pPr marL="742950" indent="-285750" defTabSz="457200">
+                <a:buClr>
+                  <a:schemeClr val="tx1"/>
+                </a:buClr>
+                <a:buSzPct val="120000"/>
+                <a:buChar char="•"/>
+                <a:tabLst>
+                  <a:tab pos="0" algn="l"/>
+                  <a:tab pos="457200" algn="l"/>
+                  <a:tab pos="914400" algn="l"/>
+                  <a:tab pos="1371600" algn="l"/>
+                  <a:tab pos="1828800" algn="l"/>
+                  <a:tab pos="2286000" algn="l"/>
+                  <a:tab pos="2743200" algn="l"/>
+                  <a:tab pos="3200400" algn="l"/>
+                  <a:tab pos="3657600" algn="l"/>
+                  <a:tab pos="4114800" algn="l"/>
+                  <a:tab pos="4572000" algn="l"/>
+                  <a:tab pos="5029200" algn="l"/>
+                  <a:tab pos="5486400" algn="l"/>
+                  <a:tab pos="5943600" algn="l"/>
+                  <a:tab pos="6400800" algn="l"/>
+                  <a:tab pos="6858000" algn="l"/>
+                  <a:tab pos="7315200" algn="l"/>
+                  <a:tab pos="7772400" algn="l"/>
+                  <a:tab pos="8229600" algn="l"/>
+                  <a:tab pos="8686800" algn="l"/>
+                  <a:tab pos="9144000" algn="l"/>
+                </a:tabLst>
+                <a:defRPr sz="2400">
+                  <a:solidFill>
+                    <a:schemeClr val="tx1"/>
+                  </a:solidFill>
+                  <a:latin typeface="Arial Narrow" pitchFamily="34" charset="0"/>
+                  <a:ea typeface="ヒラギノ角ゴ Pro W3" charset="-128"/>
+                </a:defRPr>
+              </a:lvl2pPr>
+              <a:lvl3pPr marL="1143000" indent="-228600" defTabSz="457200">
+                <a:buFont typeface="Times" pitchFamily="18" charset="0"/>
+                <a:buChar char="–"/>
+                <a:tabLst>
+                  <a:tab pos="0" algn="l"/>
+                  <a:tab pos="457200" algn="l"/>
+                  <a:tab pos="914400" algn="l"/>
+                  <a:tab pos="1371600" algn="l"/>
+                  <a:tab pos="1828800" algn="l"/>
+                  <a:tab pos="2286000" algn="l"/>
+                  <a:tab pos="2743200" algn="l"/>
+                  <a:tab pos="3200400" algn="l"/>
+                  <a:tab pos="3657600" algn="l"/>
+                  <a:tab pos="4114800" algn="l"/>
+                  <a:tab pos="4572000" algn="l"/>
+                  <a:tab pos="5029200" algn="l"/>
+                  <a:tab pos="5486400" algn="l"/>
+                  <a:tab pos="5943600" algn="l"/>
+                  <a:tab pos="6400800" algn="l"/>
+                  <a:tab pos="6858000" algn="l"/>
+                  <a:tab pos="7315200" algn="l"/>
+                  <a:tab pos="7772400" algn="l"/>
+                  <a:tab pos="8229600" algn="l"/>
+                  <a:tab pos="8686800" algn="l"/>
+                  <a:tab pos="9144000" algn="l"/>
+                </a:tabLst>
+                <a:defRPr sz="1700">
+                  <a:solidFill>
+                    <a:schemeClr val="tx1"/>
+                  </a:solidFill>
+                  <a:latin typeface="Arial Narrow" pitchFamily="34" charset="0"/>
+                  <a:ea typeface="MS PGothic" pitchFamily="34" charset="-128"/>
+                </a:defRPr>
+              </a:lvl3pPr>
+              <a:lvl4pPr marL="1600200" indent="-228600" defTabSz="457200">
+                <a:buFont typeface="Lucida Grande" charset="0"/>
+                <a:buChar char="–"/>
+                <a:tabLst>
+                  <a:tab pos="0" algn="l"/>
+                  <a:tab pos="457200" algn="l"/>
+                  <a:tab pos="914400" algn="l"/>
+                  <a:tab pos="1371600" algn="l"/>
+                  <a:tab pos="1828800" algn="l"/>
+                  <a:tab pos="2286000" algn="l"/>
+                  <a:tab pos="2743200" algn="l"/>
+                  <a:tab pos="3200400" algn="l"/>
+                  <a:tab pos="3657600" algn="l"/>
+                  <a:tab pos="4114800" algn="l"/>
+                  <a:tab pos="4572000" algn="l"/>
+                  <a:tab pos="5029200" algn="l"/>
+                  <a:tab pos="5486400" algn="l"/>
+                  <a:tab pos="5943600" algn="l"/>
+                  <a:tab pos="6400800" algn="l"/>
+                  <a:tab pos="6858000" algn="l"/>
+                  <a:tab pos="7315200" algn="l"/>
+                  <a:tab pos="7772400" algn="l"/>
+                  <a:tab pos="8229600" algn="l"/>
+                  <a:tab pos="8686800" algn="l"/>
+                  <a:tab pos="9144000" algn="l"/>
+                </a:tabLst>
+                <a:defRPr sz="2400">
+                  <a:solidFill>
+                    <a:schemeClr val="tx1"/>
+                  </a:solidFill>
+                  <a:latin typeface="Arial Narrow" pitchFamily="34" charset="0"/>
+                  <a:ea typeface="MS PGothic" pitchFamily="34" charset="-128"/>
+                </a:defRPr>
+              </a:lvl4pPr>
+              <a:lvl5pPr marL="2057400" indent="-228600" defTabSz="457200">
+                <a:buFont typeface="Lucida Grande" charset="0"/>
+                <a:buChar char="–"/>
+                <a:tabLst>
+                  <a:tab pos="0" algn="l"/>
+                  <a:tab pos="457200" algn="l"/>
+                  <a:tab pos="914400" algn="l"/>
+                  <a:tab pos="1371600" algn="l"/>
+                  <a:tab pos="1828800" algn="l"/>
+                  <a:tab pos="2286000" algn="l"/>
+                  <a:tab pos="2743200" algn="l"/>
+                  <a:tab pos="3200400" algn="l"/>
+                  <a:tab pos="3657600" algn="l"/>
+                  <a:tab pos="4114800" algn="l"/>
+                  <a:tab pos="4572000" algn="l"/>
+                  <a:tab pos="5029200" algn="l"/>
+                  <a:tab pos="5486400" algn="l"/>
+                  <a:tab pos="5943600" algn="l"/>
+                  <a:tab pos="6400800" algn="l"/>
+                  <a:tab pos="6858000" algn="l"/>
+                  <a:tab pos="7315200" algn="l"/>
+                  <a:tab pos="7772400" algn="l"/>
+                  <a:tab pos="8229600" algn="l"/>
+                  <a:tab pos="8686800" algn="l"/>
+                  <a:tab pos="9144000" algn="l"/>
+                </a:tabLst>
+                <a:defRPr sz="2400">
+                  <a:solidFill>
+                    <a:schemeClr val="tx1"/>
+                  </a:solidFill>
+                  <a:latin typeface="Arial Narrow" pitchFamily="34" charset="0"/>
+                  <a:ea typeface="ヒラギノ角ゴ Pro W3" charset="-128"/>
+                </a:defRPr>
+              </a:lvl5pPr>
+              <a:lvl6pPr marL="2514600" indent="-228600" defTabSz="457200" eaLnBrk="0" fontAlgn="base" hangingPunct="0">
+                <a:lnSpc>
+                  <a:spcPct val="110000"/>
+                </a:lnSpc>
+                <a:spcBef>
+                  <a:spcPct val="0"/>
+                </a:spcBef>
+                <a:spcAft>
+                  <a:spcPct val="0"/>
+                </a:spcAft>
+                <a:buFont typeface="Lucida Grande" charset="0"/>
+                <a:buChar char="–"/>
+                <a:tabLst>
+                  <a:tab pos="0" algn="l"/>
+                  <a:tab pos="457200" algn="l"/>
+                  <a:tab pos="914400" algn="l"/>
+                  <a:tab pos="1371600" algn="l"/>
+                  <a:tab pos="1828800" algn="l"/>
+                  <a:tab pos="2286000" algn="l"/>
+                  <a:tab pos="2743200" algn="l"/>
+                  <a:tab pos="3200400" algn="l"/>
+                  <a:tab pos="3657600" algn="l"/>
+                  <a:tab pos="4114800" algn="l"/>
+                  <a:tab pos="4572000" algn="l"/>
+                  <a:tab pos="5029200" algn="l"/>
+                  <a:tab pos="5486400" algn="l"/>
+                  <a:tab pos="5943600" algn="l"/>
+                  <a:tab pos="6400800" algn="l"/>
+                  <a:tab pos="6858000" algn="l"/>
+                  <a:tab pos="7315200" algn="l"/>
+                  <a:tab pos="7772400" algn="l"/>
+                  <a:tab pos="8229600" algn="l"/>
+                  <a:tab pos="8686800" algn="l"/>
+                  <a:tab pos="9144000" algn="l"/>
+                </a:tabLst>
+                <a:defRPr sz="2400">
+                  <a:solidFill>
+                    <a:schemeClr val="tx1"/>
+                  </a:solidFill>
+                  <a:latin typeface="Arial Narrow" pitchFamily="34" charset="0"/>
+                  <a:ea typeface="ヒラギノ角ゴ Pro W3" charset="-128"/>
+                </a:defRPr>
+              </a:lvl6pPr>
+              <a:lvl7pPr marL="2971800" indent="-228600" defTabSz="457200" eaLnBrk="0" fontAlgn="base" hangingPunct="0">
+                <a:lnSpc>
+                  <a:spcPct val="110000"/>
+                </a:lnSpc>
+                <a:spcBef>
+                  <a:spcPct val="0"/>
+                </a:spcBef>
+                <a:spcAft>
+                  <a:spcPct val="0"/>
+                </a:spcAft>
+                <a:buFont typeface="Lucida Grande" charset="0"/>
+                <a:buChar char="–"/>
+                <a:tabLst>
+                  <a:tab pos="0" algn="l"/>
+                  <a:tab pos="457200" algn="l"/>
+                  <a:tab pos="914400" algn="l"/>
+                  <a:tab pos="1371600" algn="l"/>
+                  <a:tab pos="1828800" algn="l"/>
+                  <a:tab pos="2286000" algn="l"/>
+                  <a:tab pos="2743200" algn="l"/>
+                  <a:tab pos="3200400" algn="l"/>
+                  <a:tab pos="3657600" algn="l"/>
+                  <a:tab pos="4114800" algn="l"/>
+                  <a:tab pos="4572000" algn="l"/>
+                  <a:tab pos="5029200" algn="l"/>
+                  <a:tab pos="5486400" algn="l"/>
+                  <a:tab pos="5943600" algn="l"/>
+                  <a:tab pos="6400800" algn="l"/>
+                  <a:tab pos="6858000" algn="l"/>
+                  <a:tab pos="7315200" algn="l"/>
+                  <a:tab pos="7772400" algn="l"/>
+                  <a:tab pos="8229600" algn="l"/>
+                  <a:tab pos="8686800" algn="l"/>
+                  <a:tab pos="9144000" algn="l"/>
+                </a:tabLst>
+                <a:defRPr sz="2400">
+                  <a:solidFill>
+                    <a:schemeClr val="tx1"/>
+                  </a:solidFill>
+                  <a:latin typeface="Arial Narrow" pitchFamily="34" charset="0"/>
+                  <a:ea typeface="ヒラギノ角ゴ Pro W3" charset="-128"/>
+                </a:defRPr>
+              </a:lvl7pPr>
+              <a:lvl8pPr marL="3429000" indent="-228600" defTabSz="457200" eaLnBrk="0" fontAlgn="base" hangingPunct="0">
+                <a:lnSpc>
+                  <a:spcPct val="110000"/>
+                </a:lnSpc>
+                <a:spcBef>
+                  <a:spcPct val="0"/>
+                </a:spcBef>
+                <a:spcAft>
+                  <a:spcPct val="0"/>
+                </a:spcAft>
+                <a:buFont typeface="Lucida Grande" charset="0"/>
+                <a:buChar char="–"/>
+                <a:tabLst>
+                  <a:tab pos="0" algn="l"/>
+                  <a:tab pos="457200" algn="l"/>
+                  <a:tab pos="914400" algn="l"/>
+                  <a:tab pos="1371600" algn="l"/>
+                  <a:tab pos="1828800" algn="l"/>
+                  <a:tab pos="2286000" algn="l"/>
+                  <a:tab pos="2743200" algn="l"/>
+                  <a:tab pos="3200400" algn="l"/>
+                  <a:tab pos="3657600" algn="l"/>
+                  <a:tab pos="4114800" algn="l"/>
+                  <a:tab pos="4572000" algn="l"/>
+                  <a:tab pos="5029200" algn="l"/>
+                  <a:tab pos="5486400" algn="l"/>
+                  <a:tab pos="5943600" algn="l"/>
+                  <a:tab pos="6400800" algn="l"/>
+                  <a:tab pos="6858000" algn="l"/>
+                  <a:tab pos="7315200" algn="l"/>
+                  <a:tab pos="7772400" algn="l"/>
+                  <a:tab pos="8229600" algn="l"/>
+                  <a:tab pos="8686800" algn="l"/>
+                  <a:tab pos="9144000" algn="l"/>
+                </a:tabLst>
+                <a:defRPr sz="2400">
+                  <a:solidFill>
+                    <a:schemeClr val="tx1"/>
+                  </a:solidFill>
+                  <a:latin typeface="Arial Narrow" pitchFamily="34" charset="0"/>
+                  <a:ea typeface="ヒラギノ角ゴ Pro W3" charset="-128"/>
+                </a:defRPr>
+              </a:lvl8pPr>
+              <a:lvl9pPr marL="3886200" indent="-228600" defTabSz="457200" eaLnBrk="0" fontAlgn="base" hangingPunct="0">
+                <a:lnSpc>
+                  <a:spcPct val="110000"/>
+                </a:lnSpc>
+                <a:spcBef>
+                  <a:spcPct val="0"/>
+                </a:spcBef>
+                <a:spcAft>
+                  <a:spcPct val="0"/>
+                </a:spcAft>
+                <a:buFont typeface="Lucida Grande" charset="0"/>
+                <a:buChar char="–"/>
+                <a:tabLst>
+                  <a:tab pos="0" algn="l"/>
+                  <a:tab pos="457200" algn="l"/>
+                  <a:tab pos="914400" algn="l"/>
+                  <a:tab pos="1371600" algn="l"/>
+                  <a:tab pos="1828800" algn="l"/>
+                  <a:tab pos="2286000" algn="l"/>
+                  <a:tab pos="2743200" algn="l"/>
+                  <a:tab pos="3200400" algn="l"/>
+                  <a:tab pos="3657600" algn="l"/>
+                  <a:tab pos="4114800" algn="l"/>
+                  <a:tab pos="4572000" algn="l"/>
+                  <a:tab pos="5029200" algn="l"/>
+                  <a:tab pos="5486400" algn="l"/>
+                  <a:tab pos="5943600" algn="l"/>
+                  <a:tab pos="6400800" algn="l"/>
+                  <a:tab pos="6858000" algn="l"/>
+                  <a:tab pos="7315200" algn="l"/>
+                  <a:tab pos="7772400" algn="l"/>
+                  <a:tab pos="8229600" algn="l"/>
+                  <a:tab pos="8686800" algn="l"/>
+                  <a:tab pos="9144000" algn="l"/>
+                </a:tabLst>
+                <a:defRPr sz="2400">
+                  <a:solidFill>
+                    <a:schemeClr val="tx1"/>
+                  </a:solidFill>
+                  <a:latin typeface="Arial Narrow" pitchFamily="34" charset="0"/>
+                  <a:ea typeface="ヒラギノ角ゴ Pro W3" charset="-128"/>
+                </a:defRPr>
+              </a:lvl9pPr>
+            </a:lstStyle>
+            <a:p>
+              <a:pPr eaLnBrk="1" hangingPunct="1">
+                <a:lnSpc>
+                  <a:spcPct val="100000"/>
+                </a:lnSpc>
+                <a:buClr>
+                  <a:srgbClr val="000000"/>
+                </a:buClr>
+                <a:buFont typeface="Times New Roman" pitchFamily="18" charset="0"/>
+                <a:buNone/>
+              </a:pPr>
+              <a:r>
+                <a:rPr lang="en-US" altLang="ko-KR" sz="1400">
+                  <a:solidFill>
+                    <a:srgbClr val="C50006"/>
+                  </a:solidFill>
+                  <a:latin typeface="Courier New" panose="02070309020205020404" pitchFamily="49" charset="0"/>
+                  <a:ea typeface="Gulim" pitchFamily="34" charset="-127"/>
+                  <a:cs typeface="Courier New" panose="02070309020205020404" pitchFamily="49" charset="0"/>
+                </a:rPr>
+                <a:t>samples</a:t>
+              </a:r>
+              <a:r>
+                <a:rPr lang="en-US" altLang="ko-KR" sz="1400">
+                  <a:solidFill>
+                    <a:srgbClr val="C50006"/>
+                  </a:solidFill>
+                  <a:latin typeface="+mn-lt"/>
+                  <a:ea typeface="Gulim" pitchFamily="34" charset="-127"/>
+                  <a:cs typeface="Arial Unicode MS" pitchFamily="34" charset="-128"/>
+                </a:rPr>
+                <a:t> </a:t>
+              </a:r>
+              <a:r>
+                <a:rPr lang="en-US" altLang="ko-KR" sz="1400" dirty="0">
+                  <a:solidFill>
+                    <a:srgbClr val="C50006"/>
+                  </a:solidFill>
+                  <a:latin typeface="+mn-lt"/>
+                  <a:ea typeface="Gulim" pitchFamily="34" charset="-127"/>
+                  <a:cs typeface="Arial Unicode MS" pitchFamily="34" charset="-128"/>
+                </a:rPr>
+                <a:t>Module</a:t>
+              </a:r>
+            </a:p>
+          </p:txBody>
+        </p:sp>
+        <p:sp>
+          <p:nvSpPr>
+            <p:cNvPr id="31" name="Text Box 12"/>
+            <p:cNvSpPr txBox="1">
+              <a:spLocks noChangeArrowheads="1"/>
+            </p:cNvSpPr>
+            <p:nvPr/>
+          </p:nvSpPr>
+          <p:spPr bwMode="auto">
+            <a:xfrm>
+              <a:off x="4762618" y="2996385"/>
+              <a:ext cx="2604610" cy="996642"/>
+            </a:xfrm>
+            <a:prstGeom prst="rect">
+              <a:avLst/>
+            </a:prstGeom>
+            <a:solidFill>
+              <a:srgbClr val="FFF5D6"/>
+            </a:solidFill>
+            <a:ln w="9360">
+              <a:noFill/>
+              <a:miter lim="800000"/>
+              <a:headEnd/>
+              <a:tailEnd/>
+            </a:ln>
+          </p:spPr>
+          <p:txBody>
+            <a:bodyPr wrap="square" lIns="90000" tIns="46800" rIns="90000" bIns="46800" anchor="ctr">
+              <a:noAutofit/>
+            </a:bodyPr>
+            <a:lstStyle>
+              <a:lvl1pPr defTabSz="457200">
+                <a:buChar char="•"/>
+                <a:tabLst>
+                  <a:tab pos="0" algn="l"/>
+                  <a:tab pos="457200" algn="l"/>
+                  <a:tab pos="914400" algn="l"/>
+                  <a:tab pos="1371600" algn="l"/>
+                  <a:tab pos="1828800" algn="l"/>
+                  <a:tab pos="2286000" algn="l"/>
+                  <a:tab pos="2743200" algn="l"/>
+                  <a:tab pos="3200400" algn="l"/>
+                  <a:tab pos="3657600" algn="l"/>
+                  <a:tab pos="4114800" algn="l"/>
+                  <a:tab pos="4572000" algn="l"/>
+                  <a:tab pos="5029200" algn="l"/>
+                  <a:tab pos="5486400" algn="l"/>
+                  <a:tab pos="5943600" algn="l"/>
+                  <a:tab pos="6400800" algn="l"/>
+                  <a:tab pos="6858000" algn="l"/>
+                  <a:tab pos="7315200" algn="l"/>
+                  <a:tab pos="7772400" algn="l"/>
+                  <a:tab pos="8229600" algn="l"/>
+                  <a:tab pos="8686800" algn="l"/>
+                  <a:tab pos="9144000" algn="l"/>
+                </a:tabLst>
+                <a:defRPr sz="2400">
+                  <a:solidFill>
+                    <a:schemeClr val="tx1"/>
+                  </a:solidFill>
+                  <a:latin typeface="Arial Narrow" pitchFamily="34" charset="0"/>
+                  <a:ea typeface="ヒラギノ角ゴ Pro W3" charset="-128"/>
+                </a:defRPr>
+              </a:lvl1pPr>
+              <a:lvl2pPr marL="742950" indent="-285750" defTabSz="457200">
+                <a:buClr>
+                  <a:schemeClr val="tx1"/>
+                </a:buClr>
+                <a:buSzPct val="120000"/>
+                <a:buChar char="•"/>
+                <a:tabLst>
+                  <a:tab pos="0" algn="l"/>
+                  <a:tab pos="457200" algn="l"/>
+                  <a:tab pos="914400" algn="l"/>
+                  <a:tab pos="1371600" algn="l"/>
+                  <a:tab pos="1828800" algn="l"/>
+                  <a:tab pos="2286000" algn="l"/>
+                  <a:tab pos="2743200" algn="l"/>
+                  <a:tab pos="3200400" algn="l"/>
+                  <a:tab pos="3657600" algn="l"/>
+                  <a:tab pos="4114800" algn="l"/>
+                  <a:tab pos="4572000" algn="l"/>
+                  <a:tab pos="5029200" algn="l"/>
+                  <a:tab pos="5486400" algn="l"/>
+                  <a:tab pos="5943600" algn="l"/>
+                  <a:tab pos="6400800" algn="l"/>
+                  <a:tab pos="6858000" algn="l"/>
+                  <a:tab pos="7315200" algn="l"/>
+                  <a:tab pos="7772400" algn="l"/>
+                  <a:tab pos="8229600" algn="l"/>
+                  <a:tab pos="8686800" algn="l"/>
+                  <a:tab pos="9144000" algn="l"/>
+                </a:tabLst>
+                <a:defRPr sz="2400">
+                  <a:solidFill>
+                    <a:schemeClr val="tx1"/>
+                  </a:solidFill>
+                  <a:latin typeface="Arial Narrow" pitchFamily="34" charset="0"/>
+                  <a:ea typeface="ヒラギノ角ゴ Pro W3" charset="-128"/>
+                </a:defRPr>
+              </a:lvl2pPr>
+              <a:lvl3pPr marL="1143000" indent="-228600" defTabSz="457200">
+                <a:buFont typeface="Times" pitchFamily="18" charset="0"/>
+                <a:buChar char="–"/>
+                <a:tabLst>
+                  <a:tab pos="0" algn="l"/>
+                  <a:tab pos="457200" algn="l"/>
+                  <a:tab pos="914400" algn="l"/>
+                  <a:tab pos="1371600" algn="l"/>
+                  <a:tab pos="1828800" algn="l"/>
+                  <a:tab pos="2286000" algn="l"/>
+                  <a:tab pos="2743200" algn="l"/>
+                  <a:tab pos="3200400" algn="l"/>
+                  <a:tab pos="3657600" algn="l"/>
+                  <a:tab pos="4114800" algn="l"/>
+                  <a:tab pos="4572000" algn="l"/>
+                  <a:tab pos="5029200" algn="l"/>
+                  <a:tab pos="5486400" algn="l"/>
+                  <a:tab pos="5943600" algn="l"/>
+                  <a:tab pos="6400800" algn="l"/>
+                  <a:tab pos="6858000" algn="l"/>
+                  <a:tab pos="7315200" algn="l"/>
+                  <a:tab pos="7772400" algn="l"/>
+                  <a:tab pos="8229600" algn="l"/>
+                  <a:tab pos="8686800" algn="l"/>
+                  <a:tab pos="9144000" algn="l"/>
+                </a:tabLst>
+                <a:defRPr sz="1700">
+                  <a:solidFill>
+                    <a:schemeClr val="tx1"/>
+                  </a:solidFill>
+                  <a:latin typeface="Arial Narrow" pitchFamily="34" charset="0"/>
+                  <a:ea typeface="MS PGothic" pitchFamily="34" charset="-128"/>
+                </a:defRPr>
+              </a:lvl3pPr>
+              <a:lvl4pPr marL="1600200" indent="-228600" defTabSz="457200">
+                <a:buFont typeface="Lucida Grande" charset="0"/>
+                <a:buChar char="–"/>
+                <a:tabLst>
+                  <a:tab pos="0" algn="l"/>
+                  <a:tab pos="457200" algn="l"/>
+                  <a:tab pos="914400" algn="l"/>
+                  <a:tab pos="1371600" algn="l"/>
+                  <a:tab pos="1828800" algn="l"/>
+                  <a:tab pos="2286000" algn="l"/>
+                  <a:tab pos="2743200" algn="l"/>
+                  <a:tab pos="3200400" algn="l"/>
+                  <a:tab pos="3657600" algn="l"/>
+                  <a:tab pos="4114800" algn="l"/>
+                  <a:tab pos="4572000" algn="l"/>
+                  <a:tab pos="5029200" algn="l"/>
+                  <a:tab pos="5486400" algn="l"/>
+                  <a:tab pos="5943600" algn="l"/>
+                  <a:tab pos="6400800" algn="l"/>
+                  <a:tab pos="6858000" algn="l"/>
+                  <a:tab pos="7315200" algn="l"/>
+                  <a:tab pos="7772400" algn="l"/>
+                  <a:tab pos="8229600" algn="l"/>
+                  <a:tab pos="8686800" algn="l"/>
+                  <a:tab pos="9144000" algn="l"/>
+                </a:tabLst>
+                <a:defRPr sz="2400">
+                  <a:solidFill>
+                    <a:schemeClr val="tx1"/>
+                  </a:solidFill>
+                  <a:latin typeface="Arial Narrow" pitchFamily="34" charset="0"/>
+                  <a:ea typeface="MS PGothic" pitchFamily="34" charset="-128"/>
+                </a:defRPr>
+              </a:lvl4pPr>
+              <a:lvl5pPr marL="2057400" indent="-228600" defTabSz="457200">
+                <a:buFont typeface="Lucida Grande" charset="0"/>
+                <a:buChar char="–"/>
+                <a:tabLst>
+                  <a:tab pos="0" algn="l"/>
+                  <a:tab pos="457200" algn="l"/>
+                  <a:tab pos="914400" algn="l"/>
+                  <a:tab pos="1371600" algn="l"/>
+                  <a:tab pos="1828800" algn="l"/>
+                  <a:tab pos="2286000" algn="l"/>
+                  <a:tab pos="2743200" algn="l"/>
+                  <a:tab pos="3200400" algn="l"/>
+                  <a:tab pos="3657600" algn="l"/>
+                  <a:tab pos="4114800" algn="l"/>
+                  <a:tab pos="4572000" algn="l"/>
+                  <a:tab pos="5029200" algn="l"/>
+                  <a:tab pos="5486400" algn="l"/>
+                  <a:tab pos="5943600" algn="l"/>
+                  <a:tab pos="6400800" algn="l"/>
+                  <a:tab pos="6858000" algn="l"/>
+                  <a:tab pos="7315200" algn="l"/>
+                  <a:tab pos="7772400" algn="l"/>
+                  <a:tab pos="8229600" algn="l"/>
+                  <a:tab pos="8686800" algn="l"/>
+                  <a:tab pos="9144000" algn="l"/>
+                </a:tabLst>
+                <a:defRPr sz="2400">
+                  <a:solidFill>
+                    <a:schemeClr val="tx1"/>
+                  </a:solidFill>
+                  <a:latin typeface="Arial Narrow" pitchFamily="34" charset="0"/>
+                  <a:ea typeface="ヒラギノ角ゴ Pro W3" charset="-128"/>
+                </a:defRPr>
+              </a:lvl5pPr>
+              <a:lvl6pPr marL="2514600" indent="-228600" defTabSz="457200" eaLnBrk="0" fontAlgn="base" hangingPunct="0">
+                <a:lnSpc>
+                  <a:spcPct val="110000"/>
+                </a:lnSpc>
+                <a:spcBef>
+                  <a:spcPct val="0"/>
+                </a:spcBef>
+                <a:spcAft>
+                  <a:spcPct val="0"/>
+                </a:spcAft>
+                <a:buFont typeface="Lucida Grande" charset="0"/>
+                <a:buChar char="–"/>
+                <a:tabLst>
+                  <a:tab pos="0" algn="l"/>
+                  <a:tab pos="457200" algn="l"/>
+                  <a:tab pos="914400" algn="l"/>
+                  <a:tab pos="1371600" algn="l"/>
+                  <a:tab pos="1828800" algn="l"/>
+                  <a:tab pos="2286000" algn="l"/>
+                  <a:tab pos="2743200" algn="l"/>
+                  <a:tab pos="3200400" algn="l"/>
+                  <a:tab pos="3657600" algn="l"/>
+                  <a:tab pos="4114800" algn="l"/>
+                  <a:tab pos="4572000" algn="l"/>
+                  <a:tab pos="5029200" algn="l"/>
+                  <a:tab pos="5486400" algn="l"/>
+                  <a:tab pos="5943600" algn="l"/>
+                  <a:tab pos="6400800" algn="l"/>
+                  <a:tab pos="6858000" algn="l"/>
+                  <a:tab pos="7315200" algn="l"/>
+                  <a:tab pos="7772400" algn="l"/>
+                  <a:tab pos="8229600" algn="l"/>
+                  <a:tab pos="8686800" algn="l"/>
+                  <a:tab pos="9144000" algn="l"/>
+                </a:tabLst>
+                <a:defRPr sz="2400">
+                  <a:solidFill>
+                    <a:schemeClr val="tx1"/>
+                  </a:solidFill>
+                  <a:latin typeface="Arial Narrow" pitchFamily="34" charset="0"/>
+                  <a:ea typeface="ヒラギノ角ゴ Pro W3" charset="-128"/>
+                </a:defRPr>
+              </a:lvl6pPr>
+              <a:lvl7pPr marL="2971800" indent="-228600" defTabSz="457200" eaLnBrk="0" fontAlgn="base" hangingPunct="0">
+                <a:lnSpc>
+                  <a:spcPct val="110000"/>
+                </a:lnSpc>
+                <a:spcBef>
+                  <a:spcPct val="0"/>
+                </a:spcBef>
+                <a:spcAft>
+                  <a:spcPct val="0"/>
+                </a:spcAft>
+                <a:buFont typeface="Lucida Grande" charset="0"/>
+                <a:buChar char="–"/>
+                <a:tabLst>
+                  <a:tab pos="0" algn="l"/>
+                  <a:tab pos="457200" algn="l"/>
+                  <a:tab pos="914400" algn="l"/>
+                  <a:tab pos="1371600" algn="l"/>
+                  <a:tab pos="1828800" algn="l"/>
+                  <a:tab pos="2286000" algn="l"/>
+                  <a:tab pos="2743200" algn="l"/>
+                  <a:tab pos="3200400" algn="l"/>
+                  <a:tab pos="3657600" algn="l"/>
+                  <a:tab pos="4114800" algn="l"/>
+                  <a:tab pos="4572000" algn="l"/>
+                  <a:tab pos="5029200" algn="l"/>
+                  <a:tab pos="5486400" algn="l"/>
+                  <a:tab pos="5943600" algn="l"/>
+                  <a:tab pos="6400800" algn="l"/>
+                  <a:tab pos="6858000" algn="l"/>
+                  <a:tab pos="7315200" algn="l"/>
+                  <a:tab pos="7772400" algn="l"/>
+                  <a:tab pos="8229600" algn="l"/>
+                  <a:tab pos="8686800" algn="l"/>
+                  <a:tab pos="9144000" algn="l"/>
+                </a:tabLst>
+                <a:defRPr sz="2400">
+                  <a:solidFill>
+                    <a:schemeClr val="tx1"/>
+                  </a:solidFill>
+                  <a:latin typeface="Arial Narrow" pitchFamily="34" charset="0"/>
+                  <a:ea typeface="ヒラギノ角ゴ Pro W3" charset="-128"/>
+                </a:defRPr>
+              </a:lvl7pPr>
+              <a:lvl8pPr marL="3429000" indent="-228600" defTabSz="457200" eaLnBrk="0" fontAlgn="base" hangingPunct="0">
+                <a:lnSpc>
+                  <a:spcPct val="110000"/>
+                </a:lnSpc>
+                <a:spcBef>
+                  <a:spcPct val="0"/>
+                </a:spcBef>
+                <a:spcAft>
+                  <a:spcPct val="0"/>
+                </a:spcAft>
+                <a:buFont typeface="Lucida Grande" charset="0"/>
+                <a:buChar char="–"/>
+                <a:tabLst>
+                  <a:tab pos="0" algn="l"/>
+                  <a:tab pos="457200" algn="l"/>
+                  <a:tab pos="914400" algn="l"/>
+                  <a:tab pos="1371600" algn="l"/>
+                  <a:tab pos="1828800" algn="l"/>
+                  <a:tab pos="2286000" algn="l"/>
+                  <a:tab pos="2743200" algn="l"/>
+                  <a:tab pos="3200400" algn="l"/>
+                  <a:tab pos="3657600" algn="l"/>
+                  <a:tab pos="4114800" algn="l"/>
+                  <a:tab pos="4572000" algn="l"/>
+                  <a:tab pos="5029200" algn="l"/>
+                  <a:tab pos="5486400" algn="l"/>
+                  <a:tab pos="5943600" algn="l"/>
+                  <a:tab pos="6400800" algn="l"/>
+                  <a:tab pos="6858000" algn="l"/>
+                  <a:tab pos="7315200" algn="l"/>
+                  <a:tab pos="7772400" algn="l"/>
+                  <a:tab pos="8229600" algn="l"/>
+                  <a:tab pos="8686800" algn="l"/>
+                  <a:tab pos="9144000" algn="l"/>
+                </a:tabLst>
+                <a:defRPr sz="2400">
+                  <a:solidFill>
+                    <a:schemeClr val="tx1"/>
+                  </a:solidFill>
+                  <a:latin typeface="Arial Narrow" pitchFamily="34" charset="0"/>
+                  <a:ea typeface="ヒラギノ角ゴ Pro W3" charset="-128"/>
+                </a:defRPr>
+              </a:lvl8pPr>
+              <a:lvl9pPr marL="3886200" indent="-228600" defTabSz="457200" eaLnBrk="0" fontAlgn="base" hangingPunct="0">
+                <a:lnSpc>
+                  <a:spcPct val="110000"/>
+                </a:lnSpc>
+                <a:spcBef>
+                  <a:spcPct val="0"/>
+                </a:spcBef>
+                <a:spcAft>
+                  <a:spcPct val="0"/>
+                </a:spcAft>
+                <a:buFont typeface="Lucida Grande" charset="0"/>
+                <a:buChar char="–"/>
+                <a:tabLst>
+                  <a:tab pos="0" algn="l"/>
+                  <a:tab pos="457200" algn="l"/>
+                  <a:tab pos="914400" algn="l"/>
+                  <a:tab pos="1371600" algn="l"/>
+                  <a:tab pos="1828800" algn="l"/>
+                  <a:tab pos="2286000" algn="l"/>
+                  <a:tab pos="2743200" algn="l"/>
+                  <a:tab pos="3200400" algn="l"/>
+                  <a:tab pos="3657600" algn="l"/>
+                  <a:tab pos="4114800" algn="l"/>
+                  <a:tab pos="4572000" algn="l"/>
+                  <a:tab pos="5029200" algn="l"/>
+                  <a:tab pos="5486400" algn="l"/>
+                  <a:tab pos="5943600" algn="l"/>
+                  <a:tab pos="6400800" algn="l"/>
+                  <a:tab pos="6858000" algn="l"/>
+                  <a:tab pos="7315200" algn="l"/>
+                  <a:tab pos="7772400" algn="l"/>
+                  <a:tab pos="8229600" algn="l"/>
+                  <a:tab pos="8686800" algn="l"/>
+                  <a:tab pos="9144000" algn="l"/>
+                </a:tabLst>
+                <a:defRPr sz="2400">
+                  <a:solidFill>
+                    <a:schemeClr val="tx1"/>
+                  </a:solidFill>
+                  <a:latin typeface="Arial Narrow" pitchFamily="34" charset="0"/>
+                  <a:ea typeface="ヒラギノ角ゴ Pro W3" charset="-128"/>
+                </a:defRPr>
+              </a:lvl9pPr>
+            </a:lstStyle>
+            <a:p>
+              <a:pPr marL="85725" indent="-85725" eaLnBrk="1" hangingPunct="1">
+                <a:spcBef>
+                  <a:spcPts val="0"/>
+                </a:spcBef>
+                <a:buClr>
+                  <a:srgbClr val="000000"/>
+                </a:buClr>
+              </a:pPr>
+              <a:r>
+                <a:rPr lang="en-US" altLang="ko-KR" sz="1100" dirty="0">
+                  <a:solidFill>
+                    <a:srgbClr val="003B6E"/>
+                  </a:solidFill>
+                  <a:latin typeface="+mn-lt"/>
+                  <a:ea typeface="Gulim" pitchFamily="34" charset="-127"/>
+                  <a:cs typeface="Arial Unicode MS" pitchFamily="34" charset="-128"/>
+                </a:rPr>
+                <a:t>Simple Random Sampling (</a:t>
+              </a:r>
+              <a:r>
+                <a:rPr lang="en-US" altLang="ko-KR" sz="1100" dirty="0" err="1">
+                  <a:solidFill>
+                    <a:srgbClr val="003B6E"/>
+                  </a:solidFill>
+                  <a:latin typeface="Courier New" panose="02070309020205020404" pitchFamily="49" charset="0"/>
+                  <a:ea typeface="Gulim" pitchFamily="34" charset="-127"/>
+                  <a:cs typeface="Courier New" panose="02070309020205020404" pitchFamily="49" charset="0"/>
+                </a:rPr>
+                <a:t>srs</a:t>
+              </a:r>
+              <a:r>
+                <a:rPr lang="en-US" altLang="ko-KR" sz="1100" dirty="0">
+                  <a:solidFill>
+                    <a:srgbClr val="003B6E"/>
+                  </a:solidFill>
+                  <a:latin typeface="+mn-lt"/>
+                  <a:ea typeface="Gulim" pitchFamily="34" charset="-127"/>
+                  <a:cs typeface="Arial Unicode MS" pitchFamily="34" charset="-128"/>
+                </a:rPr>
+                <a:t>)</a:t>
+              </a:r>
+            </a:p>
+            <a:p>
+              <a:pPr marL="85725" indent="-85725" eaLnBrk="1" hangingPunct="1">
+                <a:spcBef>
+                  <a:spcPts val="0"/>
+                </a:spcBef>
+                <a:buClr>
+                  <a:srgbClr val="000000"/>
+                </a:buClr>
+              </a:pPr>
+              <a:r>
+                <a:rPr lang="en-US" altLang="ko-KR" sz="1100" dirty="0">
+                  <a:solidFill>
+                    <a:srgbClr val="003B6E"/>
+                  </a:solidFill>
+                  <a:latin typeface="+mn-lt"/>
+                  <a:ea typeface="Gulim" pitchFamily="34" charset="-127"/>
+                  <a:cs typeface="Arial Unicode MS" pitchFamily="34" charset="-128"/>
+                </a:rPr>
+                <a:t>Latin Hypercube Sampling (</a:t>
+              </a:r>
+              <a:r>
+                <a:rPr lang="en-US" altLang="ko-KR" sz="1100" dirty="0" err="1">
+                  <a:solidFill>
+                    <a:srgbClr val="003B6E"/>
+                  </a:solidFill>
+                  <a:latin typeface="Courier New" panose="02070309020205020404" pitchFamily="49" charset="0"/>
+                  <a:ea typeface="Gulim" pitchFamily="34" charset="-127"/>
+                  <a:cs typeface="Courier New" panose="02070309020205020404" pitchFamily="49" charset="0"/>
+                </a:rPr>
+                <a:t>lhs</a:t>
+              </a:r>
+              <a:r>
+                <a:rPr lang="en-US" altLang="ko-KR" sz="1100" dirty="0">
+                  <a:solidFill>
+                    <a:srgbClr val="003B6E"/>
+                  </a:solidFill>
+                  <a:latin typeface="+mn-lt"/>
+                  <a:ea typeface="Gulim" pitchFamily="34" charset="-127"/>
+                  <a:cs typeface="Arial Unicode MS" pitchFamily="34" charset="-128"/>
+                </a:rPr>
+                <a:t>)</a:t>
+              </a:r>
+            </a:p>
+            <a:p>
+              <a:pPr marL="85725" indent="-85725" eaLnBrk="1" hangingPunct="1">
+                <a:spcBef>
+                  <a:spcPts val="0"/>
+                </a:spcBef>
+                <a:buClr>
+                  <a:srgbClr val="000000"/>
+                </a:buClr>
+              </a:pPr>
+              <a:r>
+                <a:rPr lang="en-US" altLang="ko-KR" sz="1100" i="1" dirty="0">
+                  <a:solidFill>
+                    <a:srgbClr val="003B6E"/>
+                  </a:solidFill>
+                  <a:latin typeface="+mn-lt"/>
+                  <a:ea typeface="Gulim" pitchFamily="34" charset="-127"/>
+                  <a:cs typeface="Arial Unicode MS" pitchFamily="34" charset="-128"/>
+                </a:rPr>
+                <a:t>L</a:t>
+              </a:r>
+              <a:r>
+                <a:rPr lang="en-US" altLang="ko-KR" sz="1100" i="1" baseline="30000" dirty="0">
+                  <a:solidFill>
+                    <a:srgbClr val="003B6E"/>
+                  </a:solidFill>
+                  <a:latin typeface="+mn-lt"/>
+                  <a:ea typeface="Gulim" pitchFamily="34" charset="-127"/>
+                  <a:cs typeface="Arial Unicode MS" pitchFamily="34" charset="-128"/>
+                </a:rPr>
+                <a:t>2</a:t>
+              </a:r>
+              <a:r>
+                <a:rPr lang="en-US" altLang="ko-KR" sz="1100" dirty="0">
+                  <a:solidFill>
+                    <a:srgbClr val="003B6E"/>
+                  </a:solidFill>
+                  <a:latin typeface="+mn-lt"/>
+                  <a:ea typeface="Gulim" pitchFamily="34" charset="-127"/>
+                  <a:cs typeface="Arial Unicode MS" pitchFamily="34" charset="-128"/>
+                </a:rPr>
+                <a:t>-discrepancy optimized (space-filling) </a:t>
+              </a:r>
+              <a:br>
+                <a:rPr lang="en-US" altLang="ko-KR" sz="1100" dirty="0">
+                  <a:solidFill>
+                    <a:srgbClr val="003B6E"/>
+                  </a:solidFill>
+                  <a:latin typeface="+mn-lt"/>
+                  <a:ea typeface="Gulim" pitchFamily="34" charset="-127"/>
+                  <a:cs typeface="Arial Unicode MS" pitchFamily="34" charset="-128"/>
+                </a:rPr>
+              </a:br>
+              <a:r>
+                <a:rPr lang="en-US" altLang="ko-KR" sz="1100" dirty="0">
+                  <a:solidFill>
+                    <a:srgbClr val="003B6E"/>
+                  </a:solidFill>
+                  <a:latin typeface="+mn-lt"/>
+                  <a:ea typeface="Gulim" pitchFamily="34" charset="-127"/>
+                  <a:cs typeface="Arial Unicode MS" pitchFamily="34" charset="-128"/>
+                </a:rPr>
+                <a:t>Latin Hypercube Sampling (</a:t>
+              </a:r>
+              <a:r>
+                <a:rPr lang="en-US" altLang="ko-KR" sz="1100" dirty="0" err="1">
+                  <a:solidFill>
+                    <a:srgbClr val="003B6E"/>
+                  </a:solidFill>
+                  <a:latin typeface="Courier New" panose="02070309020205020404" pitchFamily="49" charset="0"/>
+                  <a:ea typeface="Gulim" pitchFamily="34" charset="-127"/>
+                  <a:cs typeface="Courier New" panose="02070309020205020404" pitchFamily="49" charset="0"/>
+                </a:rPr>
+                <a:t>lhs</a:t>
+              </a:r>
+              <a:r>
+                <a:rPr lang="en-US" altLang="ko-KR" sz="1100" dirty="0">
+                  <a:solidFill>
+                    <a:srgbClr val="003B6E"/>
+                  </a:solidFill>
+                  <a:latin typeface="Courier New" panose="02070309020205020404" pitchFamily="49" charset="0"/>
+                  <a:ea typeface="Gulim" pitchFamily="34" charset="-127"/>
+                  <a:cs typeface="Courier New" panose="02070309020205020404" pitchFamily="49" charset="0"/>
+                </a:rPr>
+                <a:t>-opt</a:t>
+              </a:r>
+              <a:r>
+                <a:rPr lang="en-US" altLang="ko-KR" sz="1100" dirty="0">
+                  <a:solidFill>
+                    <a:srgbClr val="003B6E"/>
+                  </a:solidFill>
+                  <a:latin typeface="+mn-lt"/>
+                  <a:ea typeface="Gulim" pitchFamily="34" charset="-127"/>
+                  <a:cs typeface="Arial Unicode MS" pitchFamily="34" charset="-128"/>
+                </a:rPr>
+                <a:t>)</a:t>
+              </a:r>
+            </a:p>
+            <a:p>
+              <a:pPr marL="85725" indent="-85725" eaLnBrk="1" hangingPunct="1">
+                <a:spcBef>
+                  <a:spcPts val="0"/>
+                </a:spcBef>
+                <a:buClr>
+                  <a:srgbClr val="000000"/>
+                </a:buClr>
+              </a:pPr>
+              <a:r>
+                <a:rPr lang="en-US" altLang="ko-KR" sz="1100" dirty="0" err="1">
+                  <a:solidFill>
+                    <a:srgbClr val="003B6E"/>
+                  </a:solidFill>
+                  <a:latin typeface="+mn-lt"/>
+                  <a:ea typeface="Gulim" pitchFamily="34" charset="-127"/>
+                  <a:cs typeface="Arial Unicode MS" pitchFamily="34" charset="-128"/>
+                </a:rPr>
+                <a:t>Sobol</a:t>
+              </a:r>
+              <a:r>
+                <a:rPr lang="en-US" altLang="ko-KR" sz="1100" dirty="0">
+                  <a:solidFill>
+                    <a:srgbClr val="003B6E"/>
+                  </a:solidFill>
+                  <a:latin typeface="+mn-lt"/>
+                  <a:ea typeface="Gulim" pitchFamily="34" charset="-127"/>
+                  <a:cs typeface="Arial Unicode MS" pitchFamily="34" charset="-128"/>
+                </a:rPr>
+                <a:t>’ sequence launcher (</a:t>
+              </a:r>
+              <a:r>
+                <a:rPr lang="en-US" altLang="ko-KR" sz="1100" dirty="0" err="1">
+                  <a:solidFill>
+                    <a:srgbClr val="003B6E"/>
+                  </a:solidFill>
+                  <a:latin typeface="Courier New" panose="02070309020205020404" pitchFamily="49" charset="0"/>
+                  <a:ea typeface="Gulim" pitchFamily="34" charset="-127"/>
+                  <a:cs typeface="Courier New" panose="02070309020205020404" pitchFamily="49" charset="0"/>
+                </a:rPr>
+                <a:t>sobol</a:t>
+              </a:r>
+              <a:r>
+                <a:rPr lang="en-US" altLang="ko-KR" sz="1100" dirty="0" smtClean="0">
+                  <a:solidFill>
+                    <a:srgbClr val="003B6E"/>
+                  </a:solidFill>
+                  <a:latin typeface="+mn-lt"/>
+                  <a:ea typeface="Gulim" pitchFamily="34" charset="-127"/>
+                  <a:cs typeface="Arial Unicode MS" pitchFamily="34" charset="-128"/>
+                </a:rPr>
+                <a:t>)</a:t>
+              </a:r>
+            </a:p>
+            <a:p>
+              <a:pPr marL="85725" indent="-85725" eaLnBrk="1" hangingPunct="1">
+                <a:spcBef>
+                  <a:spcPts val="0"/>
+                </a:spcBef>
+                <a:buClr>
+                  <a:srgbClr val="000000"/>
+                </a:buClr>
+              </a:pPr>
+              <a:r>
+                <a:rPr lang="en-US" altLang="ko-KR" sz="1100" dirty="0" smtClean="0">
+                  <a:solidFill>
+                    <a:srgbClr val="003B6E"/>
+                  </a:solidFill>
+                  <a:latin typeface="+mn-lt"/>
+                  <a:ea typeface="Gulim" pitchFamily="34" charset="-127"/>
+                  <a:cs typeface="Arial Unicode MS" pitchFamily="34" charset="-128"/>
+                </a:rPr>
+                <a:t>Randomized </a:t>
+              </a:r>
+              <a:r>
+                <a:rPr lang="en-US" altLang="ko-KR" sz="1100" dirty="0" err="1" smtClean="0">
+                  <a:solidFill>
+                    <a:srgbClr val="003B6E"/>
+                  </a:solidFill>
+                  <a:latin typeface="+mn-lt"/>
+                  <a:ea typeface="Gulim" pitchFamily="34" charset="-127"/>
+                  <a:cs typeface="Arial Unicode MS" pitchFamily="34" charset="-128"/>
+                </a:rPr>
+                <a:t>Sobol</a:t>
+              </a:r>
+              <a:r>
+                <a:rPr lang="en-US" altLang="ko-KR" sz="1100" dirty="0" smtClean="0">
+                  <a:solidFill>
+                    <a:srgbClr val="003B6E"/>
+                  </a:solidFill>
+                  <a:latin typeface="+mn-lt"/>
+                  <a:ea typeface="Gulim" pitchFamily="34" charset="-127"/>
+                  <a:cs typeface="Arial Unicode MS" pitchFamily="34" charset="-128"/>
+                </a:rPr>
+                <a:t>’  seq. by random shift (</a:t>
+              </a:r>
+              <a:r>
+                <a:rPr lang="en-US" altLang="ko-KR" sz="1100" dirty="0" err="1" smtClean="0">
+                  <a:solidFill>
+                    <a:srgbClr val="003B6E"/>
+                  </a:solidFill>
+                  <a:latin typeface="Courier New" panose="02070309020205020404" pitchFamily="49" charset="0"/>
+                  <a:ea typeface="Gulim" pitchFamily="34" charset="-127"/>
+                  <a:cs typeface="Courier New" panose="02070309020205020404" pitchFamily="49" charset="0"/>
+                </a:rPr>
+                <a:t>sobol</a:t>
+              </a:r>
+              <a:r>
+                <a:rPr lang="en-US" altLang="ko-KR" sz="1100" dirty="0" smtClean="0">
+                  <a:solidFill>
+                    <a:srgbClr val="003B6E"/>
+                  </a:solidFill>
+                  <a:latin typeface="+mn-lt"/>
+                  <a:ea typeface="Gulim" pitchFamily="34" charset="-127"/>
+                  <a:cs typeface="Arial Unicode MS" pitchFamily="34" charset="-128"/>
+                </a:rPr>
+                <a:t>)</a:t>
+              </a:r>
+            </a:p>
+            <a:p>
+              <a:pPr marL="85725" indent="-85725" eaLnBrk="1" hangingPunct="1">
+                <a:spcBef>
+                  <a:spcPts val="0"/>
+                </a:spcBef>
+                <a:buClr>
+                  <a:srgbClr val="000000"/>
+                </a:buClr>
+              </a:pPr>
+              <a:r>
+                <a:rPr lang="en-US" altLang="ko-KR" sz="1100" dirty="0" smtClean="0">
+                  <a:solidFill>
+                    <a:srgbClr val="003B6E"/>
+                  </a:solidFill>
+                  <a:latin typeface="+mn-lt"/>
+                  <a:ea typeface="Gulim" pitchFamily="34" charset="-127"/>
+                  <a:cs typeface="Arial Unicode MS" pitchFamily="34" charset="-128"/>
+                </a:rPr>
+                <a:t>Validation data set based on Hammersley quasi-random sequence (</a:t>
+              </a:r>
+              <a:r>
+                <a:rPr lang="en-US" altLang="ko-KR" sz="1100" dirty="0" err="1" smtClean="0">
+                  <a:solidFill>
+                    <a:srgbClr val="003B6E"/>
+                  </a:solidFill>
+                  <a:latin typeface="Courier New" panose="02070309020205020404" pitchFamily="49" charset="0"/>
+                  <a:ea typeface="Gulim" pitchFamily="34" charset="-127"/>
+                  <a:cs typeface="Courier New" panose="02070309020205020404" pitchFamily="49" charset="0"/>
+                </a:rPr>
+                <a:t>test_sample</a:t>
+              </a:r>
+              <a:r>
+                <a:rPr lang="en-US" altLang="ko-KR" sz="1100" dirty="0" smtClean="0">
+                  <a:solidFill>
+                    <a:srgbClr val="003B6E"/>
+                  </a:solidFill>
+                  <a:latin typeface="+mn-lt"/>
+                  <a:ea typeface="Gulim" pitchFamily="34" charset="-127"/>
+                  <a:cs typeface="Arial Unicode MS" pitchFamily="34" charset="-128"/>
+                </a:rPr>
+                <a:t>)</a:t>
+              </a:r>
+              <a:endParaRPr lang="en-US" altLang="ko-KR" sz="1100" dirty="0">
+                <a:solidFill>
+                  <a:srgbClr val="003B6E"/>
+                </a:solidFill>
+                <a:latin typeface="+mn-lt"/>
+                <a:ea typeface="Gulim" pitchFamily="34" charset="-127"/>
+                <a:cs typeface="Arial Unicode MS" pitchFamily="34" charset="-128"/>
+              </a:endParaRPr>
+            </a:p>
+          </p:txBody>
+        </p:sp>
+      </p:grpSp>
+      <p:sp>
+        <p:nvSpPr>
+          <p:cNvPr id="42" name="Flowchart: Document 41"/>
+          <p:cNvSpPr/>
+          <p:nvPr/>
+        </p:nvSpPr>
+        <p:spPr bwMode="auto">
+          <a:xfrm>
+            <a:off x="7126288" y="943592"/>
+            <a:ext cx="1276772" cy="855439"/>
+          </a:xfrm>
+          <a:prstGeom prst="flowChartDocument">
+            <a:avLst/>
+          </a:prstGeom>
+          <a:solidFill>
+            <a:srgbClr val="0070C0"/>
+          </a:solidFill>
+          <a:ln w="9525" cap="flat" cmpd="sng" algn="ctr">
+            <a:noFill/>
+            <a:prstDash val="solid"/>
+            <a:round/>
+            <a:headEnd type="none" w="med" len="med"/>
+            <a:tailEnd type="none" w="med" len="med"/>
+          </a:ln>
+          <a:effectLst/>
+        </p:spPr>
+        <p:txBody>
+          <a:bodyPr vert="horz" wrap="square" lIns="91440" tIns="45720" rIns="91440" bIns="45720" numCol="1" rtlCol="0" anchor="t" anchorCtr="0" compatLnSpc="1">
+            <a:prstTxWarp prst="textNoShape">
+              <a:avLst/>
+            </a:prstTxWarp>
+          </a:bodyPr>
+          <a:lstStyle/>
+          <a:p>
+            <a:pPr marL="0" marR="0" indent="0" algn="l" defTabSz="914400" rtl="0" eaLnBrk="0" fontAlgn="base" latinLnBrk="0" hangingPunct="0">
+              <a:lnSpc>
+                <a:spcPct val="100000"/>
+              </a:lnSpc>
+              <a:spcBef>
+                <a:spcPct val="0"/>
+              </a:spcBef>
+              <a:spcAft>
+                <a:spcPct val="0"/>
+              </a:spcAft>
+              <a:buClrTx/>
+              <a:buSzTx/>
+              <a:buFontTx/>
+              <a:buNone/>
+              <a:tabLst/>
+            </a:pPr>
+            <a:endParaRPr kumimoji="0" lang="en-US" sz="2400" b="0" i="0" u="none" strike="noStrike" cap="none" normalizeH="0" baseline="0">
+              <a:ln>
+                <a:noFill/>
+              </a:ln>
+              <a:solidFill>
+                <a:schemeClr val="tx1"/>
+              </a:solidFill>
+              <a:effectLst/>
+              <a:latin typeface="Times" charset="0"/>
+            </a:endParaRPr>
+          </a:p>
+        </p:txBody>
+      </p:sp>
+      <p:sp>
+        <p:nvSpPr>
+          <p:cNvPr id="49" name="Rectangle 48"/>
+          <p:cNvSpPr/>
+          <p:nvPr/>
+        </p:nvSpPr>
+        <p:spPr>
+          <a:xfrm>
+            <a:off x="7162156" y="1120798"/>
+            <a:ext cx="1130871" cy="400110"/>
+          </a:xfrm>
+          <a:prstGeom prst="rect">
+            <a:avLst/>
+          </a:prstGeom>
+        </p:spPr>
+        <p:txBody>
+          <a:bodyPr wrap="square">
+            <a:spAutoFit/>
+          </a:bodyPr>
+          <a:lstStyle/>
+          <a:p>
+            <a:pPr algn="ctr"/>
+            <a:r>
+              <a:rPr lang="en-US" sz="2000" b="1" dirty="0">
+                <a:solidFill>
+                  <a:schemeClr val="bg1"/>
+                </a:solidFill>
+                <a:latin typeface="+mn-lt"/>
+              </a:rPr>
+              <a:t>CSV</a:t>
+            </a:r>
+          </a:p>
+        </p:txBody>
+      </p:sp>
+      <p:sp>
+        <p:nvSpPr>
+          <p:cNvPr id="64" name="TextBox 63"/>
+          <p:cNvSpPr txBox="1"/>
+          <p:nvPr/>
+        </p:nvSpPr>
+        <p:spPr>
+          <a:xfrm>
+            <a:off x="20069" y="4107068"/>
+            <a:ext cx="2118268" cy="369332"/>
+          </a:xfrm>
+          <a:prstGeom prst="rect">
+            <a:avLst/>
+          </a:prstGeom>
+          <a:solidFill>
+            <a:schemeClr val="bg1">
+              <a:lumMod val="95000"/>
+              <a:alpha val="75000"/>
+            </a:schemeClr>
+          </a:solidFill>
+          <a:ln w="9525">
+            <a:noFill/>
+          </a:ln>
+        </p:spPr>
+        <p:txBody>
+          <a:bodyPr wrap="square" rtlCol="0" anchor="ctr">
+            <a:spAutoFit/>
+          </a:bodyPr>
+          <a:lstStyle/>
+          <a:p>
+            <a:r>
+              <a:rPr lang="en-US" b="1" dirty="0">
+                <a:latin typeface="+mj-lt"/>
+              </a:rPr>
+              <a:t>Sensitivity Analysis</a:t>
+            </a:r>
+          </a:p>
+        </p:txBody>
+      </p:sp>
+      <p:sp>
+        <p:nvSpPr>
+          <p:cNvPr id="65" name="TextBox 64"/>
+          <p:cNvSpPr txBox="1"/>
+          <p:nvPr/>
+        </p:nvSpPr>
+        <p:spPr>
+          <a:xfrm>
+            <a:off x="20070" y="112857"/>
+            <a:ext cx="2118267" cy="369332"/>
+          </a:xfrm>
+          <a:prstGeom prst="rect">
+            <a:avLst/>
+          </a:prstGeom>
+          <a:solidFill>
+            <a:schemeClr val="bg1">
+              <a:lumMod val="95000"/>
+              <a:alpha val="75000"/>
+            </a:schemeClr>
+          </a:solidFill>
+          <a:ln w="9525">
+            <a:noFill/>
+          </a:ln>
+        </p:spPr>
+        <p:txBody>
+          <a:bodyPr wrap="square" rtlCol="0" anchor="ctr">
+            <a:spAutoFit/>
+          </a:bodyPr>
+          <a:lstStyle/>
+          <a:p>
+            <a:r>
+              <a:rPr lang="en-US" b="1" dirty="0">
+                <a:latin typeface="+mj-lt"/>
+              </a:rPr>
+              <a:t>Samples Generation</a:t>
+            </a:r>
+          </a:p>
+        </p:txBody>
+      </p:sp>
+      <p:sp>
+        <p:nvSpPr>
+          <p:cNvPr id="37" name="Flowchart: Document 36"/>
+          <p:cNvSpPr/>
+          <p:nvPr/>
+        </p:nvSpPr>
+        <p:spPr>
+          <a:xfrm>
+            <a:off x="971600" y="816425"/>
+            <a:ext cx="1407198" cy="898112"/>
+          </a:xfrm>
+          <a:prstGeom prst="flowChartDocument">
+            <a:avLst/>
+          </a:prstGeom>
+          <a:solidFill>
+            <a:srgbClr val="FFEAA8"/>
+          </a:solidFill>
+          <a:ln>
+            <a:noFill/>
+          </a:ln>
+        </p:spPr>
+        <p:style>
+          <a:lnRef idx="2">
+            <a:schemeClr val="accent1">
+              <a:shade val="50000"/>
+            </a:schemeClr>
+          </a:lnRef>
+          <a:fillRef idx="1">
+            <a:schemeClr val="accent1"/>
+          </a:fillRef>
+          <a:effectRef idx="0">
+            <a:schemeClr val="accent1"/>
+          </a:effectRef>
+          <a:fontRef idx="minor">
+            <a:schemeClr val="lt1"/>
+          </a:fontRef>
+        </p:style>
+        <p:txBody>
+          <a:bodyPr rtlCol="0" anchor="ctr"/>
+          <a:lstStyle/>
+          <a:p>
+            <a:pPr algn="ctr"/>
+            <a:r>
+              <a:rPr lang="en-US" b="1" dirty="0">
+                <a:solidFill>
+                  <a:schemeClr val="tx1"/>
+                </a:solidFill>
+                <a:latin typeface="Calibri Light" panose="020F0302020204030204" pitchFamily="34" charset="0"/>
+                <a:cs typeface="Consolas" panose="020B0609020204030204" pitchFamily="49" charset="0"/>
+              </a:rPr>
+              <a:t>Driver Script Executables</a:t>
+            </a:r>
+            <a:endParaRPr lang="en-US" b="1" dirty="0">
+              <a:solidFill>
+                <a:schemeClr val="tx1"/>
+              </a:solidFill>
+              <a:latin typeface="Calibri Light" panose="020F0302020204030204" pitchFamily="34" charset="0"/>
+            </a:endParaRPr>
+          </a:p>
+        </p:txBody>
+      </p:sp>
+      <p:grpSp>
+        <p:nvGrpSpPr>
+          <p:cNvPr id="7" name="Group 6"/>
+          <p:cNvGrpSpPr/>
+          <p:nvPr/>
+        </p:nvGrpSpPr>
+        <p:grpSpPr>
+          <a:xfrm>
+            <a:off x="5004048" y="2708921"/>
+            <a:ext cx="1368152" cy="943172"/>
+            <a:chOff x="-394899" y="1232645"/>
+            <a:chExt cx="2129712" cy="999242"/>
+          </a:xfrm>
+        </p:grpSpPr>
+        <p:sp>
+          <p:nvSpPr>
+            <p:cNvPr id="44" name="Text Box 11"/>
+            <p:cNvSpPr txBox="1">
+              <a:spLocks noChangeArrowheads="1"/>
+            </p:cNvSpPr>
+            <p:nvPr/>
+          </p:nvSpPr>
+          <p:spPr bwMode="auto">
+            <a:xfrm>
+              <a:off x="-394899" y="1232645"/>
+              <a:ext cx="2129712" cy="999242"/>
+            </a:xfrm>
+            <a:prstGeom prst="rect">
+              <a:avLst/>
+            </a:prstGeom>
+            <a:solidFill>
+              <a:srgbClr val="FFFFFF"/>
+            </a:solidFill>
+            <a:ln w="6350">
+              <a:solidFill>
+                <a:schemeClr val="bg1">
+                  <a:lumMod val="50000"/>
+                </a:schemeClr>
+              </a:solidFill>
+              <a:prstDash val="dash"/>
+              <a:miter lim="800000"/>
+              <a:headEnd/>
+              <a:tailEnd/>
+            </a:ln>
+          </p:spPr>
+          <p:txBody>
+            <a:bodyPr lIns="90000" tIns="46800" rIns="90000" bIns="46800"/>
+            <a:lstStyle>
+              <a:lvl1pPr defTabSz="457200">
+                <a:buChar char="•"/>
+                <a:tabLst>
+                  <a:tab pos="0" algn="l"/>
+                  <a:tab pos="457200" algn="l"/>
+                  <a:tab pos="914400" algn="l"/>
+                  <a:tab pos="1371600" algn="l"/>
+                  <a:tab pos="1828800" algn="l"/>
+                  <a:tab pos="2286000" algn="l"/>
+                  <a:tab pos="2743200" algn="l"/>
+                  <a:tab pos="3200400" algn="l"/>
+                  <a:tab pos="3657600" algn="l"/>
+                  <a:tab pos="4114800" algn="l"/>
+                  <a:tab pos="4572000" algn="l"/>
+                  <a:tab pos="5029200" algn="l"/>
+                  <a:tab pos="5486400" algn="l"/>
+                  <a:tab pos="5943600" algn="l"/>
+                  <a:tab pos="6400800" algn="l"/>
+                  <a:tab pos="6858000" algn="l"/>
+                  <a:tab pos="7315200" algn="l"/>
+                  <a:tab pos="7772400" algn="l"/>
+                  <a:tab pos="8229600" algn="l"/>
+                  <a:tab pos="8686800" algn="l"/>
+                  <a:tab pos="9144000" algn="l"/>
+                </a:tabLst>
+                <a:defRPr sz="2400">
+                  <a:solidFill>
+                    <a:schemeClr val="tx1"/>
+                  </a:solidFill>
+                  <a:latin typeface="Arial Narrow" pitchFamily="34" charset="0"/>
+                  <a:ea typeface="ヒラギノ角ゴ Pro W3" charset="-128"/>
+                </a:defRPr>
+              </a:lvl1pPr>
+              <a:lvl2pPr marL="742950" indent="-285750" defTabSz="457200">
+                <a:buClr>
+                  <a:schemeClr val="tx1"/>
+                </a:buClr>
+                <a:buSzPct val="120000"/>
+                <a:buChar char="•"/>
+                <a:tabLst>
+                  <a:tab pos="0" algn="l"/>
+                  <a:tab pos="457200" algn="l"/>
+                  <a:tab pos="914400" algn="l"/>
+                  <a:tab pos="1371600" algn="l"/>
+                  <a:tab pos="1828800" algn="l"/>
+                  <a:tab pos="2286000" algn="l"/>
+                  <a:tab pos="2743200" algn="l"/>
+                  <a:tab pos="3200400" algn="l"/>
+                  <a:tab pos="3657600" algn="l"/>
+                  <a:tab pos="4114800" algn="l"/>
+                  <a:tab pos="4572000" algn="l"/>
+                  <a:tab pos="5029200" algn="l"/>
+                  <a:tab pos="5486400" algn="l"/>
+                  <a:tab pos="5943600" algn="l"/>
+                  <a:tab pos="6400800" algn="l"/>
+                  <a:tab pos="6858000" algn="l"/>
+                  <a:tab pos="7315200" algn="l"/>
+                  <a:tab pos="7772400" algn="l"/>
+                  <a:tab pos="8229600" algn="l"/>
+                  <a:tab pos="8686800" algn="l"/>
+                  <a:tab pos="9144000" algn="l"/>
+                </a:tabLst>
+                <a:defRPr sz="2400">
+                  <a:solidFill>
+                    <a:schemeClr val="tx1"/>
+                  </a:solidFill>
+                  <a:latin typeface="Arial Narrow" pitchFamily="34" charset="0"/>
+                  <a:ea typeface="ヒラギノ角ゴ Pro W3" charset="-128"/>
+                </a:defRPr>
+              </a:lvl2pPr>
+              <a:lvl3pPr marL="1143000" indent="-228600" defTabSz="457200">
+                <a:buFont typeface="Times" pitchFamily="18" charset="0"/>
+                <a:buChar char="–"/>
+                <a:tabLst>
+                  <a:tab pos="0" algn="l"/>
+                  <a:tab pos="457200" algn="l"/>
+                  <a:tab pos="914400" algn="l"/>
+                  <a:tab pos="1371600" algn="l"/>
+                  <a:tab pos="1828800" algn="l"/>
+                  <a:tab pos="2286000" algn="l"/>
+                  <a:tab pos="2743200" algn="l"/>
+                  <a:tab pos="3200400" algn="l"/>
+                  <a:tab pos="3657600" algn="l"/>
+                  <a:tab pos="4114800" algn="l"/>
+                  <a:tab pos="4572000" algn="l"/>
+                  <a:tab pos="5029200" algn="l"/>
+                  <a:tab pos="5486400" algn="l"/>
+                  <a:tab pos="5943600" algn="l"/>
+                  <a:tab pos="6400800" algn="l"/>
+                  <a:tab pos="6858000" algn="l"/>
+                  <a:tab pos="7315200" algn="l"/>
+                  <a:tab pos="7772400" algn="l"/>
+                  <a:tab pos="8229600" algn="l"/>
+                  <a:tab pos="8686800" algn="l"/>
+                  <a:tab pos="9144000" algn="l"/>
+                </a:tabLst>
+                <a:defRPr sz="1700">
+                  <a:solidFill>
+                    <a:schemeClr val="tx1"/>
+                  </a:solidFill>
+                  <a:latin typeface="Arial Narrow" pitchFamily="34" charset="0"/>
+                  <a:ea typeface="MS PGothic" pitchFamily="34" charset="-128"/>
+                </a:defRPr>
+              </a:lvl3pPr>
+              <a:lvl4pPr marL="1600200" indent="-228600" defTabSz="457200">
+                <a:buFont typeface="Lucida Grande" charset="0"/>
+                <a:buChar char="–"/>
+                <a:tabLst>
+                  <a:tab pos="0" algn="l"/>
+                  <a:tab pos="457200" algn="l"/>
+                  <a:tab pos="914400" algn="l"/>
+                  <a:tab pos="1371600" algn="l"/>
+                  <a:tab pos="1828800" algn="l"/>
+                  <a:tab pos="2286000" algn="l"/>
+                  <a:tab pos="2743200" algn="l"/>
+                  <a:tab pos="3200400" algn="l"/>
+                  <a:tab pos="3657600" algn="l"/>
+                  <a:tab pos="4114800" algn="l"/>
+                  <a:tab pos="4572000" algn="l"/>
+                  <a:tab pos="5029200" algn="l"/>
+                  <a:tab pos="5486400" algn="l"/>
+                  <a:tab pos="5943600" algn="l"/>
+                  <a:tab pos="6400800" algn="l"/>
+                  <a:tab pos="6858000" algn="l"/>
+                  <a:tab pos="7315200" algn="l"/>
+                  <a:tab pos="7772400" algn="l"/>
+                  <a:tab pos="8229600" algn="l"/>
+                  <a:tab pos="8686800" algn="l"/>
+                  <a:tab pos="9144000" algn="l"/>
+                </a:tabLst>
+                <a:defRPr sz="2400">
+                  <a:solidFill>
+                    <a:schemeClr val="tx1"/>
+                  </a:solidFill>
+                  <a:latin typeface="Arial Narrow" pitchFamily="34" charset="0"/>
+                  <a:ea typeface="MS PGothic" pitchFamily="34" charset="-128"/>
+                </a:defRPr>
+              </a:lvl4pPr>
+              <a:lvl5pPr marL="2057400" indent="-228600" defTabSz="457200">
+                <a:buFont typeface="Lucida Grande" charset="0"/>
+                <a:buChar char="–"/>
+                <a:tabLst>
+                  <a:tab pos="0" algn="l"/>
+                  <a:tab pos="457200" algn="l"/>
+                  <a:tab pos="914400" algn="l"/>
+                  <a:tab pos="1371600" algn="l"/>
+                  <a:tab pos="1828800" algn="l"/>
+                  <a:tab pos="2286000" algn="l"/>
+                  <a:tab pos="2743200" algn="l"/>
+                  <a:tab pos="3200400" algn="l"/>
+                  <a:tab pos="3657600" algn="l"/>
+                  <a:tab pos="4114800" algn="l"/>
+                  <a:tab pos="4572000" algn="l"/>
+                  <a:tab pos="5029200" algn="l"/>
+                  <a:tab pos="5486400" algn="l"/>
+                  <a:tab pos="5943600" algn="l"/>
+                  <a:tab pos="6400800" algn="l"/>
+                  <a:tab pos="6858000" algn="l"/>
+                  <a:tab pos="7315200" algn="l"/>
+                  <a:tab pos="7772400" algn="l"/>
+                  <a:tab pos="8229600" algn="l"/>
+                  <a:tab pos="8686800" algn="l"/>
+                  <a:tab pos="9144000" algn="l"/>
+                </a:tabLst>
+                <a:defRPr sz="2400">
+                  <a:solidFill>
+                    <a:schemeClr val="tx1"/>
+                  </a:solidFill>
+                  <a:latin typeface="Arial Narrow" pitchFamily="34" charset="0"/>
+                  <a:ea typeface="ヒラギノ角ゴ Pro W3" charset="-128"/>
+                </a:defRPr>
+              </a:lvl5pPr>
+              <a:lvl6pPr marL="2514600" indent="-228600" defTabSz="457200" eaLnBrk="0" fontAlgn="base" hangingPunct="0">
+                <a:lnSpc>
+                  <a:spcPct val="110000"/>
+                </a:lnSpc>
+                <a:spcBef>
+                  <a:spcPct val="0"/>
+                </a:spcBef>
+                <a:spcAft>
+                  <a:spcPct val="0"/>
+                </a:spcAft>
+                <a:buFont typeface="Lucida Grande" charset="0"/>
+                <a:buChar char="–"/>
+                <a:tabLst>
+                  <a:tab pos="0" algn="l"/>
+                  <a:tab pos="457200" algn="l"/>
+                  <a:tab pos="914400" algn="l"/>
+                  <a:tab pos="1371600" algn="l"/>
+                  <a:tab pos="1828800" algn="l"/>
+                  <a:tab pos="2286000" algn="l"/>
+                  <a:tab pos="2743200" algn="l"/>
+                  <a:tab pos="3200400" algn="l"/>
+                  <a:tab pos="3657600" algn="l"/>
+                  <a:tab pos="4114800" algn="l"/>
+                  <a:tab pos="4572000" algn="l"/>
+                  <a:tab pos="5029200" algn="l"/>
+                  <a:tab pos="5486400" algn="l"/>
+                  <a:tab pos="5943600" algn="l"/>
+                  <a:tab pos="6400800" algn="l"/>
+                  <a:tab pos="6858000" algn="l"/>
+                  <a:tab pos="7315200" algn="l"/>
+                  <a:tab pos="7772400" algn="l"/>
+                  <a:tab pos="8229600" algn="l"/>
+                  <a:tab pos="8686800" algn="l"/>
+                  <a:tab pos="9144000" algn="l"/>
+                </a:tabLst>
+                <a:defRPr sz="2400">
+                  <a:solidFill>
+                    <a:schemeClr val="tx1"/>
+                  </a:solidFill>
+                  <a:latin typeface="Arial Narrow" pitchFamily="34" charset="0"/>
+                  <a:ea typeface="ヒラギノ角ゴ Pro W3" charset="-128"/>
+                </a:defRPr>
+              </a:lvl6pPr>
+              <a:lvl7pPr marL="2971800" indent="-228600" defTabSz="457200" eaLnBrk="0" fontAlgn="base" hangingPunct="0">
+                <a:lnSpc>
+                  <a:spcPct val="110000"/>
+                </a:lnSpc>
+                <a:spcBef>
+                  <a:spcPct val="0"/>
+                </a:spcBef>
+                <a:spcAft>
+                  <a:spcPct val="0"/>
+                </a:spcAft>
+                <a:buFont typeface="Lucida Grande" charset="0"/>
+                <a:buChar char="–"/>
+                <a:tabLst>
+                  <a:tab pos="0" algn="l"/>
+                  <a:tab pos="457200" algn="l"/>
+                  <a:tab pos="914400" algn="l"/>
+                  <a:tab pos="1371600" algn="l"/>
+                  <a:tab pos="1828800" algn="l"/>
+                  <a:tab pos="2286000" algn="l"/>
+                  <a:tab pos="2743200" algn="l"/>
+                  <a:tab pos="3200400" algn="l"/>
+                  <a:tab pos="3657600" algn="l"/>
+                  <a:tab pos="4114800" algn="l"/>
+                  <a:tab pos="4572000" algn="l"/>
+                  <a:tab pos="5029200" algn="l"/>
+                  <a:tab pos="5486400" algn="l"/>
+                  <a:tab pos="5943600" algn="l"/>
+                  <a:tab pos="6400800" algn="l"/>
+                  <a:tab pos="6858000" algn="l"/>
+                  <a:tab pos="7315200" algn="l"/>
+                  <a:tab pos="7772400" algn="l"/>
+                  <a:tab pos="8229600" algn="l"/>
+                  <a:tab pos="8686800" algn="l"/>
+                  <a:tab pos="9144000" algn="l"/>
+                </a:tabLst>
+                <a:defRPr sz="2400">
+                  <a:solidFill>
+                    <a:schemeClr val="tx1"/>
+                  </a:solidFill>
+                  <a:latin typeface="Arial Narrow" pitchFamily="34" charset="0"/>
+                  <a:ea typeface="ヒラギノ角ゴ Pro W3" charset="-128"/>
+                </a:defRPr>
+              </a:lvl7pPr>
+              <a:lvl8pPr marL="3429000" indent="-228600" defTabSz="457200" eaLnBrk="0" fontAlgn="base" hangingPunct="0">
+                <a:lnSpc>
+                  <a:spcPct val="110000"/>
+                </a:lnSpc>
+                <a:spcBef>
+                  <a:spcPct val="0"/>
+                </a:spcBef>
+                <a:spcAft>
+                  <a:spcPct val="0"/>
+                </a:spcAft>
+                <a:buFont typeface="Lucida Grande" charset="0"/>
+                <a:buChar char="–"/>
+                <a:tabLst>
+                  <a:tab pos="0" algn="l"/>
+                  <a:tab pos="457200" algn="l"/>
+                  <a:tab pos="914400" algn="l"/>
+                  <a:tab pos="1371600" algn="l"/>
+                  <a:tab pos="1828800" algn="l"/>
+                  <a:tab pos="2286000" algn="l"/>
+                  <a:tab pos="2743200" algn="l"/>
+                  <a:tab pos="3200400" algn="l"/>
+                  <a:tab pos="3657600" algn="l"/>
+                  <a:tab pos="4114800" algn="l"/>
+                  <a:tab pos="4572000" algn="l"/>
+                  <a:tab pos="5029200" algn="l"/>
+                  <a:tab pos="5486400" algn="l"/>
+                  <a:tab pos="5943600" algn="l"/>
+                  <a:tab pos="6400800" algn="l"/>
+                  <a:tab pos="6858000" algn="l"/>
+                  <a:tab pos="7315200" algn="l"/>
+                  <a:tab pos="7772400" algn="l"/>
+                  <a:tab pos="8229600" algn="l"/>
+                  <a:tab pos="8686800" algn="l"/>
+                  <a:tab pos="9144000" algn="l"/>
+                </a:tabLst>
+                <a:defRPr sz="2400">
+                  <a:solidFill>
+                    <a:schemeClr val="tx1"/>
+                  </a:solidFill>
+                  <a:latin typeface="Arial Narrow" pitchFamily="34" charset="0"/>
+                  <a:ea typeface="ヒラギノ角ゴ Pro W3" charset="-128"/>
+                </a:defRPr>
+              </a:lvl8pPr>
+              <a:lvl9pPr marL="3886200" indent="-228600" defTabSz="457200" eaLnBrk="0" fontAlgn="base" hangingPunct="0">
+                <a:lnSpc>
+                  <a:spcPct val="110000"/>
+                </a:lnSpc>
+                <a:spcBef>
+                  <a:spcPct val="0"/>
+                </a:spcBef>
+                <a:spcAft>
+                  <a:spcPct val="0"/>
+                </a:spcAft>
+                <a:buFont typeface="Lucida Grande" charset="0"/>
+                <a:buChar char="–"/>
+                <a:tabLst>
+                  <a:tab pos="0" algn="l"/>
+                  <a:tab pos="457200" algn="l"/>
+                  <a:tab pos="914400" algn="l"/>
+                  <a:tab pos="1371600" algn="l"/>
+                  <a:tab pos="1828800" algn="l"/>
+                  <a:tab pos="2286000" algn="l"/>
+                  <a:tab pos="2743200" algn="l"/>
+                  <a:tab pos="3200400" algn="l"/>
+                  <a:tab pos="3657600" algn="l"/>
+                  <a:tab pos="4114800" algn="l"/>
+                  <a:tab pos="4572000" algn="l"/>
+                  <a:tab pos="5029200" algn="l"/>
+                  <a:tab pos="5486400" algn="l"/>
+                  <a:tab pos="5943600" algn="l"/>
+                  <a:tab pos="6400800" algn="l"/>
+                  <a:tab pos="6858000" algn="l"/>
+                  <a:tab pos="7315200" algn="l"/>
+                  <a:tab pos="7772400" algn="l"/>
+                  <a:tab pos="8229600" algn="l"/>
+                  <a:tab pos="8686800" algn="l"/>
+                  <a:tab pos="9144000" algn="l"/>
+                </a:tabLst>
+                <a:defRPr sz="2400">
+                  <a:solidFill>
+                    <a:schemeClr val="tx1"/>
+                  </a:solidFill>
+                  <a:latin typeface="Arial Narrow" pitchFamily="34" charset="0"/>
+                  <a:ea typeface="ヒラギノ角ゴ Pro W3" charset="-128"/>
+                </a:defRPr>
+              </a:lvl9pPr>
+            </a:lstStyle>
+            <a:p>
+              <a:pPr eaLnBrk="1" hangingPunct="1">
+                <a:lnSpc>
+                  <a:spcPct val="100000"/>
+                </a:lnSpc>
+                <a:buClr>
+                  <a:srgbClr val="000000"/>
+                </a:buClr>
+                <a:buFont typeface="Times New Roman" pitchFamily="18" charset="0"/>
+                <a:buNone/>
+              </a:pPr>
+              <a:r>
+                <a:rPr lang="en-US" altLang="ko-KR" sz="1300" dirty="0">
+                  <a:solidFill>
+                    <a:srgbClr val="C50006"/>
+                  </a:solidFill>
+                  <a:latin typeface="+mn-lt"/>
+                  <a:ea typeface="Gulim" pitchFamily="34" charset="-127"/>
+                  <a:cs typeface="Arial Unicode MS" pitchFamily="34" charset="-128"/>
+                </a:rPr>
+                <a:t>Computer Codes</a:t>
+              </a:r>
+            </a:p>
+            <a:p>
+              <a:pPr eaLnBrk="1" hangingPunct="1">
+                <a:lnSpc>
+                  <a:spcPct val="100000"/>
+                </a:lnSpc>
+                <a:buClr>
+                  <a:srgbClr val="000000"/>
+                </a:buClr>
+                <a:buFont typeface="Times New Roman" pitchFamily="18" charset="0"/>
+                <a:buNone/>
+              </a:pPr>
+              <a:r>
+                <a:rPr lang="en-US" altLang="ko-KR" sz="1100" dirty="0">
+                  <a:solidFill>
+                    <a:srgbClr val="C50006"/>
+                  </a:solidFill>
+                  <a:latin typeface="+mn-lt"/>
+                  <a:ea typeface="Gulim" pitchFamily="34" charset="-127"/>
+                  <a:cs typeface="Arial Unicode MS" pitchFamily="34" charset="-128"/>
+                </a:rPr>
+                <a:t>or generic functions</a:t>
+              </a:r>
+              <a:endParaRPr lang="en-US" altLang="ko-KR" sz="1300" dirty="0">
+                <a:solidFill>
+                  <a:srgbClr val="C50006"/>
+                </a:solidFill>
+                <a:latin typeface="+mn-lt"/>
+                <a:ea typeface="Gulim" pitchFamily="34" charset="-127"/>
+                <a:cs typeface="Arial Unicode MS" pitchFamily="34" charset="-128"/>
+              </a:endParaRPr>
+            </a:p>
+          </p:txBody>
+        </p:sp>
+        <p:sp>
+          <p:nvSpPr>
+            <p:cNvPr id="52" name="Text Box 12"/>
+            <p:cNvSpPr txBox="1">
+              <a:spLocks noChangeArrowheads="1"/>
+            </p:cNvSpPr>
+            <p:nvPr/>
+          </p:nvSpPr>
+          <p:spPr bwMode="auto">
+            <a:xfrm>
+              <a:off x="-282809" y="1732266"/>
+              <a:ext cx="1801248" cy="469083"/>
+            </a:xfrm>
+            <a:prstGeom prst="rect">
+              <a:avLst/>
+            </a:prstGeom>
+            <a:solidFill>
+              <a:schemeClr val="bg1">
+                <a:lumMod val="95000"/>
+              </a:schemeClr>
+            </a:solidFill>
+            <a:ln w="9360">
+              <a:noFill/>
+              <a:miter lim="800000"/>
+              <a:headEnd/>
+              <a:tailEnd/>
+            </a:ln>
+          </p:spPr>
+          <p:txBody>
+            <a:bodyPr wrap="square" lIns="90000" tIns="46800" rIns="90000" bIns="46800" anchor="ctr">
+              <a:noAutofit/>
+            </a:bodyPr>
+            <a:lstStyle>
+              <a:lvl1pPr defTabSz="457200">
+                <a:buChar char="•"/>
+                <a:tabLst>
+                  <a:tab pos="0" algn="l"/>
+                  <a:tab pos="457200" algn="l"/>
+                  <a:tab pos="914400" algn="l"/>
+                  <a:tab pos="1371600" algn="l"/>
+                  <a:tab pos="1828800" algn="l"/>
+                  <a:tab pos="2286000" algn="l"/>
+                  <a:tab pos="2743200" algn="l"/>
+                  <a:tab pos="3200400" algn="l"/>
+                  <a:tab pos="3657600" algn="l"/>
+                  <a:tab pos="4114800" algn="l"/>
+                  <a:tab pos="4572000" algn="l"/>
+                  <a:tab pos="5029200" algn="l"/>
+                  <a:tab pos="5486400" algn="l"/>
+                  <a:tab pos="5943600" algn="l"/>
+                  <a:tab pos="6400800" algn="l"/>
+                  <a:tab pos="6858000" algn="l"/>
+                  <a:tab pos="7315200" algn="l"/>
+                  <a:tab pos="7772400" algn="l"/>
+                  <a:tab pos="8229600" algn="l"/>
+                  <a:tab pos="8686800" algn="l"/>
+                  <a:tab pos="9144000" algn="l"/>
+                </a:tabLst>
+                <a:defRPr sz="2400">
+                  <a:solidFill>
+                    <a:schemeClr val="tx1"/>
+                  </a:solidFill>
+                  <a:latin typeface="Arial Narrow" pitchFamily="34" charset="0"/>
+                  <a:ea typeface="ヒラギノ角ゴ Pro W3" charset="-128"/>
+                </a:defRPr>
+              </a:lvl1pPr>
+              <a:lvl2pPr marL="742950" indent="-285750" defTabSz="457200">
+                <a:buClr>
+                  <a:schemeClr val="tx1"/>
+                </a:buClr>
+                <a:buSzPct val="120000"/>
+                <a:buChar char="•"/>
+                <a:tabLst>
+                  <a:tab pos="0" algn="l"/>
+                  <a:tab pos="457200" algn="l"/>
+                  <a:tab pos="914400" algn="l"/>
+                  <a:tab pos="1371600" algn="l"/>
+                  <a:tab pos="1828800" algn="l"/>
+                  <a:tab pos="2286000" algn="l"/>
+                  <a:tab pos="2743200" algn="l"/>
+                  <a:tab pos="3200400" algn="l"/>
+                  <a:tab pos="3657600" algn="l"/>
+                  <a:tab pos="4114800" algn="l"/>
+                  <a:tab pos="4572000" algn="l"/>
+                  <a:tab pos="5029200" algn="l"/>
+                  <a:tab pos="5486400" algn="l"/>
+                  <a:tab pos="5943600" algn="l"/>
+                  <a:tab pos="6400800" algn="l"/>
+                  <a:tab pos="6858000" algn="l"/>
+                  <a:tab pos="7315200" algn="l"/>
+                  <a:tab pos="7772400" algn="l"/>
+                  <a:tab pos="8229600" algn="l"/>
+                  <a:tab pos="8686800" algn="l"/>
+                  <a:tab pos="9144000" algn="l"/>
+                </a:tabLst>
+                <a:defRPr sz="2400">
+                  <a:solidFill>
+                    <a:schemeClr val="tx1"/>
+                  </a:solidFill>
+                  <a:latin typeface="Arial Narrow" pitchFamily="34" charset="0"/>
+                  <a:ea typeface="ヒラギノ角ゴ Pro W3" charset="-128"/>
+                </a:defRPr>
+              </a:lvl2pPr>
+              <a:lvl3pPr marL="1143000" indent="-228600" defTabSz="457200">
+                <a:buFont typeface="Times" pitchFamily="18" charset="0"/>
+                <a:buChar char="–"/>
+                <a:tabLst>
+                  <a:tab pos="0" algn="l"/>
+                  <a:tab pos="457200" algn="l"/>
+                  <a:tab pos="914400" algn="l"/>
+                  <a:tab pos="1371600" algn="l"/>
+                  <a:tab pos="1828800" algn="l"/>
+                  <a:tab pos="2286000" algn="l"/>
+                  <a:tab pos="2743200" algn="l"/>
+                  <a:tab pos="3200400" algn="l"/>
+                  <a:tab pos="3657600" algn="l"/>
+                  <a:tab pos="4114800" algn="l"/>
+                  <a:tab pos="4572000" algn="l"/>
+                  <a:tab pos="5029200" algn="l"/>
+                  <a:tab pos="5486400" algn="l"/>
+                  <a:tab pos="5943600" algn="l"/>
+                  <a:tab pos="6400800" algn="l"/>
+                  <a:tab pos="6858000" algn="l"/>
+                  <a:tab pos="7315200" algn="l"/>
+                  <a:tab pos="7772400" algn="l"/>
+                  <a:tab pos="8229600" algn="l"/>
+                  <a:tab pos="8686800" algn="l"/>
+                  <a:tab pos="9144000" algn="l"/>
+                </a:tabLst>
+                <a:defRPr sz="1700">
+                  <a:solidFill>
+                    <a:schemeClr val="tx1"/>
+                  </a:solidFill>
+                  <a:latin typeface="Arial Narrow" pitchFamily="34" charset="0"/>
+                  <a:ea typeface="MS PGothic" pitchFamily="34" charset="-128"/>
+                </a:defRPr>
+              </a:lvl3pPr>
+              <a:lvl4pPr marL="1600200" indent="-228600" defTabSz="457200">
+                <a:buFont typeface="Lucida Grande" charset="0"/>
+                <a:buChar char="–"/>
+                <a:tabLst>
+                  <a:tab pos="0" algn="l"/>
+                  <a:tab pos="457200" algn="l"/>
+                  <a:tab pos="914400" algn="l"/>
+                  <a:tab pos="1371600" algn="l"/>
+                  <a:tab pos="1828800" algn="l"/>
+                  <a:tab pos="2286000" algn="l"/>
+                  <a:tab pos="2743200" algn="l"/>
+                  <a:tab pos="3200400" algn="l"/>
+                  <a:tab pos="3657600" algn="l"/>
+                  <a:tab pos="4114800" algn="l"/>
+                  <a:tab pos="4572000" algn="l"/>
+                  <a:tab pos="5029200" algn="l"/>
+                  <a:tab pos="5486400" algn="l"/>
+                  <a:tab pos="5943600" algn="l"/>
+                  <a:tab pos="6400800" algn="l"/>
+                  <a:tab pos="6858000" algn="l"/>
+                  <a:tab pos="7315200" algn="l"/>
+                  <a:tab pos="7772400" algn="l"/>
+                  <a:tab pos="8229600" algn="l"/>
+                  <a:tab pos="8686800" algn="l"/>
+                  <a:tab pos="9144000" algn="l"/>
+                </a:tabLst>
+                <a:defRPr sz="2400">
+                  <a:solidFill>
+                    <a:schemeClr val="tx1"/>
+                  </a:solidFill>
+                  <a:latin typeface="Arial Narrow" pitchFamily="34" charset="0"/>
+                  <a:ea typeface="MS PGothic" pitchFamily="34" charset="-128"/>
+                </a:defRPr>
+              </a:lvl4pPr>
+              <a:lvl5pPr marL="2057400" indent="-228600" defTabSz="457200">
+                <a:buFont typeface="Lucida Grande" charset="0"/>
+                <a:buChar char="–"/>
+                <a:tabLst>
+                  <a:tab pos="0" algn="l"/>
+                  <a:tab pos="457200" algn="l"/>
+                  <a:tab pos="914400" algn="l"/>
+                  <a:tab pos="1371600" algn="l"/>
+                  <a:tab pos="1828800" algn="l"/>
+                  <a:tab pos="2286000" algn="l"/>
+                  <a:tab pos="2743200" algn="l"/>
+                  <a:tab pos="3200400" algn="l"/>
+                  <a:tab pos="3657600" algn="l"/>
+                  <a:tab pos="4114800" algn="l"/>
+                  <a:tab pos="4572000" algn="l"/>
+                  <a:tab pos="5029200" algn="l"/>
+                  <a:tab pos="5486400" algn="l"/>
+                  <a:tab pos="5943600" algn="l"/>
+                  <a:tab pos="6400800" algn="l"/>
+                  <a:tab pos="6858000" algn="l"/>
+                  <a:tab pos="7315200" algn="l"/>
+                  <a:tab pos="7772400" algn="l"/>
+                  <a:tab pos="8229600" algn="l"/>
+                  <a:tab pos="8686800" algn="l"/>
+                  <a:tab pos="9144000" algn="l"/>
+                </a:tabLst>
+                <a:defRPr sz="2400">
+                  <a:solidFill>
+                    <a:schemeClr val="tx1"/>
+                  </a:solidFill>
+                  <a:latin typeface="Arial Narrow" pitchFamily="34" charset="0"/>
+                  <a:ea typeface="ヒラギノ角ゴ Pro W3" charset="-128"/>
+                </a:defRPr>
+              </a:lvl5pPr>
+              <a:lvl6pPr marL="2514600" indent="-228600" defTabSz="457200" eaLnBrk="0" fontAlgn="base" hangingPunct="0">
+                <a:lnSpc>
+                  <a:spcPct val="110000"/>
+                </a:lnSpc>
+                <a:spcBef>
+                  <a:spcPct val="0"/>
+                </a:spcBef>
+                <a:spcAft>
+                  <a:spcPct val="0"/>
+                </a:spcAft>
+                <a:buFont typeface="Lucida Grande" charset="0"/>
+                <a:buChar char="–"/>
+                <a:tabLst>
+                  <a:tab pos="0" algn="l"/>
+                  <a:tab pos="457200" algn="l"/>
+                  <a:tab pos="914400" algn="l"/>
+                  <a:tab pos="1371600" algn="l"/>
+                  <a:tab pos="1828800" algn="l"/>
+                  <a:tab pos="2286000" algn="l"/>
+                  <a:tab pos="2743200" algn="l"/>
+                  <a:tab pos="3200400" algn="l"/>
+                  <a:tab pos="3657600" algn="l"/>
+                  <a:tab pos="4114800" algn="l"/>
+                  <a:tab pos="4572000" algn="l"/>
+                  <a:tab pos="5029200" algn="l"/>
+                  <a:tab pos="5486400" algn="l"/>
+                  <a:tab pos="5943600" algn="l"/>
+                  <a:tab pos="6400800" algn="l"/>
+                  <a:tab pos="6858000" algn="l"/>
+                  <a:tab pos="7315200" algn="l"/>
+                  <a:tab pos="7772400" algn="l"/>
+                  <a:tab pos="8229600" algn="l"/>
+                  <a:tab pos="8686800" algn="l"/>
+                  <a:tab pos="9144000" algn="l"/>
+                </a:tabLst>
+                <a:defRPr sz="2400">
+                  <a:solidFill>
+                    <a:schemeClr val="tx1"/>
+                  </a:solidFill>
+                  <a:latin typeface="Arial Narrow" pitchFamily="34" charset="0"/>
+                  <a:ea typeface="ヒラギノ角ゴ Pro W3" charset="-128"/>
+                </a:defRPr>
+              </a:lvl6pPr>
+              <a:lvl7pPr marL="2971800" indent="-228600" defTabSz="457200" eaLnBrk="0" fontAlgn="base" hangingPunct="0">
+                <a:lnSpc>
+                  <a:spcPct val="110000"/>
+                </a:lnSpc>
+                <a:spcBef>
+                  <a:spcPct val="0"/>
+                </a:spcBef>
+                <a:spcAft>
+                  <a:spcPct val="0"/>
+                </a:spcAft>
+                <a:buFont typeface="Lucida Grande" charset="0"/>
+                <a:buChar char="–"/>
+                <a:tabLst>
+                  <a:tab pos="0" algn="l"/>
+                  <a:tab pos="457200" algn="l"/>
+                  <a:tab pos="914400" algn="l"/>
+                  <a:tab pos="1371600" algn="l"/>
+                  <a:tab pos="1828800" algn="l"/>
+                  <a:tab pos="2286000" algn="l"/>
+                  <a:tab pos="2743200" algn="l"/>
+                  <a:tab pos="3200400" algn="l"/>
+                  <a:tab pos="3657600" algn="l"/>
+                  <a:tab pos="4114800" algn="l"/>
+                  <a:tab pos="4572000" algn="l"/>
+                  <a:tab pos="5029200" algn="l"/>
+                  <a:tab pos="5486400" algn="l"/>
+                  <a:tab pos="5943600" algn="l"/>
+                  <a:tab pos="6400800" algn="l"/>
+                  <a:tab pos="6858000" algn="l"/>
+                  <a:tab pos="7315200" algn="l"/>
+                  <a:tab pos="7772400" algn="l"/>
+                  <a:tab pos="8229600" algn="l"/>
+                  <a:tab pos="8686800" algn="l"/>
+                  <a:tab pos="9144000" algn="l"/>
+                </a:tabLst>
+                <a:defRPr sz="2400">
+                  <a:solidFill>
+                    <a:schemeClr val="tx1"/>
+                  </a:solidFill>
+                  <a:latin typeface="Arial Narrow" pitchFamily="34" charset="0"/>
+                  <a:ea typeface="ヒラギノ角ゴ Pro W3" charset="-128"/>
+                </a:defRPr>
+              </a:lvl7pPr>
+              <a:lvl8pPr marL="3429000" indent="-228600" defTabSz="457200" eaLnBrk="0" fontAlgn="base" hangingPunct="0">
+                <a:lnSpc>
+                  <a:spcPct val="110000"/>
+                </a:lnSpc>
+                <a:spcBef>
+                  <a:spcPct val="0"/>
+                </a:spcBef>
+                <a:spcAft>
+                  <a:spcPct val="0"/>
+                </a:spcAft>
+                <a:buFont typeface="Lucida Grande" charset="0"/>
+                <a:buChar char="–"/>
+                <a:tabLst>
+                  <a:tab pos="0" algn="l"/>
+                  <a:tab pos="457200" algn="l"/>
+                  <a:tab pos="914400" algn="l"/>
+                  <a:tab pos="1371600" algn="l"/>
+                  <a:tab pos="1828800" algn="l"/>
+                  <a:tab pos="2286000" algn="l"/>
+                  <a:tab pos="2743200" algn="l"/>
+                  <a:tab pos="3200400" algn="l"/>
+                  <a:tab pos="3657600" algn="l"/>
+                  <a:tab pos="4114800" algn="l"/>
+                  <a:tab pos="4572000" algn="l"/>
+                  <a:tab pos="5029200" algn="l"/>
+                  <a:tab pos="5486400" algn="l"/>
+                  <a:tab pos="5943600" algn="l"/>
+                  <a:tab pos="6400800" algn="l"/>
+                  <a:tab pos="6858000" algn="l"/>
+                  <a:tab pos="7315200" algn="l"/>
+                  <a:tab pos="7772400" algn="l"/>
+                  <a:tab pos="8229600" algn="l"/>
+                  <a:tab pos="8686800" algn="l"/>
+                  <a:tab pos="9144000" algn="l"/>
+                </a:tabLst>
+                <a:defRPr sz="2400">
+                  <a:solidFill>
+                    <a:schemeClr val="tx1"/>
+                  </a:solidFill>
+                  <a:latin typeface="Arial Narrow" pitchFamily="34" charset="0"/>
+                  <a:ea typeface="ヒラギノ角ゴ Pro W3" charset="-128"/>
+                </a:defRPr>
+              </a:lvl8pPr>
+              <a:lvl9pPr marL="3886200" indent="-228600" defTabSz="457200" eaLnBrk="0" fontAlgn="base" hangingPunct="0">
+                <a:lnSpc>
+                  <a:spcPct val="110000"/>
+                </a:lnSpc>
+                <a:spcBef>
+                  <a:spcPct val="0"/>
+                </a:spcBef>
+                <a:spcAft>
+                  <a:spcPct val="0"/>
+                </a:spcAft>
+                <a:buFont typeface="Lucida Grande" charset="0"/>
+                <a:buChar char="–"/>
+                <a:tabLst>
+                  <a:tab pos="0" algn="l"/>
+                  <a:tab pos="457200" algn="l"/>
+                  <a:tab pos="914400" algn="l"/>
+                  <a:tab pos="1371600" algn="l"/>
+                  <a:tab pos="1828800" algn="l"/>
+                  <a:tab pos="2286000" algn="l"/>
+                  <a:tab pos="2743200" algn="l"/>
+                  <a:tab pos="3200400" algn="l"/>
+                  <a:tab pos="3657600" algn="l"/>
+                  <a:tab pos="4114800" algn="l"/>
+                  <a:tab pos="4572000" algn="l"/>
+                  <a:tab pos="5029200" algn="l"/>
+                  <a:tab pos="5486400" algn="l"/>
+                  <a:tab pos="5943600" algn="l"/>
+                  <a:tab pos="6400800" algn="l"/>
+                  <a:tab pos="6858000" algn="l"/>
+                  <a:tab pos="7315200" algn="l"/>
+                  <a:tab pos="7772400" algn="l"/>
+                  <a:tab pos="8229600" algn="l"/>
+                  <a:tab pos="8686800" algn="l"/>
+                  <a:tab pos="9144000" algn="l"/>
+                </a:tabLst>
+                <a:defRPr sz="2400">
+                  <a:solidFill>
+                    <a:schemeClr val="tx1"/>
+                  </a:solidFill>
+                  <a:latin typeface="Arial Narrow" pitchFamily="34" charset="0"/>
+                  <a:ea typeface="ヒラギノ角ゴ Pro W3" charset="-128"/>
+                </a:defRPr>
+              </a:lvl9pPr>
+            </a:lstStyle>
+            <a:p>
+              <a:pPr eaLnBrk="1" hangingPunct="1">
+                <a:spcBef>
+                  <a:spcPts val="0"/>
+                </a:spcBef>
+                <a:buClr>
+                  <a:srgbClr val="000000"/>
+                </a:buClr>
+                <a:buNone/>
+              </a:pPr>
+              <a:r>
+                <a:rPr lang="en-US" altLang="ko-KR" sz="1100" i="1" dirty="0">
+                  <a:solidFill>
+                    <a:srgbClr val="003B6E"/>
+                  </a:solidFill>
+                  <a:latin typeface="+mn-lt"/>
+                  <a:ea typeface="Gulim" pitchFamily="34" charset="-127"/>
+                  <a:cs typeface="Arial Unicode MS" pitchFamily="34" charset="-128"/>
+                </a:rPr>
+                <a:t>Externally Implemented</a:t>
+              </a:r>
+            </a:p>
+          </p:txBody>
+        </p:sp>
+      </p:grpSp>
+      <p:sp>
+        <p:nvSpPr>
+          <p:cNvPr id="8" name="Bent Arrow 7"/>
+          <p:cNvSpPr/>
+          <p:nvPr/>
+        </p:nvSpPr>
+        <p:spPr>
+          <a:xfrm rot="10800000">
+            <a:off x="6447558" y="2015055"/>
+            <a:ext cx="1560749" cy="1531562"/>
+          </a:xfrm>
+          <a:prstGeom prst="bentArrow">
+            <a:avLst>
+              <a:gd name="adj1" fmla="val 25000"/>
+              <a:gd name="adj2" fmla="val 24425"/>
+              <a:gd name="adj3" fmla="val 25000"/>
+              <a:gd name="adj4" fmla="val 43750"/>
+            </a:avLst>
+          </a:prstGeom>
+          <a:solidFill>
+            <a:srgbClr val="C00000"/>
+          </a:solidFill>
+          <a:ln>
+            <a:solidFill>
+              <a:schemeClr val="bg1"/>
+            </a:solidFill>
+          </a:ln>
+        </p:spPr>
+        <p:style>
+          <a:lnRef idx="2">
+            <a:schemeClr val="accent1">
+              <a:shade val="50000"/>
+            </a:schemeClr>
+          </a:lnRef>
+          <a:fillRef idx="1">
+            <a:schemeClr val="accent1"/>
+          </a:fillRef>
+          <a:effectRef idx="0">
+            <a:schemeClr val="accent1"/>
+          </a:effectRef>
+          <a:fontRef idx="minor">
+            <a:schemeClr val="lt1"/>
+          </a:fontRef>
+        </p:style>
+        <p:txBody>
+          <a:bodyPr rtlCol="0" anchor="ctr"/>
+          <a:lstStyle/>
+          <a:p>
+            <a:pPr algn="ctr"/>
+            <a:endParaRPr lang="en-US">
+              <a:solidFill>
+                <a:schemeClr val="tx1"/>
+              </a:solidFill>
+            </a:endParaRPr>
+          </a:p>
+        </p:txBody>
+      </p:sp>
+      <p:sp>
+        <p:nvSpPr>
+          <p:cNvPr id="54" name="Striped Right Arrow 53"/>
+          <p:cNvSpPr/>
+          <p:nvPr/>
+        </p:nvSpPr>
+        <p:spPr bwMode="auto">
+          <a:xfrm rot="10800000">
+            <a:off x="2504446" y="2966331"/>
+            <a:ext cx="476985" cy="484632"/>
+          </a:xfrm>
+          <a:prstGeom prst="stripedRightArrow">
+            <a:avLst>
+              <a:gd name="adj1" fmla="val 50000"/>
+              <a:gd name="adj2" fmla="val 51196"/>
+            </a:avLst>
+          </a:prstGeom>
+          <a:solidFill>
+            <a:srgbClr val="C50006"/>
+          </a:solidFill>
+          <a:ln w="9525" cap="flat" cmpd="sng" algn="ctr">
+            <a:noFill/>
+            <a:prstDash val="solid"/>
+            <a:round/>
+            <a:headEnd type="none" w="med" len="med"/>
+            <a:tailEnd type="none" w="med" len="med"/>
+          </a:ln>
+          <a:effectLst/>
+        </p:spPr>
+        <p:txBody>
+          <a:bodyPr vert="horz" wrap="square" lIns="91440" tIns="45720" rIns="91440" bIns="45720" numCol="1" rtlCol="0" anchor="t" anchorCtr="0" compatLnSpc="1">
+            <a:prstTxWarp prst="textNoShape">
+              <a:avLst/>
+            </a:prstTxWarp>
+          </a:bodyPr>
+          <a:lstStyle/>
+          <a:p>
+            <a:pPr marL="0" marR="0" indent="0" algn="l" defTabSz="914400" rtl="0" eaLnBrk="0" fontAlgn="base" latinLnBrk="0" hangingPunct="0">
+              <a:lnSpc>
+                <a:spcPct val="100000"/>
+              </a:lnSpc>
+              <a:spcBef>
+                <a:spcPct val="0"/>
+              </a:spcBef>
+              <a:spcAft>
+                <a:spcPct val="0"/>
+              </a:spcAft>
+              <a:buClrTx/>
+              <a:buSzTx/>
+              <a:buFontTx/>
+              <a:buNone/>
+              <a:tabLst/>
+            </a:pPr>
+            <a:endParaRPr kumimoji="0" lang="en-US" sz="2400" b="0" i="0" u="none" strike="noStrike" cap="none" normalizeH="0" baseline="0">
+              <a:ln>
+                <a:noFill/>
+              </a:ln>
+              <a:solidFill>
+                <a:schemeClr val="tx1"/>
+              </a:solidFill>
+              <a:effectLst/>
+              <a:latin typeface="Times" charset="0"/>
+            </a:endParaRPr>
+          </a:p>
+        </p:txBody>
+      </p:sp>
+      <p:grpSp>
+        <p:nvGrpSpPr>
+          <p:cNvPr id="11" name="Group 10"/>
+          <p:cNvGrpSpPr/>
+          <p:nvPr/>
+        </p:nvGrpSpPr>
+        <p:grpSpPr>
+          <a:xfrm>
+            <a:off x="971600" y="2780928"/>
+            <a:ext cx="1469369" cy="999455"/>
+            <a:chOff x="1031714" y="2676548"/>
+            <a:chExt cx="1469369" cy="999455"/>
+          </a:xfrm>
+        </p:grpSpPr>
+        <p:grpSp>
+          <p:nvGrpSpPr>
+            <p:cNvPr id="66" name="Group 65"/>
+            <p:cNvGrpSpPr/>
+            <p:nvPr/>
+          </p:nvGrpSpPr>
+          <p:grpSpPr>
+            <a:xfrm>
+              <a:off x="1031714" y="2676548"/>
+              <a:ext cx="1469369" cy="999455"/>
+              <a:chOff x="3227276" y="2065138"/>
+              <a:chExt cx="1052334" cy="715790"/>
+            </a:xfrm>
+          </p:grpSpPr>
+          <p:sp>
+            <p:nvSpPr>
+              <p:cNvPr id="67" name="Flowchart: Document 66"/>
+              <p:cNvSpPr/>
+              <p:nvPr/>
+            </p:nvSpPr>
+            <p:spPr bwMode="auto">
+              <a:xfrm>
+                <a:off x="3227276" y="2168280"/>
+                <a:ext cx="914400" cy="612648"/>
+              </a:xfrm>
+              <a:prstGeom prst="flowChartDocument">
+                <a:avLst/>
+              </a:prstGeom>
+              <a:solidFill>
+                <a:srgbClr val="0070C0"/>
+              </a:solidFill>
+              <a:ln w="9525" cap="flat" cmpd="sng" algn="ctr">
+                <a:noFill/>
+                <a:prstDash val="solid"/>
+                <a:round/>
+                <a:headEnd type="none" w="med" len="med"/>
+                <a:tailEnd type="none" w="med" len="med"/>
+              </a:ln>
+              <a:effectLst/>
+            </p:spPr>
+            <p:txBody>
+              <a:bodyPr vert="horz" wrap="square" lIns="91440" tIns="45720" rIns="91440" bIns="45720" numCol="1" rtlCol="0" anchor="t" anchorCtr="0" compatLnSpc="1">
+                <a:prstTxWarp prst="textNoShape">
+                  <a:avLst/>
+                </a:prstTxWarp>
+              </a:bodyPr>
+              <a:lstStyle/>
+              <a:p>
+                <a:pPr marL="0" marR="0" indent="0" algn="l" defTabSz="914400" rtl="0" eaLnBrk="0" fontAlgn="base" latinLnBrk="0" hangingPunct="0">
+                  <a:lnSpc>
+                    <a:spcPct val="100000"/>
+                  </a:lnSpc>
+                  <a:spcBef>
+                    <a:spcPct val="0"/>
+                  </a:spcBef>
+                  <a:spcAft>
+                    <a:spcPct val="0"/>
+                  </a:spcAft>
+                  <a:buClrTx/>
+                  <a:buSzTx/>
+                  <a:buFontTx/>
+                  <a:buNone/>
+                  <a:tabLst/>
+                </a:pPr>
+                <a:endParaRPr kumimoji="0" lang="en-US" sz="2400" b="0" i="0" u="none" strike="noStrike" cap="none" normalizeH="0" baseline="0">
+                  <a:ln>
+                    <a:noFill/>
+                  </a:ln>
+                  <a:solidFill>
+                    <a:schemeClr val="tx1"/>
+                  </a:solidFill>
+                  <a:effectLst/>
+                  <a:latin typeface="Times" charset="0"/>
+                </a:endParaRPr>
+              </a:p>
+            </p:txBody>
+          </p:sp>
+          <p:sp>
+            <p:nvSpPr>
+              <p:cNvPr id="68" name="Flowchart: Document 67"/>
+              <p:cNvSpPr/>
+              <p:nvPr/>
+            </p:nvSpPr>
+            <p:spPr bwMode="auto">
+              <a:xfrm>
+                <a:off x="3313640" y="2116709"/>
+                <a:ext cx="914400" cy="612648"/>
+              </a:xfrm>
+              <a:prstGeom prst="flowChartDocument">
+                <a:avLst/>
+              </a:prstGeom>
+              <a:solidFill>
+                <a:srgbClr val="0070C0">
+                  <a:alpha val="20000"/>
+                </a:srgbClr>
+              </a:solidFill>
+              <a:ln w="9525" cap="flat" cmpd="sng" algn="ctr">
+                <a:noFill/>
+                <a:prstDash val="solid"/>
+                <a:round/>
+                <a:headEnd type="none" w="med" len="med"/>
+                <a:tailEnd type="none" w="med" len="med"/>
+              </a:ln>
+              <a:effectLst/>
+            </p:spPr>
+            <p:txBody>
+              <a:bodyPr vert="horz" wrap="square" lIns="91440" tIns="45720" rIns="91440" bIns="45720" numCol="1" rtlCol="0" anchor="t" anchorCtr="0" compatLnSpc="1">
+                <a:prstTxWarp prst="textNoShape">
+                  <a:avLst/>
+                </a:prstTxWarp>
+              </a:bodyPr>
+              <a:lstStyle/>
+              <a:p>
+                <a:pPr marL="0" marR="0" indent="0" algn="l" defTabSz="914400" rtl="0" eaLnBrk="0" fontAlgn="base" latinLnBrk="0" hangingPunct="0">
+                  <a:lnSpc>
+                    <a:spcPct val="100000"/>
+                  </a:lnSpc>
+                  <a:spcBef>
+                    <a:spcPct val="0"/>
+                  </a:spcBef>
+                  <a:spcAft>
+                    <a:spcPct val="0"/>
+                  </a:spcAft>
+                  <a:buClrTx/>
+                  <a:buSzTx/>
+                  <a:buFontTx/>
+                  <a:buNone/>
+                  <a:tabLst/>
+                </a:pPr>
+                <a:endParaRPr kumimoji="0" lang="en-US" sz="2400" b="0" i="0" u="none" strike="noStrike" cap="none" normalizeH="0" baseline="0">
+                  <a:ln>
+                    <a:noFill/>
+                  </a:ln>
+                  <a:solidFill>
+                    <a:schemeClr val="tx1"/>
+                  </a:solidFill>
+                  <a:effectLst/>
+                  <a:latin typeface="Times" charset="0"/>
+                </a:endParaRPr>
+              </a:p>
+            </p:txBody>
+          </p:sp>
+          <p:sp>
+            <p:nvSpPr>
+              <p:cNvPr id="69" name="Flowchart: Document 68"/>
+              <p:cNvSpPr/>
+              <p:nvPr/>
+            </p:nvSpPr>
+            <p:spPr bwMode="auto">
+              <a:xfrm>
+                <a:off x="3365210" y="2065138"/>
+                <a:ext cx="914400" cy="612648"/>
+              </a:xfrm>
+              <a:prstGeom prst="flowChartDocument">
+                <a:avLst/>
+              </a:prstGeom>
+              <a:solidFill>
+                <a:srgbClr val="0070C0">
+                  <a:alpha val="20000"/>
+                </a:srgbClr>
+              </a:solidFill>
+              <a:ln w="9525" cap="flat" cmpd="sng" algn="ctr">
+                <a:noFill/>
+                <a:prstDash val="solid"/>
+                <a:round/>
+                <a:headEnd type="none" w="med" len="med"/>
+                <a:tailEnd type="none" w="med" len="med"/>
+              </a:ln>
+              <a:effectLst/>
+            </p:spPr>
+            <p:txBody>
+              <a:bodyPr vert="horz" wrap="square" lIns="91440" tIns="45720" rIns="91440" bIns="45720" numCol="1" rtlCol="0" anchor="t" anchorCtr="0" compatLnSpc="1">
+                <a:prstTxWarp prst="textNoShape">
+                  <a:avLst/>
+                </a:prstTxWarp>
+              </a:bodyPr>
+              <a:lstStyle/>
+              <a:p>
+                <a:pPr marL="0" marR="0" indent="0" algn="l" defTabSz="914400" rtl="0" eaLnBrk="0" fontAlgn="base" latinLnBrk="0" hangingPunct="0">
+                  <a:lnSpc>
+                    <a:spcPct val="100000"/>
+                  </a:lnSpc>
+                  <a:spcBef>
+                    <a:spcPct val="0"/>
+                  </a:spcBef>
+                  <a:spcAft>
+                    <a:spcPct val="0"/>
+                  </a:spcAft>
+                  <a:buClrTx/>
+                  <a:buSzTx/>
+                  <a:buFontTx/>
+                  <a:buNone/>
+                  <a:tabLst/>
+                </a:pPr>
+                <a:endParaRPr kumimoji="0" lang="en-US" sz="2400" b="0" i="0" u="none" strike="noStrike" cap="none" normalizeH="0" baseline="0">
+                  <a:ln>
+                    <a:noFill/>
+                  </a:ln>
+                  <a:solidFill>
+                    <a:schemeClr val="tx1"/>
+                  </a:solidFill>
+                  <a:effectLst/>
+                  <a:latin typeface="Times" charset="0"/>
+                </a:endParaRPr>
+              </a:p>
+            </p:txBody>
+          </p:sp>
+        </p:grpSp>
+        <p:sp>
+          <p:nvSpPr>
+            <p:cNvPr id="70" name="Rectangle 69"/>
+            <p:cNvSpPr/>
+            <p:nvPr/>
+          </p:nvSpPr>
+          <p:spPr>
+            <a:xfrm>
+              <a:off x="1067581" y="3034518"/>
+              <a:ext cx="1130871" cy="400110"/>
+            </a:xfrm>
+            <a:prstGeom prst="rect">
+              <a:avLst/>
+            </a:prstGeom>
+          </p:spPr>
+          <p:txBody>
+            <a:bodyPr wrap="square">
+              <a:spAutoFit/>
+            </a:bodyPr>
+            <a:lstStyle/>
+            <a:p>
+              <a:pPr algn="ctr"/>
+              <a:r>
+                <a:rPr lang="en-US" sz="2000" b="1" dirty="0">
+                  <a:solidFill>
+                    <a:schemeClr val="bg1"/>
+                  </a:solidFill>
+                  <a:latin typeface="+mn-lt"/>
+                </a:rPr>
+                <a:t>CSV</a:t>
+              </a:r>
+            </a:p>
+          </p:txBody>
+        </p:sp>
+      </p:grpSp>
+      <p:sp>
+        <p:nvSpPr>
+          <p:cNvPr id="72" name="TextBox 71"/>
+          <p:cNvSpPr txBox="1"/>
+          <p:nvPr/>
+        </p:nvSpPr>
+        <p:spPr>
+          <a:xfrm>
+            <a:off x="429990" y="2492896"/>
+            <a:ext cx="1621730" cy="307777"/>
+          </a:xfrm>
+          <a:prstGeom prst="rect">
+            <a:avLst/>
+          </a:prstGeom>
+          <a:noFill/>
+          <a:ln w="9525">
+            <a:noFill/>
+          </a:ln>
+        </p:spPr>
+        <p:txBody>
+          <a:bodyPr wrap="square" rtlCol="0" anchor="ctr">
+            <a:spAutoFit/>
+          </a:bodyPr>
+          <a:lstStyle/>
+          <a:p>
+            <a:r>
+              <a:rPr lang="en-US" sz="1400" b="1" dirty="0"/>
+              <a:t>Model Outputs</a:t>
+            </a:r>
+          </a:p>
+        </p:txBody>
+      </p:sp>
+      <p:grpSp>
+        <p:nvGrpSpPr>
+          <p:cNvPr id="2" name="Group 1"/>
+          <p:cNvGrpSpPr/>
+          <p:nvPr/>
+        </p:nvGrpSpPr>
+        <p:grpSpPr>
+          <a:xfrm>
+            <a:off x="3059834" y="4291735"/>
+            <a:ext cx="3312365" cy="2233609"/>
+            <a:chOff x="3211191" y="4437112"/>
+            <a:chExt cx="2440928" cy="2083388"/>
+          </a:xfrm>
+        </p:grpSpPr>
+        <p:sp>
+          <p:nvSpPr>
+            <p:cNvPr id="74" name="Text Box 11"/>
+            <p:cNvSpPr txBox="1">
+              <a:spLocks noChangeArrowheads="1"/>
+            </p:cNvSpPr>
+            <p:nvPr/>
+          </p:nvSpPr>
+          <p:spPr bwMode="auto">
+            <a:xfrm>
+              <a:off x="3211191" y="4437112"/>
+              <a:ext cx="2440928" cy="2083388"/>
+            </a:xfrm>
+            <a:prstGeom prst="rect">
+              <a:avLst/>
+            </a:prstGeom>
+            <a:solidFill>
+              <a:srgbClr val="FFFFFF"/>
+            </a:solidFill>
+            <a:ln w="6350">
+              <a:solidFill>
+                <a:schemeClr val="tx1"/>
+              </a:solidFill>
+              <a:prstDash val="dashDot"/>
+              <a:miter lim="800000"/>
+              <a:headEnd/>
+              <a:tailEnd/>
+            </a:ln>
+          </p:spPr>
+          <p:txBody>
+            <a:bodyPr lIns="90000" tIns="46800" rIns="90000" bIns="46800"/>
+            <a:lstStyle>
+              <a:lvl1pPr defTabSz="457200">
+                <a:buChar char="•"/>
+                <a:tabLst>
+                  <a:tab pos="0" algn="l"/>
+                  <a:tab pos="457200" algn="l"/>
+                  <a:tab pos="914400" algn="l"/>
+                  <a:tab pos="1371600" algn="l"/>
+                  <a:tab pos="1828800" algn="l"/>
+                  <a:tab pos="2286000" algn="l"/>
+                  <a:tab pos="2743200" algn="l"/>
+                  <a:tab pos="3200400" algn="l"/>
+                  <a:tab pos="3657600" algn="l"/>
+                  <a:tab pos="4114800" algn="l"/>
+                  <a:tab pos="4572000" algn="l"/>
+                  <a:tab pos="5029200" algn="l"/>
+                  <a:tab pos="5486400" algn="l"/>
+                  <a:tab pos="5943600" algn="l"/>
+                  <a:tab pos="6400800" algn="l"/>
+                  <a:tab pos="6858000" algn="l"/>
+                  <a:tab pos="7315200" algn="l"/>
+                  <a:tab pos="7772400" algn="l"/>
+                  <a:tab pos="8229600" algn="l"/>
+                  <a:tab pos="8686800" algn="l"/>
+                  <a:tab pos="9144000" algn="l"/>
+                </a:tabLst>
+                <a:defRPr sz="2400">
+                  <a:solidFill>
+                    <a:schemeClr val="tx1"/>
+                  </a:solidFill>
+                  <a:latin typeface="Arial Narrow" pitchFamily="34" charset="0"/>
+                  <a:ea typeface="ヒラギノ角ゴ Pro W3" charset="-128"/>
+                </a:defRPr>
+              </a:lvl1pPr>
+              <a:lvl2pPr marL="742950" indent="-285750" defTabSz="457200">
+                <a:buClr>
+                  <a:schemeClr val="tx1"/>
+                </a:buClr>
+                <a:buSzPct val="120000"/>
+                <a:buChar char="•"/>
+                <a:tabLst>
+                  <a:tab pos="0" algn="l"/>
+                  <a:tab pos="457200" algn="l"/>
+                  <a:tab pos="914400" algn="l"/>
+                  <a:tab pos="1371600" algn="l"/>
+                  <a:tab pos="1828800" algn="l"/>
+                  <a:tab pos="2286000" algn="l"/>
+                  <a:tab pos="2743200" algn="l"/>
+                  <a:tab pos="3200400" algn="l"/>
+                  <a:tab pos="3657600" algn="l"/>
+                  <a:tab pos="4114800" algn="l"/>
+                  <a:tab pos="4572000" algn="l"/>
+                  <a:tab pos="5029200" algn="l"/>
+                  <a:tab pos="5486400" algn="l"/>
+                  <a:tab pos="5943600" algn="l"/>
+                  <a:tab pos="6400800" algn="l"/>
+                  <a:tab pos="6858000" algn="l"/>
+                  <a:tab pos="7315200" algn="l"/>
+                  <a:tab pos="7772400" algn="l"/>
+                  <a:tab pos="8229600" algn="l"/>
+                  <a:tab pos="8686800" algn="l"/>
+                  <a:tab pos="9144000" algn="l"/>
+                </a:tabLst>
+                <a:defRPr sz="2400">
+                  <a:solidFill>
+                    <a:schemeClr val="tx1"/>
+                  </a:solidFill>
+                  <a:latin typeface="Arial Narrow" pitchFamily="34" charset="0"/>
+                  <a:ea typeface="ヒラギノ角ゴ Pro W3" charset="-128"/>
+                </a:defRPr>
+              </a:lvl2pPr>
+              <a:lvl3pPr marL="1143000" indent="-228600" defTabSz="457200">
+                <a:buFont typeface="Times" pitchFamily="18" charset="0"/>
+                <a:buChar char="–"/>
+                <a:tabLst>
+                  <a:tab pos="0" algn="l"/>
+                  <a:tab pos="457200" algn="l"/>
+                  <a:tab pos="914400" algn="l"/>
+                  <a:tab pos="1371600" algn="l"/>
+                  <a:tab pos="1828800" algn="l"/>
+                  <a:tab pos="2286000" algn="l"/>
+                  <a:tab pos="2743200" algn="l"/>
+                  <a:tab pos="3200400" algn="l"/>
+                  <a:tab pos="3657600" algn="l"/>
+                  <a:tab pos="4114800" algn="l"/>
+                  <a:tab pos="4572000" algn="l"/>
+                  <a:tab pos="5029200" algn="l"/>
+                  <a:tab pos="5486400" algn="l"/>
+                  <a:tab pos="5943600" algn="l"/>
+                  <a:tab pos="6400800" algn="l"/>
+                  <a:tab pos="6858000" algn="l"/>
+                  <a:tab pos="7315200" algn="l"/>
+                  <a:tab pos="7772400" algn="l"/>
+                  <a:tab pos="8229600" algn="l"/>
+                  <a:tab pos="8686800" algn="l"/>
+                  <a:tab pos="9144000" algn="l"/>
+                </a:tabLst>
+                <a:defRPr sz="1700">
+                  <a:solidFill>
+                    <a:schemeClr val="tx1"/>
+                  </a:solidFill>
+                  <a:latin typeface="Arial Narrow" pitchFamily="34" charset="0"/>
+                  <a:ea typeface="MS PGothic" pitchFamily="34" charset="-128"/>
+                </a:defRPr>
+              </a:lvl3pPr>
+              <a:lvl4pPr marL="1600200" indent="-228600" defTabSz="457200">
+                <a:buFont typeface="Lucida Grande" charset="0"/>
+                <a:buChar char="–"/>
+                <a:tabLst>
+                  <a:tab pos="0" algn="l"/>
+                  <a:tab pos="457200" algn="l"/>
+                  <a:tab pos="914400" algn="l"/>
+                  <a:tab pos="1371600" algn="l"/>
+                  <a:tab pos="1828800" algn="l"/>
+                  <a:tab pos="2286000" algn="l"/>
+                  <a:tab pos="2743200" algn="l"/>
+                  <a:tab pos="3200400" algn="l"/>
+                  <a:tab pos="3657600" algn="l"/>
+                  <a:tab pos="4114800" algn="l"/>
+                  <a:tab pos="4572000" algn="l"/>
+                  <a:tab pos="5029200" algn="l"/>
+                  <a:tab pos="5486400" algn="l"/>
+                  <a:tab pos="5943600" algn="l"/>
+                  <a:tab pos="6400800" algn="l"/>
+                  <a:tab pos="6858000" algn="l"/>
+                  <a:tab pos="7315200" algn="l"/>
+                  <a:tab pos="7772400" algn="l"/>
+                  <a:tab pos="8229600" algn="l"/>
+                  <a:tab pos="8686800" algn="l"/>
+                  <a:tab pos="9144000" algn="l"/>
+                </a:tabLst>
+                <a:defRPr sz="2400">
+                  <a:solidFill>
+                    <a:schemeClr val="tx1"/>
+                  </a:solidFill>
+                  <a:latin typeface="Arial Narrow" pitchFamily="34" charset="0"/>
+                  <a:ea typeface="MS PGothic" pitchFamily="34" charset="-128"/>
+                </a:defRPr>
+              </a:lvl4pPr>
+              <a:lvl5pPr marL="2057400" indent="-228600" defTabSz="457200">
+                <a:buFont typeface="Lucida Grande" charset="0"/>
+                <a:buChar char="–"/>
+                <a:tabLst>
+                  <a:tab pos="0" algn="l"/>
+                  <a:tab pos="457200" algn="l"/>
+                  <a:tab pos="914400" algn="l"/>
+                  <a:tab pos="1371600" algn="l"/>
+                  <a:tab pos="1828800" algn="l"/>
+                  <a:tab pos="2286000" algn="l"/>
+                  <a:tab pos="2743200" algn="l"/>
+                  <a:tab pos="3200400" algn="l"/>
+                  <a:tab pos="3657600" algn="l"/>
+                  <a:tab pos="4114800" algn="l"/>
+                  <a:tab pos="4572000" algn="l"/>
+                  <a:tab pos="5029200" algn="l"/>
+                  <a:tab pos="5486400" algn="l"/>
+                  <a:tab pos="5943600" algn="l"/>
+                  <a:tab pos="6400800" algn="l"/>
+                  <a:tab pos="6858000" algn="l"/>
+                  <a:tab pos="7315200" algn="l"/>
+                  <a:tab pos="7772400" algn="l"/>
+                  <a:tab pos="8229600" algn="l"/>
+                  <a:tab pos="8686800" algn="l"/>
+                  <a:tab pos="9144000" algn="l"/>
+                </a:tabLst>
+                <a:defRPr sz="2400">
+                  <a:solidFill>
+                    <a:schemeClr val="tx1"/>
+                  </a:solidFill>
+                  <a:latin typeface="Arial Narrow" pitchFamily="34" charset="0"/>
+                  <a:ea typeface="ヒラギノ角ゴ Pro W3" charset="-128"/>
+                </a:defRPr>
+              </a:lvl5pPr>
+              <a:lvl6pPr marL="2514600" indent="-228600" defTabSz="457200" eaLnBrk="0" fontAlgn="base" hangingPunct="0">
+                <a:lnSpc>
+                  <a:spcPct val="110000"/>
+                </a:lnSpc>
+                <a:spcBef>
+                  <a:spcPct val="0"/>
+                </a:spcBef>
+                <a:spcAft>
+                  <a:spcPct val="0"/>
+                </a:spcAft>
+                <a:buFont typeface="Lucida Grande" charset="0"/>
+                <a:buChar char="–"/>
+                <a:tabLst>
+                  <a:tab pos="0" algn="l"/>
+                  <a:tab pos="457200" algn="l"/>
+                  <a:tab pos="914400" algn="l"/>
+                  <a:tab pos="1371600" algn="l"/>
+                  <a:tab pos="1828800" algn="l"/>
+                  <a:tab pos="2286000" algn="l"/>
+                  <a:tab pos="2743200" algn="l"/>
+                  <a:tab pos="3200400" algn="l"/>
+                  <a:tab pos="3657600" algn="l"/>
+                  <a:tab pos="4114800" algn="l"/>
+                  <a:tab pos="4572000" algn="l"/>
+                  <a:tab pos="5029200" algn="l"/>
+                  <a:tab pos="5486400" algn="l"/>
+                  <a:tab pos="5943600" algn="l"/>
+                  <a:tab pos="6400800" algn="l"/>
+                  <a:tab pos="6858000" algn="l"/>
+                  <a:tab pos="7315200" algn="l"/>
+                  <a:tab pos="7772400" algn="l"/>
+                  <a:tab pos="8229600" algn="l"/>
+                  <a:tab pos="8686800" algn="l"/>
+                  <a:tab pos="9144000" algn="l"/>
+                </a:tabLst>
+                <a:defRPr sz="2400">
+                  <a:solidFill>
+                    <a:schemeClr val="tx1"/>
+                  </a:solidFill>
+                  <a:latin typeface="Arial Narrow" pitchFamily="34" charset="0"/>
+                  <a:ea typeface="ヒラギノ角ゴ Pro W3" charset="-128"/>
+                </a:defRPr>
+              </a:lvl6pPr>
+              <a:lvl7pPr marL="2971800" indent="-228600" defTabSz="457200" eaLnBrk="0" fontAlgn="base" hangingPunct="0">
+                <a:lnSpc>
+                  <a:spcPct val="110000"/>
+                </a:lnSpc>
+                <a:spcBef>
+                  <a:spcPct val="0"/>
+                </a:spcBef>
+                <a:spcAft>
+                  <a:spcPct val="0"/>
+                </a:spcAft>
+                <a:buFont typeface="Lucida Grande" charset="0"/>
+                <a:buChar char="–"/>
+                <a:tabLst>
+                  <a:tab pos="0" algn="l"/>
+                  <a:tab pos="457200" algn="l"/>
+                  <a:tab pos="914400" algn="l"/>
+                  <a:tab pos="1371600" algn="l"/>
+                  <a:tab pos="1828800" algn="l"/>
+                  <a:tab pos="2286000" algn="l"/>
+                  <a:tab pos="2743200" algn="l"/>
+                  <a:tab pos="3200400" algn="l"/>
+                  <a:tab pos="3657600" algn="l"/>
+                  <a:tab pos="4114800" algn="l"/>
+                  <a:tab pos="4572000" algn="l"/>
+                  <a:tab pos="5029200" algn="l"/>
+                  <a:tab pos="5486400" algn="l"/>
+                  <a:tab pos="5943600" algn="l"/>
+                  <a:tab pos="6400800" algn="l"/>
+                  <a:tab pos="6858000" algn="l"/>
+                  <a:tab pos="7315200" algn="l"/>
+                  <a:tab pos="7772400" algn="l"/>
+                  <a:tab pos="8229600" algn="l"/>
+                  <a:tab pos="8686800" algn="l"/>
+                  <a:tab pos="9144000" algn="l"/>
+                </a:tabLst>
+                <a:defRPr sz="2400">
+                  <a:solidFill>
+                    <a:schemeClr val="tx1"/>
+                  </a:solidFill>
+                  <a:latin typeface="Arial Narrow" pitchFamily="34" charset="0"/>
+                  <a:ea typeface="ヒラギノ角ゴ Pro W3" charset="-128"/>
+                </a:defRPr>
+              </a:lvl7pPr>
+              <a:lvl8pPr marL="3429000" indent="-228600" defTabSz="457200" eaLnBrk="0" fontAlgn="base" hangingPunct="0">
+                <a:lnSpc>
+                  <a:spcPct val="110000"/>
+                </a:lnSpc>
+                <a:spcBef>
+                  <a:spcPct val="0"/>
+                </a:spcBef>
+                <a:spcAft>
+                  <a:spcPct val="0"/>
+                </a:spcAft>
+                <a:buFont typeface="Lucida Grande" charset="0"/>
+                <a:buChar char="–"/>
+                <a:tabLst>
+                  <a:tab pos="0" algn="l"/>
+                  <a:tab pos="457200" algn="l"/>
+                  <a:tab pos="914400" algn="l"/>
+                  <a:tab pos="1371600" algn="l"/>
+                  <a:tab pos="1828800" algn="l"/>
+                  <a:tab pos="2286000" algn="l"/>
+                  <a:tab pos="2743200" algn="l"/>
+                  <a:tab pos="3200400" algn="l"/>
+                  <a:tab pos="3657600" algn="l"/>
+                  <a:tab pos="4114800" algn="l"/>
+                  <a:tab pos="4572000" algn="l"/>
+                  <a:tab pos="5029200" algn="l"/>
+                  <a:tab pos="5486400" algn="l"/>
+                  <a:tab pos="5943600" algn="l"/>
+                  <a:tab pos="6400800" algn="l"/>
+                  <a:tab pos="6858000" algn="l"/>
+                  <a:tab pos="7315200" algn="l"/>
+                  <a:tab pos="7772400" algn="l"/>
+                  <a:tab pos="8229600" algn="l"/>
+                  <a:tab pos="8686800" algn="l"/>
+                  <a:tab pos="9144000" algn="l"/>
+                </a:tabLst>
+                <a:defRPr sz="2400">
+                  <a:solidFill>
+                    <a:schemeClr val="tx1"/>
+                  </a:solidFill>
+                  <a:latin typeface="Arial Narrow" pitchFamily="34" charset="0"/>
+                  <a:ea typeface="ヒラギノ角ゴ Pro W3" charset="-128"/>
+                </a:defRPr>
+              </a:lvl8pPr>
+              <a:lvl9pPr marL="3886200" indent="-228600" defTabSz="457200" eaLnBrk="0" fontAlgn="base" hangingPunct="0">
+                <a:lnSpc>
+                  <a:spcPct val="110000"/>
+                </a:lnSpc>
+                <a:spcBef>
+                  <a:spcPct val="0"/>
+                </a:spcBef>
+                <a:spcAft>
+                  <a:spcPct val="0"/>
+                </a:spcAft>
+                <a:buFont typeface="Lucida Grande" charset="0"/>
+                <a:buChar char="–"/>
+                <a:tabLst>
+                  <a:tab pos="0" algn="l"/>
+                  <a:tab pos="457200" algn="l"/>
+                  <a:tab pos="914400" algn="l"/>
+                  <a:tab pos="1371600" algn="l"/>
+                  <a:tab pos="1828800" algn="l"/>
+                  <a:tab pos="2286000" algn="l"/>
+                  <a:tab pos="2743200" algn="l"/>
+                  <a:tab pos="3200400" algn="l"/>
+                  <a:tab pos="3657600" algn="l"/>
+                  <a:tab pos="4114800" algn="l"/>
+                  <a:tab pos="4572000" algn="l"/>
+                  <a:tab pos="5029200" algn="l"/>
+                  <a:tab pos="5486400" algn="l"/>
+                  <a:tab pos="5943600" algn="l"/>
+                  <a:tab pos="6400800" algn="l"/>
+                  <a:tab pos="6858000" algn="l"/>
+                  <a:tab pos="7315200" algn="l"/>
+                  <a:tab pos="7772400" algn="l"/>
+                  <a:tab pos="8229600" algn="l"/>
+                  <a:tab pos="8686800" algn="l"/>
+                  <a:tab pos="9144000" algn="l"/>
+                </a:tabLst>
+                <a:defRPr sz="2400">
+                  <a:solidFill>
+                    <a:schemeClr val="tx1"/>
+                  </a:solidFill>
+                  <a:latin typeface="Arial Narrow" pitchFamily="34" charset="0"/>
+                  <a:ea typeface="ヒラギノ角ゴ Pro W3" charset="-128"/>
+                </a:defRPr>
+              </a:lvl9pPr>
+            </a:lstStyle>
+            <a:p>
+              <a:pPr eaLnBrk="1" hangingPunct="1">
+                <a:lnSpc>
+                  <a:spcPct val="100000"/>
+                </a:lnSpc>
+                <a:buClr>
+                  <a:srgbClr val="000000"/>
+                </a:buClr>
+                <a:buFont typeface="Times New Roman" pitchFamily="18" charset="0"/>
+                <a:buNone/>
+              </a:pPr>
+              <a:r>
+                <a:rPr lang="en-US" altLang="ko-KR" sz="1400" dirty="0">
+                  <a:solidFill>
+                    <a:srgbClr val="C50006"/>
+                  </a:solidFill>
+                  <a:latin typeface="+mn-lt"/>
+                  <a:ea typeface="Gulim" pitchFamily="34" charset="-127"/>
+                  <a:cs typeface="Arial Unicode MS" pitchFamily="34" charset="-128"/>
+                </a:rPr>
+                <a:t>Sensitivity Analysis </a:t>
+              </a:r>
+              <a:br>
+                <a:rPr lang="en-US" altLang="ko-KR" sz="1400" dirty="0">
+                  <a:solidFill>
+                    <a:srgbClr val="C50006"/>
+                  </a:solidFill>
+                  <a:latin typeface="+mn-lt"/>
+                  <a:ea typeface="Gulim" pitchFamily="34" charset="-127"/>
+                  <a:cs typeface="Arial Unicode MS" pitchFamily="34" charset="-128"/>
+                </a:rPr>
+              </a:br>
+              <a:r>
+                <a:rPr lang="en-US" altLang="ko-KR" sz="1400" dirty="0">
+                  <a:solidFill>
+                    <a:srgbClr val="C50006"/>
+                  </a:solidFill>
+                  <a:latin typeface="+mn-lt"/>
+                  <a:ea typeface="Gulim" pitchFamily="34" charset="-127"/>
+                  <a:cs typeface="Arial Unicode MS" pitchFamily="34" charset="-128"/>
+                </a:rPr>
+                <a:t>Post-processor Modules</a:t>
+              </a:r>
+            </a:p>
+          </p:txBody>
+        </p:sp>
+        <p:sp>
+          <p:nvSpPr>
+            <p:cNvPr id="78" name="Text Box 12"/>
+            <p:cNvSpPr txBox="1">
+              <a:spLocks noChangeArrowheads="1"/>
+            </p:cNvSpPr>
+            <p:nvPr/>
+          </p:nvSpPr>
+          <p:spPr bwMode="auto">
+            <a:xfrm>
+              <a:off x="3276870" y="5332638"/>
+              <a:ext cx="2322004" cy="1136704"/>
+            </a:xfrm>
+            <a:prstGeom prst="rect">
+              <a:avLst/>
+            </a:prstGeom>
+            <a:solidFill>
+              <a:schemeClr val="bg1">
+                <a:lumMod val="85000"/>
+              </a:schemeClr>
+            </a:solidFill>
+            <a:ln w="3175">
+              <a:solidFill>
+                <a:schemeClr val="tx1"/>
+              </a:solidFill>
+              <a:prstDash val="dashDot"/>
+              <a:miter lim="800000"/>
+              <a:headEnd/>
+              <a:tailEnd/>
+            </a:ln>
+          </p:spPr>
+          <p:txBody>
+            <a:bodyPr wrap="square" lIns="90000" tIns="46800" rIns="90000" bIns="46800" anchor="ctr">
+              <a:noAutofit/>
+            </a:bodyPr>
+            <a:lstStyle>
+              <a:lvl1pPr defTabSz="457200">
+                <a:buChar char="•"/>
+                <a:tabLst>
+                  <a:tab pos="0" algn="l"/>
+                  <a:tab pos="457200" algn="l"/>
+                  <a:tab pos="914400" algn="l"/>
+                  <a:tab pos="1371600" algn="l"/>
+                  <a:tab pos="1828800" algn="l"/>
+                  <a:tab pos="2286000" algn="l"/>
+                  <a:tab pos="2743200" algn="l"/>
+                  <a:tab pos="3200400" algn="l"/>
+                  <a:tab pos="3657600" algn="l"/>
+                  <a:tab pos="4114800" algn="l"/>
+                  <a:tab pos="4572000" algn="l"/>
+                  <a:tab pos="5029200" algn="l"/>
+                  <a:tab pos="5486400" algn="l"/>
+                  <a:tab pos="5943600" algn="l"/>
+                  <a:tab pos="6400800" algn="l"/>
+                  <a:tab pos="6858000" algn="l"/>
+                  <a:tab pos="7315200" algn="l"/>
+                  <a:tab pos="7772400" algn="l"/>
+                  <a:tab pos="8229600" algn="l"/>
+                  <a:tab pos="8686800" algn="l"/>
+                  <a:tab pos="9144000" algn="l"/>
+                </a:tabLst>
+                <a:defRPr sz="2400">
+                  <a:solidFill>
+                    <a:schemeClr val="tx1"/>
+                  </a:solidFill>
+                  <a:latin typeface="Arial Narrow" pitchFamily="34" charset="0"/>
+                  <a:ea typeface="ヒラギノ角ゴ Pro W3" charset="-128"/>
+                </a:defRPr>
+              </a:lvl1pPr>
+              <a:lvl2pPr marL="742950" indent="-285750" defTabSz="457200">
+                <a:buClr>
+                  <a:schemeClr val="tx1"/>
+                </a:buClr>
+                <a:buSzPct val="120000"/>
+                <a:buChar char="•"/>
+                <a:tabLst>
+                  <a:tab pos="0" algn="l"/>
+                  <a:tab pos="457200" algn="l"/>
+                  <a:tab pos="914400" algn="l"/>
+                  <a:tab pos="1371600" algn="l"/>
+                  <a:tab pos="1828800" algn="l"/>
+                  <a:tab pos="2286000" algn="l"/>
+                  <a:tab pos="2743200" algn="l"/>
+                  <a:tab pos="3200400" algn="l"/>
+                  <a:tab pos="3657600" algn="l"/>
+                  <a:tab pos="4114800" algn="l"/>
+                  <a:tab pos="4572000" algn="l"/>
+                  <a:tab pos="5029200" algn="l"/>
+                  <a:tab pos="5486400" algn="l"/>
+                  <a:tab pos="5943600" algn="l"/>
+                  <a:tab pos="6400800" algn="l"/>
+                  <a:tab pos="6858000" algn="l"/>
+                  <a:tab pos="7315200" algn="l"/>
+                  <a:tab pos="7772400" algn="l"/>
+                  <a:tab pos="8229600" algn="l"/>
+                  <a:tab pos="8686800" algn="l"/>
+                  <a:tab pos="9144000" algn="l"/>
+                </a:tabLst>
+                <a:defRPr sz="2400">
+                  <a:solidFill>
+                    <a:schemeClr val="tx1"/>
+                  </a:solidFill>
+                  <a:latin typeface="Arial Narrow" pitchFamily="34" charset="0"/>
+                  <a:ea typeface="ヒラギノ角ゴ Pro W3" charset="-128"/>
+                </a:defRPr>
+              </a:lvl2pPr>
+              <a:lvl3pPr marL="1143000" indent="-228600" defTabSz="457200">
+                <a:buFont typeface="Times" pitchFamily="18" charset="0"/>
+                <a:buChar char="–"/>
+                <a:tabLst>
+                  <a:tab pos="0" algn="l"/>
+                  <a:tab pos="457200" algn="l"/>
+                  <a:tab pos="914400" algn="l"/>
+                  <a:tab pos="1371600" algn="l"/>
+                  <a:tab pos="1828800" algn="l"/>
+                  <a:tab pos="2286000" algn="l"/>
+                  <a:tab pos="2743200" algn="l"/>
+                  <a:tab pos="3200400" algn="l"/>
+                  <a:tab pos="3657600" algn="l"/>
+                  <a:tab pos="4114800" algn="l"/>
+                  <a:tab pos="4572000" algn="l"/>
+                  <a:tab pos="5029200" algn="l"/>
+                  <a:tab pos="5486400" algn="l"/>
+                  <a:tab pos="5943600" algn="l"/>
+                  <a:tab pos="6400800" algn="l"/>
+                  <a:tab pos="6858000" algn="l"/>
+                  <a:tab pos="7315200" algn="l"/>
+                  <a:tab pos="7772400" algn="l"/>
+                  <a:tab pos="8229600" algn="l"/>
+                  <a:tab pos="8686800" algn="l"/>
+                  <a:tab pos="9144000" algn="l"/>
+                </a:tabLst>
+                <a:defRPr sz="1700">
+                  <a:solidFill>
+                    <a:schemeClr val="tx1"/>
+                  </a:solidFill>
+                  <a:latin typeface="Arial Narrow" pitchFamily="34" charset="0"/>
+                  <a:ea typeface="MS PGothic" pitchFamily="34" charset="-128"/>
+                </a:defRPr>
+              </a:lvl3pPr>
+              <a:lvl4pPr marL="1600200" indent="-228600" defTabSz="457200">
+                <a:buFont typeface="Lucida Grande" charset="0"/>
+                <a:buChar char="–"/>
+                <a:tabLst>
+                  <a:tab pos="0" algn="l"/>
+                  <a:tab pos="457200" algn="l"/>
+                  <a:tab pos="914400" algn="l"/>
+                  <a:tab pos="1371600" algn="l"/>
+                  <a:tab pos="1828800" algn="l"/>
+                  <a:tab pos="2286000" algn="l"/>
+                  <a:tab pos="2743200" algn="l"/>
+                  <a:tab pos="3200400" algn="l"/>
+                  <a:tab pos="3657600" algn="l"/>
+                  <a:tab pos="4114800" algn="l"/>
+                  <a:tab pos="4572000" algn="l"/>
+                  <a:tab pos="5029200" algn="l"/>
+                  <a:tab pos="5486400" algn="l"/>
+                  <a:tab pos="5943600" algn="l"/>
+                  <a:tab pos="6400800" algn="l"/>
+                  <a:tab pos="6858000" algn="l"/>
+                  <a:tab pos="7315200" algn="l"/>
+                  <a:tab pos="7772400" algn="l"/>
+                  <a:tab pos="8229600" algn="l"/>
+                  <a:tab pos="8686800" algn="l"/>
+                  <a:tab pos="9144000" algn="l"/>
+                </a:tabLst>
+                <a:defRPr sz="2400">
+                  <a:solidFill>
+                    <a:schemeClr val="tx1"/>
+                  </a:solidFill>
+                  <a:latin typeface="Arial Narrow" pitchFamily="34" charset="0"/>
+                  <a:ea typeface="MS PGothic" pitchFamily="34" charset="-128"/>
+                </a:defRPr>
+              </a:lvl4pPr>
+              <a:lvl5pPr marL="2057400" indent="-228600" defTabSz="457200">
+                <a:buFont typeface="Lucida Grande" charset="0"/>
+                <a:buChar char="–"/>
+                <a:tabLst>
+                  <a:tab pos="0" algn="l"/>
+                  <a:tab pos="457200" algn="l"/>
+                  <a:tab pos="914400" algn="l"/>
+                  <a:tab pos="1371600" algn="l"/>
+                  <a:tab pos="1828800" algn="l"/>
+                  <a:tab pos="2286000" algn="l"/>
+                  <a:tab pos="2743200" algn="l"/>
+                  <a:tab pos="3200400" algn="l"/>
+                  <a:tab pos="3657600" algn="l"/>
+                  <a:tab pos="4114800" algn="l"/>
+                  <a:tab pos="4572000" algn="l"/>
+                  <a:tab pos="5029200" algn="l"/>
+                  <a:tab pos="5486400" algn="l"/>
+                  <a:tab pos="5943600" algn="l"/>
+                  <a:tab pos="6400800" algn="l"/>
+                  <a:tab pos="6858000" algn="l"/>
+                  <a:tab pos="7315200" algn="l"/>
+                  <a:tab pos="7772400" algn="l"/>
+                  <a:tab pos="8229600" algn="l"/>
+                  <a:tab pos="8686800" algn="l"/>
+                  <a:tab pos="9144000" algn="l"/>
+                </a:tabLst>
+                <a:defRPr sz="2400">
+                  <a:solidFill>
+                    <a:schemeClr val="tx1"/>
+                  </a:solidFill>
+                  <a:latin typeface="Arial Narrow" pitchFamily="34" charset="0"/>
+                  <a:ea typeface="ヒラギノ角ゴ Pro W3" charset="-128"/>
+                </a:defRPr>
+              </a:lvl5pPr>
+              <a:lvl6pPr marL="2514600" indent="-228600" defTabSz="457200" eaLnBrk="0" fontAlgn="base" hangingPunct="0">
+                <a:lnSpc>
+                  <a:spcPct val="110000"/>
+                </a:lnSpc>
+                <a:spcBef>
+                  <a:spcPct val="0"/>
+                </a:spcBef>
+                <a:spcAft>
+                  <a:spcPct val="0"/>
+                </a:spcAft>
+                <a:buFont typeface="Lucida Grande" charset="0"/>
+                <a:buChar char="–"/>
+                <a:tabLst>
+                  <a:tab pos="0" algn="l"/>
+                  <a:tab pos="457200" algn="l"/>
+                  <a:tab pos="914400" algn="l"/>
+                  <a:tab pos="1371600" algn="l"/>
+                  <a:tab pos="1828800" algn="l"/>
+                  <a:tab pos="2286000" algn="l"/>
+                  <a:tab pos="2743200" algn="l"/>
+                  <a:tab pos="3200400" algn="l"/>
+                  <a:tab pos="3657600" algn="l"/>
+                  <a:tab pos="4114800" algn="l"/>
+                  <a:tab pos="4572000" algn="l"/>
+                  <a:tab pos="5029200" algn="l"/>
+                  <a:tab pos="5486400" algn="l"/>
+                  <a:tab pos="5943600" algn="l"/>
+                  <a:tab pos="6400800" algn="l"/>
+                  <a:tab pos="6858000" algn="l"/>
+                  <a:tab pos="7315200" algn="l"/>
+                  <a:tab pos="7772400" algn="l"/>
+                  <a:tab pos="8229600" algn="l"/>
+                  <a:tab pos="8686800" algn="l"/>
+                  <a:tab pos="9144000" algn="l"/>
+                </a:tabLst>
+                <a:defRPr sz="2400">
+                  <a:solidFill>
+                    <a:schemeClr val="tx1"/>
+                  </a:solidFill>
+                  <a:latin typeface="Arial Narrow" pitchFamily="34" charset="0"/>
+                  <a:ea typeface="ヒラギノ角ゴ Pro W3" charset="-128"/>
+                </a:defRPr>
+              </a:lvl6pPr>
+              <a:lvl7pPr marL="2971800" indent="-228600" defTabSz="457200" eaLnBrk="0" fontAlgn="base" hangingPunct="0">
+                <a:lnSpc>
+                  <a:spcPct val="110000"/>
+                </a:lnSpc>
+                <a:spcBef>
+                  <a:spcPct val="0"/>
+                </a:spcBef>
+                <a:spcAft>
+                  <a:spcPct val="0"/>
+                </a:spcAft>
+                <a:buFont typeface="Lucida Grande" charset="0"/>
+                <a:buChar char="–"/>
+                <a:tabLst>
+                  <a:tab pos="0" algn="l"/>
+                  <a:tab pos="457200" algn="l"/>
+                  <a:tab pos="914400" algn="l"/>
+                  <a:tab pos="1371600" algn="l"/>
+                  <a:tab pos="1828800" algn="l"/>
+                  <a:tab pos="2286000" algn="l"/>
+                  <a:tab pos="2743200" algn="l"/>
+                  <a:tab pos="3200400" algn="l"/>
+                  <a:tab pos="3657600" algn="l"/>
+                  <a:tab pos="4114800" algn="l"/>
+                  <a:tab pos="4572000" algn="l"/>
+                  <a:tab pos="5029200" algn="l"/>
+                  <a:tab pos="5486400" algn="l"/>
+                  <a:tab pos="5943600" algn="l"/>
+                  <a:tab pos="6400800" algn="l"/>
+                  <a:tab pos="6858000" algn="l"/>
+                  <a:tab pos="7315200" algn="l"/>
+                  <a:tab pos="7772400" algn="l"/>
+                  <a:tab pos="8229600" algn="l"/>
+                  <a:tab pos="8686800" algn="l"/>
+                  <a:tab pos="9144000" algn="l"/>
+                </a:tabLst>
+                <a:defRPr sz="2400">
+                  <a:solidFill>
+                    <a:schemeClr val="tx1"/>
+                  </a:solidFill>
+                  <a:latin typeface="Arial Narrow" pitchFamily="34" charset="0"/>
+                  <a:ea typeface="ヒラギノ角ゴ Pro W3" charset="-128"/>
+                </a:defRPr>
+              </a:lvl7pPr>
+              <a:lvl8pPr marL="3429000" indent="-228600" defTabSz="457200" eaLnBrk="0" fontAlgn="base" hangingPunct="0">
+                <a:lnSpc>
+                  <a:spcPct val="110000"/>
+                </a:lnSpc>
+                <a:spcBef>
+                  <a:spcPct val="0"/>
+                </a:spcBef>
+                <a:spcAft>
+                  <a:spcPct val="0"/>
+                </a:spcAft>
+                <a:buFont typeface="Lucida Grande" charset="0"/>
+                <a:buChar char="–"/>
+                <a:tabLst>
+                  <a:tab pos="0" algn="l"/>
+                  <a:tab pos="457200" algn="l"/>
+                  <a:tab pos="914400" algn="l"/>
+                  <a:tab pos="1371600" algn="l"/>
+                  <a:tab pos="1828800" algn="l"/>
+                  <a:tab pos="2286000" algn="l"/>
+                  <a:tab pos="2743200" algn="l"/>
+                  <a:tab pos="3200400" algn="l"/>
+                  <a:tab pos="3657600" algn="l"/>
+                  <a:tab pos="4114800" algn="l"/>
+                  <a:tab pos="4572000" algn="l"/>
+                  <a:tab pos="5029200" algn="l"/>
+                  <a:tab pos="5486400" algn="l"/>
+                  <a:tab pos="5943600" algn="l"/>
+                  <a:tab pos="6400800" algn="l"/>
+                  <a:tab pos="6858000" algn="l"/>
+                  <a:tab pos="7315200" algn="l"/>
+                  <a:tab pos="7772400" algn="l"/>
+                  <a:tab pos="8229600" algn="l"/>
+                  <a:tab pos="8686800" algn="l"/>
+                  <a:tab pos="9144000" algn="l"/>
+                </a:tabLst>
+                <a:defRPr sz="2400">
+                  <a:solidFill>
+                    <a:schemeClr val="tx1"/>
+                  </a:solidFill>
+                  <a:latin typeface="Arial Narrow" pitchFamily="34" charset="0"/>
+                  <a:ea typeface="ヒラギノ角ゴ Pro W3" charset="-128"/>
+                </a:defRPr>
+              </a:lvl8pPr>
+              <a:lvl9pPr marL="3886200" indent="-228600" defTabSz="457200" eaLnBrk="0" fontAlgn="base" hangingPunct="0">
+                <a:lnSpc>
+                  <a:spcPct val="110000"/>
+                </a:lnSpc>
+                <a:spcBef>
+                  <a:spcPct val="0"/>
+                </a:spcBef>
+                <a:spcAft>
+                  <a:spcPct val="0"/>
+                </a:spcAft>
+                <a:buFont typeface="Lucida Grande" charset="0"/>
+                <a:buChar char="–"/>
+                <a:tabLst>
+                  <a:tab pos="0" algn="l"/>
+                  <a:tab pos="457200" algn="l"/>
+                  <a:tab pos="914400" algn="l"/>
+                  <a:tab pos="1371600" algn="l"/>
+                  <a:tab pos="1828800" algn="l"/>
+                  <a:tab pos="2286000" algn="l"/>
+                  <a:tab pos="2743200" algn="l"/>
+                  <a:tab pos="3200400" algn="l"/>
+                  <a:tab pos="3657600" algn="l"/>
+                  <a:tab pos="4114800" algn="l"/>
+                  <a:tab pos="4572000" algn="l"/>
+                  <a:tab pos="5029200" algn="l"/>
+                  <a:tab pos="5486400" algn="l"/>
+                  <a:tab pos="5943600" algn="l"/>
+                  <a:tab pos="6400800" algn="l"/>
+                  <a:tab pos="6858000" algn="l"/>
+                  <a:tab pos="7315200" algn="l"/>
+                  <a:tab pos="7772400" algn="l"/>
+                  <a:tab pos="8229600" algn="l"/>
+                  <a:tab pos="8686800" algn="l"/>
+                  <a:tab pos="9144000" algn="l"/>
+                </a:tabLst>
+                <a:defRPr sz="2400">
+                  <a:solidFill>
+                    <a:schemeClr val="tx1"/>
+                  </a:solidFill>
+                  <a:latin typeface="Arial Narrow" pitchFamily="34" charset="0"/>
+                  <a:ea typeface="ヒラギノ角ゴ Pro W3" charset="-128"/>
+                </a:defRPr>
+              </a:lvl9pPr>
+            </a:lstStyle>
+            <a:p>
+              <a:pPr marL="85725" indent="-85725">
+                <a:buClr>
+                  <a:srgbClr val="000000"/>
+                </a:buClr>
+              </a:pPr>
+              <a:r>
+                <a:rPr lang="en-US" altLang="ko-KR" sz="1050" dirty="0">
+                  <a:solidFill>
+                    <a:srgbClr val="003B6E"/>
+                  </a:solidFill>
+                  <a:latin typeface="+mj-lt"/>
+                  <a:ea typeface="Gulim" pitchFamily="34" charset="-127"/>
+                  <a:cs typeface="Arial Unicode MS" pitchFamily="34" charset="-128"/>
+                </a:rPr>
+                <a:t>1</a:t>
+              </a:r>
+              <a:r>
+                <a:rPr lang="en-US" altLang="ko-KR" sz="1050" baseline="30000" dirty="0">
+                  <a:solidFill>
+                    <a:srgbClr val="003B6E"/>
+                  </a:solidFill>
+                  <a:latin typeface="+mj-lt"/>
+                  <a:ea typeface="Gulim" pitchFamily="34" charset="-127"/>
+                  <a:cs typeface="Arial Unicode MS" pitchFamily="34" charset="-128"/>
+                </a:rPr>
+                <a:t>st</a:t>
+              </a:r>
+              <a:r>
+                <a:rPr lang="en-US" altLang="ko-KR" sz="1050" dirty="0">
+                  <a:solidFill>
+                    <a:srgbClr val="003B6E"/>
+                  </a:solidFill>
+                  <a:latin typeface="+mj-lt"/>
+                  <a:ea typeface="Gulim" pitchFamily="34" charset="-127"/>
+                  <a:cs typeface="Arial Unicode MS" pitchFamily="34" charset="-128"/>
+                </a:rPr>
+                <a:t> Order </a:t>
+              </a:r>
+              <a:r>
+                <a:rPr lang="en-US" altLang="ko-KR" sz="1050" dirty="0" err="1">
+                  <a:solidFill>
+                    <a:srgbClr val="003B6E"/>
+                  </a:solidFill>
+                  <a:latin typeface="+mj-lt"/>
+                  <a:ea typeface="Gulim" pitchFamily="34" charset="-127"/>
+                  <a:cs typeface="Arial Unicode MS" pitchFamily="34" charset="-128"/>
+                </a:rPr>
+                <a:t>Sobol</a:t>
+              </a:r>
+              <a:r>
+                <a:rPr lang="en-US" altLang="ko-KR" sz="1050" dirty="0">
+                  <a:solidFill>
+                    <a:srgbClr val="003B6E"/>
+                  </a:solidFill>
+                  <a:latin typeface="+mj-lt"/>
+                  <a:ea typeface="Gulim" pitchFamily="34" charset="-127"/>
+                  <a:cs typeface="Arial Unicode MS" pitchFamily="34" charset="-128"/>
+                </a:rPr>
+                <a:t>’ Indice</a:t>
+              </a:r>
+              <a:r>
+                <a:rPr lang="en-US" altLang="ko-KR" sz="1050" dirty="0">
+                  <a:solidFill>
+                    <a:srgbClr val="003B6E"/>
+                  </a:solidFill>
+                  <a:ea typeface="Gulim" pitchFamily="34" charset="-127"/>
+                  <a:cs typeface="Arial Unicode MS" pitchFamily="34" charset="-128"/>
+                </a:rPr>
+                <a:t>s </a:t>
+              </a:r>
+              <a:r>
+                <a:rPr lang="en-US" altLang="ko-KR" sz="1100" dirty="0">
+                  <a:solidFill>
+                    <a:srgbClr val="003B6E"/>
+                  </a:solidFill>
+                  <a:ea typeface="Gulim" pitchFamily="34" charset="-127"/>
+                  <a:cs typeface="Arial Unicode MS" pitchFamily="34" charset="-128"/>
+                </a:rPr>
+                <a:t>(</a:t>
+              </a:r>
+              <a:r>
+                <a:rPr lang="en-US" altLang="ko-KR" sz="1050" dirty="0" err="1">
+                  <a:solidFill>
+                    <a:srgbClr val="003B6E"/>
+                  </a:solidFill>
+                  <a:latin typeface="Courier New" panose="02070309020205020404" pitchFamily="49" charset="0"/>
+                  <a:ea typeface="Gulim" pitchFamily="34" charset="-127"/>
+                  <a:cs typeface="Courier New" panose="02070309020205020404" pitchFamily="49" charset="0"/>
+                </a:rPr>
+                <a:t>sobo</a:t>
+              </a:r>
+              <a:r>
+                <a:rPr lang="en-US" altLang="ko-KR" sz="1100" dirty="0" err="1">
+                  <a:solidFill>
+                    <a:srgbClr val="003B6E"/>
+                  </a:solidFill>
+                  <a:ea typeface="Gulim" pitchFamily="34" charset="-127"/>
+                  <a:cs typeface="Arial Unicode MS" pitchFamily="34" charset="-128"/>
+                </a:rPr>
+                <a:t>l</a:t>
+              </a:r>
+              <a:r>
+                <a:rPr lang="en-US" altLang="ko-KR" sz="1100" dirty="0">
+                  <a:solidFill>
+                    <a:srgbClr val="003B6E"/>
+                  </a:solidFill>
+                  <a:ea typeface="Gulim" pitchFamily="34" charset="-127"/>
+                  <a:cs typeface="Arial Unicode MS" pitchFamily="34" charset="-128"/>
+                </a:rPr>
+                <a:t>)</a:t>
+              </a:r>
+            </a:p>
+            <a:p>
+              <a:pPr marL="85725" indent="-85725">
+                <a:buClr>
+                  <a:srgbClr val="000000"/>
+                </a:buClr>
+              </a:pPr>
+              <a:r>
+                <a:rPr lang="en-US" altLang="ko-KR" sz="1050" dirty="0">
+                  <a:solidFill>
+                    <a:srgbClr val="003B6E"/>
+                  </a:solidFill>
+                  <a:latin typeface="+mj-lt"/>
+                  <a:ea typeface="Gulim" pitchFamily="34" charset="-127"/>
+                  <a:cs typeface="Arial Unicode MS" pitchFamily="34" charset="-128"/>
+                </a:rPr>
+                <a:t>Total Order </a:t>
+              </a:r>
+              <a:r>
+                <a:rPr lang="en-US" altLang="ko-KR" sz="1050" dirty="0" err="1">
+                  <a:solidFill>
+                    <a:srgbClr val="003B6E"/>
+                  </a:solidFill>
+                  <a:latin typeface="+mj-lt"/>
+                  <a:ea typeface="Gulim" pitchFamily="34" charset="-127"/>
+                  <a:cs typeface="Arial Unicode MS" pitchFamily="34" charset="-128"/>
+                </a:rPr>
+                <a:t>Sobol</a:t>
+              </a:r>
+              <a:r>
+                <a:rPr lang="en-US" altLang="ko-KR" sz="1050" dirty="0">
+                  <a:solidFill>
+                    <a:srgbClr val="003B6E"/>
+                  </a:solidFill>
+                  <a:latin typeface="+mj-lt"/>
+                  <a:ea typeface="Gulim" pitchFamily="34" charset="-127"/>
+                  <a:cs typeface="Arial Unicode MS" pitchFamily="34" charset="-128"/>
+                </a:rPr>
+                <a:t>’ Indices </a:t>
+              </a:r>
+              <a:r>
+                <a:rPr lang="en-US" altLang="ko-KR" sz="1050" dirty="0">
+                  <a:solidFill>
+                    <a:srgbClr val="003B6E"/>
+                  </a:solidFill>
+                  <a:latin typeface="Courier New" panose="02070309020205020404" pitchFamily="49" charset="0"/>
+                  <a:ea typeface="Gulim" pitchFamily="34" charset="-127"/>
+                  <a:cs typeface="Courier New" panose="02070309020205020404" pitchFamily="49" charset="0"/>
+                </a:rPr>
+                <a:t>(</a:t>
+              </a:r>
+              <a:r>
+                <a:rPr lang="en-US" altLang="ko-KR" sz="1050" dirty="0" err="1">
+                  <a:solidFill>
+                    <a:srgbClr val="003B6E"/>
+                  </a:solidFill>
+                  <a:latin typeface="Courier New" panose="02070309020205020404" pitchFamily="49" charset="0"/>
+                  <a:ea typeface="Gulim" pitchFamily="34" charset="-127"/>
+                  <a:cs typeface="Courier New" panose="02070309020205020404" pitchFamily="49" charset="0"/>
+                </a:rPr>
+                <a:t>sobol</a:t>
+              </a:r>
+              <a:r>
+                <a:rPr lang="en-US" altLang="ko-KR" sz="1050" dirty="0" smtClean="0">
+                  <a:solidFill>
+                    <a:srgbClr val="003B6E"/>
+                  </a:solidFill>
+                  <a:latin typeface="Courier New" panose="02070309020205020404" pitchFamily="49" charset="0"/>
+                  <a:ea typeface="Gulim" pitchFamily="34" charset="-127"/>
+                  <a:cs typeface="Courier New" panose="02070309020205020404" pitchFamily="49" charset="0"/>
+                </a:rPr>
+                <a:t>)</a:t>
+              </a:r>
+              <a:endParaRPr lang="en-US" altLang="ko-KR" sz="1050" dirty="0" smtClean="0">
+                <a:solidFill>
+                  <a:srgbClr val="003B6E"/>
+                </a:solidFill>
+                <a:latin typeface="+mn-lt"/>
+                <a:ea typeface="Gulim" pitchFamily="34" charset="-127"/>
+                <a:cs typeface="Arial Unicode MS" pitchFamily="34" charset="-128"/>
+              </a:endParaRPr>
+            </a:p>
+            <a:p>
+              <a:pPr marL="92075" indent="-92075">
+                <a:buClr>
+                  <a:srgbClr val="000000"/>
+                </a:buClr>
+              </a:pPr>
+              <a:r>
+                <a:rPr lang="en-US" altLang="ko-KR" sz="1050" dirty="0" smtClean="0">
+                  <a:solidFill>
+                    <a:srgbClr val="003B6E"/>
+                  </a:solidFill>
+                  <a:latin typeface="+mn-lt"/>
+                  <a:ea typeface="Gulim" pitchFamily="34" charset="-127"/>
+                  <a:cs typeface="Arial Unicode MS" pitchFamily="34" charset="-128"/>
+                </a:rPr>
+                <a:t>Linear </a:t>
+              </a:r>
+              <a:r>
+                <a:rPr lang="en-US" altLang="ko-KR" sz="1050" dirty="0">
+                  <a:solidFill>
+                    <a:srgbClr val="003B6E"/>
+                  </a:solidFill>
+                  <a:latin typeface="+mn-lt"/>
+                  <a:ea typeface="Gulim" pitchFamily="34" charset="-127"/>
+                  <a:cs typeface="Arial Unicode MS" pitchFamily="34" charset="-128"/>
+                </a:rPr>
+                <a:t>Model-Based Method </a:t>
+              </a:r>
+              <a:r>
+                <a:rPr lang="en-US" altLang="ko-KR" sz="1000" dirty="0">
+                  <a:solidFill>
+                    <a:srgbClr val="003B6E"/>
+                  </a:solidFill>
+                  <a:latin typeface="+mn-lt"/>
+                  <a:ea typeface="Gulim" pitchFamily="34" charset="-127"/>
+                  <a:cs typeface="Arial Unicode MS" pitchFamily="34" charset="-128"/>
+                </a:rPr>
+                <a:t/>
+              </a:r>
+              <a:br>
+                <a:rPr lang="en-US" altLang="ko-KR" sz="1000" dirty="0">
+                  <a:solidFill>
+                    <a:srgbClr val="003B6E"/>
+                  </a:solidFill>
+                  <a:latin typeface="+mn-lt"/>
+                  <a:ea typeface="Gulim" pitchFamily="34" charset="-127"/>
+                  <a:cs typeface="Arial Unicode MS" pitchFamily="34" charset="-128"/>
+                </a:rPr>
+              </a:br>
+              <a:r>
+                <a:rPr lang="en-US" altLang="ko-KR" sz="900" dirty="0">
+                  <a:solidFill>
+                    <a:srgbClr val="003B6E"/>
+                  </a:solidFill>
+                  <a:latin typeface="+mn-lt"/>
+                  <a:ea typeface="Gulim" pitchFamily="34" charset="-127"/>
+                  <a:cs typeface="Arial Unicode MS" pitchFamily="34" charset="-128"/>
+                </a:rPr>
+                <a:t>Pearson Correlation Coefficient (CC), Standardized Regression Coefficient (SRCC), Partial  Correlation Coefficient (PCC)</a:t>
+              </a:r>
+            </a:p>
+            <a:p>
+              <a:pPr marL="92075" indent="-92075">
+                <a:buClr>
+                  <a:srgbClr val="000000"/>
+                </a:buClr>
+              </a:pPr>
+              <a:r>
+                <a:rPr lang="en-US" altLang="ko-KR" sz="1100" dirty="0">
+                  <a:solidFill>
+                    <a:srgbClr val="003B6E"/>
+                  </a:solidFill>
+                  <a:latin typeface="+mn-lt"/>
+                  <a:ea typeface="Gulim" pitchFamily="34" charset="-127"/>
+                  <a:cs typeface="Arial Unicode MS" pitchFamily="34" charset="-128"/>
+                </a:rPr>
+                <a:t>Rank-transformed methods</a:t>
+              </a:r>
+              <a:br>
+                <a:rPr lang="en-US" altLang="ko-KR" sz="1100" dirty="0">
+                  <a:solidFill>
+                    <a:srgbClr val="003B6E"/>
+                  </a:solidFill>
+                  <a:latin typeface="+mn-lt"/>
+                  <a:ea typeface="Gulim" pitchFamily="34" charset="-127"/>
+                  <a:cs typeface="Arial Unicode MS" pitchFamily="34" charset="-128"/>
+                </a:rPr>
+              </a:br>
+              <a:r>
+                <a:rPr lang="en-US" altLang="ko-KR" sz="900" dirty="0">
+                  <a:solidFill>
+                    <a:srgbClr val="003B6E"/>
+                  </a:solidFill>
+                  <a:latin typeface="+mn-lt"/>
+                  <a:ea typeface="Gulim" pitchFamily="34" charset="-127"/>
+                  <a:cs typeface="Arial Unicode MS" pitchFamily="34" charset="-128"/>
+                </a:rPr>
+                <a:t>Spearman CC, SR(</a:t>
+              </a:r>
+              <a:r>
+                <a:rPr lang="en-US" altLang="ko-KR" sz="900" dirty="0" err="1">
+                  <a:solidFill>
+                    <a:srgbClr val="003B6E"/>
+                  </a:solidFill>
+                  <a:latin typeface="+mn-lt"/>
+                  <a:ea typeface="Gulim" pitchFamily="34" charset="-127"/>
+                  <a:cs typeface="Arial Unicode MS" pitchFamily="34" charset="-128"/>
+                </a:rPr>
+                <a:t>ank</a:t>
+              </a:r>
+              <a:r>
+                <a:rPr lang="en-US" altLang="ko-KR" sz="900" dirty="0">
+                  <a:solidFill>
+                    <a:srgbClr val="003B6E"/>
+                  </a:solidFill>
+                  <a:latin typeface="+mn-lt"/>
+                  <a:ea typeface="Gulim" pitchFamily="34" charset="-127"/>
+                  <a:cs typeface="Arial Unicode MS" pitchFamily="34" charset="-128"/>
+                </a:rPr>
+                <a:t>)RC,  PR(</a:t>
+              </a:r>
+              <a:r>
+                <a:rPr lang="en-US" altLang="ko-KR" sz="900" dirty="0" err="1">
+                  <a:solidFill>
+                    <a:srgbClr val="003B6E"/>
+                  </a:solidFill>
+                  <a:latin typeface="+mn-lt"/>
+                  <a:ea typeface="Gulim" pitchFamily="34" charset="-127"/>
+                  <a:cs typeface="Arial Unicode MS" pitchFamily="34" charset="-128"/>
+                </a:rPr>
+                <a:t>ank</a:t>
+              </a:r>
+              <a:r>
+                <a:rPr lang="en-US" altLang="ko-KR" sz="900" dirty="0">
+                  <a:solidFill>
+                    <a:srgbClr val="003B6E"/>
+                  </a:solidFill>
+                  <a:latin typeface="+mn-lt"/>
+                  <a:ea typeface="Gulim" pitchFamily="34" charset="-127"/>
+                  <a:cs typeface="Arial Unicode MS" pitchFamily="34" charset="-128"/>
+                </a:rPr>
+                <a:t>)CC</a:t>
+              </a:r>
+              <a:endParaRPr lang="en-US" altLang="ko-KR" sz="800" dirty="0">
+                <a:solidFill>
+                  <a:srgbClr val="003B6E"/>
+                </a:solidFill>
+                <a:latin typeface="+mn-lt"/>
+                <a:ea typeface="Gulim" pitchFamily="34" charset="-127"/>
+                <a:cs typeface="Arial Unicode MS" pitchFamily="34" charset="-128"/>
+              </a:endParaRPr>
+            </a:p>
+            <a:p>
+              <a:pPr marL="92075" indent="-92075">
+                <a:buClr>
+                  <a:srgbClr val="000000"/>
+                </a:buClr>
+              </a:pPr>
+              <a:r>
+                <a:rPr lang="en-US" altLang="ko-KR" sz="1100" dirty="0">
+                  <a:solidFill>
+                    <a:srgbClr val="003B6E"/>
+                  </a:solidFill>
+                  <a:latin typeface="+mn-lt"/>
+                  <a:ea typeface="Gulim" pitchFamily="34" charset="-127"/>
+                  <a:cs typeface="Arial Unicode MS" pitchFamily="34" charset="-128"/>
+                </a:rPr>
+                <a:t>etc.</a:t>
+              </a:r>
+            </a:p>
+          </p:txBody>
+        </p:sp>
+      </p:grpSp>
+      <p:sp>
+        <p:nvSpPr>
+          <p:cNvPr id="81" name="Striped Right Arrow 80"/>
+          <p:cNvSpPr/>
+          <p:nvPr/>
+        </p:nvSpPr>
+        <p:spPr bwMode="auto">
+          <a:xfrm>
+            <a:off x="2504446" y="963288"/>
+            <a:ext cx="476985" cy="484632"/>
+          </a:xfrm>
+          <a:prstGeom prst="stripedRightArrow">
+            <a:avLst>
+              <a:gd name="adj1" fmla="val 50000"/>
+              <a:gd name="adj2" fmla="val 51196"/>
+            </a:avLst>
+          </a:prstGeom>
+          <a:solidFill>
+            <a:srgbClr val="C50006"/>
+          </a:solidFill>
+          <a:ln w="9525" cap="flat" cmpd="sng" algn="ctr">
+            <a:noFill/>
+            <a:prstDash val="solid"/>
+            <a:round/>
+            <a:headEnd type="none" w="med" len="med"/>
+            <a:tailEnd type="none" w="med" len="med"/>
+          </a:ln>
+          <a:effectLst/>
+        </p:spPr>
+        <p:txBody>
+          <a:bodyPr vert="horz" wrap="square" lIns="91440" tIns="45720" rIns="91440" bIns="45720" numCol="1" rtlCol="0" anchor="t" anchorCtr="0" compatLnSpc="1">
+            <a:prstTxWarp prst="textNoShape">
+              <a:avLst/>
+            </a:prstTxWarp>
+          </a:bodyPr>
+          <a:lstStyle/>
+          <a:p>
+            <a:pPr marL="0" marR="0" indent="0" algn="l" defTabSz="914400" rtl="0" eaLnBrk="0" fontAlgn="base" latinLnBrk="0" hangingPunct="0">
+              <a:lnSpc>
+                <a:spcPct val="100000"/>
+              </a:lnSpc>
+              <a:spcBef>
+                <a:spcPct val="0"/>
+              </a:spcBef>
+              <a:spcAft>
+                <a:spcPct val="0"/>
+              </a:spcAft>
+              <a:buClrTx/>
+              <a:buSzTx/>
+              <a:buFontTx/>
+              <a:buNone/>
+              <a:tabLst/>
+            </a:pPr>
+            <a:endParaRPr kumimoji="0" lang="en-US" sz="2400" b="0" i="0" u="none" strike="noStrike" cap="none" normalizeH="0" baseline="0">
+              <a:ln>
+                <a:noFill/>
+              </a:ln>
+              <a:solidFill>
+                <a:schemeClr val="tx1"/>
+              </a:solidFill>
+              <a:effectLst/>
+              <a:latin typeface="Times" charset="0"/>
+            </a:endParaRPr>
+          </a:p>
+        </p:txBody>
+      </p:sp>
+      <p:sp>
+        <p:nvSpPr>
+          <p:cNvPr id="82" name="Striped Right Arrow 81"/>
+          <p:cNvSpPr/>
+          <p:nvPr/>
+        </p:nvSpPr>
+        <p:spPr bwMode="auto">
+          <a:xfrm>
+            <a:off x="6447558" y="1002431"/>
+            <a:ext cx="476985" cy="484632"/>
+          </a:xfrm>
+          <a:prstGeom prst="stripedRightArrow">
+            <a:avLst>
+              <a:gd name="adj1" fmla="val 50000"/>
+              <a:gd name="adj2" fmla="val 51196"/>
+            </a:avLst>
+          </a:prstGeom>
+          <a:solidFill>
+            <a:srgbClr val="C50006"/>
+          </a:solidFill>
+          <a:ln w="9525" cap="flat" cmpd="sng" algn="ctr">
+            <a:noFill/>
+            <a:prstDash val="solid"/>
+            <a:round/>
+            <a:headEnd type="none" w="med" len="med"/>
+            <a:tailEnd type="none" w="med" len="med"/>
+          </a:ln>
+          <a:effectLst/>
+        </p:spPr>
+        <p:txBody>
+          <a:bodyPr vert="horz" wrap="square" lIns="91440" tIns="45720" rIns="91440" bIns="45720" numCol="1" rtlCol="0" anchor="t" anchorCtr="0" compatLnSpc="1">
+            <a:prstTxWarp prst="textNoShape">
+              <a:avLst/>
+            </a:prstTxWarp>
+          </a:bodyPr>
+          <a:lstStyle/>
+          <a:p>
+            <a:pPr marL="0" marR="0" indent="0" algn="l" defTabSz="914400" rtl="0" eaLnBrk="0" fontAlgn="base" latinLnBrk="0" hangingPunct="0">
+              <a:lnSpc>
+                <a:spcPct val="100000"/>
+              </a:lnSpc>
+              <a:spcBef>
+                <a:spcPct val="0"/>
+              </a:spcBef>
+              <a:spcAft>
+                <a:spcPct val="0"/>
+              </a:spcAft>
+              <a:buClrTx/>
+              <a:buSzTx/>
+              <a:buFontTx/>
+              <a:buNone/>
+              <a:tabLst/>
+            </a:pPr>
+            <a:endParaRPr kumimoji="0" lang="en-US" sz="2400" b="0" i="0" u="none" strike="noStrike" cap="none" normalizeH="0" baseline="0">
+              <a:ln>
+                <a:noFill/>
+              </a:ln>
+              <a:solidFill>
+                <a:schemeClr val="tx1"/>
+              </a:solidFill>
+              <a:effectLst/>
+              <a:latin typeface="Times" charset="0"/>
+            </a:endParaRPr>
+          </a:p>
+        </p:txBody>
+      </p:sp>
+      <p:sp>
+        <p:nvSpPr>
+          <p:cNvPr id="88" name="Flowchart: Document 87"/>
+          <p:cNvSpPr/>
+          <p:nvPr/>
+        </p:nvSpPr>
+        <p:spPr bwMode="auto">
+          <a:xfrm>
+            <a:off x="971599" y="5373216"/>
+            <a:ext cx="1276772" cy="855439"/>
+          </a:xfrm>
+          <a:prstGeom prst="flowChartDocument">
+            <a:avLst/>
+          </a:prstGeom>
+          <a:solidFill>
+            <a:srgbClr val="0070C0"/>
+          </a:solidFill>
+          <a:ln w="9525" cap="flat" cmpd="sng" algn="ctr">
+            <a:noFill/>
+            <a:prstDash val="solid"/>
+            <a:round/>
+            <a:headEnd type="none" w="med" len="med"/>
+            <a:tailEnd type="none" w="med" len="med"/>
+          </a:ln>
+          <a:effectLst/>
+        </p:spPr>
+        <p:txBody>
+          <a:bodyPr vert="horz" wrap="square" lIns="91440" tIns="45720" rIns="91440" bIns="45720" numCol="1" rtlCol="0" anchor="t" anchorCtr="0" compatLnSpc="1">
+            <a:prstTxWarp prst="textNoShape">
+              <a:avLst/>
+            </a:prstTxWarp>
+          </a:bodyPr>
+          <a:lstStyle/>
+          <a:p>
+            <a:pPr marL="0" marR="0" indent="0" algn="l" defTabSz="914400" rtl="0" eaLnBrk="0" fontAlgn="base" latinLnBrk="0" hangingPunct="0">
+              <a:lnSpc>
+                <a:spcPct val="100000"/>
+              </a:lnSpc>
+              <a:spcBef>
+                <a:spcPct val="0"/>
+              </a:spcBef>
+              <a:spcAft>
+                <a:spcPct val="0"/>
+              </a:spcAft>
+              <a:buClrTx/>
+              <a:buSzTx/>
+              <a:buFontTx/>
+              <a:buNone/>
+              <a:tabLst/>
+            </a:pPr>
+            <a:endParaRPr kumimoji="0" lang="en-US" sz="2400" b="0" i="0" u="none" strike="noStrike" cap="none" normalizeH="0" baseline="0">
+              <a:ln>
+                <a:noFill/>
+              </a:ln>
+              <a:solidFill>
+                <a:schemeClr val="tx1"/>
+              </a:solidFill>
+              <a:effectLst/>
+              <a:latin typeface="Times" charset="0"/>
+            </a:endParaRPr>
+          </a:p>
+        </p:txBody>
+      </p:sp>
+      <p:sp>
+        <p:nvSpPr>
+          <p:cNvPr id="91" name="Rectangle 90"/>
+          <p:cNvSpPr/>
+          <p:nvPr/>
+        </p:nvSpPr>
+        <p:spPr>
+          <a:xfrm>
+            <a:off x="1007467" y="5560780"/>
+            <a:ext cx="1130871" cy="400110"/>
+          </a:xfrm>
+          <a:prstGeom prst="rect">
+            <a:avLst/>
+          </a:prstGeom>
+        </p:spPr>
+        <p:txBody>
+          <a:bodyPr wrap="square">
+            <a:spAutoFit/>
+          </a:bodyPr>
+          <a:lstStyle/>
+          <a:p>
+            <a:pPr algn="ctr"/>
+            <a:r>
+              <a:rPr lang="en-US" sz="2000" b="1" dirty="0">
+                <a:solidFill>
+                  <a:schemeClr val="bg1"/>
+                </a:solidFill>
+                <a:latin typeface="+mn-lt"/>
+              </a:rPr>
+              <a:t>CSV</a:t>
+            </a:r>
+          </a:p>
+        </p:txBody>
+      </p:sp>
+      <p:sp>
+        <p:nvSpPr>
+          <p:cNvPr id="92" name="TextBox 91"/>
+          <p:cNvSpPr txBox="1"/>
+          <p:nvPr/>
+        </p:nvSpPr>
+        <p:spPr>
+          <a:xfrm>
+            <a:off x="429990" y="4869159"/>
+            <a:ext cx="1708348" cy="492443"/>
+          </a:xfrm>
+          <a:prstGeom prst="rect">
+            <a:avLst/>
+          </a:prstGeom>
+          <a:noFill/>
+          <a:ln w="9525">
+            <a:noFill/>
+          </a:ln>
+        </p:spPr>
+        <p:txBody>
+          <a:bodyPr wrap="square" rtlCol="0" anchor="ctr">
+            <a:spAutoFit/>
+          </a:bodyPr>
+          <a:lstStyle/>
+          <a:p>
+            <a:r>
+              <a:rPr lang="en-US" sz="1400" b="1" dirty="0"/>
+              <a:t>Design Matrix</a:t>
+            </a:r>
+            <a:br>
+              <a:rPr lang="en-US" sz="1400" b="1" dirty="0"/>
+            </a:br>
+            <a:r>
+              <a:rPr lang="en-US" sz="1200" b="1" dirty="0"/>
+              <a:t>(previously generated)</a:t>
+            </a:r>
+          </a:p>
+        </p:txBody>
+      </p:sp>
+      <p:sp>
+        <p:nvSpPr>
+          <p:cNvPr id="94" name="Striped Right Arrow 93"/>
+          <p:cNvSpPr/>
+          <p:nvPr/>
+        </p:nvSpPr>
+        <p:spPr bwMode="auto">
+          <a:xfrm>
+            <a:off x="2504446" y="5549319"/>
+            <a:ext cx="476985" cy="484632"/>
+          </a:xfrm>
+          <a:prstGeom prst="stripedRightArrow">
+            <a:avLst>
+              <a:gd name="adj1" fmla="val 50000"/>
+              <a:gd name="adj2" fmla="val 51196"/>
+            </a:avLst>
+          </a:prstGeom>
+          <a:solidFill>
+            <a:srgbClr val="C50006"/>
+          </a:solidFill>
+          <a:ln w="9525" cap="flat" cmpd="sng" algn="ctr">
+            <a:noFill/>
+            <a:prstDash val="solid"/>
+            <a:round/>
+            <a:headEnd type="none" w="med" len="med"/>
+            <a:tailEnd type="none" w="med" len="med"/>
+          </a:ln>
+          <a:effectLst/>
+        </p:spPr>
+        <p:txBody>
+          <a:bodyPr vert="horz" wrap="square" lIns="91440" tIns="45720" rIns="91440" bIns="45720" numCol="1" rtlCol="0" anchor="t" anchorCtr="0" compatLnSpc="1">
+            <a:prstTxWarp prst="textNoShape">
+              <a:avLst/>
+            </a:prstTxWarp>
+          </a:bodyPr>
+          <a:lstStyle/>
+          <a:p>
+            <a:pPr marL="0" marR="0" indent="0" algn="l" defTabSz="914400" rtl="0" eaLnBrk="0" fontAlgn="base" latinLnBrk="0" hangingPunct="0">
+              <a:lnSpc>
+                <a:spcPct val="100000"/>
+              </a:lnSpc>
+              <a:spcBef>
+                <a:spcPct val="0"/>
+              </a:spcBef>
+              <a:spcAft>
+                <a:spcPct val="0"/>
+              </a:spcAft>
+              <a:buClrTx/>
+              <a:buSzTx/>
+              <a:buFontTx/>
+              <a:buNone/>
+              <a:tabLst/>
+            </a:pPr>
+            <a:endParaRPr kumimoji="0" lang="en-US" sz="2400" b="0" i="0" u="none" strike="noStrike" cap="none" normalizeH="0" baseline="0">
+              <a:ln>
+                <a:noFill/>
+              </a:ln>
+              <a:solidFill>
+                <a:schemeClr val="tx1"/>
+              </a:solidFill>
+              <a:effectLst/>
+              <a:latin typeface="Times" charset="0"/>
+            </a:endParaRPr>
+          </a:p>
+        </p:txBody>
+      </p:sp>
+      <p:sp>
+        <p:nvSpPr>
+          <p:cNvPr id="95" name="TextBox 94"/>
+          <p:cNvSpPr txBox="1"/>
+          <p:nvPr/>
+        </p:nvSpPr>
+        <p:spPr>
+          <a:xfrm>
+            <a:off x="6782636" y="456927"/>
+            <a:ext cx="1708348" cy="307777"/>
+          </a:xfrm>
+          <a:prstGeom prst="rect">
+            <a:avLst/>
+          </a:prstGeom>
+          <a:noFill/>
+          <a:ln w="9525">
+            <a:noFill/>
+          </a:ln>
+        </p:spPr>
+        <p:txBody>
+          <a:bodyPr wrap="square" rtlCol="0" anchor="ctr">
+            <a:spAutoFit/>
+          </a:bodyPr>
+          <a:lstStyle/>
+          <a:p>
+            <a:r>
+              <a:rPr lang="en-US" sz="1400" b="1" dirty="0"/>
+              <a:t>Design Matrix</a:t>
+            </a:r>
+            <a:endParaRPr lang="en-US" sz="1200" b="1" dirty="0"/>
+          </a:p>
+        </p:txBody>
+      </p:sp>
+      <p:sp>
+        <p:nvSpPr>
+          <p:cNvPr id="96" name="Striped Right Arrow 95"/>
+          <p:cNvSpPr/>
+          <p:nvPr/>
+        </p:nvSpPr>
+        <p:spPr bwMode="auto">
+          <a:xfrm>
+            <a:off x="6447558" y="5144720"/>
+            <a:ext cx="524431" cy="603410"/>
+          </a:xfrm>
+          <a:prstGeom prst="stripedRightArrow">
+            <a:avLst>
+              <a:gd name="adj1" fmla="val 50000"/>
+              <a:gd name="adj2" fmla="val 51196"/>
+            </a:avLst>
+          </a:prstGeom>
+          <a:solidFill>
+            <a:srgbClr val="C50006"/>
+          </a:solidFill>
+          <a:ln w="9525" cap="flat" cmpd="sng" algn="ctr">
+            <a:noFill/>
+            <a:prstDash val="solid"/>
+            <a:round/>
+            <a:headEnd type="none" w="med" len="med"/>
+            <a:tailEnd type="none" w="med" len="med"/>
+          </a:ln>
+          <a:effectLst/>
+        </p:spPr>
+        <p:txBody>
+          <a:bodyPr vert="horz" wrap="square" lIns="91440" tIns="45720" rIns="91440" bIns="45720" numCol="1" rtlCol="0" anchor="t" anchorCtr="0" compatLnSpc="1">
+            <a:prstTxWarp prst="textNoShape">
+              <a:avLst/>
+            </a:prstTxWarp>
+          </a:bodyPr>
+          <a:lstStyle/>
+          <a:p>
+            <a:pPr marL="0" marR="0" indent="0" algn="l" defTabSz="914400" rtl="0" eaLnBrk="0" fontAlgn="base" latinLnBrk="0" hangingPunct="0">
+              <a:lnSpc>
+                <a:spcPct val="100000"/>
+              </a:lnSpc>
+              <a:spcBef>
+                <a:spcPct val="0"/>
+              </a:spcBef>
+              <a:spcAft>
+                <a:spcPct val="0"/>
+              </a:spcAft>
+              <a:buClrTx/>
+              <a:buSzTx/>
+              <a:buFontTx/>
+              <a:buNone/>
+              <a:tabLst/>
+            </a:pPr>
+            <a:endParaRPr kumimoji="0" lang="en-US" sz="2400" b="0" i="0" u="none" strike="noStrike" cap="none" normalizeH="0" baseline="0">
+              <a:ln>
+                <a:noFill/>
+              </a:ln>
+              <a:solidFill>
+                <a:schemeClr val="tx1"/>
+              </a:solidFill>
+              <a:effectLst/>
+              <a:latin typeface="Times" charset="0"/>
+            </a:endParaRPr>
+          </a:p>
+        </p:txBody>
+      </p:sp>
+      <p:sp>
+        <p:nvSpPr>
+          <p:cNvPr id="97" name="TextBox 96"/>
+          <p:cNvSpPr txBox="1"/>
+          <p:nvPr/>
+        </p:nvSpPr>
+        <p:spPr>
+          <a:xfrm>
+            <a:off x="20073" y="2123564"/>
+            <a:ext cx="2118264" cy="369332"/>
+          </a:xfrm>
+          <a:prstGeom prst="rect">
+            <a:avLst/>
+          </a:prstGeom>
+          <a:solidFill>
+            <a:schemeClr val="bg1">
+              <a:lumMod val="95000"/>
+              <a:alpha val="75000"/>
+            </a:schemeClr>
+          </a:solidFill>
+          <a:ln w="9525">
+            <a:noFill/>
+          </a:ln>
+        </p:spPr>
+        <p:txBody>
+          <a:bodyPr wrap="square" rtlCol="0" anchor="ctr">
+            <a:spAutoFit/>
+          </a:bodyPr>
+          <a:lstStyle/>
+          <a:p>
+            <a:r>
+              <a:rPr lang="en-US" b="1" dirty="0">
+                <a:latin typeface="+mj-lt"/>
+              </a:rPr>
+              <a:t>Model Execution</a:t>
+            </a:r>
+          </a:p>
+        </p:txBody>
+      </p:sp>
+      <p:grpSp>
+        <p:nvGrpSpPr>
+          <p:cNvPr id="3" name="Group 2"/>
+          <p:cNvGrpSpPr/>
+          <p:nvPr/>
+        </p:nvGrpSpPr>
+        <p:grpSpPr>
+          <a:xfrm>
+            <a:off x="7164288" y="5093841"/>
+            <a:ext cx="1276773" cy="855439"/>
+            <a:chOff x="7135079" y="4888324"/>
+            <a:chExt cx="1276773" cy="855439"/>
+          </a:xfrm>
+        </p:grpSpPr>
+        <p:sp>
+          <p:nvSpPr>
+            <p:cNvPr id="103" name="Flowchart: Document 102"/>
+            <p:cNvSpPr/>
+            <p:nvPr/>
+          </p:nvSpPr>
+          <p:spPr bwMode="auto">
+            <a:xfrm>
+              <a:off x="7135080" y="4888324"/>
+              <a:ext cx="1276772" cy="855439"/>
+            </a:xfrm>
+            <a:prstGeom prst="flowChartDocument">
+              <a:avLst/>
+            </a:prstGeom>
+            <a:solidFill>
+              <a:srgbClr val="0070C0"/>
+            </a:solidFill>
+            <a:ln w="9525" cap="flat" cmpd="sng" algn="ctr">
+              <a:noFill/>
+              <a:prstDash val="solid"/>
+              <a:round/>
+              <a:headEnd type="none" w="med" len="med"/>
+              <a:tailEnd type="none" w="med" len="med"/>
+            </a:ln>
+            <a:effectLst/>
+          </p:spPr>
+          <p:txBody>
+            <a:bodyPr vert="horz" wrap="square" lIns="91440" tIns="45720" rIns="91440" bIns="45720" numCol="1" rtlCol="0" anchor="t" anchorCtr="0" compatLnSpc="1">
+              <a:prstTxWarp prst="textNoShape">
+                <a:avLst/>
+              </a:prstTxWarp>
+            </a:bodyPr>
+            <a:lstStyle/>
+            <a:p>
+              <a:pPr marL="0" marR="0" indent="0" algn="l" defTabSz="914400" rtl="0" eaLnBrk="0" fontAlgn="base" latinLnBrk="0" hangingPunct="0">
+                <a:lnSpc>
+                  <a:spcPct val="100000"/>
+                </a:lnSpc>
+                <a:spcBef>
+                  <a:spcPct val="0"/>
+                </a:spcBef>
+                <a:spcAft>
+                  <a:spcPct val="0"/>
+                </a:spcAft>
+                <a:buClrTx/>
+                <a:buSzTx/>
+                <a:buFontTx/>
+                <a:buNone/>
+                <a:tabLst/>
+              </a:pPr>
+              <a:endParaRPr kumimoji="0" lang="en-US" sz="2400" b="0" i="0" u="none" strike="noStrike" cap="none" normalizeH="0" baseline="0">
+                <a:ln>
+                  <a:noFill/>
+                </a:ln>
+                <a:solidFill>
+                  <a:schemeClr val="tx1"/>
+                </a:solidFill>
+                <a:effectLst/>
+                <a:latin typeface="Times" charset="0"/>
+              </a:endParaRPr>
+            </a:p>
+          </p:txBody>
+        </p:sp>
+        <p:sp>
+          <p:nvSpPr>
+            <p:cNvPr id="106" name="Rectangle 105"/>
+            <p:cNvSpPr/>
+            <p:nvPr/>
+          </p:nvSpPr>
+          <p:spPr>
+            <a:xfrm>
+              <a:off x="7135079" y="5046315"/>
+              <a:ext cx="1263253" cy="400110"/>
+            </a:xfrm>
+            <a:prstGeom prst="rect">
+              <a:avLst/>
+            </a:prstGeom>
+          </p:spPr>
+          <p:txBody>
+            <a:bodyPr wrap="square">
+              <a:spAutoFit/>
+            </a:bodyPr>
+            <a:lstStyle/>
+            <a:p>
+              <a:pPr algn="ctr"/>
+              <a:r>
+                <a:rPr lang="en-US" sz="2000" b="1" dirty="0">
+                  <a:solidFill>
+                    <a:schemeClr val="bg1"/>
+                  </a:solidFill>
+                  <a:latin typeface="+mn-lt"/>
+                </a:rPr>
+                <a:t>CSV</a:t>
+              </a:r>
+            </a:p>
+          </p:txBody>
+        </p:sp>
+      </p:grpSp>
+      <p:sp>
+        <p:nvSpPr>
+          <p:cNvPr id="107" name="TextBox 106"/>
+          <p:cNvSpPr txBox="1"/>
+          <p:nvPr/>
+        </p:nvSpPr>
+        <p:spPr>
+          <a:xfrm>
+            <a:off x="6782636" y="4694892"/>
+            <a:ext cx="1821812" cy="307777"/>
+          </a:xfrm>
+          <a:prstGeom prst="rect">
+            <a:avLst/>
+          </a:prstGeom>
+          <a:noFill/>
+          <a:ln w="9525">
+            <a:noFill/>
+          </a:ln>
+        </p:spPr>
+        <p:txBody>
+          <a:bodyPr wrap="square" rtlCol="0" anchor="ctr">
+            <a:spAutoFit/>
+          </a:bodyPr>
+          <a:lstStyle/>
+          <a:p>
+            <a:r>
+              <a:rPr lang="en-US" sz="1400" b="1" dirty="0"/>
+              <a:t>Sensitivity Measures</a:t>
+            </a:r>
+            <a:endParaRPr lang="en-US" sz="1200" b="1" dirty="0"/>
+          </a:p>
+        </p:txBody>
+      </p:sp>
+      <p:sp>
+        <p:nvSpPr>
+          <p:cNvPr id="108" name="Text Box 12"/>
+          <p:cNvSpPr txBox="1">
+            <a:spLocks noChangeArrowheads="1"/>
+          </p:cNvSpPr>
+          <p:nvPr/>
+        </p:nvSpPr>
+        <p:spPr bwMode="auto">
+          <a:xfrm>
+            <a:off x="7462007" y="6525344"/>
+            <a:ext cx="1582830" cy="288881"/>
+          </a:xfrm>
+          <a:prstGeom prst="rect">
+            <a:avLst/>
+          </a:prstGeom>
+          <a:solidFill>
+            <a:schemeClr val="bg1">
+              <a:lumMod val="85000"/>
+            </a:schemeClr>
+          </a:solidFill>
+          <a:ln w="3175">
+            <a:solidFill>
+              <a:schemeClr val="tx1"/>
+            </a:solidFill>
+            <a:prstDash val="dashDot"/>
+            <a:miter lim="800000"/>
+            <a:headEnd/>
+            <a:tailEnd/>
+          </a:ln>
+        </p:spPr>
+        <p:txBody>
+          <a:bodyPr wrap="square" lIns="90000" tIns="46800" rIns="90000" bIns="46800" anchor="ctr">
+            <a:noAutofit/>
+          </a:bodyPr>
+          <a:lstStyle>
+            <a:lvl1pPr defTabSz="457200">
+              <a:buChar char="•"/>
+              <a:tabLst>
+                <a:tab pos="0" algn="l"/>
+                <a:tab pos="457200" algn="l"/>
+                <a:tab pos="914400" algn="l"/>
+                <a:tab pos="1371600" algn="l"/>
+                <a:tab pos="1828800" algn="l"/>
+                <a:tab pos="2286000" algn="l"/>
+                <a:tab pos="2743200" algn="l"/>
+                <a:tab pos="3200400" algn="l"/>
+                <a:tab pos="3657600" algn="l"/>
+                <a:tab pos="4114800" algn="l"/>
+                <a:tab pos="4572000" algn="l"/>
+                <a:tab pos="5029200" algn="l"/>
+                <a:tab pos="5486400" algn="l"/>
+                <a:tab pos="5943600" algn="l"/>
+                <a:tab pos="6400800" algn="l"/>
+                <a:tab pos="6858000" algn="l"/>
+                <a:tab pos="7315200" algn="l"/>
+                <a:tab pos="7772400" algn="l"/>
+                <a:tab pos="8229600" algn="l"/>
+                <a:tab pos="8686800" algn="l"/>
+                <a:tab pos="9144000" algn="l"/>
+              </a:tabLst>
+              <a:defRPr sz="2400">
+                <a:solidFill>
+                  <a:schemeClr val="tx1"/>
+                </a:solidFill>
+                <a:latin typeface="Arial Narrow" pitchFamily="34" charset="0"/>
+                <a:ea typeface="ヒラギノ角ゴ Pro W3" charset="-128"/>
+              </a:defRPr>
+            </a:lvl1pPr>
+            <a:lvl2pPr marL="742950" indent="-285750" defTabSz="457200">
+              <a:buClr>
+                <a:schemeClr val="tx1"/>
+              </a:buClr>
+              <a:buSzPct val="120000"/>
+              <a:buChar char="•"/>
+              <a:tabLst>
+                <a:tab pos="0" algn="l"/>
+                <a:tab pos="457200" algn="l"/>
+                <a:tab pos="914400" algn="l"/>
+                <a:tab pos="1371600" algn="l"/>
+                <a:tab pos="1828800" algn="l"/>
+                <a:tab pos="2286000" algn="l"/>
+                <a:tab pos="2743200" algn="l"/>
+                <a:tab pos="3200400" algn="l"/>
+                <a:tab pos="3657600" algn="l"/>
+                <a:tab pos="4114800" algn="l"/>
+                <a:tab pos="4572000" algn="l"/>
+                <a:tab pos="5029200" algn="l"/>
+                <a:tab pos="5486400" algn="l"/>
+                <a:tab pos="5943600" algn="l"/>
+                <a:tab pos="6400800" algn="l"/>
+                <a:tab pos="6858000" algn="l"/>
+                <a:tab pos="7315200" algn="l"/>
+                <a:tab pos="7772400" algn="l"/>
+                <a:tab pos="8229600" algn="l"/>
+                <a:tab pos="8686800" algn="l"/>
+                <a:tab pos="9144000" algn="l"/>
+              </a:tabLst>
+              <a:defRPr sz="2400">
+                <a:solidFill>
+                  <a:schemeClr val="tx1"/>
+                </a:solidFill>
+                <a:latin typeface="Arial Narrow" pitchFamily="34" charset="0"/>
+                <a:ea typeface="ヒラギノ角ゴ Pro W3" charset="-128"/>
+              </a:defRPr>
+            </a:lvl2pPr>
+            <a:lvl3pPr marL="1143000" indent="-228600" defTabSz="457200">
+              <a:buFont typeface="Times" pitchFamily="18" charset="0"/>
+              <a:buChar char="–"/>
+              <a:tabLst>
+                <a:tab pos="0" algn="l"/>
+                <a:tab pos="457200" algn="l"/>
+                <a:tab pos="914400" algn="l"/>
+                <a:tab pos="1371600" algn="l"/>
+                <a:tab pos="1828800" algn="l"/>
+                <a:tab pos="2286000" algn="l"/>
+                <a:tab pos="2743200" algn="l"/>
+                <a:tab pos="3200400" algn="l"/>
+                <a:tab pos="3657600" algn="l"/>
+                <a:tab pos="4114800" algn="l"/>
+                <a:tab pos="4572000" algn="l"/>
+                <a:tab pos="5029200" algn="l"/>
+                <a:tab pos="5486400" algn="l"/>
+                <a:tab pos="5943600" algn="l"/>
+                <a:tab pos="6400800" algn="l"/>
+                <a:tab pos="6858000" algn="l"/>
+                <a:tab pos="7315200" algn="l"/>
+                <a:tab pos="7772400" algn="l"/>
+                <a:tab pos="8229600" algn="l"/>
+                <a:tab pos="8686800" algn="l"/>
+                <a:tab pos="9144000" algn="l"/>
+              </a:tabLst>
+              <a:defRPr sz="1700">
+                <a:solidFill>
+                  <a:schemeClr val="tx1"/>
+                </a:solidFill>
+                <a:latin typeface="Arial Narrow" pitchFamily="34" charset="0"/>
+                <a:ea typeface="MS PGothic" pitchFamily="34" charset="-128"/>
+              </a:defRPr>
+            </a:lvl3pPr>
+            <a:lvl4pPr marL="1600200" indent="-228600" defTabSz="457200">
+              <a:buFont typeface="Lucida Grande" charset="0"/>
+              <a:buChar char="–"/>
+              <a:tabLst>
+                <a:tab pos="0" algn="l"/>
+                <a:tab pos="457200" algn="l"/>
+                <a:tab pos="914400" algn="l"/>
+                <a:tab pos="1371600" algn="l"/>
+                <a:tab pos="1828800" algn="l"/>
+                <a:tab pos="2286000" algn="l"/>
+                <a:tab pos="2743200" algn="l"/>
+                <a:tab pos="3200400" algn="l"/>
+                <a:tab pos="3657600" algn="l"/>
+                <a:tab pos="4114800" algn="l"/>
+                <a:tab pos="4572000" algn="l"/>
+                <a:tab pos="5029200" algn="l"/>
+                <a:tab pos="5486400" algn="l"/>
+                <a:tab pos="5943600" algn="l"/>
+                <a:tab pos="6400800" algn="l"/>
+                <a:tab pos="6858000" algn="l"/>
+                <a:tab pos="7315200" algn="l"/>
+                <a:tab pos="7772400" algn="l"/>
+                <a:tab pos="8229600" algn="l"/>
+                <a:tab pos="8686800" algn="l"/>
+                <a:tab pos="9144000" algn="l"/>
+              </a:tabLst>
+              <a:defRPr sz="2400">
+                <a:solidFill>
+                  <a:schemeClr val="tx1"/>
+                </a:solidFill>
+                <a:latin typeface="Arial Narrow" pitchFamily="34" charset="0"/>
+                <a:ea typeface="MS PGothic" pitchFamily="34" charset="-128"/>
+              </a:defRPr>
+            </a:lvl4pPr>
+            <a:lvl5pPr marL="2057400" indent="-228600" defTabSz="457200">
+              <a:buFont typeface="Lucida Grande" charset="0"/>
+              <a:buChar char="–"/>
+              <a:tabLst>
+                <a:tab pos="0" algn="l"/>
+                <a:tab pos="457200" algn="l"/>
+                <a:tab pos="914400" algn="l"/>
+                <a:tab pos="1371600" algn="l"/>
+                <a:tab pos="1828800" algn="l"/>
+                <a:tab pos="2286000" algn="l"/>
+                <a:tab pos="2743200" algn="l"/>
+                <a:tab pos="3200400" algn="l"/>
+                <a:tab pos="3657600" algn="l"/>
+                <a:tab pos="4114800" algn="l"/>
+                <a:tab pos="4572000" algn="l"/>
+                <a:tab pos="5029200" algn="l"/>
+                <a:tab pos="5486400" algn="l"/>
+                <a:tab pos="5943600" algn="l"/>
+                <a:tab pos="6400800" algn="l"/>
+                <a:tab pos="6858000" algn="l"/>
+                <a:tab pos="7315200" algn="l"/>
+                <a:tab pos="7772400" algn="l"/>
+                <a:tab pos="8229600" algn="l"/>
+                <a:tab pos="8686800" algn="l"/>
+                <a:tab pos="9144000" algn="l"/>
+              </a:tabLst>
+              <a:defRPr sz="2400">
+                <a:solidFill>
+                  <a:schemeClr val="tx1"/>
+                </a:solidFill>
+                <a:latin typeface="Arial Narrow" pitchFamily="34" charset="0"/>
+                <a:ea typeface="ヒラギノ角ゴ Pro W3" charset="-128"/>
+              </a:defRPr>
+            </a:lvl5pPr>
+            <a:lvl6pPr marL="2514600" indent="-228600" defTabSz="457200" eaLnBrk="0" fontAlgn="base" hangingPunct="0">
+              <a:lnSpc>
+                <a:spcPct val="110000"/>
+              </a:lnSpc>
+              <a:spcBef>
+                <a:spcPct val="0"/>
+              </a:spcBef>
+              <a:spcAft>
+                <a:spcPct val="0"/>
+              </a:spcAft>
+              <a:buFont typeface="Lucida Grande" charset="0"/>
+              <a:buChar char="–"/>
+              <a:tabLst>
+                <a:tab pos="0" algn="l"/>
+                <a:tab pos="457200" algn="l"/>
+                <a:tab pos="914400" algn="l"/>
+                <a:tab pos="1371600" algn="l"/>
+                <a:tab pos="1828800" algn="l"/>
+                <a:tab pos="2286000" algn="l"/>
+                <a:tab pos="2743200" algn="l"/>
+                <a:tab pos="3200400" algn="l"/>
+                <a:tab pos="3657600" algn="l"/>
+                <a:tab pos="4114800" algn="l"/>
+                <a:tab pos="4572000" algn="l"/>
+                <a:tab pos="5029200" algn="l"/>
+                <a:tab pos="5486400" algn="l"/>
+                <a:tab pos="5943600" algn="l"/>
+                <a:tab pos="6400800" algn="l"/>
+                <a:tab pos="6858000" algn="l"/>
+                <a:tab pos="7315200" algn="l"/>
+                <a:tab pos="7772400" algn="l"/>
+                <a:tab pos="8229600" algn="l"/>
+                <a:tab pos="8686800" algn="l"/>
+                <a:tab pos="9144000" algn="l"/>
+              </a:tabLst>
+              <a:defRPr sz="2400">
+                <a:solidFill>
+                  <a:schemeClr val="tx1"/>
+                </a:solidFill>
+                <a:latin typeface="Arial Narrow" pitchFamily="34" charset="0"/>
+                <a:ea typeface="ヒラギノ角ゴ Pro W3" charset="-128"/>
+              </a:defRPr>
+            </a:lvl6pPr>
+            <a:lvl7pPr marL="2971800" indent="-228600" defTabSz="457200" eaLnBrk="0" fontAlgn="base" hangingPunct="0">
+              <a:lnSpc>
+                <a:spcPct val="110000"/>
+              </a:lnSpc>
+              <a:spcBef>
+                <a:spcPct val="0"/>
+              </a:spcBef>
+              <a:spcAft>
+                <a:spcPct val="0"/>
+              </a:spcAft>
+              <a:buFont typeface="Lucida Grande" charset="0"/>
+              <a:buChar char="–"/>
+              <a:tabLst>
+                <a:tab pos="0" algn="l"/>
+                <a:tab pos="457200" algn="l"/>
+                <a:tab pos="914400" algn="l"/>
+                <a:tab pos="1371600" algn="l"/>
+                <a:tab pos="1828800" algn="l"/>
+                <a:tab pos="2286000" algn="l"/>
+                <a:tab pos="2743200" algn="l"/>
+                <a:tab pos="3200400" algn="l"/>
+                <a:tab pos="3657600" algn="l"/>
+                <a:tab pos="4114800" algn="l"/>
+                <a:tab pos="4572000" algn="l"/>
+                <a:tab pos="5029200" algn="l"/>
+                <a:tab pos="5486400" algn="l"/>
+                <a:tab pos="5943600" algn="l"/>
+                <a:tab pos="6400800" algn="l"/>
+                <a:tab pos="6858000" algn="l"/>
+                <a:tab pos="7315200" algn="l"/>
+                <a:tab pos="7772400" algn="l"/>
+                <a:tab pos="8229600" algn="l"/>
+                <a:tab pos="8686800" algn="l"/>
+                <a:tab pos="9144000" algn="l"/>
+              </a:tabLst>
+              <a:defRPr sz="2400">
+                <a:solidFill>
+                  <a:schemeClr val="tx1"/>
+                </a:solidFill>
+                <a:latin typeface="Arial Narrow" pitchFamily="34" charset="0"/>
+                <a:ea typeface="ヒラギノ角ゴ Pro W3" charset="-128"/>
+              </a:defRPr>
+            </a:lvl7pPr>
+            <a:lvl8pPr marL="3429000" indent="-228600" defTabSz="457200" eaLnBrk="0" fontAlgn="base" hangingPunct="0">
+              <a:lnSpc>
+                <a:spcPct val="110000"/>
+              </a:lnSpc>
+              <a:spcBef>
+                <a:spcPct val="0"/>
+              </a:spcBef>
+              <a:spcAft>
+                <a:spcPct val="0"/>
+              </a:spcAft>
+              <a:buFont typeface="Lucida Grande" charset="0"/>
+              <a:buChar char="–"/>
+              <a:tabLst>
+                <a:tab pos="0" algn="l"/>
+                <a:tab pos="457200" algn="l"/>
+                <a:tab pos="914400" algn="l"/>
+                <a:tab pos="1371600" algn="l"/>
+                <a:tab pos="1828800" algn="l"/>
+                <a:tab pos="2286000" algn="l"/>
+                <a:tab pos="2743200" algn="l"/>
+                <a:tab pos="3200400" algn="l"/>
+                <a:tab pos="3657600" algn="l"/>
+                <a:tab pos="4114800" algn="l"/>
+                <a:tab pos="4572000" algn="l"/>
+                <a:tab pos="5029200" algn="l"/>
+                <a:tab pos="5486400" algn="l"/>
+                <a:tab pos="5943600" algn="l"/>
+                <a:tab pos="6400800" algn="l"/>
+                <a:tab pos="6858000" algn="l"/>
+                <a:tab pos="7315200" algn="l"/>
+                <a:tab pos="7772400" algn="l"/>
+                <a:tab pos="8229600" algn="l"/>
+                <a:tab pos="8686800" algn="l"/>
+                <a:tab pos="9144000" algn="l"/>
+              </a:tabLst>
+              <a:defRPr sz="2400">
+                <a:solidFill>
+                  <a:schemeClr val="tx1"/>
+                </a:solidFill>
+                <a:latin typeface="Arial Narrow" pitchFamily="34" charset="0"/>
+                <a:ea typeface="ヒラギノ角ゴ Pro W3" charset="-128"/>
+              </a:defRPr>
+            </a:lvl8pPr>
+            <a:lvl9pPr marL="3886200" indent="-228600" defTabSz="457200" eaLnBrk="0" fontAlgn="base" hangingPunct="0">
+              <a:lnSpc>
+                <a:spcPct val="110000"/>
+              </a:lnSpc>
+              <a:spcBef>
+                <a:spcPct val="0"/>
+              </a:spcBef>
+              <a:spcAft>
+                <a:spcPct val="0"/>
+              </a:spcAft>
+              <a:buFont typeface="Lucida Grande" charset="0"/>
+              <a:buChar char="–"/>
+              <a:tabLst>
+                <a:tab pos="0" algn="l"/>
+                <a:tab pos="457200" algn="l"/>
+                <a:tab pos="914400" algn="l"/>
+                <a:tab pos="1371600" algn="l"/>
+                <a:tab pos="1828800" algn="l"/>
+                <a:tab pos="2286000" algn="l"/>
+                <a:tab pos="2743200" algn="l"/>
+                <a:tab pos="3200400" algn="l"/>
+                <a:tab pos="3657600" algn="l"/>
+                <a:tab pos="4114800" algn="l"/>
+                <a:tab pos="4572000" algn="l"/>
+                <a:tab pos="5029200" algn="l"/>
+                <a:tab pos="5486400" algn="l"/>
+                <a:tab pos="5943600" algn="l"/>
+                <a:tab pos="6400800" algn="l"/>
+                <a:tab pos="6858000" algn="l"/>
+                <a:tab pos="7315200" algn="l"/>
+                <a:tab pos="7772400" algn="l"/>
+                <a:tab pos="8229600" algn="l"/>
+                <a:tab pos="8686800" algn="l"/>
+                <a:tab pos="9144000" algn="l"/>
+              </a:tabLst>
+              <a:defRPr sz="2400">
+                <a:solidFill>
+                  <a:schemeClr val="tx1"/>
+                </a:solidFill>
+                <a:latin typeface="Arial Narrow" pitchFamily="34" charset="0"/>
+                <a:ea typeface="ヒラギノ角ゴ Pro W3" charset="-128"/>
+              </a:defRPr>
+            </a:lvl9pPr>
+          </a:lstStyle>
+          <a:p>
+            <a:pPr>
+              <a:buClr>
+                <a:srgbClr val="000000"/>
+              </a:buClr>
+              <a:buNone/>
+            </a:pPr>
+            <a:r>
+              <a:rPr lang="en-US" altLang="ko-KR" sz="1200" b="1" dirty="0">
+                <a:solidFill>
+                  <a:srgbClr val="003B6E"/>
+                </a:solidFill>
+                <a:latin typeface="+mn-lt"/>
+                <a:ea typeface="Gulim" pitchFamily="34" charset="-127"/>
+                <a:cs typeface="Arial Unicode MS" pitchFamily="34" charset="-128"/>
+              </a:rPr>
+              <a:t>Future Development</a:t>
+            </a:r>
+          </a:p>
+        </p:txBody>
+      </p:sp>
+      <p:sp>
+        <p:nvSpPr>
+          <p:cNvPr id="109" name="Text Box 12"/>
+          <p:cNvSpPr txBox="1">
+            <a:spLocks noChangeArrowheads="1"/>
+          </p:cNvSpPr>
+          <p:nvPr/>
+        </p:nvSpPr>
+        <p:spPr bwMode="auto">
+          <a:xfrm>
+            <a:off x="7462007" y="6165304"/>
+            <a:ext cx="1582830" cy="305192"/>
+          </a:xfrm>
+          <a:prstGeom prst="rect">
+            <a:avLst/>
+          </a:prstGeom>
+          <a:solidFill>
+            <a:srgbClr val="FFF5D6"/>
+          </a:solidFill>
+          <a:ln w="9360">
+            <a:noFill/>
+            <a:miter lim="800000"/>
+            <a:headEnd/>
+            <a:tailEnd/>
+          </a:ln>
+        </p:spPr>
+        <p:txBody>
+          <a:bodyPr wrap="square" lIns="90000" tIns="46800" rIns="90000" bIns="46800" anchor="ctr">
+            <a:noAutofit/>
+          </a:bodyPr>
+          <a:lstStyle>
+            <a:lvl1pPr defTabSz="457200">
+              <a:buChar char="•"/>
+              <a:tabLst>
+                <a:tab pos="0" algn="l"/>
+                <a:tab pos="457200" algn="l"/>
+                <a:tab pos="914400" algn="l"/>
+                <a:tab pos="1371600" algn="l"/>
+                <a:tab pos="1828800" algn="l"/>
+                <a:tab pos="2286000" algn="l"/>
+                <a:tab pos="2743200" algn="l"/>
+                <a:tab pos="3200400" algn="l"/>
+                <a:tab pos="3657600" algn="l"/>
+                <a:tab pos="4114800" algn="l"/>
+                <a:tab pos="4572000" algn="l"/>
+                <a:tab pos="5029200" algn="l"/>
+                <a:tab pos="5486400" algn="l"/>
+                <a:tab pos="5943600" algn="l"/>
+                <a:tab pos="6400800" algn="l"/>
+                <a:tab pos="6858000" algn="l"/>
+                <a:tab pos="7315200" algn="l"/>
+                <a:tab pos="7772400" algn="l"/>
+                <a:tab pos="8229600" algn="l"/>
+                <a:tab pos="8686800" algn="l"/>
+                <a:tab pos="9144000" algn="l"/>
+              </a:tabLst>
+              <a:defRPr sz="2400">
+                <a:solidFill>
+                  <a:schemeClr val="tx1"/>
+                </a:solidFill>
+                <a:latin typeface="Arial Narrow" pitchFamily="34" charset="0"/>
+                <a:ea typeface="ヒラギノ角ゴ Pro W3" charset="-128"/>
+              </a:defRPr>
+            </a:lvl1pPr>
+            <a:lvl2pPr marL="742950" indent="-285750" defTabSz="457200">
+              <a:buClr>
+                <a:schemeClr val="tx1"/>
+              </a:buClr>
+              <a:buSzPct val="120000"/>
+              <a:buChar char="•"/>
+              <a:tabLst>
+                <a:tab pos="0" algn="l"/>
+                <a:tab pos="457200" algn="l"/>
+                <a:tab pos="914400" algn="l"/>
+                <a:tab pos="1371600" algn="l"/>
+                <a:tab pos="1828800" algn="l"/>
+                <a:tab pos="2286000" algn="l"/>
+                <a:tab pos="2743200" algn="l"/>
+                <a:tab pos="3200400" algn="l"/>
+                <a:tab pos="3657600" algn="l"/>
+                <a:tab pos="4114800" algn="l"/>
+                <a:tab pos="4572000" algn="l"/>
+                <a:tab pos="5029200" algn="l"/>
+                <a:tab pos="5486400" algn="l"/>
+                <a:tab pos="5943600" algn="l"/>
+                <a:tab pos="6400800" algn="l"/>
+                <a:tab pos="6858000" algn="l"/>
+                <a:tab pos="7315200" algn="l"/>
+                <a:tab pos="7772400" algn="l"/>
+                <a:tab pos="8229600" algn="l"/>
+                <a:tab pos="8686800" algn="l"/>
+                <a:tab pos="9144000" algn="l"/>
+              </a:tabLst>
+              <a:defRPr sz="2400">
+                <a:solidFill>
+                  <a:schemeClr val="tx1"/>
+                </a:solidFill>
+                <a:latin typeface="Arial Narrow" pitchFamily="34" charset="0"/>
+                <a:ea typeface="ヒラギノ角ゴ Pro W3" charset="-128"/>
+              </a:defRPr>
+            </a:lvl2pPr>
+            <a:lvl3pPr marL="1143000" indent="-228600" defTabSz="457200">
+              <a:buFont typeface="Times" pitchFamily="18" charset="0"/>
+              <a:buChar char="–"/>
+              <a:tabLst>
+                <a:tab pos="0" algn="l"/>
+                <a:tab pos="457200" algn="l"/>
+                <a:tab pos="914400" algn="l"/>
+                <a:tab pos="1371600" algn="l"/>
+                <a:tab pos="1828800" algn="l"/>
+                <a:tab pos="2286000" algn="l"/>
+                <a:tab pos="2743200" algn="l"/>
+                <a:tab pos="3200400" algn="l"/>
+                <a:tab pos="3657600" algn="l"/>
+                <a:tab pos="4114800" algn="l"/>
+                <a:tab pos="4572000" algn="l"/>
+                <a:tab pos="5029200" algn="l"/>
+                <a:tab pos="5486400" algn="l"/>
+                <a:tab pos="5943600" algn="l"/>
+                <a:tab pos="6400800" algn="l"/>
+                <a:tab pos="6858000" algn="l"/>
+                <a:tab pos="7315200" algn="l"/>
+                <a:tab pos="7772400" algn="l"/>
+                <a:tab pos="8229600" algn="l"/>
+                <a:tab pos="8686800" algn="l"/>
+                <a:tab pos="9144000" algn="l"/>
+              </a:tabLst>
+              <a:defRPr sz="1700">
+                <a:solidFill>
+                  <a:schemeClr val="tx1"/>
+                </a:solidFill>
+                <a:latin typeface="Arial Narrow" pitchFamily="34" charset="0"/>
+                <a:ea typeface="MS PGothic" pitchFamily="34" charset="-128"/>
+              </a:defRPr>
+            </a:lvl3pPr>
+            <a:lvl4pPr marL="1600200" indent="-228600" defTabSz="457200">
+              <a:buFont typeface="Lucida Grande" charset="0"/>
+              <a:buChar char="–"/>
+              <a:tabLst>
+                <a:tab pos="0" algn="l"/>
+                <a:tab pos="457200" algn="l"/>
+                <a:tab pos="914400" algn="l"/>
+                <a:tab pos="1371600" algn="l"/>
+                <a:tab pos="1828800" algn="l"/>
+                <a:tab pos="2286000" algn="l"/>
+                <a:tab pos="2743200" algn="l"/>
+                <a:tab pos="3200400" algn="l"/>
+                <a:tab pos="3657600" algn="l"/>
+                <a:tab pos="4114800" algn="l"/>
+                <a:tab pos="4572000" algn="l"/>
+                <a:tab pos="5029200" algn="l"/>
+                <a:tab pos="5486400" algn="l"/>
+                <a:tab pos="5943600" algn="l"/>
+                <a:tab pos="6400800" algn="l"/>
+                <a:tab pos="6858000" algn="l"/>
+                <a:tab pos="7315200" algn="l"/>
+                <a:tab pos="7772400" algn="l"/>
+                <a:tab pos="8229600" algn="l"/>
+                <a:tab pos="8686800" algn="l"/>
+                <a:tab pos="9144000" algn="l"/>
+              </a:tabLst>
+              <a:defRPr sz="2400">
+                <a:solidFill>
+                  <a:schemeClr val="tx1"/>
+                </a:solidFill>
+                <a:latin typeface="Arial Narrow" pitchFamily="34" charset="0"/>
+                <a:ea typeface="MS PGothic" pitchFamily="34" charset="-128"/>
+              </a:defRPr>
+            </a:lvl4pPr>
+            <a:lvl5pPr marL="2057400" indent="-228600" defTabSz="457200">
+              <a:buFont typeface="Lucida Grande" charset="0"/>
+              <a:buChar char="–"/>
+              <a:tabLst>
+                <a:tab pos="0" algn="l"/>
+                <a:tab pos="457200" algn="l"/>
+                <a:tab pos="914400" algn="l"/>
+                <a:tab pos="1371600" algn="l"/>
+                <a:tab pos="1828800" algn="l"/>
+                <a:tab pos="2286000" algn="l"/>
+                <a:tab pos="2743200" algn="l"/>
+                <a:tab pos="3200400" algn="l"/>
+                <a:tab pos="3657600" algn="l"/>
+                <a:tab pos="4114800" algn="l"/>
+                <a:tab pos="4572000" algn="l"/>
+                <a:tab pos="5029200" algn="l"/>
+                <a:tab pos="5486400" algn="l"/>
+                <a:tab pos="5943600" algn="l"/>
+                <a:tab pos="6400800" algn="l"/>
+                <a:tab pos="6858000" algn="l"/>
+                <a:tab pos="7315200" algn="l"/>
+                <a:tab pos="7772400" algn="l"/>
+                <a:tab pos="8229600" algn="l"/>
+                <a:tab pos="8686800" algn="l"/>
+                <a:tab pos="9144000" algn="l"/>
+              </a:tabLst>
+              <a:defRPr sz="2400">
+                <a:solidFill>
+                  <a:schemeClr val="tx1"/>
+                </a:solidFill>
+                <a:latin typeface="Arial Narrow" pitchFamily="34" charset="0"/>
+                <a:ea typeface="ヒラギノ角ゴ Pro W3" charset="-128"/>
+              </a:defRPr>
+            </a:lvl5pPr>
+            <a:lvl6pPr marL="2514600" indent="-228600" defTabSz="457200" eaLnBrk="0" fontAlgn="base" hangingPunct="0">
+              <a:lnSpc>
+                <a:spcPct val="110000"/>
+              </a:lnSpc>
+              <a:spcBef>
+                <a:spcPct val="0"/>
+              </a:spcBef>
+              <a:spcAft>
+                <a:spcPct val="0"/>
+              </a:spcAft>
+              <a:buFont typeface="Lucida Grande" charset="0"/>
+              <a:buChar char="–"/>
+              <a:tabLst>
+                <a:tab pos="0" algn="l"/>
+                <a:tab pos="457200" algn="l"/>
+                <a:tab pos="914400" algn="l"/>
+                <a:tab pos="1371600" algn="l"/>
+                <a:tab pos="1828800" algn="l"/>
+                <a:tab pos="2286000" algn="l"/>
+                <a:tab pos="2743200" algn="l"/>
+                <a:tab pos="3200400" algn="l"/>
+                <a:tab pos="3657600" algn="l"/>
+                <a:tab pos="4114800" algn="l"/>
+                <a:tab pos="4572000" algn="l"/>
+                <a:tab pos="5029200" algn="l"/>
+                <a:tab pos="5486400" algn="l"/>
+                <a:tab pos="5943600" algn="l"/>
+                <a:tab pos="6400800" algn="l"/>
+                <a:tab pos="6858000" algn="l"/>
+                <a:tab pos="7315200" algn="l"/>
+                <a:tab pos="7772400" algn="l"/>
+                <a:tab pos="8229600" algn="l"/>
+                <a:tab pos="8686800" algn="l"/>
+                <a:tab pos="9144000" algn="l"/>
+              </a:tabLst>
+              <a:defRPr sz="2400">
+                <a:solidFill>
+                  <a:schemeClr val="tx1"/>
+                </a:solidFill>
+                <a:latin typeface="Arial Narrow" pitchFamily="34" charset="0"/>
+                <a:ea typeface="ヒラギノ角ゴ Pro W3" charset="-128"/>
+              </a:defRPr>
+            </a:lvl6pPr>
+            <a:lvl7pPr marL="2971800" indent="-228600" defTabSz="457200" eaLnBrk="0" fontAlgn="base" hangingPunct="0">
+              <a:lnSpc>
+                <a:spcPct val="110000"/>
+              </a:lnSpc>
+              <a:spcBef>
+                <a:spcPct val="0"/>
+              </a:spcBef>
+              <a:spcAft>
+                <a:spcPct val="0"/>
+              </a:spcAft>
+              <a:buFont typeface="Lucida Grande" charset="0"/>
+              <a:buChar char="–"/>
+              <a:tabLst>
+                <a:tab pos="0" algn="l"/>
+                <a:tab pos="457200" algn="l"/>
+                <a:tab pos="914400" algn="l"/>
+                <a:tab pos="1371600" algn="l"/>
+                <a:tab pos="1828800" algn="l"/>
+                <a:tab pos="2286000" algn="l"/>
+                <a:tab pos="2743200" algn="l"/>
+                <a:tab pos="3200400" algn="l"/>
+                <a:tab pos="3657600" algn="l"/>
+                <a:tab pos="4114800" algn="l"/>
+                <a:tab pos="4572000" algn="l"/>
+                <a:tab pos="5029200" algn="l"/>
+                <a:tab pos="5486400" algn="l"/>
+                <a:tab pos="5943600" algn="l"/>
+                <a:tab pos="6400800" algn="l"/>
+                <a:tab pos="6858000" algn="l"/>
+                <a:tab pos="7315200" algn="l"/>
+                <a:tab pos="7772400" algn="l"/>
+                <a:tab pos="8229600" algn="l"/>
+                <a:tab pos="8686800" algn="l"/>
+                <a:tab pos="9144000" algn="l"/>
+              </a:tabLst>
+              <a:defRPr sz="2400">
+                <a:solidFill>
+                  <a:schemeClr val="tx1"/>
+                </a:solidFill>
+                <a:latin typeface="Arial Narrow" pitchFamily="34" charset="0"/>
+                <a:ea typeface="ヒラギノ角ゴ Pro W3" charset="-128"/>
+              </a:defRPr>
+            </a:lvl7pPr>
+            <a:lvl8pPr marL="3429000" indent="-228600" defTabSz="457200" eaLnBrk="0" fontAlgn="base" hangingPunct="0">
+              <a:lnSpc>
+                <a:spcPct val="110000"/>
+              </a:lnSpc>
+              <a:spcBef>
+                <a:spcPct val="0"/>
+              </a:spcBef>
+              <a:spcAft>
+                <a:spcPct val="0"/>
+              </a:spcAft>
+              <a:buFont typeface="Lucida Grande" charset="0"/>
+              <a:buChar char="–"/>
+              <a:tabLst>
+                <a:tab pos="0" algn="l"/>
+                <a:tab pos="457200" algn="l"/>
+                <a:tab pos="914400" algn="l"/>
+                <a:tab pos="1371600" algn="l"/>
+                <a:tab pos="1828800" algn="l"/>
+                <a:tab pos="2286000" algn="l"/>
+                <a:tab pos="2743200" algn="l"/>
+                <a:tab pos="3200400" algn="l"/>
+                <a:tab pos="3657600" algn="l"/>
+                <a:tab pos="4114800" algn="l"/>
+                <a:tab pos="4572000" algn="l"/>
+                <a:tab pos="5029200" algn="l"/>
+                <a:tab pos="5486400" algn="l"/>
+                <a:tab pos="5943600" algn="l"/>
+                <a:tab pos="6400800" algn="l"/>
+                <a:tab pos="6858000" algn="l"/>
+                <a:tab pos="7315200" algn="l"/>
+                <a:tab pos="7772400" algn="l"/>
+                <a:tab pos="8229600" algn="l"/>
+                <a:tab pos="8686800" algn="l"/>
+                <a:tab pos="9144000" algn="l"/>
+              </a:tabLst>
+              <a:defRPr sz="2400">
+                <a:solidFill>
+                  <a:schemeClr val="tx1"/>
+                </a:solidFill>
+                <a:latin typeface="Arial Narrow" pitchFamily="34" charset="0"/>
+                <a:ea typeface="ヒラギノ角ゴ Pro W3" charset="-128"/>
+              </a:defRPr>
+            </a:lvl8pPr>
+            <a:lvl9pPr marL="3886200" indent="-228600" defTabSz="457200" eaLnBrk="0" fontAlgn="base" hangingPunct="0">
+              <a:lnSpc>
+                <a:spcPct val="110000"/>
+              </a:lnSpc>
+              <a:spcBef>
+                <a:spcPct val="0"/>
+              </a:spcBef>
+              <a:spcAft>
+                <a:spcPct val="0"/>
+              </a:spcAft>
+              <a:buFont typeface="Lucida Grande" charset="0"/>
+              <a:buChar char="–"/>
+              <a:tabLst>
+                <a:tab pos="0" algn="l"/>
+                <a:tab pos="457200" algn="l"/>
+                <a:tab pos="914400" algn="l"/>
+                <a:tab pos="1371600" algn="l"/>
+                <a:tab pos="1828800" algn="l"/>
+                <a:tab pos="2286000" algn="l"/>
+                <a:tab pos="2743200" algn="l"/>
+                <a:tab pos="3200400" algn="l"/>
+                <a:tab pos="3657600" algn="l"/>
+                <a:tab pos="4114800" algn="l"/>
+                <a:tab pos="4572000" algn="l"/>
+                <a:tab pos="5029200" algn="l"/>
+                <a:tab pos="5486400" algn="l"/>
+                <a:tab pos="5943600" algn="l"/>
+                <a:tab pos="6400800" algn="l"/>
+                <a:tab pos="6858000" algn="l"/>
+                <a:tab pos="7315200" algn="l"/>
+                <a:tab pos="7772400" algn="l"/>
+                <a:tab pos="8229600" algn="l"/>
+                <a:tab pos="8686800" algn="l"/>
+                <a:tab pos="9144000" algn="l"/>
+              </a:tabLst>
+              <a:defRPr sz="2400">
+                <a:solidFill>
+                  <a:schemeClr val="tx1"/>
+                </a:solidFill>
+                <a:latin typeface="Arial Narrow" pitchFamily="34" charset="0"/>
+                <a:ea typeface="ヒラギノ角ゴ Pro W3" charset="-128"/>
+              </a:defRPr>
+            </a:lvl9pPr>
+          </a:lstStyle>
+          <a:p>
+            <a:pPr eaLnBrk="1" hangingPunct="1">
+              <a:spcBef>
+                <a:spcPts val="0"/>
+              </a:spcBef>
+              <a:buClr>
+                <a:srgbClr val="000000"/>
+              </a:buClr>
+              <a:buNone/>
+            </a:pPr>
+            <a:r>
+              <a:rPr lang="en-US" altLang="ko-KR" sz="1200" b="1" dirty="0">
+                <a:solidFill>
+                  <a:srgbClr val="003B6E"/>
+                </a:solidFill>
+                <a:latin typeface="+mn-lt"/>
+                <a:ea typeface="Gulim" pitchFamily="34" charset="-127"/>
+                <a:cs typeface="Arial Unicode MS" pitchFamily="34" charset="-128"/>
+              </a:rPr>
+              <a:t>Implemented</a:t>
+            </a:r>
+          </a:p>
+        </p:txBody>
+      </p:sp>
+      <p:sp>
+        <p:nvSpPr>
+          <p:cNvPr id="50" name="TextBox 49"/>
+          <p:cNvSpPr txBox="1"/>
+          <p:nvPr/>
+        </p:nvSpPr>
+        <p:spPr>
+          <a:xfrm>
+            <a:off x="6588224" y="-27384"/>
+            <a:ext cx="2627783" cy="400110"/>
+          </a:xfrm>
+          <a:prstGeom prst="rect">
+            <a:avLst/>
+          </a:prstGeom>
+          <a:noFill/>
+          <a:ln w="9525">
+            <a:noFill/>
+          </a:ln>
+        </p:spPr>
+        <p:txBody>
+          <a:bodyPr wrap="square" rtlCol="0" anchor="ctr">
+            <a:spAutoFit/>
+          </a:bodyPr>
+          <a:lstStyle/>
+          <a:p>
+            <a:r>
+              <a:rPr lang="en-US" sz="2000" b="1" dirty="0" err="1">
+                <a:latin typeface="Consolas" panose="020B0609020204030204" pitchFamily="49" charset="0"/>
+                <a:cs typeface="Consolas" panose="020B0609020204030204" pitchFamily="49" charset="0"/>
+              </a:rPr>
+              <a:t>gsa</a:t>
+            </a:r>
+            <a:r>
+              <a:rPr lang="en-US" sz="2000" b="1" dirty="0">
+                <a:latin typeface="Consolas" panose="020B0609020204030204" pitchFamily="49" charset="0"/>
+                <a:cs typeface="Consolas" panose="020B0609020204030204" pitchFamily="49" charset="0"/>
+              </a:rPr>
+              <a:t>-module</a:t>
+            </a:r>
+            <a:r>
+              <a:rPr lang="en-US" sz="2000" b="1" dirty="0">
+                <a:latin typeface="Consolas" panose="020B0609020204030204" pitchFamily="49" charset="0"/>
+              </a:rPr>
+              <a:t> </a:t>
+            </a:r>
+            <a:r>
+              <a:rPr lang="en-US" sz="2000" b="1" dirty="0" smtClean="0">
+                <a:latin typeface="Consolas" panose="020B0609020204030204" pitchFamily="49" charset="0"/>
+              </a:rPr>
+              <a:t>v0.7.0</a:t>
+            </a:r>
+            <a:endParaRPr lang="en-US" sz="2000" b="1" dirty="0">
+              <a:latin typeface="Consolas" panose="020B0609020204030204" pitchFamily="49" charset="0"/>
+            </a:endParaRPr>
+          </a:p>
+        </p:txBody>
+      </p:sp>
+      <p:grpSp>
+        <p:nvGrpSpPr>
+          <p:cNvPr id="51" name="Group 50"/>
+          <p:cNvGrpSpPr/>
+          <p:nvPr/>
+        </p:nvGrpSpPr>
+        <p:grpSpPr>
+          <a:xfrm>
+            <a:off x="3059833" y="2708920"/>
+            <a:ext cx="1482811" cy="943173"/>
+            <a:chOff x="4690610" y="2744313"/>
+            <a:chExt cx="2736305" cy="1329294"/>
+          </a:xfrm>
+        </p:grpSpPr>
+        <p:sp>
+          <p:nvSpPr>
+            <p:cNvPr id="53" name="Text Box 11"/>
+            <p:cNvSpPr txBox="1">
+              <a:spLocks noChangeArrowheads="1"/>
+            </p:cNvSpPr>
+            <p:nvPr/>
+          </p:nvSpPr>
+          <p:spPr bwMode="auto">
+            <a:xfrm>
+              <a:off x="4690610" y="2744313"/>
+              <a:ext cx="2736305" cy="1329294"/>
+            </a:xfrm>
+            <a:prstGeom prst="rect">
+              <a:avLst/>
+            </a:prstGeom>
+            <a:solidFill>
+              <a:srgbClr val="FFFFFF"/>
+            </a:solidFill>
+            <a:ln w="6350">
+              <a:solidFill>
+                <a:schemeClr val="tx1"/>
+              </a:solidFill>
+              <a:prstDash val="dashDot"/>
+              <a:miter lim="800000"/>
+              <a:headEnd/>
+              <a:tailEnd/>
+            </a:ln>
+          </p:spPr>
+          <p:txBody>
+            <a:bodyPr lIns="90000" tIns="46800" rIns="90000" bIns="46800"/>
+            <a:lstStyle>
+              <a:lvl1pPr defTabSz="457200">
+                <a:buChar char="•"/>
+                <a:tabLst>
+                  <a:tab pos="0" algn="l"/>
+                  <a:tab pos="457200" algn="l"/>
+                  <a:tab pos="914400" algn="l"/>
+                  <a:tab pos="1371600" algn="l"/>
+                  <a:tab pos="1828800" algn="l"/>
+                  <a:tab pos="2286000" algn="l"/>
+                  <a:tab pos="2743200" algn="l"/>
+                  <a:tab pos="3200400" algn="l"/>
+                  <a:tab pos="3657600" algn="l"/>
+                  <a:tab pos="4114800" algn="l"/>
+                  <a:tab pos="4572000" algn="l"/>
+                  <a:tab pos="5029200" algn="l"/>
+                  <a:tab pos="5486400" algn="l"/>
+                  <a:tab pos="5943600" algn="l"/>
+                  <a:tab pos="6400800" algn="l"/>
+                  <a:tab pos="6858000" algn="l"/>
+                  <a:tab pos="7315200" algn="l"/>
+                  <a:tab pos="7772400" algn="l"/>
+                  <a:tab pos="8229600" algn="l"/>
+                  <a:tab pos="8686800" algn="l"/>
+                  <a:tab pos="9144000" algn="l"/>
+                </a:tabLst>
+                <a:defRPr sz="2400">
+                  <a:solidFill>
+                    <a:schemeClr val="tx1"/>
+                  </a:solidFill>
+                  <a:latin typeface="Arial Narrow" pitchFamily="34" charset="0"/>
+                  <a:ea typeface="ヒラギノ角ゴ Pro W3" charset="-128"/>
+                </a:defRPr>
+              </a:lvl1pPr>
+              <a:lvl2pPr marL="742950" indent="-285750" defTabSz="457200">
+                <a:buClr>
+                  <a:schemeClr val="tx1"/>
+                </a:buClr>
+                <a:buSzPct val="120000"/>
+                <a:buChar char="•"/>
+                <a:tabLst>
+                  <a:tab pos="0" algn="l"/>
+                  <a:tab pos="457200" algn="l"/>
+                  <a:tab pos="914400" algn="l"/>
+                  <a:tab pos="1371600" algn="l"/>
+                  <a:tab pos="1828800" algn="l"/>
+                  <a:tab pos="2286000" algn="l"/>
+                  <a:tab pos="2743200" algn="l"/>
+                  <a:tab pos="3200400" algn="l"/>
+                  <a:tab pos="3657600" algn="l"/>
+                  <a:tab pos="4114800" algn="l"/>
+                  <a:tab pos="4572000" algn="l"/>
+                  <a:tab pos="5029200" algn="l"/>
+                  <a:tab pos="5486400" algn="l"/>
+                  <a:tab pos="5943600" algn="l"/>
+                  <a:tab pos="6400800" algn="l"/>
+                  <a:tab pos="6858000" algn="l"/>
+                  <a:tab pos="7315200" algn="l"/>
+                  <a:tab pos="7772400" algn="l"/>
+                  <a:tab pos="8229600" algn="l"/>
+                  <a:tab pos="8686800" algn="l"/>
+                  <a:tab pos="9144000" algn="l"/>
+                </a:tabLst>
+                <a:defRPr sz="2400">
+                  <a:solidFill>
+                    <a:schemeClr val="tx1"/>
+                  </a:solidFill>
+                  <a:latin typeface="Arial Narrow" pitchFamily="34" charset="0"/>
+                  <a:ea typeface="ヒラギノ角ゴ Pro W3" charset="-128"/>
+                </a:defRPr>
+              </a:lvl2pPr>
+              <a:lvl3pPr marL="1143000" indent="-228600" defTabSz="457200">
+                <a:buFont typeface="Times" pitchFamily="18" charset="0"/>
+                <a:buChar char="–"/>
+                <a:tabLst>
+                  <a:tab pos="0" algn="l"/>
+                  <a:tab pos="457200" algn="l"/>
+                  <a:tab pos="914400" algn="l"/>
+                  <a:tab pos="1371600" algn="l"/>
+                  <a:tab pos="1828800" algn="l"/>
+                  <a:tab pos="2286000" algn="l"/>
+                  <a:tab pos="2743200" algn="l"/>
+                  <a:tab pos="3200400" algn="l"/>
+                  <a:tab pos="3657600" algn="l"/>
+                  <a:tab pos="4114800" algn="l"/>
+                  <a:tab pos="4572000" algn="l"/>
+                  <a:tab pos="5029200" algn="l"/>
+                  <a:tab pos="5486400" algn="l"/>
+                  <a:tab pos="5943600" algn="l"/>
+                  <a:tab pos="6400800" algn="l"/>
+                  <a:tab pos="6858000" algn="l"/>
+                  <a:tab pos="7315200" algn="l"/>
+                  <a:tab pos="7772400" algn="l"/>
+                  <a:tab pos="8229600" algn="l"/>
+                  <a:tab pos="8686800" algn="l"/>
+                  <a:tab pos="9144000" algn="l"/>
+                </a:tabLst>
+                <a:defRPr sz="1700">
+                  <a:solidFill>
+                    <a:schemeClr val="tx1"/>
+                  </a:solidFill>
+                  <a:latin typeface="Arial Narrow" pitchFamily="34" charset="0"/>
+                  <a:ea typeface="MS PGothic" pitchFamily="34" charset="-128"/>
+                </a:defRPr>
+              </a:lvl3pPr>
+              <a:lvl4pPr marL="1600200" indent="-228600" defTabSz="457200">
+                <a:buFont typeface="Lucida Grande" charset="0"/>
+                <a:buChar char="–"/>
+                <a:tabLst>
+                  <a:tab pos="0" algn="l"/>
+                  <a:tab pos="457200" algn="l"/>
+                  <a:tab pos="914400" algn="l"/>
+                  <a:tab pos="1371600" algn="l"/>
+                  <a:tab pos="1828800" algn="l"/>
+                  <a:tab pos="2286000" algn="l"/>
+                  <a:tab pos="2743200" algn="l"/>
+                  <a:tab pos="3200400" algn="l"/>
+                  <a:tab pos="3657600" algn="l"/>
+                  <a:tab pos="4114800" algn="l"/>
+                  <a:tab pos="4572000" algn="l"/>
+                  <a:tab pos="5029200" algn="l"/>
+                  <a:tab pos="5486400" algn="l"/>
+                  <a:tab pos="5943600" algn="l"/>
+                  <a:tab pos="6400800" algn="l"/>
+                  <a:tab pos="6858000" algn="l"/>
+                  <a:tab pos="7315200" algn="l"/>
+                  <a:tab pos="7772400" algn="l"/>
+                  <a:tab pos="8229600" algn="l"/>
+                  <a:tab pos="8686800" algn="l"/>
+                  <a:tab pos="9144000" algn="l"/>
+                </a:tabLst>
+                <a:defRPr sz="2400">
+                  <a:solidFill>
+                    <a:schemeClr val="tx1"/>
+                  </a:solidFill>
+                  <a:latin typeface="Arial Narrow" pitchFamily="34" charset="0"/>
+                  <a:ea typeface="MS PGothic" pitchFamily="34" charset="-128"/>
+                </a:defRPr>
+              </a:lvl4pPr>
+              <a:lvl5pPr marL="2057400" indent="-228600" defTabSz="457200">
+                <a:buFont typeface="Lucida Grande" charset="0"/>
+                <a:buChar char="–"/>
+                <a:tabLst>
+                  <a:tab pos="0" algn="l"/>
+                  <a:tab pos="457200" algn="l"/>
+                  <a:tab pos="914400" algn="l"/>
+                  <a:tab pos="1371600" algn="l"/>
+                  <a:tab pos="1828800" algn="l"/>
+                  <a:tab pos="2286000" algn="l"/>
+                  <a:tab pos="2743200" algn="l"/>
+                  <a:tab pos="3200400" algn="l"/>
+                  <a:tab pos="3657600" algn="l"/>
+                  <a:tab pos="4114800" algn="l"/>
+                  <a:tab pos="4572000" algn="l"/>
+                  <a:tab pos="5029200" algn="l"/>
+                  <a:tab pos="5486400" algn="l"/>
+                  <a:tab pos="5943600" algn="l"/>
+                  <a:tab pos="6400800" algn="l"/>
+                  <a:tab pos="6858000" algn="l"/>
+                  <a:tab pos="7315200" algn="l"/>
+                  <a:tab pos="7772400" algn="l"/>
+                  <a:tab pos="8229600" algn="l"/>
+                  <a:tab pos="8686800" algn="l"/>
+                  <a:tab pos="9144000" algn="l"/>
+                </a:tabLst>
+                <a:defRPr sz="2400">
+                  <a:solidFill>
+                    <a:schemeClr val="tx1"/>
+                  </a:solidFill>
+                  <a:latin typeface="Arial Narrow" pitchFamily="34" charset="0"/>
+                  <a:ea typeface="ヒラギノ角ゴ Pro W3" charset="-128"/>
+                </a:defRPr>
+              </a:lvl5pPr>
+              <a:lvl6pPr marL="2514600" indent="-228600" defTabSz="457200" eaLnBrk="0" fontAlgn="base" hangingPunct="0">
+                <a:lnSpc>
+                  <a:spcPct val="110000"/>
+                </a:lnSpc>
+                <a:spcBef>
+                  <a:spcPct val="0"/>
+                </a:spcBef>
+                <a:spcAft>
+                  <a:spcPct val="0"/>
+                </a:spcAft>
+                <a:buFont typeface="Lucida Grande" charset="0"/>
+                <a:buChar char="–"/>
+                <a:tabLst>
+                  <a:tab pos="0" algn="l"/>
+                  <a:tab pos="457200" algn="l"/>
+                  <a:tab pos="914400" algn="l"/>
+                  <a:tab pos="1371600" algn="l"/>
+                  <a:tab pos="1828800" algn="l"/>
+                  <a:tab pos="2286000" algn="l"/>
+                  <a:tab pos="2743200" algn="l"/>
+                  <a:tab pos="3200400" algn="l"/>
+                  <a:tab pos="3657600" algn="l"/>
+                  <a:tab pos="4114800" algn="l"/>
+                  <a:tab pos="4572000" algn="l"/>
+                  <a:tab pos="5029200" algn="l"/>
+                  <a:tab pos="5486400" algn="l"/>
+                  <a:tab pos="5943600" algn="l"/>
+                  <a:tab pos="6400800" algn="l"/>
+                  <a:tab pos="6858000" algn="l"/>
+                  <a:tab pos="7315200" algn="l"/>
+                  <a:tab pos="7772400" algn="l"/>
+                  <a:tab pos="8229600" algn="l"/>
+                  <a:tab pos="8686800" algn="l"/>
+                  <a:tab pos="9144000" algn="l"/>
+                </a:tabLst>
+                <a:defRPr sz="2400">
+                  <a:solidFill>
+                    <a:schemeClr val="tx1"/>
+                  </a:solidFill>
+                  <a:latin typeface="Arial Narrow" pitchFamily="34" charset="0"/>
+                  <a:ea typeface="ヒラギノ角ゴ Pro W3" charset="-128"/>
+                </a:defRPr>
+              </a:lvl6pPr>
+              <a:lvl7pPr marL="2971800" indent="-228600" defTabSz="457200" eaLnBrk="0" fontAlgn="base" hangingPunct="0">
+                <a:lnSpc>
+                  <a:spcPct val="110000"/>
+                </a:lnSpc>
+                <a:spcBef>
+                  <a:spcPct val="0"/>
+                </a:spcBef>
+                <a:spcAft>
+                  <a:spcPct val="0"/>
+                </a:spcAft>
+                <a:buFont typeface="Lucida Grande" charset="0"/>
+                <a:buChar char="–"/>
+                <a:tabLst>
+                  <a:tab pos="0" algn="l"/>
+                  <a:tab pos="457200" algn="l"/>
+                  <a:tab pos="914400" algn="l"/>
+                  <a:tab pos="1371600" algn="l"/>
+                  <a:tab pos="1828800" algn="l"/>
+                  <a:tab pos="2286000" algn="l"/>
+                  <a:tab pos="2743200" algn="l"/>
+                  <a:tab pos="3200400" algn="l"/>
+                  <a:tab pos="3657600" algn="l"/>
+                  <a:tab pos="4114800" algn="l"/>
+                  <a:tab pos="4572000" algn="l"/>
+                  <a:tab pos="5029200" algn="l"/>
+                  <a:tab pos="5486400" algn="l"/>
+                  <a:tab pos="5943600" algn="l"/>
+                  <a:tab pos="6400800" algn="l"/>
+                  <a:tab pos="6858000" algn="l"/>
+                  <a:tab pos="7315200" algn="l"/>
+                  <a:tab pos="7772400" algn="l"/>
+                  <a:tab pos="8229600" algn="l"/>
+                  <a:tab pos="8686800" algn="l"/>
+                  <a:tab pos="9144000" algn="l"/>
+                </a:tabLst>
+                <a:defRPr sz="2400">
+                  <a:solidFill>
+                    <a:schemeClr val="tx1"/>
+                  </a:solidFill>
+                  <a:latin typeface="Arial Narrow" pitchFamily="34" charset="0"/>
+                  <a:ea typeface="ヒラギノ角ゴ Pro W3" charset="-128"/>
+                </a:defRPr>
+              </a:lvl7pPr>
+              <a:lvl8pPr marL="3429000" indent="-228600" defTabSz="457200" eaLnBrk="0" fontAlgn="base" hangingPunct="0">
+                <a:lnSpc>
+                  <a:spcPct val="110000"/>
+                </a:lnSpc>
+                <a:spcBef>
+                  <a:spcPct val="0"/>
+                </a:spcBef>
+                <a:spcAft>
+                  <a:spcPct val="0"/>
+                </a:spcAft>
+                <a:buFont typeface="Lucida Grande" charset="0"/>
+                <a:buChar char="–"/>
+                <a:tabLst>
+                  <a:tab pos="0" algn="l"/>
+                  <a:tab pos="457200" algn="l"/>
+                  <a:tab pos="914400" algn="l"/>
+                  <a:tab pos="1371600" algn="l"/>
+                  <a:tab pos="1828800" algn="l"/>
+                  <a:tab pos="2286000" algn="l"/>
+                  <a:tab pos="2743200" algn="l"/>
+                  <a:tab pos="3200400" algn="l"/>
+                  <a:tab pos="3657600" algn="l"/>
+                  <a:tab pos="4114800" algn="l"/>
+                  <a:tab pos="4572000" algn="l"/>
+                  <a:tab pos="5029200" algn="l"/>
+                  <a:tab pos="5486400" algn="l"/>
+                  <a:tab pos="5943600" algn="l"/>
+                  <a:tab pos="6400800" algn="l"/>
+                  <a:tab pos="6858000" algn="l"/>
+                  <a:tab pos="7315200" algn="l"/>
+                  <a:tab pos="7772400" algn="l"/>
+                  <a:tab pos="8229600" algn="l"/>
+                  <a:tab pos="8686800" algn="l"/>
+                  <a:tab pos="9144000" algn="l"/>
+                </a:tabLst>
+                <a:defRPr sz="2400">
+                  <a:solidFill>
+                    <a:schemeClr val="tx1"/>
+                  </a:solidFill>
+                  <a:latin typeface="Arial Narrow" pitchFamily="34" charset="0"/>
+                  <a:ea typeface="ヒラギノ角ゴ Pro W3" charset="-128"/>
+                </a:defRPr>
+              </a:lvl8pPr>
+              <a:lvl9pPr marL="3886200" indent="-228600" defTabSz="457200" eaLnBrk="0" fontAlgn="base" hangingPunct="0">
+                <a:lnSpc>
+                  <a:spcPct val="110000"/>
+                </a:lnSpc>
+                <a:spcBef>
+                  <a:spcPct val="0"/>
+                </a:spcBef>
+                <a:spcAft>
+                  <a:spcPct val="0"/>
+                </a:spcAft>
+                <a:buFont typeface="Lucida Grande" charset="0"/>
+                <a:buChar char="–"/>
+                <a:tabLst>
+                  <a:tab pos="0" algn="l"/>
+                  <a:tab pos="457200" algn="l"/>
+                  <a:tab pos="914400" algn="l"/>
+                  <a:tab pos="1371600" algn="l"/>
+                  <a:tab pos="1828800" algn="l"/>
+                  <a:tab pos="2286000" algn="l"/>
+                  <a:tab pos="2743200" algn="l"/>
+                  <a:tab pos="3200400" algn="l"/>
+                  <a:tab pos="3657600" algn="l"/>
+                  <a:tab pos="4114800" algn="l"/>
+                  <a:tab pos="4572000" algn="l"/>
+                  <a:tab pos="5029200" algn="l"/>
+                  <a:tab pos="5486400" algn="l"/>
+                  <a:tab pos="5943600" algn="l"/>
+                  <a:tab pos="6400800" algn="l"/>
+                  <a:tab pos="6858000" algn="l"/>
+                  <a:tab pos="7315200" algn="l"/>
+                  <a:tab pos="7772400" algn="l"/>
+                  <a:tab pos="8229600" algn="l"/>
+                  <a:tab pos="8686800" algn="l"/>
+                  <a:tab pos="9144000" algn="l"/>
+                </a:tabLst>
+                <a:defRPr sz="2400">
+                  <a:solidFill>
+                    <a:schemeClr val="tx1"/>
+                  </a:solidFill>
+                  <a:latin typeface="Arial Narrow" pitchFamily="34" charset="0"/>
+                  <a:ea typeface="ヒラギノ角ゴ Pro W3" charset="-128"/>
+                </a:defRPr>
+              </a:lvl9pPr>
+            </a:lstStyle>
+            <a:p>
+              <a:pPr eaLnBrk="1" hangingPunct="1">
+                <a:lnSpc>
+                  <a:spcPct val="100000"/>
+                </a:lnSpc>
+                <a:buClr>
+                  <a:srgbClr val="000000"/>
+                </a:buClr>
+                <a:buFont typeface="Times New Roman" pitchFamily="18" charset="0"/>
+                <a:buNone/>
+              </a:pPr>
+              <a:r>
+                <a:rPr lang="en-US" altLang="ko-KR" sz="1400" dirty="0" err="1">
+                  <a:solidFill>
+                    <a:srgbClr val="C50006"/>
+                  </a:solidFill>
+                  <a:latin typeface="Courier New" panose="02070309020205020404" pitchFamily="49" charset="0"/>
+                  <a:ea typeface="Gulim" pitchFamily="34" charset="-127"/>
+                  <a:cs typeface="Courier New" panose="02070309020205020404" pitchFamily="49" charset="0"/>
+                </a:rPr>
+                <a:t>qoi</a:t>
+              </a:r>
+              <a:r>
+                <a:rPr lang="en-US" altLang="ko-KR" sz="1400" dirty="0">
+                  <a:solidFill>
+                    <a:srgbClr val="C50006"/>
+                  </a:solidFill>
+                  <a:latin typeface="+mn-lt"/>
+                  <a:ea typeface="Gulim" pitchFamily="34" charset="-127"/>
+                  <a:cs typeface="Arial Unicode MS" pitchFamily="34" charset="-128"/>
+                </a:rPr>
+                <a:t> Module</a:t>
+              </a:r>
+            </a:p>
+          </p:txBody>
+        </p:sp>
+        <p:sp>
+          <p:nvSpPr>
+            <p:cNvPr id="55" name="Text Box 12"/>
+            <p:cNvSpPr txBox="1">
+              <a:spLocks noChangeArrowheads="1"/>
+            </p:cNvSpPr>
+            <p:nvPr/>
+          </p:nvSpPr>
+          <p:spPr bwMode="auto">
+            <a:xfrm>
+              <a:off x="4762617" y="3197432"/>
+              <a:ext cx="2604608" cy="835551"/>
+            </a:xfrm>
+            <a:prstGeom prst="rect">
+              <a:avLst/>
+            </a:prstGeom>
+            <a:solidFill>
+              <a:schemeClr val="bg1">
+                <a:lumMod val="85000"/>
+              </a:schemeClr>
+            </a:solidFill>
+            <a:ln w="9360">
+              <a:solidFill>
+                <a:schemeClr val="tx1"/>
+              </a:solidFill>
+              <a:prstDash val="dashDot"/>
+              <a:miter lim="800000"/>
+              <a:headEnd/>
+              <a:tailEnd/>
+            </a:ln>
+          </p:spPr>
+          <p:txBody>
+            <a:bodyPr wrap="square" lIns="90000" tIns="46800" rIns="90000" bIns="46800" anchor="ctr">
+              <a:noAutofit/>
+            </a:bodyPr>
+            <a:lstStyle>
+              <a:lvl1pPr defTabSz="457200">
+                <a:buChar char="•"/>
+                <a:tabLst>
+                  <a:tab pos="0" algn="l"/>
+                  <a:tab pos="457200" algn="l"/>
+                  <a:tab pos="914400" algn="l"/>
+                  <a:tab pos="1371600" algn="l"/>
+                  <a:tab pos="1828800" algn="l"/>
+                  <a:tab pos="2286000" algn="l"/>
+                  <a:tab pos="2743200" algn="l"/>
+                  <a:tab pos="3200400" algn="l"/>
+                  <a:tab pos="3657600" algn="l"/>
+                  <a:tab pos="4114800" algn="l"/>
+                  <a:tab pos="4572000" algn="l"/>
+                  <a:tab pos="5029200" algn="l"/>
+                  <a:tab pos="5486400" algn="l"/>
+                  <a:tab pos="5943600" algn="l"/>
+                  <a:tab pos="6400800" algn="l"/>
+                  <a:tab pos="6858000" algn="l"/>
+                  <a:tab pos="7315200" algn="l"/>
+                  <a:tab pos="7772400" algn="l"/>
+                  <a:tab pos="8229600" algn="l"/>
+                  <a:tab pos="8686800" algn="l"/>
+                  <a:tab pos="9144000" algn="l"/>
+                </a:tabLst>
+                <a:defRPr sz="2400">
+                  <a:solidFill>
+                    <a:schemeClr val="tx1"/>
+                  </a:solidFill>
+                  <a:latin typeface="Arial Narrow" pitchFamily="34" charset="0"/>
+                  <a:ea typeface="ヒラギノ角ゴ Pro W3" charset="-128"/>
+                </a:defRPr>
+              </a:lvl1pPr>
+              <a:lvl2pPr marL="742950" indent="-285750" defTabSz="457200">
+                <a:buClr>
+                  <a:schemeClr val="tx1"/>
+                </a:buClr>
+                <a:buSzPct val="120000"/>
+                <a:buChar char="•"/>
+                <a:tabLst>
+                  <a:tab pos="0" algn="l"/>
+                  <a:tab pos="457200" algn="l"/>
+                  <a:tab pos="914400" algn="l"/>
+                  <a:tab pos="1371600" algn="l"/>
+                  <a:tab pos="1828800" algn="l"/>
+                  <a:tab pos="2286000" algn="l"/>
+                  <a:tab pos="2743200" algn="l"/>
+                  <a:tab pos="3200400" algn="l"/>
+                  <a:tab pos="3657600" algn="l"/>
+                  <a:tab pos="4114800" algn="l"/>
+                  <a:tab pos="4572000" algn="l"/>
+                  <a:tab pos="5029200" algn="l"/>
+                  <a:tab pos="5486400" algn="l"/>
+                  <a:tab pos="5943600" algn="l"/>
+                  <a:tab pos="6400800" algn="l"/>
+                  <a:tab pos="6858000" algn="l"/>
+                  <a:tab pos="7315200" algn="l"/>
+                  <a:tab pos="7772400" algn="l"/>
+                  <a:tab pos="8229600" algn="l"/>
+                  <a:tab pos="8686800" algn="l"/>
+                  <a:tab pos="9144000" algn="l"/>
+                </a:tabLst>
+                <a:defRPr sz="2400">
+                  <a:solidFill>
+                    <a:schemeClr val="tx1"/>
+                  </a:solidFill>
+                  <a:latin typeface="Arial Narrow" pitchFamily="34" charset="0"/>
+                  <a:ea typeface="ヒラギノ角ゴ Pro W3" charset="-128"/>
+                </a:defRPr>
+              </a:lvl2pPr>
+              <a:lvl3pPr marL="1143000" indent="-228600" defTabSz="457200">
+                <a:buFont typeface="Times" pitchFamily="18" charset="0"/>
+                <a:buChar char="–"/>
+                <a:tabLst>
+                  <a:tab pos="0" algn="l"/>
+                  <a:tab pos="457200" algn="l"/>
+                  <a:tab pos="914400" algn="l"/>
+                  <a:tab pos="1371600" algn="l"/>
+                  <a:tab pos="1828800" algn="l"/>
+                  <a:tab pos="2286000" algn="l"/>
+                  <a:tab pos="2743200" algn="l"/>
+                  <a:tab pos="3200400" algn="l"/>
+                  <a:tab pos="3657600" algn="l"/>
+                  <a:tab pos="4114800" algn="l"/>
+                  <a:tab pos="4572000" algn="l"/>
+                  <a:tab pos="5029200" algn="l"/>
+                  <a:tab pos="5486400" algn="l"/>
+                  <a:tab pos="5943600" algn="l"/>
+                  <a:tab pos="6400800" algn="l"/>
+                  <a:tab pos="6858000" algn="l"/>
+                  <a:tab pos="7315200" algn="l"/>
+                  <a:tab pos="7772400" algn="l"/>
+                  <a:tab pos="8229600" algn="l"/>
+                  <a:tab pos="8686800" algn="l"/>
+                  <a:tab pos="9144000" algn="l"/>
+                </a:tabLst>
+                <a:defRPr sz="1700">
+                  <a:solidFill>
+                    <a:schemeClr val="tx1"/>
+                  </a:solidFill>
+                  <a:latin typeface="Arial Narrow" pitchFamily="34" charset="0"/>
+                  <a:ea typeface="MS PGothic" pitchFamily="34" charset="-128"/>
+                </a:defRPr>
+              </a:lvl3pPr>
+              <a:lvl4pPr marL="1600200" indent="-228600" defTabSz="457200">
+                <a:buFont typeface="Lucida Grande" charset="0"/>
+                <a:buChar char="–"/>
+                <a:tabLst>
+                  <a:tab pos="0" algn="l"/>
+                  <a:tab pos="457200" algn="l"/>
+                  <a:tab pos="914400" algn="l"/>
+                  <a:tab pos="1371600" algn="l"/>
+                  <a:tab pos="1828800" algn="l"/>
+                  <a:tab pos="2286000" algn="l"/>
+                  <a:tab pos="2743200" algn="l"/>
+                  <a:tab pos="3200400" algn="l"/>
+                  <a:tab pos="3657600" algn="l"/>
+                  <a:tab pos="4114800" algn="l"/>
+                  <a:tab pos="4572000" algn="l"/>
+                  <a:tab pos="5029200" algn="l"/>
+                  <a:tab pos="5486400" algn="l"/>
+                  <a:tab pos="5943600" algn="l"/>
+                  <a:tab pos="6400800" algn="l"/>
+                  <a:tab pos="6858000" algn="l"/>
+                  <a:tab pos="7315200" algn="l"/>
+                  <a:tab pos="7772400" algn="l"/>
+                  <a:tab pos="8229600" algn="l"/>
+                  <a:tab pos="8686800" algn="l"/>
+                  <a:tab pos="9144000" algn="l"/>
+                </a:tabLst>
+                <a:defRPr sz="2400">
+                  <a:solidFill>
+                    <a:schemeClr val="tx1"/>
+                  </a:solidFill>
+                  <a:latin typeface="Arial Narrow" pitchFamily="34" charset="0"/>
+                  <a:ea typeface="MS PGothic" pitchFamily="34" charset="-128"/>
+                </a:defRPr>
+              </a:lvl4pPr>
+              <a:lvl5pPr marL="2057400" indent="-228600" defTabSz="457200">
+                <a:buFont typeface="Lucida Grande" charset="0"/>
+                <a:buChar char="–"/>
+                <a:tabLst>
+                  <a:tab pos="0" algn="l"/>
+                  <a:tab pos="457200" algn="l"/>
+                  <a:tab pos="914400" algn="l"/>
+                  <a:tab pos="1371600" algn="l"/>
+                  <a:tab pos="1828800" algn="l"/>
+                  <a:tab pos="2286000" algn="l"/>
+                  <a:tab pos="2743200" algn="l"/>
+                  <a:tab pos="3200400" algn="l"/>
+                  <a:tab pos="3657600" algn="l"/>
+                  <a:tab pos="4114800" algn="l"/>
+                  <a:tab pos="4572000" algn="l"/>
+                  <a:tab pos="5029200" algn="l"/>
+                  <a:tab pos="5486400" algn="l"/>
+                  <a:tab pos="5943600" algn="l"/>
+                  <a:tab pos="6400800" algn="l"/>
+                  <a:tab pos="6858000" algn="l"/>
+                  <a:tab pos="7315200" algn="l"/>
+                  <a:tab pos="7772400" algn="l"/>
+                  <a:tab pos="8229600" algn="l"/>
+                  <a:tab pos="8686800" algn="l"/>
+                  <a:tab pos="9144000" algn="l"/>
+                </a:tabLst>
+                <a:defRPr sz="2400">
+                  <a:solidFill>
+                    <a:schemeClr val="tx1"/>
+                  </a:solidFill>
+                  <a:latin typeface="Arial Narrow" pitchFamily="34" charset="0"/>
+                  <a:ea typeface="ヒラギノ角ゴ Pro W3" charset="-128"/>
+                </a:defRPr>
+              </a:lvl5pPr>
+              <a:lvl6pPr marL="2514600" indent="-228600" defTabSz="457200" eaLnBrk="0" fontAlgn="base" hangingPunct="0">
+                <a:lnSpc>
+                  <a:spcPct val="110000"/>
+                </a:lnSpc>
+                <a:spcBef>
+                  <a:spcPct val="0"/>
+                </a:spcBef>
+                <a:spcAft>
+                  <a:spcPct val="0"/>
+                </a:spcAft>
+                <a:buFont typeface="Lucida Grande" charset="0"/>
+                <a:buChar char="–"/>
+                <a:tabLst>
+                  <a:tab pos="0" algn="l"/>
+                  <a:tab pos="457200" algn="l"/>
+                  <a:tab pos="914400" algn="l"/>
+                  <a:tab pos="1371600" algn="l"/>
+                  <a:tab pos="1828800" algn="l"/>
+                  <a:tab pos="2286000" algn="l"/>
+                  <a:tab pos="2743200" algn="l"/>
+                  <a:tab pos="3200400" algn="l"/>
+                  <a:tab pos="3657600" algn="l"/>
+                  <a:tab pos="4114800" algn="l"/>
+                  <a:tab pos="4572000" algn="l"/>
+                  <a:tab pos="5029200" algn="l"/>
+                  <a:tab pos="5486400" algn="l"/>
+                  <a:tab pos="5943600" algn="l"/>
+                  <a:tab pos="6400800" algn="l"/>
+                  <a:tab pos="6858000" algn="l"/>
+                  <a:tab pos="7315200" algn="l"/>
+                  <a:tab pos="7772400" algn="l"/>
+                  <a:tab pos="8229600" algn="l"/>
+                  <a:tab pos="8686800" algn="l"/>
+                  <a:tab pos="9144000" algn="l"/>
+                </a:tabLst>
+                <a:defRPr sz="2400">
+                  <a:solidFill>
+                    <a:schemeClr val="tx1"/>
+                  </a:solidFill>
+                  <a:latin typeface="Arial Narrow" pitchFamily="34" charset="0"/>
+                  <a:ea typeface="ヒラギノ角ゴ Pro W3" charset="-128"/>
+                </a:defRPr>
+              </a:lvl6pPr>
+              <a:lvl7pPr marL="2971800" indent="-228600" defTabSz="457200" eaLnBrk="0" fontAlgn="base" hangingPunct="0">
+                <a:lnSpc>
+                  <a:spcPct val="110000"/>
+                </a:lnSpc>
+                <a:spcBef>
+                  <a:spcPct val="0"/>
+                </a:spcBef>
+                <a:spcAft>
+                  <a:spcPct val="0"/>
+                </a:spcAft>
+                <a:buFont typeface="Lucida Grande" charset="0"/>
+                <a:buChar char="–"/>
+                <a:tabLst>
+                  <a:tab pos="0" algn="l"/>
+                  <a:tab pos="457200" algn="l"/>
+                  <a:tab pos="914400" algn="l"/>
+                  <a:tab pos="1371600" algn="l"/>
+                  <a:tab pos="1828800" algn="l"/>
+                  <a:tab pos="2286000" algn="l"/>
+                  <a:tab pos="2743200" algn="l"/>
+                  <a:tab pos="3200400" algn="l"/>
+                  <a:tab pos="3657600" algn="l"/>
+                  <a:tab pos="4114800" algn="l"/>
+                  <a:tab pos="4572000" algn="l"/>
+                  <a:tab pos="5029200" algn="l"/>
+                  <a:tab pos="5486400" algn="l"/>
+                  <a:tab pos="5943600" algn="l"/>
+                  <a:tab pos="6400800" algn="l"/>
+                  <a:tab pos="6858000" algn="l"/>
+                  <a:tab pos="7315200" algn="l"/>
+                  <a:tab pos="7772400" algn="l"/>
+                  <a:tab pos="8229600" algn="l"/>
+                  <a:tab pos="8686800" algn="l"/>
+                  <a:tab pos="9144000" algn="l"/>
+                </a:tabLst>
+                <a:defRPr sz="2400">
+                  <a:solidFill>
+                    <a:schemeClr val="tx1"/>
+                  </a:solidFill>
+                  <a:latin typeface="Arial Narrow" pitchFamily="34" charset="0"/>
+                  <a:ea typeface="ヒラギノ角ゴ Pro W3" charset="-128"/>
+                </a:defRPr>
+              </a:lvl7pPr>
+              <a:lvl8pPr marL="3429000" indent="-228600" defTabSz="457200" eaLnBrk="0" fontAlgn="base" hangingPunct="0">
+                <a:lnSpc>
+                  <a:spcPct val="110000"/>
+                </a:lnSpc>
+                <a:spcBef>
+                  <a:spcPct val="0"/>
+                </a:spcBef>
+                <a:spcAft>
+                  <a:spcPct val="0"/>
+                </a:spcAft>
+                <a:buFont typeface="Lucida Grande" charset="0"/>
+                <a:buChar char="–"/>
+                <a:tabLst>
+                  <a:tab pos="0" algn="l"/>
+                  <a:tab pos="457200" algn="l"/>
+                  <a:tab pos="914400" algn="l"/>
+                  <a:tab pos="1371600" algn="l"/>
+                  <a:tab pos="1828800" algn="l"/>
+                  <a:tab pos="2286000" algn="l"/>
+                  <a:tab pos="2743200" algn="l"/>
+                  <a:tab pos="3200400" algn="l"/>
+                  <a:tab pos="3657600" algn="l"/>
+                  <a:tab pos="4114800" algn="l"/>
+                  <a:tab pos="4572000" algn="l"/>
+                  <a:tab pos="5029200" algn="l"/>
+                  <a:tab pos="5486400" algn="l"/>
+                  <a:tab pos="5943600" algn="l"/>
+                  <a:tab pos="6400800" algn="l"/>
+                  <a:tab pos="6858000" algn="l"/>
+                  <a:tab pos="7315200" algn="l"/>
+                  <a:tab pos="7772400" algn="l"/>
+                  <a:tab pos="8229600" algn="l"/>
+                  <a:tab pos="8686800" algn="l"/>
+                  <a:tab pos="9144000" algn="l"/>
+                </a:tabLst>
+                <a:defRPr sz="2400">
+                  <a:solidFill>
+                    <a:schemeClr val="tx1"/>
+                  </a:solidFill>
+                  <a:latin typeface="Arial Narrow" pitchFamily="34" charset="0"/>
+                  <a:ea typeface="ヒラギノ角ゴ Pro W3" charset="-128"/>
+                </a:defRPr>
+              </a:lvl8pPr>
+              <a:lvl9pPr marL="3886200" indent="-228600" defTabSz="457200" eaLnBrk="0" fontAlgn="base" hangingPunct="0">
+                <a:lnSpc>
+                  <a:spcPct val="110000"/>
+                </a:lnSpc>
+                <a:spcBef>
+                  <a:spcPct val="0"/>
+                </a:spcBef>
+                <a:spcAft>
+                  <a:spcPct val="0"/>
+                </a:spcAft>
+                <a:buFont typeface="Lucida Grande" charset="0"/>
+                <a:buChar char="–"/>
+                <a:tabLst>
+                  <a:tab pos="0" algn="l"/>
+                  <a:tab pos="457200" algn="l"/>
+                  <a:tab pos="914400" algn="l"/>
+                  <a:tab pos="1371600" algn="l"/>
+                  <a:tab pos="1828800" algn="l"/>
+                  <a:tab pos="2286000" algn="l"/>
+                  <a:tab pos="2743200" algn="l"/>
+                  <a:tab pos="3200400" algn="l"/>
+                  <a:tab pos="3657600" algn="l"/>
+                  <a:tab pos="4114800" algn="l"/>
+                  <a:tab pos="4572000" algn="l"/>
+                  <a:tab pos="5029200" algn="l"/>
+                  <a:tab pos="5486400" algn="l"/>
+                  <a:tab pos="5943600" algn="l"/>
+                  <a:tab pos="6400800" algn="l"/>
+                  <a:tab pos="6858000" algn="l"/>
+                  <a:tab pos="7315200" algn="l"/>
+                  <a:tab pos="7772400" algn="l"/>
+                  <a:tab pos="8229600" algn="l"/>
+                  <a:tab pos="8686800" algn="l"/>
+                  <a:tab pos="9144000" algn="l"/>
+                </a:tabLst>
+                <a:defRPr sz="2400">
+                  <a:solidFill>
+                    <a:schemeClr val="tx1"/>
+                  </a:solidFill>
+                  <a:latin typeface="Arial Narrow" pitchFamily="34" charset="0"/>
+                  <a:ea typeface="ヒラギノ角ゴ Pro W3" charset="-128"/>
+                </a:defRPr>
+              </a:lvl9pPr>
+            </a:lstStyle>
+            <a:p>
+              <a:pPr marL="85725" indent="-85725" eaLnBrk="1" hangingPunct="1">
+                <a:spcBef>
+                  <a:spcPts val="0"/>
+                </a:spcBef>
+                <a:buClr>
+                  <a:srgbClr val="000000"/>
+                </a:buClr>
+              </a:pPr>
+              <a:r>
+                <a:rPr lang="en-US" altLang="ko-KR" sz="1000" dirty="0">
+                  <a:solidFill>
+                    <a:srgbClr val="003B6E"/>
+                  </a:solidFill>
+                  <a:latin typeface="+mn-lt"/>
+                  <a:ea typeface="Gulim" pitchFamily="34" charset="-127"/>
+                  <a:cs typeface="Arial Unicode MS" pitchFamily="34" charset="-128"/>
+                </a:rPr>
+                <a:t>Extract features from the raw output</a:t>
+              </a:r>
+            </a:p>
+            <a:p>
+              <a:pPr marL="85725" indent="-85725" eaLnBrk="1" hangingPunct="1">
+                <a:spcBef>
+                  <a:spcPts val="0"/>
+                </a:spcBef>
+                <a:buClr>
+                  <a:srgbClr val="000000"/>
+                </a:buClr>
+              </a:pPr>
+              <a:r>
+                <a:rPr lang="en-US" altLang="ko-KR" sz="1000" dirty="0">
+                  <a:solidFill>
+                    <a:srgbClr val="003B6E"/>
+                  </a:solidFill>
+                  <a:latin typeface="+mn-lt"/>
+                  <a:ea typeface="Gulim" pitchFamily="34" charset="-127"/>
+                  <a:cs typeface="Arial Unicode MS" pitchFamily="34" charset="-128"/>
+                </a:rPr>
+                <a:t>Max., min., </a:t>
+              </a:r>
+              <a:r>
+                <a:rPr lang="en-US" altLang="ko-KR" sz="1000" dirty="0" err="1">
+                  <a:solidFill>
+                    <a:srgbClr val="003B6E"/>
+                  </a:solidFill>
+                  <a:latin typeface="+mn-lt"/>
+                  <a:ea typeface="Gulim" pitchFamily="34" charset="-127"/>
+                  <a:cs typeface="Arial Unicode MS" pitchFamily="34" charset="-128"/>
+                </a:rPr>
+                <a:t>ave</a:t>
+              </a:r>
+              <a:r>
+                <a:rPr lang="en-US" altLang="ko-KR" sz="1000" dirty="0">
+                  <a:solidFill>
+                    <a:srgbClr val="003B6E"/>
+                  </a:solidFill>
+                  <a:latin typeface="+mn-lt"/>
+                  <a:ea typeface="Gulim" pitchFamily="34" charset="-127"/>
+                  <a:cs typeface="Arial Unicode MS" pitchFamily="34" charset="-128"/>
+                </a:rPr>
+                <a:t>, etc.</a:t>
+              </a:r>
+            </a:p>
+          </p:txBody>
+        </p:sp>
+      </p:grpSp>
+      <p:sp>
+        <p:nvSpPr>
+          <p:cNvPr id="56" name="Striped Right Arrow 55"/>
+          <p:cNvSpPr/>
+          <p:nvPr/>
+        </p:nvSpPr>
+        <p:spPr bwMode="auto">
+          <a:xfrm rot="10800000">
+            <a:off x="4643697" y="3033879"/>
+            <a:ext cx="288343" cy="292966"/>
+          </a:xfrm>
+          <a:prstGeom prst="stripedRightArrow">
+            <a:avLst>
+              <a:gd name="adj1" fmla="val 50000"/>
+              <a:gd name="adj2" fmla="val 51196"/>
+            </a:avLst>
+          </a:prstGeom>
+          <a:solidFill>
+            <a:srgbClr val="C50006"/>
+          </a:solidFill>
+          <a:ln w="9525" cap="flat" cmpd="sng" algn="ctr">
+            <a:noFill/>
+            <a:prstDash val="solid"/>
+            <a:round/>
+            <a:headEnd type="none" w="med" len="med"/>
+            <a:tailEnd type="none" w="med" len="med"/>
+          </a:ln>
+          <a:effectLst/>
+        </p:spPr>
+        <p:txBody>
+          <a:bodyPr vert="horz" wrap="square" lIns="91440" tIns="45720" rIns="91440" bIns="45720" numCol="1" rtlCol="0" anchor="t" anchorCtr="0" compatLnSpc="1">
+            <a:prstTxWarp prst="textNoShape">
+              <a:avLst/>
+            </a:prstTxWarp>
+          </a:bodyPr>
+          <a:lstStyle/>
+          <a:p>
+            <a:pPr marL="0" marR="0" indent="0" algn="l" defTabSz="914400" rtl="0" eaLnBrk="0" fontAlgn="base" latinLnBrk="0" hangingPunct="0">
+              <a:lnSpc>
+                <a:spcPct val="100000"/>
+              </a:lnSpc>
+              <a:spcBef>
+                <a:spcPct val="0"/>
+              </a:spcBef>
+              <a:spcAft>
+                <a:spcPct val="0"/>
+              </a:spcAft>
+              <a:buClrTx/>
+              <a:buSzTx/>
+              <a:buFontTx/>
+              <a:buNone/>
+              <a:tabLst/>
+            </a:pPr>
+            <a:endParaRPr kumimoji="0" lang="en-US" sz="2400" b="0" i="0" u="none" strike="noStrike" cap="none" normalizeH="0" baseline="0">
+              <a:ln>
+                <a:noFill/>
+              </a:ln>
+              <a:solidFill>
+                <a:schemeClr val="tx1"/>
+              </a:solidFill>
+              <a:effectLst/>
+              <a:latin typeface="Times" charset="0"/>
+            </a:endParaRPr>
+          </a:p>
+        </p:txBody>
+      </p:sp>
+      <p:sp>
+        <p:nvSpPr>
+          <p:cNvPr id="57" name="Text Box 12"/>
+          <p:cNvSpPr txBox="1">
+            <a:spLocks noChangeArrowheads="1"/>
+          </p:cNvSpPr>
+          <p:nvPr/>
+        </p:nvSpPr>
+        <p:spPr bwMode="auto">
+          <a:xfrm>
+            <a:off x="3148961" y="4868840"/>
+            <a:ext cx="3152948" cy="323690"/>
+          </a:xfrm>
+          <a:prstGeom prst="rect">
+            <a:avLst/>
+          </a:prstGeom>
+          <a:solidFill>
+            <a:srgbClr val="FFF5D6"/>
+          </a:solidFill>
+          <a:ln w="9360">
+            <a:noFill/>
+            <a:miter lim="800000"/>
+            <a:headEnd/>
+            <a:tailEnd/>
+          </a:ln>
+        </p:spPr>
+        <p:txBody>
+          <a:bodyPr wrap="square" lIns="90000" tIns="46800" rIns="90000" bIns="46800" anchor="ctr">
+            <a:noAutofit/>
+          </a:bodyPr>
+          <a:lstStyle>
+            <a:lvl1pPr defTabSz="457200">
+              <a:buChar char="•"/>
+              <a:tabLst>
+                <a:tab pos="0" algn="l"/>
+                <a:tab pos="457200" algn="l"/>
+                <a:tab pos="914400" algn="l"/>
+                <a:tab pos="1371600" algn="l"/>
+                <a:tab pos="1828800" algn="l"/>
+                <a:tab pos="2286000" algn="l"/>
+                <a:tab pos="2743200" algn="l"/>
+                <a:tab pos="3200400" algn="l"/>
+                <a:tab pos="3657600" algn="l"/>
+                <a:tab pos="4114800" algn="l"/>
+                <a:tab pos="4572000" algn="l"/>
+                <a:tab pos="5029200" algn="l"/>
+                <a:tab pos="5486400" algn="l"/>
+                <a:tab pos="5943600" algn="l"/>
+                <a:tab pos="6400800" algn="l"/>
+                <a:tab pos="6858000" algn="l"/>
+                <a:tab pos="7315200" algn="l"/>
+                <a:tab pos="7772400" algn="l"/>
+                <a:tab pos="8229600" algn="l"/>
+                <a:tab pos="8686800" algn="l"/>
+                <a:tab pos="9144000" algn="l"/>
+              </a:tabLst>
+              <a:defRPr sz="2400">
+                <a:solidFill>
+                  <a:schemeClr val="tx1"/>
+                </a:solidFill>
+                <a:latin typeface="Arial Narrow" pitchFamily="34" charset="0"/>
+                <a:ea typeface="ヒラギノ角ゴ Pro W3" charset="-128"/>
+              </a:defRPr>
+            </a:lvl1pPr>
+            <a:lvl2pPr marL="742950" indent="-285750" defTabSz="457200">
+              <a:buClr>
+                <a:schemeClr val="tx1"/>
+              </a:buClr>
+              <a:buSzPct val="120000"/>
+              <a:buChar char="•"/>
+              <a:tabLst>
+                <a:tab pos="0" algn="l"/>
+                <a:tab pos="457200" algn="l"/>
+                <a:tab pos="914400" algn="l"/>
+                <a:tab pos="1371600" algn="l"/>
+                <a:tab pos="1828800" algn="l"/>
+                <a:tab pos="2286000" algn="l"/>
+                <a:tab pos="2743200" algn="l"/>
+                <a:tab pos="3200400" algn="l"/>
+                <a:tab pos="3657600" algn="l"/>
+                <a:tab pos="4114800" algn="l"/>
+                <a:tab pos="4572000" algn="l"/>
+                <a:tab pos="5029200" algn="l"/>
+                <a:tab pos="5486400" algn="l"/>
+                <a:tab pos="5943600" algn="l"/>
+                <a:tab pos="6400800" algn="l"/>
+                <a:tab pos="6858000" algn="l"/>
+                <a:tab pos="7315200" algn="l"/>
+                <a:tab pos="7772400" algn="l"/>
+                <a:tab pos="8229600" algn="l"/>
+                <a:tab pos="8686800" algn="l"/>
+                <a:tab pos="9144000" algn="l"/>
+              </a:tabLst>
+              <a:defRPr sz="2400">
+                <a:solidFill>
+                  <a:schemeClr val="tx1"/>
+                </a:solidFill>
+                <a:latin typeface="Arial Narrow" pitchFamily="34" charset="0"/>
+                <a:ea typeface="ヒラギノ角ゴ Pro W3" charset="-128"/>
+              </a:defRPr>
+            </a:lvl2pPr>
+            <a:lvl3pPr marL="1143000" indent="-228600" defTabSz="457200">
+              <a:buFont typeface="Times" pitchFamily="18" charset="0"/>
+              <a:buChar char="–"/>
+              <a:tabLst>
+                <a:tab pos="0" algn="l"/>
+                <a:tab pos="457200" algn="l"/>
+                <a:tab pos="914400" algn="l"/>
+                <a:tab pos="1371600" algn="l"/>
+                <a:tab pos="1828800" algn="l"/>
+                <a:tab pos="2286000" algn="l"/>
+                <a:tab pos="2743200" algn="l"/>
+                <a:tab pos="3200400" algn="l"/>
+                <a:tab pos="3657600" algn="l"/>
+                <a:tab pos="4114800" algn="l"/>
+                <a:tab pos="4572000" algn="l"/>
+                <a:tab pos="5029200" algn="l"/>
+                <a:tab pos="5486400" algn="l"/>
+                <a:tab pos="5943600" algn="l"/>
+                <a:tab pos="6400800" algn="l"/>
+                <a:tab pos="6858000" algn="l"/>
+                <a:tab pos="7315200" algn="l"/>
+                <a:tab pos="7772400" algn="l"/>
+                <a:tab pos="8229600" algn="l"/>
+                <a:tab pos="8686800" algn="l"/>
+                <a:tab pos="9144000" algn="l"/>
+              </a:tabLst>
+              <a:defRPr sz="1700">
+                <a:solidFill>
+                  <a:schemeClr val="tx1"/>
+                </a:solidFill>
+                <a:latin typeface="Arial Narrow" pitchFamily="34" charset="0"/>
+                <a:ea typeface="MS PGothic" pitchFamily="34" charset="-128"/>
+              </a:defRPr>
+            </a:lvl3pPr>
+            <a:lvl4pPr marL="1600200" indent="-228600" defTabSz="457200">
+              <a:buFont typeface="Lucida Grande" charset="0"/>
+              <a:buChar char="–"/>
+              <a:tabLst>
+                <a:tab pos="0" algn="l"/>
+                <a:tab pos="457200" algn="l"/>
+                <a:tab pos="914400" algn="l"/>
+                <a:tab pos="1371600" algn="l"/>
+                <a:tab pos="1828800" algn="l"/>
+                <a:tab pos="2286000" algn="l"/>
+                <a:tab pos="2743200" algn="l"/>
+                <a:tab pos="3200400" algn="l"/>
+                <a:tab pos="3657600" algn="l"/>
+                <a:tab pos="4114800" algn="l"/>
+                <a:tab pos="4572000" algn="l"/>
+                <a:tab pos="5029200" algn="l"/>
+                <a:tab pos="5486400" algn="l"/>
+                <a:tab pos="5943600" algn="l"/>
+                <a:tab pos="6400800" algn="l"/>
+                <a:tab pos="6858000" algn="l"/>
+                <a:tab pos="7315200" algn="l"/>
+                <a:tab pos="7772400" algn="l"/>
+                <a:tab pos="8229600" algn="l"/>
+                <a:tab pos="8686800" algn="l"/>
+                <a:tab pos="9144000" algn="l"/>
+              </a:tabLst>
+              <a:defRPr sz="2400">
+                <a:solidFill>
+                  <a:schemeClr val="tx1"/>
+                </a:solidFill>
+                <a:latin typeface="Arial Narrow" pitchFamily="34" charset="0"/>
+                <a:ea typeface="MS PGothic" pitchFamily="34" charset="-128"/>
+              </a:defRPr>
+            </a:lvl4pPr>
+            <a:lvl5pPr marL="2057400" indent="-228600" defTabSz="457200">
+              <a:buFont typeface="Lucida Grande" charset="0"/>
+              <a:buChar char="–"/>
+              <a:tabLst>
+                <a:tab pos="0" algn="l"/>
+                <a:tab pos="457200" algn="l"/>
+                <a:tab pos="914400" algn="l"/>
+                <a:tab pos="1371600" algn="l"/>
+                <a:tab pos="1828800" algn="l"/>
+                <a:tab pos="2286000" algn="l"/>
+                <a:tab pos="2743200" algn="l"/>
+                <a:tab pos="3200400" algn="l"/>
+                <a:tab pos="3657600" algn="l"/>
+                <a:tab pos="4114800" algn="l"/>
+                <a:tab pos="4572000" algn="l"/>
+                <a:tab pos="5029200" algn="l"/>
+                <a:tab pos="5486400" algn="l"/>
+                <a:tab pos="5943600" algn="l"/>
+                <a:tab pos="6400800" algn="l"/>
+                <a:tab pos="6858000" algn="l"/>
+                <a:tab pos="7315200" algn="l"/>
+                <a:tab pos="7772400" algn="l"/>
+                <a:tab pos="8229600" algn="l"/>
+                <a:tab pos="8686800" algn="l"/>
+                <a:tab pos="9144000" algn="l"/>
+              </a:tabLst>
+              <a:defRPr sz="2400">
+                <a:solidFill>
+                  <a:schemeClr val="tx1"/>
+                </a:solidFill>
+                <a:latin typeface="Arial Narrow" pitchFamily="34" charset="0"/>
+                <a:ea typeface="ヒラギノ角ゴ Pro W3" charset="-128"/>
+              </a:defRPr>
+            </a:lvl5pPr>
+            <a:lvl6pPr marL="2514600" indent="-228600" defTabSz="457200" eaLnBrk="0" fontAlgn="base" hangingPunct="0">
+              <a:lnSpc>
+                <a:spcPct val="110000"/>
+              </a:lnSpc>
+              <a:spcBef>
+                <a:spcPct val="0"/>
+              </a:spcBef>
+              <a:spcAft>
+                <a:spcPct val="0"/>
+              </a:spcAft>
+              <a:buFont typeface="Lucida Grande" charset="0"/>
+              <a:buChar char="–"/>
+              <a:tabLst>
+                <a:tab pos="0" algn="l"/>
+                <a:tab pos="457200" algn="l"/>
+                <a:tab pos="914400" algn="l"/>
+                <a:tab pos="1371600" algn="l"/>
+                <a:tab pos="1828800" algn="l"/>
+                <a:tab pos="2286000" algn="l"/>
+                <a:tab pos="2743200" algn="l"/>
+                <a:tab pos="3200400" algn="l"/>
+                <a:tab pos="3657600" algn="l"/>
+                <a:tab pos="4114800" algn="l"/>
+                <a:tab pos="4572000" algn="l"/>
+                <a:tab pos="5029200" algn="l"/>
+                <a:tab pos="5486400" algn="l"/>
+                <a:tab pos="5943600" algn="l"/>
+                <a:tab pos="6400800" algn="l"/>
+                <a:tab pos="6858000" algn="l"/>
+                <a:tab pos="7315200" algn="l"/>
+                <a:tab pos="7772400" algn="l"/>
+                <a:tab pos="8229600" algn="l"/>
+                <a:tab pos="8686800" algn="l"/>
+                <a:tab pos="9144000" algn="l"/>
+              </a:tabLst>
+              <a:defRPr sz="2400">
+                <a:solidFill>
+                  <a:schemeClr val="tx1"/>
+                </a:solidFill>
+                <a:latin typeface="Arial Narrow" pitchFamily="34" charset="0"/>
+                <a:ea typeface="ヒラギノ角ゴ Pro W3" charset="-128"/>
+              </a:defRPr>
+            </a:lvl6pPr>
+            <a:lvl7pPr marL="2971800" indent="-228600" defTabSz="457200" eaLnBrk="0" fontAlgn="base" hangingPunct="0">
+              <a:lnSpc>
+                <a:spcPct val="110000"/>
+              </a:lnSpc>
+              <a:spcBef>
+                <a:spcPct val="0"/>
+              </a:spcBef>
+              <a:spcAft>
+                <a:spcPct val="0"/>
+              </a:spcAft>
+              <a:buFont typeface="Lucida Grande" charset="0"/>
+              <a:buChar char="–"/>
+              <a:tabLst>
+                <a:tab pos="0" algn="l"/>
+                <a:tab pos="457200" algn="l"/>
+                <a:tab pos="914400" algn="l"/>
+                <a:tab pos="1371600" algn="l"/>
+                <a:tab pos="1828800" algn="l"/>
+                <a:tab pos="2286000" algn="l"/>
+                <a:tab pos="2743200" algn="l"/>
+                <a:tab pos="3200400" algn="l"/>
+                <a:tab pos="3657600" algn="l"/>
+                <a:tab pos="4114800" algn="l"/>
+                <a:tab pos="4572000" algn="l"/>
+                <a:tab pos="5029200" algn="l"/>
+                <a:tab pos="5486400" algn="l"/>
+                <a:tab pos="5943600" algn="l"/>
+                <a:tab pos="6400800" algn="l"/>
+                <a:tab pos="6858000" algn="l"/>
+                <a:tab pos="7315200" algn="l"/>
+                <a:tab pos="7772400" algn="l"/>
+                <a:tab pos="8229600" algn="l"/>
+                <a:tab pos="8686800" algn="l"/>
+                <a:tab pos="9144000" algn="l"/>
+              </a:tabLst>
+              <a:defRPr sz="2400">
+                <a:solidFill>
+                  <a:schemeClr val="tx1"/>
+                </a:solidFill>
+                <a:latin typeface="Arial Narrow" pitchFamily="34" charset="0"/>
+                <a:ea typeface="ヒラギノ角ゴ Pro W3" charset="-128"/>
+              </a:defRPr>
+            </a:lvl7pPr>
+            <a:lvl8pPr marL="3429000" indent="-228600" defTabSz="457200" eaLnBrk="0" fontAlgn="base" hangingPunct="0">
+              <a:lnSpc>
+                <a:spcPct val="110000"/>
+              </a:lnSpc>
+              <a:spcBef>
+                <a:spcPct val="0"/>
+              </a:spcBef>
+              <a:spcAft>
+                <a:spcPct val="0"/>
+              </a:spcAft>
+              <a:buFont typeface="Lucida Grande" charset="0"/>
+              <a:buChar char="–"/>
+              <a:tabLst>
+                <a:tab pos="0" algn="l"/>
+                <a:tab pos="457200" algn="l"/>
+                <a:tab pos="914400" algn="l"/>
+                <a:tab pos="1371600" algn="l"/>
+                <a:tab pos="1828800" algn="l"/>
+                <a:tab pos="2286000" algn="l"/>
+                <a:tab pos="2743200" algn="l"/>
+                <a:tab pos="3200400" algn="l"/>
+                <a:tab pos="3657600" algn="l"/>
+                <a:tab pos="4114800" algn="l"/>
+                <a:tab pos="4572000" algn="l"/>
+                <a:tab pos="5029200" algn="l"/>
+                <a:tab pos="5486400" algn="l"/>
+                <a:tab pos="5943600" algn="l"/>
+                <a:tab pos="6400800" algn="l"/>
+                <a:tab pos="6858000" algn="l"/>
+                <a:tab pos="7315200" algn="l"/>
+                <a:tab pos="7772400" algn="l"/>
+                <a:tab pos="8229600" algn="l"/>
+                <a:tab pos="8686800" algn="l"/>
+                <a:tab pos="9144000" algn="l"/>
+              </a:tabLst>
+              <a:defRPr sz="2400">
+                <a:solidFill>
+                  <a:schemeClr val="tx1"/>
+                </a:solidFill>
+                <a:latin typeface="Arial Narrow" pitchFamily="34" charset="0"/>
+                <a:ea typeface="ヒラギノ角ゴ Pro W3" charset="-128"/>
+              </a:defRPr>
+            </a:lvl8pPr>
+            <a:lvl9pPr marL="3886200" indent="-228600" defTabSz="457200" eaLnBrk="0" fontAlgn="base" hangingPunct="0">
+              <a:lnSpc>
+                <a:spcPct val="110000"/>
+              </a:lnSpc>
+              <a:spcBef>
+                <a:spcPct val="0"/>
+              </a:spcBef>
+              <a:spcAft>
+                <a:spcPct val="0"/>
+              </a:spcAft>
+              <a:buFont typeface="Lucida Grande" charset="0"/>
+              <a:buChar char="–"/>
+              <a:tabLst>
+                <a:tab pos="0" algn="l"/>
+                <a:tab pos="457200" algn="l"/>
+                <a:tab pos="914400" algn="l"/>
+                <a:tab pos="1371600" algn="l"/>
+                <a:tab pos="1828800" algn="l"/>
+                <a:tab pos="2286000" algn="l"/>
+                <a:tab pos="2743200" algn="l"/>
+                <a:tab pos="3200400" algn="l"/>
+                <a:tab pos="3657600" algn="l"/>
+                <a:tab pos="4114800" algn="l"/>
+                <a:tab pos="4572000" algn="l"/>
+                <a:tab pos="5029200" algn="l"/>
+                <a:tab pos="5486400" algn="l"/>
+                <a:tab pos="5943600" algn="l"/>
+                <a:tab pos="6400800" algn="l"/>
+                <a:tab pos="6858000" algn="l"/>
+                <a:tab pos="7315200" algn="l"/>
+                <a:tab pos="7772400" algn="l"/>
+                <a:tab pos="8229600" algn="l"/>
+                <a:tab pos="8686800" algn="l"/>
+                <a:tab pos="9144000" algn="l"/>
+              </a:tabLst>
+              <a:defRPr sz="2400">
+                <a:solidFill>
+                  <a:schemeClr val="tx1"/>
+                </a:solidFill>
+                <a:latin typeface="Arial Narrow" pitchFamily="34" charset="0"/>
+                <a:ea typeface="ヒラギノ角ゴ Pro W3" charset="-128"/>
+              </a:defRPr>
+            </a:lvl9pPr>
+          </a:lstStyle>
+          <a:p>
+            <a:pPr marL="85725" indent="-85725">
+              <a:buClr>
+                <a:srgbClr val="000000"/>
+              </a:buClr>
+            </a:pPr>
+            <a:r>
+              <a:rPr lang="en-US" altLang="ko-KR" sz="1100" dirty="0">
+                <a:solidFill>
+                  <a:srgbClr val="003B6E"/>
+                </a:solidFill>
+                <a:latin typeface="+mj-lt"/>
+                <a:ea typeface="Gulim" pitchFamily="34" charset="-127"/>
+                <a:cs typeface="Arial Unicode MS" pitchFamily="34" charset="-128"/>
+              </a:rPr>
+              <a:t>Morris Screening Method </a:t>
+            </a:r>
+            <a:r>
+              <a:rPr lang="en-US" altLang="ko-KR" sz="1100" dirty="0">
+                <a:solidFill>
+                  <a:srgbClr val="003B6E"/>
+                </a:solidFill>
+                <a:latin typeface="Courier New" panose="02070309020205020404" pitchFamily="49" charset="0"/>
+                <a:ea typeface="Gulim" pitchFamily="34" charset="-127"/>
+                <a:cs typeface="Courier New" panose="02070309020205020404" pitchFamily="49" charset="0"/>
+              </a:rPr>
+              <a:t>(</a:t>
+            </a:r>
+            <a:r>
+              <a:rPr lang="en-US" altLang="ko-KR" sz="1100" dirty="0" err="1">
+                <a:solidFill>
+                  <a:srgbClr val="003B6E"/>
+                </a:solidFill>
+                <a:latin typeface="Courier New" panose="02070309020205020404" pitchFamily="49" charset="0"/>
+                <a:ea typeface="Gulim" pitchFamily="34" charset="-127"/>
+                <a:cs typeface="Courier New" panose="02070309020205020404" pitchFamily="49" charset="0"/>
+              </a:rPr>
+              <a:t>morris</a:t>
+            </a:r>
+            <a:r>
+              <a:rPr lang="en-US" altLang="ko-KR" sz="1000" dirty="0">
+                <a:solidFill>
+                  <a:srgbClr val="003B6E"/>
+                </a:solidFill>
+                <a:latin typeface="Courier New" panose="02070309020205020404" pitchFamily="49" charset="0"/>
+                <a:ea typeface="Gulim" pitchFamily="34" charset="-127"/>
+                <a:cs typeface="Courier New" panose="02070309020205020404" pitchFamily="49" charset="0"/>
+              </a:rPr>
+              <a:t>)</a:t>
+            </a:r>
+            <a:endParaRPr lang="en-US" altLang="ko-KR" sz="1050" dirty="0">
+              <a:solidFill>
+                <a:srgbClr val="003B6E"/>
+              </a:solidFill>
+              <a:latin typeface="Courier New" panose="02070309020205020404" pitchFamily="49" charset="0"/>
+              <a:ea typeface="Gulim" pitchFamily="34" charset="-127"/>
+              <a:cs typeface="Courier New" panose="02070309020205020404" pitchFamily="49" charset="0"/>
+            </a:endParaRPr>
+          </a:p>
+        </p:txBody>
+      </p:sp>
+    </p:spTree>
+    <p:extLst>
+      <p:ext uri="{BB962C8B-B14F-4D97-AF65-F5344CB8AC3E}">
+        <p14:creationId xmlns:p14="http://schemas.microsoft.com/office/powerpoint/2010/main" val="1614828647"/>
+      </p:ext>
+    </p:extLst>
+  </p:cSld>
+  <p:clrMapOvr>
+    <a:masterClrMapping/>
+  </p:clrMapOvr>
+  <p:transition spd="med"/>
+</p:sld>
+</file>
+
+<file path=ppt/slides/slide7.xml><?xml version="1.0" encoding="utf-8"?>
+<p:sld xmlns:a="http://schemas.openxmlformats.org/drawingml/2006/main" xmlns:r="http://schemas.openxmlformats.org/officeDocument/2006/relationships" xmlns:p="http://schemas.openxmlformats.org/presentationml/2006/main">
+  <p:cSld>
+    <p:spTree>
+      <p:nvGrpSpPr>
+        <p:cNvPr id="1" name=""/>
+        <p:cNvGrpSpPr/>
+        <p:nvPr/>
+      </p:nvGrpSpPr>
+      <p:grpSpPr>
+        <a:xfrm>
+          <a:off x="0" y="0"/>
+          <a:ext cx="0" cy="0"/>
+          <a:chOff x="0" y="0"/>
+          <a:chExt cx="0" cy="0"/>
+        </a:xfrm>
+      </p:grpSpPr>
+      <p:sp>
+        <p:nvSpPr>
+          <p:cNvPr id="80" name="Bent Arrow 79"/>
+          <p:cNvSpPr/>
+          <p:nvPr/>
+        </p:nvSpPr>
+        <p:spPr>
+          <a:xfrm flipV="1">
+            <a:off x="1572901" y="3933055"/>
+            <a:ext cx="1407041" cy="995087"/>
+          </a:xfrm>
+          <a:prstGeom prst="bentArrow">
+            <a:avLst>
+              <a:gd name="adj1" fmla="val 25000"/>
+              <a:gd name="adj2" fmla="val 24425"/>
+              <a:gd name="adj3" fmla="val 25000"/>
+              <a:gd name="adj4" fmla="val 43750"/>
+            </a:avLst>
+          </a:prstGeom>
+          <a:solidFill>
+            <a:srgbClr val="C00000"/>
+          </a:solidFill>
+          <a:ln>
+            <a:solidFill>
+              <a:schemeClr val="bg1"/>
+            </a:solidFill>
+          </a:ln>
+        </p:spPr>
+        <p:style>
+          <a:lnRef idx="2">
+            <a:schemeClr val="accent1">
+              <a:shade val="50000"/>
+            </a:schemeClr>
+          </a:lnRef>
+          <a:fillRef idx="1">
+            <a:schemeClr val="accent1"/>
+          </a:fillRef>
+          <a:effectRef idx="0">
+            <a:schemeClr val="accent1"/>
+          </a:effectRef>
+          <a:fontRef idx="minor">
+            <a:schemeClr val="lt1"/>
+          </a:fontRef>
+        </p:style>
+        <p:txBody>
+          <a:bodyPr rtlCol="0" anchor="ctr"/>
+          <a:lstStyle/>
+          <a:p>
+            <a:pPr algn="ctr"/>
+            <a:endParaRPr lang="en-US">
+              <a:solidFill>
+                <a:schemeClr val="tx1"/>
+              </a:solidFill>
+            </a:endParaRPr>
+          </a:p>
+        </p:txBody>
+      </p:sp>
+      <p:sp>
+        <p:nvSpPr>
+          <p:cNvPr id="4" name="Rectangle 3"/>
+          <p:cNvSpPr/>
+          <p:nvPr/>
+        </p:nvSpPr>
+        <p:spPr>
+          <a:xfrm>
+            <a:off x="3603008" y="560888"/>
+            <a:ext cx="1276772" cy="707886"/>
+          </a:xfrm>
+          <a:prstGeom prst="rect">
+            <a:avLst/>
+          </a:prstGeom>
+        </p:spPr>
+        <p:txBody>
+          <a:bodyPr wrap="square">
+            <a:spAutoFit/>
+          </a:bodyPr>
+          <a:lstStyle/>
+          <a:p>
+            <a:pPr algn="ctr"/>
+            <a:r>
+              <a:rPr lang="en-US" sz="2000" b="1" dirty="0">
+                <a:solidFill>
+                  <a:schemeClr val="bg1"/>
+                </a:solidFill>
+                <a:latin typeface="+mn-lt"/>
+              </a:rPr>
+              <a:t>TRACE </a:t>
+            </a:r>
+            <a:br>
+              <a:rPr lang="en-US" sz="2000" b="1" dirty="0">
+                <a:solidFill>
+                  <a:schemeClr val="bg1"/>
+                </a:solidFill>
+                <a:latin typeface="+mn-lt"/>
+              </a:rPr>
+            </a:br>
+            <a:r>
+              <a:rPr lang="en-US" sz="2000" b="1" dirty="0">
+                <a:solidFill>
+                  <a:schemeClr val="bg1"/>
+                </a:solidFill>
+                <a:latin typeface="+mn-lt"/>
+              </a:rPr>
+              <a:t>Launcher</a:t>
+            </a:r>
+          </a:p>
+        </p:txBody>
+      </p:sp>
+      <p:grpSp>
+        <p:nvGrpSpPr>
+          <p:cNvPr id="29" name="Group 28"/>
+          <p:cNvGrpSpPr/>
+          <p:nvPr/>
+        </p:nvGrpSpPr>
+        <p:grpSpPr>
+          <a:xfrm>
             <a:off x="3059832" y="562409"/>
             <a:ext cx="3168351" cy="1498439"/>
             <a:chOff x="4690610" y="2744313"/>
